--- a/산출물/화면정의서/MiniPX_화면정의서_V0.3.pptx
+++ b/산출물/화면정의서/MiniPX_화면정의서_V0.3.pptx
@@ -6,18 +6,19 @@
   </p:sldMasterIdLst>
   <p:sldIdLst>
     <p:sldId id="270" r:id="rId2"/>
-    <p:sldId id="272" r:id="rId3"/>
-    <p:sldId id="256" r:id="rId4"/>
-    <p:sldId id="271" r:id="rId5"/>
-    <p:sldId id="259" r:id="rId6"/>
-    <p:sldId id="257" r:id="rId7"/>
-    <p:sldId id="265" r:id="rId8"/>
-    <p:sldId id="266" r:id="rId9"/>
-    <p:sldId id="267" r:id="rId10"/>
-    <p:sldId id="268" r:id="rId11"/>
-    <p:sldId id="269" r:id="rId12"/>
-    <p:sldId id="258" r:id="rId13"/>
-    <p:sldId id="264" r:id="rId14"/>
+    <p:sldId id="273" r:id="rId3"/>
+    <p:sldId id="272" r:id="rId4"/>
+    <p:sldId id="256" r:id="rId5"/>
+    <p:sldId id="271" r:id="rId6"/>
+    <p:sldId id="259" r:id="rId7"/>
+    <p:sldId id="257" r:id="rId8"/>
+    <p:sldId id="265" r:id="rId9"/>
+    <p:sldId id="266" r:id="rId10"/>
+    <p:sldId id="267" r:id="rId11"/>
+    <p:sldId id="268" r:id="rId12"/>
+    <p:sldId id="269" r:id="rId13"/>
+    <p:sldId id="258" r:id="rId14"/>
+    <p:sldId id="264" r:id="rId15"/>
   </p:sldIdLst>
   <p:sldSz cx="12192000" cy="6858000"/>
   <p:notesSz cx="6858000" cy="9144000"/>
@@ -119,9 +120,14 @@
   <p:extLst>
     <p:ext uri="{521415D9-36F7-43E2-AB2F-B90AF26B5E84}">
       <p14:sectionLst xmlns:p14="http://schemas.microsoft.com/office/powerpoint/2010/main">
+        <p14:section name="메뉴" id="{860AC0BE-9AA7-4174-9499-4040C1E543C1}">
+          <p14:sldIdLst>
+            <p14:sldId id="270"/>
+          </p14:sldIdLst>
+        </p14:section>
         <p14:section name="프로세스" id="{B4014C04-7B59-4047-88A0-B3460168F9DF}">
           <p14:sldIdLst>
-            <p14:sldId id="270"/>
+            <p14:sldId id="273"/>
             <p14:sldId id="272"/>
           </p14:sldIdLst>
         </p14:section>
@@ -3424,7 +3430,7 @@
                   </a:schemeClr>
                 </a:solidFill>
               </a:rPr>
-              <a:t>구매 프로세스</a:t>
+              <a:t>메뉴 구조도</a:t>
             </a:r>
             <a:endParaRPr lang="en-US" altLang="ko-KR" sz="2400" dirty="0">
               <a:solidFill>
@@ -3438,24 +3444,82 @@
       </p:sp>
       <p:sp>
         <p:nvSpPr>
-          <p:cNvPr id="6" name="사각형: 둥근 모서리 5">
-            <a:extLst>
-              <a:ext uri="{FF2B5EF4-FFF2-40B4-BE49-F238E27FC236}">
-                <a16:creationId xmlns:a16="http://schemas.microsoft.com/office/drawing/2014/main" id="{4014E785-E1E0-21D6-640E-8C6725C61718}"/>
-              </a:ext>
-            </a:extLst>
-          </p:cNvPr>
-          <p:cNvSpPr/>
-          <p:nvPr/>
-        </p:nvSpPr>
-        <p:spPr>
-          <a:xfrm>
-            <a:off x="10123055" y="991759"/>
+          <p:cNvPr id="10" name="사각형: 둥근 모서리 9">
+            <a:extLst>
+              <a:ext uri="{FF2B5EF4-FFF2-40B4-BE49-F238E27FC236}">
+                <a16:creationId xmlns:a16="http://schemas.microsoft.com/office/drawing/2014/main" id="{2919861C-E798-4611-B268-8A4A7B7C6921}"/>
+              </a:ext>
+            </a:extLst>
+          </p:cNvPr>
+          <p:cNvSpPr/>
+          <p:nvPr/>
+        </p:nvSpPr>
+        <p:spPr>
+          <a:xfrm>
+            <a:off x="226293" y="1811270"/>
             <a:ext cx="1884219" cy="738909"/>
           </a:xfrm>
           <a:prstGeom prst="roundRect">
             <a:avLst/>
           </a:prstGeom>
+          <a:solidFill>
+            <a:schemeClr val="bg1">
+              <a:lumMod val="85000"/>
+            </a:schemeClr>
+          </a:solidFill>
+        </p:spPr>
+        <p:style>
+          <a:lnRef idx="2">
+            <a:schemeClr val="accent1">
+              <a:shade val="15000"/>
+            </a:schemeClr>
+          </a:lnRef>
+          <a:fillRef idx="1">
+            <a:schemeClr val="accent1"/>
+          </a:fillRef>
+          <a:effectRef idx="0">
+            <a:schemeClr val="accent1"/>
+          </a:effectRef>
+          <a:fontRef idx="minor">
+            <a:schemeClr val="lt1"/>
+          </a:fontRef>
+        </p:style>
+        <p:txBody>
+          <a:bodyPr rtlCol="0" anchor="ctr"/>
+          <a:lstStyle/>
+          <a:p>
+            <a:pPr algn="ctr"/>
+            <a:r>
+              <a:rPr lang="ko-KR" altLang="en-US" dirty="0">
+                <a:solidFill>
+                  <a:schemeClr val="tx1"/>
+                </a:solidFill>
+              </a:rPr>
+              <a:t>사용자</a:t>
+            </a:r>
+          </a:p>
+        </p:txBody>
+      </p:sp>
+      <p:sp>
+        <p:nvSpPr>
+          <p:cNvPr id="11" name="사각형: 둥근 모서리 10">
+            <a:extLst>
+              <a:ext uri="{FF2B5EF4-FFF2-40B4-BE49-F238E27FC236}">
+                <a16:creationId xmlns:a16="http://schemas.microsoft.com/office/drawing/2014/main" id="{F690AE1F-42A9-15AD-3C3F-5CACC9B9B80D}"/>
+              </a:ext>
+            </a:extLst>
+          </p:cNvPr>
+          <p:cNvSpPr/>
+          <p:nvPr/>
+        </p:nvSpPr>
+        <p:spPr>
+          <a:xfrm>
+            <a:off x="2698560" y="1811270"/>
+            <a:ext cx="1884219" cy="738909"/>
+          </a:xfrm>
+          <a:prstGeom prst="roundRect">
+            <a:avLst/>
+          </a:prstGeom>
           <a:noFill/>
         </p:spPr>
         <p:style>
@@ -3485,319 +3549,26 @@
                   <a:schemeClr val="tx1"/>
                 </a:solidFill>
               </a:rPr>
-              <a:t>구매완료</a:t>
-            </a:r>
-          </a:p>
-        </p:txBody>
-      </p:sp>
-      <p:sp>
-        <p:nvSpPr>
-          <p:cNvPr id="7" name="설명선: 위쪽 화살표 6">
-            <a:extLst>
-              <a:ext uri="{FF2B5EF4-FFF2-40B4-BE49-F238E27FC236}">
-                <a16:creationId xmlns:a16="http://schemas.microsoft.com/office/drawing/2014/main" id="{F4A196AA-2397-3C14-7C7C-EAC42CACB3E6}"/>
-              </a:ext>
-            </a:extLst>
-          </p:cNvPr>
-          <p:cNvSpPr/>
-          <p:nvPr/>
-        </p:nvSpPr>
-        <p:spPr>
-          <a:xfrm>
-            <a:off x="8340439" y="1560949"/>
-            <a:ext cx="3020291" cy="1108363"/>
-          </a:xfrm>
-          <a:prstGeom prst="upArrowCallout">
-            <a:avLst>
-              <a:gd name="adj1" fmla="val 25000"/>
-              <a:gd name="adj2" fmla="val 25000"/>
-              <a:gd name="adj3" fmla="val 25000"/>
-              <a:gd name="adj4" fmla="val 49977"/>
-            </a:avLst>
-          </a:prstGeom>
-          <a:noFill/>
-          <a:ln>
-            <a:solidFill>
-              <a:schemeClr val="tx1"/>
-            </a:solidFill>
-          </a:ln>
-        </p:spPr>
-        <p:style>
-          <a:lnRef idx="2">
-            <a:schemeClr val="accent1">
-              <a:shade val="15000"/>
-            </a:schemeClr>
-          </a:lnRef>
-          <a:fillRef idx="1">
-            <a:schemeClr val="accent1"/>
-          </a:fillRef>
-          <a:effectRef idx="0">
-            <a:schemeClr val="accent1"/>
-          </a:effectRef>
-          <a:fontRef idx="minor">
-            <a:schemeClr val="lt1"/>
-          </a:fontRef>
-        </p:style>
-        <p:txBody>
-          <a:bodyPr rtlCol="0" anchor="ctr"/>
-          <a:lstStyle/>
+              <a:t>메인</a:t>
+            </a:r>
+            <a:endParaRPr lang="en-US" altLang="ko-KR" dirty="0">
+              <a:solidFill>
+                <a:schemeClr val="tx1"/>
+              </a:solidFill>
+            </a:endParaRPr>
+          </a:p>
           <a:p>
             <a:pPr algn="ctr"/>
             <a:r>
-              <a:rPr lang="ko-KR" altLang="en-US" dirty="0">
-                <a:solidFill>
-                  <a:schemeClr val="tx1"/>
-                </a:solidFill>
-              </a:rPr>
-              <a:t>물품구입 </a:t>
-            </a:r>
-            <a:r>
-              <a:rPr lang="en-US" altLang="ko-KR" dirty="0">
-                <a:solidFill>
-                  <a:schemeClr val="tx1"/>
-                </a:solidFill>
-              </a:rPr>
-              <a:t>-&gt; </a:t>
-            </a:r>
-            <a:r>
-              <a:rPr lang="ko-KR" altLang="en-US" dirty="0">
-                <a:solidFill>
-                  <a:schemeClr val="tx1"/>
-                </a:solidFill>
-              </a:rPr>
-              <a:t>배송 </a:t>
-            </a:r>
-            <a:r>
-              <a:rPr lang="en-US" altLang="ko-KR" dirty="0">
-                <a:solidFill>
-                  <a:schemeClr val="tx1"/>
-                </a:solidFill>
-              </a:rPr>
-              <a:t>-&gt; </a:t>
-            </a:r>
-            <a:r>
-              <a:rPr lang="ko-KR" altLang="en-US" dirty="0">
-                <a:solidFill>
-                  <a:schemeClr val="tx1"/>
-                </a:solidFill>
-              </a:rPr>
-              <a:t>입금</a:t>
-            </a:r>
-          </a:p>
-        </p:txBody>
-      </p:sp>
-      <p:sp>
-        <p:nvSpPr>
-          <p:cNvPr id="10" name="사각형: 둥근 모서리 9">
-            <a:extLst>
-              <a:ext uri="{FF2B5EF4-FFF2-40B4-BE49-F238E27FC236}">
-                <a16:creationId xmlns:a16="http://schemas.microsoft.com/office/drawing/2014/main" id="{2919861C-E798-4611-B268-8A4A7B7C6921}"/>
-              </a:ext>
-            </a:extLst>
-          </p:cNvPr>
-          <p:cNvSpPr/>
-          <p:nvPr/>
-        </p:nvSpPr>
-        <p:spPr>
-          <a:xfrm>
-            <a:off x="226293" y="991759"/>
-            <a:ext cx="1884219" cy="738909"/>
-          </a:xfrm>
-          <a:prstGeom prst="roundRect">
-            <a:avLst/>
-          </a:prstGeom>
-          <a:noFill/>
-        </p:spPr>
-        <p:style>
-          <a:lnRef idx="2">
-            <a:schemeClr val="accent1">
-              <a:shade val="15000"/>
-            </a:schemeClr>
-          </a:lnRef>
-          <a:fillRef idx="1">
-            <a:schemeClr val="accent1"/>
-          </a:fillRef>
-          <a:effectRef idx="0">
-            <a:schemeClr val="accent1"/>
-          </a:effectRef>
-          <a:fontRef idx="minor">
-            <a:schemeClr val="lt1"/>
-          </a:fontRef>
-        </p:style>
-        <p:txBody>
-          <a:bodyPr rtlCol="0" anchor="ctr"/>
-          <a:lstStyle/>
-          <a:p>
-            <a:pPr algn="ctr"/>
-            <a:r>
-              <a:rPr lang="ko-KR" altLang="en-US" dirty="0">
-                <a:solidFill>
-                  <a:schemeClr val="tx1"/>
-                </a:solidFill>
-              </a:rPr>
-              <a:t>상품 목록 조회</a:t>
-            </a:r>
-          </a:p>
-        </p:txBody>
-      </p:sp>
-      <p:sp>
-        <p:nvSpPr>
-          <p:cNvPr id="11" name="사각형: 둥근 모서리 10">
-            <a:extLst>
-              <a:ext uri="{FF2B5EF4-FFF2-40B4-BE49-F238E27FC236}">
-                <a16:creationId xmlns:a16="http://schemas.microsoft.com/office/drawing/2014/main" id="{F690AE1F-42A9-15AD-3C3F-5CACC9B9B80D}"/>
-              </a:ext>
-            </a:extLst>
-          </p:cNvPr>
-          <p:cNvSpPr/>
-          <p:nvPr/>
-        </p:nvSpPr>
-        <p:spPr>
-          <a:xfrm>
-            <a:off x="2698560" y="991759"/>
-            <a:ext cx="1884219" cy="738909"/>
-          </a:xfrm>
-          <a:prstGeom prst="roundRect">
-            <a:avLst/>
-          </a:prstGeom>
-          <a:noFill/>
-        </p:spPr>
-        <p:style>
-          <a:lnRef idx="2">
-            <a:schemeClr val="accent1">
-              <a:shade val="15000"/>
-            </a:schemeClr>
-          </a:lnRef>
-          <a:fillRef idx="1">
-            <a:schemeClr val="accent1"/>
-          </a:fillRef>
-          <a:effectRef idx="0">
-            <a:schemeClr val="accent1"/>
-          </a:effectRef>
-          <a:fontRef idx="minor">
-            <a:schemeClr val="lt1"/>
-          </a:fontRef>
-        </p:style>
-        <p:txBody>
-          <a:bodyPr rtlCol="0" anchor="ctr"/>
-          <a:lstStyle/>
-          <a:p>
-            <a:pPr algn="ctr"/>
-            <a:r>
-              <a:rPr lang="ko-KR" altLang="en-US" dirty="0">
-                <a:solidFill>
-                  <a:schemeClr val="tx1"/>
-                </a:solidFill>
-              </a:rPr>
-              <a:t>상품 상세 조회</a:t>
-            </a:r>
-          </a:p>
-        </p:txBody>
-      </p:sp>
-      <p:sp>
-        <p:nvSpPr>
-          <p:cNvPr id="12" name="사각형: 둥근 모서리 11">
-            <a:extLst>
-              <a:ext uri="{FF2B5EF4-FFF2-40B4-BE49-F238E27FC236}">
-                <a16:creationId xmlns:a16="http://schemas.microsoft.com/office/drawing/2014/main" id="{A095FBDF-9F85-0D4B-9226-B02C8B8746D4}"/>
-              </a:ext>
-            </a:extLst>
-          </p:cNvPr>
-          <p:cNvSpPr/>
-          <p:nvPr/>
-        </p:nvSpPr>
-        <p:spPr>
-          <a:xfrm>
-            <a:off x="5170827" y="991759"/>
-            <a:ext cx="1884219" cy="738909"/>
-          </a:xfrm>
-          <a:prstGeom prst="roundRect">
-            <a:avLst/>
-          </a:prstGeom>
-          <a:noFill/>
-        </p:spPr>
-        <p:style>
-          <a:lnRef idx="2">
-            <a:schemeClr val="accent1">
-              <a:shade val="15000"/>
-            </a:schemeClr>
-          </a:lnRef>
-          <a:fillRef idx="1">
-            <a:schemeClr val="accent1"/>
-          </a:fillRef>
-          <a:effectRef idx="0">
-            <a:schemeClr val="accent1"/>
-          </a:effectRef>
-          <a:fontRef idx="minor">
-            <a:schemeClr val="lt1"/>
-          </a:fontRef>
-        </p:style>
-        <p:txBody>
-          <a:bodyPr rtlCol="0" anchor="ctr"/>
-          <a:lstStyle/>
-          <a:p>
-            <a:pPr algn="ctr"/>
-            <a:r>
-              <a:rPr lang="ko-KR" altLang="en-US" dirty="0">
-                <a:solidFill>
-                  <a:schemeClr val="tx1"/>
-                </a:solidFill>
-              </a:rPr>
-              <a:t>장바구니</a:t>
-            </a:r>
-          </a:p>
-        </p:txBody>
-      </p:sp>
-      <p:sp>
-        <p:nvSpPr>
-          <p:cNvPr id="13" name="사각형: 둥근 모서리 12">
-            <a:extLst>
-              <a:ext uri="{FF2B5EF4-FFF2-40B4-BE49-F238E27FC236}">
-                <a16:creationId xmlns:a16="http://schemas.microsoft.com/office/drawing/2014/main" id="{F397B6C6-D698-5393-8EAB-9B80F36550CD}"/>
-              </a:ext>
-            </a:extLst>
-          </p:cNvPr>
-          <p:cNvSpPr/>
-          <p:nvPr/>
-        </p:nvSpPr>
-        <p:spPr>
-          <a:xfrm>
-            <a:off x="7643093" y="991759"/>
-            <a:ext cx="1884219" cy="738909"/>
-          </a:xfrm>
-          <a:prstGeom prst="roundRect">
-            <a:avLst/>
-          </a:prstGeom>
-          <a:noFill/>
-        </p:spPr>
-        <p:style>
-          <a:lnRef idx="2">
-            <a:schemeClr val="accent1">
-              <a:shade val="15000"/>
-            </a:schemeClr>
-          </a:lnRef>
-          <a:fillRef idx="1">
-            <a:schemeClr val="accent1"/>
-          </a:fillRef>
-          <a:effectRef idx="0">
-            <a:schemeClr val="accent1"/>
-          </a:effectRef>
-          <a:fontRef idx="minor">
-            <a:schemeClr val="lt1"/>
-          </a:fontRef>
-        </p:style>
-        <p:txBody>
-          <a:bodyPr rtlCol="0" anchor="ctr"/>
-          <a:lstStyle/>
-          <a:p>
-            <a:pPr algn="ctr"/>
-            <a:r>
-              <a:rPr lang="ko-KR" altLang="en-US">
-                <a:solidFill>
-                  <a:schemeClr val="tx1"/>
-                </a:solidFill>
-              </a:rPr>
-              <a:t>구매요청</a:t>
+              <a:rPr lang="en-US" altLang="ko-KR" sz="1200" dirty="0">
+                <a:solidFill>
+                  <a:prstClr val="black">
+                    <a:lumMod val="50000"/>
+                    <a:lumOff val="50000"/>
+                  </a:prstClr>
+                </a:solidFill>
+              </a:rPr>
+              <a:t>main</a:t>
             </a:r>
             <a:endParaRPr lang="ko-KR" altLang="en-US" dirty="0">
               <a:solidFill>
@@ -3807,66 +3578,12 @@
           </a:p>
         </p:txBody>
       </p:sp>
-      <p:sp>
-        <p:nvSpPr>
-          <p:cNvPr id="16" name="사각형: 둥근 모서리 15">
-            <a:extLst>
-              <a:ext uri="{FF2B5EF4-FFF2-40B4-BE49-F238E27FC236}">
-                <a16:creationId xmlns:a16="http://schemas.microsoft.com/office/drawing/2014/main" id="{D0428BF7-23C9-50CD-2245-CB7BEA9C80D8}"/>
-              </a:ext>
-            </a:extLst>
-          </p:cNvPr>
-          <p:cNvSpPr/>
-          <p:nvPr/>
-        </p:nvSpPr>
-        <p:spPr>
-          <a:xfrm>
-            <a:off x="5170827" y="1930404"/>
-            <a:ext cx="1884219" cy="738909"/>
-          </a:xfrm>
-          <a:prstGeom prst="roundRect">
-            <a:avLst/>
-          </a:prstGeom>
-          <a:noFill/>
-        </p:spPr>
-        <p:style>
-          <a:lnRef idx="2">
-            <a:schemeClr val="accent1">
-              <a:shade val="15000"/>
-            </a:schemeClr>
-          </a:lnRef>
-          <a:fillRef idx="1">
-            <a:schemeClr val="accent1"/>
-          </a:fillRef>
-          <a:effectRef idx="0">
-            <a:schemeClr val="accent1"/>
-          </a:effectRef>
-          <a:fontRef idx="minor">
-            <a:schemeClr val="lt1"/>
-          </a:fontRef>
-        </p:style>
-        <p:txBody>
-          <a:bodyPr rtlCol="0" anchor="ctr"/>
-          <a:lstStyle/>
-          <a:p>
-            <a:pPr algn="ctr"/>
-            <a:r>
-              <a:rPr lang="ko-KR" altLang="en-US" dirty="0">
-                <a:solidFill>
-                  <a:schemeClr val="tx1"/>
-                </a:solidFill>
-              </a:rPr>
-              <a:t>장바구니</a:t>
-            </a:r>
-          </a:p>
-        </p:txBody>
-      </p:sp>
       <p:cxnSp>
         <p:nvCxnSpPr>
-          <p:cNvPr id="26" name="직선 화살표 연결선 25">
-            <a:extLst>
-              <a:ext uri="{FF2B5EF4-FFF2-40B4-BE49-F238E27FC236}">
-                <a16:creationId xmlns:a16="http://schemas.microsoft.com/office/drawing/2014/main" id="{014BCC77-286C-F35E-4916-DDCEE37831BF}"/>
+          <p:cNvPr id="31" name="직선 화살표 연결선 30">
+            <a:extLst>
+              <a:ext uri="{FF2B5EF4-FFF2-40B4-BE49-F238E27FC236}">
+                <a16:creationId xmlns:a16="http://schemas.microsoft.com/office/drawing/2014/main" id="{395BEA3B-2356-71AF-5EE1-01976A94BAFE}"/>
               </a:ext>
             </a:extLst>
           </p:cNvPr>
@@ -3877,7 +3594,7 @@
         </p:nvCxnSpPr>
         <p:spPr>
           <a:xfrm>
-            <a:off x="4582778" y="1361213"/>
+            <a:off x="2110512" y="2180724"/>
             <a:ext cx="588048" cy="0"/>
           </a:xfrm>
           <a:prstGeom prst="straightConnector1">
@@ -3902,12 +3619,155 @@
           </a:fontRef>
         </p:style>
       </p:cxnSp>
+      <p:sp>
+        <p:nvSpPr>
+          <p:cNvPr id="4" name="사각형: 둥근 모서리 3">
+            <a:extLst>
+              <a:ext uri="{FF2B5EF4-FFF2-40B4-BE49-F238E27FC236}">
+                <a16:creationId xmlns:a16="http://schemas.microsoft.com/office/drawing/2014/main" id="{E91DC3FD-A12A-5851-8B64-7559B2BADB84}"/>
+              </a:ext>
+            </a:extLst>
+          </p:cNvPr>
+          <p:cNvSpPr/>
+          <p:nvPr/>
+        </p:nvSpPr>
+        <p:spPr>
+          <a:xfrm>
+            <a:off x="226293" y="663286"/>
+            <a:ext cx="1884219" cy="738909"/>
+          </a:xfrm>
+          <a:prstGeom prst="roundRect">
+            <a:avLst/>
+          </a:prstGeom>
+          <a:solidFill>
+            <a:schemeClr val="bg1">
+              <a:lumMod val="85000"/>
+            </a:schemeClr>
+          </a:solidFill>
+        </p:spPr>
+        <p:style>
+          <a:lnRef idx="2">
+            <a:schemeClr val="accent1">
+              <a:shade val="15000"/>
+            </a:schemeClr>
+          </a:lnRef>
+          <a:fillRef idx="1">
+            <a:schemeClr val="accent1"/>
+          </a:fillRef>
+          <a:effectRef idx="0">
+            <a:schemeClr val="accent1"/>
+          </a:effectRef>
+          <a:fontRef idx="minor">
+            <a:schemeClr val="lt1"/>
+          </a:fontRef>
+        </p:style>
+        <p:txBody>
+          <a:bodyPr rtlCol="0" anchor="ctr"/>
+          <a:lstStyle/>
+          <a:p>
+            <a:pPr algn="ctr"/>
+            <a:r>
+              <a:rPr lang="ko-KR" altLang="en-US" dirty="0">
+                <a:solidFill>
+                  <a:schemeClr val="tx1"/>
+                </a:solidFill>
+              </a:rPr>
+              <a:t>공통</a:t>
+            </a:r>
+          </a:p>
+        </p:txBody>
+      </p:sp>
+      <p:sp>
+        <p:nvSpPr>
+          <p:cNvPr id="5" name="사각형: 둥근 모서리 4">
+            <a:extLst>
+              <a:ext uri="{FF2B5EF4-FFF2-40B4-BE49-F238E27FC236}">
+                <a16:creationId xmlns:a16="http://schemas.microsoft.com/office/drawing/2014/main" id="{0697D702-AAE7-4FF3-155A-E9923FB4AD80}"/>
+              </a:ext>
+            </a:extLst>
+          </p:cNvPr>
+          <p:cNvSpPr/>
+          <p:nvPr/>
+        </p:nvSpPr>
+        <p:spPr>
+          <a:xfrm>
+            <a:off x="2698560" y="663286"/>
+            <a:ext cx="1884219" cy="738909"/>
+          </a:xfrm>
+          <a:prstGeom prst="roundRect">
+            <a:avLst/>
+          </a:prstGeom>
+          <a:noFill/>
+        </p:spPr>
+        <p:style>
+          <a:lnRef idx="2">
+            <a:schemeClr val="accent1">
+              <a:shade val="15000"/>
+            </a:schemeClr>
+          </a:lnRef>
+          <a:fillRef idx="1">
+            <a:schemeClr val="accent1"/>
+          </a:fillRef>
+          <a:effectRef idx="0">
+            <a:schemeClr val="accent1"/>
+          </a:effectRef>
+          <a:fontRef idx="minor">
+            <a:schemeClr val="lt1"/>
+          </a:fontRef>
+        </p:style>
+        <p:txBody>
+          <a:bodyPr rtlCol="0" anchor="ctr"/>
+          <a:lstStyle/>
+          <a:p>
+            <a:pPr algn="ctr"/>
+            <a:r>
+              <a:rPr lang="ko-KR" altLang="en-US" dirty="0">
+                <a:solidFill>
+                  <a:schemeClr val="tx1"/>
+                </a:solidFill>
+              </a:rPr>
+              <a:t>로그인</a:t>
+            </a:r>
+            <a:endParaRPr lang="en-US" altLang="ko-KR" dirty="0">
+              <a:solidFill>
+                <a:schemeClr val="tx1"/>
+              </a:solidFill>
+            </a:endParaRPr>
+          </a:p>
+          <a:p>
+            <a:pPr algn="ctr"/>
+            <a:r>
+              <a:rPr lang="en-US" altLang="ko-KR" sz="1200" dirty="0">
+                <a:solidFill>
+                  <a:prstClr val="black">
+                    <a:lumMod val="50000"/>
+                    <a:lumOff val="50000"/>
+                  </a:prstClr>
+                </a:solidFill>
+                <a:latin typeface="맑은 고딕" panose="020F0502020204030204"/>
+                <a:ea typeface="맑은 고딕" panose="020B0503020000020004" pitchFamily="50" charset="-127"/>
+              </a:rPr>
+              <a:t>login</a:t>
+            </a:r>
+            <a:endParaRPr lang="ko-KR" altLang="en-US" sz="1200" dirty="0">
+              <a:solidFill>
+                <a:prstClr val="black">
+                  <a:lumMod val="50000"/>
+                  <a:lumOff val="50000"/>
+                </a:prstClr>
+              </a:solidFill>
+              <a:latin typeface="맑은 고딕" panose="020F0502020204030204"/>
+              <a:ea typeface="맑은 고딕" panose="020B0503020000020004" pitchFamily="50" charset="-127"/>
+            </a:endParaRPr>
+          </a:p>
+        </p:txBody>
+      </p:sp>
       <p:cxnSp>
         <p:nvCxnSpPr>
-          <p:cNvPr id="30" name="직선 화살표 연결선 29">
-            <a:extLst>
-              <a:ext uri="{FF2B5EF4-FFF2-40B4-BE49-F238E27FC236}">
-                <a16:creationId xmlns:a16="http://schemas.microsoft.com/office/drawing/2014/main" id="{FD715377-13E7-C0B4-BF4C-EA008222CE49}"/>
+          <p:cNvPr id="8" name="직선 화살표 연결선 7">
+            <a:extLst>
+              <a:ext uri="{FF2B5EF4-FFF2-40B4-BE49-F238E27FC236}">
+                <a16:creationId xmlns:a16="http://schemas.microsoft.com/office/drawing/2014/main" id="{0B91E5D6-4E7F-5592-D0A0-069F27CAFB98}"/>
               </a:ext>
             </a:extLst>
           </p:cNvPr>
@@ -3918,7 +3778,7 @@
         </p:nvCxnSpPr>
         <p:spPr>
           <a:xfrm>
-            <a:off x="7055045" y="1361213"/>
+            <a:off x="2110512" y="1067914"/>
             <a:ext cx="588048" cy="0"/>
           </a:xfrm>
           <a:prstGeom prst="straightConnector1">
@@ -3943,12 +3803,92 @@
           </a:fontRef>
         </p:style>
       </p:cxnSp>
+      <p:sp>
+        <p:nvSpPr>
+          <p:cNvPr id="9" name="사각형: 둥근 모서리 8">
+            <a:extLst>
+              <a:ext uri="{FF2B5EF4-FFF2-40B4-BE49-F238E27FC236}">
+                <a16:creationId xmlns:a16="http://schemas.microsoft.com/office/drawing/2014/main" id="{41B21770-4C27-5100-7D32-3DD83FF3D486}"/>
+              </a:ext>
+            </a:extLst>
+          </p:cNvPr>
+          <p:cNvSpPr/>
+          <p:nvPr/>
+        </p:nvSpPr>
+        <p:spPr>
+          <a:xfrm>
+            <a:off x="2698560" y="2749915"/>
+            <a:ext cx="1884219" cy="760390"/>
+          </a:xfrm>
+          <a:prstGeom prst="roundRect">
+            <a:avLst>
+              <a:gd name="adj" fmla="val 17024"/>
+            </a:avLst>
+          </a:prstGeom>
+          <a:noFill/>
+        </p:spPr>
+        <p:style>
+          <a:lnRef idx="2">
+            <a:schemeClr val="accent1">
+              <a:shade val="15000"/>
+            </a:schemeClr>
+          </a:lnRef>
+          <a:fillRef idx="1">
+            <a:schemeClr val="accent1"/>
+          </a:fillRef>
+          <a:effectRef idx="0">
+            <a:schemeClr val="accent1"/>
+          </a:effectRef>
+          <a:fontRef idx="minor">
+            <a:schemeClr val="lt1"/>
+          </a:fontRef>
+        </p:style>
+        <p:txBody>
+          <a:bodyPr rtlCol="0" anchor="ctr"/>
+          <a:lstStyle/>
+          <a:p>
+            <a:pPr algn="ctr"/>
+            <a:r>
+              <a:rPr lang="ko-KR" altLang="en-US" dirty="0">
+                <a:solidFill>
+                  <a:schemeClr val="tx1"/>
+                </a:solidFill>
+              </a:rPr>
+              <a:t>상품</a:t>
+            </a:r>
+            <a:endParaRPr lang="en-US" altLang="ko-KR" dirty="0">
+              <a:solidFill>
+                <a:schemeClr val="tx1"/>
+              </a:solidFill>
+            </a:endParaRPr>
+          </a:p>
+          <a:p>
+            <a:pPr algn="ctr"/>
+            <a:r>
+              <a:rPr lang="en-US" altLang="ko-KR" sz="1200" dirty="0">
+                <a:solidFill>
+                  <a:prstClr val="black">
+                    <a:lumMod val="50000"/>
+                    <a:lumOff val="50000"/>
+                  </a:prstClr>
+                </a:solidFill>
+              </a:rPr>
+              <a:t>market</a:t>
+            </a:r>
+            <a:endParaRPr lang="ko-KR" altLang="en-US" dirty="0">
+              <a:solidFill>
+                <a:schemeClr val="tx1"/>
+              </a:solidFill>
+            </a:endParaRPr>
+          </a:p>
+        </p:txBody>
+      </p:sp>
       <p:cxnSp>
         <p:nvCxnSpPr>
-          <p:cNvPr id="31" name="직선 화살표 연결선 30">
-            <a:extLst>
-              <a:ext uri="{FF2B5EF4-FFF2-40B4-BE49-F238E27FC236}">
-                <a16:creationId xmlns:a16="http://schemas.microsoft.com/office/drawing/2014/main" id="{395BEA3B-2356-71AF-5EE1-01976A94BAFE}"/>
+          <p:cNvPr id="14" name="직선 화살표 연결선 13">
+            <a:extLst>
+              <a:ext uri="{FF2B5EF4-FFF2-40B4-BE49-F238E27FC236}">
+                <a16:creationId xmlns:a16="http://schemas.microsoft.com/office/drawing/2014/main" id="{318B0D3C-0810-0178-E054-584CACDFFA03}"/>
               </a:ext>
             </a:extLst>
           </p:cNvPr>
@@ -3959,8 +3899,8 @@
         </p:nvCxnSpPr>
         <p:spPr>
           <a:xfrm>
-            <a:off x="2110512" y="1361213"/>
-            <a:ext cx="588048" cy="0"/>
+            <a:off x="2350654" y="3119369"/>
+            <a:ext cx="360000" cy="0"/>
           </a:xfrm>
           <a:prstGeom prst="straightConnector1">
             <a:avLst/>
@@ -3984,31 +3924,105 @@
           </a:fontRef>
         </p:style>
       </p:cxnSp>
+      <p:sp>
+        <p:nvSpPr>
+          <p:cNvPr id="15" name="사각형: 둥근 모서리 14">
+            <a:extLst>
+              <a:ext uri="{FF2B5EF4-FFF2-40B4-BE49-F238E27FC236}">
+                <a16:creationId xmlns:a16="http://schemas.microsoft.com/office/drawing/2014/main" id="{70551124-B5FA-487F-3A58-4D02F6555D7D}"/>
+              </a:ext>
+            </a:extLst>
+          </p:cNvPr>
+          <p:cNvSpPr/>
+          <p:nvPr/>
+        </p:nvSpPr>
+        <p:spPr>
+          <a:xfrm>
+            <a:off x="5170827" y="2760657"/>
+            <a:ext cx="1884219" cy="738909"/>
+          </a:xfrm>
+          <a:prstGeom prst="roundRect">
+            <a:avLst/>
+          </a:prstGeom>
+          <a:noFill/>
+        </p:spPr>
+        <p:style>
+          <a:lnRef idx="2">
+            <a:schemeClr val="accent1">
+              <a:shade val="15000"/>
+            </a:schemeClr>
+          </a:lnRef>
+          <a:fillRef idx="1">
+            <a:schemeClr val="accent1"/>
+          </a:fillRef>
+          <a:effectRef idx="0">
+            <a:schemeClr val="accent1"/>
+          </a:effectRef>
+          <a:fontRef idx="minor">
+            <a:schemeClr val="lt1"/>
+          </a:fontRef>
+        </p:style>
+        <p:txBody>
+          <a:bodyPr rtlCol="0" anchor="ctr"/>
+          <a:lstStyle/>
+          <a:p>
+            <a:pPr algn="ctr"/>
+            <a:r>
+              <a:rPr lang="ko-KR" altLang="en-US" dirty="0">
+                <a:solidFill>
+                  <a:schemeClr val="tx1"/>
+                </a:solidFill>
+              </a:rPr>
+              <a:t>상품조회</a:t>
+            </a:r>
+            <a:endParaRPr lang="en-US" altLang="ko-KR" dirty="0">
+              <a:solidFill>
+                <a:schemeClr val="tx1"/>
+              </a:solidFill>
+            </a:endParaRPr>
+          </a:p>
+          <a:p>
+            <a:pPr algn="ctr"/>
+            <a:r>
+              <a:rPr lang="en-US" altLang="ko-KR" sz="1200" dirty="0">
+                <a:solidFill>
+                  <a:prstClr val="black">
+                    <a:lumMod val="50000"/>
+                    <a:lumOff val="50000"/>
+                  </a:prstClr>
+                </a:solidFill>
+              </a:rPr>
+              <a:t>market/item/list</a:t>
+            </a:r>
+            <a:endParaRPr lang="ko-KR" altLang="en-US" dirty="0">
+              <a:solidFill>
+                <a:schemeClr val="tx1"/>
+              </a:solidFill>
+            </a:endParaRPr>
+          </a:p>
+        </p:txBody>
+      </p:sp>
       <p:cxnSp>
         <p:nvCxnSpPr>
-          <p:cNvPr id="32" name="연결선: 꺾임 31">
-            <a:extLst>
-              <a:ext uri="{FF2B5EF4-FFF2-40B4-BE49-F238E27FC236}">
-                <a16:creationId xmlns:a16="http://schemas.microsoft.com/office/drawing/2014/main" id="{463F10FD-E0AC-D80C-862F-A429DCD145D5}"/>
+          <p:cNvPr id="17" name="직선 화살표 연결선 16">
+            <a:extLst>
+              <a:ext uri="{FF2B5EF4-FFF2-40B4-BE49-F238E27FC236}">
+                <a16:creationId xmlns:a16="http://schemas.microsoft.com/office/drawing/2014/main" id="{9B24D329-9046-69FE-045D-2396F2A15FE5}"/>
               </a:ext>
             </a:extLst>
           </p:cNvPr>
           <p:cNvCxnSpPr>
             <a:cxnSpLocks/>
-            <a:stCxn id="10" idx="3"/>
-            <a:endCxn id="16" idx="1"/>
           </p:cNvCxnSpPr>
           <p:nvPr/>
         </p:nvCxnSpPr>
         <p:spPr>
           <a:xfrm>
-            <a:off x="2110512" y="1361214"/>
-            <a:ext cx="3060315" cy="938645"/>
-          </a:xfrm>
-          <a:prstGeom prst="bentConnector3">
-            <a:avLst>
-              <a:gd name="adj1" fmla="val 9557"/>
-            </a:avLst>
+            <a:off x="4582779" y="3130111"/>
+            <a:ext cx="588048" cy="0"/>
+          </a:xfrm>
+          <a:prstGeom prst="straightConnector1">
+            <a:avLst/>
           </a:prstGeom>
           <a:ln w="38100">
             <a:tailEnd type="triangle"/>
@@ -4029,31 +4043,172 @@
           </a:fontRef>
         </p:style>
       </p:cxnSp>
+      <p:sp>
+        <p:nvSpPr>
+          <p:cNvPr id="18" name="직사각형 17">
+            <a:extLst>
+              <a:ext uri="{FF2B5EF4-FFF2-40B4-BE49-F238E27FC236}">
+                <a16:creationId xmlns:a16="http://schemas.microsoft.com/office/drawing/2014/main" id="{3E69CCDA-9541-38D3-4A53-1434AFD71E27}"/>
+              </a:ext>
+            </a:extLst>
+          </p:cNvPr>
+          <p:cNvSpPr/>
+          <p:nvPr/>
+        </p:nvSpPr>
+        <p:spPr>
+          <a:xfrm>
+            <a:off x="10115357" y="2760657"/>
+            <a:ext cx="1884219" cy="303355"/>
+          </a:xfrm>
+          <a:prstGeom prst="rect">
+            <a:avLst/>
+          </a:prstGeom>
+          <a:noFill/>
+        </p:spPr>
+        <p:style>
+          <a:lnRef idx="2">
+            <a:schemeClr val="accent1">
+              <a:shade val="15000"/>
+            </a:schemeClr>
+          </a:lnRef>
+          <a:fillRef idx="1">
+            <a:schemeClr val="accent1"/>
+          </a:fillRef>
+          <a:effectRef idx="0">
+            <a:schemeClr val="accent1"/>
+          </a:effectRef>
+          <a:fontRef idx="minor">
+            <a:schemeClr val="lt1"/>
+          </a:fontRef>
+        </p:style>
+        <p:txBody>
+          <a:bodyPr rtlCol="0" anchor="ctr"/>
+          <a:lstStyle/>
+          <a:p>
+            <a:pPr algn="ctr"/>
+            <a:r>
+              <a:rPr lang="ko-KR" altLang="en-US" sz="1200" dirty="0">
+                <a:solidFill>
+                  <a:schemeClr val="tx1"/>
+                </a:solidFill>
+              </a:rPr>
+              <a:t>구매요청</a:t>
+            </a:r>
+            <a:r>
+              <a:rPr lang="en-US" altLang="ko-KR" sz="1200" dirty="0">
+                <a:solidFill>
+                  <a:schemeClr val="tx1"/>
+                </a:solidFill>
+              </a:rPr>
+              <a:t>(.do)</a:t>
+            </a:r>
+            <a:endParaRPr lang="ko-KR" altLang="en-US" sz="1200" dirty="0">
+              <a:solidFill>
+                <a:schemeClr val="tx1"/>
+              </a:solidFill>
+            </a:endParaRPr>
+          </a:p>
+        </p:txBody>
+      </p:sp>
+      <p:sp>
+        <p:nvSpPr>
+          <p:cNvPr id="22" name="사각형: 둥근 모서리 21">
+            <a:extLst>
+              <a:ext uri="{FF2B5EF4-FFF2-40B4-BE49-F238E27FC236}">
+                <a16:creationId xmlns:a16="http://schemas.microsoft.com/office/drawing/2014/main" id="{58268DAE-1233-BF6D-D93A-09DD9AC76DE9}"/>
+              </a:ext>
+            </a:extLst>
+          </p:cNvPr>
+          <p:cNvSpPr/>
+          <p:nvPr/>
+        </p:nvSpPr>
+        <p:spPr>
+          <a:xfrm>
+            <a:off x="7643092" y="2771399"/>
+            <a:ext cx="1884219" cy="738909"/>
+          </a:xfrm>
+          <a:prstGeom prst="roundRect">
+            <a:avLst/>
+          </a:prstGeom>
+          <a:noFill/>
+        </p:spPr>
+        <p:style>
+          <a:lnRef idx="2">
+            <a:schemeClr val="accent1">
+              <a:shade val="15000"/>
+            </a:schemeClr>
+          </a:lnRef>
+          <a:fillRef idx="1">
+            <a:schemeClr val="accent1"/>
+          </a:fillRef>
+          <a:effectRef idx="0">
+            <a:schemeClr val="accent1"/>
+          </a:effectRef>
+          <a:fontRef idx="minor">
+            <a:schemeClr val="lt1"/>
+          </a:fontRef>
+        </p:style>
+        <p:txBody>
+          <a:bodyPr rtlCol="0" anchor="ctr"/>
+          <a:lstStyle/>
+          <a:p>
+            <a:pPr algn="ctr"/>
+            <a:r>
+              <a:rPr lang="ko-KR" altLang="en-US" dirty="0">
+                <a:solidFill>
+                  <a:schemeClr val="tx1"/>
+                </a:solidFill>
+              </a:rPr>
+              <a:t>상품상세조회</a:t>
+            </a:r>
+            <a:endParaRPr lang="en-US" altLang="ko-KR" dirty="0">
+              <a:solidFill>
+                <a:schemeClr val="tx1"/>
+              </a:solidFill>
+            </a:endParaRPr>
+          </a:p>
+          <a:p>
+            <a:pPr algn="ctr"/>
+            <a:r>
+              <a:rPr lang="en-US" altLang="ko-KR" sz="1200" dirty="0">
+                <a:solidFill>
+                  <a:prstClr val="black">
+                    <a:lumMod val="50000"/>
+                    <a:lumOff val="50000"/>
+                  </a:prstClr>
+                </a:solidFill>
+              </a:rPr>
+              <a:t>market/item/detail</a:t>
+            </a:r>
+            <a:endParaRPr lang="ko-KR" altLang="en-US" dirty="0">
+              <a:solidFill>
+                <a:schemeClr val="tx1"/>
+              </a:solidFill>
+            </a:endParaRPr>
+          </a:p>
+        </p:txBody>
+      </p:sp>
       <p:cxnSp>
         <p:nvCxnSpPr>
-          <p:cNvPr id="42" name="연결선: 꺾임 41">
-            <a:extLst>
-              <a:ext uri="{FF2B5EF4-FFF2-40B4-BE49-F238E27FC236}">
-                <a16:creationId xmlns:a16="http://schemas.microsoft.com/office/drawing/2014/main" id="{C19C6936-8F4A-690A-FB88-D4994AFAA7F1}"/>
+          <p:cNvPr id="23" name="직선 화살표 연결선 22">
+            <a:extLst>
+              <a:ext uri="{FF2B5EF4-FFF2-40B4-BE49-F238E27FC236}">
+                <a16:creationId xmlns:a16="http://schemas.microsoft.com/office/drawing/2014/main" id="{95855421-3530-A048-B01C-180BDF2ECAAB}"/>
               </a:ext>
             </a:extLst>
           </p:cNvPr>
           <p:cNvCxnSpPr>
             <a:cxnSpLocks/>
-            <a:stCxn id="16" idx="3"/>
-            <a:endCxn id="13" idx="1"/>
           </p:cNvCxnSpPr>
           <p:nvPr/>
         </p:nvCxnSpPr>
         <p:spPr>
-          <a:xfrm flipV="1">
-            <a:off x="7055046" y="1361214"/>
-            <a:ext cx="588047" cy="938645"/>
-          </a:xfrm>
-          <a:prstGeom prst="bentConnector3">
-            <a:avLst>
-              <a:gd name="adj1" fmla="val 50000"/>
-            </a:avLst>
+          <a:xfrm>
+            <a:off x="7055044" y="3140853"/>
+            <a:ext cx="588048" cy="0"/>
+          </a:xfrm>
+          <a:prstGeom prst="straightConnector1">
+            <a:avLst/>
           </a:prstGeom>
           <a:ln w="38100">
             <a:tailEnd type="triangle"/>
@@ -4076,10 +4231,10 @@
       </p:cxnSp>
       <p:cxnSp>
         <p:nvCxnSpPr>
-          <p:cNvPr id="51" name="직선 화살표 연결선 50">
-            <a:extLst>
-              <a:ext uri="{FF2B5EF4-FFF2-40B4-BE49-F238E27FC236}">
-                <a16:creationId xmlns:a16="http://schemas.microsoft.com/office/drawing/2014/main" id="{DD6C3953-43EF-D7B3-1309-2D8AD914D215}"/>
+          <p:cNvPr id="27" name="직선 화살표 연결선 26">
+            <a:extLst>
+              <a:ext uri="{FF2B5EF4-FFF2-40B4-BE49-F238E27FC236}">
+                <a16:creationId xmlns:a16="http://schemas.microsoft.com/office/drawing/2014/main" id="{52E853E8-9943-0525-0B76-64C770071DAA}"/>
               </a:ext>
             </a:extLst>
           </p:cNvPr>
@@ -4090,7 +4245,7 @@
         </p:nvCxnSpPr>
         <p:spPr>
           <a:xfrm>
-            <a:off x="9527312" y="1361213"/>
+            <a:off x="9527311" y="2925197"/>
             <a:ext cx="588048" cy="0"/>
           </a:xfrm>
           <a:prstGeom prst="straightConnector1">
@@ -4098,6 +4253,683 @@
           </a:prstGeom>
           <a:ln w="38100">
             <a:tailEnd type="triangle"/>
+          </a:ln>
+        </p:spPr>
+        <p:style>
+          <a:lnRef idx="1">
+            <a:schemeClr val="accent1"/>
+          </a:lnRef>
+          <a:fillRef idx="0">
+            <a:schemeClr val="accent1"/>
+          </a:fillRef>
+          <a:effectRef idx="0">
+            <a:schemeClr val="accent1"/>
+          </a:effectRef>
+          <a:fontRef idx="minor">
+            <a:schemeClr val="tx1"/>
+          </a:fontRef>
+        </p:style>
+      </p:cxnSp>
+      <p:sp>
+        <p:nvSpPr>
+          <p:cNvPr id="34" name="사각형: 둥근 모서리 33">
+            <a:extLst>
+              <a:ext uri="{FF2B5EF4-FFF2-40B4-BE49-F238E27FC236}">
+                <a16:creationId xmlns:a16="http://schemas.microsoft.com/office/drawing/2014/main" id="{D4CA446D-60B6-A05A-5EBB-E160F8FF04C1}"/>
+              </a:ext>
+            </a:extLst>
+          </p:cNvPr>
+          <p:cNvSpPr/>
+          <p:nvPr/>
+        </p:nvSpPr>
+        <p:spPr>
+          <a:xfrm>
+            <a:off x="5170827" y="4592009"/>
+            <a:ext cx="1884219" cy="738909"/>
+          </a:xfrm>
+          <a:prstGeom prst="roundRect">
+            <a:avLst/>
+          </a:prstGeom>
+          <a:noFill/>
+        </p:spPr>
+        <p:style>
+          <a:lnRef idx="2">
+            <a:schemeClr val="accent1">
+              <a:shade val="15000"/>
+            </a:schemeClr>
+          </a:lnRef>
+          <a:fillRef idx="1">
+            <a:schemeClr val="accent1"/>
+          </a:fillRef>
+          <a:effectRef idx="0">
+            <a:schemeClr val="accent1"/>
+          </a:effectRef>
+          <a:fontRef idx="minor">
+            <a:schemeClr val="lt1"/>
+          </a:fontRef>
+        </p:style>
+        <p:txBody>
+          <a:bodyPr rtlCol="0" anchor="ctr"/>
+          <a:lstStyle/>
+          <a:p>
+            <a:pPr algn="ctr"/>
+            <a:r>
+              <a:rPr lang="ko-KR" altLang="en-US" dirty="0">
+                <a:solidFill>
+                  <a:schemeClr val="tx1"/>
+                </a:solidFill>
+              </a:rPr>
+              <a:t>주문내역</a:t>
+            </a:r>
+            <a:endParaRPr lang="en-US" altLang="ko-KR" dirty="0">
+              <a:solidFill>
+                <a:schemeClr val="tx1"/>
+              </a:solidFill>
+            </a:endParaRPr>
+          </a:p>
+          <a:p>
+            <a:pPr algn="ctr"/>
+            <a:r>
+              <a:rPr lang="en-US" altLang="ko-KR" sz="1200" dirty="0">
+                <a:solidFill>
+                  <a:prstClr val="black">
+                    <a:lumMod val="50000"/>
+                    <a:lumOff val="50000"/>
+                  </a:prstClr>
+                </a:solidFill>
+              </a:rPr>
+              <a:t>market/order</a:t>
+            </a:r>
+            <a:endParaRPr lang="ko-KR" altLang="en-US" dirty="0">
+              <a:solidFill>
+                <a:schemeClr val="tx1"/>
+              </a:solidFill>
+            </a:endParaRPr>
+          </a:p>
+        </p:txBody>
+      </p:sp>
+      <p:cxnSp>
+        <p:nvCxnSpPr>
+          <p:cNvPr id="35" name="직선 화살표 연결선 34">
+            <a:extLst>
+              <a:ext uri="{FF2B5EF4-FFF2-40B4-BE49-F238E27FC236}">
+                <a16:creationId xmlns:a16="http://schemas.microsoft.com/office/drawing/2014/main" id="{A4A755BD-41C2-1F74-871E-E7088E051E84}"/>
+              </a:ext>
+            </a:extLst>
+          </p:cNvPr>
+          <p:cNvCxnSpPr>
+            <a:cxnSpLocks/>
+          </p:cNvCxnSpPr>
+          <p:nvPr/>
+        </p:nvCxnSpPr>
+        <p:spPr>
+          <a:xfrm>
+            <a:off x="4835235" y="4970699"/>
+            <a:ext cx="335592" cy="0"/>
+          </a:xfrm>
+          <a:prstGeom prst="straightConnector1">
+            <a:avLst/>
+          </a:prstGeom>
+          <a:ln w="38100">
+            <a:tailEnd type="triangle"/>
+          </a:ln>
+        </p:spPr>
+        <p:style>
+          <a:lnRef idx="1">
+            <a:schemeClr val="accent1"/>
+          </a:lnRef>
+          <a:fillRef idx="0">
+            <a:schemeClr val="accent1"/>
+          </a:fillRef>
+          <a:effectRef idx="0">
+            <a:schemeClr val="accent1"/>
+          </a:effectRef>
+          <a:fontRef idx="minor">
+            <a:schemeClr val="tx1"/>
+          </a:fontRef>
+        </p:style>
+      </p:cxnSp>
+      <p:sp>
+        <p:nvSpPr>
+          <p:cNvPr id="37" name="직사각형 36">
+            <a:extLst>
+              <a:ext uri="{FF2B5EF4-FFF2-40B4-BE49-F238E27FC236}">
+                <a16:creationId xmlns:a16="http://schemas.microsoft.com/office/drawing/2014/main" id="{C8DC136D-738B-3643-16E2-FE1E5EE912B8}"/>
+              </a:ext>
+            </a:extLst>
+          </p:cNvPr>
+          <p:cNvSpPr/>
+          <p:nvPr/>
+        </p:nvSpPr>
+        <p:spPr>
+          <a:xfrm>
+            <a:off x="7643092" y="3670961"/>
+            <a:ext cx="1884219" cy="303355"/>
+          </a:xfrm>
+          <a:prstGeom prst="rect">
+            <a:avLst/>
+          </a:prstGeom>
+          <a:noFill/>
+        </p:spPr>
+        <p:style>
+          <a:lnRef idx="2">
+            <a:schemeClr val="accent1">
+              <a:shade val="15000"/>
+            </a:schemeClr>
+          </a:lnRef>
+          <a:fillRef idx="1">
+            <a:schemeClr val="accent1"/>
+          </a:fillRef>
+          <a:effectRef idx="0">
+            <a:schemeClr val="accent1"/>
+          </a:effectRef>
+          <a:fontRef idx="minor">
+            <a:schemeClr val="lt1"/>
+          </a:fontRef>
+        </p:style>
+        <p:txBody>
+          <a:bodyPr rtlCol="0" anchor="ctr"/>
+          <a:lstStyle/>
+          <a:p>
+            <a:pPr algn="ctr"/>
+            <a:r>
+              <a:rPr lang="ko-KR" altLang="en-US" sz="1200" dirty="0">
+                <a:solidFill>
+                  <a:schemeClr val="tx1"/>
+                </a:solidFill>
+              </a:rPr>
+              <a:t>구매요청</a:t>
+            </a:r>
+            <a:r>
+              <a:rPr lang="en-US" altLang="ko-KR" sz="1200" dirty="0">
+                <a:solidFill>
+                  <a:schemeClr val="tx1"/>
+                </a:solidFill>
+              </a:rPr>
+              <a:t>(.do)</a:t>
+            </a:r>
+            <a:endParaRPr lang="ko-KR" altLang="en-US" sz="1200" dirty="0">
+              <a:solidFill>
+                <a:schemeClr val="tx1"/>
+              </a:solidFill>
+            </a:endParaRPr>
+          </a:p>
+        </p:txBody>
+      </p:sp>
+      <p:sp>
+        <p:nvSpPr>
+          <p:cNvPr id="38" name="사각형: 둥근 모서리 37">
+            <a:extLst>
+              <a:ext uri="{FF2B5EF4-FFF2-40B4-BE49-F238E27FC236}">
+                <a16:creationId xmlns:a16="http://schemas.microsoft.com/office/drawing/2014/main" id="{4829ACD2-5737-7B0F-3C58-CC219894F12C}"/>
+              </a:ext>
+            </a:extLst>
+          </p:cNvPr>
+          <p:cNvSpPr/>
+          <p:nvPr/>
+        </p:nvSpPr>
+        <p:spPr>
+          <a:xfrm>
+            <a:off x="5170827" y="3681703"/>
+            <a:ext cx="1884219" cy="738909"/>
+          </a:xfrm>
+          <a:prstGeom prst="roundRect">
+            <a:avLst/>
+          </a:prstGeom>
+          <a:noFill/>
+        </p:spPr>
+        <p:style>
+          <a:lnRef idx="2">
+            <a:schemeClr val="accent1">
+              <a:shade val="15000"/>
+            </a:schemeClr>
+          </a:lnRef>
+          <a:fillRef idx="1">
+            <a:schemeClr val="accent1"/>
+          </a:fillRef>
+          <a:effectRef idx="0">
+            <a:schemeClr val="accent1"/>
+          </a:effectRef>
+          <a:fontRef idx="minor">
+            <a:schemeClr val="lt1"/>
+          </a:fontRef>
+        </p:style>
+        <p:txBody>
+          <a:bodyPr rtlCol="0" anchor="ctr"/>
+          <a:lstStyle/>
+          <a:p>
+            <a:pPr algn="ctr"/>
+            <a:r>
+              <a:rPr lang="ko-KR" altLang="en-US" dirty="0">
+                <a:solidFill>
+                  <a:schemeClr val="tx1"/>
+                </a:solidFill>
+              </a:rPr>
+              <a:t>장바구니</a:t>
+            </a:r>
+            <a:endParaRPr lang="en-US" altLang="ko-KR" dirty="0">
+              <a:solidFill>
+                <a:schemeClr val="tx1"/>
+              </a:solidFill>
+            </a:endParaRPr>
+          </a:p>
+          <a:p>
+            <a:pPr algn="ctr"/>
+            <a:r>
+              <a:rPr lang="en-US" altLang="ko-KR" sz="1200" dirty="0">
+                <a:solidFill>
+                  <a:prstClr val="black">
+                    <a:lumMod val="50000"/>
+                    <a:lumOff val="50000"/>
+                  </a:prstClr>
+                </a:solidFill>
+              </a:rPr>
+              <a:t>market/basket</a:t>
+            </a:r>
+            <a:endParaRPr lang="ko-KR" altLang="en-US" dirty="0">
+              <a:solidFill>
+                <a:schemeClr val="tx1"/>
+              </a:solidFill>
+            </a:endParaRPr>
+          </a:p>
+        </p:txBody>
+      </p:sp>
+      <p:cxnSp>
+        <p:nvCxnSpPr>
+          <p:cNvPr id="39" name="직선 화살표 연결선 38">
+            <a:extLst>
+              <a:ext uri="{FF2B5EF4-FFF2-40B4-BE49-F238E27FC236}">
+                <a16:creationId xmlns:a16="http://schemas.microsoft.com/office/drawing/2014/main" id="{05C4A7AE-B3D2-444B-B0A5-A3BBB07CF531}"/>
+              </a:ext>
+            </a:extLst>
+          </p:cNvPr>
+          <p:cNvCxnSpPr>
+            <a:cxnSpLocks/>
+          </p:cNvCxnSpPr>
+          <p:nvPr/>
+        </p:nvCxnSpPr>
+        <p:spPr>
+          <a:xfrm>
+            <a:off x="4835235" y="4051157"/>
+            <a:ext cx="335592" cy="0"/>
+          </a:xfrm>
+          <a:prstGeom prst="straightConnector1">
+            <a:avLst/>
+          </a:prstGeom>
+          <a:ln w="38100">
+            <a:tailEnd type="triangle"/>
+          </a:ln>
+        </p:spPr>
+        <p:style>
+          <a:lnRef idx="1">
+            <a:schemeClr val="accent1"/>
+          </a:lnRef>
+          <a:fillRef idx="0">
+            <a:schemeClr val="accent1"/>
+          </a:fillRef>
+          <a:effectRef idx="0">
+            <a:schemeClr val="accent1"/>
+          </a:effectRef>
+          <a:fontRef idx="minor">
+            <a:schemeClr val="tx1"/>
+          </a:fontRef>
+        </p:style>
+      </p:cxnSp>
+      <p:cxnSp>
+        <p:nvCxnSpPr>
+          <p:cNvPr id="40" name="직선 화살표 연결선 39">
+            <a:extLst>
+              <a:ext uri="{FF2B5EF4-FFF2-40B4-BE49-F238E27FC236}">
+                <a16:creationId xmlns:a16="http://schemas.microsoft.com/office/drawing/2014/main" id="{52CD3B86-228D-47A4-E5F1-B4B8F894120A}"/>
+              </a:ext>
+            </a:extLst>
+          </p:cNvPr>
+          <p:cNvCxnSpPr>
+            <a:cxnSpLocks/>
+          </p:cNvCxnSpPr>
+          <p:nvPr/>
+        </p:nvCxnSpPr>
+        <p:spPr>
+          <a:xfrm>
+            <a:off x="7055046" y="3835501"/>
+            <a:ext cx="588048" cy="0"/>
+          </a:xfrm>
+          <a:prstGeom prst="straightConnector1">
+            <a:avLst/>
+          </a:prstGeom>
+          <a:ln w="38100">
+            <a:tailEnd type="triangle"/>
+          </a:ln>
+        </p:spPr>
+        <p:style>
+          <a:lnRef idx="1">
+            <a:schemeClr val="accent1"/>
+          </a:lnRef>
+          <a:fillRef idx="0">
+            <a:schemeClr val="accent1"/>
+          </a:fillRef>
+          <a:effectRef idx="0">
+            <a:schemeClr val="accent1"/>
+          </a:effectRef>
+          <a:fontRef idx="minor">
+            <a:schemeClr val="tx1"/>
+          </a:fontRef>
+        </p:style>
+      </p:cxnSp>
+      <p:sp>
+        <p:nvSpPr>
+          <p:cNvPr id="41" name="사각형: 둥근 모서리 40">
+            <a:extLst>
+              <a:ext uri="{FF2B5EF4-FFF2-40B4-BE49-F238E27FC236}">
+                <a16:creationId xmlns:a16="http://schemas.microsoft.com/office/drawing/2014/main" id="{451085D1-B9C2-FBAF-7A6C-15A7EA37816B}"/>
+              </a:ext>
+            </a:extLst>
+          </p:cNvPr>
+          <p:cNvSpPr/>
+          <p:nvPr/>
+        </p:nvSpPr>
+        <p:spPr>
+          <a:xfrm>
+            <a:off x="2698560" y="5502315"/>
+            <a:ext cx="1884219" cy="738909"/>
+          </a:xfrm>
+          <a:prstGeom prst="roundRect">
+            <a:avLst/>
+          </a:prstGeom>
+          <a:noFill/>
+        </p:spPr>
+        <p:style>
+          <a:lnRef idx="2">
+            <a:schemeClr val="accent1">
+              <a:shade val="15000"/>
+            </a:schemeClr>
+          </a:lnRef>
+          <a:fillRef idx="1">
+            <a:schemeClr val="accent1"/>
+          </a:fillRef>
+          <a:effectRef idx="0">
+            <a:schemeClr val="accent1"/>
+          </a:effectRef>
+          <a:fontRef idx="minor">
+            <a:schemeClr val="lt1"/>
+          </a:fontRef>
+        </p:style>
+        <p:txBody>
+          <a:bodyPr rtlCol="0" anchor="ctr"/>
+          <a:lstStyle/>
+          <a:p>
+            <a:pPr algn="ctr"/>
+            <a:r>
+              <a:rPr lang="ko-KR" altLang="en-US" dirty="0">
+                <a:solidFill>
+                  <a:schemeClr val="tx1"/>
+                </a:solidFill>
+              </a:rPr>
+              <a:t>마이페이지</a:t>
+            </a:r>
+            <a:endParaRPr lang="en-US" altLang="ko-KR" dirty="0">
+              <a:solidFill>
+                <a:schemeClr val="tx1"/>
+              </a:solidFill>
+            </a:endParaRPr>
+          </a:p>
+          <a:p>
+            <a:pPr algn="ctr"/>
+            <a:r>
+              <a:rPr lang="en-US" altLang="ko-KR" sz="1200" dirty="0" err="1">
+                <a:solidFill>
+                  <a:prstClr val="black">
+                    <a:lumMod val="50000"/>
+                    <a:lumOff val="50000"/>
+                  </a:prstClr>
+                </a:solidFill>
+              </a:rPr>
+              <a:t>mypage</a:t>
+            </a:r>
+            <a:endParaRPr lang="ko-KR" altLang="en-US" dirty="0">
+              <a:solidFill>
+                <a:schemeClr val="tx1"/>
+              </a:solidFill>
+            </a:endParaRPr>
+          </a:p>
+        </p:txBody>
+      </p:sp>
+      <p:cxnSp>
+        <p:nvCxnSpPr>
+          <p:cNvPr id="43" name="직선 화살표 연결선 42">
+            <a:extLst>
+              <a:ext uri="{FF2B5EF4-FFF2-40B4-BE49-F238E27FC236}">
+                <a16:creationId xmlns:a16="http://schemas.microsoft.com/office/drawing/2014/main" id="{A6A002ED-3325-879A-10B8-A519ECE827F5}"/>
+              </a:ext>
+            </a:extLst>
+          </p:cNvPr>
+          <p:cNvCxnSpPr>
+            <a:cxnSpLocks/>
+          </p:cNvCxnSpPr>
+          <p:nvPr/>
+        </p:nvCxnSpPr>
+        <p:spPr>
+          <a:xfrm flipV="1">
+            <a:off x="2350654" y="5871769"/>
+            <a:ext cx="347906" cy="10742"/>
+          </a:xfrm>
+          <a:prstGeom prst="straightConnector1">
+            <a:avLst/>
+          </a:prstGeom>
+          <a:ln w="38100">
+            <a:tailEnd type="triangle"/>
+          </a:ln>
+        </p:spPr>
+        <p:style>
+          <a:lnRef idx="1">
+            <a:schemeClr val="accent1"/>
+          </a:lnRef>
+          <a:fillRef idx="0">
+            <a:schemeClr val="accent1"/>
+          </a:fillRef>
+          <a:effectRef idx="0">
+            <a:schemeClr val="accent1"/>
+          </a:effectRef>
+          <a:fontRef idx="minor">
+            <a:schemeClr val="tx1"/>
+          </a:fontRef>
+        </p:style>
+      </p:cxnSp>
+      <p:sp>
+        <p:nvSpPr>
+          <p:cNvPr id="44" name="사각형: 둥근 모서리 43">
+            <a:extLst>
+              <a:ext uri="{FF2B5EF4-FFF2-40B4-BE49-F238E27FC236}">
+                <a16:creationId xmlns:a16="http://schemas.microsoft.com/office/drawing/2014/main" id="{0C2F1707-FFB6-517D-780E-E4F44EEAD104}"/>
+              </a:ext>
+            </a:extLst>
+          </p:cNvPr>
+          <p:cNvSpPr/>
+          <p:nvPr/>
+        </p:nvSpPr>
+        <p:spPr>
+          <a:xfrm>
+            <a:off x="5170827" y="5513057"/>
+            <a:ext cx="1884219" cy="738909"/>
+          </a:xfrm>
+          <a:prstGeom prst="roundRect">
+            <a:avLst/>
+          </a:prstGeom>
+          <a:noFill/>
+        </p:spPr>
+        <p:style>
+          <a:lnRef idx="2">
+            <a:schemeClr val="accent1">
+              <a:shade val="15000"/>
+            </a:schemeClr>
+          </a:lnRef>
+          <a:fillRef idx="1">
+            <a:schemeClr val="accent1"/>
+          </a:fillRef>
+          <a:effectRef idx="0">
+            <a:schemeClr val="accent1"/>
+          </a:effectRef>
+          <a:fontRef idx="minor">
+            <a:schemeClr val="lt1"/>
+          </a:fontRef>
+        </p:style>
+        <p:txBody>
+          <a:bodyPr rtlCol="0" anchor="ctr"/>
+          <a:lstStyle/>
+          <a:p>
+            <a:pPr algn="ctr"/>
+            <a:r>
+              <a:rPr lang="ko-KR" altLang="en-US" dirty="0">
+                <a:solidFill>
+                  <a:schemeClr val="tx1"/>
+                </a:solidFill>
+              </a:rPr>
+              <a:t>사용자 정보</a:t>
+            </a:r>
+            <a:endParaRPr lang="en-US" altLang="ko-KR" dirty="0">
+              <a:solidFill>
+                <a:schemeClr val="tx1"/>
+              </a:solidFill>
+            </a:endParaRPr>
+          </a:p>
+          <a:p>
+            <a:pPr algn="ctr"/>
+            <a:r>
+              <a:rPr lang="en-US" altLang="ko-KR" sz="1200" dirty="0" err="1">
+                <a:solidFill>
+                  <a:prstClr val="black">
+                    <a:lumMod val="50000"/>
+                    <a:lumOff val="50000"/>
+                  </a:prstClr>
+                </a:solidFill>
+              </a:rPr>
+              <a:t>mypage</a:t>
+            </a:r>
+            <a:r>
+              <a:rPr lang="en-US" altLang="ko-KR" sz="1200" dirty="0">
+                <a:solidFill>
+                  <a:prstClr val="black">
+                    <a:lumMod val="50000"/>
+                    <a:lumOff val="50000"/>
+                  </a:prstClr>
+                </a:solidFill>
+              </a:rPr>
+              <a:t>/info</a:t>
+            </a:r>
+            <a:endParaRPr lang="ko-KR" altLang="en-US" dirty="0">
+              <a:solidFill>
+                <a:schemeClr val="tx1"/>
+              </a:solidFill>
+            </a:endParaRPr>
+          </a:p>
+        </p:txBody>
+      </p:sp>
+      <p:cxnSp>
+        <p:nvCxnSpPr>
+          <p:cNvPr id="45" name="직선 화살표 연결선 44">
+            <a:extLst>
+              <a:ext uri="{FF2B5EF4-FFF2-40B4-BE49-F238E27FC236}">
+                <a16:creationId xmlns:a16="http://schemas.microsoft.com/office/drawing/2014/main" id="{6D912AFF-C62B-3703-7BAD-C7A204535723}"/>
+              </a:ext>
+            </a:extLst>
+          </p:cNvPr>
+          <p:cNvCxnSpPr>
+            <a:cxnSpLocks/>
+          </p:cNvCxnSpPr>
+          <p:nvPr/>
+        </p:nvCxnSpPr>
+        <p:spPr>
+          <a:xfrm>
+            <a:off x="4582779" y="5882511"/>
+            <a:ext cx="588048" cy="0"/>
+          </a:xfrm>
+          <a:prstGeom prst="straightConnector1">
+            <a:avLst/>
+          </a:prstGeom>
+          <a:ln w="38100">
+            <a:tailEnd type="triangle"/>
+          </a:ln>
+        </p:spPr>
+        <p:style>
+          <a:lnRef idx="1">
+            <a:schemeClr val="accent1"/>
+          </a:lnRef>
+          <a:fillRef idx="0">
+            <a:schemeClr val="accent1"/>
+          </a:fillRef>
+          <a:effectRef idx="0">
+            <a:schemeClr val="accent1"/>
+          </a:effectRef>
+          <a:fontRef idx="minor">
+            <a:schemeClr val="tx1"/>
+          </a:fontRef>
+        </p:style>
+      </p:cxnSp>
+      <p:cxnSp>
+        <p:nvCxnSpPr>
+          <p:cNvPr id="47" name="직선 화살표 연결선 46">
+            <a:extLst>
+              <a:ext uri="{FF2B5EF4-FFF2-40B4-BE49-F238E27FC236}">
+                <a16:creationId xmlns:a16="http://schemas.microsoft.com/office/drawing/2014/main" id="{E8F21DD0-84C6-2E8B-F461-CB7664256B1A}"/>
+              </a:ext>
+            </a:extLst>
+          </p:cNvPr>
+          <p:cNvCxnSpPr>
+            <a:cxnSpLocks/>
+          </p:cNvCxnSpPr>
+          <p:nvPr/>
+        </p:nvCxnSpPr>
+        <p:spPr>
+          <a:xfrm>
+            <a:off x="2369127" y="2183351"/>
+            <a:ext cx="0" cy="3699160"/>
+          </a:xfrm>
+          <a:prstGeom prst="straightConnector1">
+            <a:avLst/>
+          </a:prstGeom>
+          <a:ln w="38100">
+            <a:tailEnd type="none"/>
+          </a:ln>
+        </p:spPr>
+        <p:style>
+          <a:lnRef idx="1">
+            <a:schemeClr val="accent1"/>
+          </a:lnRef>
+          <a:fillRef idx="0">
+            <a:schemeClr val="accent1"/>
+          </a:fillRef>
+          <a:effectRef idx="0">
+            <a:schemeClr val="accent1"/>
+          </a:effectRef>
+          <a:fontRef idx="minor">
+            <a:schemeClr val="tx1"/>
+          </a:fontRef>
+        </p:style>
+      </p:cxnSp>
+      <p:cxnSp>
+        <p:nvCxnSpPr>
+          <p:cNvPr id="54" name="직선 화살표 연결선 53">
+            <a:extLst>
+              <a:ext uri="{FF2B5EF4-FFF2-40B4-BE49-F238E27FC236}">
+                <a16:creationId xmlns:a16="http://schemas.microsoft.com/office/drawing/2014/main" id="{C4D63E3B-4866-DEC8-591A-719A5903151B}"/>
+              </a:ext>
+            </a:extLst>
+          </p:cNvPr>
+          <p:cNvCxnSpPr>
+            <a:cxnSpLocks/>
+          </p:cNvCxnSpPr>
+          <p:nvPr/>
+        </p:nvCxnSpPr>
+        <p:spPr>
+          <a:xfrm>
+            <a:off x="4835235" y="3115157"/>
+            <a:ext cx="0" cy="1872000"/>
+          </a:xfrm>
+          <a:prstGeom prst="straightConnector1">
+            <a:avLst/>
+          </a:prstGeom>
+          <a:ln w="38100">
+            <a:tailEnd type="none"/>
           </a:ln>
         </p:spPr>
         <p:style>
@@ -4129,6 +4961,1636 @@
 </file>
 
 <file path=ppt/slides/slide10.xml><?xml version="1.0" encoding="utf-8"?>
+<p:sld xmlns:a="http://schemas.openxmlformats.org/drawingml/2006/main" xmlns:r="http://schemas.openxmlformats.org/officeDocument/2006/relationships" xmlns:p="http://schemas.openxmlformats.org/presentationml/2006/main">
+  <p:cSld>
+    <p:spTree>
+      <p:nvGrpSpPr>
+        <p:cNvPr id="1" name=""/>
+        <p:cNvGrpSpPr/>
+        <p:nvPr/>
+      </p:nvGrpSpPr>
+      <p:grpSpPr>
+        <a:xfrm>
+          <a:off x="0" y="0"/>
+          <a:ext cx="0" cy="0"/>
+          <a:chOff x="0" y="0"/>
+          <a:chExt cx="0" cy="0"/>
+        </a:xfrm>
+      </p:grpSpPr>
+      <p:sp>
+        <p:nvSpPr>
+          <p:cNvPr id="2" name="직사각형 1">
+            <a:extLst>
+              <a:ext uri="{FF2B5EF4-FFF2-40B4-BE49-F238E27FC236}">
+                <a16:creationId xmlns:a16="http://schemas.microsoft.com/office/drawing/2014/main" id="{104A78F2-F9DE-E968-791A-36236F554892}"/>
+              </a:ext>
+            </a:extLst>
+          </p:cNvPr>
+          <p:cNvSpPr/>
+          <p:nvPr/>
+        </p:nvSpPr>
+        <p:spPr>
+          <a:xfrm>
+            <a:off x="237835" y="143165"/>
+            <a:ext cx="6855691" cy="420253"/>
+          </a:xfrm>
+          <a:prstGeom prst="rect">
+            <a:avLst/>
+          </a:prstGeom>
+          <a:noFill/>
+          <a:ln w="38100">
+            <a:noFill/>
+          </a:ln>
+        </p:spPr>
+        <p:style>
+          <a:lnRef idx="2">
+            <a:schemeClr val="accent1">
+              <a:shade val="15000"/>
+            </a:schemeClr>
+          </a:lnRef>
+          <a:fillRef idx="1">
+            <a:schemeClr val="accent1"/>
+          </a:fillRef>
+          <a:effectRef idx="0">
+            <a:schemeClr val="accent1"/>
+          </a:effectRef>
+          <a:fontRef idx="minor">
+            <a:schemeClr val="lt1"/>
+          </a:fontRef>
+        </p:style>
+        <p:txBody>
+          <a:bodyPr rtlCol="0" anchor="t"/>
+          <a:lstStyle/>
+          <a:p>
+            <a:r>
+              <a:rPr lang="ko-KR" altLang="en-US" sz="2400" dirty="0">
+                <a:solidFill>
+                  <a:schemeClr val="bg1">
+                    <a:lumMod val="50000"/>
+                  </a:schemeClr>
+                </a:solidFill>
+              </a:rPr>
+              <a:t>상품 </a:t>
+            </a:r>
+            <a:r>
+              <a:rPr lang="en-US" altLang="ko-KR" sz="2400" dirty="0">
+                <a:solidFill>
+                  <a:schemeClr val="bg1">
+                    <a:lumMod val="50000"/>
+                  </a:schemeClr>
+                </a:solidFill>
+              </a:rPr>
+              <a:t>– </a:t>
+            </a:r>
+            <a:r>
+              <a:rPr lang="ko-KR" altLang="en-US" sz="2400" dirty="0">
+                <a:solidFill>
+                  <a:schemeClr val="bg1">
+                    <a:lumMod val="50000"/>
+                  </a:schemeClr>
+                </a:solidFill>
+              </a:rPr>
+              <a:t>구매내역 </a:t>
+            </a:r>
+            <a:r>
+              <a:rPr lang="en-US" altLang="ko-KR" sz="2400" dirty="0">
+                <a:solidFill>
+                  <a:schemeClr val="bg1">
+                    <a:lumMod val="50000"/>
+                  </a:schemeClr>
+                </a:solidFill>
+              </a:rPr>
+              <a:t>– </a:t>
+            </a:r>
+            <a:r>
+              <a:rPr lang="ko-KR" altLang="en-US" sz="2400" dirty="0">
+                <a:solidFill>
+                  <a:schemeClr val="bg1">
+                    <a:lumMod val="50000"/>
+                  </a:schemeClr>
+                </a:solidFill>
+              </a:rPr>
+              <a:t>목록 조회</a:t>
+            </a:r>
+            <a:endParaRPr lang="en-US" altLang="ko-KR" sz="2400" dirty="0">
+              <a:solidFill>
+                <a:schemeClr val="bg1">
+                  <a:lumMod val="50000"/>
+                </a:schemeClr>
+              </a:solidFill>
+            </a:endParaRPr>
+          </a:p>
+        </p:txBody>
+      </p:sp>
+      <p:sp>
+        <p:nvSpPr>
+          <p:cNvPr id="16" name="직사각형 15">
+            <a:extLst>
+              <a:ext uri="{FF2B5EF4-FFF2-40B4-BE49-F238E27FC236}">
+                <a16:creationId xmlns:a16="http://schemas.microsoft.com/office/drawing/2014/main" id="{5A735EAB-4134-A72D-E9E0-92982334134E}"/>
+              </a:ext>
+            </a:extLst>
+          </p:cNvPr>
+          <p:cNvSpPr/>
+          <p:nvPr/>
+        </p:nvSpPr>
+        <p:spPr>
+          <a:xfrm>
+            <a:off x="1287888" y="2017607"/>
+            <a:ext cx="7605008" cy="2822786"/>
+          </a:xfrm>
+          <a:prstGeom prst="rect">
+            <a:avLst/>
+          </a:prstGeom>
+          <a:solidFill>
+            <a:schemeClr val="bg1">
+              <a:lumMod val="95000"/>
+            </a:schemeClr>
+          </a:solidFill>
+          <a:ln w="38100"/>
+        </p:spPr>
+        <p:style>
+          <a:lnRef idx="2">
+            <a:schemeClr val="accent1">
+              <a:shade val="15000"/>
+            </a:schemeClr>
+          </a:lnRef>
+          <a:fillRef idx="1">
+            <a:schemeClr val="accent1"/>
+          </a:fillRef>
+          <a:effectRef idx="0">
+            <a:schemeClr val="accent1"/>
+          </a:effectRef>
+          <a:fontRef idx="minor">
+            <a:schemeClr val="lt1"/>
+          </a:fontRef>
+        </p:style>
+        <p:txBody>
+          <a:bodyPr rtlCol="0" anchor="ctr"/>
+          <a:lstStyle/>
+          <a:p>
+            <a:pPr algn="ctr"/>
+            <a:endParaRPr lang="ko-KR" altLang="en-US" dirty="0">
+              <a:solidFill>
+                <a:schemeClr val="tx1"/>
+              </a:solidFill>
+            </a:endParaRPr>
+          </a:p>
+        </p:txBody>
+      </p:sp>
+      <p:sp>
+        <p:nvSpPr>
+          <p:cNvPr id="18" name="직사각형 17">
+            <a:extLst>
+              <a:ext uri="{FF2B5EF4-FFF2-40B4-BE49-F238E27FC236}">
+                <a16:creationId xmlns:a16="http://schemas.microsoft.com/office/drawing/2014/main" id="{50F358CC-B5E8-0169-D96C-DC0F6947422D}"/>
+              </a:ext>
+            </a:extLst>
+          </p:cNvPr>
+          <p:cNvSpPr/>
+          <p:nvPr/>
+        </p:nvSpPr>
+        <p:spPr>
+          <a:xfrm>
+            <a:off x="1440285" y="2663069"/>
+            <a:ext cx="1874983" cy="2048009"/>
+          </a:xfrm>
+          <a:prstGeom prst="rect">
+            <a:avLst/>
+          </a:prstGeom>
+          <a:solidFill>
+            <a:schemeClr val="bg1"/>
+          </a:solidFill>
+          <a:ln w="38100"/>
+        </p:spPr>
+        <p:style>
+          <a:lnRef idx="2">
+            <a:schemeClr val="accent1">
+              <a:shade val="15000"/>
+            </a:schemeClr>
+          </a:lnRef>
+          <a:fillRef idx="1">
+            <a:schemeClr val="accent1"/>
+          </a:fillRef>
+          <a:effectRef idx="0">
+            <a:schemeClr val="accent1"/>
+          </a:effectRef>
+          <a:fontRef idx="minor">
+            <a:schemeClr val="lt1"/>
+          </a:fontRef>
+        </p:style>
+        <p:txBody>
+          <a:bodyPr rtlCol="0" anchor="ctr"/>
+          <a:lstStyle/>
+          <a:p>
+            <a:pPr algn="ctr"/>
+            <a:r>
+              <a:rPr lang="ko-KR" altLang="en-US" dirty="0">
+                <a:solidFill>
+                  <a:schemeClr val="tx1"/>
+                </a:solidFill>
+              </a:rPr>
+              <a:t>이미지</a:t>
+            </a:r>
+          </a:p>
+        </p:txBody>
+      </p:sp>
+      <p:sp>
+        <p:nvSpPr>
+          <p:cNvPr id="19" name="직사각형 18">
+            <a:extLst>
+              <a:ext uri="{FF2B5EF4-FFF2-40B4-BE49-F238E27FC236}">
+                <a16:creationId xmlns:a16="http://schemas.microsoft.com/office/drawing/2014/main" id="{F9F44726-7A57-96CE-769E-BC48CCE9519C}"/>
+              </a:ext>
+            </a:extLst>
+          </p:cNvPr>
+          <p:cNvSpPr/>
+          <p:nvPr/>
+        </p:nvSpPr>
+        <p:spPr>
+          <a:xfrm>
+            <a:off x="3467665" y="3221792"/>
+            <a:ext cx="1874983" cy="415638"/>
+          </a:xfrm>
+          <a:prstGeom prst="rect">
+            <a:avLst/>
+          </a:prstGeom>
+          <a:solidFill>
+            <a:schemeClr val="bg1"/>
+          </a:solidFill>
+          <a:ln w="38100"/>
+        </p:spPr>
+        <p:style>
+          <a:lnRef idx="2">
+            <a:schemeClr val="accent1">
+              <a:shade val="15000"/>
+            </a:schemeClr>
+          </a:lnRef>
+          <a:fillRef idx="1">
+            <a:schemeClr val="accent1"/>
+          </a:fillRef>
+          <a:effectRef idx="0">
+            <a:schemeClr val="accent1"/>
+          </a:effectRef>
+          <a:fontRef idx="minor">
+            <a:schemeClr val="lt1"/>
+          </a:fontRef>
+        </p:style>
+        <p:txBody>
+          <a:bodyPr rtlCol="0" anchor="ctr"/>
+          <a:lstStyle/>
+          <a:p>
+            <a:r>
+              <a:rPr lang="ko-KR" altLang="en-US">
+                <a:solidFill>
+                  <a:schemeClr val="tx1"/>
+                </a:solidFill>
+              </a:rPr>
+              <a:t>가격</a:t>
+            </a:r>
+            <a:endParaRPr lang="ko-KR" altLang="en-US" dirty="0">
+              <a:solidFill>
+                <a:schemeClr val="tx1"/>
+              </a:solidFill>
+            </a:endParaRPr>
+          </a:p>
+        </p:txBody>
+      </p:sp>
+      <p:sp>
+        <p:nvSpPr>
+          <p:cNvPr id="20" name="직사각형 19">
+            <a:extLst>
+              <a:ext uri="{FF2B5EF4-FFF2-40B4-BE49-F238E27FC236}">
+                <a16:creationId xmlns:a16="http://schemas.microsoft.com/office/drawing/2014/main" id="{945479C1-2E37-45B7-7EBD-6EB209BA989D}"/>
+              </a:ext>
+            </a:extLst>
+          </p:cNvPr>
+          <p:cNvSpPr/>
+          <p:nvPr/>
+        </p:nvSpPr>
+        <p:spPr>
+          <a:xfrm>
+            <a:off x="3478044" y="2663070"/>
+            <a:ext cx="5194902" cy="415638"/>
+          </a:xfrm>
+          <a:prstGeom prst="rect">
+            <a:avLst/>
+          </a:prstGeom>
+          <a:solidFill>
+            <a:schemeClr val="bg1"/>
+          </a:solidFill>
+          <a:ln w="38100"/>
+        </p:spPr>
+        <p:style>
+          <a:lnRef idx="2">
+            <a:schemeClr val="accent1">
+              <a:shade val="15000"/>
+            </a:schemeClr>
+          </a:lnRef>
+          <a:fillRef idx="1">
+            <a:schemeClr val="accent1"/>
+          </a:fillRef>
+          <a:effectRef idx="0">
+            <a:schemeClr val="accent1"/>
+          </a:effectRef>
+          <a:fontRef idx="minor">
+            <a:schemeClr val="lt1"/>
+          </a:fontRef>
+        </p:style>
+        <p:txBody>
+          <a:bodyPr rtlCol="0" anchor="ctr"/>
+          <a:lstStyle/>
+          <a:p>
+            <a:r>
+              <a:rPr lang="ko-KR" altLang="en-US" dirty="0">
+                <a:solidFill>
+                  <a:schemeClr val="tx1"/>
+                </a:solidFill>
+              </a:rPr>
+              <a:t>상품명</a:t>
+            </a:r>
+          </a:p>
+        </p:txBody>
+      </p:sp>
+      <p:sp>
+        <p:nvSpPr>
+          <p:cNvPr id="21" name="직사각형 20">
+            <a:extLst>
+              <a:ext uri="{FF2B5EF4-FFF2-40B4-BE49-F238E27FC236}">
+                <a16:creationId xmlns:a16="http://schemas.microsoft.com/office/drawing/2014/main" id="{104D9231-7A4E-7882-21E3-8E42CB8F371A}"/>
+              </a:ext>
+            </a:extLst>
+          </p:cNvPr>
+          <p:cNvSpPr/>
+          <p:nvPr/>
+        </p:nvSpPr>
+        <p:spPr>
+          <a:xfrm>
+            <a:off x="3467665" y="3724557"/>
+            <a:ext cx="1293100" cy="415638"/>
+          </a:xfrm>
+          <a:prstGeom prst="rect">
+            <a:avLst/>
+          </a:prstGeom>
+          <a:solidFill>
+            <a:schemeClr val="bg1"/>
+          </a:solidFill>
+          <a:ln w="38100"/>
+        </p:spPr>
+        <p:style>
+          <a:lnRef idx="2">
+            <a:schemeClr val="accent1">
+              <a:shade val="15000"/>
+            </a:schemeClr>
+          </a:lnRef>
+          <a:fillRef idx="1">
+            <a:schemeClr val="accent1"/>
+          </a:fillRef>
+          <a:effectRef idx="0">
+            <a:schemeClr val="accent1"/>
+          </a:effectRef>
+          <a:fontRef idx="minor">
+            <a:schemeClr val="lt1"/>
+          </a:fontRef>
+        </p:style>
+        <p:txBody>
+          <a:bodyPr rtlCol="0" anchor="ctr"/>
+          <a:lstStyle/>
+          <a:p>
+            <a:r>
+              <a:rPr lang="ko-KR" altLang="en-US">
+                <a:solidFill>
+                  <a:schemeClr val="tx1"/>
+                </a:solidFill>
+              </a:rPr>
+              <a:t>별점</a:t>
+            </a:r>
+            <a:endParaRPr lang="ko-KR" altLang="en-US" dirty="0">
+              <a:solidFill>
+                <a:schemeClr val="tx1"/>
+              </a:solidFill>
+            </a:endParaRPr>
+          </a:p>
+        </p:txBody>
+      </p:sp>
+      <p:sp>
+        <p:nvSpPr>
+          <p:cNvPr id="53" name="직사각형 52">
+            <a:extLst>
+              <a:ext uri="{FF2B5EF4-FFF2-40B4-BE49-F238E27FC236}">
+                <a16:creationId xmlns:a16="http://schemas.microsoft.com/office/drawing/2014/main" id="{FA2494F0-461B-BF03-CF88-A0D670133719}"/>
+              </a:ext>
+            </a:extLst>
+          </p:cNvPr>
+          <p:cNvSpPr/>
+          <p:nvPr/>
+        </p:nvSpPr>
+        <p:spPr>
+          <a:xfrm>
+            <a:off x="3467665" y="4227322"/>
+            <a:ext cx="1293100" cy="415638"/>
+          </a:xfrm>
+          <a:prstGeom prst="rect">
+            <a:avLst/>
+          </a:prstGeom>
+          <a:solidFill>
+            <a:schemeClr val="bg1"/>
+          </a:solidFill>
+          <a:ln w="38100"/>
+        </p:spPr>
+        <p:style>
+          <a:lnRef idx="2">
+            <a:schemeClr val="accent1">
+              <a:shade val="15000"/>
+            </a:schemeClr>
+          </a:lnRef>
+          <a:fillRef idx="1">
+            <a:schemeClr val="accent1"/>
+          </a:fillRef>
+          <a:effectRef idx="0">
+            <a:schemeClr val="accent1"/>
+          </a:effectRef>
+          <a:fontRef idx="minor">
+            <a:schemeClr val="lt1"/>
+          </a:fontRef>
+        </p:style>
+        <p:txBody>
+          <a:bodyPr rtlCol="0" anchor="ctr"/>
+          <a:lstStyle/>
+          <a:p>
+            <a:r>
+              <a:rPr lang="ko-KR" altLang="en-US" dirty="0">
+                <a:solidFill>
+                  <a:schemeClr val="tx1"/>
+                </a:solidFill>
+              </a:rPr>
+              <a:t>개수</a:t>
+            </a:r>
+          </a:p>
+        </p:txBody>
+      </p:sp>
+      <p:sp>
+        <p:nvSpPr>
+          <p:cNvPr id="3" name="직사각형 2">
+            <a:extLst>
+              <a:ext uri="{FF2B5EF4-FFF2-40B4-BE49-F238E27FC236}">
+                <a16:creationId xmlns:a16="http://schemas.microsoft.com/office/drawing/2014/main" id="{5F338313-7BB0-055B-934B-DA61EE9082A7}"/>
+              </a:ext>
+            </a:extLst>
+          </p:cNvPr>
+          <p:cNvSpPr/>
+          <p:nvPr/>
+        </p:nvSpPr>
+        <p:spPr>
+          <a:xfrm>
+            <a:off x="7379846" y="2132520"/>
+            <a:ext cx="1293100" cy="415638"/>
+          </a:xfrm>
+          <a:prstGeom prst="rect">
+            <a:avLst/>
+          </a:prstGeom>
+          <a:solidFill>
+            <a:schemeClr val="bg1"/>
+          </a:solidFill>
+          <a:ln w="38100"/>
+        </p:spPr>
+        <p:style>
+          <a:lnRef idx="2">
+            <a:schemeClr val="accent1">
+              <a:shade val="15000"/>
+            </a:schemeClr>
+          </a:lnRef>
+          <a:fillRef idx="1">
+            <a:schemeClr val="accent1"/>
+          </a:fillRef>
+          <a:effectRef idx="0">
+            <a:schemeClr val="accent1"/>
+          </a:effectRef>
+          <a:fontRef idx="minor">
+            <a:schemeClr val="lt1"/>
+          </a:fontRef>
+        </p:style>
+        <p:txBody>
+          <a:bodyPr rtlCol="0" anchor="ctr"/>
+          <a:lstStyle/>
+          <a:p>
+            <a:r>
+              <a:rPr lang="ko-KR" altLang="en-US" dirty="0">
+                <a:solidFill>
+                  <a:schemeClr val="tx1"/>
+                </a:solidFill>
+              </a:rPr>
+              <a:t>주문일</a:t>
+            </a:r>
+          </a:p>
+        </p:txBody>
+      </p:sp>
+      <p:sp>
+        <p:nvSpPr>
+          <p:cNvPr id="5" name="직사각형 4">
+            <a:extLst>
+              <a:ext uri="{FF2B5EF4-FFF2-40B4-BE49-F238E27FC236}">
+                <a16:creationId xmlns:a16="http://schemas.microsoft.com/office/drawing/2014/main" id="{8F370FFE-A5A7-C402-C77A-31C4049A3189}"/>
+              </a:ext>
+            </a:extLst>
+          </p:cNvPr>
+          <p:cNvSpPr/>
+          <p:nvPr/>
+        </p:nvSpPr>
+        <p:spPr>
+          <a:xfrm>
+            <a:off x="1287888" y="5074842"/>
+            <a:ext cx="7605008" cy="2822786"/>
+          </a:xfrm>
+          <a:prstGeom prst="rect">
+            <a:avLst/>
+          </a:prstGeom>
+          <a:solidFill>
+            <a:schemeClr val="bg1">
+              <a:lumMod val="95000"/>
+            </a:schemeClr>
+          </a:solidFill>
+          <a:ln w="38100"/>
+        </p:spPr>
+        <p:style>
+          <a:lnRef idx="2">
+            <a:schemeClr val="accent1">
+              <a:shade val="15000"/>
+            </a:schemeClr>
+          </a:lnRef>
+          <a:fillRef idx="1">
+            <a:schemeClr val="accent1"/>
+          </a:fillRef>
+          <a:effectRef idx="0">
+            <a:schemeClr val="accent1"/>
+          </a:effectRef>
+          <a:fontRef idx="minor">
+            <a:schemeClr val="lt1"/>
+          </a:fontRef>
+        </p:style>
+        <p:txBody>
+          <a:bodyPr rtlCol="0" anchor="ctr"/>
+          <a:lstStyle/>
+          <a:p>
+            <a:pPr algn="ctr"/>
+            <a:endParaRPr lang="ko-KR" altLang="en-US" dirty="0">
+              <a:solidFill>
+                <a:schemeClr val="tx1"/>
+              </a:solidFill>
+            </a:endParaRPr>
+          </a:p>
+        </p:txBody>
+      </p:sp>
+      <p:sp>
+        <p:nvSpPr>
+          <p:cNvPr id="6" name="직사각형 5">
+            <a:extLst>
+              <a:ext uri="{FF2B5EF4-FFF2-40B4-BE49-F238E27FC236}">
+                <a16:creationId xmlns:a16="http://schemas.microsoft.com/office/drawing/2014/main" id="{728371AE-049A-F313-A6C5-98C9822591C8}"/>
+              </a:ext>
+            </a:extLst>
+          </p:cNvPr>
+          <p:cNvSpPr/>
+          <p:nvPr/>
+        </p:nvSpPr>
+        <p:spPr>
+          <a:xfrm>
+            <a:off x="1440285" y="5720304"/>
+            <a:ext cx="1874983" cy="2048009"/>
+          </a:xfrm>
+          <a:prstGeom prst="rect">
+            <a:avLst/>
+          </a:prstGeom>
+          <a:solidFill>
+            <a:schemeClr val="bg1"/>
+          </a:solidFill>
+          <a:ln w="38100"/>
+        </p:spPr>
+        <p:style>
+          <a:lnRef idx="2">
+            <a:schemeClr val="accent1">
+              <a:shade val="15000"/>
+            </a:schemeClr>
+          </a:lnRef>
+          <a:fillRef idx="1">
+            <a:schemeClr val="accent1"/>
+          </a:fillRef>
+          <a:effectRef idx="0">
+            <a:schemeClr val="accent1"/>
+          </a:effectRef>
+          <a:fontRef idx="minor">
+            <a:schemeClr val="lt1"/>
+          </a:fontRef>
+        </p:style>
+        <p:txBody>
+          <a:bodyPr rtlCol="0" anchor="ctr"/>
+          <a:lstStyle/>
+          <a:p>
+            <a:pPr algn="ctr"/>
+            <a:r>
+              <a:rPr lang="ko-KR" altLang="en-US" dirty="0">
+                <a:solidFill>
+                  <a:schemeClr val="tx1"/>
+                </a:solidFill>
+              </a:rPr>
+              <a:t>이미지</a:t>
+            </a:r>
+          </a:p>
+        </p:txBody>
+      </p:sp>
+      <p:sp>
+        <p:nvSpPr>
+          <p:cNvPr id="7" name="직사각형 6">
+            <a:extLst>
+              <a:ext uri="{FF2B5EF4-FFF2-40B4-BE49-F238E27FC236}">
+                <a16:creationId xmlns:a16="http://schemas.microsoft.com/office/drawing/2014/main" id="{66E57F4B-79CF-803D-C2C3-E091EB0B1804}"/>
+              </a:ext>
+            </a:extLst>
+          </p:cNvPr>
+          <p:cNvSpPr/>
+          <p:nvPr/>
+        </p:nvSpPr>
+        <p:spPr>
+          <a:xfrm>
+            <a:off x="3467665" y="6279027"/>
+            <a:ext cx="1874983" cy="415638"/>
+          </a:xfrm>
+          <a:prstGeom prst="rect">
+            <a:avLst/>
+          </a:prstGeom>
+          <a:solidFill>
+            <a:schemeClr val="bg1"/>
+          </a:solidFill>
+          <a:ln w="38100"/>
+        </p:spPr>
+        <p:style>
+          <a:lnRef idx="2">
+            <a:schemeClr val="accent1">
+              <a:shade val="15000"/>
+            </a:schemeClr>
+          </a:lnRef>
+          <a:fillRef idx="1">
+            <a:schemeClr val="accent1"/>
+          </a:fillRef>
+          <a:effectRef idx="0">
+            <a:schemeClr val="accent1"/>
+          </a:effectRef>
+          <a:fontRef idx="minor">
+            <a:schemeClr val="lt1"/>
+          </a:fontRef>
+        </p:style>
+        <p:txBody>
+          <a:bodyPr rtlCol="0" anchor="ctr"/>
+          <a:lstStyle/>
+          <a:p>
+            <a:r>
+              <a:rPr lang="ko-KR" altLang="en-US">
+                <a:solidFill>
+                  <a:schemeClr val="tx1"/>
+                </a:solidFill>
+              </a:rPr>
+              <a:t>가격</a:t>
+            </a:r>
+            <a:endParaRPr lang="ko-KR" altLang="en-US" dirty="0">
+              <a:solidFill>
+                <a:schemeClr val="tx1"/>
+              </a:solidFill>
+            </a:endParaRPr>
+          </a:p>
+        </p:txBody>
+      </p:sp>
+      <p:sp>
+        <p:nvSpPr>
+          <p:cNvPr id="8" name="직사각형 7">
+            <a:extLst>
+              <a:ext uri="{FF2B5EF4-FFF2-40B4-BE49-F238E27FC236}">
+                <a16:creationId xmlns:a16="http://schemas.microsoft.com/office/drawing/2014/main" id="{DA58F9BC-66D9-1197-A8DC-5761853AB294}"/>
+              </a:ext>
+            </a:extLst>
+          </p:cNvPr>
+          <p:cNvSpPr/>
+          <p:nvPr/>
+        </p:nvSpPr>
+        <p:spPr>
+          <a:xfrm>
+            <a:off x="3478044" y="5720305"/>
+            <a:ext cx="5194902" cy="415638"/>
+          </a:xfrm>
+          <a:prstGeom prst="rect">
+            <a:avLst/>
+          </a:prstGeom>
+          <a:solidFill>
+            <a:schemeClr val="bg1"/>
+          </a:solidFill>
+          <a:ln w="38100"/>
+        </p:spPr>
+        <p:style>
+          <a:lnRef idx="2">
+            <a:schemeClr val="accent1">
+              <a:shade val="15000"/>
+            </a:schemeClr>
+          </a:lnRef>
+          <a:fillRef idx="1">
+            <a:schemeClr val="accent1"/>
+          </a:fillRef>
+          <a:effectRef idx="0">
+            <a:schemeClr val="accent1"/>
+          </a:effectRef>
+          <a:fontRef idx="minor">
+            <a:schemeClr val="lt1"/>
+          </a:fontRef>
+        </p:style>
+        <p:txBody>
+          <a:bodyPr rtlCol="0" anchor="ctr"/>
+          <a:lstStyle/>
+          <a:p>
+            <a:r>
+              <a:rPr lang="ko-KR" altLang="en-US" dirty="0">
+                <a:solidFill>
+                  <a:schemeClr val="tx1"/>
+                </a:solidFill>
+              </a:rPr>
+              <a:t>상품명</a:t>
+            </a:r>
+          </a:p>
+        </p:txBody>
+      </p:sp>
+      <p:sp>
+        <p:nvSpPr>
+          <p:cNvPr id="9" name="직사각형 8">
+            <a:extLst>
+              <a:ext uri="{FF2B5EF4-FFF2-40B4-BE49-F238E27FC236}">
+                <a16:creationId xmlns:a16="http://schemas.microsoft.com/office/drawing/2014/main" id="{99856C90-37EC-9E85-8881-10C4E9A5DAC8}"/>
+              </a:ext>
+            </a:extLst>
+          </p:cNvPr>
+          <p:cNvSpPr/>
+          <p:nvPr/>
+        </p:nvSpPr>
+        <p:spPr>
+          <a:xfrm>
+            <a:off x="3467665" y="6781792"/>
+            <a:ext cx="1293100" cy="415638"/>
+          </a:xfrm>
+          <a:prstGeom prst="rect">
+            <a:avLst/>
+          </a:prstGeom>
+          <a:solidFill>
+            <a:schemeClr val="bg1"/>
+          </a:solidFill>
+          <a:ln w="38100"/>
+        </p:spPr>
+        <p:style>
+          <a:lnRef idx="2">
+            <a:schemeClr val="accent1">
+              <a:shade val="15000"/>
+            </a:schemeClr>
+          </a:lnRef>
+          <a:fillRef idx="1">
+            <a:schemeClr val="accent1"/>
+          </a:fillRef>
+          <a:effectRef idx="0">
+            <a:schemeClr val="accent1"/>
+          </a:effectRef>
+          <a:fontRef idx="minor">
+            <a:schemeClr val="lt1"/>
+          </a:fontRef>
+        </p:style>
+        <p:txBody>
+          <a:bodyPr rtlCol="0" anchor="ctr"/>
+          <a:lstStyle/>
+          <a:p>
+            <a:r>
+              <a:rPr lang="ko-KR" altLang="en-US">
+                <a:solidFill>
+                  <a:schemeClr val="tx1"/>
+                </a:solidFill>
+              </a:rPr>
+              <a:t>별점</a:t>
+            </a:r>
+            <a:endParaRPr lang="ko-KR" altLang="en-US" dirty="0">
+              <a:solidFill>
+                <a:schemeClr val="tx1"/>
+              </a:solidFill>
+            </a:endParaRPr>
+          </a:p>
+        </p:txBody>
+      </p:sp>
+      <p:sp>
+        <p:nvSpPr>
+          <p:cNvPr id="10" name="직사각형 9">
+            <a:extLst>
+              <a:ext uri="{FF2B5EF4-FFF2-40B4-BE49-F238E27FC236}">
+                <a16:creationId xmlns:a16="http://schemas.microsoft.com/office/drawing/2014/main" id="{06390084-AAE9-B448-8263-AC33CF2B6F5A}"/>
+              </a:ext>
+            </a:extLst>
+          </p:cNvPr>
+          <p:cNvSpPr/>
+          <p:nvPr/>
+        </p:nvSpPr>
+        <p:spPr>
+          <a:xfrm>
+            <a:off x="3467665" y="7284557"/>
+            <a:ext cx="1293100" cy="415638"/>
+          </a:xfrm>
+          <a:prstGeom prst="rect">
+            <a:avLst/>
+          </a:prstGeom>
+          <a:solidFill>
+            <a:schemeClr val="bg1"/>
+          </a:solidFill>
+          <a:ln w="38100"/>
+        </p:spPr>
+        <p:style>
+          <a:lnRef idx="2">
+            <a:schemeClr val="accent1">
+              <a:shade val="15000"/>
+            </a:schemeClr>
+          </a:lnRef>
+          <a:fillRef idx="1">
+            <a:schemeClr val="accent1"/>
+          </a:fillRef>
+          <a:effectRef idx="0">
+            <a:schemeClr val="accent1"/>
+          </a:effectRef>
+          <a:fontRef idx="minor">
+            <a:schemeClr val="lt1"/>
+          </a:fontRef>
+        </p:style>
+        <p:txBody>
+          <a:bodyPr rtlCol="0" anchor="ctr"/>
+          <a:lstStyle/>
+          <a:p>
+            <a:r>
+              <a:rPr lang="ko-KR" altLang="en-US" dirty="0">
+                <a:solidFill>
+                  <a:schemeClr val="tx1"/>
+                </a:solidFill>
+              </a:rPr>
+              <a:t>개수</a:t>
+            </a:r>
+          </a:p>
+        </p:txBody>
+      </p:sp>
+      <p:sp>
+        <p:nvSpPr>
+          <p:cNvPr id="11" name="직사각형 10">
+            <a:extLst>
+              <a:ext uri="{FF2B5EF4-FFF2-40B4-BE49-F238E27FC236}">
+                <a16:creationId xmlns:a16="http://schemas.microsoft.com/office/drawing/2014/main" id="{7132A911-53C3-AD0B-2CF9-80F9DD691CD0}"/>
+              </a:ext>
+            </a:extLst>
+          </p:cNvPr>
+          <p:cNvSpPr/>
+          <p:nvPr/>
+        </p:nvSpPr>
+        <p:spPr>
+          <a:xfrm>
+            <a:off x="7379846" y="5189755"/>
+            <a:ext cx="1293100" cy="415638"/>
+          </a:xfrm>
+          <a:prstGeom prst="rect">
+            <a:avLst/>
+          </a:prstGeom>
+          <a:solidFill>
+            <a:schemeClr val="bg1"/>
+          </a:solidFill>
+          <a:ln w="38100"/>
+        </p:spPr>
+        <p:style>
+          <a:lnRef idx="2">
+            <a:schemeClr val="accent1">
+              <a:shade val="15000"/>
+            </a:schemeClr>
+          </a:lnRef>
+          <a:fillRef idx="1">
+            <a:schemeClr val="accent1"/>
+          </a:fillRef>
+          <a:effectRef idx="0">
+            <a:schemeClr val="accent1"/>
+          </a:effectRef>
+          <a:fontRef idx="minor">
+            <a:schemeClr val="lt1"/>
+          </a:fontRef>
+        </p:style>
+        <p:txBody>
+          <a:bodyPr rtlCol="0" anchor="ctr"/>
+          <a:lstStyle/>
+          <a:p>
+            <a:r>
+              <a:rPr lang="ko-KR" altLang="en-US" dirty="0">
+                <a:solidFill>
+                  <a:schemeClr val="tx1"/>
+                </a:solidFill>
+              </a:rPr>
+              <a:t>주문일</a:t>
+            </a:r>
+          </a:p>
+        </p:txBody>
+      </p:sp>
+      <p:sp>
+        <p:nvSpPr>
+          <p:cNvPr id="12" name="직사각형 11">
+            <a:extLst>
+              <a:ext uri="{FF2B5EF4-FFF2-40B4-BE49-F238E27FC236}">
+                <a16:creationId xmlns:a16="http://schemas.microsoft.com/office/drawing/2014/main" id="{9881192B-1C8E-846C-9261-A0A49E37AE7F}"/>
+              </a:ext>
+            </a:extLst>
+          </p:cNvPr>
+          <p:cNvSpPr/>
+          <p:nvPr/>
+        </p:nvSpPr>
+        <p:spPr>
+          <a:xfrm>
+            <a:off x="1449512" y="2111733"/>
+            <a:ext cx="1293100" cy="415638"/>
+          </a:xfrm>
+          <a:prstGeom prst="rect">
+            <a:avLst/>
+          </a:prstGeom>
+          <a:solidFill>
+            <a:schemeClr val="bg1"/>
+          </a:solidFill>
+          <a:ln w="38100"/>
+        </p:spPr>
+        <p:style>
+          <a:lnRef idx="2">
+            <a:schemeClr val="accent1">
+              <a:shade val="15000"/>
+            </a:schemeClr>
+          </a:lnRef>
+          <a:fillRef idx="1">
+            <a:schemeClr val="accent1"/>
+          </a:fillRef>
+          <a:effectRef idx="0">
+            <a:schemeClr val="accent1"/>
+          </a:effectRef>
+          <a:fontRef idx="minor">
+            <a:schemeClr val="lt1"/>
+          </a:fontRef>
+        </p:style>
+        <p:txBody>
+          <a:bodyPr rtlCol="0" anchor="ctr"/>
+          <a:lstStyle/>
+          <a:p>
+            <a:r>
+              <a:rPr lang="ko-KR" altLang="en-US" dirty="0">
+                <a:solidFill>
+                  <a:schemeClr val="tx1"/>
+                </a:solidFill>
+              </a:rPr>
+              <a:t>주문 상태</a:t>
+            </a:r>
+          </a:p>
+        </p:txBody>
+      </p:sp>
+      <p:sp>
+        <p:nvSpPr>
+          <p:cNvPr id="13" name="직사각형 12">
+            <a:extLst>
+              <a:ext uri="{FF2B5EF4-FFF2-40B4-BE49-F238E27FC236}">
+                <a16:creationId xmlns:a16="http://schemas.microsoft.com/office/drawing/2014/main" id="{742FD831-092C-35F2-FC0A-99046DAF96F9}"/>
+              </a:ext>
+            </a:extLst>
+          </p:cNvPr>
+          <p:cNvSpPr/>
+          <p:nvPr/>
+        </p:nvSpPr>
+        <p:spPr>
+          <a:xfrm>
+            <a:off x="1449512" y="5187442"/>
+            <a:ext cx="1293100" cy="415638"/>
+          </a:xfrm>
+          <a:prstGeom prst="rect">
+            <a:avLst/>
+          </a:prstGeom>
+          <a:solidFill>
+            <a:schemeClr val="bg1"/>
+          </a:solidFill>
+          <a:ln w="38100"/>
+        </p:spPr>
+        <p:style>
+          <a:lnRef idx="2">
+            <a:schemeClr val="accent1">
+              <a:shade val="15000"/>
+            </a:schemeClr>
+          </a:lnRef>
+          <a:fillRef idx="1">
+            <a:schemeClr val="accent1"/>
+          </a:fillRef>
+          <a:effectRef idx="0">
+            <a:schemeClr val="accent1"/>
+          </a:effectRef>
+          <a:fontRef idx="minor">
+            <a:schemeClr val="lt1"/>
+          </a:fontRef>
+        </p:style>
+        <p:txBody>
+          <a:bodyPr rtlCol="0" anchor="ctr"/>
+          <a:lstStyle/>
+          <a:p>
+            <a:r>
+              <a:rPr lang="ko-KR" altLang="en-US" dirty="0">
+                <a:solidFill>
+                  <a:schemeClr val="tx1"/>
+                </a:solidFill>
+              </a:rPr>
+              <a:t>주문 상태</a:t>
+            </a:r>
+          </a:p>
+        </p:txBody>
+      </p:sp>
+      <p:sp>
+        <p:nvSpPr>
+          <p:cNvPr id="14" name="직사각형 13">
+            <a:extLst>
+              <a:ext uri="{FF2B5EF4-FFF2-40B4-BE49-F238E27FC236}">
+                <a16:creationId xmlns:a16="http://schemas.microsoft.com/office/drawing/2014/main" id="{CD4DAE2D-C37E-902F-DA60-AC0379A58E5E}"/>
+              </a:ext>
+            </a:extLst>
+          </p:cNvPr>
+          <p:cNvSpPr/>
+          <p:nvPr/>
+        </p:nvSpPr>
+        <p:spPr>
+          <a:xfrm>
+            <a:off x="1228437" y="701964"/>
+            <a:ext cx="8806874" cy="1056409"/>
+          </a:xfrm>
+          <a:prstGeom prst="rect">
+            <a:avLst/>
+          </a:prstGeom>
+          <a:solidFill>
+            <a:schemeClr val="bg2"/>
+          </a:solidFill>
+          <a:ln w="38100"/>
+        </p:spPr>
+        <p:style>
+          <a:lnRef idx="2">
+            <a:schemeClr val="accent1">
+              <a:shade val="15000"/>
+            </a:schemeClr>
+          </a:lnRef>
+          <a:fillRef idx="1">
+            <a:schemeClr val="accent1"/>
+          </a:fillRef>
+          <a:effectRef idx="0">
+            <a:schemeClr val="accent1"/>
+          </a:effectRef>
+          <a:fontRef idx="minor">
+            <a:schemeClr val="lt1"/>
+          </a:fontRef>
+        </p:style>
+        <p:txBody>
+          <a:bodyPr rtlCol="0" anchor="t"/>
+          <a:lstStyle/>
+          <a:p>
+            <a:r>
+              <a:rPr lang="ko-KR" altLang="en-US" dirty="0">
+                <a:solidFill>
+                  <a:schemeClr val="bg1">
+                    <a:lumMod val="50000"/>
+                  </a:schemeClr>
+                </a:solidFill>
+              </a:rPr>
+              <a:t>검색조건</a:t>
+            </a:r>
+          </a:p>
+        </p:txBody>
+      </p:sp>
+      <p:sp>
+        <p:nvSpPr>
+          <p:cNvPr id="15" name="직사각형 14">
+            <a:extLst>
+              <a:ext uri="{FF2B5EF4-FFF2-40B4-BE49-F238E27FC236}">
+                <a16:creationId xmlns:a16="http://schemas.microsoft.com/office/drawing/2014/main" id="{15515E8E-EDA8-E87D-D168-0EDDAF775FDF}"/>
+              </a:ext>
+            </a:extLst>
+          </p:cNvPr>
+          <p:cNvSpPr/>
+          <p:nvPr/>
+        </p:nvSpPr>
+        <p:spPr>
+          <a:xfrm>
+            <a:off x="8657937" y="1173024"/>
+            <a:ext cx="1131455" cy="468717"/>
+          </a:xfrm>
+          <a:prstGeom prst="rect">
+            <a:avLst/>
+          </a:prstGeom>
+          <a:solidFill>
+            <a:schemeClr val="bg1"/>
+          </a:solidFill>
+          <a:ln w="38100"/>
+          <a:scene3d>
+            <a:camera prst="orthographicFront"/>
+            <a:lightRig rig="threePt" dir="t"/>
+          </a:scene3d>
+          <a:sp3d>
+            <a:bevelT prst="angle"/>
+          </a:sp3d>
+        </p:spPr>
+        <p:style>
+          <a:lnRef idx="2">
+            <a:schemeClr val="accent1">
+              <a:shade val="15000"/>
+            </a:schemeClr>
+          </a:lnRef>
+          <a:fillRef idx="1">
+            <a:schemeClr val="accent1"/>
+          </a:fillRef>
+          <a:effectRef idx="0">
+            <a:schemeClr val="accent1"/>
+          </a:effectRef>
+          <a:fontRef idx="minor">
+            <a:schemeClr val="lt1"/>
+          </a:fontRef>
+        </p:style>
+        <p:txBody>
+          <a:bodyPr rtlCol="0" anchor="ctr"/>
+          <a:lstStyle/>
+          <a:p>
+            <a:pPr algn="ctr"/>
+            <a:r>
+              <a:rPr lang="ko-KR" altLang="en-US" dirty="0">
+                <a:solidFill>
+                  <a:schemeClr val="tx1"/>
+                </a:solidFill>
+              </a:rPr>
+              <a:t>검색</a:t>
+            </a:r>
+          </a:p>
+        </p:txBody>
+      </p:sp>
+      <p:sp>
+        <p:nvSpPr>
+          <p:cNvPr id="17" name="직사각형 16">
+            <a:extLst>
+              <a:ext uri="{FF2B5EF4-FFF2-40B4-BE49-F238E27FC236}">
+                <a16:creationId xmlns:a16="http://schemas.microsoft.com/office/drawing/2014/main" id="{44B95C48-01DD-BAEB-BB4B-5AB6C61E866B}"/>
+              </a:ext>
+            </a:extLst>
+          </p:cNvPr>
+          <p:cNvSpPr/>
+          <p:nvPr/>
+        </p:nvSpPr>
+        <p:spPr>
+          <a:xfrm>
+            <a:off x="4029363" y="1256152"/>
+            <a:ext cx="4456543" cy="337177"/>
+          </a:xfrm>
+          <a:prstGeom prst="rect">
+            <a:avLst/>
+          </a:prstGeom>
+          <a:solidFill>
+            <a:schemeClr val="bg1"/>
+          </a:solidFill>
+          <a:ln w="38100"/>
+        </p:spPr>
+        <p:style>
+          <a:lnRef idx="2">
+            <a:schemeClr val="accent1">
+              <a:shade val="15000"/>
+            </a:schemeClr>
+          </a:lnRef>
+          <a:fillRef idx="1">
+            <a:schemeClr val="accent1"/>
+          </a:fillRef>
+          <a:effectRef idx="0">
+            <a:schemeClr val="accent1"/>
+          </a:effectRef>
+          <a:fontRef idx="minor">
+            <a:schemeClr val="lt1"/>
+          </a:fontRef>
+        </p:style>
+        <p:txBody>
+          <a:bodyPr rtlCol="0" anchor="ctr"/>
+          <a:lstStyle/>
+          <a:p>
+            <a:pPr algn="ctr"/>
+            <a:endParaRPr lang="ko-KR" altLang="en-US" dirty="0">
+              <a:solidFill>
+                <a:schemeClr val="tx1"/>
+              </a:solidFill>
+            </a:endParaRPr>
+          </a:p>
+        </p:txBody>
+      </p:sp>
+      <p:sp>
+        <p:nvSpPr>
+          <p:cNvPr id="22" name="직사각형 21">
+            <a:extLst>
+              <a:ext uri="{FF2B5EF4-FFF2-40B4-BE49-F238E27FC236}">
+                <a16:creationId xmlns:a16="http://schemas.microsoft.com/office/drawing/2014/main" id="{9E6D8D2B-DC68-5D4B-E1A8-C43D5BF4D172}"/>
+              </a:ext>
+            </a:extLst>
+          </p:cNvPr>
+          <p:cNvSpPr/>
+          <p:nvPr/>
+        </p:nvSpPr>
+        <p:spPr>
+          <a:xfrm>
+            <a:off x="2669310" y="1200732"/>
+            <a:ext cx="1265384" cy="420253"/>
+          </a:xfrm>
+          <a:prstGeom prst="rect">
+            <a:avLst/>
+          </a:prstGeom>
+          <a:solidFill>
+            <a:schemeClr val="bg1"/>
+          </a:solidFill>
+          <a:ln w="38100"/>
+        </p:spPr>
+        <p:style>
+          <a:lnRef idx="2">
+            <a:schemeClr val="accent1">
+              <a:shade val="15000"/>
+            </a:schemeClr>
+          </a:lnRef>
+          <a:fillRef idx="1">
+            <a:schemeClr val="accent1"/>
+          </a:fillRef>
+          <a:effectRef idx="0">
+            <a:schemeClr val="accent1"/>
+          </a:effectRef>
+          <a:fontRef idx="minor">
+            <a:schemeClr val="lt1"/>
+          </a:fontRef>
+        </p:style>
+        <p:txBody>
+          <a:bodyPr rtlCol="0" anchor="ctr"/>
+          <a:lstStyle/>
+          <a:p>
+            <a:pPr algn="r"/>
+            <a:r>
+              <a:rPr lang="ko-KR" altLang="en-US" sz="1400" dirty="0">
+                <a:solidFill>
+                  <a:schemeClr val="tx1"/>
+                </a:solidFill>
+              </a:rPr>
+              <a:t>상세분류</a:t>
+            </a:r>
+          </a:p>
+        </p:txBody>
+      </p:sp>
+      <p:sp>
+        <p:nvSpPr>
+          <p:cNvPr id="23" name="이등변 삼각형 22">
+            <a:extLst>
+              <a:ext uri="{FF2B5EF4-FFF2-40B4-BE49-F238E27FC236}">
+                <a16:creationId xmlns:a16="http://schemas.microsoft.com/office/drawing/2014/main" id="{0DC5175D-D99B-24F2-3BB9-81439B605D33}"/>
+              </a:ext>
+            </a:extLst>
+          </p:cNvPr>
+          <p:cNvSpPr/>
+          <p:nvPr/>
+        </p:nvSpPr>
+        <p:spPr>
+          <a:xfrm flipV="1">
+            <a:off x="2854038" y="1283808"/>
+            <a:ext cx="286328" cy="260986"/>
+          </a:xfrm>
+          <a:prstGeom prst="triangle">
+            <a:avLst/>
+          </a:prstGeom>
+          <a:solidFill>
+            <a:schemeClr val="tx2"/>
+          </a:solidFill>
+        </p:spPr>
+        <p:style>
+          <a:lnRef idx="2">
+            <a:schemeClr val="accent1">
+              <a:shade val="15000"/>
+            </a:schemeClr>
+          </a:lnRef>
+          <a:fillRef idx="1">
+            <a:schemeClr val="accent1"/>
+          </a:fillRef>
+          <a:effectRef idx="0">
+            <a:schemeClr val="accent1"/>
+          </a:effectRef>
+          <a:fontRef idx="minor">
+            <a:schemeClr val="lt1"/>
+          </a:fontRef>
+        </p:style>
+        <p:txBody>
+          <a:bodyPr rtlCol="0" anchor="ctr"/>
+          <a:lstStyle/>
+          <a:p>
+            <a:pPr algn="ctr"/>
+            <a:endParaRPr lang="ko-KR" altLang="en-US"/>
+          </a:p>
+        </p:txBody>
+      </p:sp>
+      <p:sp>
+        <p:nvSpPr>
+          <p:cNvPr id="24" name="직사각형 23">
+            <a:extLst>
+              <a:ext uri="{FF2B5EF4-FFF2-40B4-BE49-F238E27FC236}">
+                <a16:creationId xmlns:a16="http://schemas.microsoft.com/office/drawing/2014/main" id="{B31E8F4A-4141-9454-89F2-E6618CD01FF4}"/>
+              </a:ext>
+            </a:extLst>
+          </p:cNvPr>
+          <p:cNvSpPr/>
+          <p:nvPr/>
+        </p:nvSpPr>
+        <p:spPr>
+          <a:xfrm>
+            <a:off x="1309257" y="1213466"/>
+            <a:ext cx="1265384" cy="420253"/>
+          </a:xfrm>
+          <a:prstGeom prst="rect">
+            <a:avLst/>
+          </a:prstGeom>
+          <a:solidFill>
+            <a:schemeClr val="bg1"/>
+          </a:solidFill>
+          <a:ln w="38100"/>
+        </p:spPr>
+        <p:style>
+          <a:lnRef idx="2">
+            <a:schemeClr val="accent1">
+              <a:shade val="15000"/>
+            </a:schemeClr>
+          </a:lnRef>
+          <a:fillRef idx="1">
+            <a:schemeClr val="accent1"/>
+          </a:fillRef>
+          <a:effectRef idx="0">
+            <a:schemeClr val="accent1"/>
+          </a:effectRef>
+          <a:fontRef idx="minor">
+            <a:schemeClr val="lt1"/>
+          </a:fontRef>
+        </p:style>
+        <p:txBody>
+          <a:bodyPr rtlCol="0" anchor="ctr"/>
+          <a:lstStyle/>
+          <a:p>
+            <a:pPr algn="r"/>
+            <a:r>
+              <a:rPr lang="ko-KR" altLang="en-US" dirty="0">
+                <a:solidFill>
+                  <a:schemeClr val="tx1"/>
+                </a:solidFill>
+              </a:rPr>
+              <a:t>분류</a:t>
+            </a:r>
+          </a:p>
+        </p:txBody>
+      </p:sp>
+      <p:sp>
+        <p:nvSpPr>
+          <p:cNvPr id="26" name="이등변 삼각형 25">
+            <a:extLst>
+              <a:ext uri="{FF2B5EF4-FFF2-40B4-BE49-F238E27FC236}">
+                <a16:creationId xmlns:a16="http://schemas.microsoft.com/office/drawing/2014/main" id="{89BF5A26-C26E-7EE3-F520-B9ACB50D32D2}"/>
+              </a:ext>
+            </a:extLst>
+          </p:cNvPr>
+          <p:cNvSpPr/>
+          <p:nvPr/>
+        </p:nvSpPr>
+        <p:spPr>
+          <a:xfrm flipV="1">
+            <a:off x="1493985" y="1296542"/>
+            <a:ext cx="286328" cy="260986"/>
+          </a:xfrm>
+          <a:prstGeom prst="triangle">
+            <a:avLst/>
+          </a:prstGeom>
+          <a:solidFill>
+            <a:schemeClr val="tx2"/>
+          </a:solidFill>
+        </p:spPr>
+        <p:style>
+          <a:lnRef idx="2">
+            <a:schemeClr val="accent1">
+              <a:shade val="15000"/>
+            </a:schemeClr>
+          </a:lnRef>
+          <a:fillRef idx="1">
+            <a:schemeClr val="accent1"/>
+          </a:fillRef>
+          <a:effectRef idx="0">
+            <a:schemeClr val="accent1"/>
+          </a:effectRef>
+          <a:fontRef idx="minor">
+            <a:schemeClr val="lt1"/>
+          </a:fontRef>
+        </p:style>
+        <p:txBody>
+          <a:bodyPr rtlCol="0" anchor="ctr"/>
+          <a:lstStyle/>
+          <a:p>
+            <a:pPr algn="ctr"/>
+            <a:endParaRPr lang="ko-KR" altLang="en-US"/>
+          </a:p>
+        </p:txBody>
+      </p:sp>
+      <p:sp>
+        <p:nvSpPr>
+          <p:cNvPr id="28" name="직사각형 27">
+            <a:extLst>
+              <a:ext uri="{FF2B5EF4-FFF2-40B4-BE49-F238E27FC236}">
+                <a16:creationId xmlns:a16="http://schemas.microsoft.com/office/drawing/2014/main" id="{34040151-ACBB-D046-8931-13FDE0200119}"/>
+              </a:ext>
+            </a:extLst>
+          </p:cNvPr>
+          <p:cNvSpPr/>
+          <p:nvPr/>
+        </p:nvSpPr>
+        <p:spPr>
+          <a:xfrm>
+            <a:off x="7526482" y="4227322"/>
+            <a:ext cx="1131455" cy="468717"/>
+          </a:xfrm>
+          <a:prstGeom prst="rect">
+            <a:avLst/>
+          </a:prstGeom>
+          <a:solidFill>
+            <a:schemeClr val="bg1"/>
+          </a:solidFill>
+          <a:ln w="38100"/>
+          <a:scene3d>
+            <a:camera prst="orthographicFront"/>
+            <a:lightRig rig="threePt" dir="t"/>
+          </a:scene3d>
+          <a:sp3d>
+            <a:bevelT prst="angle"/>
+          </a:sp3d>
+        </p:spPr>
+        <p:style>
+          <a:lnRef idx="2">
+            <a:schemeClr val="accent1">
+              <a:shade val="15000"/>
+            </a:schemeClr>
+          </a:lnRef>
+          <a:fillRef idx="1">
+            <a:schemeClr val="accent1"/>
+          </a:fillRef>
+          <a:effectRef idx="0">
+            <a:schemeClr val="accent1"/>
+          </a:effectRef>
+          <a:fontRef idx="minor">
+            <a:schemeClr val="lt1"/>
+          </a:fontRef>
+        </p:style>
+        <p:txBody>
+          <a:bodyPr rtlCol="0" anchor="ctr"/>
+          <a:lstStyle/>
+          <a:p>
+            <a:pPr algn="ctr"/>
+            <a:r>
+              <a:rPr lang="ko-KR" altLang="en-US" dirty="0">
+                <a:solidFill>
+                  <a:schemeClr val="tx1"/>
+                </a:solidFill>
+              </a:rPr>
+              <a:t>주문취소</a:t>
+            </a:r>
+          </a:p>
+        </p:txBody>
+      </p:sp>
+      <p:sp>
+        <p:nvSpPr>
+          <p:cNvPr id="4" name="직사각형 3">
+            <a:extLst>
+              <a:ext uri="{FF2B5EF4-FFF2-40B4-BE49-F238E27FC236}">
+                <a16:creationId xmlns:a16="http://schemas.microsoft.com/office/drawing/2014/main" id="{6BE5B80F-6674-8CCB-F8A5-5812966ADB99}"/>
+              </a:ext>
+            </a:extLst>
+          </p:cNvPr>
+          <p:cNvSpPr/>
+          <p:nvPr/>
+        </p:nvSpPr>
+        <p:spPr>
+          <a:xfrm>
+            <a:off x="9328738" y="5099627"/>
+            <a:ext cx="1847262" cy="1328881"/>
+          </a:xfrm>
+          <a:prstGeom prst="rect">
+            <a:avLst/>
+          </a:prstGeom>
+          <a:solidFill>
+            <a:schemeClr val="bg1"/>
+          </a:solidFill>
+          <a:ln w="38100">
+            <a:solidFill>
+              <a:schemeClr val="tx1"/>
+            </a:solidFill>
+          </a:ln>
+        </p:spPr>
+        <p:style>
+          <a:lnRef idx="2">
+            <a:schemeClr val="accent1">
+              <a:shade val="15000"/>
+            </a:schemeClr>
+          </a:lnRef>
+          <a:fillRef idx="1">
+            <a:schemeClr val="accent1"/>
+          </a:fillRef>
+          <a:effectRef idx="0">
+            <a:schemeClr val="accent1"/>
+          </a:effectRef>
+          <a:fontRef idx="minor">
+            <a:schemeClr val="lt1"/>
+          </a:fontRef>
+        </p:style>
+        <p:txBody>
+          <a:bodyPr rtlCol="0" anchor="ctr"/>
+          <a:lstStyle/>
+          <a:p>
+            <a:r>
+              <a:rPr lang="en-US" altLang="ko-KR" dirty="0">
+                <a:solidFill>
+                  <a:srgbClr val="FF0000"/>
+                </a:solidFill>
+              </a:rPr>
+              <a:t>* </a:t>
+            </a:r>
+            <a:r>
+              <a:rPr lang="ko-KR" altLang="en-US" dirty="0">
+                <a:solidFill>
+                  <a:srgbClr val="FF0000"/>
+                </a:solidFill>
+              </a:rPr>
+              <a:t>주문 상태</a:t>
+            </a:r>
+            <a:endParaRPr lang="en-US" altLang="ko-KR" dirty="0">
+              <a:solidFill>
+                <a:srgbClr val="FF0000"/>
+              </a:solidFill>
+            </a:endParaRPr>
+          </a:p>
+          <a:p>
+            <a:pPr marL="285750" indent="-285750">
+              <a:buFontTx/>
+              <a:buChar char="-"/>
+            </a:pPr>
+            <a:r>
+              <a:rPr lang="ko-KR" altLang="en-US" dirty="0">
+                <a:solidFill>
+                  <a:srgbClr val="FF0000"/>
+                </a:solidFill>
+              </a:rPr>
+              <a:t>구매요청</a:t>
+            </a:r>
+            <a:endParaRPr lang="en-US" altLang="ko-KR" dirty="0">
+              <a:solidFill>
+                <a:srgbClr val="FF0000"/>
+              </a:solidFill>
+            </a:endParaRPr>
+          </a:p>
+          <a:p>
+            <a:pPr marL="285750" indent="-285750">
+              <a:buFontTx/>
+              <a:buChar char="-"/>
+            </a:pPr>
+            <a:r>
+              <a:rPr lang="ko-KR" altLang="en-US" dirty="0">
+                <a:solidFill>
+                  <a:srgbClr val="FF0000"/>
+                </a:solidFill>
+              </a:rPr>
+              <a:t>배송완료</a:t>
+            </a:r>
+            <a:endParaRPr lang="en-US" altLang="ko-KR" dirty="0">
+              <a:solidFill>
+                <a:srgbClr val="FF0000"/>
+              </a:solidFill>
+            </a:endParaRPr>
+          </a:p>
+          <a:p>
+            <a:pPr marL="285750" indent="-285750">
+              <a:buFontTx/>
+              <a:buChar char="-"/>
+            </a:pPr>
+            <a:r>
+              <a:rPr lang="ko-KR" altLang="en-US" dirty="0">
+                <a:solidFill>
+                  <a:srgbClr val="FF0000"/>
+                </a:solidFill>
+              </a:rPr>
+              <a:t>구매완료</a:t>
+            </a:r>
+          </a:p>
+        </p:txBody>
+      </p:sp>
+    </p:spTree>
+    <p:extLst>
+      <p:ext uri="{BB962C8B-B14F-4D97-AF65-F5344CB8AC3E}">
+        <p14:creationId xmlns:p14="http://schemas.microsoft.com/office/powerpoint/2010/main" val="2157026472"/>
+      </p:ext>
+    </p:extLst>
+  </p:cSld>
+  <p:clrMapOvr>
+    <a:masterClrMapping/>
+  </p:clrMapOvr>
+</p:sld>
+</file>
+
+<file path=ppt/slides/slide11.xml><?xml version="1.0" encoding="utf-8"?>
 <p:sld xmlns:a="http://schemas.openxmlformats.org/drawingml/2006/main" xmlns:r="http://schemas.openxmlformats.org/officeDocument/2006/relationships" xmlns:p="http://schemas.openxmlformats.org/presentationml/2006/main">
   <p:cSld>
     <p:spTree>
@@ -4981,853 +7443,6 @@
 </p:sld>
 </file>
 
-<file path=ppt/slides/slide11.xml><?xml version="1.0" encoding="utf-8"?>
-<p:sld xmlns:a="http://schemas.openxmlformats.org/drawingml/2006/main" xmlns:r="http://schemas.openxmlformats.org/officeDocument/2006/relationships" xmlns:p="http://schemas.openxmlformats.org/presentationml/2006/main">
-  <p:cSld>
-    <p:spTree>
-      <p:nvGrpSpPr>
-        <p:cNvPr id="1" name=""/>
-        <p:cNvGrpSpPr/>
-        <p:nvPr/>
-      </p:nvGrpSpPr>
-      <p:grpSpPr>
-        <a:xfrm>
-          <a:off x="0" y="0"/>
-          <a:ext cx="0" cy="0"/>
-          <a:chOff x="0" y="0"/>
-          <a:chExt cx="0" cy="0"/>
-        </a:xfrm>
-      </p:grpSpPr>
-      <p:sp>
-        <p:nvSpPr>
-          <p:cNvPr id="2" name="직사각형 1">
-            <a:extLst>
-              <a:ext uri="{FF2B5EF4-FFF2-40B4-BE49-F238E27FC236}">
-                <a16:creationId xmlns:a16="http://schemas.microsoft.com/office/drawing/2014/main" id="{104A78F2-F9DE-E968-791A-36236F554892}"/>
-              </a:ext>
-            </a:extLst>
-          </p:cNvPr>
-          <p:cNvSpPr/>
-          <p:nvPr/>
-        </p:nvSpPr>
-        <p:spPr>
-          <a:xfrm>
-            <a:off x="237835" y="143165"/>
-            <a:ext cx="6855691" cy="420253"/>
-          </a:xfrm>
-          <a:prstGeom prst="rect">
-            <a:avLst/>
-          </a:prstGeom>
-          <a:noFill/>
-          <a:ln w="38100">
-            <a:noFill/>
-          </a:ln>
-        </p:spPr>
-        <p:style>
-          <a:lnRef idx="2">
-            <a:schemeClr val="accent1">
-              <a:shade val="15000"/>
-            </a:schemeClr>
-          </a:lnRef>
-          <a:fillRef idx="1">
-            <a:schemeClr val="accent1"/>
-          </a:fillRef>
-          <a:effectRef idx="0">
-            <a:schemeClr val="accent1"/>
-          </a:effectRef>
-          <a:fontRef idx="minor">
-            <a:schemeClr val="lt1"/>
-          </a:fontRef>
-        </p:style>
-        <p:txBody>
-          <a:bodyPr rtlCol="0" anchor="t"/>
-          <a:lstStyle/>
-          <a:p>
-            <a:r>
-              <a:rPr lang="ko-KR" altLang="en-US" sz="2400" dirty="0">
-                <a:solidFill>
-                  <a:schemeClr val="bg1">
-                    <a:lumMod val="50000"/>
-                  </a:schemeClr>
-                </a:solidFill>
-              </a:rPr>
-              <a:t>상품 </a:t>
-            </a:r>
-            <a:r>
-              <a:rPr lang="en-US" altLang="ko-KR" sz="2400" dirty="0">
-                <a:solidFill>
-                  <a:schemeClr val="bg1">
-                    <a:lumMod val="50000"/>
-                  </a:schemeClr>
-                </a:solidFill>
-              </a:rPr>
-              <a:t>– </a:t>
-            </a:r>
-            <a:r>
-              <a:rPr lang="ko-KR" altLang="en-US" sz="2400" dirty="0">
-                <a:solidFill>
-                  <a:schemeClr val="bg1">
-                    <a:lumMod val="50000"/>
-                  </a:schemeClr>
-                </a:solidFill>
-              </a:rPr>
-              <a:t>상품요청 </a:t>
-            </a:r>
-            <a:r>
-              <a:rPr lang="en-US" altLang="ko-KR" sz="2400" dirty="0">
-                <a:solidFill>
-                  <a:schemeClr val="bg1">
-                    <a:lumMod val="50000"/>
-                  </a:schemeClr>
-                </a:solidFill>
-              </a:rPr>
-              <a:t>– </a:t>
-            </a:r>
-            <a:r>
-              <a:rPr lang="ko-KR" altLang="en-US" sz="2400" dirty="0">
-                <a:solidFill>
-                  <a:schemeClr val="bg1">
-                    <a:lumMod val="50000"/>
-                  </a:schemeClr>
-                </a:solidFill>
-              </a:rPr>
-              <a:t>상세조회</a:t>
-            </a:r>
-            <a:r>
-              <a:rPr lang="en-US" altLang="ko-KR" sz="2400" dirty="0">
-                <a:solidFill>
-                  <a:schemeClr val="bg1">
-                    <a:lumMod val="50000"/>
-                  </a:schemeClr>
-                </a:solidFill>
-              </a:rPr>
-              <a:t>(</a:t>
-            </a:r>
-            <a:r>
-              <a:rPr lang="ko-KR" altLang="en-US" sz="2400" dirty="0">
-                <a:solidFill>
-                  <a:schemeClr val="bg1">
-                    <a:lumMod val="50000"/>
-                  </a:schemeClr>
-                </a:solidFill>
-              </a:rPr>
-              <a:t>관리</a:t>
-            </a:r>
-            <a:r>
-              <a:rPr lang="en-US" altLang="ko-KR" sz="2400" dirty="0">
-                <a:solidFill>
-                  <a:schemeClr val="bg1">
-                    <a:lumMod val="50000"/>
-                  </a:schemeClr>
-                </a:solidFill>
-              </a:rPr>
-              <a:t>)</a:t>
-            </a:r>
-          </a:p>
-        </p:txBody>
-      </p:sp>
-      <p:sp>
-        <p:nvSpPr>
-          <p:cNvPr id="25" name="직사각형 24">
-            <a:extLst>
-              <a:ext uri="{FF2B5EF4-FFF2-40B4-BE49-F238E27FC236}">
-                <a16:creationId xmlns:a16="http://schemas.microsoft.com/office/drawing/2014/main" id="{2E426AF0-6BEF-D4CD-D4A9-4CDF06707DBD}"/>
-              </a:ext>
-            </a:extLst>
-          </p:cNvPr>
-          <p:cNvSpPr/>
-          <p:nvPr/>
-        </p:nvSpPr>
-        <p:spPr>
-          <a:xfrm>
-            <a:off x="4098633" y="5608920"/>
-            <a:ext cx="1320799" cy="468717"/>
-          </a:xfrm>
-          <a:prstGeom prst="rect">
-            <a:avLst/>
-          </a:prstGeom>
-          <a:solidFill>
-            <a:schemeClr val="bg1"/>
-          </a:solidFill>
-          <a:ln w="38100"/>
-          <a:scene3d>
-            <a:camera prst="orthographicFront"/>
-            <a:lightRig rig="threePt" dir="t"/>
-          </a:scene3d>
-          <a:sp3d>
-            <a:bevelT prst="angle"/>
-          </a:sp3d>
-        </p:spPr>
-        <p:style>
-          <a:lnRef idx="2">
-            <a:schemeClr val="accent1">
-              <a:shade val="15000"/>
-            </a:schemeClr>
-          </a:lnRef>
-          <a:fillRef idx="1">
-            <a:schemeClr val="accent1"/>
-          </a:fillRef>
-          <a:effectRef idx="0">
-            <a:schemeClr val="accent1"/>
-          </a:effectRef>
-          <a:fontRef idx="minor">
-            <a:schemeClr val="lt1"/>
-          </a:fontRef>
-        </p:style>
-        <p:txBody>
-          <a:bodyPr rtlCol="0" anchor="ctr"/>
-          <a:lstStyle/>
-          <a:p>
-            <a:pPr algn="ctr"/>
-            <a:r>
-              <a:rPr lang="ko-KR" altLang="en-US" dirty="0">
-                <a:solidFill>
-                  <a:schemeClr val="tx1"/>
-                </a:solidFill>
-              </a:rPr>
-              <a:t>답변 등록</a:t>
-            </a:r>
-          </a:p>
-        </p:txBody>
-      </p:sp>
-      <p:sp>
-        <p:nvSpPr>
-          <p:cNvPr id="3" name="직사각형 2">
-            <a:extLst>
-              <a:ext uri="{FF2B5EF4-FFF2-40B4-BE49-F238E27FC236}">
-                <a16:creationId xmlns:a16="http://schemas.microsoft.com/office/drawing/2014/main" id="{F04B4FAD-6154-9D17-89A2-491298016852}"/>
-              </a:ext>
-            </a:extLst>
-          </p:cNvPr>
-          <p:cNvSpPr/>
-          <p:nvPr/>
-        </p:nvSpPr>
-        <p:spPr>
-          <a:xfrm>
-            <a:off x="2650239" y="2407296"/>
-            <a:ext cx="1293100" cy="415638"/>
-          </a:xfrm>
-          <a:prstGeom prst="rect">
-            <a:avLst/>
-          </a:prstGeom>
-          <a:solidFill>
-            <a:schemeClr val="bg1"/>
-          </a:solidFill>
-          <a:ln w="38100"/>
-        </p:spPr>
-        <p:style>
-          <a:lnRef idx="2">
-            <a:schemeClr val="accent1">
-              <a:shade val="15000"/>
-            </a:schemeClr>
-          </a:lnRef>
-          <a:fillRef idx="1">
-            <a:schemeClr val="accent1"/>
-          </a:fillRef>
-          <a:effectRef idx="0">
-            <a:schemeClr val="accent1"/>
-          </a:effectRef>
-          <a:fontRef idx="minor">
-            <a:schemeClr val="lt1"/>
-          </a:fontRef>
-        </p:style>
-        <p:txBody>
-          <a:bodyPr rtlCol="0" anchor="ctr"/>
-          <a:lstStyle/>
-          <a:p>
-            <a:r>
-              <a:rPr lang="ko-KR" altLang="en-US" dirty="0">
-                <a:solidFill>
-                  <a:schemeClr val="tx1"/>
-                </a:solidFill>
-              </a:rPr>
-              <a:t>제목</a:t>
-            </a:r>
-          </a:p>
-        </p:txBody>
-      </p:sp>
-      <p:sp>
-        <p:nvSpPr>
-          <p:cNvPr id="5" name="직사각형 4">
-            <a:extLst>
-              <a:ext uri="{FF2B5EF4-FFF2-40B4-BE49-F238E27FC236}">
-                <a16:creationId xmlns:a16="http://schemas.microsoft.com/office/drawing/2014/main" id="{262A5B3D-FADE-5B6A-FC8E-7240A494FFF0}"/>
-              </a:ext>
-            </a:extLst>
-          </p:cNvPr>
-          <p:cNvSpPr/>
-          <p:nvPr/>
-        </p:nvSpPr>
-        <p:spPr>
-          <a:xfrm>
-            <a:off x="4103253" y="2407296"/>
-            <a:ext cx="4456543" cy="415638"/>
-          </a:xfrm>
-          <a:prstGeom prst="rect">
-            <a:avLst/>
-          </a:prstGeom>
-          <a:solidFill>
-            <a:schemeClr val="bg1"/>
-          </a:solidFill>
-          <a:ln w="38100"/>
-        </p:spPr>
-        <p:style>
-          <a:lnRef idx="2">
-            <a:schemeClr val="accent1">
-              <a:shade val="15000"/>
-            </a:schemeClr>
-          </a:lnRef>
-          <a:fillRef idx="1">
-            <a:schemeClr val="accent1"/>
-          </a:fillRef>
-          <a:effectRef idx="0">
-            <a:schemeClr val="accent1"/>
-          </a:effectRef>
-          <a:fontRef idx="minor">
-            <a:schemeClr val="lt1"/>
-          </a:fontRef>
-        </p:style>
-        <p:txBody>
-          <a:bodyPr rtlCol="0" anchor="ctr"/>
-          <a:lstStyle/>
-          <a:p>
-            <a:pPr algn="ctr"/>
-            <a:endParaRPr lang="ko-KR" altLang="en-US" dirty="0">
-              <a:solidFill>
-                <a:schemeClr val="tx1"/>
-              </a:solidFill>
-            </a:endParaRPr>
-          </a:p>
-        </p:txBody>
-      </p:sp>
-      <p:sp>
-        <p:nvSpPr>
-          <p:cNvPr id="6" name="직사각형 5">
-            <a:extLst>
-              <a:ext uri="{FF2B5EF4-FFF2-40B4-BE49-F238E27FC236}">
-                <a16:creationId xmlns:a16="http://schemas.microsoft.com/office/drawing/2014/main" id="{91A7939E-80F2-F8F6-4F98-466FBB8C8737}"/>
-              </a:ext>
-            </a:extLst>
-          </p:cNvPr>
-          <p:cNvSpPr/>
-          <p:nvPr/>
-        </p:nvSpPr>
-        <p:spPr>
-          <a:xfrm>
-            <a:off x="2650239" y="3109259"/>
-            <a:ext cx="1293100" cy="1516934"/>
-          </a:xfrm>
-          <a:prstGeom prst="rect">
-            <a:avLst/>
-          </a:prstGeom>
-          <a:solidFill>
-            <a:schemeClr val="bg1"/>
-          </a:solidFill>
-          <a:ln w="38100"/>
-        </p:spPr>
-        <p:style>
-          <a:lnRef idx="2">
-            <a:schemeClr val="accent1">
-              <a:shade val="15000"/>
-            </a:schemeClr>
-          </a:lnRef>
-          <a:fillRef idx="1">
-            <a:schemeClr val="accent1"/>
-          </a:fillRef>
-          <a:effectRef idx="0">
-            <a:schemeClr val="accent1"/>
-          </a:effectRef>
-          <a:fontRef idx="minor">
-            <a:schemeClr val="lt1"/>
-          </a:fontRef>
-        </p:style>
-        <p:txBody>
-          <a:bodyPr rtlCol="0" anchor="ctr"/>
-          <a:lstStyle/>
-          <a:p>
-            <a:r>
-              <a:rPr lang="ko-KR" altLang="en-US" dirty="0">
-                <a:solidFill>
-                  <a:schemeClr val="tx1"/>
-                </a:solidFill>
-              </a:rPr>
-              <a:t>상세내용</a:t>
-            </a:r>
-          </a:p>
-        </p:txBody>
-      </p:sp>
-      <p:sp>
-        <p:nvSpPr>
-          <p:cNvPr id="7" name="직사각형 6">
-            <a:extLst>
-              <a:ext uri="{FF2B5EF4-FFF2-40B4-BE49-F238E27FC236}">
-                <a16:creationId xmlns:a16="http://schemas.microsoft.com/office/drawing/2014/main" id="{687B70BF-2117-5B23-EAD2-B37ACDBD5EFF}"/>
-              </a:ext>
-            </a:extLst>
-          </p:cNvPr>
-          <p:cNvSpPr/>
-          <p:nvPr/>
-        </p:nvSpPr>
-        <p:spPr>
-          <a:xfrm>
-            <a:off x="4103253" y="3109258"/>
-            <a:ext cx="4456543" cy="1516935"/>
-          </a:xfrm>
-          <a:prstGeom prst="rect">
-            <a:avLst/>
-          </a:prstGeom>
-          <a:solidFill>
-            <a:schemeClr val="bg1"/>
-          </a:solidFill>
-          <a:ln w="38100"/>
-        </p:spPr>
-        <p:style>
-          <a:lnRef idx="2">
-            <a:schemeClr val="accent1">
-              <a:shade val="15000"/>
-            </a:schemeClr>
-          </a:lnRef>
-          <a:fillRef idx="1">
-            <a:schemeClr val="accent1"/>
-          </a:fillRef>
-          <a:effectRef idx="0">
-            <a:schemeClr val="accent1"/>
-          </a:effectRef>
-          <a:fontRef idx="minor">
-            <a:schemeClr val="lt1"/>
-          </a:fontRef>
-        </p:style>
-        <p:txBody>
-          <a:bodyPr rtlCol="0" anchor="ctr"/>
-          <a:lstStyle/>
-          <a:p>
-            <a:pPr algn="ctr"/>
-            <a:endParaRPr lang="ko-KR" altLang="en-US" dirty="0">
-              <a:solidFill>
-                <a:schemeClr val="tx1"/>
-              </a:solidFill>
-            </a:endParaRPr>
-          </a:p>
-        </p:txBody>
-      </p:sp>
-      <p:sp>
-        <p:nvSpPr>
-          <p:cNvPr id="8" name="직사각형 7">
-            <a:extLst>
-              <a:ext uri="{FF2B5EF4-FFF2-40B4-BE49-F238E27FC236}">
-                <a16:creationId xmlns:a16="http://schemas.microsoft.com/office/drawing/2014/main" id="{F9B48F98-81C8-03F8-8805-368E2EED25F9}"/>
-              </a:ext>
-            </a:extLst>
-          </p:cNvPr>
-          <p:cNvSpPr/>
-          <p:nvPr/>
-        </p:nvSpPr>
-        <p:spPr>
-          <a:xfrm>
-            <a:off x="2650239" y="4887259"/>
-            <a:ext cx="1293100" cy="460595"/>
-          </a:xfrm>
-          <a:prstGeom prst="rect">
-            <a:avLst/>
-          </a:prstGeom>
-          <a:solidFill>
-            <a:schemeClr val="bg1"/>
-          </a:solidFill>
-          <a:ln w="38100"/>
-        </p:spPr>
-        <p:style>
-          <a:lnRef idx="2">
-            <a:schemeClr val="accent1">
-              <a:shade val="15000"/>
-            </a:schemeClr>
-          </a:lnRef>
-          <a:fillRef idx="1">
-            <a:schemeClr val="accent1"/>
-          </a:fillRef>
-          <a:effectRef idx="0">
-            <a:schemeClr val="accent1"/>
-          </a:effectRef>
-          <a:fontRef idx="minor">
-            <a:schemeClr val="lt1"/>
-          </a:fontRef>
-        </p:style>
-        <p:txBody>
-          <a:bodyPr rtlCol="0" anchor="ctr"/>
-          <a:lstStyle/>
-          <a:p>
-            <a:r>
-              <a:rPr lang="ko-KR" altLang="en-US">
-                <a:solidFill>
-                  <a:schemeClr val="tx1"/>
-                </a:solidFill>
-              </a:rPr>
-              <a:t>청부파일</a:t>
-            </a:r>
-            <a:endParaRPr lang="ko-KR" altLang="en-US" dirty="0">
-              <a:solidFill>
-                <a:schemeClr val="tx1"/>
-              </a:solidFill>
-            </a:endParaRPr>
-          </a:p>
-        </p:txBody>
-      </p:sp>
-      <p:sp>
-        <p:nvSpPr>
-          <p:cNvPr id="9" name="직사각형 8">
-            <a:extLst>
-              <a:ext uri="{FF2B5EF4-FFF2-40B4-BE49-F238E27FC236}">
-                <a16:creationId xmlns:a16="http://schemas.microsoft.com/office/drawing/2014/main" id="{BA232370-FADC-6318-01F0-720F2C52264C}"/>
-              </a:ext>
-            </a:extLst>
-          </p:cNvPr>
-          <p:cNvSpPr/>
-          <p:nvPr/>
-        </p:nvSpPr>
-        <p:spPr>
-          <a:xfrm>
-            <a:off x="4103253" y="4887259"/>
-            <a:ext cx="4456543" cy="460595"/>
-          </a:xfrm>
-          <a:prstGeom prst="rect">
-            <a:avLst/>
-          </a:prstGeom>
-          <a:solidFill>
-            <a:schemeClr val="bg1"/>
-          </a:solidFill>
-          <a:ln w="38100"/>
-        </p:spPr>
-        <p:style>
-          <a:lnRef idx="2">
-            <a:schemeClr val="accent1">
-              <a:shade val="15000"/>
-            </a:schemeClr>
-          </a:lnRef>
-          <a:fillRef idx="1">
-            <a:schemeClr val="accent1"/>
-          </a:fillRef>
-          <a:effectRef idx="0">
-            <a:schemeClr val="accent1"/>
-          </a:effectRef>
-          <a:fontRef idx="minor">
-            <a:schemeClr val="lt1"/>
-          </a:fontRef>
-        </p:style>
-        <p:txBody>
-          <a:bodyPr rtlCol="0" anchor="ctr"/>
-          <a:lstStyle/>
-          <a:p>
-            <a:pPr algn="ctr"/>
-            <a:endParaRPr lang="ko-KR" altLang="en-US" dirty="0">
-              <a:solidFill>
-                <a:schemeClr val="tx1"/>
-              </a:solidFill>
-            </a:endParaRPr>
-          </a:p>
-        </p:txBody>
-      </p:sp>
-      <p:sp>
-        <p:nvSpPr>
-          <p:cNvPr id="10" name="직사각형 9">
-            <a:extLst>
-              <a:ext uri="{FF2B5EF4-FFF2-40B4-BE49-F238E27FC236}">
-                <a16:creationId xmlns:a16="http://schemas.microsoft.com/office/drawing/2014/main" id="{6FDF2ECA-961E-C4B4-DE6F-776FB1596BA4}"/>
-              </a:ext>
-            </a:extLst>
-          </p:cNvPr>
-          <p:cNvSpPr/>
-          <p:nvPr/>
-        </p:nvSpPr>
-        <p:spPr>
-          <a:xfrm>
-            <a:off x="2650239" y="1730592"/>
-            <a:ext cx="1293100" cy="415638"/>
-          </a:xfrm>
-          <a:prstGeom prst="rect">
-            <a:avLst/>
-          </a:prstGeom>
-          <a:solidFill>
-            <a:schemeClr val="bg1"/>
-          </a:solidFill>
-          <a:ln w="38100"/>
-        </p:spPr>
-        <p:style>
-          <a:lnRef idx="2">
-            <a:schemeClr val="accent1">
-              <a:shade val="15000"/>
-            </a:schemeClr>
-          </a:lnRef>
-          <a:fillRef idx="1">
-            <a:schemeClr val="accent1"/>
-          </a:fillRef>
-          <a:effectRef idx="0">
-            <a:schemeClr val="accent1"/>
-          </a:effectRef>
-          <a:fontRef idx="minor">
-            <a:schemeClr val="lt1"/>
-          </a:fontRef>
-        </p:style>
-        <p:txBody>
-          <a:bodyPr rtlCol="0" anchor="ctr"/>
-          <a:lstStyle/>
-          <a:p>
-            <a:r>
-              <a:rPr lang="ko-KR" altLang="en-US" dirty="0">
-                <a:solidFill>
-                  <a:schemeClr val="tx1"/>
-                </a:solidFill>
-              </a:rPr>
-              <a:t>상태</a:t>
-            </a:r>
-          </a:p>
-        </p:txBody>
-      </p:sp>
-      <p:sp>
-        <p:nvSpPr>
-          <p:cNvPr id="11" name="직사각형 10">
-            <a:extLst>
-              <a:ext uri="{FF2B5EF4-FFF2-40B4-BE49-F238E27FC236}">
-                <a16:creationId xmlns:a16="http://schemas.microsoft.com/office/drawing/2014/main" id="{5F0B51A1-DA8B-9FB8-9109-9F0D649EFCC4}"/>
-              </a:ext>
-            </a:extLst>
-          </p:cNvPr>
-          <p:cNvSpPr/>
-          <p:nvPr/>
-        </p:nvSpPr>
-        <p:spPr>
-          <a:xfrm>
-            <a:off x="4103253" y="1730592"/>
-            <a:ext cx="4456543" cy="415638"/>
-          </a:xfrm>
-          <a:prstGeom prst="rect">
-            <a:avLst/>
-          </a:prstGeom>
-          <a:solidFill>
-            <a:schemeClr val="bg1"/>
-          </a:solidFill>
-          <a:ln w="38100"/>
-        </p:spPr>
-        <p:style>
-          <a:lnRef idx="2">
-            <a:schemeClr val="accent1">
-              <a:shade val="15000"/>
-            </a:schemeClr>
-          </a:lnRef>
-          <a:fillRef idx="1">
-            <a:schemeClr val="accent1"/>
-          </a:fillRef>
-          <a:effectRef idx="0">
-            <a:schemeClr val="accent1"/>
-          </a:effectRef>
-          <a:fontRef idx="minor">
-            <a:schemeClr val="lt1"/>
-          </a:fontRef>
-        </p:style>
-        <p:txBody>
-          <a:bodyPr rtlCol="0" anchor="ctr"/>
-          <a:lstStyle/>
-          <a:p>
-            <a:pPr algn="ctr"/>
-            <a:r>
-              <a:rPr lang="ko-KR" altLang="en-US" dirty="0">
-                <a:solidFill>
-                  <a:schemeClr val="tx1"/>
-                </a:solidFill>
-              </a:rPr>
-              <a:t>요청</a:t>
-            </a:r>
-          </a:p>
-        </p:txBody>
-      </p:sp>
-      <p:sp>
-        <p:nvSpPr>
-          <p:cNvPr id="12" name="이등변 삼각형 11">
-            <a:extLst>
-              <a:ext uri="{FF2B5EF4-FFF2-40B4-BE49-F238E27FC236}">
-                <a16:creationId xmlns:a16="http://schemas.microsoft.com/office/drawing/2014/main" id="{9A550CFD-F64D-541E-8134-F331EE392841}"/>
-              </a:ext>
-            </a:extLst>
-          </p:cNvPr>
-          <p:cNvSpPr/>
-          <p:nvPr/>
-        </p:nvSpPr>
-        <p:spPr>
-          <a:xfrm flipV="1">
-            <a:off x="4191003" y="1807918"/>
-            <a:ext cx="286328" cy="260986"/>
-          </a:xfrm>
-          <a:prstGeom prst="triangle">
-            <a:avLst/>
-          </a:prstGeom>
-          <a:solidFill>
-            <a:schemeClr val="tx2"/>
-          </a:solidFill>
-        </p:spPr>
-        <p:style>
-          <a:lnRef idx="2">
-            <a:schemeClr val="accent1">
-              <a:shade val="15000"/>
-            </a:schemeClr>
-          </a:lnRef>
-          <a:fillRef idx="1">
-            <a:schemeClr val="accent1"/>
-          </a:fillRef>
-          <a:effectRef idx="0">
-            <a:schemeClr val="accent1"/>
-          </a:effectRef>
-          <a:fontRef idx="minor">
-            <a:schemeClr val="lt1"/>
-          </a:fontRef>
-        </p:style>
-        <p:txBody>
-          <a:bodyPr rtlCol="0" anchor="ctr"/>
-          <a:lstStyle/>
-          <a:p>
-            <a:pPr algn="ctr"/>
-            <a:endParaRPr lang="ko-KR" altLang="en-US"/>
-          </a:p>
-        </p:txBody>
-      </p:sp>
-      <p:sp>
-        <p:nvSpPr>
-          <p:cNvPr id="13" name="직사각형 12">
-            <a:extLst>
-              <a:ext uri="{FF2B5EF4-FFF2-40B4-BE49-F238E27FC236}">
-                <a16:creationId xmlns:a16="http://schemas.microsoft.com/office/drawing/2014/main" id="{BD212559-E6E0-B753-003D-2B4EB5907F25}"/>
-              </a:ext>
-            </a:extLst>
-          </p:cNvPr>
-          <p:cNvSpPr/>
-          <p:nvPr/>
-        </p:nvSpPr>
-        <p:spPr>
-          <a:xfrm>
-            <a:off x="5668815" y="5608920"/>
-            <a:ext cx="1320799" cy="468717"/>
-          </a:xfrm>
-          <a:prstGeom prst="rect">
-            <a:avLst/>
-          </a:prstGeom>
-          <a:solidFill>
-            <a:schemeClr val="bg1"/>
-          </a:solidFill>
-          <a:ln w="38100"/>
-          <a:scene3d>
-            <a:camera prst="orthographicFront"/>
-            <a:lightRig rig="threePt" dir="t"/>
-          </a:scene3d>
-          <a:sp3d>
-            <a:bevelT prst="angle"/>
-          </a:sp3d>
-        </p:spPr>
-        <p:style>
-          <a:lnRef idx="2">
-            <a:schemeClr val="accent1">
-              <a:shade val="15000"/>
-            </a:schemeClr>
-          </a:lnRef>
-          <a:fillRef idx="1">
-            <a:schemeClr val="accent1"/>
-          </a:fillRef>
-          <a:effectRef idx="0">
-            <a:schemeClr val="accent1"/>
-          </a:effectRef>
-          <a:fontRef idx="minor">
-            <a:schemeClr val="lt1"/>
-          </a:fontRef>
-        </p:style>
-        <p:txBody>
-          <a:bodyPr rtlCol="0" anchor="ctr"/>
-          <a:lstStyle/>
-          <a:p>
-            <a:pPr algn="ctr"/>
-            <a:r>
-              <a:rPr lang="ko-KR" altLang="en-US" dirty="0">
-                <a:solidFill>
-                  <a:schemeClr val="tx1"/>
-                </a:solidFill>
-              </a:rPr>
-              <a:t>저장</a:t>
-            </a:r>
-          </a:p>
-        </p:txBody>
-      </p:sp>
-      <p:sp>
-        <p:nvSpPr>
-          <p:cNvPr id="16" name="직사각형 15">
-            <a:extLst>
-              <a:ext uri="{FF2B5EF4-FFF2-40B4-BE49-F238E27FC236}">
-                <a16:creationId xmlns:a16="http://schemas.microsoft.com/office/drawing/2014/main" id="{30A00C7B-BC53-BF32-C60A-CBEA5E4D1121}"/>
-              </a:ext>
-            </a:extLst>
-          </p:cNvPr>
-          <p:cNvSpPr/>
-          <p:nvPr/>
-        </p:nvSpPr>
-        <p:spPr>
-          <a:xfrm>
-            <a:off x="7238997" y="5608919"/>
-            <a:ext cx="1320799" cy="468717"/>
-          </a:xfrm>
-          <a:prstGeom prst="rect">
-            <a:avLst/>
-          </a:prstGeom>
-          <a:solidFill>
-            <a:schemeClr val="bg1"/>
-          </a:solidFill>
-          <a:ln w="38100"/>
-          <a:scene3d>
-            <a:camera prst="orthographicFront"/>
-            <a:lightRig rig="threePt" dir="t"/>
-          </a:scene3d>
-          <a:sp3d>
-            <a:bevelT prst="angle"/>
-          </a:sp3d>
-        </p:spPr>
-        <p:style>
-          <a:lnRef idx="2">
-            <a:schemeClr val="accent1">
-              <a:shade val="15000"/>
-            </a:schemeClr>
-          </a:lnRef>
-          <a:fillRef idx="1">
-            <a:schemeClr val="accent1"/>
-          </a:fillRef>
-          <a:effectRef idx="0">
-            <a:schemeClr val="accent1"/>
-          </a:effectRef>
-          <a:fontRef idx="minor">
-            <a:schemeClr val="lt1"/>
-          </a:fontRef>
-        </p:style>
-        <p:txBody>
-          <a:bodyPr rtlCol="0" anchor="ctr"/>
-          <a:lstStyle/>
-          <a:p>
-            <a:pPr algn="ctr"/>
-            <a:r>
-              <a:rPr lang="ko-KR" altLang="en-US" dirty="0">
-                <a:solidFill>
-                  <a:schemeClr val="tx1"/>
-                </a:solidFill>
-              </a:rPr>
-              <a:t>삭제</a:t>
-            </a:r>
-          </a:p>
-        </p:txBody>
-      </p:sp>
-    </p:spTree>
-    <p:extLst>
-      <p:ext uri="{BB962C8B-B14F-4D97-AF65-F5344CB8AC3E}">
-        <p14:creationId xmlns:p14="http://schemas.microsoft.com/office/powerpoint/2010/main" val="3084961329"/>
-      </p:ext>
-    </p:extLst>
-  </p:cSld>
-  <p:clrMapOvr>
-    <a:masterClrMapping/>
-  </p:clrMapOvr>
-</p:sld>
-</file>
-
 <file path=ppt/slides/slide12.xml><?xml version="1.0" encoding="utf-8"?>
 <p:sld xmlns:a="http://schemas.openxmlformats.org/drawingml/2006/main" xmlns:r="http://schemas.openxmlformats.org/officeDocument/2006/relationships" xmlns:p="http://schemas.openxmlformats.org/presentationml/2006/main">
   <p:cSld>
@@ -5847,82 +7462,20 @@
       </p:grpSpPr>
       <p:sp>
         <p:nvSpPr>
-          <p:cNvPr id="6" name="직사각형 5">
-            <a:extLst>
-              <a:ext uri="{FF2B5EF4-FFF2-40B4-BE49-F238E27FC236}">
-                <a16:creationId xmlns:a16="http://schemas.microsoft.com/office/drawing/2014/main" id="{62C7DFEA-8610-F7BE-5802-7CB3D65602B0}"/>
-              </a:ext>
-            </a:extLst>
-          </p:cNvPr>
-          <p:cNvSpPr/>
-          <p:nvPr/>
-        </p:nvSpPr>
-        <p:spPr>
-          <a:xfrm>
-            <a:off x="1851890" y="1155150"/>
-            <a:ext cx="7098146" cy="5199468"/>
-          </a:xfrm>
-          <a:prstGeom prst="rect">
-            <a:avLst/>
-          </a:prstGeom>
-          <a:solidFill>
-            <a:schemeClr val="bg1"/>
-          </a:solidFill>
-          <a:ln w="38100"/>
-        </p:spPr>
-        <p:style>
-          <a:lnRef idx="2">
-            <a:schemeClr val="accent1">
-              <a:shade val="15000"/>
-            </a:schemeClr>
-          </a:lnRef>
-          <a:fillRef idx="1">
-            <a:schemeClr val="accent1"/>
-          </a:fillRef>
-          <a:effectRef idx="0">
-            <a:schemeClr val="accent1"/>
-          </a:effectRef>
-          <a:fontRef idx="minor">
-            <a:schemeClr val="lt1"/>
-          </a:fontRef>
-        </p:style>
-        <p:txBody>
-          <a:bodyPr rtlCol="0" anchor="ctr"/>
-          <a:lstStyle/>
-          <a:p>
-            <a:pPr algn="ctr"/>
-            <a:r>
-              <a:rPr lang="ko-KR" altLang="en-US">
-                <a:solidFill>
-                  <a:schemeClr val="tx1"/>
-                </a:solidFill>
-              </a:rPr>
-              <a:t>본문</a:t>
-            </a:r>
-            <a:endParaRPr lang="ko-KR" altLang="en-US" dirty="0">
-              <a:solidFill>
-                <a:schemeClr val="tx1"/>
-              </a:solidFill>
-            </a:endParaRPr>
-          </a:p>
-        </p:txBody>
-      </p:sp>
-      <p:sp>
-        <p:nvSpPr>
-          <p:cNvPr id="9" name="직사각형 8">
-            <a:extLst>
-              <a:ext uri="{FF2B5EF4-FFF2-40B4-BE49-F238E27FC236}">
-                <a16:creationId xmlns:a16="http://schemas.microsoft.com/office/drawing/2014/main" id="{4CF6430A-9919-99ED-E786-01AD5A295728}"/>
-              </a:ext>
-            </a:extLst>
-          </p:cNvPr>
-          <p:cNvSpPr/>
-          <p:nvPr/>
-        </p:nvSpPr>
-        <p:spPr>
-          <a:xfrm>
-            <a:off x="237836" y="143165"/>
-            <a:ext cx="4262582" cy="420253"/>
+          <p:cNvPr id="2" name="직사각형 1">
+            <a:extLst>
+              <a:ext uri="{FF2B5EF4-FFF2-40B4-BE49-F238E27FC236}">
+                <a16:creationId xmlns:a16="http://schemas.microsoft.com/office/drawing/2014/main" id="{104A78F2-F9DE-E968-791A-36236F554892}"/>
+              </a:ext>
+            </a:extLst>
+          </p:cNvPr>
+          <p:cNvSpPr/>
+          <p:nvPr/>
+        </p:nvSpPr>
+        <p:spPr>
+          <a:xfrm>
+            <a:off x="237835" y="143165"/>
+            <a:ext cx="6855691" cy="420253"/>
           </a:xfrm>
           <a:prstGeom prst="rect">
             <a:avLst/>
@@ -5960,427 +7513,97 @@
                   </a:schemeClr>
                 </a:solidFill>
               </a:rPr>
-              <a:t>우측 메뉴</a:t>
-            </a:r>
-            <a:endParaRPr lang="en-US" altLang="ko-KR" sz="2400" dirty="0">
-              <a:solidFill>
-                <a:schemeClr val="bg1">
-                  <a:lumMod val="50000"/>
-                </a:schemeClr>
-              </a:solidFill>
-            </a:endParaRPr>
-          </a:p>
-        </p:txBody>
-      </p:sp>
-      <p:sp>
-        <p:nvSpPr>
-          <p:cNvPr id="2" name="직사각형 1">
-            <a:extLst>
-              <a:ext uri="{FF2B5EF4-FFF2-40B4-BE49-F238E27FC236}">
-                <a16:creationId xmlns:a16="http://schemas.microsoft.com/office/drawing/2014/main" id="{0287D81A-CD0D-091F-5D9A-D150A931C058}"/>
-              </a:ext>
-            </a:extLst>
-          </p:cNvPr>
-          <p:cNvSpPr/>
-          <p:nvPr/>
-        </p:nvSpPr>
-        <p:spPr>
-          <a:xfrm>
-            <a:off x="9504219" y="1155150"/>
-            <a:ext cx="2466108" cy="5199468"/>
-          </a:xfrm>
-          <a:prstGeom prst="rect">
-            <a:avLst/>
-          </a:prstGeom>
-          <a:solidFill>
-            <a:schemeClr val="bg1"/>
-          </a:solidFill>
-          <a:ln w="38100"/>
-        </p:spPr>
-        <p:style>
-          <a:lnRef idx="2">
-            <a:schemeClr val="accent1">
-              <a:shade val="15000"/>
-            </a:schemeClr>
-          </a:lnRef>
-          <a:fillRef idx="1">
-            <a:schemeClr val="accent1"/>
-          </a:fillRef>
-          <a:effectRef idx="0">
-            <a:schemeClr val="accent1"/>
-          </a:effectRef>
-          <a:fontRef idx="minor">
-            <a:schemeClr val="lt1"/>
-          </a:fontRef>
-        </p:style>
-        <p:txBody>
-          <a:bodyPr rtlCol="0" anchor="ctr"/>
-          <a:lstStyle/>
-          <a:p>
-            <a:pPr algn="ctr"/>
-            <a:endParaRPr lang="ko-KR" altLang="en-US" sz="1400" dirty="0">
-              <a:solidFill>
-                <a:schemeClr val="tx1"/>
-              </a:solidFill>
-            </a:endParaRPr>
-          </a:p>
-        </p:txBody>
-      </p:sp>
-      <p:sp>
-        <p:nvSpPr>
-          <p:cNvPr id="4" name="직사각형 3">
-            <a:extLst>
-              <a:ext uri="{FF2B5EF4-FFF2-40B4-BE49-F238E27FC236}">
-                <a16:creationId xmlns:a16="http://schemas.microsoft.com/office/drawing/2014/main" id="{C9554C76-7B01-05B9-95FB-3069DE05F700}"/>
-              </a:ext>
-            </a:extLst>
-          </p:cNvPr>
-          <p:cNvSpPr/>
-          <p:nvPr/>
-        </p:nvSpPr>
-        <p:spPr>
-          <a:xfrm>
-            <a:off x="9813638" y="3221181"/>
-            <a:ext cx="1667162" cy="415638"/>
-          </a:xfrm>
-          <a:prstGeom prst="rect">
-            <a:avLst/>
-          </a:prstGeom>
-          <a:solidFill>
-            <a:schemeClr val="bg1"/>
-          </a:solidFill>
-          <a:ln w="38100"/>
-        </p:spPr>
-        <p:style>
-          <a:lnRef idx="2">
-            <a:schemeClr val="accent1">
-              <a:shade val="15000"/>
-            </a:schemeClr>
-          </a:lnRef>
-          <a:fillRef idx="1">
-            <a:schemeClr val="accent1"/>
-          </a:fillRef>
-          <a:effectRef idx="0">
-            <a:schemeClr val="accent1"/>
-          </a:effectRef>
-          <a:fontRef idx="minor">
-            <a:schemeClr val="lt1"/>
-          </a:fontRef>
-        </p:style>
-        <p:txBody>
-          <a:bodyPr rtlCol="0" anchor="ctr"/>
-          <a:lstStyle/>
-          <a:p>
-            <a:r>
-              <a:rPr lang="ko-KR" altLang="en-US" dirty="0">
-                <a:solidFill>
-                  <a:schemeClr val="tx1"/>
-                </a:solidFill>
-              </a:rPr>
-              <a:t>상품명</a:t>
-            </a:r>
-          </a:p>
-        </p:txBody>
-      </p:sp>
-      <p:sp>
-        <p:nvSpPr>
-          <p:cNvPr id="5" name="직사각형 4">
-            <a:extLst>
-              <a:ext uri="{FF2B5EF4-FFF2-40B4-BE49-F238E27FC236}">
-                <a16:creationId xmlns:a16="http://schemas.microsoft.com/office/drawing/2014/main" id="{02AE601A-97BB-12C6-4D64-0A3E569B1E54}"/>
-              </a:ext>
-            </a:extLst>
-          </p:cNvPr>
-          <p:cNvSpPr/>
-          <p:nvPr/>
-        </p:nvSpPr>
-        <p:spPr>
-          <a:xfrm>
-            <a:off x="9624291" y="1223819"/>
-            <a:ext cx="2045856" cy="420253"/>
-          </a:xfrm>
-          <a:prstGeom prst="rect">
-            <a:avLst/>
-          </a:prstGeom>
-          <a:noFill/>
-          <a:ln w="38100">
-            <a:noFill/>
-          </a:ln>
-        </p:spPr>
-        <p:style>
-          <a:lnRef idx="2">
-            <a:schemeClr val="accent1">
-              <a:shade val="15000"/>
-            </a:schemeClr>
-          </a:lnRef>
-          <a:fillRef idx="1">
-            <a:schemeClr val="accent1"/>
-          </a:fillRef>
-          <a:effectRef idx="0">
-            <a:schemeClr val="accent1"/>
-          </a:effectRef>
-          <a:fontRef idx="minor">
-            <a:schemeClr val="lt1"/>
-          </a:fontRef>
-        </p:style>
-        <p:txBody>
-          <a:bodyPr rtlCol="0" anchor="t"/>
-          <a:lstStyle/>
-          <a:p>
-            <a:r>
-              <a:rPr lang="ko-KR" altLang="en-US" dirty="0">
-                <a:solidFill>
-                  <a:schemeClr val="tx1"/>
-                </a:solidFill>
-              </a:rPr>
-              <a:t>장바구니</a:t>
-            </a:r>
-            <a:endParaRPr lang="en-US" altLang="ko-KR" dirty="0">
-              <a:solidFill>
-                <a:schemeClr val="tx1"/>
-              </a:solidFill>
-            </a:endParaRPr>
-          </a:p>
-        </p:txBody>
-      </p:sp>
-      <p:sp>
-        <p:nvSpPr>
-          <p:cNvPr id="7" name="직사각형 6">
-            <a:extLst>
-              <a:ext uri="{FF2B5EF4-FFF2-40B4-BE49-F238E27FC236}">
-                <a16:creationId xmlns:a16="http://schemas.microsoft.com/office/drawing/2014/main" id="{6578FC79-FE54-43E8-7545-04547929F7F7}"/>
-              </a:ext>
-            </a:extLst>
-          </p:cNvPr>
-          <p:cNvSpPr/>
-          <p:nvPr/>
-        </p:nvSpPr>
-        <p:spPr>
-          <a:xfrm>
-            <a:off x="9813638" y="1644072"/>
-            <a:ext cx="1667162" cy="1422399"/>
-          </a:xfrm>
-          <a:prstGeom prst="rect">
-            <a:avLst/>
-          </a:prstGeom>
-          <a:solidFill>
-            <a:schemeClr val="bg1"/>
-          </a:solidFill>
-          <a:ln w="38100"/>
-        </p:spPr>
-        <p:style>
-          <a:lnRef idx="2">
-            <a:schemeClr val="accent1">
-              <a:shade val="15000"/>
-            </a:schemeClr>
-          </a:lnRef>
-          <a:fillRef idx="1">
-            <a:schemeClr val="accent1"/>
-          </a:fillRef>
-          <a:effectRef idx="0">
-            <a:schemeClr val="accent1"/>
-          </a:effectRef>
-          <a:fontRef idx="minor">
-            <a:schemeClr val="lt1"/>
-          </a:fontRef>
-        </p:style>
-        <p:txBody>
-          <a:bodyPr rtlCol="0" anchor="ctr"/>
-          <a:lstStyle/>
-          <a:p>
-            <a:pPr algn="ctr"/>
-            <a:r>
-              <a:rPr lang="ko-KR" altLang="en-US" dirty="0">
-                <a:solidFill>
-                  <a:schemeClr val="tx1"/>
-                </a:solidFill>
-              </a:rPr>
-              <a:t>이미지</a:t>
-            </a:r>
-          </a:p>
-        </p:txBody>
-      </p:sp>
-      <p:sp>
-        <p:nvSpPr>
-          <p:cNvPr id="10" name="직사각형 9">
-            <a:extLst>
-              <a:ext uri="{FF2B5EF4-FFF2-40B4-BE49-F238E27FC236}">
-                <a16:creationId xmlns:a16="http://schemas.microsoft.com/office/drawing/2014/main" id="{D155824A-BA81-77C2-3124-B754EAD68CC1}"/>
-              </a:ext>
-            </a:extLst>
-          </p:cNvPr>
-          <p:cNvSpPr/>
-          <p:nvPr/>
-        </p:nvSpPr>
-        <p:spPr>
-          <a:xfrm>
-            <a:off x="9813638" y="3754884"/>
-            <a:ext cx="1667162" cy="415638"/>
-          </a:xfrm>
-          <a:prstGeom prst="rect">
-            <a:avLst/>
-          </a:prstGeom>
-          <a:solidFill>
-            <a:schemeClr val="bg1"/>
-          </a:solidFill>
-          <a:ln w="38100"/>
-        </p:spPr>
-        <p:style>
-          <a:lnRef idx="2">
-            <a:schemeClr val="accent1">
-              <a:shade val="15000"/>
-            </a:schemeClr>
-          </a:lnRef>
-          <a:fillRef idx="1">
-            <a:schemeClr val="accent1"/>
-          </a:fillRef>
-          <a:effectRef idx="0">
-            <a:schemeClr val="accent1"/>
-          </a:effectRef>
-          <a:fontRef idx="minor">
-            <a:schemeClr val="lt1"/>
-          </a:fontRef>
-        </p:style>
-        <p:txBody>
-          <a:bodyPr rtlCol="0" anchor="ctr"/>
-          <a:lstStyle/>
-          <a:p>
-            <a:r>
-              <a:rPr lang="ko-KR" altLang="en-US" dirty="0">
-                <a:solidFill>
-                  <a:schemeClr val="tx1"/>
-                </a:solidFill>
-              </a:rPr>
-              <a:t>가격</a:t>
-            </a:r>
-          </a:p>
-        </p:txBody>
-      </p:sp>
-      <p:sp>
-        <p:nvSpPr>
-          <p:cNvPr id="11" name="직사각형 10">
-            <a:extLst>
-              <a:ext uri="{FF2B5EF4-FFF2-40B4-BE49-F238E27FC236}">
-                <a16:creationId xmlns:a16="http://schemas.microsoft.com/office/drawing/2014/main" id="{E4471850-461C-8E37-E4AD-D547A2C99125}"/>
-              </a:ext>
-            </a:extLst>
-          </p:cNvPr>
-          <p:cNvSpPr/>
-          <p:nvPr/>
-        </p:nvSpPr>
-        <p:spPr>
-          <a:xfrm>
-            <a:off x="9504219" y="5366322"/>
-            <a:ext cx="2445327" cy="979357"/>
-          </a:xfrm>
-          <a:prstGeom prst="rect">
-            <a:avLst/>
-          </a:prstGeom>
-          <a:solidFill>
-            <a:schemeClr val="bg1"/>
-          </a:solidFill>
-          <a:ln w="38100"/>
-        </p:spPr>
-        <p:style>
-          <a:lnRef idx="2">
-            <a:schemeClr val="accent1">
-              <a:shade val="15000"/>
-            </a:schemeClr>
-          </a:lnRef>
-          <a:fillRef idx="1">
-            <a:schemeClr val="accent1"/>
-          </a:fillRef>
-          <a:effectRef idx="0">
-            <a:schemeClr val="accent1"/>
-          </a:effectRef>
-          <a:fontRef idx="minor">
-            <a:schemeClr val="lt1"/>
-          </a:fontRef>
-        </p:style>
-        <p:txBody>
-          <a:bodyPr rtlCol="0" anchor="ctr"/>
-          <a:lstStyle/>
-          <a:p>
-            <a:endParaRPr lang="ko-KR" altLang="en-US" dirty="0">
-              <a:solidFill>
-                <a:schemeClr val="tx1"/>
-              </a:solidFill>
-            </a:endParaRPr>
-          </a:p>
-        </p:txBody>
-      </p:sp>
-      <p:sp>
-        <p:nvSpPr>
-          <p:cNvPr id="13" name="직사각형 12">
-            <a:extLst>
-              <a:ext uri="{FF2B5EF4-FFF2-40B4-BE49-F238E27FC236}">
-                <a16:creationId xmlns:a16="http://schemas.microsoft.com/office/drawing/2014/main" id="{403D81A4-F0A9-B197-0257-AB5A9062BF0B}"/>
-              </a:ext>
-            </a:extLst>
-          </p:cNvPr>
-          <p:cNvSpPr/>
-          <p:nvPr/>
-        </p:nvSpPr>
-        <p:spPr>
-          <a:xfrm>
-            <a:off x="9839037" y="5537594"/>
-            <a:ext cx="1616364" cy="317650"/>
-          </a:xfrm>
-          <a:prstGeom prst="rect">
-            <a:avLst/>
-          </a:prstGeom>
-          <a:solidFill>
-            <a:schemeClr val="bg1"/>
-          </a:solidFill>
-          <a:ln w="38100"/>
-        </p:spPr>
-        <p:style>
-          <a:lnRef idx="2">
-            <a:schemeClr val="accent1">
-              <a:shade val="15000"/>
-            </a:schemeClr>
-          </a:lnRef>
-          <a:fillRef idx="1">
-            <a:schemeClr val="accent1"/>
-          </a:fillRef>
-          <a:effectRef idx="0">
-            <a:schemeClr val="accent1"/>
-          </a:effectRef>
-          <a:fontRef idx="minor">
-            <a:schemeClr val="lt1"/>
-          </a:fontRef>
-        </p:style>
-        <p:txBody>
-          <a:bodyPr rtlCol="0" anchor="ctr"/>
-          <a:lstStyle/>
-          <a:p>
-            <a:r>
-              <a:rPr lang="ko-KR" altLang="en-US" dirty="0">
-                <a:solidFill>
-                  <a:schemeClr val="tx1"/>
-                </a:solidFill>
-              </a:rPr>
-              <a:t>총액</a:t>
-            </a:r>
-          </a:p>
-        </p:txBody>
-      </p:sp>
-      <p:sp>
-        <p:nvSpPr>
-          <p:cNvPr id="3" name="직사각형 2">
-            <a:extLst>
-              <a:ext uri="{FF2B5EF4-FFF2-40B4-BE49-F238E27FC236}">
-                <a16:creationId xmlns:a16="http://schemas.microsoft.com/office/drawing/2014/main" id="{E1BEDFC2-ECEA-D226-71B6-C458813CDBDA}"/>
-              </a:ext>
-            </a:extLst>
-          </p:cNvPr>
-          <p:cNvSpPr/>
-          <p:nvPr/>
-        </p:nvSpPr>
-        <p:spPr>
-          <a:xfrm>
-            <a:off x="10647219" y="5946407"/>
-            <a:ext cx="1226127" cy="317650"/>
+              <a:t>상품 </a:t>
+            </a:r>
+            <a:r>
+              <a:rPr lang="en-US" altLang="ko-KR" sz="2400" dirty="0">
+                <a:solidFill>
+                  <a:schemeClr val="bg1">
+                    <a:lumMod val="50000"/>
+                  </a:schemeClr>
+                </a:solidFill>
+              </a:rPr>
+              <a:t>– </a:t>
+            </a:r>
+            <a:r>
+              <a:rPr lang="ko-KR" altLang="en-US" sz="2400" dirty="0">
+                <a:solidFill>
+                  <a:schemeClr val="bg1">
+                    <a:lumMod val="50000"/>
+                  </a:schemeClr>
+                </a:solidFill>
+              </a:rPr>
+              <a:t>상품요청 </a:t>
+            </a:r>
+            <a:r>
+              <a:rPr lang="en-US" altLang="ko-KR" sz="2400" dirty="0">
+                <a:solidFill>
+                  <a:schemeClr val="bg1">
+                    <a:lumMod val="50000"/>
+                  </a:schemeClr>
+                </a:solidFill>
+              </a:rPr>
+              <a:t>– </a:t>
+            </a:r>
+            <a:r>
+              <a:rPr lang="ko-KR" altLang="en-US" sz="2400" dirty="0">
+                <a:solidFill>
+                  <a:schemeClr val="bg1">
+                    <a:lumMod val="50000"/>
+                  </a:schemeClr>
+                </a:solidFill>
+              </a:rPr>
+              <a:t>상세조회</a:t>
+            </a:r>
+            <a:r>
+              <a:rPr lang="en-US" altLang="ko-KR" sz="2400" dirty="0">
+                <a:solidFill>
+                  <a:schemeClr val="bg1">
+                    <a:lumMod val="50000"/>
+                  </a:schemeClr>
+                </a:solidFill>
+              </a:rPr>
+              <a:t>(</a:t>
+            </a:r>
+            <a:r>
+              <a:rPr lang="ko-KR" altLang="en-US" sz="2400" dirty="0">
+                <a:solidFill>
+                  <a:schemeClr val="bg1">
+                    <a:lumMod val="50000"/>
+                  </a:schemeClr>
+                </a:solidFill>
+              </a:rPr>
+              <a:t>관리</a:t>
+            </a:r>
+            <a:r>
+              <a:rPr lang="en-US" altLang="ko-KR" sz="2400" dirty="0">
+                <a:solidFill>
+                  <a:schemeClr val="bg1">
+                    <a:lumMod val="50000"/>
+                  </a:schemeClr>
+                </a:solidFill>
+              </a:rPr>
+              <a:t>)</a:t>
+            </a:r>
+          </a:p>
+        </p:txBody>
+      </p:sp>
+      <p:sp>
+        <p:nvSpPr>
+          <p:cNvPr id="25" name="직사각형 24">
+            <a:extLst>
+              <a:ext uri="{FF2B5EF4-FFF2-40B4-BE49-F238E27FC236}">
+                <a16:creationId xmlns:a16="http://schemas.microsoft.com/office/drawing/2014/main" id="{2E426AF0-6BEF-D4CD-D4A9-4CDF06707DBD}"/>
+              </a:ext>
+            </a:extLst>
+          </p:cNvPr>
+          <p:cNvSpPr/>
+          <p:nvPr/>
+        </p:nvSpPr>
+        <p:spPr>
+          <a:xfrm>
+            <a:off x="4098633" y="5608920"/>
+            <a:ext cx="1320799" cy="468717"/>
           </a:xfrm>
           <a:prstGeom prst="rect">
             <a:avLst/>
@@ -6424,27 +7647,27 @@
                   <a:schemeClr val="tx1"/>
                 </a:solidFill>
               </a:rPr>
-              <a:t>구매 요청</a:t>
-            </a:r>
-          </a:p>
-        </p:txBody>
-      </p:sp>
-      <p:sp>
-        <p:nvSpPr>
-          <p:cNvPr id="8" name="직사각형 7">
-            <a:extLst>
-              <a:ext uri="{FF2B5EF4-FFF2-40B4-BE49-F238E27FC236}">
-                <a16:creationId xmlns:a16="http://schemas.microsoft.com/office/drawing/2014/main" id="{81287549-8A75-AD96-A626-512D6BE93487}"/>
-              </a:ext>
-            </a:extLst>
-          </p:cNvPr>
-          <p:cNvSpPr/>
-          <p:nvPr/>
-        </p:nvSpPr>
-        <p:spPr>
-          <a:xfrm>
-            <a:off x="4807523" y="164748"/>
-            <a:ext cx="2068945" cy="415638"/>
+              <a:t>답변 등록</a:t>
+            </a:r>
+          </a:p>
+        </p:txBody>
+      </p:sp>
+      <p:sp>
+        <p:nvSpPr>
+          <p:cNvPr id="3" name="직사각형 2">
+            <a:extLst>
+              <a:ext uri="{FF2B5EF4-FFF2-40B4-BE49-F238E27FC236}">
+                <a16:creationId xmlns:a16="http://schemas.microsoft.com/office/drawing/2014/main" id="{F04B4FAD-6154-9D17-89A2-491298016852}"/>
+              </a:ext>
+            </a:extLst>
+          </p:cNvPr>
+          <p:cNvSpPr/>
+          <p:nvPr/>
+        </p:nvSpPr>
+        <p:spPr>
+          <a:xfrm>
+            <a:off x="2650239" y="2407296"/>
+            <a:ext cx="1293100" cy="415638"/>
           </a:xfrm>
           <a:prstGeom prst="rect">
             <a:avLst/>
@@ -6474,31 +7697,63 @@
           <a:bodyPr rtlCol="0" anchor="ctr"/>
           <a:lstStyle/>
           <a:p>
+            <a:r>
+              <a:rPr lang="ko-KR" altLang="en-US" dirty="0">
+                <a:solidFill>
+                  <a:schemeClr val="tx1"/>
+                </a:solidFill>
+              </a:rPr>
+              <a:t>제목</a:t>
+            </a:r>
+          </a:p>
+        </p:txBody>
+      </p:sp>
+      <p:sp>
+        <p:nvSpPr>
+          <p:cNvPr id="5" name="직사각형 4">
+            <a:extLst>
+              <a:ext uri="{FF2B5EF4-FFF2-40B4-BE49-F238E27FC236}">
+                <a16:creationId xmlns:a16="http://schemas.microsoft.com/office/drawing/2014/main" id="{262A5B3D-FADE-5B6A-FC8E-7240A494FFF0}"/>
+              </a:ext>
+            </a:extLst>
+          </p:cNvPr>
+          <p:cNvSpPr/>
+          <p:nvPr/>
+        </p:nvSpPr>
+        <p:spPr>
+          <a:xfrm>
+            <a:off x="4103253" y="2407296"/>
+            <a:ext cx="4456543" cy="415638"/>
+          </a:xfrm>
+          <a:prstGeom prst="rect">
+            <a:avLst/>
+          </a:prstGeom>
+          <a:solidFill>
+            <a:schemeClr val="bg1"/>
+          </a:solidFill>
+          <a:ln w="38100"/>
+        </p:spPr>
+        <p:style>
+          <a:lnRef idx="2">
+            <a:schemeClr val="accent1">
+              <a:shade val="15000"/>
+            </a:schemeClr>
+          </a:lnRef>
+          <a:fillRef idx="1">
+            <a:schemeClr val="accent1"/>
+          </a:fillRef>
+          <a:effectRef idx="0">
+            <a:schemeClr val="accent1"/>
+          </a:effectRef>
+          <a:fontRef idx="minor">
+            <a:schemeClr val="lt1"/>
+          </a:fontRef>
+        </p:style>
+        <p:txBody>
+          <a:bodyPr rtlCol="0" anchor="ctr"/>
+          <a:lstStyle/>
+          <a:p>
             <a:pPr algn="ctr"/>
-            <a:r>
-              <a:rPr lang="en-US" altLang="ko-KR" dirty="0">
-                <a:solidFill>
-                  <a:schemeClr val="tx1"/>
-                </a:solidFill>
-              </a:rPr>
-              <a:t>~</a:t>
-            </a:r>
-            <a:r>
-              <a:rPr lang="ko-KR" altLang="en-US" dirty="0">
-                <a:solidFill>
-                  <a:schemeClr val="tx1"/>
-                </a:solidFill>
-              </a:rPr>
-              <a:t>님 환영합니다</a:t>
-            </a:r>
-            <a:r>
-              <a:rPr lang="en-US" altLang="ko-KR" dirty="0">
-                <a:solidFill>
-                  <a:schemeClr val="tx1"/>
-                </a:solidFill>
-              </a:rPr>
-              <a:t>.</a:t>
-            </a:r>
             <a:endParaRPr lang="ko-KR" altLang="en-US" dirty="0">
               <a:solidFill>
                 <a:schemeClr val="tx1"/>
@@ -6509,20 +7764,20 @@
       </p:sp>
       <p:sp>
         <p:nvSpPr>
-          <p:cNvPr id="12" name="직사각형 11">
-            <a:extLst>
-              <a:ext uri="{FF2B5EF4-FFF2-40B4-BE49-F238E27FC236}">
-                <a16:creationId xmlns:a16="http://schemas.microsoft.com/office/drawing/2014/main" id="{4662F515-0E24-DFC6-7A21-A36D79757C8A}"/>
-              </a:ext>
-            </a:extLst>
-          </p:cNvPr>
-          <p:cNvSpPr/>
-          <p:nvPr/>
-        </p:nvSpPr>
-        <p:spPr>
-          <a:xfrm>
-            <a:off x="7079670" y="164748"/>
-            <a:ext cx="1394690" cy="415638"/>
+          <p:cNvPr id="6" name="직사각형 5">
+            <a:extLst>
+              <a:ext uri="{FF2B5EF4-FFF2-40B4-BE49-F238E27FC236}">
+                <a16:creationId xmlns:a16="http://schemas.microsoft.com/office/drawing/2014/main" id="{91A7939E-80F2-F8F6-4F98-466FBB8C8737}"/>
+              </a:ext>
+            </a:extLst>
+          </p:cNvPr>
+          <p:cNvSpPr/>
+          <p:nvPr/>
+        </p:nvSpPr>
+        <p:spPr>
+          <a:xfrm>
+            <a:off x="2650239" y="3109259"/>
+            <a:ext cx="1293100" cy="1516934"/>
           </a:xfrm>
           <a:prstGeom prst="rect">
             <a:avLst/>
@@ -6552,34 +7807,33 @@
           <a:bodyPr rtlCol="0" anchor="ctr"/>
           <a:lstStyle/>
           <a:p>
-            <a:pPr algn="ctr"/>
             <a:r>
               <a:rPr lang="ko-KR" altLang="en-US" dirty="0">
                 <a:solidFill>
                   <a:schemeClr val="tx1"/>
                 </a:solidFill>
               </a:rPr>
-              <a:t>로그아웃</a:t>
-            </a:r>
-          </a:p>
-        </p:txBody>
-      </p:sp>
-      <p:sp>
-        <p:nvSpPr>
-          <p:cNvPr id="14" name="직사각형 13">
-            <a:extLst>
-              <a:ext uri="{FF2B5EF4-FFF2-40B4-BE49-F238E27FC236}">
-                <a16:creationId xmlns:a16="http://schemas.microsoft.com/office/drawing/2014/main" id="{7D692C63-90D6-B220-F5EE-2D12763C21E9}"/>
-              </a:ext>
-            </a:extLst>
-          </p:cNvPr>
-          <p:cNvSpPr/>
-          <p:nvPr/>
-        </p:nvSpPr>
-        <p:spPr>
-          <a:xfrm>
-            <a:off x="8677562" y="182918"/>
-            <a:ext cx="1394690" cy="415638"/>
+              <a:t>상세내용</a:t>
+            </a:r>
+          </a:p>
+        </p:txBody>
+      </p:sp>
+      <p:sp>
+        <p:nvSpPr>
+          <p:cNvPr id="7" name="직사각형 6">
+            <a:extLst>
+              <a:ext uri="{FF2B5EF4-FFF2-40B4-BE49-F238E27FC236}">
+                <a16:creationId xmlns:a16="http://schemas.microsoft.com/office/drawing/2014/main" id="{687B70BF-2117-5B23-EAD2-B37ACDBD5EFF}"/>
+              </a:ext>
+            </a:extLst>
+          </p:cNvPr>
+          <p:cNvSpPr/>
+          <p:nvPr/>
+        </p:nvSpPr>
+        <p:spPr>
+          <a:xfrm>
+            <a:off x="4103253" y="3109258"/>
+            <a:ext cx="4456543" cy="1516935"/>
           </a:xfrm>
           <a:prstGeom prst="rect">
             <a:avLst/>
@@ -6610,14 +7864,6 @@
           <a:lstStyle/>
           <a:p>
             <a:pPr algn="ctr"/>
-            <a:r>
-              <a:rPr lang="ko-KR" altLang="en-US">
-                <a:solidFill>
-                  <a:schemeClr val="tx1"/>
-                </a:solidFill>
-              </a:rPr>
-              <a:t>마이페이지</a:t>
-            </a:r>
             <a:endParaRPr lang="ko-KR" altLang="en-US" dirty="0">
               <a:solidFill>
                 <a:schemeClr val="tx1"/>
@@ -6628,20 +7874,20 @@
       </p:sp>
       <p:sp>
         <p:nvSpPr>
-          <p:cNvPr id="15" name="직사각형 14">
-            <a:extLst>
-              <a:ext uri="{FF2B5EF4-FFF2-40B4-BE49-F238E27FC236}">
-                <a16:creationId xmlns:a16="http://schemas.microsoft.com/office/drawing/2014/main" id="{F85E7F12-1A2E-C02D-BF4F-D306A6BE12D8}"/>
-              </a:ext>
-            </a:extLst>
-          </p:cNvPr>
-          <p:cNvSpPr/>
-          <p:nvPr/>
-        </p:nvSpPr>
-        <p:spPr>
-          <a:xfrm>
-            <a:off x="10261595" y="182918"/>
-            <a:ext cx="1611751" cy="415638"/>
+          <p:cNvPr id="8" name="직사각형 7">
+            <a:extLst>
+              <a:ext uri="{FF2B5EF4-FFF2-40B4-BE49-F238E27FC236}">
+                <a16:creationId xmlns:a16="http://schemas.microsoft.com/office/drawing/2014/main" id="{F9B48F98-81C8-03F8-8805-368E2EED25F9}"/>
+              </a:ext>
+            </a:extLst>
+          </p:cNvPr>
+          <p:cNvSpPr/>
+          <p:nvPr/>
+        </p:nvSpPr>
+        <p:spPr>
+          <a:xfrm>
+            <a:off x="2650239" y="4887259"/>
+            <a:ext cx="1293100" cy="460595"/>
           </a:xfrm>
           <a:prstGeom prst="rect">
             <a:avLst/>
@@ -6671,14 +7917,13 @@
           <a:bodyPr rtlCol="0" anchor="ctr"/>
           <a:lstStyle/>
           <a:p>
-            <a:pPr algn="ctr"/>
             <a:r>
               <a:rPr lang="ko-KR" altLang="en-US">
                 <a:solidFill>
                   <a:schemeClr val="tx1"/>
                 </a:solidFill>
               </a:rPr>
-              <a:t>자동로그아웃</a:t>
+              <a:t>청부파일</a:t>
             </a:r>
             <a:endParaRPr lang="ko-KR" altLang="en-US" dirty="0">
               <a:solidFill>
@@ -6688,10 +7933,354 @@
           </a:p>
         </p:txBody>
       </p:sp>
+      <p:sp>
+        <p:nvSpPr>
+          <p:cNvPr id="9" name="직사각형 8">
+            <a:extLst>
+              <a:ext uri="{FF2B5EF4-FFF2-40B4-BE49-F238E27FC236}">
+                <a16:creationId xmlns:a16="http://schemas.microsoft.com/office/drawing/2014/main" id="{BA232370-FADC-6318-01F0-720F2C52264C}"/>
+              </a:ext>
+            </a:extLst>
+          </p:cNvPr>
+          <p:cNvSpPr/>
+          <p:nvPr/>
+        </p:nvSpPr>
+        <p:spPr>
+          <a:xfrm>
+            <a:off x="4103253" y="4887259"/>
+            <a:ext cx="4456543" cy="460595"/>
+          </a:xfrm>
+          <a:prstGeom prst="rect">
+            <a:avLst/>
+          </a:prstGeom>
+          <a:solidFill>
+            <a:schemeClr val="bg1"/>
+          </a:solidFill>
+          <a:ln w="38100"/>
+        </p:spPr>
+        <p:style>
+          <a:lnRef idx="2">
+            <a:schemeClr val="accent1">
+              <a:shade val="15000"/>
+            </a:schemeClr>
+          </a:lnRef>
+          <a:fillRef idx="1">
+            <a:schemeClr val="accent1"/>
+          </a:fillRef>
+          <a:effectRef idx="0">
+            <a:schemeClr val="accent1"/>
+          </a:effectRef>
+          <a:fontRef idx="minor">
+            <a:schemeClr val="lt1"/>
+          </a:fontRef>
+        </p:style>
+        <p:txBody>
+          <a:bodyPr rtlCol="0" anchor="ctr"/>
+          <a:lstStyle/>
+          <a:p>
+            <a:pPr algn="ctr"/>
+            <a:endParaRPr lang="ko-KR" altLang="en-US" dirty="0">
+              <a:solidFill>
+                <a:schemeClr val="tx1"/>
+              </a:solidFill>
+            </a:endParaRPr>
+          </a:p>
+        </p:txBody>
+      </p:sp>
+      <p:sp>
+        <p:nvSpPr>
+          <p:cNvPr id="10" name="직사각형 9">
+            <a:extLst>
+              <a:ext uri="{FF2B5EF4-FFF2-40B4-BE49-F238E27FC236}">
+                <a16:creationId xmlns:a16="http://schemas.microsoft.com/office/drawing/2014/main" id="{6FDF2ECA-961E-C4B4-DE6F-776FB1596BA4}"/>
+              </a:ext>
+            </a:extLst>
+          </p:cNvPr>
+          <p:cNvSpPr/>
+          <p:nvPr/>
+        </p:nvSpPr>
+        <p:spPr>
+          <a:xfrm>
+            <a:off x="2650239" y="1730592"/>
+            <a:ext cx="1293100" cy="415638"/>
+          </a:xfrm>
+          <a:prstGeom prst="rect">
+            <a:avLst/>
+          </a:prstGeom>
+          <a:solidFill>
+            <a:schemeClr val="bg1"/>
+          </a:solidFill>
+          <a:ln w="38100"/>
+        </p:spPr>
+        <p:style>
+          <a:lnRef idx="2">
+            <a:schemeClr val="accent1">
+              <a:shade val="15000"/>
+            </a:schemeClr>
+          </a:lnRef>
+          <a:fillRef idx="1">
+            <a:schemeClr val="accent1"/>
+          </a:fillRef>
+          <a:effectRef idx="0">
+            <a:schemeClr val="accent1"/>
+          </a:effectRef>
+          <a:fontRef idx="minor">
+            <a:schemeClr val="lt1"/>
+          </a:fontRef>
+        </p:style>
+        <p:txBody>
+          <a:bodyPr rtlCol="0" anchor="ctr"/>
+          <a:lstStyle/>
+          <a:p>
+            <a:r>
+              <a:rPr lang="ko-KR" altLang="en-US" dirty="0">
+                <a:solidFill>
+                  <a:schemeClr val="tx1"/>
+                </a:solidFill>
+              </a:rPr>
+              <a:t>상태</a:t>
+            </a:r>
+          </a:p>
+        </p:txBody>
+      </p:sp>
+      <p:sp>
+        <p:nvSpPr>
+          <p:cNvPr id="11" name="직사각형 10">
+            <a:extLst>
+              <a:ext uri="{FF2B5EF4-FFF2-40B4-BE49-F238E27FC236}">
+                <a16:creationId xmlns:a16="http://schemas.microsoft.com/office/drawing/2014/main" id="{5F0B51A1-DA8B-9FB8-9109-9F0D649EFCC4}"/>
+              </a:ext>
+            </a:extLst>
+          </p:cNvPr>
+          <p:cNvSpPr/>
+          <p:nvPr/>
+        </p:nvSpPr>
+        <p:spPr>
+          <a:xfrm>
+            <a:off x="4103253" y="1730592"/>
+            <a:ext cx="4456543" cy="415638"/>
+          </a:xfrm>
+          <a:prstGeom prst="rect">
+            <a:avLst/>
+          </a:prstGeom>
+          <a:solidFill>
+            <a:schemeClr val="bg1"/>
+          </a:solidFill>
+          <a:ln w="38100"/>
+        </p:spPr>
+        <p:style>
+          <a:lnRef idx="2">
+            <a:schemeClr val="accent1">
+              <a:shade val="15000"/>
+            </a:schemeClr>
+          </a:lnRef>
+          <a:fillRef idx="1">
+            <a:schemeClr val="accent1"/>
+          </a:fillRef>
+          <a:effectRef idx="0">
+            <a:schemeClr val="accent1"/>
+          </a:effectRef>
+          <a:fontRef idx="minor">
+            <a:schemeClr val="lt1"/>
+          </a:fontRef>
+        </p:style>
+        <p:txBody>
+          <a:bodyPr rtlCol="0" anchor="ctr"/>
+          <a:lstStyle/>
+          <a:p>
+            <a:pPr algn="ctr"/>
+            <a:r>
+              <a:rPr lang="ko-KR" altLang="en-US" dirty="0">
+                <a:solidFill>
+                  <a:schemeClr val="tx1"/>
+                </a:solidFill>
+              </a:rPr>
+              <a:t>요청</a:t>
+            </a:r>
+          </a:p>
+        </p:txBody>
+      </p:sp>
+      <p:sp>
+        <p:nvSpPr>
+          <p:cNvPr id="12" name="이등변 삼각형 11">
+            <a:extLst>
+              <a:ext uri="{FF2B5EF4-FFF2-40B4-BE49-F238E27FC236}">
+                <a16:creationId xmlns:a16="http://schemas.microsoft.com/office/drawing/2014/main" id="{9A550CFD-F64D-541E-8134-F331EE392841}"/>
+              </a:ext>
+            </a:extLst>
+          </p:cNvPr>
+          <p:cNvSpPr/>
+          <p:nvPr/>
+        </p:nvSpPr>
+        <p:spPr>
+          <a:xfrm flipV="1">
+            <a:off x="4191003" y="1807918"/>
+            <a:ext cx="286328" cy="260986"/>
+          </a:xfrm>
+          <a:prstGeom prst="triangle">
+            <a:avLst/>
+          </a:prstGeom>
+          <a:solidFill>
+            <a:schemeClr val="tx2"/>
+          </a:solidFill>
+        </p:spPr>
+        <p:style>
+          <a:lnRef idx="2">
+            <a:schemeClr val="accent1">
+              <a:shade val="15000"/>
+            </a:schemeClr>
+          </a:lnRef>
+          <a:fillRef idx="1">
+            <a:schemeClr val="accent1"/>
+          </a:fillRef>
+          <a:effectRef idx="0">
+            <a:schemeClr val="accent1"/>
+          </a:effectRef>
+          <a:fontRef idx="minor">
+            <a:schemeClr val="lt1"/>
+          </a:fontRef>
+        </p:style>
+        <p:txBody>
+          <a:bodyPr rtlCol="0" anchor="ctr"/>
+          <a:lstStyle/>
+          <a:p>
+            <a:pPr algn="ctr"/>
+            <a:endParaRPr lang="ko-KR" altLang="en-US"/>
+          </a:p>
+        </p:txBody>
+      </p:sp>
+      <p:sp>
+        <p:nvSpPr>
+          <p:cNvPr id="13" name="직사각형 12">
+            <a:extLst>
+              <a:ext uri="{FF2B5EF4-FFF2-40B4-BE49-F238E27FC236}">
+                <a16:creationId xmlns:a16="http://schemas.microsoft.com/office/drawing/2014/main" id="{BD212559-E6E0-B753-003D-2B4EB5907F25}"/>
+              </a:ext>
+            </a:extLst>
+          </p:cNvPr>
+          <p:cNvSpPr/>
+          <p:nvPr/>
+        </p:nvSpPr>
+        <p:spPr>
+          <a:xfrm>
+            <a:off x="5668815" y="5608920"/>
+            <a:ext cx="1320799" cy="468717"/>
+          </a:xfrm>
+          <a:prstGeom prst="rect">
+            <a:avLst/>
+          </a:prstGeom>
+          <a:solidFill>
+            <a:schemeClr val="bg1"/>
+          </a:solidFill>
+          <a:ln w="38100"/>
+          <a:scene3d>
+            <a:camera prst="orthographicFront"/>
+            <a:lightRig rig="threePt" dir="t"/>
+          </a:scene3d>
+          <a:sp3d>
+            <a:bevelT prst="angle"/>
+          </a:sp3d>
+        </p:spPr>
+        <p:style>
+          <a:lnRef idx="2">
+            <a:schemeClr val="accent1">
+              <a:shade val="15000"/>
+            </a:schemeClr>
+          </a:lnRef>
+          <a:fillRef idx="1">
+            <a:schemeClr val="accent1"/>
+          </a:fillRef>
+          <a:effectRef idx="0">
+            <a:schemeClr val="accent1"/>
+          </a:effectRef>
+          <a:fontRef idx="minor">
+            <a:schemeClr val="lt1"/>
+          </a:fontRef>
+        </p:style>
+        <p:txBody>
+          <a:bodyPr rtlCol="0" anchor="ctr"/>
+          <a:lstStyle/>
+          <a:p>
+            <a:pPr algn="ctr"/>
+            <a:r>
+              <a:rPr lang="ko-KR" altLang="en-US" dirty="0">
+                <a:solidFill>
+                  <a:schemeClr val="tx1"/>
+                </a:solidFill>
+              </a:rPr>
+              <a:t>저장</a:t>
+            </a:r>
+          </a:p>
+        </p:txBody>
+      </p:sp>
+      <p:sp>
+        <p:nvSpPr>
+          <p:cNvPr id="16" name="직사각형 15">
+            <a:extLst>
+              <a:ext uri="{FF2B5EF4-FFF2-40B4-BE49-F238E27FC236}">
+                <a16:creationId xmlns:a16="http://schemas.microsoft.com/office/drawing/2014/main" id="{30A00C7B-BC53-BF32-C60A-CBEA5E4D1121}"/>
+              </a:ext>
+            </a:extLst>
+          </p:cNvPr>
+          <p:cNvSpPr/>
+          <p:nvPr/>
+        </p:nvSpPr>
+        <p:spPr>
+          <a:xfrm>
+            <a:off x="7238997" y="5608919"/>
+            <a:ext cx="1320799" cy="468717"/>
+          </a:xfrm>
+          <a:prstGeom prst="rect">
+            <a:avLst/>
+          </a:prstGeom>
+          <a:solidFill>
+            <a:schemeClr val="bg1"/>
+          </a:solidFill>
+          <a:ln w="38100"/>
+          <a:scene3d>
+            <a:camera prst="orthographicFront"/>
+            <a:lightRig rig="threePt" dir="t"/>
+          </a:scene3d>
+          <a:sp3d>
+            <a:bevelT prst="angle"/>
+          </a:sp3d>
+        </p:spPr>
+        <p:style>
+          <a:lnRef idx="2">
+            <a:schemeClr val="accent1">
+              <a:shade val="15000"/>
+            </a:schemeClr>
+          </a:lnRef>
+          <a:fillRef idx="1">
+            <a:schemeClr val="accent1"/>
+          </a:fillRef>
+          <a:effectRef idx="0">
+            <a:schemeClr val="accent1"/>
+          </a:effectRef>
+          <a:fontRef idx="minor">
+            <a:schemeClr val="lt1"/>
+          </a:fontRef>
+        </p:style>
+        <p:txBody>
+          <a:bodyPr rtlCol="0" anchor="ctr"/>
+          <a:lstStyle/>
+          <a:p>
+            <a:pPr algn="ctr"/>
+            <a:r>
+              <a:rPr lang="ko-KR" altLang="en-US" dirty="0">
+                <a:solidFill>
+                  <a:schemeClr val="tx1"/>
+                </a:solidFill>
+              </a:rPr>
+              <a:t>삭제</a:t>
+            </a:r>
+          </a:p>
+        </p:txBody>
+      </p:sp>
     </p:spTree>
     <p:extLst>
       <p:ext uri="{BB962C8B-B14F-4D97-AF65-F5344CB8AC3E}">
-        <p14:creationId xmlns:p14="http://schemas.microsoft.com/office/powerpoint/2010/main" val="52887433"/>
+        <p14:creationId xmlns:p14="http://schemas.microsoft.com/office/powerpoint/2010/main" val="3084961329"/>
       </p:ext>
     </p:extLst>
   </p:cSld>
@@ -6732,6 +8321,879 @@
         </p:nvSpPr>
         <p:spPr>
           <a:xfrm>
+            <a:off x="1851890" y="1155150"/>
+            <a:ext cx="7098146" cy="5199468"/>
+          </a:xfrm>
+          <a:prstGeom prst="rect">
+            <a:avLst/>
+          </a:prstGeom>
+          <a:solidFill>
+            <a:schemeClr val="bg1"/>
+          </a:solidFill>
+          <a:ln w="38100"/>
+        </p:spPr>
+        <p:style>
+          <a:lnRef idx="2">
+            <a:schemeClr val="accent1">
+              <a:shade val="15000"/>
+            </a:schemeClr>
+          </a:lnRef>
+          <a:fillRef idx="1">
+            <a:schemeClr val="accent1"/>
+          </a:fillRef>
+          <a:effectRef idx="0">
+            <a:schemeClr val="accent1"/>
+          </a:effectRef>
+          <a:fontRef idx="minor">
+            <a:schemeClr val="lt1"/>
+          </a:fontRef>
+        </p:style>
+        <p:txBody>
+          <a:bodyPr rtlCol="0" anchor="ctr"/>
+          <a:lstStyle/>
+          <a:p>
+            <a:pPr algn="ctr"/>
+            <a:r>
+              <a:rPr lang="ko-KR" altLang="en-US">
+                <a:solidFill>
+                  <a:schemeClr val="tx1"/>
+                </a:solidFill>
+              </a:rPr>
+              <a:t>본문</a:t>
+            </a:r>
+            <a:endParaRPr lang="ko-KR" altLang="en-US" dirty="0">
+              <a:solidFill>
+                <a:schemeClr val="tx1"/>
+              </a:solidFill>
+            </a:endParaRPr>
+          </a:p>
+        </p:txBody>
+      </p:sp>
+      <p:sp>
+        <p:nvSpPr>
+          <p:cNvPr id="9" name="직사각형 8">
+            <a:extLst>
+              <a:ext uri="{FF2B5EF4-FFF2-40B4-BE49-F238E27FC236}">
+                <a16:creationId xmlns:a16="http://schemas.microsoft.com/office/drawing/2014/main" id="{4CF6430A-9919-99ED-E786-01AD5A295728}"/>
+              </a:ext>
+            </a:extLst>
+          </p:cNvPr>
+          <p:cNvSpPr/>
+          <p:nvPr/>
+        </p:nvSpPr>
+        <p:spPr>
+          <a:xfrm>
+            <a:off x="237836" y="143165"/>
+            <a:ext cx="4262582" cy="420253"/>
+          </a:xfrm>
+          <a:prstGeom prst="rect">
+            <a:avLst/>
+          </a:prstGeom>
+          <a:noFill/>
+          <a:ln w="38100">
+            <a:noFill/>
+          </a:ln>
+        </p:spPr>
+        <p:style>
+          <a:lnRef idx="2">
+            <a:schemeClr val="accent1">
+              <a:shade val="15000"/>
+            </a:schemeClr>
+          </a:lnRef>
+          <a:fillRef idx="1">
+            <a:schemeClr val="accent1"/>
+          </a:fillRef>
+          <a:effectRef idx="0">
+            <a:schemeClr val="accent1"/>
+          </a:effectRef>
+          <a:fontRef idx="minor">
+            <a:schemeClr val="lt1"/>
+          </a:fontRef>
+        </p:style>
+        <p:txBody>
+          <a:bodyPr rtlCol="0" anchor="t"/>
+          <a:lstStyle/>
+          <a:p>
+            <a:r>
+              <a:rPr lang="ko-KR" altLang="en-US" sz="2400" dirty="0">
+                <a:solidFill>
+                  <a:schemeClr val="bg1">
+                    <a:lumMod val="50000"/>
+                  </a:schemeClr>
+                </a:solidFill>
+              </a:rPr>
+              <a:t>우측 메뉴</a:t>
+            </a:r>
+            <a:endParaRPr lang="en-US" altLang="ko-KR" sz="2400" dirty="0">
+              <a:solidFill>
+                <a:schemeClr val="bg1">
+                  <a:lumMod val="50000"/>
+                </a:schemeClr>
+              </a:solidFill>
+            </a:endParaRPr>
+          </a:p>
+        </p:txBody>
+      </p:sp>
+      <p:sp>
+        <p:nvSpPr>
+          <p:cNvPr id="2" name="직사각형 1">
+            <a:extLst>
+              <a:ext uri="{FF2B5EF4-FFF2-40B4-BE49-F238E27FC236}">
+                <a16:creationId xmlns:a16="http://schemas.microsoft.com/office/drawing/2014/main" id="{0287D81A-CD0D-091F-5D9A-D150A931C058}"/>
+              </a:ext>
+            </a:extLst>
+          </p:cNvPr>
+          <p:cNvSpPr/>
+          <p:nvPr/>
+        </p:nvSpPr>
+        <p:spPr>
+          <a:xfrm>
+            <a:off x="9504219" y="1155150"/>
+            <a:ext cx="2466108" cy="5199468"/>
+          </a:xfrm>
+          <a:prstGeom prst="rect">
+            <a:avLst/>
+          </a:prstGeom>
+          <a:solidFill>
+            <a:schemeClr val="bg1"/>
+          </a:solidFill>
+          <a:ln w="38100"/>
+        </p:spPr>
+        <p:style>
+          <a:lnRef idx="2">
+            <a:schemeClr val="accent1">
+              <a:shade val="15000"/>
+            </a:schemeClr>
+          </a:lnRef>
+          <a:fillRef idx="1">
+            <a:schemeClr val="accent1"/>
+          </a:fillRef>
+          <a:effectRef idx="0">
+            <a:schemeClr val="accent1"/>
+          </a:effectRef>
+          <a:fontRef idx="minor">
+            <a:schemeClr val="lt1"/>
+          </a:fontRef>
+        </p:style>
+        <p:txBody>
+          <a:bodyPr rtlCol="0" anchor="ctr"/>
+          <a:lstStyle/>
+          <a:p>
+            <a:pPr algn="ctr"/>
+            <a:endParaRPr lang="ko-KR" altLang="en-US" sz="1400" dirty="0">
+              <a:solidFill>
+                <a:schemeClr val="tx1"/>
+              </a:solidFill>
+            </a:endParaRPr>
+          </a:p>
+        </p:txBody>
+      </p:sp>
+      <p:sp>
+        <p:nvSpPr>
+          <p:cNvPr id="4" name="직사각형 3">
+            <a:extLst>
+              <a:ext uri="{FF2B5EF4-FFF2-40B4-BE49-F238E27FC236}">
+                <a16:creationId xmlns:a16="http://schemas.microsoft.com/office/drawing/2014/main" id="{C9554C76-7B01-05B9-95FB-3069DE05F700}"/>
+              </a:ext>
+            </a:extLst>
+          </p:cNvPr>
+          <p:cNvSpPr/>
+          <p:nvPr/>
+        </p:nvSpPr>
+        <p:spPr>
+          <a:xfrm>
+            <a:off x="9813638" y="3221181"/>
+            <a:ext cx="1667162" cy="415638"/>
+          </a:xfrm>
+          <a:prstGeom prst="rect">
+            <a:avLst/>
+          </a:prstGeom>
+          <a:solidFill>
+            <a:schemeClr val="bg1"/>
+          </a:solidFill>
+          <a:ln w="38100"/>
+        </p:spPr>
+        <p:style>
+          <a:lnRef idx="2">
+            <a:schemeClr val="accent1">
+              <a:shade val="15000"/>
+            </a:schemeClr>
+          </a:lnRef>
+          <a:fillRef idx="1">
+            <a:schemeClr val="accent1"/>
+          </a:fillRef>
+          <a:effectRef idx="0">
+            <a:schemeClr val="accent1"/>
+          </a:effectRef>
+          <a:fontRef idx="minor">
+            <a:schemeClr val="lt1"/>
+          </a:fontRef>
+        </p:style>
+        <p:txBody>
+          <a:bodyPr rtlCol="0" anchor="ctr"/>
+          <a:lstStyle/>
+          <a:p>
+            <a:r>
+              <a:rPr lang="ko-KR" altLang="en-US" dirty="0">
+                <a:solidFill>
+                  <a:schemeClr val="tx1"/>
+                </a:solidFill>
+              </a:rPr>
+              <a:t>상품명</a:t>
+            </a:r>
+          </a:p>
+        </p:txBody>
+      </p:sp>
+      <p:sp>
+        <p:nvSpPr>
+          <p:cNvPr id="5" name="직사각형 4">
+            <a:extLst>
+              <a:ext uri="{FF2B5EF4-FFF2-40B4-BE49-F238E27FC236}">
+                <a16:creationId xmlns:a16="http://schemas.microsoft.com/office/drawing/2014/main" id="{02AE601A-97BB-12C6-4D64-0A3E569B1E54}"/>
+              </a:ext>
+            </a:extLst>
+          </p:cNvPr>
+          <p:cNvSpPr/>
+          <p:nvPr/>
+        </p:nvSpPr>
+        <p:spPr>
+          <a:xfrm>
+            <a:off x="9624291" y="1223819"/>
+            <a:ext cx="2045856" cy="420253"/>
+          </a:xfrm>
+          <a:prstGeom prst="rect">
+            <a:avLst/>
+          </a:prstGeom>
+          <a:noFill/>
+          <a:ln w="38100">
+            <a:noFill/>
+          </a:ln>
+        </p:spPr>
+        <p:style>
+          <a:lnRef idx="2">
+            <a:schemeClr val="accent1">
+              <a:shade val="15000"/>
+            </a:schemeClr>
+          </a:lnRef>
+          <a:fillRef idx="1">
+            <a:schemeClr val="accent1"/>
+          </a:fillRef>
+          <a:effectRef idx="0">
+            <a:schemeClr val="accent1"/>
+          </a:effectRef>
+          <a:fontRef idx="minor">
+            <a:schemeClr val="lt1"/>
+          </a:fontRef>
+        </p:style>
+        <p:txBody>
+          <a:bodyPr rtlCol="0" anchor="t"/>
+          <a:lstStyle/>
+          <a:p>
+            <a:r>
+              <a:rPr lang="ko-KR" altLang="en-US" dirty="0">
+                <a:solidFill>
+                  <a:schemeClr val="tx1"/>
+                </a:solidFill>
+              </a:rPr>
+              <a:t>장바구니</a:t>
+            </a:r>
+            <a:endParaRPr lang="en-US" altLang="ko-KR" dirty="0">
+              <a:solidFill>
+                <a:schemeClr val="tx1"/>
+              </a:solidFill>
+            </a:endParaRPr>
+          </a:p>
+        </p:txBody>
+      </p:sp>
+      <p:sp>
+        <p:nvSpPr>
+          <p:cNvPr id="7" name="직사각형 6">
+            <a:extLst>
+              <a:ext uri="{FF2B5EF4-FFF2-40B4-BE49-F238E27FC236}">
+                <a16:creationId xmlns:a16="http://schemas.microsoft.com/office/drawing/2014/main" id="{6578FC79-FE54-43E8-7545-04547929F7F7}"/>
+              </a:ext>
+            </a:extLst>
+          </p:cNvPr>
+          <p:cNvSpPr/>
+          <p:nvPr/>
+        </p:nvSpPr>
+        <p:spPr>
+          <a:xfrm>
+            <a:off x="9813638" y="1644072"/>
+            <a:ext cx="1667162" cy="1422399"/>
+          </a:xfrm>
+          <a:prstGeom prst="rect">
+            <a:avLst/>
+          </a:prstGeom>
+          <a:solidFill>
+            <a:schemeClr val="bg1"/>
+          </a:solidFill>
+          <a:ln w="38100"/>
+        </p:spPr>
+        <p:style>
+          <a:lnRef idx="2">
+            <a:schemeClr val="accent1">
+              <a:shade val="15000"/>
+            </a:schemeClr>
+          </a:lnRef>
+          <a:fillRef idx="1">
+            <a:schemeClr val="accent1"/>
+          </a:fillRef>
+          <a:effectRef idx="0">
+            <a:schemeClr val="accent1"/>
+          </a:effectRef>
+          <a:fontRef idx="minor">
+            <a:schemeClr val="lt1"/>
+          </a:fontRef>
+        </p:style>
+        <p:txBody>
+          <a:bodyPr rtlCol="0" anchor="ctr"/>
+          <a:lstStyle/>
+          <a:p>
+            <a:pPr algn="ctr"/>
+            <a:r>
+              <a:rPr lang="ko-KR" altLang="en-US" dirty="0">
+                <a:solidFill>
+                  <a:schemeClr val="tx1"/>
+                </a:solidFill>
+              </a:rPr>
+              <a:t>이미지</a:t>
+            </a:r>
+          </a:p>
+        </p:txBody>
+      </p:sp>
+      <p:sp>
+        <p:nvSpPr>
+          <p:cNvPr id="10" name="직사각형 9">
+            <a:extLst>
+              <a:ext uri="{FF2B5EF4-FFF2-40B4-BE49-F238E27FC236}">
+                <a16:creationId xmlns:a16="http://schemas.microsoft.com/office/drawing/2014/main" id="{D155824A-BA81-77C2-3124-B754EAD68CC1}"/>
+              </a:ext>
+            </a:extLst>
+          </p:cNvPr>
+          <p:cNvSpPr/>
+          <p:nvPr/>
+        </p:nvSpPr>
+        <p:spPr>
+          <a:xfrm>
+            <a:off x="9813638" y="3754884"/>
+            <a:ext cx="1667162" cy="415638"/>
+          </a:xfrm>
+          <a:prstGeom prst="rect">
+            <a:avLst/>
+          </a:prstGeom>
+          <a:solidFill>
+            <a:schemeClr val="bg1"/>
+          </a:solidFill>
+          <a:ln w="38100"/>
+        </p:spPr>
+        <p:style>
+          <a:lnRef idx="2">
+            <a:schemeClr val="accent1">
+              <a:shade val="15000"/>
+            </a:schemeClr>
+          </a:lnRef>
+          <a:fillRef idx="1">
+            <a:schemeClr val="accent1"/>
+          </a:fillRef>
+          <a:effectRef idx="0">
+            <a:schemeClr val="accent1"/>
+          </a:effectRef>
+          <a:fontRef idx="minor">
+            <a:schemeClr val="lt1"/>
+          </a:fontRef>
+        </p:style>
+        <p:txBody>
+          <a:bodyPr rtlCol="0" anchor="ctr"/>
+          <a:lstStyle/>
+          <a:p>
+            <a:r>
+              <a:rPr lang="ko-KR" altLang="en-US" dirty="0">
+                <a:solidFill>
+                  <a:schemeClr val="tx1"/>
+                </a:solidFill>
+              </a:rPr>
+              <a:t>가격</a:t>
+            </a:r>
+          </a:p>
+        </p:txBody>
+      </p:sp>
+      <p:sp>
+        <p:nvSpPr>
+          <p:cNvPr id="11" name="직사각형 10">
+            <a:extLst>
+              <a:ext uri="{FF2B5EF4-FFF2-40B4-BE49-F238E27FC236}">
+                <a16:creationId xmlns:a16="http://schemas.microsoft.com/office/drawing/2014/main" id="{E4471850-461C-8E37-E4AD-D547A2C99125}"/>
+              </a:ext>
+            </a:extLst>
+          </p:cNvPr>
+          <p:cNvSpPr/>
+          <p:nvPr/>
+        </p:nvSpPr>
+        <p:spPr>
+          <a:xfrm>
+            <a:off x="9504219" y="5366322"/>
+            <a:ext cx="2445327" cy="979357"/>
+          </a:xfrm>
+          <a:prstGeom prst="rect">
+            <a:avLst/>
+          </a:prstGeom>
+          <a:solidFill>
+            <a:schemeClr val="bg1"/>
+          </a:solidFill>
+          <a:ln w="38100"/>
+        </p:spPr>
+        <p:style>
+          <a:lnRef idx="2">
+            <a:schemeClr val="accent1">
+              <a:shade val="15000"/>
+            </a:schemeClr>
+          </a:lnRef>
+          <a:fillRef idx="1">
+            <a:schemeClr val="accent1"/>
+          </a:fillRef>
+          <a:effectRef idx="0">
+            <a:schemeClr val="accent1"/>
+          </a:effectRef>
+          <a:fontRef idx="minor">
+            <a:schemeClr val="lt1"/>
+          </a:fontRef>
+        </p:style>
+        <p:txBody>
+          <a:bodyPr rtlCol="0" anchor="ctr"/>
+          <a:lstStyle/>
+          <a:p>
+            <a:endParaRPr lang="ko-KR" altLang="en-US" dirty="0">
+              <a:solidFill>
+                <a:schemeClr val="tx1"/>
+              </a:solidFill>
+            </a:endParaRPr>
+          </a:p>
+        </p:txBody>
+      </p:sp>
+      <p:sp>
+        <p:nvSpPr>
+          <p:cNvPr id="13" name="직사각형 12">
+            <a:extLst>
+              <a:ext uri="{FF2B5EF4-FFF2-40B4-BE49-F238E27FC236}">
+                <a16:creationId xmlns:a16="http://schemas.microsoft.com/office/drawing/2014/main" id="{403D81A4-F0A9-B197-0257-AB5A9062BF0B}"/>
+              </a:ext>
+            </a:extLst>
+          </p:cNvPr>
+          <p:cNvSpPr/>
+          <p:nvPr/>
+        </p:nvSpPr>
+        <p:spPr>
+          <a:xfrm>
+            <a:off x="9839037" y="5537594"/>
+            <a:ext cx="1616364" cy="317650"/>
+          </a:xfrm>
+          <a:prstGeom prst="rect">
+            <a:avLst/>
+          </a:prstGeom>
+          <a:solidFill>
+            <a:schemeClr val="bg1"/>
+          </a:solidFill>
+          <a:ln w="38100"/>
+        </p:spPr>
+        <p:style>
+          <a:lnRef idx="2">
+            <a:schemeClr val="accent1">
+              <a:shade val="15000"/>
+            </a:schemeClr>
+          </a:lnRef>
+          <a:fillRef idx="1">
+            <a:schemeClr val="accent1"/>
+          </a:fillRef>
+          <a:effectRef idx="0">
+            <a:schemeClr val="accent1"/>
+          </a:effectRef>
+          <a:fontRef idx="minor">
+            <a:schemeClr val="lt1"/>
+          </a:fontRef>
+        </p:style>
+        <p:txBody>
+          <a:bodyPr rtlCol="0" anchor="ctr"/>
+          <a:lstStyle/>
+          <a:p>
+            <a:r>
+              <a:rPr lang="ko-KR" altLang="en-US" dirty="0">
+                <a:solidFill>
+                  <a:schemeClr val="tx1"/>
+                </a:solidFill>
+              </a:rPr>
+              <a:t>총액</a:t>
+            </a:r>
+          </a:p>
+        </p:txBody>
+      </p:sp>
+      <p:sp>
+        <p:nvSpPr>
+          <p:cNvPr id="3" name="직사각형 2">
+            <a:extLst>
+              <a:ext uri="{FF2B5EF4-FFF2-40B4-BE49-F238E27FC236}">
+                <a16:creationId xmlns:a16="http://schemas.microsoft.com/office/drawing/2014/main" id="{E1BEDFC2-ECEA-D226-71B6-C458813CDBDA}"/>
+              </a:ext>
+            </a:extLst>
+          </p:cNvPr>
+          <p:cNvSpPr/>
+          <p:nvPr/>
+        </p:nvSpPr>
+        <p:spPr>
+          <a:xfrm>
+            <a:off x="10647219" y="5946407"/>
+            <a:ext cx="1226127" cy="317650"/>
+          </a:xfrm>
+          <a:prstGeom prst="rect">
+            <a:avLst/>
+          </a:prstGeom>
+          <a:solidFill>
+            <a:schemeClr val="bg1"/>
+          </a:solidFill>
+          <a:ln w="38100"/>
+          <a:scene3d>
+            <a:camera prst="orthographicFront"/>
+            <a:lightRig rig="threePt" dir="t"/>
+          </a:scene3d>
+          <a:sp3d>
+            <a:bevelT prst="angle"/>
+          </a:sp3d>
+        </p:spPr>
+        <p:style>
+          <a:lnRef idx="2">
+            <a:schemeClr val="accent1">
+              <a:shade val="15000"/>
+            </a:schemeClr>
+          </a:lnRef>
+          <a:fillRef idx="1">
+            <a:schemeClr val="accent1"/>
+          </a:fillRef>
+          <a:effectRef idx="0">
+            <a:schemeClr val="accent1"/>
+          </a:effectRef>
+          <a:fontRef idx="minor">
+            <a:schemeClr val="lt1"/>
+          </a:fontRef>
+        </p:style>
+        <p:txBody>
+          <a:bodyPr rtlCol="0" anchor="ctr"/>
+          <a:lstStyle/>
+          <a:p>
+            <a:pPr algn="ctr"/>
+            <a:r>
+              <a:rPr lang="ko-KR" altLang="en-US" dirty="0">
+                <a:solidFill>
+                  <a:schemeClr val="tx1"/>
+                </a:solidFill>
+              </a:rPr>
+              <a:t>구매 요청</a:t>
+            </a:r>
+          </a:p>
+        </p:txBody>
+      </p:sp>
+      <p:sp>
+        <p:nvSpPr>
+          <p:cNvPr id="8" name="직사각형 7">
+            <a:extLst>
+              <a:ext uri="{FF2B5EF4-FFF2-40B4-BE49-F238E27FC236}">
+                <a16:creationId xmlns:a16="http://schemas.microsoft.com/office/drawing/2014/main" id="{81287549-8A75-AD96-A626-512D6BE93487}"/>
+              </a:ext>
+            </a:extLst>
+          </p:cNvPr>
+          <p:cNvSpPr/>
+          <p:nvPr/>
+        </p:nvSpPr>
+        <p:spPr>
+          <a:xfrm>
+            <a:off x="4807523" y="164748"/>
+            <a:ext cx="2068945" cy="415638"/>
+          </a:xfrm>
+          <a:prstGeom prst="rect">
+            <a:avLst/>
+          </a:prstGeom>
+          <a:solidFill>
+            <a:schemeClr val="bg1"/>
+          </a:solidFill>
+          <a:ln w="38100"/>
+        </p:spPr>
+        <p:style>
+          <a:lnRef idx="2">
+            <a:schemeClr val="accent1">
+              <a:shade val="15000"/>
+            </a:schemeClr>
+          </a:lnRef>
+          <a:fillRef idx="1">
+            <a:schemeClr val="accent1"/>
+          </a:fillRef>
+          <a:effectRef idx="0">
+            <a:schemeClr val="accent1"/>
+          </a:effectRef>
+          <a:fontRef idx="minor">
+            <a:schemeClr val="lt1"/>
+          </a:fontRef>
+        </p:style>
+        <p:txBody>
+          <a:bodyPr rtlCol="0" anchor="ctr"/>
+          <a:lstStyle/>
+          <a:p>
+            <a:pPr algn="ctr"/>
+            <a:r>
+              <a:rPr lang="en-US" altLang="ko-KR" dirty="0">
+                <a:solidFill>
+                  <a:schemeClr val="tx1"/>
+                </a:solidFill>
+              </a:rPr>
+              <a:t>~</a:t>
+            </a:r>
+            <a:r>
+              <a:rPr lang="ko-KR" altLang="en-US" dirty="0">
+                <a:solidFill>
+                  <a:schemeClr val="tx1"/>
+                </a:solidFill>
+              </a:rPr>
+              <a:t>님 환영합니다</a:t>
+            </a:r>
+            <a:r>
+              <a:rPr lang="en-US" altLang="ko-KR" dirty="0">
+                <a:solidFill>
+                  <a:schemeClr val="tx1"/>
+                </a:solidFill>
+              </a:rPr>
+              <a:t>.</a:t>
+            </a:r>
+            <a:endParaRPr lang="ko-KR" altLang="en-US" dirty="0">
+              <a:solidFill>
+                <a:schemeClr val="tx1"/>
+              </a:solidFill>
+            </a:endParaRPr>
+          </a:p>
+        </p:txBody>
+      </p:sp>
+      <p:sp>
+        <p:nvSpPr>
+          <p:cNvPr id="12" name="직사각형 11">
+            <a:extLst>
+              <a:ext uri="{FF2B5EF4-FFF2-40B4-BE49-F238E27FC236}">
+                <a16:creationId xmlns:a16="http://schemas.microsoft.com/office/drawing/2014/main" id="{4662F515-0E24-DFC6-7A21-A36D79757C8A}"/>
+              </a:ext>
+            </a:extLst>
+          </p:cNvPr>
+          <p:cNvSpPr/>
+          <p:nvPr/>
+        </p:nvSpPr>
+        <p:spPr>
+          <a:xfrm>
+            <a:off x="7079670" y="164748"/>
+            <a:ext cx="1394690" cy="415638"/>
+          </a:xfrm>
+          <a:prstGeom prst="rect">
+            <a:avLst/>
+          </a:prstGeom>
+          <a:solidFill>
+            <a:schemeClr val="bg1"/>
+          </a:solidFill>
+          <a:ln w="38100"/>
+        </p:spPr>
+        <p:style>
+          <a:lnRef idx="2">
+            <a:schemeClr val="accent1">
+              <a:shade val="15000"/>
+            </a:schemeClr>
+          </a:lnRef>
+          <a:fillRef idx="1">
+            <a:schemeClr val="accent1"/>
+          </a:fillRef>
+          <a:effectRef idx="0">
+            <a:schemeClr val="accent1"/>
+          </a:effectRef>
+          <a:fontRef idx="minor">
+            <a:schemeClr val="lt1"/>
+          </a:fontRef>
+        </p:style>
+        <p:txBody>
+          <a:bodyPr rtlCol="0" anchor="ctr"/>
+          <a:lstStyle/>
+          <a:p>
+            <a:pPr algn="ctr"/>
+            <a:r>
+              <a:rPr lang="ko-KR" altLang="en-US" dirty="0">
+                <a:solidFill>
+                  <a:schemeClr val="tx1"/>
+                </a:solidFill>
+              </a:rPr>
+              <a:t>로그아웃</a:t>
+            </a:r>
+          </a:p>
+        </p:txBody>
+      </p:sp>
+      <p:sp>
+        <p:nvSpPr>
+          <p:cNvPr id="14" name="직사각형 13">
+            <a:extLst>
+              <a:ext uri="{FF2B5EF4-FFF2-40B4-BE49-F238E27FC236}">
+                <a16:creationId xmlns:a16="http://schemas.microsoft.com/office/drawing/2014/main" id="{7D692C63-90D6-B220-F5EE-2D12763C21E9}"/>
+              </a:ext>
+            </a:extLst>
+          </p:cNvPr>
+          <p:cNvSpPr/>
+          <p:nvPr/>
+        </p:nvSpPr>
+        <p:spPr>
+          <a:xfrm>
+            <a:off x="8677562" y="182918"/>
+            <a:ext cx="1394690" cy="415638"/>
+          </a:xfrm>
+          <a:prstGeom prst="rect">
+            <a:avLst/>
+          </a:prstGeom>
+          <a:solidFill>
+            <a:schemeClr val="bg1"/>
+          </a:solidFill>
+          <a:ln w="38100"/>
+        </p:spPr>
+        <p:style>
+          <a:lnRef idx="2">
+            <a:schemeClr val="accent1">
+              <a:shade val="15000"/>
+            </a:schemeClr>
+          </a:lnRef>
+          <a:fillRef idx="1">
+            <a:schemeClr val="accent1"/>
+          </a:fillRef>
+          <a:effectRef idx="0">
+            <a:schemeClr val="accent1"/>
+          </a:effectRef>
+          <a:fontRef idx="minor">
+            <a:schemeClr val="lt1"/>
+          </a:fontRef>
+        </p:style>
+        <p:txBody>
+          <a:bodyPr rtlCol="0" anchor="ctr"/>
+          <a:lstStyle/>
+          <a:p>
+            <a:pPr algn="ctr"/>
+            <a:r>
+              <a:rPr lang="ko-KR" altLang="en-US">
+                <a:solidFill>
+                  <a:schemeClr val="tx1"/>
+                </a:solidFill>
+              </a:rPr>
+              <a:t>마이페이지</a:t>
+            </a:r>
+            <a:endParaRPr lang="ko-KR" altLang="en-US" dirty="0">
+              <a:solidFill>
+                <a:schemeClr val="tx1"/>
+              </a:solidFill>
+            </a:endParaRPr>
+          </a:p>
+        </p:txBody>
+      </p:sp>
+      <p:sp>
+        <p:nvSpPr>
+          <p:cNvPr id="15" name="직사각형 14">
+            <a:extLst>
+              <a:ext uri="{FF2B5EF4-FFF2-40B4-BE49-F238E27FC236}">
+                <a16:creationId xmlns:a16="http://schemas.microsoft.com/office/drawing/2014/main" id="{F85E7F12-1A2E-C02D-BF4F-D306A6BE12D8}"/>
+              </a:ext>
+            </a:extLst>
+          </p:cNvPr>
+          <p:cNvSpPr/>
+          <p:nvPr/>
+        </p:nvSpPr>
+        <p:spPr>
+          <a:xfrm>
+            <a:off x="10261595" y="182918"/>
+            <a:ext cx="1611751" cy="415638"/>
+          </a:xfrm>
+          <a:prstGeom prst="rect">
+            <a:avLst/>
+          </a:prstGeom>
+          <a:solidFill>
+            <a:schemeClr val="bg1"/>
+          </a:solidFill>
+          <a:ln w="38100"/>
+        </p:spPr>
+        <p:style>
+          <a:lnRef idx="2">
+            <a:schemeClr val="accent1">
+              <a:shade val="15000"/>
+            </a:schemeClr>
+          </a:lnRef>
+          <a:fillRef idx="1">
+            <a:schemeClr val="accent1"/>
+          </a:fillRef>
+          <a:effectRef idx="0">
+            <a:schemeClr val="accent1"/>
+          </a:effectRef>
+          <a:fontRef idx="minor">
+            <a:schemeClr val="lt1"/>
+          </a:fontRef>
+        </p:style>
+        <p:txBody>
+          <a:bodyPr rtlCol="0" anchor="ctr"/>
+          <a:lstStyle/>
+          <a:p>
+            <a:pPr algn="ctr"/>
+            <a:r>
+              <a:rPr lang="ko-KR" altLang="en-US">
+                <a:solidFill>
+                  <a:schemeClr val="tx1"/>
+                </a:solidFill>
+              </a:rPr>
+              <a:t>자동로그아웃</a:t>
+            </a:r>
+            <a:endParaRPr lang="ko-KR" altLang="en-US" dirty="0">
+              <a:solidFill>
+                <a:schemeClr val="tx1"/>
+              </a:solidFill>
+            </a:endParaRPr>
+          </a:p>
+        </p:txBody>
+      </p:sp>
+    </p:spTree>
+    <p:extLst>
+      <p:ext uri="{BB962C8B-B14F-4D97-AF65-F5344CB8AC3E}">
+        <p14:creationId xmlns:p14="http://schemas.microsoft.com/office/powerpoint/2010/main" val="52887433"/>
+      </p:ext>
+    </p:extLst>
+  </p:cSld>
+  <p:clrMapOvr>
+    <a:masterClrMapping/>
+  </p:clrMapOvr>
+</p:sld>
+</file>
+
+<file path=ppt/slides/slide14.xml><?xml version="1.0" encoding="utf-8"?>
+<p:sld xmlns:a="http://schemas.openxmlformats.org/drawingml/2006/main" xmlns:r="http://schemas.openxmlformats.org/officeDocument/2006/relationships" xmlns:p="http://schemas.openxmlformats.org/presentationml/2006/main">
+  <p:cSld>
+    <p:spTree>
+      <p:nvGrpSpPr>
+        <p:cNvPr id="1" name=""/>
+        <p:cNvGrpSpPr/>
+        <p:nvPr/>
+      </p:nvGrpSpPr>
+      <p:grpSpPr>
+        <a:xfrm>
+          <a:off x="0" y="0"/>
+          <a:ext cx="0" cy="0"/>
+          <a:chOff x="0" y="0"/>
+          <a:chExt cx="0" cy="0"/>
+        </a:xfrm>
+      </p:grpSpPr>
+      <p:sp>
+        <p:nvSpPr>
+          <p:cNvPr id="6" name="직사각형 5">
+            <a:extLst>
+              <a:ext uri="{FF2B5EF4-FFF2-40B4-BE49-F238E27FC236}">
+                <a16:creationId xmlns:a16="http://schemas.microsoft.com/office/drawing/2014/main" id="{62C7DFEA-8610-F7BE-5802-7CB3D65602B0}"/>
+              </a:ext>
+            </a:extLst>
+          </p:cNvPr>
+          <p:cNvSpPr/>
+          <p:nvPr/>
+        </p:nvSpPr>
+        <p:spPr>
+          <a:xfrm>
             <a:off x="1851890" y="2133600"/>
             <a:ext cx="10021456" cy="4221018"/>
           </a:xfrm>
@@ -7346,6 +9808,786 @@
 </file>
 
 <file path=ppt/slides/slide2.xml><?xml version="1.0" encoding="utf-8"?>
+<p:sld xmlns:a="http://schemas.openxmlformats.org/drawingml/2006/main" xmlns:r="http://schemas.openxmlformats.org/officeDocument/2006/relationships" xmlns:p="http://schemas.openxmlformats.org/presentationml/2006/main">
+  <p:cSld>
+    <p:spTree>
+      <p:nvGrpSpPr>
+        <p:cNvPr id="1" name="">
+          <a:extLst>
+            <a:ext uri="{FF2B5EF4-FFF2-40B4-BE49-F238E27FC236}">
+              <a16:creationId xmlns:a16="http://schemas.microsoft.com/office/drawing/2014/main" id="{6A5F48C8-B140-21AD-16B5-BB1225C7C221}"/>
+            </a:ext>
+          </a:extLst>
+        </p:cNvPr>
+        <p:cNvGrpSpPr/>
+        <p:nvPr/>
+      </p:nvGrpSpPr>
+      <p:grpSpPr>
+        <a:xfrm>
+          <a:off x="0" y="0"/>
+          <a:ext cx="0" cy="0"/>
+          <a:chOff x="0" y="0"/>
+          <a:chExt cx="0" cy="0"/>
+        </a:xfrm>
+      </p:grpSpPr>
+      <p:sp>
+        <p:nvSpPr>
+          <p:cNvPr id="2" name="직사각형 1">
+            <a:extLst>
+              <a:ext uri="{FF2B5EF4-FFF2-40B4-BE49-F238E27FC236}">
+                <a16:creationId xmlns:a16="http://schemas.microsoft.com/office/drawing/2014/main" id="{E4299857-8F49-4FDF-232B-A233901A8E97}"/>
+              </a:ext>
+            </a:extLst>
+          </p:cNvPr>
+          <p:cNvSpPr/>
+          <p:nvPr/>
+        </p:nvSpPr>
+        <p:spPr>
+          <a:xfrm>
+            <a:off x="237836" y="143165"/>
+            <a:ext cx="4262582" cy="420253"/>
+          </a:xfrm>
+          <a:prstGeom prst="rect">
+            <a:avLst/>
+          </a:prstGeom>
+          <a:noFill/>
+          <a:ln w="38100">
+            <a:noFill/>
+          </a:ln>
+        </p:spPr>
+        <p:style>
+          <a:lnRef idx="2">
+            <a:schemeClr val="accent1">
+              <a:shade val="15000"/>
+            </a:schemeClr>
+          </a:lnRef>
+          <a:fillRef idx="1">
+            <a:schemeClr val="accent1"/>
+          </a:fillRef>
+          <a:effectRef idx="0">
+            <a:schemeClr val="accent1"/>
+          </a:effectRef>
+          <a:fontRef idx="minor">
+            <a:schemeClr val="lt1"/>
+          </a:fontRef>
+        </p:style>
+        <p:txBody>
+          <a:bodyPr rtlCol="0" anchor="t"/>
+          <a:lstStyle/>
+          <a:p>
+            <a:r>
+              <a:rPr lang="ko-KR" altLang="en-US" sz="2400" dirty="0">
+                <a:solidFill>
+                  <a:schemeClr val="bg1">
+                    <a:lumMod val="50000"/>
+                  </a:schemeClr>
+                </a:solidFill>
+              </a:rPr>
+              <a:t>구매 프로세스</a:t>
+            </a:r>
+            <a:endParaRPr lang="en-US" altLang="ko-KR" sz="2400" dirty="0">
+              <a:solidFill>
+                <a:schemeClr val="bg1">
+                  <a:lumMod val="50000"/>
+                </a:schemeClr>
+              </a:solidFill>
+            </a:endParaRPr>
+          </a:p>
+        </p:txBody>
+      </p:sp>
+      <p:sp>
+        <p:nvSpPr>
+          <p:cNvPr id="6" name="사각형: 둥근 모서리 5">
+            <a:extLst>
+              <a:ext uri="{FF2B5EF4-FFF2-40B4-BE49-F238E27FC236}">
+                <a16:creationId xmlns:a16="http://schemas.microsoft.com/office/drawing/2014/main" id="{D6495E6C-913F-BBC0-0A7B-422941E7A6F6}"/>
+              </a:ext>
+            </a:extLst>
+          </p:cNvPr>
+          <p:cNvSpPr/>
+          <p:nvPr/>
+        </p:nvSpPr>
+        <p:spPr>
+          <a:xfrm>
+            <a:off x="10123055" y="991759"/>
+            <a:ext cx="1884219" cy="738909"/>
+          </a:xfrm>
+          <a:prstGeom prst="roundRect">
+            <a:avLst/>
+          </a:prstGeom>
+          <a:noFill/>
+        </p:spPr>
+        <p:style>
+          <a:lnRef idx="2">
+            <a:schemeClr val="accent1">
+              <a:shade val="15000"/>
+            </a:schemeClr>
+          </a:lnRef>
+          <a:fillRef idx="1">
+            <a:schemeClr val="accent1"/>
+          </a:fillRef>
+          <a:effectRef idx="0">
+            <a:schemeClr val="accent1"/>
+          </a:effectRef>
+          <a:fontRef idx="minor">
+            <a:schemeClr val="lt1"/>
+          </a:fontRef>
+        </p:style>
+        <p:txBody>
+          <a:bodyPr rtlCol="0" anchor="ctr"/>
+          <a:lstStyle/>
+          <a:p>
+            <a:pPr algn="ctr"/>
+            <a:r>
+              <a:rPr lang="ko-KR" altLang="en-US" dirty="0">
+                <a:solidFill>
+                  <a:schemeClr val="tx1"/>
+                </a:solidFill>
+              </a:rPr>
+              <a:t>구매완료</a:t>
+            </a:r>
+          </a:p>
+        </p:txBody>
+      </p:sp>
+      <p:sp>
+        <p:nvSpPr>
+          <p:cNvPr id="7" name="설명선: 위쪽 화살표 6">
+            <a:extLst>
+              <a:ext uri="{FF2B5EF4-FFF2-40B4-BE49-F238E27FC236}">
+                <a16:creationId xmlns:a16="http://schemas.microsoft.com/office/drawing/2014/main" id="{8E8AF86D-0FA2-5CB7-5B32-640C491D62F6}"/>
+              </a:ext>
+            </a:extLst>
+          </p:cNvPr>
+          <p:cNvSpPr/>
+          <p:nvPr/>
+        </p:nvSpPr>
+        <p:spPr>
+          <a:xfrm>
+            <a:off x="8340439" y="1560949"/>
+            <a:ext cx="3020291" cy="1108363"/>
+          </a:xfrm>
+          <a:prstGeom prst="upArrowCallout">
+            <a:avLst>
+              <a:gd name="adj1" fmla="val 25000"/>
+              <a:gd name="adj2" fmla="val 25000"/>
+              <a:gd name="adj3" fmla="val 25000"/>
+              <a:gd name="adj4" fmla="val 49977"/>
+            </a:avLst>
+          </a:prstGeom>
+          <a:noFill/>
+          <a:ln>
+            <a:solidFill>
+              <a:schemeClr val="tx1"/>
+            </a:solidFill>
+          </a:ln>
+        </p:spPr>
+        <p:style>
+          <a:lnRef idx="2">
+            <a:schemeClr val="accent1">
+              <a:shade val="15000"/>
+            </a:schemeClr>
+          </a:lnRef>
+          <a:fillRef idx="1">
+            <a:schemeClr val="accent1"/>
+          </a:fillRef>
+          <a:effectRef idx="0">
+            <a:schemeClr val="accent1"/>
+          </a:effectRef>
+          <a:fontRef idx="minor">
+            <a:schemeClr val="lt1"/>
+          </a:fontRef>
+        </p:style>
+        <p:txBody>
+          <a:bodyPr rtlCol="0" anchor="ctr"/>
+          <a:lstStyle/>
+          <a:p>
+            <a:pPr algn="ctr"/>
+            <a:r>
+              <a:rPr lang="ko-KR" altLang="en-US" dirty="0">
+                <a:solidFill>
+                  <a:schemeClr val="tx1"/>
+                </a:solidFill>
+              </a:rPr>
+              <a:t>물품구입 </a:t>
+            </a:r>
+            <a:r>
+              <a:rPr lang="en-US" altLang="ko-KR" dirty="0">
+                <a:solidFill>
+                  <a:schemeClr val="tx1"/>
+                </a:solidFill>
+              </a:rPr>
+              <a:t>-&gt; </a:t>
+            </a:r>
+            <a:r>
+              <a:rPr lang="ko-KR" altLang="en-US" dirty="0">
+                <a:solidFill>
+                  <a:schemeClr val="tx1"/>
+                </a:solidFill>
+              </a:rPr>
+              <a:t>배송 </a:t>
+            </a:r>
+            <a:r>
+              <a:rPr lang="en-US" altLang="ko-KR" dirty="0">
+                <a:solidFill>
+                  <a:schemeClr val="tx1"/>
+                </a:solidFill>
+              </a:rPr>
+              <a:t>-&gt; </a:t>
+            </a:r>
+            <a:r>
+              <a:rPr lang="ko-KR" altLang="en-US" dirty="0">
+                <a:solidFill>
+                  <a:schemeClr val="tx1"/>
+                </a:solidFill>
+              </a:rPr>
+              <a:t>입금</a:t>
+            </a:r>
+          </a:p>
+        </p:txBody>
+      </p:sp>
+      <p:sp>
+        <p:nvSpPr>
+          <p:cNvPr id="10" name="사각형: 둥근 모서리 9">
+            <a:extLst>
+              <a:ext uri="{FF2B5EF4-FFF2-40B4-BE49-F238E27FC236}">
+                <a16:creationId xmlns:a16="http://schemas.microsoft.com/office/drawing/2014/main" id="{5D9EDB02-E5DA-D556-012A-F8ED3D3F8238}"/>
+              </a:ext>
+            </a:extLst>
+          </p:cNvPr>
+          <p:cNvSpPr/>
+          <p:nvPr/>
+        </p:nvSpPr>
+        <p:spPr>
+          <a:xfrm>
+            <a:off x="226293" y="991759"/>
+            <a:ext cx="1884219" cy="738909"/>
+          </a:xfrm>
+          <a:prstGeom prst="roundRect">
+            <a:avLst/>
+          </a:prstGeom>
+          <a:noFill/>
+        </p:spPr>
+        <p:style>
+          <a:lnRef idx="2">
+            <a:schemeClr val="accent1">
+              <a:shade val="15000"/>
+            </a:schemeClr>
+          </a:lnRef>
+          <a:fillRef idx="1">
+            <a:schemeClr val="accent1"/>
+          </a:fillRef>
+          <a:effectRef idx="0">
+            <a:schemeClr val="accent1"/>
+          </a:effectRef>
+          <a:fontRef idx="minor">
+            <a:schemeClr val="lt1"/>
+          </a:fontRef>
+        </p:style>
+        <p:txBody>
+          <a:bodyPr rtlCol="0" anchor="ctr"/>
+          <a:lstStyle/>
+          <a:p>
+            <a:pPr algn="ctr"/>
+            <a:r>
+              <a:rPr lang="ko-KR" altLang="en-US" dirty="0">
+                <a:solidFill>
+                  <a:schemeClr val="tx1"/>
+                </a:solidFill>
+              </a:rPr>
+              <a:t>상품 목록 조회</a:t>
+            </a:r>
+          </a:p>
+        </p:txBody>
+      </p:sp>
+      <p:sp>
+        <p:nvSpPr>
+          <p:cNvPr id="11" name="사각형: 둥근 모서리 10">
+            <a:extLst>
+              <a:ext uri="{FF2B5EF4-FFF2-40B4-BE49-F238E27FC236}">
+                <a16:creationId xmlns:a16="http://schemas.microsoft.com/office/drawing/2014/main" id="{F3D05DC5-7C4E-52AA-45F7-E0BF05F66821}"/>
+              </a:ext>
+            </a:extLst>
+          </p:cNvPr>
+          <p:cNvSpPr/>
+          <p:nvPr/>
+        </p:nvSpPr>
+        <p:spPr>
+          <a:xfrm>
+            <a:off x="2698560" y="991759"/>
+            <a:ext cx="1884219" cy="738909"/>
+          </a:xfrm>
+          <a:prstGeom prst="roundRect">
+            <a:avLst/>
+          </a:prstGeom>
+          <a:noFill/>
+        </p:spPr>
+        <p:style>
+          <a:lnRef idx="2">
+            <a:schemeClr val="accent1">
+              <a:shade val="15000"/>
+            </a:schemeClr>
+          </a:lnRef>
+          <a:fillRef idx="1">
+            <a:schemeClr val="accent1"/>
+          </a:fillRef>
+          <a:effectRef idx="0">
+            <a:schemeClr val="accent1"/>
+          </a:effectRef>
+          <a:fontRef idx="minor">
+            <a:schemeClr val="lt1"/>
+          </a:fontRef>
+        </p:style>
+        <p:txBody>
+          <a:bodyPr rtlCol="0" anchor="ctr"/>
+          <a:lstStyle/>
+          <a:p>
+            <a:pPr algn="ctr"/>
+            <a:r>
+              <a:rPr lang="ko-KR" altLang="en-US" dirty="0">
+                <a:solidFill>
+                  <a:schemeClr val="tx1"/>
+                </a:solidFill>
+              </a:rPr>
+              <a:t>상품 상세 조회</a:t>
+            </a:r>
+          </a:p>
+        </p:txBody>
+      </p:sp>
+      <p:sp>
+        <p:nvSpPr>
+          <p:cNvPr id="12" name="사각형: 둥근 모서리 11">
+            <a:extLst>
+              <a:ext uri="{FF2B5EF4-FFF2-40B4-BE49-F238E27FC236}">
+                <a16:creationId xmlns:a16="http://schemas.microsoft.com/office/drawing/2014/main" id="{D043FE53-41AC-E7FD-8D2D-638440F8B534}"/>
+              </a:ext>
+            </a:extLst>
+          </p:cNvPr>
+          <p:cNvSpPr/>
+          <p:nvPr/>
+        </p:nvSpPr>
+        <p:spPr>
+          <a:xfrm>
+            <a:off x="5170827" y="991759"/>
+            <a:ext cx="1884219" cy="738909"/>
+          </a:xfrm>
+          <a:prstGeom prst="roundRect">
+            <a:avLst/>
+          </a:prstGeom>
+          <a:noFill/>
+        </p:spPr>
+        <p:style>
+          <a:lnRef idx="2">
+            <a:schemeClr val="accent1">
+              <a:shade val="15000"/>
+            </a:schemeClr>
+          </a:lnRef>
+          <a:fillRef idx="1">
+            <a:schemeClr val="accent1"/>
+          </a:fillRef>
+          <a:effectRef idx="0">
+            <a:schemeClr val="accent1"/>
+          </a:effectRef>
+          <a:fontRef idx="minor">
+            <a:schemeClr val="lt1"/>
+          </a:fontRef>
+        </p:style>
+        <p:txBody>
+          <a:bodyPr rtlCol="0" anchor="ctr"/>
+          <a:lstStyle/>
+          <a:p>
+            <a:pPr algn="ctr"/>
+            <a:r>
+              <a:rPr lang="ko-KR" altLang="en-US" dirty="0">
+                <a:solidFill>
+                  <a:schemeClr val="tx1"/>
+                </a:solidFill>
+              </a:rPr>
+              <a:t>장바구니</a:t>
+            </a:r>
+          </a:p>
+        </p:txBody>
+      </p:sp>
+      <p:sp>
+        <p:nvSpPr>
+          <p:cNvPr id="13" name="사각형: 둥근 모서리 12">
+            <a:extLst>
+              <a:ext uri="{FF2B5EF4-FFF2-40B4-BE49-F238E27FC236}">
+                <a16:creationId xmlns:a16="http://schemas.microsoft.com/office/drawing/2014/main" id="{67334A30-C154-3404-A7EC-4F5AF0DB0BED}"/>
+              </a:ext>
+            </a:extLst>
+          </p:cNvPr>
+          <p:cNvSpPr/>
+          <p:nvPr/>
+        </p:nvSpPr>
+        <p:spPr>
+          <a:xfrm>
+            <a:off x="7643093" y="991759"/>
+            <a:ext cx="1884219" cy="738909"/>
+          </a:xfrm>
+          <a:prstGeom prst="roundRect">
+            <a:avLst/>
+          </a:prstGeom>
+          <a:noFill/>
+        </p:spPr>
+        <p:style>
+          <a:lnRef idx="2">
+            <a:schemeClr val="accent1">
+              <a:shade val="15000"/>
+            </a:schemeClr>
+          </a:lnRef>
+          <a:fillRef idx="1">
+            <a:schemeClr val="accent1"/>
+          </a:fillRef>
+          <a:effectRef idx="0">
+            <a:schemeClr val="accent1"/>
+          </a:effectRef>
+          <a:fontRef idx="minor">
+            <a:schemeClr val="lt1"/>
+          </a:fontRef>
+        </p:style>
+        <p:txBody>
+          <a:bodyPr rtlCol="0" anchor="ctr"/>
+          <a:lstStyle/>
+          <a:p>
+            <a:pPr algn="ctr"/>
+            <a:r>
+              <a:rPr lang="ko-KR" altLang="en-US">
+                <a:solidFill>
+                  <a:schemeClr val="tx1"/>
+                </a:solidFill>
+              </a:rPr>
+              <a:t>구매요청</a:t>
+            </a:r>
+            <a:endParaRPr lang="ko-KR" altLang="en-US" dirty="0">
+              <a:solidFill>
+                <a:schemeClr val="tx1"/>
+              </a:solidFill>
+            </a:endParaRPr>
+          </a:p>
+        </p:txBody>
+      </p:sp>
+      <p:sp>
+        <p:nvSpPr>
+          <p:cNvPr id="16" name="사각형: 둥근 모서리 15">
+            <a:extLst>
+              <a:ext uri="{FF2B5EF4-FFF2-40B4-BE49-F238E27FC236}">
+                <a16:creationId xmlns:a16="http://schemas.microsoft.com/office/drawing/2014/main" id="{7846CEAF-1AFB-4F6E-D52E-56320F2E6686}"/>
+              </a:ext>
+            </a:extLst>
+          </p:cNvPr>
+          <p:cNvSpPr/>
+          <p:nvPr/>
+        </p:nvSpPr>
+        <p:spPr>
+          <a:xfrm>
+            <a:off x="5170827" y="1930404"/>
+            <a:ext cx="1884219" cy="738909"/>
+          </a:xfrm>
+          <a:prstGeom prst="roundRect">
+            <a:avLst/>
+          </a:prstGeom>
+          <a:noFill/>
+        </p:spPr>
+        <p:style>
+          <a:lnRef idx="2">
+            <a:schemeClr val="accent1">
+              <a:shade val="15000"/>
+            </a:schemeClr>
+          </a:lnRef>
+          <a:fillRef idx="1">
+            <a:schemeClr val="accent1"/>
+          </a:fillRef>
+          <a:effectRef idx="0">
+            <a:schemeClr val="accent1"/>
+          </a:effectRef>
+          <a:fontRef idx="minor">
+            <a:schemeClr val="lt1"/>
+          </a:fontRef>
+        </p:style>
+        <p:txBody>
+          <a:bodyPr rtlCol="0" anchor="ctr"/>
+          <a:lstStyle/>
+          <a:p>
+            <a:pPr algn="ctr"/>
+            <a:r>
+              <a:rPr lang="ko-KR" altLang="en-US" dirty="0">
+                <a:solidFill>
+                  <a:schemeClr val="tx1"/>
+                </a:solidFill>
+              </a:rPr>
+              <a:t>장바구니</a:t>
+            </a:r>
+          </a:p>
+        </p:txBody>
+      </p:sp>
+      <p:cxnSp>
+        <p:nvCxnSpPr>
+          <p:cNvPr id="26" name="직선 화살표 연결선 25">
+            <a:extLst>
+              <a:ext uri="{FF2B5EF4-FFF2-40B4-BE49-F238E27FC236}">
+                <a16:creationId xmlns:a16="http://schemas.microsoft.com/office/drawing/2014/main" id="{D7AF16D0-77DC-1E68-8938-624CE76E5EF1}"/>
+              </a:ext>
+            </a:extLst>
+          </p:cNvPr>
+          <p:cNvCxnSpPr>
+            <a:cxnSpLocks/>
+          </p:cNvCxnSpPr>
+          <p:nvPr/>
+        </p:nvCxnSpPr>
+        <p:spPr>
+          <a:xfrm>
+            <a:off x="4582778" y="1361213"/>
+            <a:ext cx="588048" cy="0"/>
+          </a:xfrm>
+          <a:prstGeom prst="straightConnector1">
+            <a:avLst/>
+          </a:prstGeom>
+          <a:ln w="38100">
+            <a:tailEnd type="triangle"/>
+          </a:ln>
+        </p:spPr>
+        <p:style>
+          <a:lnRef idx="1">
+            <a:schemeClr val="accent1"/>
+          </a:lnRef>
+          <a:fillRef idx="0">
+            <a:schemeClr val="accent1"/>
+          </a:fillRef>
+          <a:effectRef idx="0">
+            <a:schemeClr val="accent1"/>
+          </a:effectRef>
+          <a:fontRef idx="minor">
+            <a:schemeClr val="tx1"/>
+          </a:fontRef>
+        </p:style>
+      </p:cxnSp>
+      <p:cxnSp>
+        <p:nvCxnSpPr>
+          <p:cNvPr id="30" name="직선 화살표 연결선 29">
+            <a:extLst>
+              <a:ext uri="{FF2B5EF4-FFF2-40B4-BE49-F238E27FC236}">
+                <a16:creationId xmlns:a16="http://schemas.microsoft.com/office/drawing/2014/main" id="{1CD5FC57-9D90-D20E-665C-65F49C33CC2D}"/>
+              </a:ext>
+            </a:extLst>
+          </p:cNvPr>
+          <p:cNvCxnSpPr>
+            <a:cxnSpLocks/>
+          </p:cNvCxnSpPr>
+          <p:nvPr/>
+        </p:nvCxnSpPr>
+        <p:spPr>
+          <a:xfrm>
+            <a:off x="7055045" y="1361213"/>
+            <a:ext cx="588048" cy="0"/>
+          </a:xfrm>
+          <a:prstGeom prst="straightConnector1">
+            <a:avLst/>
+          </a:prstGeom>
+          <a:ln w="38100">
+            <a:tailEnd type="triangle"/>
+          </a:ln>
+        </p:spPr>
+        <p:style>
+          <a:lnRef idx="1">
+            <a:schemeClr val="accent1"/>
+          </a:lnRef>
+          <a:fillRef idx="0">
+            <a:schemeClr val="accent1"/>
+          </a:fillRef>
+          <a:effectRef idx="0">
+            <a:schemeClr val="accent1"/>
+          </a:effectRef>
+          <a:fontRef idx="minor">
+            <a:schemeClr val="tx1"/>
+          </a:fontRef>
+        </p:style>
+      </p:cxnSp>
+      <p:cxnSp>
+        <p:nvCxnSpPr>
+          <p:cNvPr id="31" name="직선 화살표 연결선 30">
+            <a:extLst>
+              <a:ext uri="{FF2B5EF4-FFF2-40B4-BE49-F238E27FC236}">
+                <a16:creationId xmlns:a16="http://schemas.microsoft.com/office/drawing/2014/main" id="{2FD1CE6B-B65A-E087-6CED-CC3C64963EDE}"/>
+              </a:ext>
+            </a:extLst>
+          </p:cNvPr>
+          <p:cNvCxnSpPr>
+            <a:cxnSpLocks/>
+          </p:cNvCxnSpPr>
+          <p:nvPr/>
+        </p:nvCxnSpPr>
+        <p:spPr>
+          <a:xfrm>
+            <a:off x="2110512" y="1361213"/>
+            <a:ext cx="588048" cy="0"/>
+          </a:xfrm>
+          <a:prstGeom prst="straightConnector1">
+            <a:avLst/>
+          </a:prstGeom>
+          <a:ln w="38100">
+            <a:tailEnd type="triangle"/>
+          </a:ln>
+        </p:spPr>
+        <p:style>
+          <a:lnRef idx="1">
+            <a:schemeClr val="accent1"/>
+          </a:lnRef>
+          <a:fillRef idx="0">
+            <a:schemeClr val="accent1"/>
+          </a:fillRef>
+          <a:effectRef idx="0">
+            <a:schemeClr val="accent1"/>
+          </a:effectRef>
+          <a:fontRef idx="minor">
+            <a:schemeClr val="tx1"/>
+          </a:fontRef>
+        </p:style>
+      </p:cxnSp>
+      <p:cxnSp>
+        <p:nvCxnSpPr>
+          <p:cNvPr id="32" name="연결선: 꺾임 31">
+            <a:extLst>
+              <a:ext uri="{FF2B5EF4-FFF2-40B4-BE49-F238E27FC236}">
+                <a16:creationId xmlns:a16="http://schemas.microsoft.com/office/drawing/2014/main" id="{9F998BCF-7236-A5D2-148B-E65951879FD4}"/>
+              </a:ext>
+            </a:extLst>
+          </p:cNvPr>
+          <p:cNvCxnSpPr>
+            <a:cxnSpLocks/>
+            <a:stCxn id="10" idx="3"/>
+            <a:endCxn id="16" idx="1"/>
+          </p:cNvCxnSpPr>
+          <p:nvPr/>
+        </p:nvCxnSpPr>
+        <p:spPr>
+          <a:xfrm>
+            <a:off x="2110512" y="1361214"/>
+            <a:ext cx="3060315" cy="938645"/>
+          </a:xfrm>
+          <a:prstGeom prst="bentConnector3">
+            <a:avLst>
+              <a:gd name="adj1" fmla="val 9557"/>
+            </a:avLst>
+          </a:prstGeom>
+          <a:ln w="38100">
+            <a:tailEnd type="triangle"/>
+          </a:ln>
+        </p:spPr>
+        <p:style>
+          <a:lnRef idx="1">
+            <a:schemeClr val="accent1"/>
+          </a:lnRef>
+          <a:fillRef idx="0">
+            <a:schemeClr val="accent1"/>
+          </a:fillRef>
+          <a:effectRef idx="0">
+            <a:schemeClr val="accent1"/>
+          </a:effectRef>
+          <a:fontRef idx="minor">
+            <a:schemeClr val="tx1"/>
+          </a:fontRef>
+        </p:style>
+      </p:cxnSp>
+      <p:cxnSp>
+        <p:nvCxnSpPr>
+          <p:cNvPr id="42" name="연결선: 꺾임 41">
+            <a:extLst>
+              <a:ext uri="{FF2B5EF4-FFF2-40B4-BE49-F238E27FC236}">
+                <a16:creationId xmlns:a16="http://schemas.microsoft.com/office/drawing/2014/main" id="{AEB3B4DC-E256-00B2-8745-30ACAB15A00A}"/>
+              </a:ext>
+            </a:extLst>
+          </p:cNvPr>
+          <p:cNvCxnSpPr>
+            <a:cxnSpLocks/>
+            <a:stCxn id="16" idx="3"/>
+            <a:endCxn id="13" idx="1"/>
+          </p:cNvCxnSpPr>
+          <p:nvPr/>
+        </p:nvCxnSpPr>
+        <p:spPr>
+          <a:xfrm flipV="1">
+            <a:off x="7055046" y="1361214"/>
+            <a:ext cx="588047" cy="938645"/>
+          </a:xfrm>
+          <a:prstGeom prst="bentConnector3">
+            <a:avLst>
+              <a:gd name="adj1" fmla="val 50000"/>
+            </a:avLst>
+          </a:prstGeom>
+          <a:ln w="38100">
+            <a:tailEnd type="triangle"/>
+          </a:ln>
+        </p:spPr>
+        <p:style>
+          <a:lnRef idx="1">
+            <a:schemeClr val="accent1"/>
+          </a:lnRef>
+          <a:fillRef idx="0">
+            <a:schemeClr val="accent1"/>
+          </a:fillRef>
+          <a:effectRef idx="0">
+            <a:schemeClr val="accent1"/>
+          </a:effectRef>
+          <a:fontRef idx="minor">
+            <a:schemeClr val="tx1"/>
+          </a:fontRef>
+        </p:style>
+      </p:cxnSp>
+      <p:cxnSp>
+        <p:nvCxnSpPr>
+          <p:cNvPr id="51" name="직선 화살표 연결선 50">
+            <a:extLst>
+              <a:ext uri="{FF2B5EF4-FFF2-40B4-BE49-F238E27FC236}">
+                <a16:creationId xmlns:a16="http://schemas.microsoft.com/office/drawing/2014/main" id="{547F353B-8AE8-EC94-C5B7-36B8EE848250}"/>
+              </a:ext>
+            </a:extLst>
+          </p:cNvPr>
+          <p:cNvCxnSpPr>
+            <a:cxnSpLocks/>
+          </p:cNvCxnSpPr>
+          <p:nvPr/>
+        </p:nvCxnSpPr>
+        <p:spPr>
+          <a:xfrm>
+            <a:off x="9527312" y="1361213"/>
+            <a:ext cx="588048" cy="0"/>
+          </a:xfrm>
+          <a:prstGeom prst="straightConnector1">
+            <a:avLst/>
+          </a:prstGeom>
+          <a:ln w="38100">
+            <a:tailEnd type="triangle"/>
+          </a:ln>
+        </p:spPr>
+        <p:style>
+          <a:lnRef idx="1">
+            <a:schemeClr val="accent1"/>
+          </a:lnRef>
+          <a:fillRef idx="0">
+            <a:schemeClr val="accent1"/>
+          </a:fillRef>
+          <a:effectRef idx="0">
+            <a:schemeClr val="accent1"/>
+          </a:effectRef>
+          <a:fontRef idx="minor">
+            <a:schemeClr val="tx1"/>
+          </a:fontRef>
+        </p:style>
+      </p:cxnSp>
+    </p:spTree>
+    <p:extLst>
+      <p:ext uri="{BB962C8B-B14F-4D97-AF65-F5344CB8AC3E}">
+        <p14:creationId xmlns:p14="http://schemas.microsoft.com/office/powerpoint/2010/main" val="708822436"/>
+      </p:ext>
+    </p:extLst>
+  </p:cSld>
+  <p:clrMapOvr>
+    <a:masterClrMapping/>
+  </p:clrMapOvr>
+</p:sld>
+</file>
+
+<file path=ppt/slides/slide3.xml><?xml version="1.0" encoding="utf-8"?>
 <p:sld xmlns:a="http://schemas.openxmlformats.org/drawingml/2006/main" xmlns:r="http://schemas.openxmlformats.org/officeDocument/2006/relationships" xmlns:p="http://schemas.openxmlformats.org/presentationml/2006/main">
   <p:cSld>
     <p:spTree>
@@ -9526,7 +12768,7 @@
 </p:sld>
 </file>
 
-<file path=ppt/slides/slide3.xml><?xml version="1.0" encoding="utf-8"?>
+<file path=ppt/slides/slide4.xml><?xml version="1.0" encoding="utf-8"?>
 <p:sld xmlns:a="http://schemas.openxmlformats.org/drawingml/2006/main" xmlns:r="http://schemas.openxmlformats.org/officeDocument/2006/relationships" xmlns:p="http://schemas.openxmlformats.org/presentationml/2006/main">
   <p:cSld>
     <p:spTree>
@@ -10374,7 +13616,7 @@
 </p:sld>
 </file>
 
-<file path=ppt/slides/slide4.xml><?xml version="1.0" encoding="utf-8"?>
+<file path=ppt/slides/slide5.xml><?xml version="1.0" encoding="utf-8"?>
 <p:sld xmlns:a="http://schemas.openxmlformats.org/drawingml/2006/main" xmlns:r="http://schemas.openxmlformats.org/officeDocument/2006/relationships" xmlns:p="http://schemas.openxmlformats.org/presentationml/2006/main">
   <p:cSld>
     <p:spTree>
@@ -11243,7 +14485,7 @@
 </p:sld>
 </file>
 
-<file path=ppt/slides/slide5.xml><?xml version="1.0" encoding="utf-8"?>
+<file path=ppt/slides/slide6.xml><?xml version="1.0" encoding="utf-8"?>
 <p:sld xmlns:a="http://schemas.openxmlformats.org/drawingml/2006/main" xmlns:r="http://schemas.openxmlformats.org/officeDocument/2006/relationships" xmlns:p="http://schemas.openxmlformats.org/presentationml/2006/main">
   <p:cSld>
     <p:spTree>
@@ -12688,7 +15930,7 @@
 </p:sld>
 </file>
 
-<file path=ppt/slides/slide6.xml><?xml version="1.0" encoding="utf-8"?>
+<file path=ppt/slides/slide7.xml><?xml version="1.0" encoding="utf-8"?>
 <p:sld xmlns:a="http://schemas.openxmlformats.org/drawingml/2006/main" xmlns:r="http://schemas.openxmlformats.org/officeDocument/2006/relationships" xmlns:p="http://schemas.openxmlformats.org/presentationml/2006/main">
   <p:cSld>
     <p:spTree>
@@ -13498,7 +16740,7 @@
 </p:sld>
 </file>
 
-<file path=ppt/slides/slide7.xml><?xml version="1.0" encoding="utf-8"?>
+<file path=ppt/slides/slide8.xml><?xml version="1.0" encoding="utf-8"?>
 <p:sld xmlns:a="http://schemas.openxmlformats.org/drawingml/2006/main" xmlns:r="http://schemas.openxmlformats.org/officeDocument/2006/relationships" xmlns:p="http://schemas.openxmlformats.org/presentationml/2006/main">
   <p:cSld>
     <p:spTree>
@@ -14017,7 +17259,7 @@
 </p:sld>
 </file>
 
-<file path=ppt/slides/slide8.xml><?xml version="1.0" encoding="utf-8"?>
+<file path=ppt/slides/slide9.xml><?xml version="1.0" encoding="utf-8"?>
 <p:sld xmlns:a="http://schemas.openxmlformats.org/drawingml/2006/main" xmlns:r="http://schemas.openxmlformats.org/officeDocument/2006/relationships" xmlns:p="http://schemas.openxmlformats.org/presentationml/2006/main">
   <p:cSld>
     <p:spTree>
@@ -15195,1636 +18437,6 @@
     <p:extLst>
       <p:ext uri="{BB962C8B-B14F-4D97-AF65-F5344CB8AC3E}">
         <p14:creationId xmlns:p14="http://schemas.microsoft.com/office/powerpoint/2010/main" val="444300783"/>
-      </p:ext>
-    </p:extLst>
-  </p:cSld>
-  <p:clrMapOvr>
-    <a:masterClrMapping/>
-  </p:clrMapOvr>
-</p:sld>
-</file>
-
-<file path=ppt/slides/slide9.xml><?xml version="1.0" encoding="utf-8"?>
-<p:sld xmlns:a="http://schemas.openxmlformats.org/drawingml/2006/main" xmlns:r="http://schemas.openxmlformats.org/officeDocument/2006/relationships" xmlns:p="http://schemas.openxmlformats.org/presentationml/2006/main">
-  <p:cSld>
-    <p:spTree>
-      <p:nvGrpSpPr>
-        <p:cNvPr id="1" name=""/>
-        <p:cNvGrpSpPr/>
-        <p:nvPr/>
-      </p:nvGrpSpPr>
-      <p:grpSpPr>
-        <a:xfrm>
-          <a:off x="0" y="0"/>
-          <a:ext cx="0" cy="0"/>
-          <a:chOff x="0" y="0"/>
-          <a:chExt cx="0" cy="0"/>
-        </a:xfrm>
-      </p:grpSpPr>
-      <p:sp>
-        <p:nvSpPr>
-          <p:cNvPr id="2" name="직사각형 1">
-            <a:extLst>
-              <a:ext uri="{FF2B5EF4-FFF2-40B4-BE49-F238E27FC236}">
-                <a16:creationId xmlns:a16="http://schemas.microsoft.com/office/drawing/2014/main" id="{104A78F2-F9DE-E968-791A-36236F554892}"/>
-              </a:ext>
-            </a:extLst>
-          </p:cNvPr>
-          <p:cNvSpPr/>
-          <p:nvPr/>
-        </p:nvSpPr>
-        <p:spPr>
-          <a:xfrm>
-            <a:off x="237835" y="143165"/>
-            <a:ext cx="6855691" cy="420253"/>
-          </a:xfrm>
-          <a:prstGeom prst="rect">
-            <a:avLst/>
-          </a:prstGeom>
-          <a:noFill/>
-          <a:ln w="38100">
-            <a:noFill/>
-          </a:ln>
-        </p:spPr>
-        <p:style>
-          <a:lnRef idx="2">
-            <a:schemeClr val="accent1">
-              <a:shade val="15000"/>
-            </a:schemeClr>
-          </a:lnRef>
-          <a:fillRef idx="1">
-            <a:schemeClr val="accent1"/>
-          </a:fillRef>
-          <a:effectRef idx="0">
-            <a:schemeClr val="accent1"/>
-          </a:effectRef>
-          <a:fontRef idx="minor">
-            <a:schemeClr val="lt1"/>
-          </a:fontRef>
-        </p:style>
-        <p:txBody>
-          <a:bodyPr rtlCol="0" anchor="t"/>
-          <a:lstStyle/>
-          <a:p>
-            <a:r>
-              <a:rPr lang="ko-KR" altLang="en-US" sz="2400" dirty="0">
-                <a:solidFill>
-                  <a:schemeClr val="bg1">
-                    <a:lumMod val="50000"/>
-                  </a:schemeClr>
-                </a:solidFill>
-              </a:rPr>
-              <a:t>상품 </a:t>
-            </a:r>
-            <a:r>
-              <a:rPr lang="en-US" altLang="ko-KR" sz="2400" dirty="0">
-                <a:solidFill>
-                  <a:schemeClr val="bg1">
-                    <a:lumMod val="50000"/>
-                  </a:schemeClr>
-                </a:solidFill>
-              </a:rPr>
-              <a:t>– </a:t>
-            </a:r>
-            <a:r>
-              <a:rPr lang="ko-KR" altLang="en-US" sz="2400" dirty="0">
-                <a:solidFill>
-                  <a:schemeClr val="bg1">
-                    <a:lumMod val="50000"/>
-                  </a:schemeClr>
-                </a:solidFill>
-              </a:rPr>
-              <a:t>구매내역 </a:t>
-            </a:r>
-            <a:r>
-              <a:rPr lang="en-US" altLang="ko-KR" sz="2400" dirty="0">
-                <a:solidFill>
-                  <a:schemeClr val="bg1">
-                    <a:lumMod val="50000"/>
-                  </a:schemeClr>
-                </a:solidFill>
-              </a:rPr>
-              <a:t>– </a:t>
-            </a:r>
-            <a:r>
-              <a:rPr lang="ko-KR" altLang="en-US" sz="2400" dirty="0">
-                <a:solidFill>
-                  <a:schemeClr val="bg1">
-                    <a:lumMod val="50000"/>
-                  </a:schemeClr>
-                </a:solidFill>
-              </a:rPr>
-              <a:t>목록 조회</a:t>
-            </a:r>
-            <a:endParaRPr lang="en-US" altLang="ko-KR" sz="2400" dirty="0">
-              <a:solidFill>
-                <a:schemeClr val="bg1">
-                  <a:lumMod val="50000"/>
-                </a:schemeClr>
-              </a:solidFill>
-            </a:endParaRPr>
-          </a:p>
-        </p:txBody>
-      </p:sp>
-      <p:sp>
-        <p:nvSpPr>
-          <p:cNvPr id="16" name="직사각형 15">
-            <a:extLst>
-              <a:ext uri="{FF2B5EF4-FFF2-40B4-BE49-F238E27FC236}">
-                <a16:creationId xmlns:a16="http://schemas.microsoft.com/office/drawing/2014/main" id="{5A735EAB-4134-A72D-E9E0-92982334134E}"/>
-              </a:ext>
-            </a:extLst>
-          </p:cNvPr>
-          <p:cNvSpPr/>
-          <p:nvPr/>
-        </p:nvSpPr>
-        <p:spPr>
-          <a:xfrm>
-            <a:off x="1287888" y="2017607"/>
-            <a:ext cx="7605008" cy="2822786"/>
-          </a:xfrm>
-          <a:prstGeom prst="rect">
-            <a:avLst/>
-          </a:prstGeom>
-          <a:solidFill>
-            <a:schemeClr val="bg1">
-              <a:lumMod val="95000"/>
-            </a:schemeClr>
-          </a:solidFill>
-          <a:ln w="38100"/>
-        </p:spPr>
-        <p:style>
-          <a:lnRef idx="2">
-            <a:schemeClr val="accent1">
-              <a:shade val="15000"/>
-            </a:schemeClr>
-          </a:lnRef>
-          <a:fillRef idx="1">
-            <a:schemeClr val="accent1"/>
-          </a:fillRef>
-          <a:effectRef idx="0">
-            <a:schemeClr val="accent1"/>
-          </a:effectRef>
-          <a:fontRef idx="minor">
-            <a:schemeClr val="lt1"/>
-          </a:fontRef>
-        </p:style>
-        <p:txBody>
-          <a:bodyPr rtlCol="0" anchor="ctr"/>
-          <a:lstStyle/>
-          <a:p>
-            <a:pPr algn="ctr"/>
-            <a:endParaRPr lang="ko-KR" altLang="en-US" dirty="0">
-              <a:solidFill>
-                <a:schemeClr val="tx1"/>
-              </a:solidFill>
-            </a:endParaRPr>
-          </a:p>
-        </p:txBody>
-      </p:sp>
-      <p:sp>
-        <p:nvSpPr>
-          <p:cNvPr id="18" name="직사각형 17">
-            <a:extLst>
-              <a:ext uri="{FF2B5EF4-FFF2-40B4-BE49-F238E27FC236}">
-                <a16:creationId xmlns:a16="http://schemas.microsoft.com/office/drawing/2014/main" id="{50F358CC-B5E8-0169-D96C-DC0F6947422D}"/>
-              </a:ext>
-            </a:extLst>
-          </p:cNvPr>
-          <p:cNvSpPr/>
-          <p:nvPr/>
-        </p:nvSpPr>
-        <p:spPr>
-          <a:xfrm>
-            <a:off x="1440285" y="2663069"/>
-            <a:ext cx="1874983" cy="2048009"/>
-          </a:xfrm>
-          <a:prstGeom prst="rect">
-            <a:avLst/>
-          </a:prstGeom>
-          <a:solidFill>
-            <a:schemeClr val="bg1"/>
-          </a:solidFill>
-          <a:ln w="38100"/>
-        </p:spPr>
-        <p:style>
-          <a:lnRef idx="2">
-            <a:schemeClr val="accent1">
-              <a:shade val="15000"/>
-            </a:schemeClr>
-          </a:lnRef>
-          <a:fillRef idx="1">
-            <a:schemeClr val="accent1"/>
-          </a:fillRef>
-          <a:effectRef idx="0">
-            <a:schemeClr val="accent1"/>
-          </a:effectRef>
-          <a:fontRef idx="minor">
-            <a:schemeClr val="lt1"/>
-          </a:fontRef>
-        </p:style>
-        <p:txBody>
-          <a:bodyPr rtlCol="0" anchor="ctr"/>
-          <a:lstStyle/>
-          <a:p>
-            <a:pPr algn="ctr"/>
-            <a:r>
-              <a:rPr lang="ko-KR" altLang="en-US" dirty="0">
-                <a:solidFill>
-                  <a:schemeClr val="tx1"/>
-                </a:solidFill>
-              </a:rPr>
-              <a:t>이미지</a:t>
-            </a:r>
-          </a:p>
-        </p:txBody>
-      </p:sp>
-      <p:sp>
-        <p:nvSpPr>
-          <p:cNvPr id="19" name="직사각형 18">
-            <a:extLst>
-              <a:ext uri="{FF2B5EF4-FFF2-40B4-BE49-F238E27FC236}">
-                <a16:creationId xmlns:a16="http://schemas.microsoft.com/office/drawing/2014/main" id="{F9F44726-7A57-96CE-769E-BC48CCE9519C}"/>
-              </a:ext>
-            </a:extLst>
-          </p:cNvPr>
-          <p:cNvSpPr/>
-          <p:nvPr/>
-        </p:nvSpPr>
-        <p:spPr>
-          <a:xfrm>
-            <a:off x="3467665" y="3221792"/>
-            <a:ext cx="1874983" cy="415638"/>
-          </a:xfrm>
-          <a:prstGeom prst="rect">
-            <a:avLst/>
-          </a:prstGeom>
-          <a:solidFill>
-            <a:schemeClr val="bg1"/>
-          </a:solidFill>
-          <a:ln w="38100"/>
-        </p:spPr>
-        <p:style>
-          <a:lnRef idx="2">
-            <a:schemeClr val="accent1">
-              <a:shade val="15000"/>
-            </a:schemeClr>
-          </a:lnRef>
-          <a:fillRef idx="1">
-            <a:schemeClr val="accent1"/>
-          </a:fillRef>
-          <a:effectRef idx="0">
-            <a:schemeClr val="accent1"/>
-          </a:effectRef>
-          <a:fontRef idx="minor">
-            <a:schemeClr val="lt1"/>
-          </a:fontRef>
-        </p:style>
-        <p:txBody>
-          <a:bodyPr rtlCol="0" anchor="ctr"/>
-          <a:lstStyle/>
-          <a:p>
-            <a:r>
-              <a:rPr lang="ko-KR" altLang="en-US">
-                <a:solidFill>
-                  <a:schemeClr val="tx1"/>
-                </a:solidFill>
-              </a:rPr>
-              <a:t>가격</a:t>
-            </a:r>
-            <a:endParaRPr lang="ko-KR" altLang="en-US" dirty="0">
-              <a:solidFill>
-                <a:schemeClr val="tx1"/>
-              </a:solidFill>
-            </a:endParaRPr>
-          </a:p>
-        </p:txBody>
-      </p:sp>
-      <p:sp>
-        <p:nvSpPr>
-          <p:cNvPr id="20" name="직사각형 19">
-            <a:extLst>
-              <a:ext uri="{FF2B5EF4-FFF2-40B4-BE49-F238E27FC236}">
-                <a16:creationId xmlns:a16="http://schemas.microsoft.com/office/drawing/2014/main" id="{945479C1-2E37-45B7-7EBD-6EB209BA989D}"/>
-              </a:ext>
-            </a:extLst>
-          </p:cNvPr>
-          <p:cNvSpPr/>
-          <p:nvPr/>
-        </p:nvSpPr>
-        <p:spPr>
-          <a:xfrm>
-            <a:off x="3478044" y="2663070"/>
-            <a:ext cx="5194902" cy="415638"/>
-          </a:xfrm>
-          <a:prstGeom prst="rect">
-            <a:avLst/>
-          </a:prstGeom>
-          <a:solidFill>
-            <a:schemeClr val="bg1"/>
-          </a:solidFill>
-          <a:ln w="38100"/>
-        </p:spPr>
-        <p:style>
-          <a:lnRef idx="2">
-            <a:schemeClr val="accent1">
-              <a:shade val="15000"/>
-            </a:schemeClr>
-          </a:lnRef>
-          <a:fillRef idx="1">
-            <a:schemeClr val="accent1"/>
-          </a:fillRef>
-          <a:effectRef idx="0">
-            <a:schemeClr val="accent1"/>
-          </a:effectRef>
-          <a:fontRef idx="minor">
-            <a:schemeClr val="lt1"/>
-          </a:fontRef>
-        </p:style>
-        <p:txBody>
-          <a:bodyPr rtlCol="0" anchor="ctr"/>
-          <a:lstStyle/>
-          <a:p>
-            <a:r>
-              <a:rPr lang="ko-KR" altLang="en-US" dirty="0">
-                <a:solidFill>
-                  <a:schemeClr val="tx1"/>
-                </a:solidFill>
-              </a:rPr>
-              <a:t>상품명</a:t>
-            </a:r>
-          </a:p>
-        </p:txBody>
-      </p:sp>
-      <p:sp>
-        <p:nvSpPr>
-          <p:cNvPr id="21" name="직사각형 20">
-            <a:extLst>
-              <a:ext uri="{FF2B5EF4-FFF2-40B4-BE49-F238E27FC236}">
-                <a16:creationId xmlns:a16="http://schemas.microsoft.com/office/drawing/2014/main" id="{104D9231-7A4E-7882-21E3-8E42CB8F371A}"/>
-              </a:ext>
-            </a:extLst>
-          </p:cNvPr>
-          <p:cNvSpPr/>
-          <p:nvPr/>
-        </p:nvSpPr>
-        <p:spPr>
-          <a:xfrm>
-            <a:off x="3467665" y="3724557"/>
-            <a:ext cx="1293100" cy="415638"/>
-          </a:xfrm>
-          <a:prstGeom prst="rect">
-            <a:avLst/>
-          </a:prstGeom>
-          <a:solidFill>
-            <a:schemeClr val="bg1"/>
-          </a:solidFill>
-          <a:ln w="38100"/>
-        </p:spPr>
-        <p:style>
-          <a:lnRef idx="2">
-            <a:schemeClr val="accent1">
-              <a:shade val="15000"/>
-            </a:schemeClr>
-          </a:lnRef>
-          <a:fillRef idx="1">
-            <a:schemeClr val="accent1"/>
-          </a:fillRef>
-          <a:effectRef idx="0">
-            <a:schemeClr val="accent1"/>
-          </a:effectRef>
-          <a:fontRef idx="minor">
-            <a:schemeClr val="lt1"/>
-          </a:fontRef>
-        </p:style>
-        <p:txBody>
-          <a:bodyPr rtlCol="0" anchor="ctr"/>
-          <a:lstStyle/>
-          <a:p>
-            <a:r>
-              <a:rPr lang="ko-KR" altLang="en-US">
-                <a:solidFill>
-                  <a:schemeClr val="tx1"/>
-                </a:solidFill>
-              </a:rPr>
-              <a:t>별점</a:t>
-            </a:r>
-            <a:endParaRPr lang="ko-KR" altLang="en-US" dirty="0">
-              <a:solidFill>
-                <a:schemeClr val="tx1"/>
-              </a:solidFill>
-            </a:endParaRPr>
-          </a:p>
-        </p:txBody>
-      </p:sp>
-      <p:sp>
-        <p:nvSpPr>
-          <p:cNvPr id="53" name="직사각형 52">
-            <a:extLst>
-              <a:ext uri="{FF2B5EF4-FFF2-40B4-BE49-F238E27FC236}">
-                <a16:creationId xmlns:a16="http://schemas.microsoft.com/office/drawing/2014/main" id="{FA2494F0-461B-BF03-CF88-A0D670133719}"/>
-              </a:ext>
-            </a:extLst>
-          </p:cNvPr>
-          <p:cNvSpPr/>
-          <p:nvPr/>
-        </p:nvSpPr>
-        <p:spPr>
-          <a:xfrm>
-            <a:off x="3467665" y="4227322"/>
-            <a:ext cx="1293100" cy="415638"/>
-          </a:xfrm>
-          <a:prstGeom prst="rect">
-            <a:avLst/>
-          </a:prstGeom>
-          <a:solidFill>
-            <a:schemeClr val="bg1"/>
-          </a:solidFill>
-          <a:ln w="38100"/>
-        </p:spPr>
-        <p:style>
-          <a:lnRef idx="2">
-            <a:schemeClr val="accent1">
-              <a:shade val="15000"/>
-            </a:schemeClr>
-          </a:lnRef>
-          <a:fillRef idx="1">
-            <a:schemeClr val="accent1"/>
-          </a:fillRef>
-          <a:effectRef idx="0">
-            <a:schemeClr val="accent1"/>
-          </a:effectRef>
-          <a:fontRef idx="minor">
-            <a:schemeClr val="lt1"/>
-          </a:fontRef>
-        </p:style>
-        <p:txBody>
-          <a:bodyPr rtlCol="0" anchor="ctr"/>
-          <a:lstStyle/>
-          <a:p>
-            <a:r>
-              <a:rPr lang="ko-KR" altLang="en-US" dirty="0">
-                <a:solidFill>
-                  <a:schemeClr val="tx1"/>
-                </a:solidFill>
-              </a:rPr>
-              <a:t>개수</a:t>
-            </a:r>
-          </a:p>
-        </p:txBody>
-      </p:sp>
-      <p:sp>
-        <p:nvSpPr>
-          <p:cNvPr id="3" name="직사각형 2">
-            <a:extLst>
-              <a:ext uri="{FF2B5EF4-FFF2-40B4-BE49-F238E27FC236}">
-                <a16:creationId xmlns:a16="http://schemas.microsoft.com/office/drawing/2014/main" id="{5F338313-7BB0-055B-934B-DA61EE9082A7}"/>
-              </a:ext>
-            </a:extLst>
-          </p:cNvPr>
-          <p:cNvSpPr/>
-          <p:nvPr/>
-        </p:nvSpPr>
-        <p:spPr>
-          <a:xfrm>
-            <a:off x="7379846" y="2132520"/>
-            <a:ext cx="1293100" cy="415638"/>
-          </a:xfrm>
-          <a:prstGeom prst="rect">
-            <a:avLst/>
-          </a:prstGeom>
-          <a:solidFill>
-            <a:schemeClr val="bg1"/>
-          </a:solidFill>
-          <a:ln w="38100"/>
-        </p:spPr>
-        <p:style>
-          <a:lnRef idx="2">
-            <a:schemeClr val="accent1">
-              <a:shade val="15000"/>
-            </a:schemeClr>
-          </a:lnRef>
-          <a:fillRef idx="1">
-            <a:schemeClr val="accent1"/>
-          </a:fillRef>
-          <a:effectRef idx="0">
-            <a:schemeClr val="accent1"/>
-          </a:effectRef>
-          <a:fontRef idx="minor">
-            <a:schemeClr val="lt1"/>
-          </a:fontRef>
-        </p:style>
-        <p:txBody>
-          <a:bodyPr rtlCol="0" anchor="ctr"/>
-          <a:lstStyle/>
-          <a:p>
-            <a:r>
-              <a:rPr lang="ko-KR" altLang="en-US" dirty="0">
-                <a:solidFill>
-                  <a:schemeClr val="tx1"/>
-                </a:solidFill>
-              </a:rPr>
-              <a:t>주문일</a:t>
-            </a:r>
-          </a:p>
-        </p:txBody>
-      </p:sp>
-      <p:sp>
-        <p:nvSpPr>
-          <p:cNvPr id="5" name="직사각형 4">
-            <a:extLst>
-              <a:ext uri="{FF2B5EF4-FFF2-40B4-BE49-F238E27FC236}">
-                <a16:creationId xmlns:a16="http://schemas.microsoft.com/office/drawing/2014/main" id="{8F370FFE-A5A7-C402-C77A-31C4049A3189}"/>
-              </a:ext>
-            </a:extLst>
-          </p:cNvPr>
-          <p:cNvSpPr/>
-          <p:nvPr/>
-        </p:nvSpPr>
-        <p:spPr>
-          <a:xfrm>
-            <a:off x="1287888" y="5074842"/>
-            <a:ext cx="7605008" cy="2822786"/>
-          </a:xfrm>
-          <a:prstGeom prst="rect">
-            <a:avLst/>
-          </a:prstGeom>
-          <a:solidFill>
-            <a:schemeClr val="bg1">
-              <a:lumMod val="95000"/>
-            </a:schemeClr>
-          </a:solidFill>
-          <a:ln w="38100"/>
-        </p:spPr>
-        <p:style>
-          <a:lnRef idx="2">
-            <a:schemeClr val="accent1">
-              <a:shade val="15000"/>
-            </a:schemeClr>
-          </a:lnRef>
-          <a:fillRef idx="1">
-            <a:schemeClr val="accent1"/>
-          </a:fillRef>
-          <a:effectRef idx="0">
-            <a:schemeClr val="accent1"/>
-          </a:effectRef>
-          <a:fontRef idx="minor">
-            <a:schemeClr val="lt1"/>
-          </a:fontRef>
-        </p:style>
-        <p:txBody>
-          <a:bodyPr rtlCol="0" anchor="ctr"/>
-          <a:lstStyle/>
-          <a:p>
-            <a:pPr algn="ctr"/>
-            <a:endParaRPr lang="ko-KR" altLang="en-US" dirty="0">
-              <a:solidFill>
-                <a:schemeClr val="tx1"/>
-              </a:solidFill>
-            </a:endParaRPr>
-          </a:p>
-        </p:txBody>
-      </p:sp>
-      <p:sp>
-        <p:nvSpPr>
-          <p:cNvPr id="6" name="직사각형 5">
-            <a:extLst>
-              <a:ext uri="{FF2B5EF4-FFF2-40B4-BE49-F238E27FC236}">
-                <a16:creationId xmlns:a16="http://schemas.microsoft.com/office/drawing/2014/main" id="{728371AE-049A-F313-A6C5-98C9822591C8}"/>
-              </a:ext>
-            </a:extLst>
-          </p:cNvPr>
-          <p:cNvSpPr/>
-          <p:nvPr/>
-        </p:nvSpPr>
-        <p:spPr>
-          <a:xfrm>
-            <a:off x="1440285" y="5720304"/>
-            <a:ext cx="1874983" cy="2048009"/>
-          </a:xfrm>
-          <a:prstGeom prst="rect">
-            <a:avLst/>
-          </a:prstGeom>
-          <a:solidFill>
-            <a:schemeClr val="bg1"/>
-          </a:solidFill>
-          <a:ln w="38100"/>
-        </p:spPr>
-        <p:style>
-          <a:lnRef idx="2">
-            <a:schemeClr val="accent1">
-              <a:shade val="15000"/>
-            </a:schemeClr>
-          </a:lnRef>
-          <a:fillRef idx="1">
-            <a:schemeClr val="accent1"/>
-          </a:fillRef>
-          <a:effectRef idx="0">
-            <a:schemeClr val="accent1"/>
-          </a:effectRef>
-          <a:fontRef idx="minor">
-            <a:schemeClr val="lt1"/>
-          </a:fontRef>
-        </p:style>
-        <p:txBody>
-          <a:bodyPr rtlCol="0" anchor="ctr"/>
-          <a:lstStyle/>
-          <a:p>
-            <a:pPr algn="ctr"/>
-            <a:r>
-              <a:rPr lang="ko-KR" altLang="en-US" dirty="0">
-                <a:solidFill>
-                  <a:schemeClr val="tx1"/>
-                </a:solidFill>
-              </a:rPr>
-              <a:t>이미지</a:t>
-            </a:r>
-          </a:p>
-        </p:txBody>
-      </p:sp>
-      <p:sp>
-        <p:nvSpPr>
-          <p:cNvPr id="7" name="직사각형 6">
-            <a:extLst>
-              <a:ext uri="{FF2B5EF4-FFF2-40B4-BE49-F238E27FC236}">
-                <a16:creationId xmlns:a16="http://schemas.microsoft.com/office/drawing/2014/main" id="{66E57F4B-79CF-803D-C2C3-E091EB0B1804}"/>
-              </a:ext>
-            </a:extLst>
-          </p:cNvPr>
-          <p:cNvSpPr/>
-          <p:nvPr/>
-        </p:nvSpPr>
-        <p:spPr>
-          <a:xfrm>
-            <a:off x="3467665" y="6279027"/>
-            <a:ext cx="1874983" cy="415638"/>
-          </a:xfrm>
-          <a:prstGeom prst="rect">
-            <a:avLst/>
-          </a:prstGeom>
-          <a:solidFill>
-            <a:schemeClr val="bg1"/>
-          </a:solidFill>
-          <a:ln w="38100"/>
-        </p:spPr>
-        <p:style>
-          <a:lnRef idx="2">
-            <a:schemeClr val="accent1">
-              <a:shade val="15000"/>
-            </a:schemeClr>
-          </a:lnRef>
-          <a:fillRef idx="1">
-            <a:schemeClr val="accent1"/>
-          </a:fillRef>
-          <a:effectRef idx="0">
-            <a:schemeClr val="accent1"/>
-          </a:effectRef>
-          <a:fontRef idx="minor">
-            <a:schemeClr val="lt1"/>
-          </a:fontRef>
-        </p:style>
-        <p:txBody>
-          <a:bodyPr rtlCol="0" anchor="ctr"/>
-          <a:lstStyle/>
-          <a:p>
-            <a:r>
-              <a:rPr lang="ko-KR" altLang="en-US">
-                <a:solidFill>
-                  <a:schemeClr val="tx1"/>
-                </a:solidFill>
-              </a:rPr>
-              <a:t>가격</a:t>
-            </a:r>
-            <a:endParaRPr lang="ko-KR" altLang="en-US" dirty="0">
-              <a:solidFill>
-                <a:schemeClr val="tx1"/>
-              </a:solidFill>
-            </a:endParaRPr>
-          </a:p>
-        </p:txBody>
-      </p:sp>
-      <p:sp>
-        <p:nvSpPr>
-          <p:cNvPr id="8" name="직사각형 7">
-            <a:extLst>
-              <a:ext uri="{FF2B5EF4-FFF2-40B4-BE49-F238E27FC236}">
-                <a16:creationId xmlns:a16="http://schemas.microsoft.com/office/drawing/2014/main" id="{DA58F9BC-66D9-1197-A8DC-5761853AB294}"/>
-              </a:ext>
-            </a:extLst>
-          </p:cNvPr>
-          <p:cNvSpPr/>
-          <p:nvPr/>
-        </p:nvSpPr>
-        <p:spPr>
-          <a:xfrm>
-            <a:off x="3478044" y="5720305"/>
-            <a:ext cx="5194902" cy="415638"/>
-          </a:xfrm>
-          <a:prstGeom prst="rect">
-            <a:avLst/>
-          </a:prstGeom>
-          <a:solidFill>
-            <a:schemeClr val="bg1"/>
-          </a:solidFill>
-          <a:ln w="38100"/>
-        </p:spPr>
-        <p:style>
-          <a:lnRef idx="2">
-            <a:schemeClr val="accent1">
-              <a:shade val="15000"/>
-            </a:schemeClr>
-          </a:lnRef>
-          <a:fillRef idx="1">
-            <a:schemeClr val="accent1"/>
-          </a:fillRef>
-          <a:effectRef idx="0">
-            <a:schemeClr val="accent1"/>
-          </a:effectRef>
-          <a:fontRef idx="minor">
-            <a:schemeClr val="lt1"/>
-          </a:fontRef>
-        </p:style>
-        <p:txBody>
-          <a:bodyPr rtlCol="0" anchor="ctr"/>
-          <a:lstStyle/>
-          <a:p>
-            <a:r>
-              <a:rPr lang="ko-KR" altLang="en-US" dirty="0">
-                <a:solidFill>
-                  <a:schemeClr val="tx1"/>
-                </a:solidFill>
-              </a:rPr>
-              <a:t>상품명</a:t>
-            </a:r>
-          </a:p>
-        </p:txBody>
-      </p:sp>
-      <p:sp>
-        <p:nvSpPr>
-          <p:cNvPr id="9" name="직사각형 8">
-            <a:extLst>
-              <a:ext uri="{FF2B5EF4-FFF2-40B4-BE49-F238E27FC236}">
-                <a16:creationId xmlns:a16="http://schemas.microsoft.com/office/drawing/2014/main" id="{99856C90-37EC-9E85-8881-10C4E9A5DAC8}"/>
-              </a:ext>
-            </a:extLst>
-          </p:cNvPr>
-          <p:cNvSpPr/>
-          <p:nvPr/>
-        </p:nvSpPr>
-        <p:spPr>
-          <a:xfrm>
-            <a:off x="3467665" y="6781792"/>
-            <a:ext cx="1293100" cy="415638"/>
-          </a:xfrm>
-          <a:prstGeom prst="rect">
-            <a:avLst/>
-          </a:prstGeom>
-          <a:solidFill>
-            <a:schemeClr val="bg1"/>
-          </a:solidFill>
-          <a:ln w="38100"/>
-        </p:spPr>
-        <p:style>
-          <a:lnRef idx="2">
-            <a:schemeClr val="accent1">
-              <a:shade val="15000"/>
-            </a:schemeClr>
-          </a:lnRef>
-          <a:fillRef idx="1">
-            <a:schemeClr val="accent1"/>
-          </a:fillRef>
-          <a:effectRef idx="0">
-            <a:schemeClr val="accent1"/>
-          </a:effectRef>
-          <a:fontRef idx="minor">
-            <a:schemeClr val="lt1"/>
-          </a:fontRef>
-        </p:style>
-        <p:txBody>
-          <a:bodyPr rtlCol="0" anchor="ctr"/>
-          <a:lstStyle/>
-          <a:p>
-            <a:r>
-              <a:rPr lang="ko-KR" altLang="en-US">
-                <a:solidFill>
-                  <a:schemeClr val="tx1"/>
-                </a:solidFill>
-              </a:rPr>
-              <a:t>별점</a:t>
-            </a:r>
-            <a:endParaRPr lang="ko-KR" altLang="en-US" dirty="0">
-              <a:solidFill>
-                <a:schemeClr val="tx1"/>
-              </a:solidFill>
-            </a:endParaRPr>
-          </a:p>
-        </p:txBody>
-      </p:sp>
-      <p:sp>
-        <p:nvSpPr>
-          <p:cNvPr id="10" name="직사각형 9">
-            <a:extLst>
-              <a:ext uri="{FF2B5EF4-FFF2-40B4-BE49-F238E27FC236}">
-                <a16:creationId xmlns:a16="http://schemas.microsoft.com/office/drawing/2014/main" id="{06390084-AAE9-B448-8263-AC33CF2B6F5A}"/>
-              </a:ext>
-            </a:extLst>
-          </p:cNvPr>
-          <p:cNvSpPr/>
-          <p:nvPr/>
-        </p:nvSpPr>
-        <p:spPr>
-          <a:xfrm>
-            <a:off x="3467665" y="7284557"/>
-            <a:ext cx="1293100" cy="415638"/>
-          </a:xfrm>
-          <a:prstGeom prst="rect">
-            <a:avLst/>
-          </a:prstGeom>
-          <a:solidFill>
-            <a:schemeClr val="bg1"/>
-          </a:solidFill>
-          <a:ln w="38100"/>
-        </p:spPr>
-        <p:style>
-          <a:lnRef idx="2">
-            <a:schemeClr val="accent1">
-              <a:shade val="15000"/>
-            </a:schemeClr>
-          </a:lnRef>
-          <a:fillRef idx="1">
-            <a:schemeClr val="accent1"/>
-          </a:fillRef>
-          <a:effectRef idx="0">
-            <a:schemeClr val="accent1"/>
-          </a:effectRef>
-          <a:fontRef idx="minor">
-            <a:schemeClr val="lt1"/>
-          </a:fontRef>
-        </p:style>
-        <p:txBody>
-          <a:bodyPr rtlCol="0" anchor="ctr"/>
-          <a:lstStyle/>
-          <a:p>
-            <a:r>
-              <a:rPr lang="ko-KR" altLang="en-US" dirty="0">
-                <a:solidFill>
-                  <a:schemeClr val="tx1"/>
-                </a:solidFill>
-              </a:rPr>
-              <a:t>개수</a:t>
-            </a:r>
-          </a:p>
-        </p:txBody>
-      </p:sp>
-      <p:sp>
-        <p:nvSpPr>
-          <p:cNvPr id="11" name="직사각형 10">
-            <a:extLst>
-              <a:ext uri="{FF2B5EF4-FFF2-40B4-BE49-F238E27FC236}">
-                <a16:creationId xmlns:a16="http://schemas.microsoft.com/office/drawing/2014/main" id="{7132A911-53C3-AD0B-2CF9-80F9DD691CD0}"/>
-              </a:ext>
-            </a:extLst>
-          </p:cNvPr>
-          <p:cNvSpPr/>
-          <p:nvPr/>
-        </p:nvSpPr>
-        <p:spPr>
-          <a:xfrm>
-            <a:off x="7379846" y="5189755"/>
-            <a:ext cx="1293100" cy="415638"/>
-          </a:xfrm>
-          <a:prstGeom prst="rect">
-            <a:avLst/>
-          </a:prstGeom>
-          <a:solidFill>
-            <a:schemeClr val="bg1"/>
-          </a:solidFill>
-          <a:ln w="38100"/>
-        </p:spPr>
-        <p:style>
-          <a:lnRef idx="2">
-            <a:schemeClr val="accent1">
-              <a:shade val="15000"/>
-            </a:schemeClr>
-          </a:lnRef>
-          <a:fillRef idx="1">
-            <a:schemeClr val="accent1"/>
-          </a:fillRef>
-          <a:effectRef idx="0">
-            <a:schemeClr val="accent1"/>
-          </a:effectRef>
-          <a:fontRef idx="minor">
-            <a:schemeClr val="lt1"/>
-          </a:fontRef>
-        </p:style>
-        <p:txBody>
-          <a:bodyPr rtlCol="0" anchor="ctr"/>
-          <a:lstStyle/>
-          <a:p>
-            <a:r>
-              <a:rPr lang="ko-KR" altLang="en-US" dirty="0">
-                <a:solidFill>
-                  <a:schemeClr val="tx1"/>
-                </a:solidFill>
-              </a:rPr>
-              <a:t>주문일</a:t>
-            </a:r>
-          </a:p>
-        </p:txBody>
-      </p:sp>
-      <p:sp>
-        <p:nvSpPr>
-          <p:cNvPr id="12" name="직사각형 11">
-            <a:extLst>
-              <a:ext uri="{FF2B5EF4-FFF2-40B4-BE49-F238E27FC236}">
-                <a16:creationId xmlns:a16="http://schemas.microsoft.com/office/drawing/2014/main" id="{9881192B-1C8E-846C-9261-A0A49E37AE7F}"/>
-              </a:ext>
-            </a:extLst>
-          </p:cNvPr>
-          <p:cNvSpPr/>
-          <p:nvPr/>
-        </p:nvSpPr>
-        <p:spPr>
-          <a:xfrm>
-            <a:off x="1449512" y="2111733"/>
-            <a:ext cx="1293100" cy="415638"/>
-          </a:xfrm>
-          <a:prstGeom prst="rect">
-            <a:avLst/>
-          </a:prstGeom>
-          <a:solidFill>
-            <a:schemeClr val="bg1"/>
-          </a:solidFill>
-          <a:ln w="38100"/>
-        </p:spPr>
-        <p:style>
-          <a:lnRef idx="2">
-            <a:schemeClr val="accent1">
-              <a:shade val="15000"/>
-            </a:schemeClr>
-          </a:lnRef>
-          <a:fillRef idx="1">
-            <a:schemeClr val="accent1"/>
-          </a:fillRef>
-          <a:effectRef idx="0">
-            <a:schemeClr val="accent1"/>
-          </a:effectRef>
-          <a:fontRef idx="minor">
-            <a:schemeClr val="lt1"/>
-          </a:fontRef>
-        </p:style>
-        <p:txBody>
-          <a:bodyPr rtlCol="0" anchor="ctr"/>
-          <a:lstStyle/>
-          <a:p>
-            <a:r>
-              <a:rPr lang="ko-KR" altLang="en-US" dirty="0">
-                <a:solidFill>
-                  <a:schemeClr val="tx1"/>
-                </a:solidFill>
-              </a:rPr>
-              <a:t>주문 상태</a:t>
-            </a:r>
-          </a:p>
-        </p:txBody>
-      </p:sp>
-      <p:sp>
-        <p:nvSpPr>
-          <p:cNvPr id="13" name="직사각형 12">
-            <a:extLst>
-              <a:ext uri="{FF2B5EF4-FFF2-40B4-BE49-F238E27FC236}">
-                <a16:creationId xmlns:a16="http://schemas.microsoft.com/office/drawing/2014/main" id="{742FD831-092C-35F2-FC0A-99046DAF96F9}"/>
-              </a:ext>
-            </a:extLst>
-          </p:cNvPr>
-          <p:cNvSpPr/>
-          <p:nvPr/>
-        </p:nvSpPr>
-        <p:spPr>
-          <a:xfrm>
-            <a:off x="1449512" y="5187442"/>
-            <a:ext cx="1293100" cy="415638"/>
-          </a:xfrm>
-          <a:prstGeom prst="rect">
-            <a:avLst/>
-          </a:prstGeom>
-          <a:solidFill>
-            <a:schemeClr val="bg1"/>
-          </a:solidFill>
-          <a:ln w="38100"/>
-        </p:spPr>
-        <p:style>
-          <a:lnRef idx="2">
-            <a:schemeClr val="accent1">
-              <a:shade val="15000"/>
-            </a:schemeClr>
-          </a:lnRef>
-          <a:fillRef idx="1">
-            <a:schemeClr val="accent1"/>
-          </a:fillRef>
-          <a:effectRef idx="0">
-            <a:schemeClr val="accent1"/>
-          </a:effectRef>
-          <a:fontRef idx="minor">
-            <a:schemeClr val="lt1"/>
-          </a:fontRef>
-        </p:style>
-        <p:txBody>
-          <a:bodyPr rtlCol="0" anchor="ctr"/>
-          <a:lstStyle/>
-          <a:p>
-            <a:r>
-              <a:rPr lang="ko-KR" altLang="en-US" dirty="0">
-                <a:solidFill>
-                  <a:schemeClr val="tx1"/>
-                </a:solidFill>
-              </a:rPr>
-              <a:t>주문 상태</a:t>
-            </a:r>
-          </a:p>
-        </p:txBody>
-      </p:sp>
-      <p:sp>
-        <p:nvSpPr>
-          <p:cNvPr id="14" name="직사각형 13">
-            <a:extLst>
-              <a:ext uri="{FF2B5EF4-FFF2-40B4-BE49-F238E27FC236}">
-                <a16:creationId xmlns:a16="http://schemas.microsoft.com/office/drawing/2014/main" id="{CD4DAE2D-C37E-902F-DA60-AC0379A58E5E}"/>
-              </a:ext>
-            </a:extLst>
-          </p:cNvPr>
-          <p:cNvSpPr/>
-          <p:nvPr/>
-        </p:nvSpPr>
-        <p:spPr>
-          <a:xfrm>
-            <a:off x="1228437" y="701964"/>
-            <a:ext cx="8806874" cy="1056409"/>
-          </a:xfrm>
-          <a:prstGeom prst="rect">
-            <a:avLst/>
-          </a:prstGeom>
-          <a:solidFill>
-            <a:schemeClr val="bg2"/>
-          </a:solidFill>
-          <a:ln w="38100"/>
-        </p:spPr>
-        <p:style>
-          <a:lnRef idx="2">
-            <a:schemeClr val="accent1">
-              <a:shade val="15000"/>
-            </a:schemeClr>
-          </a:lnRef>
-          <a:fillRef idx="1">
-            <a:schemeClr val="accent1"/>
-          </a:fillRef>
-          <a:effectRef idx="0">
-            <a:schemeClr val="accent1"/>
-          </a:effectRef>
-          <a:fontRef idx="minor">
-            <a:schemeClr val="lt1"/>
-          </a:fontRef>
-        </p:style>
-        <p:txBody>
-          <a:bodyPr rtlCol="0" anchor="t"/>
-          <a:lstStyle/>
-          <a:p>
-            <a:r>
-              <a:rPr lang="ko-KR" altLang="en-US" dirty="0">
-                <a:solidFill>
-                  <a:schemeClr val="bg1">
-                    <a:lumMod val="50000"/>
-                  </a:schemeClr>
-                </a:solidFill>
-              </a:rPr>
-              <a:t>검색조건</a:t>
-            </a:r>
-          </a:p>
-        </p:txBody>
-      </p:sp>
-      <p:sp>
-        <p:nvSpPr>
-          <p:cNvPr id="15" name="직사각형 14">
-            <a:extLst>
-              <a:ext uri="{FF2B5EF4-FFF2-40B4-BE49-F238E27FC236}">
-                <a16:creationId xmlns:a16="http://schemas.microsoft.com/office/drawing/2014/main" id="{15515E8E-EDA8-E87D-D168-0EDDAF775FDF}"/>
-              </a:ext>
-            </a:extLst>
-          </p:cNvPr>
-          <p:cNvSpPr/>
-          <p:nvPr/>
-        </p:nvSpPr>
-        <p:spPr>
-          <a:xfrm>
-            <a:off x="8657937" y="1173024"/>
-            <a:ext cx="1131455" cy="468717"/>
-          </a:xfrm>
-          <a:prstGeom prst="rect">
-            <a:avLst/>
-          </a:prstGeom>
-          <a:solidFill>
-            <a:schemeClr val="bg1"/>
-          </a:solidFill>
-          <a:ln w="38100"/>
-          <a:scene3d>
-            <a:camera prst="orthographicFront"/>
-            <a:lightRig rig="threePt" dir="t"/>
-          </a:scene3d>
-          <a:sp3d>
-            <a:bevelT prst="angle"/>
-          </a:sp3d>
-        </p:spPr>
-        <p:style>
-          <a:lnRef idx="2">
-            <a:schemeClr val="accent1">
-              <a:shade val="15000"/>
-            </a:schemeClr>
-          </a:lnRef>
-          <a:fillRef idx="1">
-            <a:schemeClr val="accent1"/>
-          </a:fillRef>
-          <a:effectRef idx="0">
-            <a:schemeClr val="accent1"/>
-          </a:effectRef>
-          <a:fontRef idx="minor">
-            <a:schemeClr val="lt1"/>
-          </a:fontRef>
-        </p:style>
-        <p:txBody>
-          <a:bodyPr rtlCol="0" anchor="ctr"/>
-          <a:lstStyle/>
-          <a:p>
-            <a:pPr algn="ctr"/>
-            <a:r>
-              <a:rPr lang="ko-KR" altLang="en-US" dirty="0">
-                <a:solidFill>
-                  <a:schemeClr val="tx1"/>
-                </a:solidFill>
-              </a:rPr>
-              <a:t>검색</a:t>
-            </a:r>
-          </a:p>
-        </p:txBody>
-      </p:sp>
-      <p:sp>
-        <p:nvSpPr>
-          <p:cNvPr id="17" name="직사각형 16">
-            <a:extLst>
-              <a:ext uri="{FF2B5EF4-FFF2-40B4-BE49-F238E27FC236}">
-                <a16:creationId xmlns:a16="http://schemas.microsoft.com/office/drawing/2014/main" id="{44B95C48-01DD-BAEB-BB4B-5AB6C61E866B}"/>
-              </a:ext>
-            </a:extLst>
-          </p:cNvPr>
-          <p:cNvSpPr/>
-          <p:nvPr/>
-        </p:nvSpPr>
-        <p:spPr>
-          <a:xfrm>
-            <a:off x="4029363" y="1256152"/>
-            <a:ext cx="4456543" cy="337177"/>
-          </a:xfrm>
-          <a:prstGeom prst="rect">
-            <a:avLst/>
-          </a:prstGeom>
-          <a:solidFill>
-            <a:schemeClr val="bg1"/>
-          </a:solidFill>
-          <a:ln w="38100"/>
-        </p:spPr>
-        <p:style>
-          <a:lnRef idx="2">
-            <a:schemeClr val="accent1">
-              <a:shade val="15000"/>
-            </a:schemeClr>
-          </a:lnRef>
-          <a:fillRef idx="1">
-            <a:schemeClr val="accent1"/>
-          </a:fillRef>
-          <a:effectRef idx="0">
-            <a:schemeClr val="accent1"/>
-          </a:effectRef>
-          <a:fontRef idx="minor">
-            <a:schemeClr val="lt1"/>
-          </a:fontRef>
-        </p:style>
-        <p:txBody>
-          <a:bodyPr rtlCol="0" anchor="ctr"/>
-          <a:lstStyle/>
-          <a:p>
-            <a:pPr algn="ctr"/>
-            <a:endParaRPr lang="ko-KR" altLang="en-US" dirty="0">
-              <a:solidFill>
-                <a:schemeClr val="tx1"/>
-              </a:solidFill>
-            </a:endParaRPr>
-          </a:p>
-        </p:txBody>
-      </p:sp>
-      <p:sp>
-        <p:nvSpPr>
-          <p:cNvPr id="22" name="직사각형 21">
-            <a:extLst>
-              <a:ext uri="{FF2B5EF4-FFF2-40B4-BE49-F238E27FC236}">
-                <a16:creationId xmlns:a16="http://schemas.microsoft.com/office/drawing/2014/main" id="{9E6D8D2B-DC68-5D4B-E1A8-C43D5BF4D172}"/>
-              </a:ext>
-            </a:extLst>
-          </p:cNvPr>
-          <p:cNvSpPr/>
-          <p:nvPr/>
-        </p:nvSpPr>
-        <p:spPr>
-          <a:xfrm>
-            <a:off x="2669310" y="1200732"/>
-            <a:ext cx="1265384" cy="420253"/>
-          </a:xfrm>
-          <a:prstGeom prst="rect">
-            <a:avLst/>
-          </a:prstGeom>
-          <a:solidFill>
-            <a:schemeClr val="bg1"/>
-          </a:solidFill>
-          <a:ln w="38100"/>
-        </p:spPr>
-        <p:style>
-          <a:lnRef idx="2">
-            <a:schemeClr val="accent1">
-              <a:shade val="15000"/>
-            </a:schemeClr>
-          </a:lnRef>
-          <a:fillRef idx="1">
-            <a:schemeClr val="accent1"/>
-          </a:fillRef>
-          <a:effectRef idx="0">
-            <a:schemeClr val="accent1"/>
-          </a:effectRef>
-          <a:fontRef idx="minor">
-            <a:schemeClr val="lt1"/>
-          </a:fontRef>
-        </p:style>
-        <p:txBody>
-          <a:bodyPr rtlCol="0" anchor="ctr"/>
-          <a:lstStyle/>
-          <a:p>
-            <a:pPr algn="r"/>
-            <a:r>
-              <a:rPr lang="ko-KR" altLang="en-US" sz="1400" dirty="0">
-                <a:solidFill>
-                  <a:schemeClr val="tx1"/>
-                </a:solidFill>
-              </a:rPr>
-              <a:t>상세분류</a:t>
-            </a:r>
-          </a:p>
-        </p:txBody>
-      </p:sp>
-      <p:sp>
-        <p:nvSpPr>
-          <p:cNvPr id="23" name="이등변 삼각형 22">
-            <a:extLst>
-              <a:ext uri="{FF2B5EF4-FFF2-40B4-BE49-F238E27FC236}">
-                <a16:creationId xmlns:a16="http://schemas.microsoft.com/office/drawing/2014/main" id="{0DC5175D-D99B-24F2-3BB9-81439B605D33}"/>
-              </a:ext>
-            </a:extLst>
-          </p:cNvPr>
-          <p:cNvSpPr/>
-          <p:nvPr/>
-        </p:nvSpPr>
-        <p:spPr>
-          <a:xfrm flipV="1">
-            <a:off x="2854038" y="1283808"/>
-            <a:ext cx="286328" cy="260986"/>
-          </a:xfrm>
-          <a:prstGeom prst="triangle">
-            <a:avLst/>
-          </a:prstGeom>
-          <a:solidFill>
-            <a:schemeClr val="tx2"/>
-          </a:solidFill>
-        </p:spPr>
-        <p:style>
-          <a:lnRef idx="2">
-            <a:schemeClr val="accent1">
-              <a:shade val="15000"/>
-            </a:schemeClr>
-          </a:lnRef>
-          <a:fillRef idx="1">
-            <a:schemeClr val="accent1"/>
-          </a:fillRef>
-          <a:effectRef idx="0">
-            <a:schemeClr val="accent1"/>
-          </a:effectRef>
-          <a:fontRef idx="minor">
-            <a:schemeClr val="lt1"/>
-          </a:fontRef>
-        </p:style>
-        <p:txBody>
-          <a:bodyPr rtlCol="0" anchor="ctr"/>
-          <a:lstStyle/>
-          <a:p>
-            <a:pPr algn="ctr"/>
-            <a:endParaRPr lang="ko-KR" altLang="en-US"/>
-          </a:p>
-        </p:txBody>
-      </p:sp>
-      <p:sp>
-        <p:nvSpPr>
-          <p:cNvPr id="24" name="직사각형 23">
-            <a:extLst>
-              <a:ext uri="{FF2B5EF4-FFF2-40B4-BE49-F238E27FC236}">
-                <a16:creationId xmlns:a16="http://schemas.microsoft.com/office/drawing/2014/main" id="{B31E8F4A-4141-9454-89F2-E6618CD01FF4}"/>
-              </a:ext>
-            </a:extLst>
-          </p:cNvPr>
-          <p:cNvSpPr/>
-          <p:nvPr/>
-        </p:nvSpPr>
-        <p:spPr>
-          <a:xfrm>
-            <a:off x="1309257" y="1213466"/>
-            <a:ext cx="1265384" cy="420253"/>
-          </a:xfrm>
-          <a:prstGeom prst="rect">
-            <a:avLst/>
-          </a:prstGeom>
-          <a:solidFill>
-            <a:schemeClr val="bg1"/>
-          </a:solidFill>
-          <a:ln w="38100"/>
-        </p:spPr>
-        <p:style>
-          <a:lnRef idx="2">
-            <a:schemeClr val="accent1">
-              <a:shade val="15000"/>
-            </a:schemeClr>
-          </a:lnRef>
-          <a:fillRef idx="1">
-            <a:schemeClr val="accent1"/>
-          </a:fillRef>
-          <a:effectRef idx="0">
-            <a:schemeClr val="accent1"/>
-          </a:effectRef>
-          <a:fontRef idx="minor">
-            <a:schemeClr val="lt1"/>
-          </a:fontRef>
-        </p:style>
-        <p:txBody>
-          <a:bodyPr rtlCol="0" anchor="ctr"/>
-          <a:lstStyle/>
-          <a:p>
-            <a:pPr algn="r"/>
-            <a:r>
-              <a:rPr lang="ko-KR" altLang="en-US" dirty="0">
-                <a:solidFill>
-                  <a:schemeClr val="tx1"/>
-                </a:solidFill>
-              </a:rPr>
-              <a:t>분류</a:t>
-            </a:r>
-          </a:p>
-        </p:txBody>
-      </p:sp>
-      <p:sp>
-        <p:nvSpPr>
-          <p:cNvPr id="26" name="이등변 삼각형 25">
-            <a:extLst>
-              <a:ext uri="{FF2B5EF4-FFF2-40B4-BE49-F238E27FC236}">
-                <a16:creationId xmlns:a16="http://schemas.microsoft.com/office/drawing/2014/main" id="{89BF5A26-C26E-7EE3-F520-B9ACB50D32D2}"/>
-              </a:ext>
-            </a:extLst>
-          </p:cNvPr>
-          <p:cNvSpPr/>
-          <p:nvPr/>
-        </p:nvSpPr>
-        <p:spPr>
-          <a:xfrm flipV="1">
-            <a:off x="1493985" y="1296542"/>
-            <a:ext cx="286328" cy="260986"/>
-          </a:xfrm>
-          <a:prstGeom prst="triangle">
-            <a:avLst/>
-          </a:prstGeom>
-          <a:solidFill>
-            <a:schemeClr val="tx2"/>
-          </a:solidFill>
-        </p:spPr>
-        <p:style>
-          <a:lnRef idx="2">
-            <a:schemeClr val="accent1">
-              <a:shade val="15000"/>
-            </a:schemeClr>
-          </a:lnRef>
-          <a:fillRef idx="1">
-            <a:schemeClr val="accent1"/>
-          </a:fillRef>
-          <a:effectRef idx="0">
-            <a:schemeClr val="accent1"/>
-          </a:effectRef>
-          <a:fontRef idx="minor">
-            <a:schemeClr val="lt1"/>
-          </a:fontRef>
-        </p:style>
-        <p:txBody>
-          <a:bodyPr rtlCol="0" anchor="ctr"/>
-          <a:lstStyle/>
-          <a:p>
-            <a:pPr algn="ctr"/>
-            <a:endParaRPr lang="ko-KR" altLang="en-US"/>
-          </a:p>
-        </p:txBody>
-      </p:sp>
-      <p:sp>
-        <p:nvSpPr>
-          <p:cNvPr id="28" name="직사각형 27">
-            <a:extLst>
-              <a:ext uri="{FF2B5EF4-FFF2-40B4-BE49-F238E27FC236}">
-                <a16:creationId xmlns:a16="http://schemas.microsoft.com/office/drawing/2014/main" id="{34040151-ACBB-D046-8931-13FDE0200119}"/>
-              </a:ext>
-            </a:extLst>
-          </p:cNvPr>
-          <p:cNvSpPr/>
-          <p:nvPr/>
-        </p:nvSpPr>
-        <p:spPr>
-          <a:xfrm>
-            <a:off x="7526482" y="4227322"/>
-            <a:ext cx="1131455" cy="468717"/>
-          </a:xfrm>
-          <a:prstGeom prst="rect">
-            <a:avLst/>
-          </a:prstGeom>
-          <a:solidFill>
-            <a:schemeClr val="bg1"/>
-          </a:solidFill>
-          <a:ln w="38100"/>
-          <a:scene3d>
-            <a:camera prst="orthographicFront"/>
-            <a:lightRig rig="threePt" dir="t"/>
-          </a:scene3d>
-          <a:sp3d>
-            <a:bevelT prst="angle"/>
-          </a:sp3d>
-        </p:spPr>
-        <p:style>
-          <a:lnRef idx="2">
-            <a:schemeClr val="accent1">
-              <a:shade val="15000"/>
-            </a:schemeClr>
-          </a:lnRef>
-          <a:fillRef idx="1">
-            <a:schemeClr val="accent1"/>
-          </a:fillRef>
-          <a:effectRef idx="0">
-            <a:schemeClr val="accent1"/>
-          </a:effectRef>
-          <a:fontRef idx="minor">
-            <a:schemeClr val="lt1"/>
-          </a:fontRef>
-        </p:style>
-        <p:txBody>
-          <a:bodyPr rtlCol="0" anchor="ctr"/>
-          <a:lstStyle/>
-          <a:p>
-            <a:pPr algn="ctr"/>
-            <a:r>
-              <a:rPr lang="ko-KR" altLang="en-US" dirty="0">
-                <a:solidFill>
-                  <a:schemeClr val="tx1"/>
-                </a:solidFill>
-              </a:rPr>
-              <a:t>주문취소</a:t>
-            </a:r>
-          </a:p>
-        </p:txBody>
-      </p:sp>
-      <p:sp>
-        <p:nvSpPr>
-          <p:cNvPr id="4" name="직사각형 3">
-            <a:extLst>
-              <a:ext uri="{FF2B5EF4-FFF2-40B4-BE49-F238E27FC236}">
-                <a16:creationId xmlns:a16="http://schemas.microsoft.com/office/drawing/2014/main" id="{6BE5B80F-6674-8CCB-F8A5-5812966ADB99}"/>
-              </a:ext>
-            </a:extLst>
-          </p:cNvPr>
-          <p:cNvSpPr/>
-          <p:nvPr/>
-        </p:nvSpPr>
-        <p:spPr>
-          <a:xfrm>
-            <a:off x="9328738" y="5099627"/>
-            <a:ext cx="1847262" cy="1328881"/>
-          </a:xfrm>
-          <a:prstGeom prst="rect">
-            <a:avLst/>
-          </a:prstGeom>
-          <a:solidFill>
-            <a:schemeClr val="bg1"/>
-          </a:solidFill>
-          <a:ln w="38100">
-            <a:solidFill>
-              <a:schemeClr val="tx1"/>
-            </a:solidFill>
-          </a:ln>
-        </p:spPr>
-        <p:style>
-          <a:lnRef idx="2">
-            <a:schemeClr val="accent1">
-              <a:shade val="15000"/>
-            </a:schemeClr>
-          </a:lnRef>
-          <a:fillRef idx="1">
-            <a:schemeClr val="accent1"/>
-          </a:fillRef>
-          <a:effectRef idx="0">
-            <a:schemeClr val="accent1"/>
-          </a:effectRef>
-          <a:fontRef idx="minor">
-            <a:schemeClr val="lt1"/>
-          </a:fontRef>
-        </p:style>
-        <p:txBody>
-          <a:bodyPr rtlCol="0" anchor="ctr"/>
-          <a:lstStyle/>
-          <a:p>
-            <a:r>
-              <a:rPr lang="en-US" altLang="ko-KR" dirty="0">
-                <a:solidFill>
-                  <a:srgbClr val="FF0000"/>
-                </a:solidFill>
-              </a:rPr>
-              <a:t>* </a:t>
-            </a:r>
-            <a:r>
-              <a:rPr lang="ko-KR" altLang="en-US" dirty="0">
-                <a:solidFill>
-                  <a:srgbClr val="FF0000"/>
-                </a:solidFill>
-              </a:rPr>
-              <a:t>주문 상태</a:t>
-            </a:r>
-            <a:endParaRPr lang="en-US" altLang="ko-KR" dirty="0">
-              <a:solidFill>
-                <a:srgbClr val="FF0000"/>
-              </a:solidFill>
-            </a:endParaRPr>
-          </a:p>
-          <a:p>
-            <a:pPr marL="285750" indent="-285750">
-              <a:buFontTx/>
-              <a:buChar char="-"/>
-            </a:pPr>
-            <a:r>
-              <a:rPr lang="ko-KR" altLang="en-US" dirty="0">
-                <a:solidFill>
-                  <a:srgbClr val="FF0000"/>
-                </a:solidFill>
-              </a:rPr>
-              <a:t>구매요청</a:t>
-            </a:r>
-            <a:endParaRPr lang="en-US" altLang="ko-KR" dirty="0">
-              <a:solidFill>
-                <a:srgbClr val="FF0000"/>
-              </a:solidFill>
-            </a:endParaRPr>
-          </a:p>
-          <a:p>
-            <a:pPr marL="285750" indent="-285750">
-              <a:buFontTx/>
-              <a:buChar char="-"/>
-            </a:pPr>
-            <a:r>
-              <a:rPr lang="ko-KR" altLang="en-US" dirty="0">
-                <a:solidFill>
-                  <a:srgbClr val="FF0000"/>
-                </a:solidFill>
-              </a:rPr>
-              <a:t>배송완료</a:t>
-            </a:r>
-            <a:endParaRPr lang="en-US" altLang="ko-KR" dirty="0">
-              <a:solidFill>
-                <a:srgbClr val="FF0000"/>
-              </a:solidFill>
-            </a:endParaRPr>
-          </a:p>
-          <a:p>
-            <a:pPr marL="285750" indent="-285750">
-              <a:buFontTx/>
-              <a:buChar char="-"/>
-            </a:pPr>
-            <a:r>
-              <a:rPr lang="ko-KR" altLang="en-US" dirty="0">
-                <a:solidFill>
-                  <a:srgbClr val="FF0000"/>
-                </a:solidFill>
-              </a:rPr>
-              <a:t>구매완료</a:t>
-            </a:r>
-          </a:p>
-        </p:txBody>
-      </p:sp>
-    </p:spTree>
-    <p:extLst>
-      <p:ext uri="{BB962C8B-B14F-4D97-AF65-F5344CB8AC3E}">
-        <p14:creationId xmlns:p14="http://schemas.microsoft.com/office/powerpoint/2010/main" val="2157026472"/>
       </p:ext>
     </p:extLst>
   </p:cSld>

--- a/산출물/화면정의서/MiniPX_화면정의서_V0.3.pptx
+++ b/산출물/화면정의서/MiniPX_화면정의서_V0.3.pptx
@@ -8,17 +8,18 @@
     <p:sldId id="270" r:id="rId2"/>
     <p:sldId id="273" r:id="rId3"/>
     <p:sldId id="272" r:id="rId4"/>
-    <p:sldId id="256" r:id="rId5"/>
-    <p:sldId id="271" r:id="rId6"/>
-    <p:sldId id="259" r:id="rId7"/>
-    <p:sldId id="257" r:id="rId8"/>
-    <p:sldId id="265" r:id="rId9"/>
-    <p:sldId id="266" r:id="rId10"/>
-    <p:sldId id="267" r:id="rId11"/>
-    <p:sldId id="268" r:id="rId12"/>
-    <p:sldId id="269" r:id="rId13"/>
-    <p:sldId id="258" r:id="rId14"/>
-    <p:sldId id="264" r:id="rId15"/>
+    <p:sldId id="274" r:id="rId5"/>
+    <p:sldId id="256" r:id="rId6"/>
+    <p:sldId id="271" r:id="rId7"/>
+    <p:sldId id="259" r:id="rId8"/>
+    <p:sldId id="257" r:id="rId9"/>
+    <p:sldId id="265" r:id="rId10"/>
+    <p:sldId id="266" r:id="rId11"/>
+    <p:sldId id="267" r:id="rId12"/>
+    <p:sldId id="268" r:id="rId13"/>
+    <p:sldId id="269" r:id="rId14"/>
+    <p:sldId id="258" r:id="rId15"/>
+    <p:sldId id="264" r:id="rId16"/>
   </p:sldIdLst>
   <p:sldSz cx="12192000" cy="6858000"/>
   <p:notesSz cx="6858000" cy="9144000"/>
@@ -129,6 +130,7 @@
           <p14:sldIdLst>
             <p14:sldId id="273"/>
             <p14:sldId id="272"/>
+            <p14:sldId id="274"/>
           </p14:sldIdLst>
         </p14:section>
         <p14:section name="회원" id="{BA4427AC-7935-4AEF-B862-54DD0BF7AD6E}">
@@ -310,7 +312,7 @@
           <a:p>
             <a:fld id="{5A8CCF48-291D-46DA-8E01-556C5C8E605F}" type="datetimeFigureOut">
               <a:rPr lang="ko-KR" altLang="en-US" smtClean="0"/>
-              <a:t>2025-06-18</a:t>
+              <a:t>2025-07-11</a:t>
             </a:fld>
             <a:endParaRPr lang="ko-KR" altLang="en-US"/>
           </a:p>
@@ -508,7 +510,7 @@
           <a:p>
             <a:fld id="{5A8CCF48-291D-46DA-8E01-556C5C8E605F}" type="datetimeFigureOut">
               <a:rPr lang="ko-KR" altLang="en-US" smtClean="0"/>
-              <a:t>2025-06-18</a:t>
+              <a:t>2025-07-11</a:t>
             </a:fld>
             <a:endParaRPr lang="ko-KR" altLang="en-US"/>
           </a:p>
@@ -716,7 +718,7 @@
           <a:p>
             <a:fld id="{5A8CCF48-291D-46DA-8E01-556C5C8E605F}" type="datetimeFigureOut">
               <a:rPr lang="ko-KR" altLang="en-US" smtClean="0"/>
-              <a:t>2025-06-18</a:t>
+              <a:t>2025-07-11</a:t>
             </a:fld>
             <a:endParaRPr lang="ko-KR" altLang="en-US"/>
           </a:p>
@@ -914,7 +916,7 @@
           <a:p>
             <a:fld id="{5A8CCF48-291D-46DA-8E01-556C5C8E605F}" type="datetimeFigureOut">
               <a:rPr lang="ko-KR" altLang="en-US" smtClean="0"/>
-              <a:t>2025-06-18</a:t>
+              <a:t>2025-07-11</a:t>
             </a:fld>
             <a:endParaRPr lang="ko-KR" altLang="en-US"/>
           </a:p>
@@ -1189,7 +1191,7 @@
           <a:p>
             <a:fld id="{5A8CCF48-291D-46DA-8E01-556C5C8E605F}" type="datetimeFigureOut">
               <a:rPr lang="ko-KR" altLang="en-US" smtClean="0"/>
-              <a:t>2025-06-18</a:t>
+              <a:t>2025-07-11</a:t>
             </a:fld>
             <a:endParaRPr lang="ko-KR" altLang="en-US"/>
           </a:p>
@@ -1454,7 +1456,7 @@
           <a:p>
             <a:fld id="{5A8CCF48-291D-46DA-8E01-556C5C8E605F}" type="datetimeFigureOut">
               <a:rPr lang="ko-KR" altLang="en-US" smtClean="0"/>
-              <a:t>2025-06-18</a:t>
+              <a:t>2025-07-11</a:t>
             </a:fld>
             <a:endParaRPr lang="ko-KR" altLang="en-US"/>
           </a:p>
@@ -1866,7 +1868,7 @@
           <a:p>
             <a:fld id="{5A8CCF48-291D-46DA-8E01-556C5C8E605F}" type="datetimeFigureOut">
               <a:rPr lang="ko-KR" altLang="en-US" smtClean="0"/>
-              <a:t>2025-06-18</a:t>
+              <a:t>2025-07-11</a:t>
             </a:fld>
             <a:endParaRPr lang="ko-KR" altLang="en-US"/>
           </a:p>
@@ -2007,7 +2009,7 @@
           <a:p>
             <a:fld id="{5A8CCF48-291D-46DA-8E01-556C5C8E605F}" type="datetimeFigureOut">
               <a:rPr lang="ko-KR" altLang="en-US" smtClean="0"/>
-              <a:t>2025-06-18</a:t>
+              <a:t>2025-07-11</a:t>
             </a:fld>
             <a:endParaRPr lang="ko-KR" altLang="en-US"/>
           </a:p>
@@ -2120,7 +2122,7 @@
           <a:p>
             <a:fld id="{5A8CCF48-291D-46DA-8E01-556C5C8E605F}" type="datetimeFigureOut">
               <a:rPr lang="ko-KR" altLang="en-US" smtClean="0"/>
-              <a:t>2025-06-18</a:t>
+              <a:t>2025-07-11</a:t>
             </a:fld>
             <a:endParaRPr lang="ko-KR" altLang="en-US"/>
           </a:p>
@@ -2431,7 +2433,7 @@
           <a:p>
             <a:fld id="{5A8CCF48-291D-46DA-8E01-556C5C8E605F}" type="datetimeFigureOut">
               <a:rPr lang="ko-KR" altLang="en-US" smtClean="0"/>
-              <a:t>2025-06-18</a:t>
+              <a:t>2025-07-11</a:t>
             </a:fld>
             <a:endParaRPr lang="ko-KR" altLang="en-US"/>
           </a:p>
@@ -2719,7 +2721,7 @@
           <a:p>
             <a:fld id="{5A8CCF48-291D-46DA-8E01-556C5C8E605F}" type="datetimeFigureOut">
               <a:rPr lang="ko-KR" altLang="en-US" smtClean="0"/>
-              <a:t>2025-06-18</a:t>
+              <a:t>2025-07-11</a:t>
             </a:fld>
             <a:endParaRPr lang="ko-KR" altLang="en-US"/>
           </a:p>
@@ -2960,7 +2962,7 @@
           <a:p>
             <a:fld id="{5A8CCF48-291D-46DA-8E01-556C5C8E605F}" type="datetimeFigureOut">
               <a:rPr lang="ko-KR" altLang="en-US" smtClean="0"/>
-              <a:t>2025-06-18</a:t>
+              <a:t>2025-07-11</a:t>
             </a:fld>
             <a:endParaRPr lang="ko-KR" altLang="en-US"/>
           </a:p>
@@ -5050,6 +5052,1193 @@
                   </a:schemeClr>
                 </a:solidFill>
               </a:rPr>
+              <a:t>장바구니 </a:t>
+            </a:r>
+            <a:r>
+              <a:rPr lang="en-US" altLang="ko-KR" sz="2400" dirty="0">
+                <a:solidFill>
+                  <a:schemeClr val="bg1">
+                    <a:lumMod val="50000"/>
+                  </a:schemeClr>
+                </a:solidFill>
+              </a:rPr>
+              <a:t>– </a:t>
+            </a:r>
+            <a:r>
+              <a:rPr lang="ko-KR" altLang="en-US" sz="2400" dirty="0">
+                <a:solidFill>
+                  <a:schemeClr val="bg1">
+                    <a:lumMod val="50000"/>
+                  </a:schemeClr>
+                </a:solidFill>
+              </a:rPr>
+              <a:t>목록 조회</a:t>
+            </a:r>
+            <a:endParaRPr lang="en-US" altLang="ko-KR" sz="2400" dirty="0">
+              <a:solidFill>
+                <a:schemeClr val="bg1">
+                  <a:lumMod val="50000"/>
+                </a:schemeClr>
+              </a:solidFill>
+            </a:endParaRPr>
+          </a:p>
+        </p:txBody>
+      </p:sp>
+      <p:pic>
+        <p:nvPicPr>
+          <p:cNvPr id="4" name="그림 3">
+            <a:extLst>
+              <a:ext uri="{FF2B5EF4-FFF2-40B4-BE49-F238E27FC236}">
+                <a16:creationId xmlns:a16="http://schemas.microsoft.com/office/drawing/2014/main" id="{CF08235D-6DCD-94FF-89C3-3B3E3321439D}"/>
+              </a:ext>
+            </a:extLst>
+          </p:cNvPr>
+          <p:cNvPicPr>
+            <a:picLocks noChangeAspect="1"/>
+          </p:cNvPicPr>
+          <p:nvPr/>
+        </p:nvPicPr>
+        <p:blipFill>
+          <a:blip r:embed="rId2"/>
+          <a:stretch>
+            <a:fillRect/>
+          </a:stretch>
+        </p:blipFill>
+        <p:spPr>
+          <a:xfrm>
+            <a:off x="8804188" y="3269673"/>
+            <a:ext cx="4080538" cy="2924385"/>
+          </a:xfrm>
+          <a:prstGeom prst="rect">
+            <a:avLst/>
+          </a:prstGeom>
+          <a:solidFill>
+            <a:srgbClr val="FFFFFF">
+              <a:shade val="85000"/>
+            </a:srgbClr>
+          </a:solidFill>
+          <a:ln w="88900" cap="sq">
+            <a:solidFill>
+              <a:srgbClr val="FFFFFF"/>
+            </a:solidFill>
+            <a:miter lim="800000"/>
+          </a:ln>
+          <a:effectLst>
+            <a:outerShdw blurRad="55000" dist="18000" dir="5400000" algn="tl" rotWithShape="0">
+              <a:srgbClr val="000000">
+                <a:alpha val="40000"/>
+              </a:srgbClr>
+            </a:outerShdw>
+          </a:effectLst>
+          <a:scene3d>
+            <a:camera prst="orthographicFront"/>
+            <a:lightRig rig="twoPt" dir="t">
+              <a:rot lat="0" lon="0" rev="7200000"/>
+            </a:lightRig>
+          </a:scene3d>
+          <a:sp3d>
+            <a:bevelT w="25400" h="19050"/>
+            <a:contourClr>
+              <a:srgbClr val="FFFFFF"/>
+            </a:contourClr>
+          </a:sp3d>
+        </p:spPr>
+      </p:pic>
+      <p:sp>
+        <p:nvSpPr>
+          <p:cNvPr id="16" name="직사각형 15">
+            <a:extLst>
+              <a:ext uri="{FF2B5EF4-FFF2-40B4-BE49-F238E27FC236}">
+                <a16:creationId xmlns:a16="http://schemas.microsoft.com/office/drawing/2014/main" id="{5A735EAB-4134-A72D-E9E0-92982334134E}"/>
+              </a:ext>
+            </a:extLst>
+          </p:cNvPr>
+          <p:cNvSpPr/>
+          <p:nvPr/>
+        </p:nvSpPr>
+        <p:spPr>
+          <a:xfrm>
+            <a:off x="480291" y="834814"/>
+            <a:ext cx="7941550" cy="2434859"/>
+          </a:xfrm>
+          <a:prstGeom prst="rect">
+            <a:avLst/>
+          </a:prstGeom>
+          <a:solidFill>
+            <a:schemeClr val="bg1">
+              <a:lumMod val="95000"/>
+            </a:schemeClr>
+          </a:solidFill>
+          <a:ln w="38100"/>
+        </p:spPr>
+        <p:style>
+          <a:lnRef idx="2">
+            <a:schemeClr val="accent1">
+              <a:shade val="15000"/>
+            </a:schemeClr>
+          </a:lnRef>
+          <a:fillRef idx="1">
+            <a:schemeClr val="accent1"/>
+          </a:fillRef>
+          <a:effectRef idx="0">
+            <a:schemeClr val="accent1"/>
+          </a:effectRef>
+          <a:fontRef idx="minor">
+            <a:schemeClr val="lt1"/>
+          </a:fontRef>
+        </p:style>
+        <p:txBody>
+          <a:bodyPr rtlCol="0" anchor="ctr"/>
+          <a:lstStyle/>
+          <a:p>
+            <a:pPr algn="ctr"/>
+            <a:endParaRPr lang="ko-KR" altLang="en-US" dirty="0">
+              <a:solidFill>
+                <a:schemeClr val="tx1"/>
+              </a:solidFill>
+            </a:endParaRPr>
+          </a:p>
+        </p:txBody>
+      </p:sp>
+      <p:sp>
+        <p:nvSpPr>
+          <p:cNvPr id="18" name="직사각형 17">
+            <a:extLst>
+              <a:ext uri="{FF2B5EF4-FFF2-40B4-BE49-F238E27FC236}">
+                <a16:creationId xmlns:a16="http://schemas.microsoft.com/office/drawing/2014/main" id="{50F358CC-B5E8-0169-D96C-DC0F6947422D}"/>
+              </a:ext>
+            </a:extLst>
+          </p:cNvPr>
+          <p:cNvSpPr/>
+          <p:nvPr/>
+        </p:nvSpPr>
+        <p:spPr>
+          <a:xfrm>
+            <a:off x="969230" y="1036935"/>
+            <a:ext cx="1874983" cy="2048009"/>
+          </a:xfrm>
+          <a:prstGeom prst="rect">
+            <a:avLst/>
+          </a:prstGeom>
+          <a:solidFill>
+            <a:schemeClr val="bg1"/>
+          </a:solidFill>
+          <a:ln w="38100"/>
+        </p:spPr>
+        <p:style>
+          <a:lnRef idx="2">
+            <a:schemeClr val="accent1">
+              <a:shade val="15000"/>
+            </a:schemeClr>
+          </a:lnRef>
+          <a:fillRef idx="1">
+            <a:schemeClr val="accent1"/>
+          </a:fillRef>
+          <a:effectRef idx="0">
+            <a:schemeClr val="accent1"/>
+          </a:effectRef>
+          <a:fontRef idx="minor">
+            <a:schemeClr val="lt1"/>
+          </a:fontRef>
+        </p:style>
+        <p:txBody>
+          <a:bodyPr rtlCol="0" anchor="ctr"/>
+          <a:lstStyle/>
+          <a:p>
+            <a:pPr algn="ctr"/>
+            <a:r>
+              <a:rPr lang="ko-KR" altLang="en-US" dirty="0">
+                <a:solidFill>
+                  <a:schemeClr val="tx1"/>
+                </a:solidFill>
+              </a:rPr>
+              <a:t>이미지</a:t>
+            </a:r>
+          </a:p>
+        </p:txBody>
+      </p:sp>
+      <p:sp>
+        <p:nvSpPr>
+          <p:cNvPr id="19" name="직사각형 18">
+            <a:extLst>
+              <a:ext uri="{FF2B5EF4-FFF2-40B4-BE49-F238E27FC236}">
+                <a16:creationId xmlns:a16="http://schemas.microsoft.com/office/drawing/2014/main" id="{F9F44726-7A57-96CE-769E-BC48CCE9519C}"/>
+              </a:ext>
+            </a:extLst>
+          </p:cNvPr>
+          <p:cNvSpPr/>
+          <p:nvPr/>
+        </p:nvSpPr>
+        <p:spPr>
+          <a:xfrm>
+            <a:off x="2996610" y="1595658"/>
+            <a:ext cx="1874983" cy="415638"/>
+          </a:xfrm>
+          <a:prstGeom prst="rect">
+            <a:avLst/>
+          </a:prstGeom>
+          <a:solidFill>
+            <a:schemeClr val="bg1"/>
+          </a:solidFill>
+          <a:ln w="38100"/>
+        </p:spPr>
+        <p:style>
+          <a:lnRef idx="2">
+            <a:schemeClr val="accent1">
+              <a:shade val="15000"/>
+            </a:schemeClr>
+          </a:lnRef>
+          <a:fillRef idx="1">
+            <a:schemeClr val="accent1"/>
+          </a:fillRef>
+          <a:effectRef idx="0">
+            <a:schemeClr val="accent1"/>
+          </a:effectRef>
+          <a:fontRef idx="minor">
+            <a:schemeClr val="lt1"/>
+          </a:fontRef>
+        </p:style>
+        <p:txBody>
+          <a:bodyPr rtlCol="0" anchor="ctr"/>
+          <a:lstStyle/>
+          <a:p>
+            <a:r>
+              <a:rPr lang="ko-KR" altLang="en-US">
+                <a:solidFill>
+                  <a:schemeClr val="tx1"/>
+                </a:solidFill>
+              </a:rPr>
+              <a:t>가격</a:t>
+            </a:r>
+            <a:endParaRPr lang="ko-KR" altLang="en-US" dirty="0">
+              <a:solidFill>
+                <a:schemeClr val="tx1"/>
+              </a:solidFill>
+            </a:endParaRPr>
+          </a:p>
+        </p:txBody>
+      </p:sp>
+      <p:sp>
+        <p:nvSpPr>
+          <p:cNvPr id="20" name="직사각형 19">
+            <a:extLst>
+              <a:ext uri="{FF2B5EF4-FFF2-40B4-BE49-F238E27FC236}">
+                <a16:creationId xmlns:a16="http://schemas.microsoft.com/office/drawing/2014/main" id="{945479C1-2E37-45B7-7EBD-6EB209BA989D}"/>
+              </a:ext>
+            </a:extLst>
+          </p:cNvPr>
+          <p:cNvSpPr/>
+          <p:nvPr/>
+        </p:nvSpPr>
+        <p:spPr>
+          <a:xfrm>
+            <a:off x="3006989" y="1036936"/>
+            <a:ext cx="5194902" cy="415638"/>
+          </a:xfrm>
+          <a:prstGeom prst="rect">
+            <a:avLst/>
+          </a:prstGeom>
+          <a:solidFill>
+            <a:schemeClr val="bg1"/>
+          </a:solidFill>
+          <a:ln w="38100"/>
+        </p:spPr>
+        <p:style>
+          <a:lnRef idx="2">
+            <a:schemeClr val="accent1">
+              <a:shade val="15000"/>
+            </a:schemeClr>
+          </a:lnRef>
+          <a:fillRef idx="1">
+            <a:schemeClr val="accent1"/>
+          </a:fillRef>
+          <a:effectRef idx="0">
+            <a:schemeClr val="accent1"/>
+          </a:effectRef>
+          <a:fontRef idx="minor">
+            <a:schemeClr val="lt1"/>
+          </a:fontRef>
+        </p:style>
+        <p:txBody>
+          <a:bodyPr rtlCol="0" anchor="ctr"/>
+          <a:lstStyle/>
+          <a:p>
+            <a:r>
+              <a:rPr lang="ko-KR" altLang="en-US" dirty="0">
+                <a:solidFill>
+                  <a:schemeClr val="tx1"/>
+                </a:solidFill>
+              </a:rPr>
+              <a:t>상품명</a:t>
+            </a:r>
+          </a:p>
+        </p:txBody>
+      </p:sp>
+      <p:sp>
+        <p:nvSpPr>
+          <p:cNvPr id="25" name="직사각형 24">
+            <a:extLst>
+              <a:ext uri="{FF2B5EF4-FFF2-40B4-BE49-F238E27FC236}">
+                <a16:creationId xmlns:a16="http://schemas.microsoft.com/office/drawing/2014/main" id="{34BE3B22-D8B6-0B88-5C6B-E7D25CAA9CAB}"/>
+              </a:ext>
+            </a:extLst>
+          </p:cNvPr>
+          <p:cNvSpPr/>
+          <p:nvPr/>
+        </p:nvSpPr>
+        <p:spPr>
+          <a:xfrm>
+            <a:off x="9199417" y="877455"/>
+            <a:ext cx="2147455" cy="1294304"/>
+          </a:xfrm>
+          <a:prstGeom prst="rect">
+            <a:avLst/>
+          </a:prstGeom>
+          <a:solidFill>
+            <a:schemeClr val="bg1">
+              <a:lumMod val="95000"/>
+            </a:schemeClr>
+          </a:solidFill>
+          <a:ln w="38100"/>
+        </p:spPr>
+        <p:style>
+          <a:lnRef idx="2">
+            <a:schemeClr val="accent1">
+              <a:shade val="15000"/>
+            </a:schemeClr>
+          </a:lnRef>
+          <a:fillRef idx="1">
+            <a:schemeClr val="accent1"/>
+          </a:fillRef>
+          <a:effectRef idx="0">
+            <a:schemeClr val="accent1"/>
+          </a:effectRef>
+          <a:fontRef idx="minor">
+            <a:schemeClr val="lt1"/>
+          </a:fontRef>
+        </p:style>
+        <p:txBody>
+          <a:bodyPr rtlCol="0" anchor="ctr"/>
+          <a:lstStyle/>
+          <a:p>
+            <a:pPr algn="ctr"/>
+            <a:endParaRPr lang="ko-KR" altLang="en-US" dirty="0">
+              <a:solidFill>
+                <a:schemeClr val="tx1"/>
+              </a:solidFill>
+            </a:endParaRPr>
+          </a:p>
+        </p:txBody>
+      </p:sp>
+      <p:sp>
+        <p:nvSpPr>
+          <p:cNvPr id="27" name="직사각형 26">
+            <a:extLst>
+              <a:ext uri="{FF2B5EF4-FFF2-40B4-BE49-F238E27FC236}">
+                <a16:creationId xmlns:a16="http://schemas.microsoft.com/office/drawing/2014/main" id="{B2C7F8E6-7DF5-9665-B634-A7BF340ACA51}"/>
+              </a:ext>
+            </a:extLst>
+          </p:cNvPr>
+          <p:cNvSpPr/>
+          <p:nvPr/>
+        </p:nvSpPr>
+        <p:spPr>
+          <a:xfrm>
+            <a:off x="9356435" y="1110628"/>
+            <a:ext cx="1874983" cy="415638"/>
+          </a:xfrm>
+          <a:prstGeom prst="rect">
+            <a:avLst/>
+          </a:prstGeom>
+          <a:solidFill>
+            <a:schemeClr val="bg1"/>
+          </a:solidFill>
+          <a:ln w="38100"/>
+        </p:spPr>
+        <p:style>
+          <a:lnRef idx="2">
+            <a:schemeClr val="accent1">
+              <a:shade val="15000"/>
+            </a:schemeClr>
+          </a:lnRef>
+          <a:fillRef idx="1">
+            <a:schemeClr val="accent1"/>
+          </a:fillRef>
+          <a:effectRef idx="0">
+            <a:schemeClr val="accent1"/>
+          </a:effectRef>
+          <a:fontRef idx="minor">
+            <a:schemeClr val="lt1"/>
+          </a:fontRef>
+        </p:style>
+        <p:txBody>
+          <a:bodyPr rtlCol="0" anchor="ctr"/>
+          <a:lstStyle/>
+          <a:p>
+            <a:r>
+              <a:rPr lang="ko-KR" altLang="en-US" dirty="0">
+                <a:solidFill>
+                  <a:schemeClr val="tx1"/>
+                </a:solidFill>
+              </a:rPr>
+              <a:t>총액</a:t>
+            </a:r>
+          </a:p>
+        </p:txBody>
+      </p:sp>
+      <p:sp>
+        <p:nvSpPr>
+          <p:cNvPr id="31" name="직사각형 30">
+            <a:extLst>
+              <a:ext uri="{FF2B5EF4-FFF2-40B4-BE49-F238E27FC236}">
+                <a16:creationId xmlns:a16="http://schemas.microsoft.com/office/drawing/2014/main" id="{D9189367-B4E8-AC9E-8714-0A8000E5E860}"/>
+              </a:ext>
+            </a:extLst>
+          </p:cNvPr>
+          <p:cNvSpPr/>
+          <p:nvPr/>
+        </p:nvSpPr>
+        <p:spPr>
+          <a:xfrm>
+            <a:off x="10005290" y="1698142"/>
+            <a:ext cx="1226127" cy="317650"/>
+          </a:xfrm>
+          <a:prstGeom prst="rect">
+            <a:avLst/>
+          </a:prstGeom>
+          <a:solidFill>
+            <a:schemeClr val="bg1"/>
+          </a:solidFill>
+          <a:ln w="38100"/>
+          <a:scene3d>
+            <a:camera prst="orthographicFront"/>
+            <a:lightRig rig="threePt" dir="t"/>
+          </a:scene3d>
+          <a:sp3d>
+            <a:bevelT prst="angle"/>
+          </a:sp3d>
+        </p:spPr>
+        <p:style>
+          <a:lnRef idx="2">
+            <a:schemeClr val="accent1">
+              <a:shade val="15000"/>
+            </a:schemeClr>
+          </a:lnRef>
+          <a:fillRef idx="1">
+            <a:schemeClr val="accent1"/>
+          </a:fillRef>
+          <a:effectRef idx="0">
+            <a:schemeClr val="accent1"/>
+          </a:effectRef>
+          <a:fontRef idx="minor">
+            <a:schemeClr val="lt1"/>
+          </a:fontRef>
+        </p:style>
+        <p:txBody>
+          <a:bodyPr rtlCol="0" anchor="ctr"/>
+          <a:lstStyle/>
+          <a:p>
+            <a:pPr algn="ctr"/>
+            <a:r>
+              <a:rPr lang="ko-KR" altLang="en-US" dirty="0">
+                <a:solidFill>
+                  <a:schemeClr val="tx1"/>
+                </a:solidFill>
+              </a:rPr>
+              <a:t>구매 요청</a:t>
+            </a:r>
+          </a:p>
+        </p:txBody>
+      </p:sp>
+      <p:sp>
+        <p:nvSpPr>
+          <p:cNvPr id="53" name="직사각형 52">
+            <a:extLst>
+              <a:ext uri="{FF2B5EF4-FFF2-40B4-BE49-F238E27FC236}">
+                <a16:creationId xmlns:a16="http://schemas.microsoft.com/office/drawing/2014/main" id="{FA2494F0-461B-BF03-CF88-A0D670133719}"/>
+              </a:ext>
+            </a:extLst>
+          </p:cNvPr>
+          <p:cNvSpPr/>
+          <p:nvPr/>
+        </p:nvSpPr>
+        <p:spPr>
+          <a:xfrm>
+            <a:off x="2996610" y="2601188"/>
+            <a:ext cx="1293100" cy="415638"/>
+          </a:xfrm>
+          <a:prstGeom prst="rect">
+            <a:avLst/>
+          </a:prstGeom>
+          <a:solidFill>
+            <a:schemeClr val="bg1"/>
+          </a:solidFill>
+          <a:ln w="38100"/>
+        </p:spPr>
+        <p:style>
+          <a:lnRef idx="2">
+            <a:schemeClr val="accent1">
+              <a:shade val="15000"/>
+            </a:schemeClr>
+          </a:lnRef>
+          <a:fillRef idx="1">
+            <a:schemeClr val="accent1"/>
+          </a:fillRef>
+          <a:effectRef idx="0">
+            <a:schemeClr val="accent1"/>
+          </a:effectRef>
+          <a:fontRef idx="minor">
+            <a:schemeClr val="lt1"/>
+          </a:fontRef>
+        </p:style>
+        <p:txBody>
+          <a:bodyPr rtlCol="0" anchor="ctr"/>
+          <a:lstStyle/>
+          <a:p>
+            <a:r>
+              <a:rPr lang="ko-KR" altLang="en-US" dirty="0">
+                <a:solidFill>
+                  <a:schemeClr val="tx1"/>
+                </a:solidFill>
+              </a:rPr>
+              <a:t>개수</a:t>
+            </a:r>
+          </a:p>
+        </p:txBody>
+      </p:sp>
+      <p:sp>
+        <p:nvSpPr>
+          <p:cNvPr id="54" name="직사각형 53">
+            <a:extLst>
+              <a:ext uri="{FF2B5EF4-FFF2-40B4-BE49-F238E27FC236}">
+                <a16:creationId xmlns:a16="http://schemas.microsoft.com/office/drawing/2014/main" id="{4D26D933-A917-6A00-C1BF-F225F8BC1BB3}"/>
+              </a:ext>
+            </a:extLst>
+          </p:cNvPr>
+          <p:cNvSpPr/>
+          <p:nvPr/>
+        </p:nvSpPr>
+        <p:spPr>
+          <a:xfrm>
+            <a:off x="6822039" y="2669306"/>
+            <a:ext cx="1450108" cy="415638"/>
+          </a:xfrm>
+          <a:prstGeom prst="rect">
+            <a:avLst/>
+          </a:prstGeom>
+          <a:solidFill>
+            <a:schemeClr val="bg1"/>
+          </a:solidFill>
+          <a:ln w="38100"/>
+          <a:scene3d>
+            <a:camera prst="orthographicFront"/>
+            <a:lightRig rig="threePt" dir="t"/>
+          </a:scene3d>
+          <a:sp3d>
+            <a:bevelT prst="angle"/>
+          </a:sp3d>
+        </p:spPr>
+        <p:style>
+          <a:lnRef idx="2">
+            <a:schemeClr val="accent1">
+              <a:shade val="15000"/>
+            </a:schemeClr>
+          </a:lnRef>
+          <a:fillRef idx="1">
+            <a:schemeClr val="accent1"/>
+          </a:fillRef>
+          <a:effectRef idx="0">
+            <a:schemeClr val="accent1"/>
+          </a:effectRef>
+          <a:fontRef idx="minor">
+            <a:schemeClr val="lt1"/>
+          </a:fontRef>
+        </p:style>
+        <p:txBody>
+          <a:bodyPr rtlCol="0" anchor="ctr"/>
+          <a:lstStyle/>
+          <a:p>
+            <a:pPr algn="ctr"/>
+            <a:r>
+              <a:rPr lang="ko-KR" altLang="en-US" dirty="0">
+                <a:solidFill>
+                  <a:schemeClr val="tx1"/>
+                </a:solidFill>
+              </a:rPr>
+              <a:t>삭제</a:t>
+            </a:r>
+          </a:p>
+        </p:txBody>
+      </p:sp>
+      <p:sp>
+        <p:nvSpPr>
+          <p:cNvPr id="55" name="직사각형 54">
+            <a:extLst>
+              <a:ext uri="{FF2B5EF4-FFF2-40B4-BE49-F238E27FC236}">
+                <a16:creationId xmlns:a16="http://schemas.microsoft.com/office/drawing/2014/main" id="{F0BDE74D-C9AD-CDA2-9AF3-2B602C099A55}"/>
+              </a:ext>
+            </a:extLst>
+          </p:cNvPr>
+          <p:cNvSpPr/>
+          <p:nvPr/>
+        </p:nvSpPr>
+        <p:spPr>
+          <a:xfrm>
+            <a:off x="469313" y="3471794"/>
+            <a:ext cx="7941550" cy="2434859"/>
+          </a:xfrm>
+          <a:prstGeom prst="rect">
+            <a:avLst/>
+          </a:prstGeom>
+          <a:solidFill>
+            <a:schemeClr val="bg1">
+              <a:lumMod val="95000"/>
+            </a:schemeClr>
+          </a:solidFill>
+          <a:ln w="38100"/>
+        </p:spPr>
+        <p:style>
+          <a:lnRef idx="2">
+            <a:schemeClr val="accent1">
+              <a:shade val="15000"/>
+            </a:schemeClr>
+          </a:lnRef>
+          <a:fillRef idx="1">
+            <a:schemeClr val="accent1"/>
+          </a:fillRef>
+          <a:effectRef idx="0">
+            <a:schemeClr val="accent1"/>
+          </a:effectRef>
+          <a:fontRef idx="minor">
+            <a:schemeClr val="lt1"/>
+          </a:fontRef>
+        </p:style>
+        <p:txBody>
+          <a:bodyPr rtlCol="0" anchor="ctr"/>
+          <a:lstStyle/>
+          <a:p>
+            <a:pPr algn="ctr"/>
+            <a:endParaRPr lang="ko-KR" altLang="en-US" dirty="0">
+              <a:solidFill>
+                <a:schemeClr val="tx1"/>
+              </a:solidFill>
+            </a:endParaRPr>
+          </a:p>
+        </p:txBody>
+      </p:sp>
+      <p:sp>
+        <p:nvSpPr>
+          <p:cNvPr id="56" name="직사각형 55">
+            <a:extLst>
+              <a:ext uri="{FF2B5EF4-FFF2-40B4-BE49-F238E27FC236}">
+                <a16:creationId xmlns:a16="http://schemas.microsoft.com/office/drawing/2014/main" id="{FF2B6450-3DFA-CC95-C78D-F4E832D893D3}"/>
+              </a:ext>
+            </a:extLst>
+          </p:cNvPr>
+          <p:cNvSpPr/>
+          <p:nvPr/>
+        </p:nvSpPr>
+        <p:spPr>
+          <a:xfrm>
+            <a:off x="958252" y="3673915"/>
+            <a:ext cx="1874983" cy="2048009"/>
+          </a:xfrm>
+          <a:prstGeom prst="rect">
+            <a:avLst/>
+          </a:prstGeom>
+          <a:solidFill>
+            <a:schemeClr val="bg1"/>
+          </a:solidFill>
+          <a:ln w="38100"/>
+        </p:spPr>
+        <p:style>
+          <a:lnRef idx="2">
+            <a:schemeClr val="accent1">
+              <a:shade val="15000"/>
+            </a:schemeClr>
+          </a:lnRef>
+          <a:fillRef idx="1">
+            <a:schemeClr val="accent1"/>
+          </a:fillRef>
+          <a:effectRef idx="0">
+            <a:schemeClr val="accent1"/>
+          </a:effectRef>
+          <a:fontRef idx="minor">
+            <a:schemeClr val="lt1"/>
+          </a:fontRef>
+        </p:style>
+        <p:txBody>
+          <a:bodyPr rtlCol="0" anchor="ctr"/>
+          <a:lstStyle/>
+          <a:p>
+            <a:pPr algn="ctr"/>
+            <a:r>
+              <a:rPr lang="ko-KR" altLang="en-US" dirty="0">
+                <a:solidFill>
+                  <a:schemeClr val="tx1"/>
+                </a:solidFill>
+              </a:rPr>
+              <a:t>이미지</a:t>
+            </a:r>
+          </a:p>
+        </p:txBody>
+      </p:sp>
+      <p:sp>
+        <p:nvSpPr>
+          <p:cNvPr id="57" name="직사각형 56">
+            <a:extLst>
+              <a:ext uri="{FF2B5EF4-FFF2-40B4-BE49-F238E27FC236}">
+                <a16:creationId xmlns:a16="http://schemas.microsoft.com/office/drawing/2014/main" id="{3EFC5303-1BB9-892E-BEEB-906DD8D81115}"/>
+              </a:ext>
+            </a:extLst>
+          </p:cNvPr>
+          <p:cNvSpPr/>
+          <p:nvPr/>
+        </p:nvSpPr>
+        <p:spPr>
+          <a:xfrm>
+            <a:off x="2985632" y="4232638"/>
+            <a:ext cx="1874983" cy="415638"/>
+          </a:xfrm>
+          <a:prstGeom prst="rect">
+            <a:avLst/>
+          </a:prstGeom>
+          <a:solidFill>
+            <a:schemeClr val="bg1"/>
+          </a:solidFill>
+          <a:ln w="38100"/>
+        </p:spPr>
+        <p:style>
+          <a:lnRef idx="2">
+            <a:schemeClr val="accent1">
+              <a:shade val="15000"/>
+            </a:schemeClr>
+          </a:lnRef>
+          <a:fillRef idx="1">
+            <a:schemeClr val="accent1"/>
+          </a:fillRef>
+          <a:effectRef idx="0">
+            <a:schemeClr val="accent1"/>
+          </a:effectRef>
+          <a:fontRef idx="minor">
+            <a:schemeClr val="lt1"/>
+          </a:fontRef>
+        </p:style>
+        <p:txBody>
+          <a:bodyPr rtlCol="0" anchor="ctr"/>
+          <a:lstStyle/>
+          <a:p>
+            <a:r>
+              <a:rPr lang="ko-KR" altLang="en-US">
+                <a:solidFill>
+                  <a:schemeClr val="tx1"/>
+                </a:solidFill>
+              </a:rPr>
+              <a:t>가격</a:t>
+            </a:r>
+            <a:endParaRPr lang="ko-KR" altLang="en-US" dirty="0">
+              <a:solidFill>
+                <a:schemeClr val="tx1"/>
+              </a:solidFill>
+            </a:endParaRPr>
+          </a:p>
+        </p:txBody>
+      </p:sp>
+      <p:sp>
+        <p:nvSpPr>
+          <p:cNvPr id="58" name="직사각형 57">
+            <a:extLst>
+              <a:ext uri="{FF2B5EF4-FFF2-40B4-BE49-F238E27FC236}">
+                <a16:creationId xmlns:a16="http://schemas.microsoft.com/office/drawing/2014/main" id="{9DE7609E-0B94-9729-5D0D-C3DF3D121DD5}"/>
+              </a:ext>
+            </a:extLst>
+          </p:cNvPr>
+          <p:cNvSpPr/>
+          <p:nvPr/>
+        </p:nvSpPr>
+        <p:spPr>
+          <a:xfrm>
+            <a:off x="2996011" y="3673916"/>
+            <a:ext cx="5194902" cy="415638"/>
+          </a:xfrm>
+          <a:prstGeom prst="rect">
+            <a:avLst/>
+          </a:prstGeom>
+          <a:solidFill>
+            <a:schemeClr val="bg1"/>
+          </a:solidFill>
+          <a:ln w="38100"/>
+        </p:spPr>
+        <p:style>
+          <a:lnRef idx="2">
+            <a:schemeClr val="accent1">
+              <a:shade val="15000"/>
+            </a:schemeClr>
+          </a:lnRef>
+          <a:fillRef idx="1">
+            <a:schemeClr val="accent1"/>
+          </a:fillRef>
+          <a:effectRef idx="0">
+            <a:schemeClr val="accent1"/>
+          </a:effectRef>
+          <a:fontRef idx="minor">
+            <a:schemeClr val="lt1"/>
+          </a:fontRef>
+        </p:style>
+        <p:txBody>
+          <a:bodyPr rtlCol="0" anchor="ctr"/>
+          <a:lstStyle/>
+          <a:p>
+            <a:r>
+              <a:rPr lang="ko-KR" altLang="en-US" dirty="0">
+                <a:solidFill>
+                  <a:schemeClr val="tx1"/>
+                </a:solidFill>
+              </a:rPr>
+              <a:t>상품명</a:t>
+            </a:r>
+          </a:p>
+        </p:txBody>
+      </p:sp>
+      <p:sp>
+        <p:nvSpPr>
+          <p:cNvPr id="60" name="직사각형 59">
+            <a:extLst>
+              <a:ext uri="{FF2B5EF4-FFF2-40B4-BE49-F238E27FC236}">
+                <a16:creationId xmlns:a16="http://schemas.microsoft.com/office/drawing/2014/main" id="{A7CB0159-F3BB-627E-6BAB-AC8B2149497F}"/>
+              </a:ext>
+            </a:extLst>
+          </p:cNvPr>
+          <p:cNvSpPr/>
+          <p:nvPr/>
+        </p:nvSpPr>
+        <p:spPr>
+          <a:xfrm>
+            <a:off x="2985632" y="5238168"/>
+            <a:ext cx="1293100" cy="415638"/>
+          </a:xfrm>
+          <a:prstGeom prst="rect">
+            <a:avLst/>
+          </a:prstGeom>
+          <a:solidFill>
+            <a:schemeClr val="bg1"/>
+          </a:solidFill>
+          <a:ln w="38100"/>
+        </p:spPr>
+        <p:style>
+          <a:lnRef idx="2">
+            <a:schemeClr val="accent1">
+              <a:shade val="15000"/>
+            </a:schemeClr>
+          </a:lnRef>
+          <a:fillRef idx="1">
+            <a:schemeClr val="accent1"/>
+          </a:fillRef>
+          <a:effectRef idx="0">
+            <a:schemeClr val="accent1"/>
+          </a:effectRef>
+          <a:fontRef idx="minor">
+            <a:schemeClr val="lt1"/>
+          </a:fontRef>
+        </p:style>
+        <p:txBody>
+          <a:bodyPr rtlCol="0" anchor="ctr"/>
+          <a:lstStyle/>
+          <a:p>
+            <a:r>
+              <a:rPr lang="ko-KR" altLang="en-US" dirty="0">
+                <a:solidFill>
+                  <a:schemeClr val="tx1"/>
+                </a:solidFill>
+              </a:rPr>
+              <a:t>개수</a:t>
+            </a:r>
+          </a:p>
+        </p:txBody>
+      </p:sp>
+      <p:sp>
+        <p:nvSpPr>
+          <p:cNvPr id="61" name="직사각형 60">
+            <a:extLst>
+              <a:ext uri="{FF2B5EF4-FFF2-40B4-BE49-F238E27FC236}">
+                <a16:creationId xmlns:a16="http://schemas.microsoft.com/office/drawing/2014/main" id="{41DF24F8-7421-D81B-D02E-C4648859C132}"/>
+              </a:ext>
+            </a:extLst>
+          </p:cNvPr>
+          <p:cNvSpPr/>
+          <p:nvPr/>
+        </p:nvSpPr>
+        <p:spPr>
+          <a:xfrm>
+            <a:off x="6811061" y="5306286"/>
+            <a:ext cx="1450108" cy="415638"/>
+          </a:xfrm>
+          <a:prstGeom prst="rect">
+            <a:avLst/>
+          </a:prstGeom>
+          <a:solidFill>
+            <a:schemeClr val="bg1"/>
+          </a:solidFill>
+          <a:ln w="38100"/>
+          <a:scene3d>
+            <a:camera prst="orthographicFront"/>
+            <a:lightRig rig="threePt" dir="t"/>
+          </a:scene3d>
+          <a:sp3d>
+            <a:bevelT prst="angle"/>
+          </a:sp3d>
+        </p:spPr>
+        <p:style>
+          <a:lnRef idx="2">
+            <a:schemeClr val="accent1">
+              <a:shade val="15000"/>
+            </a:schemeClr>
+          </a:lnRef>
+          <a:fillRef idx="1">
+            <a:schemeClr val="accent1"/>
+          </a:fillRef>
+          <a:effectRef idx="0">
+            <a:schemeClr val="accent1"/>
+          </a:effectRef>
+          <a:fontRef idx="minor">
+            <a:schemeClr val="lt1"/>
+          </a:fontRef>
+        </p:style>
+        <p:txBody>
+          <a:bodyPr rtlCol="0" anchor="ctr"/>
+          <a:lstStyle/>
+          <a:p>
+            <a:pPr algn="ctr"/>
+            <a:r>
+              <a:rPr lang="ko-KR" altLang="en-US" dirty="0">
+                <a:solidFill>
+                  <a:schemeClr val="tx1"/>
+                </a:solidFill>
+              </a:rPr>
+              <a:t>삭제</a:t>
+            </a:r>
+          </a:p>
+        </p:txBody>
+      </p:sp>
+      <p:sp>
+        <p:nvSpPr>
+          <p:cNvPr id="3" name="직사각형 2">
+            <a:extLst>
+              <a:ext uri="{FF2B5EF4-FFF2-40B4-BE49-F238E27FC236}">
+                <a16:creationId xmlns:a16="http://schemas.microsoft.com/office/drawing/2014/main" id="{B1615FD5-8026-B4A7-0F2E-DE7994DAA06C}"/>
+              </a:ext>
+            </a:extLst>
+          </p:cNvPr>
+          <p:cNvSpPr/>
+          <p:nvPr/>
+        </p:nvSpPr>
+        <p:spPr>
+          <a:xfrm>
+            <a:off x="595452" y="1924357"/>
+            <a:ext cx="258618" cy="273164"/>
+          </a:xfrm>
+          <a:prstGeom prst="rect">
+            <a:avLst/>
+          </a:prstGeom>
+          <a:solidFill>
+            <a:schemeClr val="bg1"/>
+          </a:solidFill>
+          <a:ln w="38100"/>
+        </p:spPr>
+        <p:style>
+          <a:lnRef idx="2">
+            <a:schemeClr val="accent1">
+              <a:shade val="15000"/>
+            </a:schemeClr>
+          </a:lnRef>
+          <a:fillRef idx="1">
+            <a:schemeClr val="accent1"/>
+          </a:fillRef>
+          <a:effectRef idx="0">
+            <a:schemeClr val="accent1"/>
+          </a:effectRef>
+          <a:fontRef idx="minor">
+            <a:schemeClr val="lt1"/>
+          </a:fontRef>
+        </p:style>
+        <p:txBody>
+          <a:bodyPr rtlCol="0" anchor="ctr"/>
+          <a:lstStyle/>
+          <a:p>
+            <a:pPr algn="ctr"/>
+            <a:r>
+              <a:rPr lang="en-US" altLang="ko-KR" b="1" dirty="0">
+                <a:solidFill>
+                  <a:schemeClr val="accent1"/>
+                </a:solidFill>
+              </a:rPr>
+              <a:t>√</a:t>
+            </a:r>
+            <a:endParaRPr lang="ko-KR" altLang="en-US" b="1" dirty="0">
+              <a:solidFill>
+                <a:schemeClr val="accent1"/>
+              </a:solidFill>
+            </a:endParaRPr>
+          </a:p>
+        </p:txBody>
+      </p:sp>
+      <p:sp>
+        <p:nvSpPr>
+          <p:cNvPr id="5" name="직사각형 4">
+            <a:extLst>
+              <a:ext uri="{FF2B5EF4-FFF2-40B4-BE49-F238E27FC236}">
+                <a16:creationId xmlns:a16="http://schemas.microsoft.com/office/drawing/2014/main" id="{9BAFFBA2-DC53-E9F2-3C38-3F2D87F4D487}"/>
+              </a:ext>
+            </a:extLst>
+          </p:cNvPr>
+          <p:cNvSpPr/>
+          <p:nvPr/>
+        </p:nvSpPr>
+        <p:spPr>
+          <a:xfrm>
+            <a:off x="595452" y="4595283"/>
+            <a:ext cx="258618" cy="273164"/>
+          </a:xfrm>
+          <a:prstGeom prst="rect">
+            <a:avLst/>
+          </a:prstGeom>
+          <a:solidFill>
+            <a:schemeClr val="bg1"/>
+          </a:solidFill>
+          <a:ln w="38100"/>
+        </p:spPr>
+        <p:style>
+          <a:lnRef idx="2">
+            <a:schemeClr val="accent1">
+              <a:shade val="15000"/>
+            </a:schemeClr>
+          </a:lnRef>
+          <a:fillRef idx="1">
+            <a:schemeClr val="accent1"/>
+          </a:fillRef>
+          <a:effectRef idx="0">
+            <a:schemeClr val="accent1"/>
+          </a:effectRef>
+          <a:fontRef idx="minor">
+            <a:schemeClr val="lt1"/>
+          </a:fontRef>
+        </p:style>
+        <p:txBody>
+          <a:bodyPr rtlCol="0" anchor="ctr"/>
+          <a:lstStyle/>
+          <a:p>
+            <a:pPr algn="ctr"/>
+            <a:endParaRPr lang="ko-KR" altLang="en-US" dirty="0">
+              <a:solidFill>
+                <a:schemeClr val="tx1"/>
+              </a:solidFill>
+            </a:endParaRPr>
+          </a:p>
+        </p:txBody>
+      </p:sp>
+    </p:spTree>
+    <p:extLst>
+      <p:ext uri="{BB962C8B-B14F-4D97-AF65-F5344CB8AC3E}">
+        <p14:creationId xmlns:p14="http://schemas.microsoft.com/office/powerpoint/2010/main" val="444300783"/>
+      </p:ext>
+    </p:extLst>
+  </p:cSld>
+  <p:clrMapOvr>
+    <a:masterClrMapping/>
+  </p:clrMapOvr>
+</p:sld>
+</file>
+
+<file path=ppt/slides/slide11.xml><?xml version="1.0" encoding="utf-8"?>
+<p:sld xmlns:a="http://schemas.openxmlformats.org/drawingml/2006/main" xmlns:r="http://schemas.openxmlformats.org/officeDocument/2006/relationships" xmlns:p="http://schemas.openxmlformats.org/presentationml/2006/main">
+  <p:cSld>
+    <p:spTree>
+      <p:nvGrpSpPr>
+        <p:cNvPr id="1" name=""/>
+        <p:cNvGrpSpPr/>
+        <p:nvPr/>
+      </p:nvGrpSpPr>
+      <p:grpSpPr>
+        <a:xfrm>
+          <a:off x="0" y="0"/>
+          <a:ext cx="0" cy="0"/>
+          <a:chOff x="0" y="0"/>
+          <a:chExt cx="0" cy="0"/>
+        </a:xfrm>
+      </p:grpSpPr>
+      <p:sp>
+        <p:nvSpPr>
+          <p:cNvPr id="2" name="직사각형 1">
+            <a:extLst>
+              <a:ext uri="{FF2B5EF4-FFF2-40B4-BE49-F238E27FC236}">
+                <a16:creationId xmlns:a16="http://schemas.microsoft.com/office/drawing/2014/main" id="{104A78F2-F9DE-E968-791A-36236F554892}"/>
+              </a:ext>
+            </a:extLst>
+          </p:cNvPr>
+          <p:cNvSpPr/>
+          <p:nvPr/>
+        </p:nvSpPr>
+        <p:spPr>
+          <a:xfrm>
+            <a:off x="237835" y="143165"/>
+            <a:ext cx="6855691" cy="420253"/>
+          </a:xfrm>
+          <a:prstGeom prst="rect">
+            <a:avLst/>
+          </a:prstGeom>
+          <a:noFill/>
+          <a:ln w="38100">
+            <a:noFill/>
+          </a:ln>
+        </p:spPr>
+        <p:style>
+          <a:lnRef idx="2">
+            <a:schemeClr val="accent1">
+              <a:shade val="15000"/>
+            </a:schemeClr>
+          </a:lnRef>
+          <a:fillRef idx="1">
+            <a:schemeClr val="accent1"/>
+          </a:fillRef>
+          <a:effectRef idx="0">
+            <a:schemeClr val="accent1"/>
+          </a:effectRef>
+          <a:fontRef idx="minor">
+            <a:schemeClr val="lt1"/>
+          </a:fontRef>
+        </p:style>
+        <p:txBody>
+          <a:bodyPr rtlCol="0" anchor="t"/>
+          <a:lstStyle/>
+          <a:p>
+            <a:r>
+              <a:rPr lang="ko-KR" altLang="en-US" sz="2400" dirty="0">
+                <a:solidFill>
+                  <a:schemeClr val="bg1">
+                    <a:lumMod val="50000"/>
+                  </a:schemeClr>
+                </a:solidFill>
+              </a:rPr>
+              <a:t>상품 </a:t>
+            </a:r>
+            <a:r>
+              <a:rPr lang="en-US" altLang="ko-KR" sz="2400" dirty="0">
+                <a:solidFill>
+                  <a:schemeClr val="bg1">
+                    <a:lumMod val="50000"/>
+                  </a:schemeClr>
+                </a:solidFill>
+              </a:rPr>
+              <a:t>– </a:t>
+            </a:r>
+            <a:r>
+              <a:rPr lang="ko-KR" altLang="en-US" sz="2400" dirty="0">
+                <a:solidFill>
+                  <a:schemeClr val="bg1">
+                    <a:lumMod val="50000"/>
+                  </a:schemeClr>
+                </a:solidFill>
+              </a:rPr>
               <a:t>구매내역 </a:t>
             </a:r>
             <a:r>
@@ -6590,7 +7779,7 @@
 </p:sld>
 </file>
 
-<file path=ppt/slides/slide11.xml><?xml version="1.0" encoding="utf-8"?>
+<file path=ppt/slides/slide12.xml><?xml version="1.0" encoding="utf-8"?>
 <p:sld xmlns:a="http://schemas.openxmlformats.org/drawingml/2006/main" xmlns:r="http://schemas.openxmlformats.org/officeDocument/2006/relationships" xmlns:p="http://schemas.openxmlformats.org/presentationml/2006/main">
   <p:cSld>
     <p:spTree>
@@ -7443,853 +8632,6 @@
 </p:sld>
 </file>
 
-<file path=ppt/slides/slide12.xml><?xml version="1.0" encoding="utf-8"?>
-<p:sld xmlns:a="http://schemas.openxmlformats.org/drawingml/2006/main" xmlns:r="http://schemas.openxmlformats.org/officeDocument/2006/relationships" xmlns:p="http://schemas.openxmlformats.org/presentationml/2006/main">
-  <p:cSld>
-    <p:spTree>
-      <p:nvGrpSpPr>
-        <p:cNvPr id="1" name=""/>
-        <p:cNvGrpSpPr/>
-        <p:nvPr/>
-      </p:nvGrpSpPr>
-      <p:grpSpPr>
-        <a:xfrm>
-          <a:off x="0" y="0"/>
-          <a:ext cx="0" cy="0"/>
-          <a:chOff x="0" y="0"/>
-          <a:chExt cx="0" cy="0"/>
-        </a:xfrm>
-      </p:grpSpPr>
-      <p:sp>
-        <p:nvSpPr>
-          <p:cNvPr id="2" name="직사각형 1">
-            <a:extLst>
-              <a:ext uri="{FF2B5EF4-FFF2-40B4-BE49-F238E27FC236}">
-                <a16:creationId xmlns:a16="http://schemas.microsoft.com/office/drawing/2014/main" id="{104A78F2-F9DE-E968-791A-36236F554892}"/>
-              </a:ext>
-            </a:extLst>
-          </p:cNvPr>
-          <p:cNvSpPr/>
-          <p:nvPr/>
-        </p:nvSpPr>
-        <p:spPr>
-          <a:xfrm>
-            <a:off x="237835" y="143165"/>
-            <a:ext cx="6855691" cy="420253"/>
-          </a:xfrm>
-          <a:prstGeom prst="rect">
-            <a:avLst/>
-          </a:prstGeom>
-          <a:noFill/>
-          <a:ln w="38100">
-            <a:noFill/>
-          </a:ln>
-        </p:spPr>
-        <p:style>
-          <a:lnRef idx="2">
-            <a:schemeClr val="accent1">
-              <a:shade val="15000"/>
-            </a:schemeClr>
-          </a:lnRef>
-          <a:fillRef idx="1">
-            <a:schemeClr val="accent1"/>
-          </a:fillRef>
-          <a:effectRef idx="0">
-            <a:schemeClr val="accent1"/>
-          </a:effectRef>
-          <a:fontRef idx="minor">
-            <a:schemeClr val="lt1"/>
-          </a:fontRef>
-        </p:style>
-        <p:txBody>
-          <a:bodyPr rtlCol="0" anchor="t"/>
-          <a:lstStyle/>
-          <a:p>
-            <a:r>
-              <a:rPr lang="ko-KR" altLang="en-US" sz="2400" dirty="0">
-                <a:solidFill>
-                  <a:schemeClr val="bg1">
-                    <a:lumMod val="50000"/>
-                  </a:schemeClr>
-                </a:solidFill>
-              </a:rPr>
-              <a:t>상품 </a:t>
-            </a:r>
-            <a:r>
-              <a:rPr lang="en-US" altLang="ko-KR" sz="2400" dirty="0">
-                <a:solidFill>
-                  <a:schemeClr val="bg1">
-                    <a:lumMod val="50000"/>
-                  </a:schemeClr>
-                </a:solidFill>
-              </a:rPr>
-              <a:t>– </a:t>
-            </a:r>
-            <a:r>
-              <a:rPr lang="ko-KR" altLang="en-US" sz="2400" dirty="0">
-                <a:solidFill>
-                  <a:schemeClr val="bg1">
-                    <a:lumMod val="50000"/>
-                  </a:schemeClr>
-                </a:solidFill>
-              </a:rPr>
-              <a:t>상품요청 </a:t>
-            </a:r>
-            <a:r>
-              <a:rPr lang="en-US" altLang="ko-KR" sz="2400" dirty="0">
-                <a:solidFill>
-                  <a:schemeClr val="bg1">
-                    <a:lumMod val="50000"/>
-                  </a:schemeClr>
-                </a:solidFill>
-              </a:rPr>
-              <a:t>– </a:t>
-            </a:r>
-            <a:r>
-              <a:rPr lang="ko-KR" altLang="en-US" sz="2400" dirty="0">
-                <a:solidFill>
-                  <a:schemeClr val="bg1">
-                    <a:lumMod val="50000"/>
-                  </a:schemeClr>
-                </a:solidFill>
-              </a:rPr>
-              <a:t>상세조회</a:t>
-            </a:r>
-            <a:r>
-              <a:rPr lang="en-US" altLang="ko-KR" sz="2400" dirty="0">
-                <a:solidFill>
-                  <a:schemeClr val="bg1">
-                    <a:lumMod val="50000"/>
-                  </a:schemeClr>
-                </a:solidFill>
-              </a:rPr>
-              <a:t>(</a:t>
-            </a:r>
-            <a:r>
-              <a:rPr lang="ko-KR" altLang="en-US" sz="2400" dirty="0">
-                <a:solidFill>
-                  <a:schemeClr val="bg1">
-                    <a:lumMod val="50000"/>
-                  </a:schemeClr>
-                </a:solidFill>
-              </a:rPr>
-              <a:t>관리</a:t>
-            </a:r>
-            <a:r>
-              <a:rPr lang="en-US" altLang="ko-KR" sz="2400" dirty="0">
-                <a:solidFill>
-                  <a:schemeClr val="bg1">
-                    <a:lumMod val="50000"/>
-                  </a:schemeClr>
-                </a:solidFill>
-              </a:rPr>
-              <a:t>)</a:t>
-            </a:r>
-          </a:p>
-        </p:txBody>
-      </p:sp>
-      <p:sp>
-        <p:nvSpPr>
-          <p:cNvPr id="25" name="직사각형 24">
-            <a:extLst>
-              <a:ext uri="{FF2B5EF4-FFF2-40B4-BE49-F238E27FC236}">
-                <a16:creationId xmlns:a16="http://schemas.microsoft.com/office/drawing/2014/main" id="{2E426AF0-6BEF-D4CD-D4A9-4CDF06707DBD}"/>
-              </a:ext>
-            </a:extLst>
-          </p:cNvPr>
-          <p:cNvSpPr/>
-          <p:nvPr/>
-        </p:nvSpPr>
-        <p:spPr>
-          <a:xfrm>
-            <a:off x="4098633" y="5608920"/>
-            <a:ext cx="1320799" cy="468717"/>
-          </a:xfrm>
-          <a:prstGeom prst="rect">
-            <a:avLst/>
-          </a:prstGeom>
-          <a:solidFill>
-            <a:schemeClr val="bg1"/>
-          </a:solidFill>
-          <a:ln w="38100"/>
-          <a:scene3d>
-            <a:camera prst="orthographicFront"/>
-            <a:lightRig rig="threePt" dir="t"/>
-          </a:scene3d>
-          <a:sp3d>
-            <a:bevelT prst="angle"/>
-          </a:sp3d>
-        </p:spPr>
-        <p:style>
-          <a:lnRef idx="2">
-            <a:schemeClr val="accent1">
-              <a:shade val="15000"/>
-            </a:schemeClr>
-          </a:lnRef>
-          <a:fillRef idx="1">
-            <a:schemeClr val="accent1"/>
-          </a:fillRef>
-          <a:effectRef idx="0">
-            <a:schemeClr val="accent1"/>
-          </a:effectRef>
-          <a:fontRef idx="minor">
-            <a:schemeClr val="lt1"/>
-          </a:fontRef>
-        </p:style>
-        <p:txBody>
-          <a:bodyPr rtlCol="0" anchor="ctr"/>
-          <a:lstStyle/>
-          <a:p>
-            <a:pPr algn="ctr"/>
-            <a:r>
-              <a:rPr lang="ko-KR" altLang="en-US" dirty="0">
-                <a:solidFill>
-                  <a:schemeClr val="tx1"/>
-                </a:solidFill>
-              </a:rPr>
-              <a:t>답변 등록</a:t>
-            </a:r>
-          </a:p>
-        </p:txBody>
-      </p:sp>
-      <p:sp>
-        <p:nvSpPr>
-          <p:cNvPr id="3" name="직사각형 2">
-            <a:extLst>
-              <a:ext uri="{FF2B5EF4-FFF2-40B4-BE49-F238E27FC236}">
-                <a16:creationId xmlns:a16="http://schemas.microsoft.com/office/drawing/2014/main" id="{F04B4FAD-6154-9D17-89A2-491298016852}"/>
-              </a:ext>
-            </a:extLst>
-          </p:cNvPr>
-          <p:cNvSpPr/>
-          <p:nvPr/>
-        </p:nvSpPr>
-        <p:spPr>
-          <a:xfrm>
-            <a:off x="2650239" y="2407296"/>
-            <a:ext cx="1293100" cy="415638"/>
-          </a:xfrm>
-          <a:prstGeom prst="rect">
-            <a:avLst/>
-          </a:prstGeom>
-          <a:solidFill>
-            <a:schemeClr val="bg1"/>
-          </a:solidFill>
-          <a:ln w="38100"/>
-        </p:spPr>
-        <p:style>
-          <a:lnRef idx="2">
-            <a:schemeClr val="accent1">
-              <a:shade val="15000"/>
-            </a:schemeClr>
-          </a:lnRef>
-          <a:fillRef idx="1">
-            <a:schemeClr val="accent1"/>
-          </a:fillRef>
-          <a:effectRef idx="0">
-            <a:schemeClr val="accent1"/>
-          </a:effectRef>
-          <a:fontRef idx="minor">
-            <a:schemeClr val="lt1"/>
-          </a:fontRef>
-        </p:style>
-        <p:txBody>
-          <a:bodyPr rtlCol="0" anchor="ctr"/>
-          <a:lstStyle/>
-          <a:p>
-            <a:r>
-              <a:rPr lang="ko-KR" altLang="en-US" dirty="0">
-                <a:solidFill>
-                  <a:schemeClr val="tx1"/>
-                </a:solidFill>
-              </a:rPr>
-              <a:t>제목</a:t>
-            </a:r>
-          </a:p>
-        </p:txBody>
-      </p:sp>
-      <p:sp>
-        <p:nvSpPr>
-          <p:cNvPr id="5" name="직사각형 4">
-            <a:extLst>
-              <a:ext uri="{FF2B5EF4-FFF2-40B4-BE49-F238E27FC236}">
-                <a16:creationId xmlns:a16="http://schemas.microsoft.com/office/drawing/2014/main" id="{262A5B3D-FADE-5B6A-FC8E-7240A494FFF0}"/>
-              </a:ext>
-            </a:extLst>
-          </p:cNvPr>
-          <p:cNvSpPr/>
-          <p:nvPr/>
-        </p:nvSpPr>
-        <p:spPr>
-          <a:xfrm>
-            <a:off x="4103253" y="2407296"/>
-            <a:ext cx="4456543" cy="415638"/>
-          </a:xfrm>
-          <a:prstGeom prst="rect">
-            <a:avLst/>
-          </a:prstGeom>
-          <a:solidFill>
-            <a:schemeClr val="bg1"/>
-          </a:solidFill>
-          <a:ln w="38100"/>
-        </p:spPr>
-        <p:style>
-          <a:lnRef idx="2">
-            <a:schemeClr val="accent1">
-              <a:shade val="15000"/>
-            </a:schemeClr>
-          </a:lnRef>
-          <a:fillRef idx="1">
-            <a:schemeClr val="accent1"/>
-          </a:fillRef>
-          <a:effectRef idx="0">
-            <a:schemeClr val="accent1"/>
-          </a:effectRef>
-          <a:fontRef idx="minor">
-            <a:schemeClr val="lt1"/>
-          </a:fontRef>
-        </p:style>
-        <p:txBody>
-          <a:bodyPr rtlCol="0" anchor="ctr"/>
-          <a:lstStyle/>
-          <a:p>
-            <a:pPr algn="ctr"/>
-            <a:endParaRPr lang="ko-KR" altLang="en-US" dirty="0">
-              <a:solidFill>
-                <a:schemeClr val="tx1"/>
-              </a:solidFill>
-            </a:endParaRPr>
-          </a:p>
-        </p:txBody>
-      </p:sp>
-      <p:sp>
-        <p:nvSpPr>
-          <p:cNvPr id="6" name="직사각형 5">
-            <a:extLst>
-              <a:ext uri="{FF2B5EF4-FFF2-40B4-BE49-F238E27FC236}">
-                <a16:creationId xmlns:a16="http://schemas.microsoft.com/office/drawing/2014/main" id="{91A7939E-80F2-F8F6-4F98-466FBB8C8737}"/>
-              </a:ext>
-            </a:extLst>
-          </p:cNvPr>
-          <p:cNvSpPr/>
-          <p:nvPr/>
-        </p:nvSpPr>
-        <p:spPr>
-          <a:xfrm>
-            <a:off x="2650239" y="3109259"/>
-            <a:ext cx="1293100" cy="1516934"/>
-          </a:xfrm>
-          <a:prstGeom prst="rect">
-            <a:avLst/>
-          </a:prstGeom>
-          <a:solidFill>
-            <a:schemeClr val="bg1"/>
-          </a:solidFill>
-          <a:ln w="38100"/>
-        </p:spPr>
-        <p:style>
-          <a:lnRef idx="2">
-            <a:schemeClr val="accent1">
-              <a:shade val="15000"/>
-            </a:schemeClr>
-          </a:lnRef>
-          <a:fillRef idx="1">
-            <a:schemeClr val="accent1"/>
-          </a:fillRef>
-          <a:effectRef idx="0">
-            <a:schemeClr val="accent1"/>
-          </a:effectRef>
-          <a:fontRef idx="minor">
-            <a:schemeClr val="lt1"/>
-          </a:fontRef>
-        </p:style>
-        <p:txBody>
-          <a:bodyPr rtlCol="0" anchor="ctr"/>
-          <a:lstStyle/>
-          <a:p>
-            <a:r>
-              <a:rPr lang="ko-KR" altLang="en-US" dirty="0">
-                <a:solidFill>
-                  <a:schemeClr val="tx1"/>
-                </a:solidFill>
-              </a:rPr>
-              <a:t>상세내용</a:t>
-            </a:r>
-          </a:p>
-        </p:txBody>
-      </p:sp>
-      <p:sp>
-        <p:nvSpPr>
-          <p:cNvPr id="7" name="직사각형 6">
-            <a:extLst>
-              <a:ext uri="{FF2B5EF4-FFF2-40B4-BE49-F238E27FC236}">
-                <a16:creationId xmlns:a16="http://schemas.microsoft.com/office/drawing/2014/main" id="{687B70BF-2117-5B23-EAD2-B37ACDBD5EFF}"/>
-              </a:ext>
-            </a:extLst>
-          </p:cNvPr>
-          <p:cNvSpPr/>
-          <p:nvPr/>
-        </p:nvSpPr>
-        <p:spPr>
-          <a:xfrm>
-            <a:off x="4103253" y="3109258"/>
-            <a:ext cx="4456543" cy="1516935"/>
-          </a:xfrm>
-          <a:prstGeom prst="rect">
-            <a:avLst/>
-          </a:prstGeom>
-          <a:solidFill>
-            <a:schemeClr val="bg1"/>
-          </a:solidFill>
-          <a:ln w="38100"/>
-        </p:spPr>
-        <p:style>
-          <a:lnRef idx="2">
-            <a:schemeClr val="accent1">
-              <a:shade val="15000"/>
-            </a:schemeClr>
-          </a:lnRef>
-          <a:fillRef idx="1">
-            <a:schemeClr val="accent1"/>
-          </a:fillRef>
-          <a:effectRef idx="0">
-            <a:schemeClr val="accent1"/>
-          </a:effectRef>
-          <a:fontRef idx="minor">
-            <a:schemeClr val="lt1"/>
-          </a:fontRef>
-        </p:style>
-        <p:txBody>
-          <a:bodyPr rtlCol="0" anchor="ctr"/>
-          <a:lstStyle/>
-          <a:p>
-            <a:pPr algn="ctr"/>
-            <a:endParaRPr lang="ko-KR" altLang="en-US" dirty="0">
-              <a:solidFill>
-                <a:schemeClr val="tx1"/>
-              </a:solidFill>
-            </a:endParaRPr>
-          </a:p>
-        </p:txBody>
-      </p:sp>
-      <p:sp>
-        <p:nvSpPr>
-          <p:cNvPr id="8" name="직사각형 7">
-            <a:extLst>
-              <a:ext uri="{FF2B5EF4-FFF2-40B4-BE49-F238E27FC236}">
-                <a16:creationId xmlns:a16="http://schemas.microsoft.com/office/drawing/2014/main" id="{F9B48F98-81C8-03F8-8805-368E2EED25F9}"/>
-              </a:ext>
-            </a:extLst>
-          </p:cNvPr>
-          <p:cNvSpPr/>
-          <p:nvPr/>
-        </p:nvSpPr>
-        <p:spPr>
-          <a:xfrm>
-            <a:off x="2650239" y="4887259"/>
-            <a:ext cx="1293100" cy="460595"/>
-          </a:xfrm>
-          <a:prstGeom prst="rect">
-            <a:avLst/>
-          </a:prstGeom>
-          <a:solidFill>
-            <a:schemeClr val="bg1"/>
-          </a:solidFill>
-          <a:ln w="38100"/>
-        </p:spPr>
-        <p:style>
-          <a:lnRef idx="2">
-            <a:schemeClr val="accent1">
-              <a:shade val="15000"/>
-            </a:schemeClr>
-          </a:lnRef>
-          <a:fillRef idx="1">
-            <a:schemeClr val="accent1"/>
-          </a:fillRef>
-          <a:effectRef idx="0">
-            <a:schemeClr val="accent1"/>
-          </a:effectRef>
-          <a:fontRef idx="minor">
-            <a:schemeClr val="lt1"/>
-          </a:fontRef>
-        </p:style>
-        <p:txBody>
-          <a:bodyPr rtlCol="0" anchor="ctr"/>
-          <a:lstStyle/>
-          <a:p>
-            <a:r>
-              <a:rPr lang="ko-KR" altLang="en-US">
-                <a:solidFill>
-                  <a:schemeClr val="tx1"/>
-                </a:solidFill>
-              </a:rPr>
-              <a:t>청부파일</a:t>
-            </a:r>
-            <a:endParaRPr lang="ko-KR" altLang="en-US" dirty="0">
-              <a:solidFill>
-                <a:schemeClr val="tx1"/>
-              </a:solidFill>
-            </a:endParaRPr>
-          </a:p>
-        </p:txBody>
-      </p:sp>
-      <p:sp>
-        <p:nvSpPr>
-          <p:cNvPr id="9" name="직사각형 8">
-            <a:extLst>
-              <a:ext uri="{FF2B5EF4-FFF2-40B4-BE49-F238E27FC236}">
-                <a16:creationId xmlns:a16="http://schemas.microsoft.com/office/drawing/2014/main" id="{BA232370-FADC-6318-01F0-720F2C52264C}"/>
-              </a:ext>
-            </a:extLst>
-          </p:cNvPr>
-          <p:cNvSpPr/>
-          <p:nvPr/>
-        </p:nvSpPr>
-        <p:spPr>
-          <a:xfrm>
-            <a:off x="4103253" y="4887259"/>
-            <a:ext cx="4456543" cy="460595"/>
-          </a:xfrm>
-          <a:prstGeom prst="rect">
-            <a:avLst/>
-          </a:prstGeom>
-          <a:solidFill>
-            <a:schemeClr val="bg1"/>
-          </a:solidFill>
-          <a:ln w="38100"/>
-        </p:spPr>
-        <p:style>
-          <a:lnRef idx="2">
-            <a:schemeClr val="accent1">
-              <a:shade val="15000"/>
-            </a:schemeClr>
-          </a:lnRef>
-          <a:fillRef idx="1">
-            <a:schemeClr val="accent1"/>
-          </a:fillRef>
-          <a:effectRef idx="0">
-            <a:schemeClr val="accent1"/>
-          </a:effectRef>
-          <a:fontRef idx="minor">
-            <a:schemeClr val="lt1"/>
-          </a:fontRef>
-        </p:style>
-        <p:txBody>
-          <a:bodyPr rtlCol="0" anchor="ctr"/>
-          <a:lstStyle/>
-          <a:p>
-            <a:pPr algn="ctr"/>
-            <a:endParaRPr lang="ko-KR" altLang="en-US" dirty="0">
-              <a:solidFill>
-                <a:schemeClr val="tx1"/>
-              </a:solidFill>
-            </a:endParaRPr>
-          </a:p>
-        </p:txBody>
-      </p:sp>
-      <p:sp>
-        <p:nvSpPr>
-          <p:cNvPr id="10" name="직사각형 9">
-            <a:extLst>
-              <a:ext uri="{FF2B5EF4-FFF2-40B4-BE49-F238E27FC236}">
-                <a16:creationId xmlns:a16="http://schemas.microsoft.com/office/drawing/2014/main" id="{6FDF2ECA-961E-C4B4-DE6F-776FB1596BA4}"/>
-              </a:ext>
-            </a:extLst>
-          </p:cNvPr>
-          <p:cNvSpPr/>
-          <p:nvPr/>
-        </p:nvSpPr>
-        <p:spPr>
-          <a:xfrm>
-            <a:off x="2650239" y="1730592"/>
-            <a:ext cx="1293100" cy="415638"/>
-          </a:xfrm>
-          <a:prstGeom prst="rect">
-            <a:avLst/>
-          </a:prstGeom>
-          <a:solidFill>
-            <a:schemeClr val="bg1"/>
-          </a:solidFill>
-          <a:ln w="38100"/>
-        </p:spPr>
-        <p:style>
-          <a:lnRef idx="2">
-            <a:schemeClr val="accent1">
-              <a:shade val="15000"/>
-            </a:schemeClr>
-          </a:lnRef>
-          <a:fillRef idx="1">
-            <a:schemeClr val="accent1"/>
-          </a:fillRef>
-          <a:effectRef idx="0">
-            <a:schemeClr val="accent1"/>
-          </a:effectRef>
-          <a:fontRef idx="minor">
-            <a:schemeClr val="lt1"/>
-          </a:fontRef>
-        </p:style>
-        <p:txBody>
-          <a:bodyPr rtlCol="0" anchor="ctr"/>
-          <a:lstStyle/>
-          <a:p>
-            <a:r>
-              <a:rPr lang="ko-KR" altLang="en-US" dirty="0">
-                <a:solidFill>
-                  <a:schemeClr val="tx1"/>
-                </a:solidFill>
-              </a:rPr>
-              <a:t>상태</a:t>
-            </a:r>
-          </a:p>
-        </p:txBody>
-      </p:sp>
-      <p:sp>
-        <p:nvSpPr>
-          <p:cNvPr id="11" name="직사각형 10">
-            <a:extLst>
-              <a:ext uri="{FF2B5EF4-FFF2-40B4-BE49-F238E27FC236}">
-                <a16:creationId xmlns:a16="http://schemas.microsoft.com/office/drawing/2014/main" id="{5F0B51A1-DA8B-9FB8-9109-9F0D649EFCC4}"/>
-              </a:ext>
-            </a:extLst>
-          </p:cNvPr>
-          <p:cNvSpPr/>
-          <p:nvPr/>
-        </p:nvSpPr>
-        <p:spPr>
-          <a:xfrm>
-            <a:off x="4103253" y="1730592"/>
-            <a:ext cx="4456543" cy="415638"/>
-          </a:xfrm>
-          <a:prstGeom prst="rect">
-            <a:avLst/>
-          </a:prstGeom>
-          <a:solidFill>
-            <a:schemeClr val="bg1"/>
-          </a:solidFill>
-          <a:ln w="38100"/>
-        </p:spPr>
-        <p:style>
-          <a:lnRef idx="2">
-            <a:schemeClr val="accent1">
-              <a:shade val="15000"/>
-            </a:schemeClr>
-          </a:lnRef>
-          <a:fillRef idx="1">
-            <a:schemeClr val="accent1"/>
-          </a:fillRef>
-          <a:effectRef idx="0">
-            <a:schemeClr val="accent1"/>
-          </a:effectRef>
-          <a:fontRef idx="minor">
-            <a:schemeClr val="lt1"/>
-          </a:fontRef>
-        </p:style>
-        <p:txBody>
-          <a:bodyPr rtlCol="0" anchor="ctr"/>
-          <a:lstStyle/>
-          <a:p>
-            <a:pPr algn="ctr"/>
-            <a:r>
-              <a:rPr lang="ko-KR" altLang="en-US" dirty="0">
-                <a:solidFill>
-                  <a:schemeClr val="tx1"/>
-                </a:solidFill>
-              </a:rPr>
-              <a:t>요청</a:t>
-            </a:r>
-          </a:p>
-        </p:txBody>
-      </p:sp>
-      <p:sp>
-        <p:nvSpPr>
-          <p:cNvPr id="12" name="이등변 삼각형 11">
-            <a:extLst>
-              <a:ext uri="{FF2B5EF4-FFF2-40B4-BE49-F238E27FC236}">
-                <a16:creationId xmlns:a16="http://schemas.microsoft.com/office/drawing/2014/main" id="{9A550CFD-F64D-541E-8134-F331EE392841}"/>
-              </a:ext>
-            </a:extLst>
-          </p:cNvPr>
-          <p:cNvSpPr/>
-          <p:nvPr/>
-        </p:nvSpPr>
-        <p:spPr>
-          <a:xfrm flipV="1">
-            <a:off x="4191003" y="1807918"/>
-            <a:ext cx="286328" cy="260986"/>
-          </a:xfrm>
-          <a:prstGeom prst="triangle">
-            <a:avLst/>
-          </a:prstGeom>
-          <a:solidFill>
-            <a:schemeClr val="tx2"/>
-          </a:solidFill>
-        </p:spPr>
-        <p:style>
-          <a:lnRef idx="2">
-            <a:schemeClr val="accent1">
-              <a:shade val="15000"/>
-            </a:schemeClr>
-          </a:lnRef>
-          <a:fillRef idx="1">
-            <a:schemeClr val="accent1"/>
-          </a:fillRef>
-          <a:effectRef idx="0">
-            <a:schemeClr val="accent1"/>
-          </a:effectRef>
-          <a:fontRef idx="minor">
-            <a:schemeClr val="lt1"/>
-          </a:fontRef>
-        </p:style>
-        <p:txBody>
-          <a:bodyPr rtlCol="0" anchor="ctr"/>
-          <a:lstStyle/>
-          <a:p>
-            <a:pPr algn="ctr"/>
-            <a:endParaRPr lang="ko-KR" altLang="en-US"/>
-          </a:p>
-        </p:txBody>
-      </p:sp>
-      <p:sp>
-        <p:nvSpPr>
-          <p:cNvPr id="13" name="직사각형 12">
-            <a:extLst>
-              <a:ext uri="{FF2B5EF4-FFF2-40B4-BE49-F238E27FC236}">
-                <a16:creationId xmlns:a16="http://schemas.microsoft.com/office/drawing/2014/main" id="{BD212559-E6E0-B753-003D-2B4EB5907F25}"/>
-              </a:ext>
-            </a:extLst>
-          </p:cNvPr>
-          <p:cNvSpPr/>
-          <p:nvPr/>
-        </p:nvSpPr>
-        <p:spPr>
-          <a:xfrm>
-            <a:off x="5668815" y="5608920"/>
-            <a:ext cx="1320799" cy="468717"/>
-          </a:xfrm>
-          <a:prstGeom prst="rect">
-            <a:avLst/>
-          </a:prstGeom>
-          <a:solidFill>
-            <a:schemeClr val="bg1"/>
-          </a:solidFill>
-          <a:ln w="38100"/>
-          <a:scene3d>
-            <a:camera prst="orthographicFront"/>
-            <a:lightRig rig="threePt" dir="t"/>
-          </a:scene3d>
-          <a:sp3d>
-            <a:bevelT prst="angle"/>
-          </a:sp3d>
-        </p:spPr>
-        <p:style>
-          <a:lnRef idx="2">
-            <a:schemeClr val="accent1">
-              <a:shade val="15000"/>
-            </a:schemeClr>
-          </a:lnRef>
-          <a:fillRef idx="1">
-            <a:schemeClr val="accent1"/>
-          </a:fillRef>
-          <a:effectRef idx="0">
-            <a:schemeClr val="accent1"/>
-          </a:effectRef>
-          <a:fontRef idx="minor">
-            <a:schemeClr val="lt1"/>
-          </a:fontRef>
-        </p:style>
-        <p:txBody>
-          <a:bodyPr rtlCol="0" anchor="ctr"/>
-          <a:lstStyle/>
-          <a:p>
-            <a:pPr algn="ctr"/>
-            <a:r>
-              <a:rPr lang="ko-KR" altLang="en-US" dirty="0">
-                <a:solidFill>
-                  <a:schemeClr val="tx1"/>
-                </a:solidFill>
-              </a:rPr>
-              <a:t>저장</a:t>
-            </a:r>
-          </a:p>
-        </p:txBody>
-      </p:sp>
-      <p:sp>
-        <p:nvSpPr>
-          <p:cNvPr id="16" name="직사각형 15">
-            <a:extLst>
-              <a:ext uri="{FF2B5EF4-FFF2-40B4-BE49-F238E27FC236}">
-                <a16:creationId xmlns:a16="http://schemas.microsoft.com/office/drawing/2014/main" id="{30A00C7B-BC53-BF32-C60A-CBEA5E4D1121}"/>
-              </a:ext>
-            </a:extLst>
-          </p:cNvPr>
-          <p:cNvSpPr/>
-          <p:nvPr/>
-        </p:nvSpPr>
-        <p:spPr>
-          <a:xfrm>
-            <a:off x="7238997" y="5608919"/>
-            <a:ext cx="1320799" cy="468717"/>
-          </a:xfrm>
-          <a:prstGeom prst="rect">
-            <a:avLst/>
-          </a:prstGeom>
-          <a:solidFill>
-            <a:schemeClr val="bg1"/>
-          </a:solidFill>
-          <a:ln w="38100"/>
-          <a:scene3d>
-            <a:camera prst="orthographicFront"/>
-            <a:lightRig rig="threePt" dir="t"/>
-          </a:scene3d>
-          <a:sp3d>
-            <a:bevelT prst="angle"/>
-          </a:sp3d>
-        </p:spPr>
-        <p:style>
-          <a:lnRef idx="2">
-            <a:schemeClr val="accent1">
-              <a:shade val="15000"/>
-            </a:schemeClr>
-          </a:lnRef>
-          <a:fillRef idx="1">
-            <a:schemeClr val="accent1"/>
-          </a:fillRef>
-          <a:effectRef idx="0">
-            <a:schemeClr val="accent1"/>
-          </a:effectRef>
-          <a:fontRef idx="minor">
-            <a:schemeClr val="lt1"/>
-          </a:fontRef>
-        </p:style>
-        <p:txBody>
-          <a:bodyPr rtlCol="0" anchor="ctr"/>
-          <a:lstStyle/>
-          <a:p>
-            <a:pPr algn="ctr"/>
-            <a:r>
-              <a:rPr lang="ko-KR" altLang="en-US" dirty="0">
-                <a:solidFill>
-                  <a:schemeClr val="tx1"/>
-                </a:solidFill>
-              </a:rPr>
-              <a:t>삭제</a:t>
-            </a:r>
-          </a:p>
-        </p:txBody>
-      </p:sp>
-    </p:spTree>
-    <p:extLst>
-      <p:ext uri="{BB962C8B-B14F-4D97-AF65-F5344CB8AC3E}">
-        <p14:creationId xmlns:p14="http://schemas.microsoft.com/office/powerpoint/2010/main" val="3084961329"/>
-      </p:ext>
-    </p:extLst>
-  </p:cSld>
-  <p:clrMapOvr>
-    <a:masterClrMapping/>
-  </p:clrMapOvr>
-</p:sld>
-</file>
-
 <file path=ppt/slides/slide13.xml><?xml version="1.0" encoding="utf-8"?>
 <p:sld xmlns:a="http://schemas.openxmlformats.org/drawingml/2006/main" xmlns:r="http://schemas.openxmlformats.org/officeDocument/2006/relationships" xmlns:p="http://schemas.openxmlformats.org/presentationml/2006/main">
   <p:cSld>
@@ -8309,6 +8651,853 @@
       </p:grpSpPr>
       <p:sp>
         <p:nvSpPr>
+          <p:cNvPr id="2" name="직사각형 1">
+            <a:extLst>
+              <a:ext uri="{FF2B5EF4-FFF2-40B4-BE49-F238E27FC236}">
+                <a16:creationId xmlns:a16="http://schemas.microsoft.com/office/drawing/2014/main" id="{104A78F2-F9DE-E968-791A-36236F554892}"/>
+              </a:ext>
+            </a:extLst>
+          </p:cNvPr>
+          <p:cNvSpPr/>
+          <p:nvPr/>
+        </p:nvSpPr>
+        <p:spPr>
+          <a:xfrm>
+            <a:off x="237835" y="143165"/>
+            <a:ext cx="6855691" cy="420253"/>
+          </a:xfrm>
+          <a:prstGeom prst="rect">
+            <a:avLst/>
+          </a:prstGeom>
+          <a:noFill/>
+          <a:ln w="38100">
+            <a:noFill/>
+          </a:ln>
+        </p:spPr>
+        <p:style>
+          <a:lnRef idx="2">
+            <a:schemeClr val="accent1">
+              <a:shade val="15000"/>
+            </a:schemeClr>
+          </a:lnRef>
+          <a:fillRef idx="1">
+            <a:schemeClr val="accent1"/>
+          </a:fillRef>
+          <a:effectRef idx="0">
+            <a:schemeClr val="accent1"/>
+          </a:effectRef>
+          <a:fontRef idx="minor">
+            <a:schemeClr val="lt1"/>
+          </a:fontRef>
+        </p:style>
+        <p:txBody>
+          <a:bodyPr rtlCol="0" anchor="t"/>
+          <a:lstStyle/>
+          <a:p>
+            <a:r>
+              <a:rPr lang="ko-KR" altLang="en-US" sz="2400" dirty="0">
+                <a:solidFill>
+                  <a:schemeClr val="bg1">
+                    <a:lumMod val="50000"/>
+                  </a:schemeClr>
+                </a:solidFill>
+              </a:rPr>
+              <a:t>상품 </a:t>
+            </a:r>
+            <a:r>
+              <a:rPr lang="en-US" altLang="ko-KR" sz="2400" dirty="0">
+                <a:solidFill>
+                  <a:schemeClr val="bg1">
+                    <a:lumMod val="50000"/>
+                  </a:schemeClr>
+                </a:solidFill>
+              </a:rPr>
+              <a:t>– </a:t>
+            </a:r>
+            <a:r>
+              <a:rPr lang="ko-KR" altLang="en-US" sz="2400" dirty="0">
+                <a:solidFill>
+                  <a:schemeClr val="bg1">
+                    <a:lumMod val="50000"/>
+                  </a:schemeClr>
+                </a:solidFill>
+              </a:rPr>
+              <a:t>상품요청 </a:t>
+            </a:r>
+            <a:r>
+              <a:rPr lang="en-US" altLang="ko-KR" sz="2400" dirty="0">
+                <a:solidFill>
+                  <a:schemeClr val="bg1">
+                    <a:lumMod val="50000"/>
+                  </a:schemeClr>
+                </a:solidFill>
+              </a:rPr>
+              <a:t>– </a:t>
+            </a:r>
+            <a:r>
+              <a:rPr lang="ko-KR" altLang="en-US" sz="2400" dirty="0">
+                <a:solidFill>
+                  <a:schemeClr val="bg1">
+                    <a:lumMod val="50000"/>
+                  </a:schemeClr>
+                </a:solidFill>
+              </a:rPr>
+              <a:t>상세조회</a:t>
+            </a:r>
+            <a:r>
+              <a:rPr lang="en-US" altLang="ko-KR" sz="2400" dirty="0">
+                <a:solidFill>
+                  <a:schemeClr val="bg1">
+                    <a:lumMod val="50000"/>
+                  </a:schemeClr>
+                </a:solidFill>
+              </a:rPr>
+              <a:t>(</a:t>
+            </a:r>
+            <a:r>
+              <a:rPr lang="ko-KR" altLang="en-US" sz="2400" dirty="0">
+                <a:solidFill>
+                  <a:schemeClr val="bg1">
+                    <a:lumMod val="50000"/>
+                  </a:schemeClr>
+                </a:solidFill>
+              </a:rPr>
+              <a:t>관리</a:t>
+            </a:r>
+            <a:r>
+              <a:rPr lang="en-US" altLang="ko-KR" sz="2400" dirty="0">
+                <a:solidFill>
+                  <a:schemeClr val="bg1">
+                    <a:lumMod val="50000"/>
+                  </a:schemeClr>
+                </a:solidFill>
+              </a:rPr>
+              <a:t>)</a:t>
+            </a:r>
+          </a:p>
+        </p:txBody>
+      </p:sp>
+      <p:sp>
+        <p:nvSpPr>
+          <p:cNvPr id="25" name="직사각형 24">
+            <a:extLst>
+              <a:ext uri="{FF2B5EF4-FFF2-40B4-BE49-F238E27FC236}">
+                <a16:creationId xmlns:a16="http://schemas.microsoft.com/office/drawing/2014/main" id="{2E426AF0-6BEF-D4CD-D4A9-4CDF06707DBD}"/>
+              </a:ext>
+            </a:extLst>
+          </p:cNvPr>
+          <p:cNvSpPr/>
+          <p:nvPr/>
+        </p:nvSpPr>
+        <p:spPr>
+          <a:xfrm>
+            <a:off x="4098633" y="5608920"/>
+            <a:ext cx="1320799" cy="468717"/>
+          </a:xfrm>
+          <a:prstGeom prst="rect">
+            <a:avLst/>
+          </a:prstGeom>
+          <a:solidFill>
+            <a:schemeClr val="bg1"/>
+          </a:solidFill>
+          <a:ln w="38100"/>
+          <a:scene3d>
+            <a:camera prst="orthographicFront"/>
+            <a:lightRig rig="threePt" dir="t"/>
+          </a:scene3d>
+          <a:sp3d>
+            <a:bevelT prst="angle"/>
+          </a:sp3d>
+        </p:spPr>
+        <p:style>
+          <a:lnRef idx="2">
+            <a:schemeClr val="accent1">
+              <a:shade val="15000"/>
+            </a:schemeClr>
+          </a:lnRef>
+          <a:fillRef idx="1">
+            <a:schemeClr val="accent1"/>
+          </a:fillRef>
+          <a:effectRef idx="0">
+            <a:schemeClr val="accent1"/>
+          </a:effectRef>
+          <a:fontRef idx="minor">
+            <a:schemeClr val="lt1"/>
+          </a:fontRef>
+        </p:style>
+        <p:txBody>
+          <a:bodyPr rtlCol="0" anchor="ctr"/>
+          <a:lstStyle/>
+          <a:p>
+            <a:pPr algn="ctr"/>
+            <a:r>
+              <a:rPr lang="ko-KR" altLang="en-US" dirty="0">
+                <a:solidFill>
+                  <a:schemeClr val="tx1"/>
+                </a:solidFill>
+              </a:rPr>
+              <a:t>답변 등록</a:t>
+            </a:r>
+          </a:p>
+        </p:txBody>
+      </p:sp>
+      <p:sp>
+        <p:nvSpPr>
+          <p:cNvPr id="3" name="직사각형 2">
+            <a:extLst>
+              <a:ext uri="{FF2B5EF4-FFF2-40B4-BE49-F238E27FC236}">
+                <a16:creationId xmlns:a16="http://schemas.microsoft.com/office/drawing/2014/main" id="{F04B4FAD-6154-9D17-89A2-491298016852}"/>
+              </a:ext>
+            </a:extLst>
+          </p:cNvPr>
+          <p:cNvSpPr/>
+          <p:nvPr/>
+        </p:nvSpPr>
+        <p:spPr>
+          <a:xfrm>
+            <a:off x="2650239" y="2407296"/>
+            <a:ext cx="1293100" cy="415638"/>
+          </a:xfrm>
+          <a:prstGeom prst="rect">
+            <a:avLst/>
+          </a:prstGeom>
+          <a:solidFill>
+            <a:schemeClr val="bg1"/>
+          </a:solidFill>
+          <a:ln w="38100"/>
+        </p:spPr>
+        <p:style>
+          <a:lnRef idx="2">
+            <a:schemeClr val="accent1">
+              <a:shade val="15000"/>
+            </a:schemeClr>
+          </a:lnRef>
+          <a:fillRef idx="1">
+            <a:schemeClr val="accent1"/>
+          </a:fillRef>
+          <a:effectRef idx="0">
+            <a:schemeClr val="accent1"/>
+          </a:effectRef>
+          <a:fontRef idx="minor">
+            <a:schemeClr val="lt1"/>
+          </a:fontRef>
+        </p:style>
+        <p:txBody>
+          <a:bodyPr rtlCol="0" anchor="ctr"/>
+          <a:lstStyle/>
+          <a:p>
+            <a:r>
+              <a:rPr lang="ko-KR" altLang="en-US" dirty="0">
+                <a:solidFill>
+                  <a:schemeClr val="tx1"/>
+                </a:solidFill>
+              </a:rPr>
+              <a:t>제목</a:t>
+            </a:r>
+          </a:p>
+        </p:txBody>
+      </p:sp>
+      <p:sp>
+        <p:nvSpPr>
+          <p:cNvPr id="5" name="직사각형 4">
+            <a:extLst>
+              <a:ext uri="{FF2B5EF4-FFF2-40B4-BE49-F238E27FC236}">
+                <a16:creationId xmlns:a16="http://schemas.microsoft.com/office/drawing/2014/main" id="{262A5B3D-FADE-5B6A-FC8E-7240A494FFF0}"/>
+              </a:ext>
+            </a:extLst>
+          </p:cNvPr>
+          <p:cNvSpPr/>
+          <p:nvPr/>
+        </p:nvSpPr>
+        <p:spPr>
+          <a:xfrm>
+            <a:off x="4103253" y="2407296"/>
+            <a:ext cx="4456543" cy="415638"/>
+          </a:xfrm>
+          <a:prstGeom prst="rect">
+            <a:avLst/>
+          </a:prstGeom>
+          <a:solidFill>
+            <a:schemeClr val="bg1"/>
+          </a:solidFill>
+          <a:ln w="38100"/>
+        </p:spPr>
+        <p:style>
+          <a:lnRef idx="2">
+            <a:schemeClr val="accent1">
+              <a:shade val="15000"/>
+            </a:schemeClr>
+          </a:lnRef>
+          <a:fillRef idx="1">
+            <a:schemeClr val="accent1"/>
+          </a:fillRef>
+          <a:effectRef idx="0">
+            <a:schemeClr val="accent1"/>
+          </a:effectRef>
+          <a:fontRef idx="minor">
+            <a:schemeClr val="lt1"/>
+          </a:fontRef>
+        </p:style>
+        <p:txBody>
+          <a:bodyPr rtlCol="0" anchor="ctr"/>
+          <a:lstStyle/>
+          <a:p>
+            <a:pPr algn="ctr"/>
+            <a:endParaRPr lang="ko-KR" altLang="en-US" dirty="0">
+              <a:solidFill>
+                <a:schemeClr val="tx1"/>
+              </a:solidFill>
+            </a:endParaRPr>
+          </a:p>
+        </p:txBody>
+      </p:sp>
+      <p:sp>
+        <p:nvSpPr>
+          <p:cNvPr id="6" name="직사각형 5">
+            <a:extLst>
+              <a:ext uri="{FF2B5EF4-FFF2-40B4-BE49-F238E27FC236}">
+                <a16:creationId xmlns:a16="http://schemas.microsoft.com/office/drawing/2014/main" id="{91A7939E-80F2-F8F6-4F98-466FBB8C8737}"/>
+              </a:ext>
+            </a:extLst>
+          </p:cNvPr>
+          <p:cNvSpPr/>
+          <p:nvPr/>
+        </p:nvSpPr>
+        <p:spPr>
+          <a:xfrm>
+            <a:off x="2650239" y="3109259"/>
+            <a:ext cx="1293100" cy="1516934"/>
+          </a:xfrm>
+          <a:prstGeom prst="rect">
+            <a:avLst/>
+          </a:prstGeom>
+          <a:solidFill>
+            <a:schemeClr val="bg1"/>
+          </a:solidFill>
+          <a:ln w="38100"/>
+        </p:spPr>
+        <p:style>
+          <a:lnRef idx="2">
+            <a:schemeClr val="accent1">
+              <a:shade val="15000"/>
+            </a:schemeClr>
+          </a:lnRef>
+          <a:fillRef idx="1">
+            <a:schemeClr val="accent1"/>
+          </a:fillRef>
+          <a:effectRef idx="0">
+            <a:schemeClr val="accent1"/>
+          </a:effectRef>
+          <a:fontRef idx="minor">
+            <a:schemeClr val="lt1"/>
+          </a:fontRef>
+        </p:style>
+        <p:txBody>
+          <a:bodyPr rtlCol="0" anchor="ctr"/>
+          <a:lstStyle/>
+          <a:p>
+            <a:r>
+              <a:rPr lang="ko-KR" altLang="en-US" dirty="0">
+                <a:solidFill>
+                  <a:schemeClr val="tx1"/>
+                </a:solidFill>
+              </a:rPr>
+              <a:t>상세내용</a:t>
+            </a:r>
+          </a:p>
+        </p:txBody>
+      </p:sp>
+      <p:sp>
+        <p:nvSpPr>
+          <p:cNvPr id="7" name="직사각형 6">
+            <a:extLst>
+              <a:ext uri="{FF2B5EF4-FFF2-40B4-BE49-F238E27FC236}">
+                <a16:creationId xmlns:a16="http://schemas.microsoft.com/office/drawing/2014/main" id="{687B70BF-2117-5B23-EAD2-B37ACDBD5EFF}"/>
+              </a:ext>
+            </a:extLst>
+          </p:cNvPr>
+          <p:cNvSpPr/>
+          <p:nvPr/>
+        </p:nvSpPr>
+        <p:spPr>
+          <a:xfrm>
+            <a:off x="4103253" y="3109258"/>
+            <a:ext cx="4456543" cy="1516935"/>
+          </a:xfrm>
+          <a:prstGeom prst="rect">
+            <a:avLst/>
+          </a:prstGeom>
+          <a:solidFill>
+            <a:schemeClr val="bg1"/>
+          </a:solidFill>
+          <a:ln w="38100"/>
+        </p:spPr>
+        <p:style>
+          <a:lnRef idx="2">
+            <a:schemeClr val="accent1">
+              <a:shade val="15000"/>
+            </a:schemeClr>
+          </a:lnRef>
+          <a:fillRef idx="1">
+            <a:schemeClr val="accent1"/>
+          </a:fillRef>
+          <a:effectRef idx="0">
+            <a:schemeClr val="accent1"/>
+          </a:effectRef>
+          <a:fontRef idx="minor">
+            <a:schemeClr val="lt1"/>
+          </a:fontRef>
+        </p:style>
+        <p:txBody>
+          <a:bodyPr rtlCol="0" anchor="ctr"/>
+          <a:lstStyle/>
+          <a:p>
+            <a:pPr algn="ctr"/>
+            <a:endParaRPr lang="ko-KR" altLang="en-US" dirty="0">
+              <a:solidFill>
+                <a:schemeClr val="tx1"/>
+              </a:solidFill>
+            </a:endParaRPr>
+          </a:p>
+        </p:txBody>
+      </p:sp>
+      <p:sp>
+        <p:nvSpPr>
+          <p:cNvPr id="8" name="직사각형 7">
+            <a:extLst>
+              <a:ext uri="{FF2B5EF4-FFF2-40B4-BE49-F238E27FC236}">
+                <a16:creationId xmlns:a16="http://schemas.microsoft.com/office/drawing/2014/main" id="{F9B48F98-81C8-03F8-8805-368E2EED25F9}"/>
+              </a:ext>
+            </a:extLst>
+          </p:cNvPr>
+          <p:cNvSpPr/>
+          <p:nvPr/>
+        </p:nvSpPr>
+        <p:spPr>
+          <a:xfrm>
+            <a:off x="2650239" y="4887259"/>
+            <a:ext cx="1293100" cy="460595"/>
+          </a:xfrm>
+          <a:prstGeom prst="rect">
+            <a:avLst/>
+          </a:prstGeom>
+          <a:solidFill>
+            <a:schemeClr val="bg1"/>
+          </a:solidFill>
+          <a:ln w="38100"/>
+        </p:spPr>
+        <p:style>
+          <a:lnRef idx="2">
+            <a:schemeClr val="accent1">
+              <a:shade val="15000"/>
+            </a:schemeClr>
+          </a:lnRef>
+          <a:fillRef idx="1">
+            <a:schemeClr val="accent1"/>
+          </a:fillRef>
+          <a:effectRef idx="0">
+            <a:schemeClr val="accent1"/>
+          </a:effectRef>
+          <a:fontRef idx="minor">
+            <a:schemeClr val="lt1"/>
+          </a:fontRef>
+        </p:style>
+        <p:txBody>
+          <a:bodyPr rtlCol="0" anchor="ctr"/>
+          <a:lstStyle/>
+          <a:p>
+            <a:r>
+              <a:rPr lang="ko-KR" altLang="en-US">
+                <a:solidFill>
+                  <a:schemeClr val="tx1"/>
+                </a:solidFill>
+              </a:rPr>
+              <a:t>청부파일</a:t>
+            </a:r>
+            <a:endParaRPr lang="ko-KR" altLang="en-US" dirty="0">
+              <a:solidFill>
+                <a:schemeClr val="tx1"/>
+              </a:solidFill>
+            </a:endParaRPr>
+          </a:p>
+        </p:txBody>
+      </p:sp>
+      <p:sp>
+        <p:nvSpPr>
+          <p:cNvPr id="9" name="직사각형 8">
+            <a:extLst>
+              <a:ext uri="{FF2B5EF4-FFF2-40B4-BE49-F238E27FC236}">
+                <a16:creationId xmlns:a16="http://schemas.microsoft.com/office/drawing/2014/main" id="{BA232370-FADC-6318-01F0-720F2C52264C}"/>
+              </a:ext>
+            </a:extLst>
+          </p:cNvPr>
+          <p:cNvSpPr/>
+          <p:nvPr/>
+        </p:nvSpPr>
+        <p:spPr>
+          <a:xfrm>
+            <a:off x="4103253" y="4887259"/>
+            <a:ext cx="4456543" cy="460595"/>
+          </a:xfrm>
+          <a:prstGeom prst="rect">
+            <a:avLst/>
+          </a:prstGeom>
+          <a:solidFill>
+            <a:schemeClr val="bg1"/>
+          </a:solidFill>
+          <a:ln w="38100"/>
+        </p:spPr>
+        <p:style>
+          <a:lnRef idx="2">
+            <a:schemeClr val="accent1">
+              <a:shade val="15000"/>
+            </a:schemeClr>
+          </a:lnRef>
+          <a:fillRef idx="1">
+            <a:schemeClr val="accent1"/>
+          </a:fillRef>
+          <a:effectRef idx="0">
+            <a:schemeClr val="accent1"/>
+          </a:effectRef>
+          <a:fontRef idx="minor">
+            <a:schemeClr val="lt1"/>
+          </a:fontRef>
+        </p:style>
+        <p:txBody>
+          <a:bodyPr rtlCol="0" anchor="ctr"/>
+          <a:lstStyle/>
+          <a:p>
+            <a:pPr algn="ctr"/>
+            <a:endParaRPr lang="ko-KR" altLang="en-US" dirty="0">
+              <a:solidFill>
+                <a:schemeClr val="tx1"/>
+              </a:solidFill>
+            </a:endParaRPr>
+          </a:p>
+        </p:txBody>
+      </p:sp>
+      <p:sp>
+        <p:nvSpPr>
+          <p:cNvPr id="10" name="직사각형 9">
+            <a:extLst>
+              <a:ext uri="{FF2B5EF4-FFF2-40B4-BE49-F238E27FC236}">
+                <a16:creationId xmlns:a16="http://schemas.microsoft.com/office/drawing/2014/main" id="{6FDF2ECA-961E-C4B4-DE6F-776FB1596BA4}"/>
+              </a:ext>
+            </a:extLst>
+          </p:cNvPr>
+          <p:cNvSpPr/>
+          <p:nvPr/>
+        </p:nvSpPr>
+        <p:spPr>
+          <a:xfrm>
+            <a:off x="2650239" y="1730592"/>
+            <a:ext cx="1293100" cy="415638"/>
+          </a:xfrm>
+          <a:prstGeom prst="rect">
+            <a:avLst/>
+          </a:prstGeom>
+          <a:solidFill>
+            <a:schemeClr val="bg1"/>
+          </a:solidFill>
+          <a:ln w="38100"/>
+        </p:spPr>
+        <p:style>
+          <a:lnRef idx="2">
+            <a:schemeClr val="accent1">
+              <a:shade val="15000"/>
+            </a:schemeClr>
+          </a:lnRef>
+          <a:fillRef idx="1">
+            <a:schemeClr val="accent1"/>
+          </a:fillRef>
+          <a:effectRef idx="0">
+            <a:schemeClr val="accent1"/>
+          </a:effectRef>
+          <a:fontRef idx="minor">
+            <a:schemeClr val="lt1"/>
+          </a:fontRef>
+        </p:style>
+        <p:txBody>
+          <a:bodyPr rtlCol="0" anchor="ctr"/>
+          <a:lstStyle/>
+          <a:p>
+            <a:r>
+              <a:rPr lang="ko-KR" altLang="en-US" dirty="0">
+                <a:solidFill>
+                  <a:schemeClr val="tx1"/>
+                </a:solidFill>
+              </a:rPr>
+              <a:t>상태</a:t>
+            </a:r>
+          </a:p>
+        </p:txBody>
+      </p:sp>
+      <p:sp>
+        <p:nvSpPr>
+          <p:cNvPr id="11" name="직사각형 10">
+            <a:extLst>
+              <a:ext uri="{FF2B5EF4-FFF2-40B4-BE49-F238E27FC236}">
+                <a16:creationId xmlns:a16="http://schemas.microsoft.com/office/drawing/2014/main" id="{5F0B51A1-DA8B-9FB8-9109-9F0D649EFCC4}"/>
+              </a:ext>
+            </a:extLst>
+          </p:cNvPr>
+          <p:cNvSpPr/>
+          <p:nvPr/>
+        </p:nvSpPr>
+        <p:spPr>
+          <a:xfrm>
+            <a:off x="4103253" y="1730592"/>
+            <a:ext cx="4456543" cy="415638"/>
+          </a:xfrm>
+          <a:prstGeom prst="rect">
+            <a:avLst/>
+          </a:prstGeom>
+          <a:solidFill>
+            <a:schemeClr val="bg1"/>
+          </a:solidFill>
+          <a:ln w="38100"/>
+        </p:spPr>
+        <p:style>
+          <a:lnRef idx="2">
+            <a:schemeClr val="accent1">
+              <a:shade val="15000"/>
+            </a:schemeClr>
+          </a:lnRef>
+          <a:fillRef idx="1">
+            <a:schemeClr val="accent1"/>
+          </a:fillRef>
+          <a:effectRef idx="0">
+            <a:schemeClr val="accent1"/>
+          </a:effectRef>
+          <a:fontRef idx="minor">
+            <a:schemeClr val="lt1"/>
+          </a:fontRef>
+        </p:style>
+        <p:txBody>
+          <a:bodyPr rtlCol="0" anchor="ctr"/>
+          <a:lstStyle/>
+          <a:p>
+            <a:pPr algn="ctr"/>
+            <a:r>
+              <a:rPr lang="ko-KR" altLang="en-US" dirty="0">
+                <a:solidFill>
+                  <a:schemeClr val="tx1"/>
+                </a:solidFill>
+              </a:rPr>
+              <a:t>요청</a:t>
+            </a:r>
+          </a:p>
+        </p:txBody>
+      </p:sp>
+      <p:sp>
+        <p:nvSpPr>
+          <p:cNvPr id="12" name="이등변 삼각형 11">
+            <a:extLst>
+              <a:ext uri="{FF2B5EF4-FFF2-40B4-BE49-F238E27FC236}">
+                <a16:creationId xmlns:a16="http://schemas.microsoft.com/office/drawing/2014/main" id="{9A550CFD-F64D-541E-8134-F331EE392841}"/>
+              </a:ext>
+            </a:extLst>
+          </p:cNvPr>
+          <p:cNvSpPr/>
+          <p:nvPr/>
+        </p:nvSpPr>
+        <p:spPr>
+          <a:xfrm flipV="1">
+            <a:off x="4191003" y="1807918"/>
+            <a:ext cx="286328" cy="260986"/>
+          </a:xfrm>
+          <a:prstGeom prst="triangle">
+            <a:avLst/>
+          </a:prstGeom>
+          <a:solidFill>
+            <a:schemeClr val="tx2"/>
+          </a:solidFill>
+        </p:spPr>
+        <p:style>
+          <a:lnRef idx="2">
+            <a:schemeClr val="accent1">
+              <a:shade val="15000"/>
+            </a:schemeClr>
+          </a:lnRef>
+          <a:fillRef idx="1">
+            <a:schemeClr val="accent1"/>
+          </a:fillRef>
+          <a:effectRef idx="0">
+            <a:schemeClr val="accent1"/>
+          </a:effectRef>
+          <a:fontRef idx="minor">
+            <a:schemeClr val="lt1"/>
+          </a:fontRef>
+        </p:style>
+        <p:txBody>
+          <a:bodyPr rtlCol="0" anchor="ctr"/>
+          <a:lstStyle/>
+          <a:p>
+            <a:pPr algn="ctr"/>
+            <a:endParaRPr lang="ko-KR" altLang="en-US"/>
+          </a:p>
+        </p:txBody>
+      </p:sp>
+      <p:sp>
+        <p:nvSpPr>
+          <p:cNvPr id="13" name="직사각형 12">
+            <a:extLst>
+              <a:ext uri="{FF2B5EF4-FFF2-40B4-BE49-F238E27FC236}">
+                <a16:creationId xmlns:a16="http://schemas.microsoft.com/office/drawing/2014/main" id="{BD212559-E6E0-B753-003D-2B4EB5907F25}"/>
+              </a:ext>
+            </a:extLst>
+          </p:cNvPr>
+          <p:cNvSpPr/>
+          <p:nvPr/>
+        </p:nvSpPr>
+        <p:spPr>
+          <a:xfrm>
+            <a:off x="5668815" y="5608920"/>
+            <a:ext cx="1320799" cy="468717"/>
+          </a:xfrm>
+          <a:prstGeom prst="rect">
+            <a:avLst/>
+          </a:prstGeom>
+          <a:solidFill>
+            <a:schemeClr val="bg1"/>
+          </a:solidFill>
+          <a:ln w="38100"/>
+          <a:scene3d>
+            <a:camera prst="orthographicFront"/>
+            <a:lightRig rig="threePt" dir="t"/>
+          </a:scene3d>
+          <a:sp3d>
+            <a:bevelT prst="angle"/>
+          </a:sp3d>
+        </p:spPr>
+        <p:style>
+          <a:lnRef idx="2">
+            <a:schemeClr val="accent1">
+              <a:shade val="15000"/>
+            </a:schemeClr>
+          </a:lnRef>
+          <a:fillRef idx="1">
+            <a:schemeClr val="accent1"/>
+          </a:fillRef>
+          <a:effectRef idx="0">
+            <a:schemeClr val="accent1"/>
+          </a:effectRef>
+          <a:fontRef idx="minor">
+            <a:schemeClr val="lt1"/>
+          </a:fontRef>
+        </p:style>
+        <p:txBody>
+          <a:bodyPr rtlCol="0" anchor="ctr"/>
+          <a:lstStyle/>
+          <a:p>
+            <a:pPr algn="ctr"/>
+            <a:r>
+              <a:rPr lang="ko-KR" altLang="en-US" dirty="0">
+                <a:solidFill>
+                  <a:schemeClr val="tx1"/>
+                </a:solidFill>
+              </a:rPr>
+              <a:t>저장</a:t>
+            </a:r>
+          </a:p>
+        </p:txBody>
+      </p:sp>
+      <p:sp>
+        <p:nvSpPr>
+          <p:cNvPr id="16" name="직사각형 15">
+            <a:extLst>
+              <a:ext uri="{FF2B5EF4-FFF2-40B4-BE49-F238E27FC236}">
+                <a16:creationId xmlns:a16="http://schemas.microsoft.com/office/drawing/2014/main" id="{30A00C7B-BC53-BF32-C60A-CBEA5E4D1121}"/>
+              </a:ext>
+            </a:extLst>
+          </p:cNvPr>
+          <p:cNvSpPr/>
+          <p:nvPr/>
+        </p:nvSpPr>
+        <p:spPr>
+          <a:xfrm>
+            <a:off x="7238997" y="5608919"/>
+            <a:ext cx="1320799" cy="468717"/>
+          </a:xfrm>
+          <a:prstGeom prst="rect">
+            <a:avLst/>
+          </a:prstGeom>
+          <a:solidFill>
+            <a:schemeClr val="bg1"/>
+          </a:solidFill>
+          <a:ln w="38100"/>
+          <a:scene3d>
+            <a:camera prst="orthographicFront"/>
+            <a:lightRig rig="threePt" dir="t"/>
+          </a:scene3d>
+          <a:sp3d>
+            <a:bevelT prst="angle"/>
+          </a:sp3d>
+        </p:spPr>
+        <p:style>
+          <a:lnRef idx="2">
+            <a:schemeClr val="accent1">
+              <a:shade val="15000"/>
+            </a:schemeClr>
+          </a:lnRef>
+          <a:fillRef idx="1">
+            <a:schemeClr val="accent1"/>
+          </a:fillRef>
+          <a:effectRef idx="0">
+            <a:schemeClr val="accent1"/>
+          </a:effectRef>
+          <a:fontRef idx="minor">
+            <a:schemeClr val="lt1"/>
+          </a:fontRef>
+        </p:style>
+        <p:txBody>
+          <a:bodyPr rtlCol="0" anchor="ctr"/>
+          <a:lstStyle/>
+          <a:p>
+            <a:pPr algn="ctr"/>
+            <a:r>
+              <a:rPr lang="ko-KR" altLang="en-US" dirty="0">
+                <a:solidFill>
+                  <a:schemeClr val="tx1"/>
+                </a:solidFill>
+              </a:rPr>
+              <a:t>삭제</a:t>
+            </a:r>
+          </a:p>
+        </p:txBody>
+      </p:sp>
+    </p:spTree>
+    <p:extLst>
+      <p:ext uri="{BB962C8B-B14F-4D97-AF65-F5344CB8AC3E}">
+        <p14:creationId xmlns:p14="http://schemas.microsoft.com/office/powerpoint/2010/main" val="3084961329"/>
+      </p:ext>
+    </p:extLst>
+  </p:cSld>
+  <p:clrMapOvr>
+    <a:masterClrMapping/>
+  </p:clrMapOvr>
+</p:sld>
+</file>
+
+<file path=ppt/slides/slide14.xml><?xml version="1.0" encoding="utf-8"?>
+<p:sld xmlns:a="http://schemas.openxmlformats.org/drawingml/2006/main" xmlns:r="http://schemas.openxmlformats.org/officeDocument/2006/relationships" xmlns:p="http://schemas.openxmlformats.org/presentationml/2006/main">
+  <p:cSld>
+    <p:spTree>
+      <p:nvGrpSpPr>
+        <p:cNvPr id="1" name=""/>
+        <p:cNvGrpSpPr/>
+        <p:nvPr/>
+      </p:nvGrpSpPr>
+      <p:grpSpPr>
+        <a:xfrm>
+          <a:off x="0" y="0"/>
+          <a:ext cx="0" cy="0"/>
+          <a:chOff x="0" y="0"/>
+          <a:chExt cx="0" cy="0"/>
+        </a:xfrm>
+      </p:grpSpPr>
+      <p:sp>
+        <p:nvSpPr>
           <p:cNvPr id="6" name="직사각형 5">
             <a:extLst>
               <a:ext uri="{FF2B5EF4-FFF2-40B4-BE49-F238E27FC236}">
@@ -9163,7 +10352,7 @@
 </p:sld>
 </file>
 
-<file path=ppt/slides/slide14.xml><?xml version="1.0" encoding="utf-8"?>
+<file path=ppt/slides/slide15.xml><?xml version="1.0" encoding="utf-8"?>
 <p:sld xmlns:a="http://schemas.openxmlformats.org/drawingml/2006/main" xmlns:r="http://schemas.openxmlformats.org/officeDocument/2006/relationships" xmlns:p="http://schemas.openxmlformats.org/presentationml/2006/main">
   <p:cSld>
     <p:spTree>
@@ -11540,176 +12729,19 @@
       </p:sp>
       <p:sp>
         <p:nvSpPr>
-          <p:cNvPr id="22" name="직사각형 21">
-            <a:extLst>
-              <a:ext uri="{FF2B5EF4-FFF2-40B4-BE49-F238E27FC236}">
-                <a16:creationId xmlns:a16="http://schemas.microsoft.com/office/drawing/2014/main" id="{A59ADA49-5DBD-8954-E449-73B876698A67}"/>
-              </a:ext>
-            </a:extLst>
-          </p:cNvPr>
-          <p:cNvSpPr/>
-          <p:nvPr/>
-        </p:nvSpPr>
-        <p:spPr>
-          <a:xfrm>
-            <a:off x="237836" y="3628237"/>
-            <a:ext cx="4262582" cy="420253"/>
-          </a:xfrm>
-          <a:prstGeom prst="rect">
-            <a:avLst/>
-          </a:prstGeom>
-          <a:noFill/>
-          <a:ln w="38100">
-            <a:noFill/>
-          </a:ln>
-        </p:spPr>
-        <p:style>
-          <a:lnRef idx="2">
-            <a:schemeClr val="accent1">
-              <a:shade val="15000"/>
-            </a:schemeClr>
-          </a:lnRef>
-          <a:fillRef idx="1">
-            <a:schemeClr val="accent1"/>
-          </a:fillRef>
-          <a:effectRef idx="0">
-            <a:schemeClr val="accent1"/>
-          </a:effectRef>
-          <a:fontRef idx="minor">
-            <a:schemeClr val="lt1"/>
-          </a:fontRef>
-        </p:style>
-        <p:txBody>
-          <a:bodyPr rtlCol="0" anchor="t"/>
-          <a:lstStyle/>
-          <a:p>
-            <a:r>
-              <a:rPr lang="ko-KR" altLang="en-US" sz="2400" dirty="0">
-                <a:solidFill>
-                  <a:schemeClr val="bg1">
-                    <a:lumMod val="50000"/>
-                  </a:schemeClr>
-                </a:solidFill>
-              </a:rPr>
-              <a:t>검증 프로세스</a:t>
-            </a:r>
-            <a:endParaRPr lang="en-US" altLang="ko-KR" sz="2400" dirty="0">
-              <a:solidFill>
-                <a:schemeClr val="bg1">
-                  <a:lumMod val="50000"/>
-                </a:schemeClr>
-              </a:solidFill>
-            </a:endParaRPr>
-          </a:p>
-        </p:txBody>
-      </p:sp>
-      <p:sp>
-        <p:nvSpPr>
-          <p:cNvPr id="23" name="사각형: 둥근 모서리 22">
-            <a:extLst>
-              <a:ext uri="{FF2B5EF4-FFF2-40B4-BE49-F238E27FC236}">
-                <a16:creationId xmlns:a16="http://schemas.microsoft.com/office/drawing/2014/main" id="{C7BC9D80-B4A2-8E1C-2CE7-817597EBD533}"/>
-              </a:ext>
-            </a:extLst>
-          </p:cNvPr>
-          <p:cNvSpPr/>
-          <p:nvPr/>
-        </p:nvSpPr>
-        <p:spPr>
-          <a:xfrm>
-            <a:off x="226293" y="4476831"/>
-            <a:ext cx="1884219" cy="738909"/>
-          </a:xfrm>
-          <a:prstGeom prst="roundRect">
-            <a:avLst/>
-          </a:prstGeom>
-          <a:noFill/>
-        </p:spPr>
-        <p:style>
-          <a:lnRef idx="2">
-            <a:schemeClr val="accent1">
-              <a:shade val="15000"/>
-            </a:schemeClr>
-          </a:lnRef>
-          <a:fillRef idx="1">
-            <a:schemeClr val="accent1"/>
-          </a:fillRef>
-          <a:effectRef idx="0">
-            <a:schemeClr val="accent1"/>
-          </a:effectRef>
-          <a:fontRef idx="minor">
-            <a:schemeClr val="lt1"/>
-          </a:fontRef>
-        </p:style>
-        <p:txBody>
-          <a:bodyPr rtlCol="0" anchor="ctr"/>
-          <a:lstStyle/>
-          <a:p>
-            <a:pPr algn="ctr"/>
-            <a:r>
-              <a:rPr lang="ko-KR" altLang="en-US" dirty="0">
-                <a:solidFill>
-                  <a:schemeClr val="tx1"/>
-                </a:solidFill>
-              </a:rPr>
-              <a:t>요청 발생</a:t>
-            </a:r>
-            <a:endParaRPr lang="en-US" altLang="ko-KR" dirty="0">
-              <a:solidFill>
-                <a:schemeClr val="tx1"/>
-              </a:solidFill>
-            </a:endParaRPr>
-          </a:p>
-          <a:p>
-            <a:pPr algn="ctr"/>
-            <a:r>
-              <a:rPr lang="en-US" altLang="ko-KR" sz="1200" dirty="0">
-                <a:solidFill>
-                  <a:schemeClr val="tx1">
-                    <a:lumMod val="50000"/>
-                    <a:lumOff val="50000"/>
-                  </a:schemeClr>
-                </a:solidFill>
-              </a:rPr>
-              <a:t>*.</a:t>
-            </a:r>
-            <a:r>
-              <a:rPr lang="en-US" altLang="ko-KR" sz="1200" dirty="0" err="1">
-                <a:solidFill>
-                  <a:schemeClr val="tx1">
-                    <a:lumMod val="50000"/>
-                    <a:lumOff val="50000"/>
-                  </a:schemeClr>
-                </a:solidFill>
-              </a:rPr>
-              <a:t>vue</a:t>
-            </a:r>
-            <a:endParaRPr lang="ko-KR" altLang="en-US" sz="1200" dirty="0">
-              <a:solidFill>
-                <a:schemeClr val="tx1">
-                  <a:lumMod val="50000"/>
-                  <a:lumOff val="50000"/>
-                </a:schemeClr>
-              </a:solidFill>
-            </a:endParaRPr>
-          </a:p>
-        </p:txBody>
-      </p:sp>
-      <p:sp>
-        <p:nvSpPr>
-          <p:cNvPr id="24" name="사각형: 둥근 모서리 23">
-            <a:extLst>
-              <a:ext uri="{FF2B5EF4-FFF2-40B4-BE49-F238E27FC236}">
-                <a16:creationId xmlns:a16="http://schemas.microsoft.com/office/drawing/2014/main" id="{EF2C57C8-70A9-21B3-E4F5-016621ACEF1E}"/>
-              </a:ext>
-            </a:extLst>
-          </p:cNvPr>
-          <p:cNvSpPr/>
-          <p:nvPr/>
-        </p:nvSpPr>
-        <p:spPr>
-          <a:xfrm>
-            <a:off x="2698560" y="4476831"/>
+          <p:cNvPr id="35" name="사각형: 둥근 모서리 34">
+            <a:extLst>
+              <a:ext uri="{FF2B5EF4-FFF2-40B4-BE49-F238E27FC236}">
+                <a16:creationId xmlns:a16="http://schemas.microsoft.com/office/drawing/2014/main" id="{C009C249-7454-0554-977F-F64AC444CF23}"/>
+              </a:ext>
+            </a:extLst>
+          </p:cNvPr>
+          <p:cNvSpPr/>
+          <p:nvPr/>
+        </p:nvSpPr>
+        <p:spPr>
+          <a:xfrm>
+            <a:off x="5031993" y="7898354"/>
             <a:ext cx="1884219" cy="738909"/>
           </a:xfrm>
           <a:prstGeom prst="roundRect">
@@ -11771,396 +12803,6 @@
               <a:defRPr/>
             </a:pPr>
             <a:r>
-              <a:rPr kumimoji="0" lang="en-US" altLang="ko-KR" sz="1100" b="0" i="0" u="none" strike="noStrike" kern="1200" cap="none" spc="0" normalizeH="0" baseline="0" noProof="0" dirty="0">
-                <a:ln>
-                  <a:noFill/>
-                </a:ln>
-                <a:solidFill>
-                  <a:prstClr val="black">
-                    <a:lumMod val="50000"/>
-                    <a:lumOff val="50000"/>
-                  </a:prstClr>
-                </a:solidFill>
-                <a:effectLst/>
-                <a:uLnTx/>
-                <a:uFillTx/>
-                <a:latin typeface="맑은 고딕" panose="020F0502020204030204"/>
-                <a:ea typeface="맑은 고딕" panose="020B0503020000020004" pitchFamily="50" charset="-127"/>
-                <a:cs typeface="+mn-cs"/>
-              </a:rPr>
-              <a:t>JwtAuthFilter.java,</a:t>
-            </a:r>
-          </a:p>
-          <a:p>
-            <a:pPr marL="0" marR="0" lvl="0" indent="0" algn="ctr" defTabSz="914400" rtl="0" eaLnBrk="1" fontAlgn="auto" latinLnBrk="1" hangingPunct="1">
-              <a:lnSpc>
-                <a:spcPct val="100000"/>
-              </a:lnSpc>
-              <a:spcBef>
-                <a:spcPts val="0"/>
-              </a:spcBef>
-              <a:spcAft>
-                <a:spcPts val="0"/>
-              </a:spcAft>
-              <a:buClrTx/>
-              <a:buSzTx/>
-              <a:buFontTx/>
-              <a:buNone/>
-              <a:tabLst/>
-              <a:defRPr/>
-            </a:pPr>
-            <a:r>
-              <a:rPr kumimoji="0" lang="en-US" altLang="ko-KR" sz="1100" b="0" i="0" u="none" strike="noStrike" kern="1200" cap="none" spc="0" normalizeH="0" baseline="0" noProof="0" dirty="0" err="1">
-                <a:ln>
-                  <a:noFill/>
-                </a:ln>
-                <a:solidFill>
-                  <a:prstClr val="black">
-                    <a:lumMod val="50000"/>
-                    <a:lumOff val="50000"/>
-                  </a:prstClr>
-                </a:solidFill>
-                <a:effectLst/>
-                <a:uLnTx/>
-                <a:uFillTx/>
-                <a:latin typeface="맑은 고딕" panose="020F0502020204030204"/>
-                <a:ea typeface="맑은 고딕" panose="020B0503020000020004" pitchFamily="50" charset="-127"/>
-                <a:cs typeface="+mn-cs"/>
-              </a:rPr>
-              <a:t>SecurityConfig</a:t>
-            </a:r>
-            <a:r>
-              <a:rPr kumimoji="0" lang="en-US" altLang="ko-KR" sz="1100" b="0" i="0" u="none" strike="noStrike" kern="1200" cap="none" spc="0" normalizeH="0" baseline="0" noProof="0" dirty="0">
-                <a:ln>
-                  <a:noFill/>
-                </a:ln>
-                <a:solidFill>
-                  <a:prstClr val="black">
-                    <a:lumMod val="50000"/>
-                    <a:lumOff val="50000"/>
-                  </a:prstClr>
-                </a:solidFill>
-                <a:effectLst/>
-                <a:uLnTx/>
-                <a:uFillTx/>
-                <a:latin typeface="맑은 고딕" panose="020F0502020204030204"/>
-                <a:ea typeface="맑은 고딕" panose="020B0503020000020004" pitchFamily="50" charset="-127"/>
-                <a:cs typeface="+mn-cs"/>
-              </a:rPr>
-              <a:t>.</a:t>
-            </a:r>
-            <a:r>
-              <a:rPr lang="en-US" altLang="ko-KR" sz="1100" dirty="0">
-                <a:solidFill>
-                  <a:prstClr val="black">
-                    <a:lumMod val="50000"/>
-                    <a:lumOff val="50000"/>
-                  </a:prstClr>
-                </a:solidFill>
-                <a:latin typeface="맑은 고딕" panose="020F0502020204030204"/>
-                <a:ea typeface="맑은 고딕" panose="020B0503020000020004" pitchFamily="50" charset="-127"/>
-              </a:rPr>
-              <a:t>java</a:t>
-            </a:r>
-            <a:endParaRPr kumimoji="0" lang="ko-KR" altLang="en-US" sz="1100" b="0" i="0" u="none" strike="noStrike" kern="1200" cap="none" spc="0" normalizeH="0" baseline="0" noProof="0" dirty="0">
-              <a:ln>
-                <a:noFill/>
-              </a:ln>
-              <a:solidFill>
-                <a:prstClr val="black">
-                  <a:lumMod val="50000"/>
-                  <a:lumOff val="50000"/>
-                </a:prstClr>
-              </a:solidFill>
-              <a:effectLst/>
-              <a:uLnTx/>
-              <a:uFillTx/>
-              <a:latin typeface="맑은 고딕" panose="020F0502020204030204"/>
-              <a:ea typeface="맑은 고딕" panose="020B0503020000020004" pitchFamily="50" charset="-127"/>
-              <a:cs typeface="+mn-cs"/>
-            </a:endParaRPr>
-          </a:p>
-        </p:txBody>
-      </p:sp>
-      <p:cxnSp>
-        <p:nvCxnSpPr>
-          <p:cNvPr id="27" name="직선 화살표 연결선 26">
-            <a:extLst>
-              <a:ext uri="{FF2B5EF4-FFF2-40B4-BE49-F238E27FC236}">
-                <a16:creationId xmlns:a16="http://schemas.microsoft.com/office/drawing/2014/main" id="{A11E33D4-9DAF-41CC-044E-B5D8A79A4801}"/>
-              </a:ext>
-            </a:extLst>
-          </p:cNvPr>
-          <p:cNvCxnSpPr>
-            <a:cxnSpLocks/>
-          </p:cNvCxnSpPr>
-          <p:nvPr/>
-        </p:nvCxnSpPr>
-        <p:spPr>
-          <a:xfrm>
-            <a:off x="4582778" y="4846285"/>
-            <a:ext cx="588048" cy="0"/>
-          </a:xfrm>
-          <a:prstGeom prst="straightConnector1">
-            <a:avLst/>
-          </a:prstGeom>
-          <a:ln w="38100">
-            <a:tailEnd type="triangle"/>
-          </a:ln>
-        </p:spPr>
-        <p:style>
-          <a:lnRef idx="1">
-            <a:schemeClr val="accent1"/>
-          </a:lnRef>
-          <a:fillRef idx="0">
-            <a:schemeClr val="accent1"/>
-          </a:fillRef>
-          <a:effectRef idx="0">
-            <a:schemeClr val="accent1"/>
-          </a:effectRef>
-          <a:fontRef idx="minor">
-            <a:schemeClr val="tx1"/>
-          </a:fontRef>
-        </p:style>
-      </p:cxnSp>
-      <p:cxnSp>
-        <p:nvCxnSpPr>
-          <p:cNvPr id="28" name="직선 화살표 연결선 27">
-            <a:extLst>
-              <a:ext uri="{FF2B5EF4-FFF2-40B4-BE49-F238E27FC236}">
-                <a16:creationId xmlns:a16="http://schemas.microsoft.com/office/drawing/2014/main" id="{09E6CD21-1383-A3EF-2918-C1D4574DEE38}"/>
-              </a:ext>
-            </a:extLst>
-          </p:cNvPr>
-          <p:cNvCxnSpPr>
-            <a:cxnSpLocks/>
-          </p:cNvCxnSpPr>
-          <p:nvPr/>
-        </p:nvCxnSpPr>
-        <p:spPr>
-          <a:xfrm>
-            <a:off x="2110512" y="4846285"/>
-            <a:ext cx="588048" cy="0"/>
-          </a:xfrm>
-          <a:prstGeom prst="straightConnector1">
-            <a:avLst/>
-          </a:prstGeom>
-          <a:ln w="38100">
-            <a:tailEnd type="triangle"/>
-          </a:ln>
-        </p:spPr>
-        <p:style>
-          <a:lnRef idx="1">
-            <a:schemeClr val="accent1"/>
-          </a:lnRef>
-          <a:fillRef idx="0">
-            <a:schemeClr val="accent1"/>
-          </a:fillRef>
-          <a:effectRef idx="0">
-            <a:schemeClr val="accent1"/>
-          </a:effectRef>
-          <a:fontRef idx="minor">
-            <a:schemeClr val="tx1"/>
-          </a:fontRef>
-        </p:style>
-      </p:cxnSp>
-      <p:cxnSp>
-        <p:nvCxnSpPr>
-          <p:cNvPr id="29" name="직선 화살표 연결선 28">
-            <a:extLst>
-              <a:ext uri="{FF2B5EF4-FFF2-40B4-BE49-F238E27FC236}">
-                <a16:creationId xmlns:a16="http://schemas.microsoft.com/office/drawing/2014/main" id="{D871CF6B-8223-8E24-4A99-994038A3C8D2}"/>
-              </a:ext>
-            </a:extLst>
-          </p:cNvPr>
-          <p:cNvCxnSpPr>
-            <a:cxnSpLocks/>
-          </p:cNvCxnSpPr>
-          <p:nvPr/>
-        </p:nvCxnSpPr>
-        <p:spPr>
-          <a:xfrm>
-            <a:off x="3640670" y="5215740"/>
-            <a:ext cx="0" cy="313036"/>
-          </a:xfrm>
-          <a:prstGeom prst="straightConnector1">
-            <a:avLst/>
-          </a:prstGeom>
-          <a:ln w="38100">
-            <a:tailEnd type="triangle"/>
-          </a:ln>
-        </p:spPr>
-        <p:style>
-          <a:lnRef idx="1">
-            <a:schemeClr val="accent1"/>
-          </a:lnRef>
-          <a:fillRef idx="0">
-            <a:schemeClr val="accent1"/>
-          </a:fillRef>
-          <a:effectRef idx="0">
-            <a:schemeClr val="accent1"/>
-          </a:effectRef>
-          <a:fontRef idx="minor">
-            <a:schemeClr val="tx1"/>
-          </a:fontRef>
-        </p:style>
-      </p:cxnSp>
-      <p:sp>
-        <p:nvSpPr>
-          <p:cNvPr id="34" name="직사각형 33">
-            <a:extLst>
-              <a:ext uri="{FF2B5EF4-FFF2-40B4-BE49-F238E27FC236}">
-                <a16:creationId xmlns:a16="http://schemas.microsoft.com/office/drawing/2014/main" id="{53570275-BA4D-014F-8EE8-91C11C889B31}"/>
-              </a:ext>
-            </a:extLst>
-          </p:cNvPr>
-          <p:cNvSpPr/>
-          <p:nvPr/>
-        </p:nvSpPr>
-        <p:spPr>
-          <a:xfrm>
-            <a:off x="2698556" y="5528776"/>
-            <a:ext cx="1884219" cy="598059"/>
-          </a:xfrm>
-          <a:prstGeom prst="rect">
-            <a:avLst/>
-          </a:prstGeom>
-          <a:solidFill>
-            <a:schemeClr val="bg1"/>
-          </a:solidFill>
-        </p:spPr>
-        <p:style>
-          <a:lnRef idx="2">
-            <a:schemeClr val="accent1">
-              <a:shade val="15000"/>
-            </a:schemeClr>
-          </a:lnRef>
-          <a:fillRef idx="1">
-            <a:schemeClr val="accent1"/>
-          </a:fillRef>
-          <a:effectRef idx="0">
-            <a:schemeClr val="accent1"/>
-          </a:effectRef>
-          <a:fontRef idx="minor">
-            <a:schemeClr val="lt1"/>
-          </a:fontRef>
-        </p:style>
-        <p:txBody>
-          <a:bodyPr rtlCol="0" anchor="ctr"/>
-          <a:lstStyle/>
-          <a:p>
-            <a:pPr algn="ctr"/>
-            <a:r>
-              <a:rPr lang="ko-KR" altLang="en-US" sz="1200" dirty="0">
-                <a:solidFill>
-                  <a:schemeClr val="tx1"/>
-                </a:solidFill>
-              </a:rPr>
-              <a:t>토큰 만료된 경우</a:t>
-            </a:r>
-            <a:endParaRPr lang="en-US" altLang="ko-KR" sz="1200" dirty="0">
-              <a:solidFill>
-                <a:schemeClr val="tx1"/>
-              </a:solidFill>
-            </a:endParaRPr>
-          </a:p>
-          <a:p>
-            <a:pPr algn="ctr"/>
-            <a:r>
-              <a:rPr lang="en-US" altLang="ko-KR" sz="1200" dirty="0">
-                <a:solidFill>
-                  <a:schemeClr val="tx1"/>
-                </a:solidFill>
-              </a:rPr>
-              <a:t>Error Code(401) </a:t>
-            </a:r>
-            <a:r>
-              <a:rPr lang="ko-KR" altLang="en-US" sz="1200" dirty="0">
-                <a:solidFill>
-                  <a:schemeClr val="tx1"/>
-                </a:solidFill>
-              </a:rPr>
-              <a:t>반환</a:t>
-            </a:r>
-          </a:p>
-        </p:txBody>
-      </p:sp>
-      <p:sp>
-        <p:nvSpPr>
-          <p:cNvPr id="35" name="사각형: 둥근 모서리 34">
-            <a:extLst>
-              <a:ext uri="{FF2B5EF4-FFF2-40B4-BE49-F238E27FC236}">
-                <a16:creationId xmlns:a16="http://schemas.microsoft.com/office/drawing/2014/main" id="{C009C249-7454-0554-977F-F64AC444CF23}"/>
-              </a:ext>
-            </a:extLst>
-          </p:cNvPr>
-          <p:cNvSpPr/>
-          <p:nvPr/>
-        </p:nvSpPr>
-        <p:spPr>
-          <a:xfrm>
-            <a:off x="5031993" y="7898354"/>
-            <a:ext cx="1884219" cy="738909"/>
-          </a:xfrm>
-          <a:prstGeom prst="roundRect">
-            <a:avLst/>
-          </a:prstGeom>
-          <a:noFill/>
-        </p:spPr>
-        <p:style>
-          <a:lnRef idx="2">
-            <a:schemeClr val="accent1">
-              <a:shade val="15000"/>
-            </a:schemeClr>
-          </a:lnRef>
-          <a:fillRef idx="1">
-            <a:schemeClr val="accent1"/>
-          </a:fillRef>
-          <a:effectRef idx="0">
-            <a:schemeClr val="accent1"/>
-          </a:effectRef>
-          <a:fontRef idx="minor">
-            <a:schemeClr val="lt1"/>
-          </a:fontRef>
-        </p:style>
-        <p:txBody>
-          <a:bodyPr rtlCol="0" anchor="ctr"/>
-          <a:lstStyle/>
-          <a:p>
-            <a:pPr algn="ctr"/>
-            <a:r>
-              <a:rPr lang="ko-KR" altLang="en-US" sz="1600" dirty="0">
-                <a:solidFill>
-                  <a:schemeClr val="tx1"/>
-                </a:solidFill>
-              </a:rPr>
-              <a:t>토큰 유효성 검증</a:t>
-            </a:r>
-            <a:endParaRPr lang="en-US" altLang="ko-KR" sz="1600" dirty="0">
-              <a:solidFill>
-                <a:schemeClr val="tx1"/>
-              </a:solidFill>
-            </a:endParaRPr>
-          </a:p>
-          <a:p>
-            <a:pPr marL="0" marR="0" lvl="0" indent="0" algn="ctr" defTabSz="914400" rtl="0" eaLnBrk="1" fontAlgn="auto" latinLnBrk="1" hangingPunct="1">
-              <a:lnSpc>
-                <a:spcPct val="100000"/>
-              </a:lnSpc>
-              <a:spcBef>
-                <a:spcPts val="0"/>
-              </a:spcBef>
-              <a:spcAft>
-                <a:spcPts val="0"/>
-              </a:spcAft>
-              <a:buClrTx/>
-              <a:buSzTx/>
-              <a:buFontTx/>
-              <a:buNone/>
-              <a:tabLst/>
-              <a:defRPr/>
-            </a:pPr>
-            <a:r>
               <a:rPr kumimoji="0" lang="en-US" altLang="ko-KR" sz="1200" b="0" i="0" u="none" strike="noStrike" kern="1200" cap="none" spc="0" normalizeH="0" baseline="0" noProof="0" dirty="0">
                 <a:ln>
                   <a:noFill/>
@@ -12200,561 +12842,6 @@
           </a:p>
         </p:txBody>
       </p:sp>
-      <p:sp>
-        <p:nvSpPr>
-          <p:cNvPr id="36" name="사각형: 둥근 모서리 35">
-            <a:extLst>
-              <a:ext uri="{FF2B5EF4-FFF2-40B4-BE49-F238E27FC236}">
-                <a16:creationId xmlns:a16="http://schemas.microsoft.com/office/drawing/2014/main" id="{A166E1C9-D202-C4B8-4CB5-E5EE714C2DD7}"/>
-              </a:ext>
-            </a:extLst>
-          </p:cNvPr>
-          <p:cNvSpPr/>
-          <p:nvPr/>
-        </p:nvSpPr>
-        <p:spPr>
-          <a:xfrm>
-            <a:off x="5170827" y="5448683"/>
-            <a:ext cx="1884219" cy="738909"/>
-          </a:xfrm>
-          <a:prstGeom prst="roundRect">
-            <a:avLst/>
-          </a:prstGeom>
-          <a:noFill/>
-        </p:spPr>
-        <p:style>
-          <a:lnRef idx="2">
-            <a:schemeClr val="accent1">
-              <a:shade val="15000"/>
-            </a:schemeClr>
-          </a:lnRef>
-          <a:fillRef idx="1">
-            <a:schemeClr val="accent1"/>
-          </a:fillRef>
-          <a:effectRef idx="0">
-            <a:schemeClr val="accent1"/>
-          </a:effectRef>
-          <a:fontRef idx="minor">
-            <a:schemeClr val="lt1"/>
-          </a:fontRef>
-        </p:style>
-        <p:txBody>
-          <a:bodyPr rtlCol="0" anchor="ctr"/>
-          <a:lstStyle/>
-          <a:p>
-            <a:pPr algn="ctr"/>
-            <a:r>
-              <a:rPr lang="ko-KR" altLang="en-US" sz="1600" dirty="0">
-                <a:solidFill>
-                  <a:schemeClr val="tx1"/>
-                </a:solidFill>
-              </a:rPr>
-              <a:t>토큰 재발급 요청</a:t>
-            </a:r>
-            <a:endParaRPr lang="en-US" altLang="ko-KR" sz="1600" dirty="0">
-              <a:solidFill>
-                <a:schemeClr val="tx1"/>
-              </a:solidFill>
-            </a:endParaRPr>
-          </a:p>
-          <a:p>
-            <a:pPr lvl="0" algn="ctr">
-              <a:defRPr/>
-            </a:pPr>
-            <a:r>
-              <a:rPr lang="en-US" altLang="ko-KR" sz="1200" dirty="0">
-                <a:solidFill>
-                  <a:prstClr val="black">
-                    <a:lumMod val="50000"/>
-                    <a:lumOff val="50000"/>
-                  </a:prstClr>
-                </a:solidFill>
-              </a:rPr>
-              <a:t>axios.js</a:t>
-            </a:r>
-            <a:endParaRPr kumimoji="0" lang="ko-KR" altLang="en-US" sz="1200" b="0" i="0" u="none" strike="noStrike" kern="1200" cap="none" spc="0" normalizeH="0" baseline="0" noProof="0" dirty="0">
-              <a:ln>
-                <a:noFill/>
-              </a:ln>
-              <a:solidFill>
-                <a:prstClr val="black">
-                  <a:lumMod val="50000"/>
-                  <a:lumOff val="50000"/>
-                </a:prstClr>
-              </a:solidFill>
-              <a:effectLst/>
-              <a:uLnTx/>
-              <a:uFillTx/>
-              <a:latin typeface="맑은 고딕" panose="020F0502020204030204"/>
-              <a:ea typeface="맑은 고딕" panose="020B0503020000020004" pitchFamily="50" charset="-127"/>
-              <a:cs typeface="+mn-cs"/>
-            </a:endParaRPr>
-          </a:p>
-        </p:txBody>
-      </p:sp>
-      <p:cxnSp>
-        <p:nvCxnSpPr>
-          <p:cNvPr id="37" name="직선 화살표 연결선 36">
-            <a:extLst>
-              <a:ext uri="{FF2B5EF4-FFF2-40B4-BE49-F238E27FC236}">
-                <a16:creationId xmlns:a16="http://schemas.microsoft.com/office/drawing/2014/main" id="{AD801F6A-2C2C-6AE8-38F3-CC3FB136159A}"/>
-              </a:ext>
-            </a:extLst>
-          </p:cNvPr>
-          <p:cNvCxnSpPr>
-            <a:cxnSpLocks/>
-          </p:cNvCxnSpPr>
-          <p:nvPr/>
-        </p:nvCxnSpPr>
-        <p:spPr>
-          <a:xfrm>
-            <a:off x="4582778" y="5818137"/>
-            <a:ext cx="588048" cy="0"/>
-          </a:xfrm>
-          <a:prstGeom prst="straightConnector1">
-            <a:avLst/>
-          </a:prstGeom>
-          <a:ln w="38100">
-            <a:tailEnd type="triangle"/>
-          </a:ln>
-        </p:spPr>
-        <p:style>
-          <a:lnRef idx="1">
-            <a:schemeClr val="accent1"/>
-          </a:lnRef>
-          <a:fillRef idx="0">
-            <a:schemeClr val="accent1"/>
-          </a:fillRef>
-          <a:effectRef idx="0">
-            <a:schemeClr val="accent1"/>
-          </a:effectRef>
-          <a:fontRef idx="minor">
-            <a:schemeClr val="tx1"/>
-          </a:fontRef>
-        </p:style>
-      </p:cxnSp>
-      <p:sp>
-        <p:nvSpPr>
-          <p:cNvPr id="38" name="사각형: 둥근 모서리 37">
-            <a:extLst>
-              <a:ext uri="{FF2B5EF4-FFF2-40B4-BE49-F238E27FC236}">
-                <a16:creationId xmlns:a16="http://schemas.microsoft.com/office/drawing/2014/main" id="{C3FC9852-8E7A-65BF-FB5D-1E8ED6B0EE5F}"/>
-              </a:ext>
-            </a:extLst>
-          </p:cNvPr>
-          <p:cNvSpPr/>
-          <p:nvPr/>
-        </p:nvSpPr>
-        <p:spPr>
-          <a:xfrm>
-            <a:off x="7643098" y="5448683"/>
-            <a:ext cx="1884219" cy="738909"/>
-          </a:xfrm>
-          <a:prstGeom prst="roundRect">
-            <a:avLst/>
-          </a:prstGeom>
-          <a:noFill/>
-        </p:spPr>
-        <p:style>
-          <a:lnRef idx="2">
-            <a:schemeClr val="accent1">
-              <a:shade val="15000"/>
-            </a:schemeClr>
-          </a:lnRef>
-          <a:fillRef idx="1">
-            <a:schemeClr val="accent1"/>
-          </a:fillRef>
-          <a:effectRef idx="0">
-            <a:schemeClr val="accent1"/>
-          </a:effectRef>
-          <a:fontRef idx="minor">
-            <a:schemeClr val="lt1"/>
-          </a:fontRef>
-        </p:style>
-        <p:txBody>
-          <a:bodyPr rtlCol="0" anchor="ctr"/>
-          <a:lstStyle/>
-          <a:p>
-            <a:pPr algn="ctr"/>
-            <a:r>
-              <a:rPr lang="ko-KR" altLang="en-US" sz="1400" dirty="0">
-                <a:solidFill>
-                  <a:schemeClr val="tx1"/>
-                </a:solidFill>
-              </a:rPr>
-              <a:t>토큰 검증 및 재발급</a:t>
-            </a:r>
-            <a:endParaRPr lang="en-US" altLang="ko-KR" sz="1400" dirty="0">
-              <a:solidFill>
-                <a:schemeClr val="tx1"/>
-              </a:solidFill>
-            </a:endParaRPr>
-          </a:p>
-          <a:p>
-            <a:pPr lvl="0" algn="ctr">
-              <a:defRPr/>
-            </a:pPr>
-            <a:r>
-              <a:rPr lang="en-US" altLang="ko-KR" sz="1200" dirty="0">
-                <a:solidFill>
-                  <a:prstClr val="black">
-                    <a:lumMod val="50000"/>
-                    <a:lumOff val="50000"/>
-                  </a:prstClr>
-                </a:solidFill>
-              </a:rPr>
-              <a:t>AuthController.java</a:t>
-            </a:r>
-            <a:endParaRPr kumimoji="0" lang="ko-KR" altLang="en-US" sz="1200" b="0" i="0" u="none" strike="noStrike" kern="1200" cap="none" spc="0" normalizeH="0" baseline="0" noProof="0" dirty="0">
-              <a:ln>
-                <a:noFill/>
-              </a:ln>
-              <a:solidFill>
-                <a:prstClr val="black">
-                  <a:lumMod val="50000"/>
-                  <a:lumOff val="50000"/>
-                </a:prstClr>
-              </a:solidFill>
-              <a:effectLst/>
-              <a:uLnTx/>
-              <a:uFillTx/>
-              <a:latin typeface="맑은 고딕" panose="020F0502020204030204"/>
-              <a:ea typeface="맑은 고딕" panose="020B0503020000020004" pitchFamily="50" charset="-127"/>
-              <a:cs typeface="+mn-cs"/>
-            </a:endParaRPr>
-          </a:p>
-        </p:txBody>
-      </p:sp>
-      <p:cxnSp>
-        <p:nvCxnSpPr>
-          <p:cNvPr id="39" name="직선 화살표 연결선 38">
-            <a:extLst>
-              <a:ext uri="{FF2B5EF4-FFF2-40B4-BE49-F238E27FC236}">
-                <a16:creationId xmlns:a16="http://schemas.microsoft.com/office/drawing/2014/main" id="{D4F63E07-3075-8DCD-DC10-166A99EB8507}"/>
-              </a:ext>
-            </a:extLst>
-          </p:cNvPr>
-          <p:cNvCxnSpPr>
-            <a:cxnSpLocks/>
-          </p:cNvCxnSpPr>
-          <p:nvPr/>
-        </p:nvCxnSpPr>
-        <p:spPr>
-          <a:xfrm>
-            <a:off x="7055049" y="5818137"/>
-            <a:ext cx="588048" cy="0"/>
-          </a:xfrm>
-          <a:prstGeom prst="straightConnector1">
-            <a:avLst/>
-          </a:prstGeom>
-          <a:ln w="38100">
-            <a:tailEnd type="triangle"/>
-          </a:ln>
-        </p:spPr>
-        <p:style>
-          <a:lnRef idx="1">
-            <a:schemeClr val="accent1"/>
-          </a:lnRef>
-          <a:fillRef idx="0">
-            <a:schemeClr val="accent1"/>
-          </a:fillRef>
-          <a:effectRef idx="0">
-            <a:schemeClr val="accent1"/>
-          </a:effectRef>
-          <a:fontRef idx="minor">
-            <a:schemeClr val="tx1"/>
-          </a:fontRef>
-        </p:style>
-      </p:cxnSp>
-      <p:sp>
-        <p:nvSpPr>
-          <p:cNvPr id="40" name="사각형: 둥근 모서리 39">
-            <a:extLst>
-              <a:ext uri="{FF2B5EF4-FFF2-40B4-BE49-F238E27FC236}">
-                <a16:creationId xmlns:a16="http://schemas.microsoft.com/office/drawing/2014/main" id="{206B6D7E-BF19-7D80-CEF8-1155953409E7}"/>
-              </a:ext>
-            </a:extLst>
-          </p:cNvPr>
-          <p:cNvSpPr/>
-          <p:nvPr/>
-        </p:nvSpPr>
-        <p:spPr>
-          <a:xfrm>
-            <a:off x="7647330" y="4476831"/>
-            <a:ext cx="1884219" cy="738909"/>
-          </a:xfrm>
-          <a:prstGeom prst="roundRect">
-            <a:avLst/>
-          </a:prstGeom>
-          <a:noFill/>
-        </p:spPr>
-        <p:style>
-          <a:lnRef idx="2">
-            <a:schemeClr val="accent1">
-              <a:shade val="15000"/>
-            </a:schemeClr>
-          </a:lnRef>
-          <a:fillRef idx="1">
-            <a:schemeClr val="accent1"/>
-          </a:fillRef>
-          <a:effectRef idx="0">
-            <a:schemeClr val="accent1"/>
-          </a:effectRef>
-          <a:fontRef idx="minor">
-            <a:schemeClr val="lt1"/>
-          </a:fontRef>
-        </p:style>
-        <p:txBody>
-          <a:bodyPr rtlCol="0" anchor="ctr"/>
-          <a:lstStyle/>
-          <a:p>
-            <a:pPr algn="ctr"/>
-            <a:r>
-              <a:rPr lang="ko-KR" altLang="en-US" sz="1600" dirty="0">
-                <a:solidFill>
-                  <a:schemeClr val="tx1"/>
-                </a:solidFill>
-              </a:rPr>
-              <a:t>요청 결과 반환</a:t>
-            </a:r>
-            <a:endParaRPr lang="en-US" altLang="ko-KR" sz="1600" dirty="0">
-              <a:solidFill>
-                <a:schemeClr val="tx1"/>
-              </a:solidFill>
-            </a:endParaRPr>
-          </a:p>
-        </p:txBody>
-      </p:sp>
-      <p:cxnSp>
-        <p:nvCxnSpPr>
-          <p:cNvPr id="41" name="직선 화살표 연결선 40">
-            <a:extLst>
-              <a:ext uri="{FF2B5EF4-FFF2-40B4-BE49-F238E27FC236}">
-                <a16:creationId xmlns:a16="http://schemas.microsoft.com/office/drawing/2014/main" id="{46DC54B1-3810-49E5-D9FB-F2E0C3B3699D}"/>
-              </a:ext>
-            </a:extLst>
-          </p:cNvPr>
-          <p:cNvCxnSpPr>
-            <a:cxnSpLocks/>
-          </p:cNvCxnSpPr>
-          <p:nvPr/>
-        </p:nvCxnSpPr>
-        <p:spPr>
-          <a:xfrm>
-            <a:off x="7059281" y="4846285"/>
-            <a:ext cx="588048" cy="0"/>
-          </a:xfrm>
-          <a:prstGeom prst="straightConnector1">
-            <a:avLst/>
-          </a:prstGeom>
-          <a:ln w="38100">
-            <a:tailEnd type="triangle"/>
-          </a:ln>
-        </p:spPr>
-        <p:style>
-          <a:lnRef idx="1">
-            <a:schemeClr val="accent1"/>
-          </a:lnRef>
-          <a:fillRef idx="0">
-            <a:schemeClr val="accent1"/>
-          </a:fillRef>
-          <a:effectRef idx="0">
-            <a:schemeClr val="accent1"/>
-          </a:effectRef>
-          <a:fontRef idx="minor">
-            <a:schemeClr val="tx1"/>
-          </a:fontRef>
-        </p:style>
-      </p:cxnSp>
-      <p:sp>
-        <p:nvSpPr>
-          <p:cNvPr id="43" name="직사각형 42">
-            <a:extLst>
-              <a:ext uri="{FF2B5EF4-FFF2-40B4-BE49-F238E27FC236}">
-                <a16:creationId xmlns:a16="http://schemas.microsoft.com/office/drawing/2014/main" id="{865BE193-EE82-140F-9828-A03E6C8E870B}"/>
-              </a:ext>
-            </a:extLst>
-          </p:cNvPr>
-          <p:cNvSpPr/>
-          <p:nvPr/>
-        </p:nvSpPr>
-        <p:spPr>
-          <a:xfrm>
-            <a:off x="5170827" y="4547255"/>
-            <a:ext cx="1884219" cy="598059"/>
-          </a:xfrm>
-          <a:prstGeom prst="rect">
-            <a:avLst/>
-          </a:prstGeom>
-          <a:solidFill>
-            <a:schemeClr val="bg1"/>
-          </a:solidFill>
-        </p:spPr>
-        <p:style>
-          <a:lnRef idx="2">
-            <a:schemeClr val="accent1">
-              <a:shade val="15000"/>
-            </a:schemeClr>
-          </a:lnRef>
-          <a:fillRef idx="1">
-            <a:schemeClr val="accent1"/>
-          </a:fillRef>
-          <a:effectRef idx="0">
-            <a:schemeClr val="accent1"/>
-          </a:effectRef>
-          <a:fontRef idx="minor">
-            <a:schemeClr val="lt1"/>
-          </a:fontRef>
-        </p:style>
-        <p:txBody>
-          <a:bodyPr rtlCol="0" anchor="ctr"/>
-          <a:lstStyle/>
-          <a:p>
-            <a:pPr algn="ctr"/>
-            <a:r>
-              <a:rPr lang="ko-KR" altLang="en-US" sz="1200" dirty="0">
-                <a:solidFill>
-                  <a:schemeClr val="tx1"/>
-                </a:solidFill>
-              </a:rPr>
-              <a:t>토큰이 유효한 경우</a:t>
-            </a:r>
-          </a:p>
-        </p:txBody>
-      </p:sp>
-      <p:sp>
-        <p:nvSpPr>
-          <p:cNvPr id="44" name="사각형: 둥근 모서리 43">
-            <a:extLst>
-              <a:ext uri="{FF2B5EF4-FFF2-40B4-BE49-F238E27FC236}">
-                <a16:creationId xmlns:a16="http://schemas.microsoft.com/office/drawing/2014/main" id="{D18A74F4-DBA1-1CB0-6E18-30277299240D}"/>
-              </a:ext>
-            </a:extLst>
-          </p:cNvPr>
-          <p:cNvSpPr/>
-          <p:nvPr/>
-        </p:nvSpPr>
-        <p:spPr>
-          <a:xfrm>
-            <a:off x="10115369" y="5448683"/>
-            <a:ext cx="1884219" cy="738909"/>
-          </a:xfrm>
-          <a:prstGeom prst="roundRect">
-            <a:avLst/>
-          </a:prstGeom>
-          <a:noFill/>
-        </p:spPr>
-        <p:style>
-          <a:lnRef idx="2">
-            <a:schemeClr val="accent1">
-              <a:shade val="15000"/>
-            </a:schemeClr>
-          </a:lnRef>
-          <a:fillRef idx="1">
-            <a:schemeClr val="accent1"/>
-          </a:fillRef>
-          <a:effectRef idx="0">
-            <a:schemeClr val="accent1"/>
-          </a:effectRef>
-          <a:fontRef idx="minor">
-            <a:schemeClr val="lt1"/>
-          </a:fontRef>
-        </p:style>
-        <p:txBody>
-          <a:bodyPr rtlCol="0" anchor="ctr"/>
-          <a:lstStyle/>
-          <a:p>
-            <a:pPr algn="ctr"/>
-            <a:r>
-              <a:rPr lang="ko-KR" altLang="en-US" sz="1600" dirty="0">
-                <a:solidFill>
-                  <a:schemeClr val="tx1"/>
-                </a:solidFill>
-              </a:rPr>
-              <a:t>원본 요청 재실행</a:t>
-            </a:r>
-            <a:endParaRPr lang="en-US" altLang="ko-KR" sz="1600" dirty="0">
-              <a:solidFill>
-                <a:schemeClr val="tx1"/>
-              </a:solidFill>
-            </a:endParaRPr>
-          </a:p>
-          <a:p>
-            <a:pPr lvl="0" algn="ctr">
-              <a:defRPr/>
-            </a:pPr>
-            <a:r>
-              <a:rPr lang="en-US" altLang="ko-KR" sz="1200" dirty="0">
-                <a:solidFill>
-                  <a:prstClr val="black">
-                    <a:lumMod val="50000"/>
-                    <a:lumOff val="50000"/>
-                  </a:prstClr>
-                </a:solidFill>
-              </a:rPr>
-              <a:t>axios.js</a:t>
-            </a:r>
-            <a:endParaRPr kumimoji="0" lang="ko-KR" altLang="en-US" sz="1200" b="0" i="0" u="none" strike="noStrike" kern="1200" cap="none" spc="0" normalizeH="0" baseline="0" noProof="0" dirty="0">
-              <a:ln>
-                <a:noFill/>
-              </a:ln>
-              <a:solidFill>
-                <a:prstClr val="black">
-                  <a:lumMod val="50000"/>
-                  <a:lumOff val="50000"/>
-                </a:prstClr>
-              </a:solidFill>
-              <a:effectLst/>
-              <a:uLnTx/>
-              <a:uFillTx/>
-              <a:latin typeface="맑은 고딕" panose="020F0502020204030204"/>
-              <a:ea typeface="맑은 고딕" panose="020B0503020000020004" pitchFamily="50" charset="-127"/>
-              <a:cs typeface="+mn-cs"/>
-            </a:endParaRPr>
-          </a:p>
-        </p:txBody>
-      </p:sp>
-      <p:cxnSp>
-        <p:nvCxnSpPr>
-          <p:cNvPr id="45" name="직선 화살표 연결선 44">
-            <a:extLst>
-              <a:ext uri="{FF2B5EF4-FFF2-40B4-BE49-F238E27FC236}">
-                <a16:creationId xmlns:a16="http://schemas.microsoft.com/office/drawing/2014/main" id="{D959A63B-0EE6-98BE-CCA4-468ACD128DD8}"/>
-              </a:ext>
-            </a:extLst>
-          </p:cNvPr>
-          <p:cNvCxnSpPr>
-            <a:cxnSpLocks/>
-          </p:cNvCxnSpPr>
-          <p:nvPr/>
-        </p:nvCxnSpPr>
-        <p:spPr>
-          <a:xfrm>
-            <a:off x="9527320" y="5818137"/>
-            <a:ext cx="588048" cy="0"/>
-          </a:xfrm>
-          <a:prstGeom prst="straightConnector1">
-            <a:avLst/>
-          </a:prstGeom>
-          <a:ln w="38100">
-            <a:tailEnd type="triangle"/>
-          </a:ln>
-        </p:spPr>
-        <p:style>
-          <a:lnRef idx="1">
-            <a:schemeClr val="accent1"/>
-          </a:lnRef>
-          <a:fillRef idx="0">
-            <a:schemeClr val="accent1"/>
-          </a:fillRef>
-          <a:effectRef idx="0">
-            <a:schemeClr val="accent1"/>
-          </a:effectRef>
-          <a:fontRef idx="minor">
-            <a:schemeClr val="tx1"/>
-          </a:fontRef>
-        </p:style>
-      </p:cxnSp>
     </p:spTree>
     <p:extLst>
       <p:ext uri="{BB962C8B-B14F-4D97-AF65-F5344CB8AC3E}">
@@ -12773,6 +12860,2328 @@
   <p:cSld>
     <p:spTree>
       <p:nvGrpSpPr>
+        <p:cNvPr id="1" name="">
+          <a:extLst>
+            <a:ext uri="{FF2B5EF4-FFF2-40B4-BE49-F238E27FC236}">
+              <a16:creationId xmlns:a16="http://schemas.microsoft.com/office/drawing/2014/main" id="{D6D9D1C7-B857-966D-430B-5CE5379E1B05}"/>
+            </a:ext>
+          </a:extLst>
+        </p:cNvPr>
+        <p:cNvGrpSpPr/>
+        <p:nvPr/>
+      </p:nvGrpSpPr>
+      <p:grpSpPr>
+        <a:xfrm>
+          <a:off x="0" y="0"/>
+          <a:ext cx="0" cy="0"/>
+          <a:chOff x="0" y="0"/>
+          <a:chExt cx="0" cy="0"/>
+        </a:xfrm>
+      </p:grpSpPr>
+      <p:sp>
+        <p:nvSpPr>
+          <p:cNvPr id="22" name="직사각형 21">
+            <a:extLst>
+              <a:ext uri="{FF2B5EF4-FFF2-40B4-BE49-F238E27FC236}">
+                <a16:creationId xmlns:a16="http://schemas.microsoft.com/office/drawing/2014/main" id="{5356E6CA-1D50-8513-AF48-0B4533D37DF5}"/>
+              </a:ext>
+            </a:extLst>
+          </p:cNvPr>
+          <p:cNvSpPr/>
+          <p:nvPr/>
+        </p:nvSpPr>
+        <p:spPr>
+          <a:xfrm>
+            <a:off x="237836" y="3628237"/>
+            <a:ext cx="4262582" cy="420253"/>
+          </a:xfrm>
+          <a:prstGeom prst="rect">
+            <a:avLst/>
+          </a:prstGeom>
+          <a:noFill/>
+          <a:ln w="38100">
+            <a:noFill/>
+          </a:ln>
+        </p:spPr>
+        <p:style>
+          <a:lnRef idx="2">
+            <a:schemeClr val="accent1">
+              <a:shade val="15000"/>
+            </a:schemeClr>
+          </a:lnRef>
+          <a:fillRef idx="1">
+            <a:schemeClr val="accent1"/>
+          </a:fillRef>
+          <a:effectRef idx="0">
+            <a:schemeClr val="accent1"/>
+          </a:effectRef>
+          <a:fontRef idx="minor">
+            <a:schemeClr val="lt1"/>
+          </a:fontRef>
+        </p:style>
+        <p:txBody>
+          <a:bodyPr rtlCol="0" anchor="t"/>
+          <a:lstStyle/>
+          <a:p>
+            <a:r>
+              <a:rPr lang="ko-KR" altLang="en-US" sz="2400" dirty="0">
+                <a:solidFill>
+                  <a:schemeClr val="bg1">
+                    <a:lumMod val="50000"/>
+                  </a:schemeClr>
+                </a:solidFill>
+              </a:rPr>
+              <a:t>화면 이동 검증 프로세스</a:t>
+            </a:r>
+            <a:endParaRPr lang="en-US" altLang="ko-KR" sz="2400" dirty="0">
+              <a:solidFill>
+                <a:schemeClr val="bg1">
+                  <a:lumMod val="50000"/>
+                </a:schemeClr>
+              </a:solidFill>
+            </a:endParaRPr>
+          </a:p>
+        </p:txBody>
+      </p:sp>
+      <p:sp>
+        <p:nvSpPr>
+          <p:cNvPr id="23" name="사각형: 둥근 모서리 22">
+            <a:extLst>
+              <a:ext uri="{FF2B5EF4-FFF2-40B4-BE49-F238E27FC236}">
+                <a16:creationId xmlns:a16="http://schemas.microsoft.com/office/drawing/2014/main" id="{E15E4C30-E661-E5BC-9082-E0B4756031E0}"/>
+              </a:ext>
+            </a:extLst>
+          </p:cNvPr>
+          <p:cNvSpPr/>
+          <p:nvPr/>
+        </p:nvSpPr>
+        <p:spPr>
+          <a:xfrm>
+            <a:off x="226293" y="4476831"/>
+            <a:ext cx="1884219" cy="738909"/>
+          </a:xfrm>
+          <a:prstGeom prst="roundRect">
+            <a:avLst/>
+          </a:prstGeom>
+          <a:noFill/>
+        </p:spPr>
+        <p:style>
+          <a:lnRef idx="2">
+            <a:schemeClr val="accent1">
+              <a:shade val="15000"/>
+            </a:schemeClr>
+          </a:lnRef>
+          <a:fillRef idx="1">
+            <a:schemeClr val="accent1"/>
+          </a:fillRef>
+          <a:effectRef idx="0">
+            <a:schemeClr val="accent1"/>
+          </a:effectRef>
+          <a:fontRef idx="minor">
+            <a:schemeClr val="lt1"/>
+          </a:fontRef>
+        </p:style>
+        <p:txBody>
+          <a:bodyPr rtlCol="0" anchor="ctr"/>
+          <a:lstStyle/>
+          <a:p>
+            <a:pPr algn="ctr"/>
+            <a:r>
+              <a:rPr lang="ko-KR" altLang="en-US" dirty="0">
+                <a:solidFill>
+                  <a:schemeClr val="tx1"/>
+                </a:solidFill>
+              </a:rPr>
+              <a:t>요청 발생</a:t>
+            </a:r>
+            <a:endParaRPr lang="en-US" altLang="ko-KR" dirty="0">
+              <a:solidFill>
+                <a:schemeClr val="tx1"/>
+              </a:solidFill>
+            </a:endParaRPr>
+          </a:p>
+          <a:p>
+            <a:pPr algn="ctr"/>
+            <a:r>
+              <a:rPr lang="en-US" altLang="ko-KR" sz="1100" dirty="0" err="1">
+                <a:solidFill>
+                  <a:schemeClr val="tx1">
+                    <a:lumMod val="50000"/>
+                    <a:lumOff val="50000"/>
+                  </a:schemeClr>
+                </a:solidFill>
+              </a:rPr>
+              <a:t>auth.ts</a:t>
+            </a:r>
+            <a:endParaRPr lang="en-US" altLang="ko-KR" sz="1100" dirty="0">
+              <a:solidFill>
+                <a:schemeClr val="tx1">
+                  <a:lumMod val="50000"/>
+                  <a:lumOff val="50000"/>
+                </a:schemeClr>
+              </a:solidFill>
+            </a:endParaRPr>
+          </a:p>
+          <a:p>
+            <a:pPr algn="ctr"/>
+            <a:r>
+              <a:rPr lang="en-US" altLang="ko-KR" sz="1100" dirty="0">
+                <a:solidFill>
+                  <a:schemeClr val="tx1">
+                    <a:lumMod val="50000"/>
+                    <a:lumOff val="50000"/>
+                  </a:schemeClr>
+                </a:solidFill>
+              </a:rPr>
+              <a:t>/</a:t>
+            </a:r>
+            <a:r>
+              <a:rPr lang="en-US" altLang="ko-KR" sz="1100" dirty="0" err="1">
+                <a:solidFill>
+                  <a:schemeClr val="tx1">
+                    <a:lumMod val="50000"/>
+                    <a:lumOff val="50000"/>
+                  </a:schemeClr>
+                </a:solidFill>
+              </a:rPr>
+              <a:t>api</a:t>
+            </a:r>
+            <a:r>
+              <a:rPr lang="en-US" altLang="ko-KR" sz="1100" dirty="0">
+                <a:solidFill>
+                  <a:schemeClr val="tx1">
+                    <a:lumMod val="50000"/>
+                    <a:lumOff val="50000"/>
+                  </a:schemeClr>
+                </a:solidFill>
+              </a:rPr>
+              <a:t>/auth/check</a:t>
+            </a:r>
+            <a:endParaRPr lang="ko-KR" altLang="en-US" sz="1100" dirty="0">
+              <a:solidFill>
+                <a:schemeClr val="tx1">
+                  <a:lumMod val="50000"/>
+                  <a:lumOff val="50000"/>
+                </a:schemeClr>
+              </a:solidFill>
+            </a:endParaRPr>
+          </a:p>
+        </p:txBody>
+      </p:sp>
+      <p:sp>
+        <p:nvSpPr>
+          <p:cNvPr id="24" name="사각형: 둥근 모서리 23">
+            <a:extLst>
+              <a:ext uri="{FF2B5EF4-FFF2-40B4-BE49-F238E27FC236}">
+                <a16:creationId xmlns:a16="http://schemas.microsoft.com/office/drawing/2014/main" id="{12BE974B-DDBD-F296-1785-5D629FCDCE64}"/>
+              </a:ext>
+            </a:extLst>
+          </p:cNvPr>
+          <p:cNvSpPr/>
+          <p:nvPr/>
+        </p:nvSpPr>
+        <p:spPr>
+          <a:xfrm>
+            <a:off x="2698560" y="4476831"/>
+            <a:ext cx="1884219" cy="738909"/>
+          </a:xfrm>
+          <a:prstGeom prst="roundRect">
+            <a:avLst/>
+          </a:prstGeom>
+          <a:noFill/>
+        </p:spPr>
+        <p:style>
+          <a:lnRef idx="2">
+            <a:schemeClr val="accent1">
+              <a:shade val="15000"/>
+            </a:schemeClr>
+          </a:lnRef>
+          <a:fillRef idx="1">
+            <a:schemeClr val="accent1"/>
+          </a:fillRef>
+          <a:effectRef idx="0">
+            <a:schemeClr val="accent1"/>
+          </a:effectRef>
+          <a:fontRef idx="minor">
+            <a:schemeClr val="lt1"/>
+          </a:fontRef>
+        </p:style>
+        <p:txBody>
+          <a:bodyPr rtlCol="0" anchor="ctr"/>
+          <a:lstStyle/>
+          <a:p>
+            <a:pPr algn="ctr"/>
+            <a:r>
+              <a:rPr lang="ko-KR" altLang="en-US" sz="1600" dirty="0">
+                <a:solidFill>
+                  <a:schemeClr val="tx1"/>
+                </a:solidFill>
+              </a:rPr>
+              <a:t>토큰 유효성 검증</a:t>
+            </a:r>
+            <a:endParaRPr lang="en-US" altLang="ko-KR" sz="1600" dirty="0">
+              <a:solidFill>
+                <a:schemeClr val="tx1"/>
+              </a:solidFill>
+            </a:endParaRPr>
+          </a:p>
+          <a:p>
+            <a:pPr marL="0" marR="0" lvl="0" indent="0" algn="ctr" defTabSz="914400" rtl="0" eaLnBrk="1" fontAlgn="auto" latinLnBrk="1" hangingPunct="1">
+              <a:lnSpc>
+                <a:spcPct val="100000"/>
+              </a:lnSpc>
+              <a:spcBef>
+                <a:spcPts val="0"/>
+              </a:spcBef>
+              <a:spcAft>
+                <a:spcPts val="0"/>
+              </a:spcAft>
+              <a:buClrTx/>
+              <a:buSzTx/>
+              <a:buFontTx/>
+              <a:buNone/>
+              <a:tabLst/>
+              <a:defRPr/>
+            </a:pPr>
+            <a:r>
+              <a:rPr lang="en-US" altLang="ko-KR" sz="1200" dirty="0">
+                <a:solidFill>
+                  <a:prstClr val="black">
+                    <a:lumMod val="50000"/>
+                    <a:lumOff val="50000"/>
+                  </a:prstClr>
+                </a:solidFill>
+              </a:rPr>
+              <a:t>JwtAuthFilter.java</a:t>
+            </a:r>
+          </a:p>
+        </p:txBody>
+      </p:sp>
+      <p:cxnSp>
+        <p:nvCxnSpPr>
+          <p:cNvPr id="27" name="직선 화살표 연결선 26">
+            <a:extLst>
+              <a:ext uri="{FF2B5EF4-FFF2-40B4-BE49-F238E27FC236}">
+                <a16:creationId xmlns:a16="http://schemas.microsoft.com/office/drawing/2014/main" id="{DEEE6990-87B7-8300-BA14-91088EA1DBED}"/>
+              </a:ext>
+            </a:extLst>
+          </p:cNvPr>
+          <p:cNvCxnSpPr>
+            <a:cxnSpLocks/>
+          </p:cNvCxnSpPr>
+          <p:nvPr/>
+        </p:nvCxnSpPr>
+        <p:spPr>
+          <a:xfrm>
+            <a:off x="4582778" y="4846285"/>
+            <a:ext cx="588048" cy="0"/>
+          </a:xfrm>
+          <a:prstGeom prst="straightConnector1">
+            <a:avLst/>
+          </a:prstGeom>
+          <a:ln w="38100">
+            <a:tailEnd type="triangle"/>
+          </a:ln>
+        </p:spPr>
+        <p:style>
+          <a:lnRef idx="1">
+            <a:schemeClr val="accent1"/>
+          </a:lnRef>
+          <a:fillRef idx="0">
+            <a:schemeClr val="accent1"/>
+          </a:fillRef>
+          <a:effectRef idx="0">
+            <a:schemeClr val="accent1"/>
+          </a:effectRef>
+          <a:fontRef idx="minor">
+            <a:schemeClr val="tx1"/>
+          </a:fontRef>
+        </p:style>
+      </p:cxnSp>
+      <p:cxnSp>
+        <p:nvCxnSpPr>
+          <p:cNvPr id="28" name="직선 화살표 연결선 27">
+            <a:extLst>
+              <a:ext uri="{FF2B5EF4-FFF2-40B4-BE49-F238E27FC236}">
+                <a16:creationId xmlns:a16="http://schemas.microsoft.com/office/drawing/2014/main" id="{C803E316-6235-AC16-88B6-F8FD7DE88C87}"/>
+              </a:ext>
+            </a:extLst>
+          </p:cNvPr>
+          <p:cNvCxnSpPr>
+            <a:cxnSpLocks/>
+          </p:cNvCxnSpPr>
+          <p:nvPr/>
+        </p:nvCxnSpPr>
+        <p:spPr>
+          <a:xfrm>
+            <a:off x="2110512" y="4846285"/>
+            <a:ext cx="588048" cy="0"/>
+          </a:xfrm>
+          <a:prstGeom prst="straightConnector1">
+            <a:avLst/>
+          </a:prstGeom>
+          <a:ln w="38100">
+            <a:tailEnd type="triangle"/>
+          </a:ln>
+        </p:spPr>
+        <p:style>
+          <a:lnRef idx="1">
+            <a:schemeClr val="accent1"/>
+          </a:lnRef>
+          <a:fillRef idx="0">
+            <a:schemeClr val="accent1"/>
+          </a:fillRef>
+          <a:effectRef idx="0">
+            <a:schemeClr val="accent1"/>
+          </a:effectRef>
+          <a:fontRef idx="minor">
+            <a:schemeClr val="tx1"/>
+          </a:fontRef>
+        </p:style>
+      </p:cxnSp>
+      <p:cxnSp>
+        <p:nvCxnSpPr>
+          <p:cNvPr id="29" name="직선 화살표 연결선 28">
+            <a:extLst>
+              <a:ext uri="{FF2B5EF4-FFF2-40B4-BE49-F238E27FC236}">
+                <a16:creationId xmlns:a16="http://schemas.microsoft.com/office/drawing/2014/main" id="{9C70CDEB-C053-7965-F8C6-92FE858717F1}"/>
+              </a:ext>
+            </a:extLst>
+          </p:cNvPr>
+          <p:cNvCxnSpPr>
+            <a:cxnSpLocks/>
+          </p:cNvCxnSpPr>
+          <p:nvPr/>
+        </p:nvCxnSpPr>
+        <p:spPr>
+          <a:xfrm>
+            <a:off x="3640670" y="5215740"/>
+            <a:ext cx="0" cy="313036"/>
+          </a:xfrm>
+          <a:prstGeom prst="straightConnector1">
+            <a:avLst/>
+          </a:prstGeom>
+          <a:ln w="38100">
+            <a:tailEnd type="triangle"/>
+          </a:ln>
+        </p:spPr>
+        <p:style>
+          <a:lnRef idx="1">
+            <a:schemeClr val="accent1"/>
+          </a:lnRef>
+          <a:fillRef idx="0">
+            <a:schemeClr val="accent1"/>
+          </a:fillRef>
+          <a:effectRef idx="0">
+            <a:schemeClr val="accent1"/>
+          </a:effectRef>
+          <a:fontRef idx="minor">
+            <a:schemeClr val="tx1"/>
+          </a:fontRef>
+        </p:style>
+      </p:cxnSp>
+      <p:sp>
+        <p:nvSpPr>
+          <p:cNvPr id="34" name="직사각형 33">
+            <a:extLst>
+              <a:ext uri="{FF2B5EF4-FFF2-40B4-BE49-F238E27FC236}">
+                <a16:creationId xmlns:a16="http://schemas.microsoft.com/office/drawing/2014/main" id="{4FA80A71-9C9C-8578-0998-7FE82CFD79BC}"/>
+              </a:ext>
+            </a:extLst>
+          </p:cNvPr>
+          <p:cNvSpPr/>
+          <p:nvPr/>
+        </p:nvSpPr>
+        <p:spPr>
+          <a:xfrm>
+            <a:off x="2698556" y="5528776"/>
+            <a:ext cx="1884219" cy="598059"/>
+          </a:xfrm>
+          <a:prstGeom prst="rect">
+            <a:avLst/>
+          </a:prstGeom>
+          <a:solidFill>
+            <a:schemeClr val="bg1"/>
+          </a:solidFill>
+        </p:spPr>
+        <p:style>
+          <a:lnRef idx="2">
+            <a:schemeClr val="accent1">
+              <a:shade val="15000"/>
+            </a:schemeClr>
+          </a:lnRef>
+          <a:fillRef idx="1">
+            <a:schemeClr val="accent1"/>
+          </a:fillRef>
+          <a:effectRef idx="0">
+            <a:schemeClr val="accent1"/>
+          </a:effectRef>
+          <a:fontRef idx="minor">
+            <a:schemeClr val="lt1"/>
+          </a:fontRef>
+        </p:style>
+        <p:txBody>
+          <a:bodyPr rtlCol="0" anchor="ctr"/>
+          <a:lstStyle/>
+          <a:p>
+            <a:pPr algn="ctr"/>
+            <a:r>
+              <a:rPr lang="en-US" altLang="ko-KR" sz="1200" dirty="0">
+                <a:solidFill>
+                  <a:schemeClr val="tx1"/>
+                </a:solidFill>
+              </a:rPr>
+              <a:t>Access </a:t>
+            </a:r>
+            <a:r>
+              <a:rPr lang="ko-KR" altLang="en-US" sz="1200" dirty="0">
+                <a:solidFill>
+                  <a:schemeClr val="tx1"/>
+                </a:solidFill>
+              </a:rPr>
+              <a:t>토큰 만료된 경우</a:t>
+            </a:r>
+            <a:endParaRPr lang="en-US" altLang="ko-KR" sz="1200" dirty="0">
+              <a:solidFill>
+                <a:schemeClr val="tx1"/>
+              </a:solidFill>
+            </a:endParaRPr>
+          </a:p>
+          <a:p>
+            <a:pPr algn="ctr"/>
+            <a:r>
+              <a:rPr lang="en-US" altLang="ko-KR" sz="1200" dirty="0">
+                <a:solidFill>
+                  <a:schemeClr val="tx1"/>
+                </a:solidFill>
+              </a:rPr>
+              <a:t>Error Code(401) </a:t>
+            </a:r>
+            <a:r>
+              <a:rPr lang="ko-KR" altLang="en-US" sz="1200" dirty="0">
+                <a:solidFill>
+                  <a:schemeClr val="tx1"/>
+                </a:solidFill>
+              </a:rPr>
+              <a:t>반환</a:t>
+            </a:r>
+          </a:p>
+        </p:txBody>
+      </p:sp>
+      <p:sp>
+        <p:nvSpPr>
+          <p:cNvPr id="35" name="사각형: 둥근 모서리 34">
+            <a:extLst>
+              <a:ext uri="{FF2B5EF4-FFF2-40B4-BE49-F238E27FC236}">
+                <a16:creationId xmlns:a16="http://schemas.microsoft.com/office/drawing/2014/main" id="{F60C444C-42F0-B919-3F19-2CC61C3A4ACC}"/>
+              </a:ext>
+            </a:extLst>
+          </p:cNvPr>
+          <p:cNvSpPr/>
+          <p:nvPr/>
+        </p:nvSpPr>
+        <p:spPr>
+          <a:xfrm>
+            <a:off x="5031993" y="7898354"/>
+            <a:ext cx="1884219" cy="738909"/>
+          </a:xfrm>
+          <a:prstGeom prst="roundRect">
+            <a:avLst/>
+          </a:prstGeom>
+          <a:noFill/>
+        </p:spPr>
+        <p:style>
+          <a:lnRef idx="2">
+            <a:schemeClr val="accent1">
+              <a:shade val="15000"/>
+            </a:schemeClr>
+          </a:lnRef>
+          <a:fillRef idx="1">
+            <a:schemeClr val="accent1"/>
+          </a:fillRef>
+          <a:effectRef idx="0">
+            <a:schemeClr val="accent1"/>
+          </a:effectRef>
+          <a:fontRef idx="minor">
+            <a:schemeClr val="lt1"/>
+          </a:fontRef>
+        </p:style>
+        <p:txBody>
+          <a:bodyPr rtlCol="0" anchor="ctr"/>
+          <a:lstStyle/>
+          <a:p>
+            <a:pPr algn="ctr"/>
+            <a:r>
+              <a:rPr lang="ko-KR" altLang="en-US" sz="1600" dirty="0">
+                <a:solidFill>
+                  <a:schemeClr val="tx1"/>
+                </a:solidFill>
+              </a:rPr>
+              <a:t>토큰 유효성 검증</a:t>
+            </a:r>
+            <a:endParaRPr lang="en-US" altLang="ko-KR" sz="1600" dirty="0">
+              <a:solidFill>
+                <a:schemeClr val="tx1"/>
+              </a:solidFill>
+            </a:endParaRPr>
+          </a:p>
+          <a:p>
+            <a:pPr marL="0" marR="0" lvl="0" indent="0" algn="ctr" defTabSz="914400" rtl="0" eaLnBrk="1" fontAlgn="auto" latinLnBrk="1" hangingPunct="1">
+              <a:lnSpc>
+                <a:spcPct val="100000"/>
+              </a:lnSpc>
+              <a:spcBef>
+                <a:spcPts val="0"/>
+              </a:spcBef>
+              <a:spcAft>
+                <a:spcPts val="0"/>
+              </a:spcAft>
+              <a:buClrTx/>
+              <a:buSzTx/>
+              <a:buFontTx/>
+              <a:buNone/>
+              <a:tabLst/>
+              <a:defRPr/>
+            </a:pPr>
+            <a:r>
+              <a:rPr kumimoji="0" lang="en-US" altLang="ko-KR" sz="1200" b="0" i="0" u="none" strike="noStrike" kern="1200" cap="none" spc="0" normalizeH="0" baseline="0" noProof="0" dirty="0">
+                <a:ln>
+                  <a:noFill/>
+                </a:ln>
+                <a:solidFill>
+                  <a:prstClr val="black">
+                    <a:lumMod val="50000"/>
+                    <a:lumOff val="50000"/>
+                  </a:prstClr>
+                </a:solidFill>
+                <a:effectLst/>
+                <a:uLnTx/>
+                <a:uFillTx/>
+                <a:latin typeface="맑은 고딕" panose="020F0502020204030204"/>
+                <a:ea typeface="맑은 고딕" panose="020B0503020000020004" pitchFamily="50" charset="-127"/>
+                <a:cs typeface="+mn-cs"/>
+              </a:rPr>
+              <a:t>JwtAuthFilter.java</a:t>
+            </a:r>
+            <a:endParaRPr kumimoji="0" lang="ko-KR" altLang="en-US" sz="1200" b="0" i="0" u="none" strike="noStrike" kern="1200" cap="none" spc="0" normalizeH="0" baseline="0" noProof="0" dirty="0">
+              <a:ln>
+                <a:noFill/>
+              </a:ln>
+              <a:solidFill>
+                <a:prstClr val="black">
+                  <a:lumMod val="50000"/>
+                  <a:lumOff val="50000"/>
+                </a:prstClr>
+              </a:solidFill>
+              <a:effectLst/>
+              <a:uLnTx/>
+              <a:uFillTx/>
+              <a:latin typeface="맑은 고딕" panose="020F0502020204030204"/>
+              <a:ea typeface="맑은 고딕" panose="020B0503020000020004" pitchFamily="50" charset="-127"/>
+              <a:cs typeface="+mn-cs"/>
+            </a:endParaRPr>
+          </a:p>
+        </p:txBody>
+      </p:sp>
+      <p:sp>
+        <p:nvSpPr>
+          <p:cNvPr id="36" name="사각형: 둥근 모서리 35">
+            <a:extLst>
+              <a:ext uri="{FF2B5EF4-FFF2-40B4-BE49-F238E27FC236}">
+                <a16:creationId xmlns:a16="http://schemas.microsoft.com/office/drawing/2014/main" id="{7B9F4F6C-32D2-1A69-3FB7-D96215AFC2EC}"/>
+              </a:ext>
+            </a:extLst>
+          </p:cNvPr>
+          <p:cNvSpPr/>
+          <p:nvPr/>
+        </p:nvSpPr>
+        <p:spPr>
+          <a:xfrm>
+            <a:off x="5170827" y="5448683"/>
+            <a:ext cx="1884219" cy="738909"/>
+          </a:xfrm>
+          <a:prstGeom prst="roundRect">
+            <a:avLst/>
+          </a:prstGeom>
+          <a:noFill/>
+        </p:spPr>
+        <p:style>
+          <a:lnRef idx="2">
+            <a:schemeClr val="accent1">
+              <a:shade val="15000"/>
+            </a:schemeClr>
+          </a:lnRef>
+          <a:fillRef idx="1">
+            <a:schemeClr val="accent1"/>
+          </a:fillRef>
+          <a:effectRef idx="0">
+            <a:schemeClr val="accent1"/>
+          </a:effectRef>
+          <a:fontRef idx="minor">
+            <a:schemeClr val="lt1"/>
+          </a:fontRef>
+        </p:style>
+        <p:txBody>
+          <a:bodyPr rtlCol="0" anchor="ctr"/>
+          <a:lstStyle/>
+          <a:p>
+            <a:pPr algn="ctr"/>
+            <a:r>
+              <a:rPr lang="ko-KR" altLang="en-US" sz="1600" dirty="0">
+                <a:solidFill>
+                  <a:schemeClr val="tx1"/>
+                </a:solidFill>
+              </a:rPr>
+              <a:t>토큰 재발급 요청</a:t>
+            </a:r>
+            <a:endParaRPr lang="en-US" altLang="ko-KR" sz="1600" dirty="0">
+              <a:solidFill>
+                <a:schemeClr val="tx1"/>
+              </a:solidFill>
+            </a:endParaRPr>
+          </a:p>
+          <a:p>
+            <a:pPr lvl="0" algn="ctr">
+              <a:defRPr/>
+            </a:pPr>
+            <a:r>
+              <a:rPr lang="en-US" altLang="ko-KR" sz="1200" dirty="0">
+                <a:solidFill>
+                  <a:prstClr val="black">
+                    <a:lumMod val="50000"/>
+                    <a:lumOff val="50000"/>
+                  </a:prstClr>
+                </a:solidFill>
+              </a:rPr>
+              <a:t>axios.js</a:t>
+            </a:r>
+            <a:endParaRPr kumimoji="0" lang="ko-KR" altLang="en-US" sz="1200" b="0" i="0" u="none" strike="noStrike" kern="1200" cap="none" spc="0" normalizeH="0" baseline="0" noProof="0" dirty="0">
+              <a:ln>
+                <a:noFill/>
+              </a:ln>
+              <a:solidFill>
+                <a:prstClr val="black">
+                  <a:lumMod val="50000"/>
+                  <a:lumOff val="50000"/>
+                </a:prstClr>
+              </a:solidFill>
+              <a:effectLst/>
+              <a:uLnTx/>
+              <a:uFillTx/>
+              <a:latin typeface="맑은 고딕" panose="020F0502020204030204"/>
+              <a:ea typeface="맑은 고딕" panose="020B0503020000020004" pitchFamily="50" charset="-127"/>
+              <a:cs typeface="+mn-cs"/>
+            </a:endParaRPr>
+          </a:p>
+        </p:txBody>
+      </p:sp>
+      <p:cxnSp>
+        <p:nvCxnSpPr>
+          <p:cNvPr id="37" name="직선 화살표 연결선 36">
+            <a:extLst>
+              <a:ext uri="{FF2B5EF4-FFF2-40B4-BE49-F238E27FC236}">
+                <a16:creationId xmlns:a16="http://schemas.microsoft.com/office/drawing/2014/main" id="{5A121E85-9C0D-869F-2492-3884E6ADF92B}"/>
+              </a:ext>
+            </a:extLst>
+          </p:cNvPr>
+          <p:cNvCxnSpPr>
+            <a:cxnSpLocks/>
+          </p:cNvCxnSpPr>
+          <p:nvPr/>
+        </p:nvCxnSpPr>
+        <p:spPr>
+          <a:xfrm>
+            <a:off x="4582778" y="5818137"/>
+            <a:ext cx="588048" cy="0"/>
+          </a:xfrm>
+          <a:prstGeom prst="straightConnector1">
+            <a:avLst/>
+          </a:prstGeom>
+          <a:ln w="38100">
+            <a:tailEnd type="triangle"/>
+          </a:ln>
+        </p:spPr>
+        <p:style>
+          <a:lnRef idx="1">
+            <a:schemeClr val="accent1"/>
+          </a:lnRef>
+          <a:fillRef idx="0">
+            <a:schemeClr val="accent1"/>
+          </a:fillRef>
+          <a:effectRef idx="0">
+            <a:schemeClr val="accent1"/>
+          </a:effectRef>
+          <a:fontRef idx="minor">
+            <a:schemeClr val="tx1"/>
+          </a:fontRef>
+        </p:style>
+      </p:cxnSp>
+      <p:sp>
+        <p:nvSpPr>
+          <p:cNvPr id="38" name="사각형: 둥근 모서리 37">
+            <a:extLst>
+              <a:ext uri="{FF2B5EF4-FFF2-40B4-BE49-F238E27FC236}">
+                <a16:creationId xmlns:a16="http://schemas.microsoft.com/office/drawing/2014/main" id="{9BEA49F9-B5E4-5F18-7176-38C6146D5401}"/>
+              </a:ext>
+            </a:extLst>
+          </p:cNvPr>
+          <p:cNvSpPr/>
+          <p:nvPr/>
+        </p:nvSpPr>
+        <p:spPr>
+          <a:xfrm>
+            <a:off x="7643098" y="5448683"/>
+            <a:ext cx="1884219" cy="738909"/>
+          </a:xfrm>
+          <a:prstGeom prst="roundRect">
+            <a:avLst/>
+          </a:prstGeom>
+          <a:noFill/>
+        </p:spPr>
+        <p:style>
+          <a:lnRef idx="2">
+            <a:schemeClr val="accent1">
+              <a:shade val="15000"/>
+            </a:schemeClr>
+          </a:lnRef>
+          <a:fillRef idx="1">
+            <a:schemeClr val="accent1"/>
+          </a:fillRef>
+          <a:effectRef idx="0">
+            <a:schemeClr val="accent1"/>
+          </a:effectRef>
+          <a:fontRef idx="minor">
+            <a:schemeClr val="lt1"/>
+          </a:fontRef>
+        </p:style>
+        <p:txBody>
+          <a:bodyPr rtlCol="0" anchor="ctr"/>
+          <a:lstStyle/>
+          <a:p>
+            <a:pPr algn="ctr"/>
+            <a:r>
+              <a:rPr lang="ko-KR" altLang="en-US" sz="1400" dirty="0">
+                <a:solidFill>
+                  <a:schemeClr val="tx1"/>
+                </a:solidFill>
+              </a:rPr>
+              <a:t>토큰 검증 및 재발급</a:t>
+            </a:r>
+            <a:endParaRPr lang="en-US" altLang="ko-KR" sz="1400" dirty="0">
+              <a:solidFill>
+                <a:schemeClr val="tx1"/>
+              </a:solidFill>
+            </a:endParaRPr>
+          </a:p>
+          <a:p>
+            <a:pPr lvl="0" algn="ctr">
+              <a:defRPr/>
+            </a:pPr>
+            <a:r>
+              <a:rPr lang="en-US" altLang="ko-KR" sz="1200" dirty="0">
+                <a:solidFill>
+                  <a:prstClr val="black">
+                    <a:lumMod val="50000"/>
+                    <a:lumOff val="50000"/>
+                  </a:prstClr>
+                </a:solidFill>
+              </a:rPr>
+              <a:t>AuthController.java</a:t>
+            </a:r>
+            <a:endParaRPr kumimoji="0" lang="ko-KR" altLang="en-US" sz="1200" b="0" i="0" u="none" strike="noStrike" kern="1200" cap="none" spc="0" normalizeH="0" baseline="0" noProof="0" dirty="0">
+              <a:ln>
+                <a:noFill/>
+              </a:ln>
+              <a:solidFill>
+                <a:prstClr val="black">
+                  <a:lumMod val="50000"/>
+                  <a:lumOff val="50000"/>
+                </a:prstClr>
+              </a:solidFill>
+              <a:effectLst/>
+              <a:uLnTx/>
+              <a:uFillTx/>
+              <a:latin typeface="맑은 고딕" panose="020F0502020204030204"/>
+              <a:ea typeface="맑은 고딕" panose="020B0503020000020004" pitchFamily="50" charset="-127"/>
+              <a:cs typeface="+mn-cs"/>
+            </a:endParaRPr>
+          </a:p>
+        </p:txBody>
+      </p:sp>
+      <p:cxnSp>
+        <p:nvCxnSpPr>
+          <p:cNvPr id="39" name="직선 화살표 연결선 38">
+            <a:extLst>
+              <a:ext uri="{FF2B5EF4-FFF2-40B4-BE49-F238E27FC236}">
+                <a16:creationId xmlns:a16="http://schemas.microsoft.com/office/drawing/2014/main" id="{E4F99A20-D80C-9FAD-B6A5-1E3B54FB4000}"/>
+              </a:ext>
+            </a:extLst>
+          </p:cNvPr>
+          <p:cNvCxnSpPr>
+            <a:cxnSpLocks/>
+          </p:cNvCxnSpPr>
+          <p:nvPr/>
+        </p:nvCxnSpPr>
+        <p:spPr>
+          <a:xfrm>
+            <a:off x="7055049" y="5818137"/>
+            <a:ext cx="588048" cy="0"/>
+          </a:xfrm>
+          <a:prstGeom prst="straightConnector1">
+            <a:avLst/>
+          </a:prstGeom>
+          <a:ln w="38100">
+            <a:tailEnd type="triangle"/>
+          </a:ln>
+        </p:spPr>
+        <p:style>
+          <a:lnRef idx="1">
+            <a:schemeClr val="accent1"/>
+          </a:lnRef>
+          <a:fillRef idx="0">
+            <a:schemeClr val="accent1"/>
+          </a:fillRef>
+          <a:effectRef idx="0">
+            <a:schemeClr val="accent1"/>
+          </a:effectRef>
+          <a:fontRef idx="minor">
+            <a:schemeClr val="tx1"/>
+          </a:fontRef>
+        </p:style>
+      </p:cxnSp>
+      <p:sp>
+        <p:nvSpPr>
+          <p:cNvPr id="40" name="사각형: 둥근 모서리 39">
+            <a:extLst>
+              <a:ext uri="{FF2B5EF4-FFF2-40B4-BE49-F238E27FC236}">
+                <a16:creationId xmlns:a16="http://schemas.microsoft.com/office/drawing/2014/main" id="{728290A5-6F61-683A-7B41-EBC62135CB9C}"/>
+              </a:ext>
+            </a:extLst>
+          </p:cNvPr>
+          <p:cNvSpPr/>
+          <p:nvPr/>
+        </p:nvSpPr>
+        <p:spPr>
+          <a:xfrm>
+            <a:off x="7647330" y="4476831"/>
+            <a:ext cx="1884219" cy="738909"/>
+          </a:xfrm>
+          <a:prstGeom prst="roundRect">
+            <a:avLst/>
+          </a:prstGeom>
+          <a:noFill/>
+        </p:spPr>
+        <p:style>
+          <a:lnRef idx="2">
+            <a:schemeClr val="accent1">
+              <a:shade val="15000"/>
+            </a:schemeClr>
+          </a:lnRef>
+          <a:fillRef idx="1">
+            <a:schemeClr val="accent1"/>
+          </a:fillRef>
+          <a:effectRef idx="0">
+            <a:schemeClr val="accent1"/>
+          </a:effectRef>
+          <a:fontRef idx="minor">
+            <a:schemeClr val="lt1"/>
+          </a:fontRef>
+        </p:style>
+        <p:txBody>
+          <a:bodyPr rtlCol="0" anchor="ctr"/>
+          <a:lstStyle/>
+          <a:p>
+            <a:pPr algn="ctr"/>
+            <a:r>
+              <a:rPr lang="ko-KR" altLang="en-US" sz="1600" dirty="0">
+                <a:solidFill>
+                  <a:schemeClr val="tx1"/>
+                </a:solidFill>
+              </a:rPr>
+              <a:t>권한 검증</a:t>
+            </a:r>
+            <a:endParaRPr lang="en-US" altLang="ko-KR" sz="1600" dirty="0">
+              <a:solidFill>
+                <a:schemeClr val="tx1"/>
+              </a:solidFill>
+            </a:endParaRPr>
+          </a:p>
+          <a:p>
+            <a:pPr algn="ctr"/>
+            <a:r>
+              <a:rPr lang="en-US" altLang="ko-KR" sz="1200" dirty="0">
+                <a:solidFill>
+                  <a:prstClr val="black">
+                    <a:lumMod val="50000"/>
+                    <a:lumOff val="50000"/>
+                  </a:prstClr>
+                </a:solidFill>
+              </a:rPr>
+              <a:t>AuthControlle.java</a:t>
+            </a:r>
+          </a:p>
+        </p:txBody>
+      </p:sp>
+      <p:cxnSp>
+        <p:nvCxnSpPr>
+          <p:cNvPr id="41" name="직선 화살표 연결선 40">
+            <a:extLst>
+              <a:ext uri="{FF2B5EF4-FFF2-40B4-BE49-F238E27FC236}">
+                <a16:creationId xmlns:a16="http://schemas.microsoft.com/office/drawing/2014/main" id="{D813B19C-5F22-D941-9073-F0C2C825A2AA}"/>
+              </a:ext>
+            </a:extLst>
+          </p:cNvPr>
+          <p:cNvCxnSpPr>
+            <a:cxnSpLocks/>
+          </p:cNvCxnSpPr>
+          <p:nvPr/>
+        </p:nvCxnSpPr>
+        <p:spPr>
+          <a:xfrm>
+            <a:off x="7059281" y="4846285"/>
+            <a:ext cx="588048" cy="0"/>
+          </a:xfrm>
+          <a:prstGeom prst="straightConnector1">
+            <a:avLst/>
+          </a:prstGeom>
+          <a:ln w="38100">
+            <a:tailEnd type="triangle"/>
+          </a:ln>
+        </p:spPr>
+        <p:style>
+          <a:lnRef idx="1">
+            <a:schemeClr val="accent1"/>
+          </a:lnRef>
+          <a:fillRef idx="0">
+            <a:schemeClr val="accent1"/>
+          </a:fillRef>
+          <a:effectRef idx="0">
+            <a:schemeClr val="accent1"/>
+          </a:effectRef>
+          <a:fontRef idx="minor">
+            <a:schemeClr val="tx1"/>
+          </a:fontRef>
+        </p:style>
+      </p:cxnSp>
+      <p:sp>
+        <p:nvSpPr>
+          <p:cNvPr id="43" name="직사각형 42">
+            <a:extLst>
+              <a:ext uri="{FF2B5EF4-FFF2-40B4-BE49-F238E27FC236}">
+                <a16:creationId xmlns:a16="http://schemas.microsoft.com/office/drawing/2014/main" id="{9BD90222-76E6-DF32-8557-6EB77A005449}"/>
+              </a:ext>
+            </a:extLst>
+          </p:cNvPr>
+          <p:cNvSpPr/>
+          <p:nvPr/>
+        </p:nvSpPr>
+        <p:spPr>
+          <a:xfrm>
+            <a:off x="5170827" y="4547255"/>
+            <a:ext cx="1884219" cy="598059"/>
+          </a:xfrm>
+          <a:prstGeom prst="rect">
+            <a:avLst/>
+          </a:prstGeom>
+          <a:solidFill>
+            <a:schemeClr val="bg1"/>
+          </a:solidFill>
+        </p:spPr>
+        <p:style>
+          <a:lnRef idx="2">
+            <a:schemeClr val="accent1">
+              <a:shade val="15000"/>
+            </a:schemeClr>
+          </a:lnRef>
+          <a:fillRef idx="1">
+            <a:schemeClr val="accent1"/>
+          </a:fillRef>
+          <a:effectRef idx="0">
+            <a:schemeClr val="accent1"/>
+          </a:effectRef>
+          <a:fontRef idx="minor">
+            <a:schemeClr val="lt1"/>
+          </a:fontRef>
+        </p:style>
+        <p:txBody>
+          <a:bodyPr rtlCol="0" anchor="ctr"/>
+          <a:lstStyle/>
+          <a:p>
+            <a:pPr algn="ctr"/>
+            <a:r>
+              <a:rPr lang="ko-KR" altLang="en-US" sz="1200" dirty="0">
+                <a:solidFill>
+                  <a:schemeClr val="tx1"/>
+                </a:solidFill>
+              </a:rPr>
+              <a:t>토큰이 유효한 경우</a:t>
+            </a:r>
+          </a:p>
+        </p:txBody>
+      </p:sp>
+      <p:sp>
+        <p:nvSpPr>
+          <p:cNvPr id="44" name="사각형: 둥근 모서리 43">
+            <a:extLst>
+              <a:ext uri="{FF2B5EF4-FFF2-40B4-BE49-F238E27FC236}">
+                <a16:creationId xmlns:a16="http://schemas.microsoft.com/office/drawing/2014/main" id="{27404739-8307-F880-CDAC-5FD70CE9C518}"/>
+              </a:ext>
+            </a:extLst>
+          </p:cNvPr>
+          <p:cNvSpPr/>
+          <p:nvPr/>
+        </p:nvSpPr>
+        <p:spPr>
+          <a:xfrm>
+            <a:off x="10115369" y="5448683"/>
+            <a:ext cx="1884219" cy="738909"/>
+          </a:xfrm>
+          <a:prstGeom prst="roundRect">
+            <a:avLst/>
+          </a:prstGeom>
+          <a:noFill/>
+        </p:spPr>
+        <p:style>
+          <a:lnRef idx="2">
+            <a:schemeClr val="accent1">
+              <a:shade val="15000"/>
+            </a:schemeClr>
+          </a:lnRef>
+          <a:fillRef idx="1">
+            <a:schemeClr val="accent1"/>
+          </a:fillRef>
+          <a:effectRef idx="0">
+            <a:schemeClr val="accent1"/>
+          </a:effectRef>
+          <a:fontRef idx="minor">
+            <a:schemeClr val="lt1"/>
+          </a:fontRef>
+        </p:style>
+        <p:txBody>
+          <a:bodyPr rtlCol="0" anchor="ctr"/>
+          <a:lstStyle/>
+          <a:p>
+            <a:pPr algn="ctr"/>
+            <a:r>
+              <a:rPr lang="ko-KR" altLang="en-US" sz="1600" dirty="0">
+                <a:solidFill>
+                  <a:schemeClr val="tx1"/>
+                </a:solidFill>
+              </a:rPr>
+              <a:t>원본 요청 재실행</a:t>
+            </a:r>
+            <a:endParaRPr lang="en-US" altLang="ko-KR" sz="1600" dirty="0">
+              <a:solidFill>
+                <a:schemeClr val="tx1"/>
+              </a:solidFill>
+            </a:endParaRPr>
+          </a:p>
+          <a:p>
+            <a:pPr lvl="0" algn="ctr">
+              <a:defRPr/>
+            </a:pPr>
+            <a:r>
+              <a:rPr lang="en-US" altLang="ko-KR" sz="1200" dirty="0">
+                <a:solidFill>
+                  <a:prstClr val="black">
+                    <a:lumMod val="50000"/>
+                    <a:lumOff val="50000"/>
+                  </a:prstClr>
+                </a:solidFill>
+              </a:rPr>
+              <a:t>axios.js</a:t>
+            </a:r>
+            <a:endParaRPr kumimoji="0" lang="ko-KR" altLang="en-US" sz="1200" b="0" i="0" u="none" strike="noStrike" kern="1200" cap="none" spc="0" normalizeH="0" baseline="0" noProof="0" dirty="0">
+              <a:ln>
+                <a:noFill/>
+              </a:ln>
+              <a:solidFill>
+                <a:prstClr val="black">
+                  <a:lumMod val="50000"/>
+                  <a:lumOff val="50000"/>
+                </a:prstClr>
+              </a:solidFill>
+              <a:effectLst/>
+              <a:uLnTx/>
+              <a:uFillTx/>
+              <a:latin typeface="맑은 고딕" panose="020F0502020204030204"/>
+              <a:ea typeface="맑은 고딕" panose="020B0503020000020004" pitchFamily="50" charset="-127"/>
+              <a:cs typeface="+mn-cs"/>
+            </a:endParaRPr>
+          </a:p>
+        </p:txBody>
+      </p:sp>
+      <p:cxnSp>
+        <p:nvCxnSpPr>
+          <p:cNvPr id="45" name="직선 화살표 연결선 44">
+            <a:extLst>
+              <a:ext uri="{FF2B5EF4-FFF2-40B4-BE49-F238E27FC236}">
+                <a16:creationId xmlns:a16="http://schemas.microsoft.com/office/drawing/2014/main" id="{3F4A12CA-2AB0-1A97-6CA4-82BDEEB81C49}"/>
+              </a:ext>
+            </a:extLst>
+          </p:cNvPr>
+          <p:cNvCxnSpPr>
+            <a:cxnSpLocks/>
+          </p:cNvCxnSpPr>
+          <p:nvPr/>
+        </p:nvCxnSpPr>
+        <p:spPr>
+          <a:xfrm>
+            <a:off x="9527320" y="5818137"/>
+            <a:ext cx="588048" cy="0"/>
+          </a:xfrm>
+          <a:prstGeom prst="straightConnector1">
+            <a:avLst/>
+          </a:prstGeom>
+          <a:ln w="38100">
+            <a:tailEnd type="triangle"/>
+          </a:ln>
+        </p:spPr>
+        <p:style>
+          <a:lnRef idx="1">
+            <a:schemeClr val="accent1"/>
+          </a:lnRef>
+          <a:fillRef idx="0">
+            <a:schemeClr val="accent1"/>
+          </a:fillRef>
+          <a:effectRef idx="0">
+            <a:schemeClr val="accent1"/>
+          </a:effectRef>
+          <a:fontRef idx="minor">
+            <a:schemeClr val="tx1"/>
+          </a:fontRef>
+        </p:style>
+      </p:cxnSp>
+      <p:sp>
+        <p:nvSpPr>
+          <p:cNvPr id="6" name="직사각형 5">
+            <a:extLst>
+              <a:ext uri="{FF2B5EF4-FFF2-40B4-BE49-F238E27FC236}">
+                <a16:creationId xmlns:a16="http://schemas.microsoft.com/office/drawing/2014/main" id="{0C5FD967-B41A-EAC5-1BCE-1E99E94E8C7F}"/>
+              </a:ext>
+            </a:extLst>
+          </p:cNvPr>
+          <p:cNvSpPr/>
+          <p:nvPr/>
+        </p:nvSpPr>
+        <p:spPr>
+          <a:xfrm>
+            <a:off x="237836" y="310912"/>
+            <a:ext cx="4262582" cy="420253"/>
+          </a:xfrm>
+          <a:prstGeom prst="rect">
+            <a:avLst/>
+          </a:prstGeom>
+          <a:noFill/>
+          <a:ln w="38100">
+            <a:noFill/>
+          </a:ln>
+        </p:spPr>
+        <p:style>
+          <a:lnRef idx="2">
+            <a:schemeClr val="accent1">
+              <a:shade val="15000"/>
+            </a:schemeClr>
+          </a:lnRef>
+          <a:fillRef idx="1">
+            <a:schemeClr val="accent1"/>
+          </a:fillRef>
+          <a:effectRef idx="0">
+            <a:schemeClr val="accent1"/>
+          </a:effectRef>
+          <a:fontRef idx="minor">
+            <a:schemeClr val="lt1"/>
+          </a:fontRef>
+        </p:style>
+        <p:txBody>
+          <a:bodyPr rtlCol="0" anchor="t"/>
+          <a:lstStyle/>
+          <a:p>
+            <a:r>
+              <a:rPr lang="ko-KR" altLang="en-US" sz="2400" dirty="0">
+                <a:solidFill>
+                  <a:schemeClr val="bg1">
+                    <a:lumMod val="50000"/>
+                  </a:schemeClr>
+                </a:solidFill>
+              </a:rPr>
+              <a:t>요청 검증 프로세스</a:t>
+            </a:r>
+            <a:endParaRPr lang="en-US" altLang="ko-KR" sz="2400" dirty="0">
+              <a:solidFill>
+                <a:schemeClr val="bg1">
+                  <a:lumMod val="50000"/>
+                </a:schemeClr>
+              </a:solidFill>
+            </a:endParaRPr>
+          </a:p>
+        </p:txBody>
+      </p:sp>
+      <p:sp>
+        <p:nvSpPr>
+          <p:cNvPr id="7" name="사각형: 둥근 모서리 6">
+            <a:extLst>
+              <a:ext uri="{FF2B5EF4-FFF2-40B4-BE49-F238E27FC236}">
+                <a16:creationId xmlns:a16="http://schemas.microsoft.com/office/drawing/2014/main" id="{25EB710C-2A10-AD99-2D84-0F28A1FA840D}"/>
+              </a:ext>
+            </a:extLst>
+          </p:cNvPr>
+          <p:cNvSpPr/>
+          <p:nvPr/>
+        </p:nvSpPr>
+        <p:spPr>
+          <a:xfrm>
+            <a:off x="226293" y="1159506"/>
+            <a:ext cx="1884219" cy="738909"/>
+          </a:xfrm>
+          <a:prstGeom prst="roundRect">
+            <a:avLst/>
+          </a:prstGeom>
+          <a:noFill/>
+        </p:spPr>
+        <p:style>
+          <a:lnRef idx="2">
+            <a:schemeClr val="accent1">
+              <a:shade val="15000"/>
+            </a:schemeClr>
+          </a:lnRef>
+          <a:fillRef idx="1">
+            <a:schemeClr val="accent1"/>
+          </a:fillRef>
+          <a:effectRef idx="0">
+            <a:schemeClr val="accent1"/>
+          </a:effectRef>
+          <a:fontRef idx="minor">
+            <a:schemeClr val="lt1"/>
+          </a:fontRef>
+        </p:style>
+        <p:txBody>
+          <a:bodyPr rtlCol="0" anchor="ctr"/>
+          <a:lstStyle/>
+          <a:p>
+            <a:pPr algn="ctr"/>
+            <a:r>
+              <a:rPr lang="ko-KR" altLang="en-US" dirty="0">
+                <a:solidFill>
+                  <a:schemeClr val="tx1"/>
+                </a:solidFill>
+              </a:rPr>
+              <a:t>요청 발생</a:t>
+            </a:r>
+            <a:endParaRPr lang="en-US" altLang="ko-KR" dirty="0">
+              <a:solidFill>
+                <a:schemeClr val="tx1"/>
+              </a:solidFill>
+            </a:endParaRPr>
+          </a:p>
+          <a:p>
+            <a:pPr algn="ctr"/>
+            <a:r>
+              <a:rPr lang="en-US" altLang="ko-KR" sz="1200" dirty="0">
+                <a:solidFill>
+                  <a:schemeClr val="tx1">
+                    <a:lumMod val="50000"/>
+                    <a:lumOff val="50000"/>
+                  </a:schemeClr>
+                </a:solidFill>
+              </a:rPr>
+              <a:t>*.</a:t>
+            </a:r>
+            <a:r>
+              <a:rPr lang="en-US" altLang="ko-KR" sz="1200" dirty="0" err="1">
+                <a:solidFill>
+                  <a:schemeClr val="tx1">
+                    <a:lumMod val="50000"/>
+                    <a:lumOff val="50000"/>
+                  </a:schemeClr>
+                </a:solidFill>
+              </a:rPr>
+              <a:t>vue</a:t>
+            </a:r>
+            <a:endParaRPr lang="ko-KR" altLang="en-US" sz="1200" dirty="0">
+              <a:solidFill>
+                <a:schemeClr val="tx1">
+                  <a:lumMod val="50000"/>
+                  <a:lumOff val="50000"/>
+                </a:schemeClr>
+              </a:solidFill>
+            </a:endParaRPr>
+          </a:p>
+        </p:txBody>
+      </p:sp>
+      <p:sp>
+        <p:nvSpPr>
+          <p:cNvPr id="13" name="사각형: 둥근 모서리 12">
+            <a:extLst>
+              <a:ext uri="{FF2B5EF4-FFF2-40B4-BE49-F238E27FC236}">
+                <a16:creationId xmlns:a16="http://schemas.microsoft.com/office/drawing/2014/main" id="{0D6AF2EC-E062-2C34-0965-EC08305F0E01}"/>
+              </a:ext>
+            </a:extLst>
+          </p:cNvPr>
+          <p:cNvSpPr/>
+          <p:nvPr/>
+        </p:nvSpPr>
+        <p:spPr>
+          <a:xfrm>
+            <a:off x="2698560" y="1159506"/>
+            <a:ext cx="1884219" cy="738909"/>
+          </a:xfrm>
+          <a:prstGeom prst="roundRect">
+            <a:avLst/>
+          </a:prstGeom>
+          <a:noFill/>
+        </p:spPr>
+        <p:style>
+          <a:lnRef idx="2">
+            <a:schemeClr val="accent1">
+              <a:shade val="15000"/>
+            </a:schemeClr>
+          </a:lnRef>
+          <a:fillRef idx="1">
+            <a:schemeClr val="accent1"/>
+          </a:fillRef>
+          <a:effectRef idx="0">
+            <a:schemeClr val="accent1"/>
+          </a:effectRef>
+          <a:fontRef idx="minor">
+            <a:schemeClr val="lt1"/>
+          </a:fontRef>
+        </p:style>
+        <p:txBody>
+          <a:bodyPr rtlCol="0" anchor="ctr"/>
+          <a:lstStyle/>
+          <a:p>
+            <a:pPr algn="ctr"/>
+            <a:r>
+              <a:rPr lang="ko-KR" altLang="en-US" sz="1600" dirty="0">
+                <a:solidFill>
+                  <a:schemeClr val="tx1"/>
+                </a:solidFill>
+              </a:rPr>
+              <a:t>토큰 유효성 검증</a:t>
+            </a:r>
+            <a:endParaRPr lang="en-US" altLang="ko-KR" sz="1600" dirty="0">
+              <a:solidFill>
+                <a:schemeClr val="tx1"/>
+              </a:solidFill>
+            </a:endParaRPr>
+          </a:p>
+          <a:p>
+            <a:pPr marL="0" marR="0" lvl="0" indent="0" algn="ctr" defTabSz="914400" rtl="0" eaLnBrk="1" fontAlgn="auto" latinLnBrk="1" hangingPunct="1">
+              <a:lnSpc>
+                <a:spcPct val="100000"/>
+              </a:lnSpc>
+              <a:spcBef>
+                <a:spcPts val="0"/>
+              </a:spcBef>
+              <a:spcAft>
+                <a:spcPts val="0"/>
+              </a:spcAft>
+              <a:buClrTx/>
+              <a:buSzTx/>
+              <a:buFontTx/>
+              <a:buNone/>
+              <a:tabLst/>
+              <a:defRPr/>
+            </a:pPr>
+            <a:r>
+              <a:rPr lang="en-US" altLang="ko-KR" sz="1200" dirty="0">
+                <a:solidFill>
+                  <a:prstClr val="black">
+                    <a:lumMod val="50000"/>
+                    <a:lumOff val="50000"/>
+                  </a:prstClr>
+                </a:solidFill>
+              </a:rPr>
+              <a:t>JwtAuthFilter.java</a:t>
+            </a:r>
+          </a:p>
+        </p:txBody>
+      </p:sp>
+      <p:cxnSp>
+        <p:nvCxnSpPr>
+          <p:cNvPr id="15" name="직선 화살표 연결선 14">
+            <a:extLst>
+              <a:ext uri="{FF2B5EF4-FFF2-40B4-BE49-F238E27FC236}">
+                <a16:creationId xmlns:a16="http://schemas.microsoft.com/office/drawing/2014/main" id="{8B2962D2-2C41-BCDE-B191-4DBEAE6ECCC2}"/>
+              </a:ext>
+            </a:extLst>
+          </p:cNvPr>
+          <p:cNvCxnSpPr>
+            <a:cxnSpLocks/>
+          </p:cNvCxnSpPr>
+          <p:nvPr/>
+        </p:nvCxnSpPr>
+        <p:spPr>
+          <a:xfrm>
+            <a:off x="4582778" y="1528960"/>
+            <a:ext cx="588048" cy="0"/>
+          </a:xfrm>
+          <a:prstGeom prst="straightConnector1">
+            <a:avLst/>
+          </a:prstGeom>
+          <a:ln w="38100">
+            <a:tailEnd type="triangle"/>
+          </a:ln>
+        </p:spPr>
+        <p:style>
+          <a:lnRef idx="1">
+            <a:schemeClr val="accent1"/>
+          </a:lnRef>
+          <a:fillRef idx="0">
+            <a:schemeClr val="accent1"/>
+          </a:fillRef>
+          <a:effectRef idx="0">
+            <a:schemeClr val="accent1"/>
+          </a:effectRef>
+          <a:fontRef idx="minor">
+            <a:schemeClr val="tx1"/>
+          </a:fontRef>
+        </p:style>
+      </p:cxnSp>
+      <p:cxnSp>
+        <p:nvCxnSpPr>
+          <p:cNvPr id="16" name="직선 화살표 연결선 15">
+            <a:extLst>
+              <a:ext uri="{FF2B5EF4-FFF2-40B4-BE49-F238E27FC236}">
+                <a16:creationId xmlns:a16="http://schemas.microsoft.com/office/drawing/2014/main" id="{A392A219-F47B-E85C-7732-3414838C4654}"/>
+              </a:ext>
+            </a:extLst>
+          </p:cNvPr>
+          <p:cNvCxnSpPr>
+            <a:cxnSpLocks/>
+          </p:cNvCxnSpPr>
+          <p:nvPr/>
+        </p:nvCxnSpPr>
+        <p:spPr>
+          <a:xfrm>
+            <a:off x="2110512" y="1528960"/>
+            <a:ext cx="588048" cy="0"/>
+          </a:xfrm>
+          <a:prstGeom prst="straightConnector1">
+            <a:avLst/>
+          </a:prstGeom>
+          <a:ln w="38100">
+            <a:tailEnd type="triangle"/>
+          </a:ln>
+        </p:spPr>
+        <p:style>
+          <a:lnRef idx="1">
+            <a:schemeClr val="accent1"/>
+          </a:lnRef>
+          <a:fillRef idx="0">
+            <a:schemeClr val="accent1"/>
+          </a:fillRef>
+          <a:effectRef idx="0">
+            <a:schemeClr val="accent1"/>
+          </a:effectRef>
+          <a:fontRef idx="minor">
+            <a:schemeClr val="tx1"/>
+          </a:fontRef>
+        </p:style>
+      </p:cxnSp>
+      <p:cxnSp>
+        <p:nvCxnSpPr>
+          <p:cNvPr id="17" name="직선 화살표 연결선 16">
+            <a:extLst>
+              <a:ext uri="{FF2B5EF4-FFF2-40B4-BE49-F238E27FC236}">
+                <a16:creationId xmlns:a16="http://schemas.microsoft.com/office/drawing/2014/main" id="{CD443B96-AE16-275D-71DC-E7BBDE9BC3CA}"/>
+              </a:ext>
+            </a:extLst>
+          </p:cNvPr>
+          <p:cNvCxnSpPr>
+            <a:cxnSpLocks/>
+          </p:cNvCxnSpPr>
+          <p:nvPr/>
+        </p:nvCxnSpPr>
+        <p:spPr>
+          <a:xfrm>
+            <a:off x="3640670" y="1898415"/>
+            <a:ext cx="0" cy="313036"/>
+          </a:xfrm>
+          <a:prstGeom prst="straightConnector1">
+            <a:avLst/>
+          </a:prstGeom>
+          <a:ln w="38100">
+            <a:tailEnd type="triangle"/>
+          </a:ln>
+        </p:spPr>
+        <p:style>
+          <a:lnRef idx="1">
+            <a:schemeClr val="accent1"/>
+          </a:lnRef>
+          <a:fillRef idx="0">
+            <a:schemeClr val="accent1"/>
+          </a:fillRef>
+          <a:effectRef idx="0">
+            <a:schemeClr val="accent1"/>
+          </a:effectRef>
+          <a:fontRef idx="minor">
+            <a:schemeClr val="tx1"/>
+          </a:fontRef>
+        </p:style>
+      </p:cxnSp>
+      <p:sp>
+        <p:nvSpPr>
+          <p:cNvPr id="18" name="직사각형 17">
+            <a:extLst>
+              <a:ext uri="{FF2B5EF4-FFF2-40B4-BE49-F238E27FC236}">
+                <a16:creationId xmlns:a16="http://schemas.microsoft.com/office/drawing/2014/main" id="{FA0E7218-B39B-99A7-AD32-64F2B722AC9B}"/>
+              </a:ext>
+            </a:extLst>
+          </p:cNvPr>
+          <p:cNvSpPr/>
+          <p:nvPr/>
+        </p:nvSpPr>
+        <p:spPr>
+          <a:xfrm>
+            <a:off x="2698556" y="2211451"/>
+            <a:ext cx="1884219" cy="598059"/>
+          </a:xfrm>
+          <a:prstGeom prst="rect">
+            <a:avLst/>
+          </a:prstGeom>
+          <a:solidFill>
+            <a:schemeClr val="bg1"/>
+          </a:solidFill>
+        </p:spPr>
+        <p:style>
+          <a:lnRef idx="2">
+            <a:schemeClr val="accent1">
+              <a:shade val="15000"/>
+            </a:schemeClr>
+          </a:lnRef>
+          <a:fillRef idx="1">
+            <a:schemeClr val="accent1"/>
+          </a:fillRef>
+          <a:effectRef idx="0">
+            <a:schemeClr val="accent1"/>
+          </a:effectRef>
+          <a:fontRef idx="minor">
+            <a:schemeClr val="lt1"/>
+          </a:fontRef>
+        </p:style>
+        <p:txBody>
+          <a:bodyPr rtlCol="0" anchor="ctr"/>
+          <a:lstStyle/>
+          <a:p>
+            <a:pPr algn="ctr"/>
+            <a:r>
+              <a:rPr lang="en-US" altLang="ko-KR" sz="1200" dirty="0">
+                <a:solidFill>
+                  <a:schemeClr val="tx1"/>
+                </a:solidFill>
+              </a:rPr>
+              <a:t>Access </a:t>
+            </a:r>
+            <a:r>
+              <a:rPr lang="ko-KR" altLang="en-US" sz="1200" dirty="0">
+                <a:solidFill>
+                  <a:schemeClr val="tx1"/>
+                </a:solidFill>
+              </a:rPr>
+              <a:t>토큰 만료된 경우</a:t>
+            </a:r>
+            <a:endParaRPr lang="en-US" altLang="ko-KR" sz="1200" dirty="0">
+              <a:solidFill>
+                <a:schemeClr val="tx1"/>
+              </a:solidFill>
+            </a:endParaRPr>
+          </a:p>
+          <a:p>
+            <a:pPr algn="ctr"/>
+            <a:r>
+              <a:rPr lang="en-US" altLang="ko-KR" sz="1200" dirty="0">
+                <a:solidFill>
+                  <a:schemeClr val="tx1"/>
+                </a:solidFill>
+              </a:rPr>
+              <a:t>Error Code(401) </a:t>
+            </a:r>
+            <a:r>
+              <a:rPr lang="ko-KR" altLang="en-US" sz="1200" dirty="0">
+                <a:solidFill>
+                  <a:schemeClr val="tx1"/>
+                </a:solidFill>
+              </a:rPr>
+              <a:t>반환</a:t>
+            </a:r>
+          </a:p>
+        </p:txBody>
+      </p:sp>
+      <p:sp>
+        <p:nvSpPr>
+          <p:cNvPr id="20" name="사각형: 둥근 모서리 19">
+            <a:extLst>
+              <a:ext uri="{FF2B5EF4-FFF2-40B4-BE49-F238E27FC236}">
+                <a16:creationId xmlns:a16="http://schemas.microsoft.com/office/drawing/2014/main" id="{02B4CB83-AD5E-1909-478F-0AE6B121AE0D}"/>
+              </a:ext>
+            </a:extLst>
+          </p:cNvPr>
+          <p:cNvSpPr/>
+          <p:nvPr/>
+        </p:nvSpPr>
+        <p:spPr>
+          <a:xfrm>
+            <a:off x="5170827" y="2131358"/>
+            <a:ext cx="1884219" cy="738909"/>
+          </a:xfrm>
+          <a:prstGeom prst="roundRect">
+            <a:avLst/>
+          </a:prstGeom>
+          <a:noFill/>
+        </p:spPr>
+        <p:style>
+          <a:lnRef idx="2">
+            <a:schemeClr val="accent1">
+              <a:shade val="15000"/>
+            </a:schemeClr>
+          </a:lnRef>
+          <a:fillRef idx="1">
+            <a:schemeClr val="accent1"/>
+          </a:fillRef>
+          <a:effectRef idx="0">
+            <a:schemeClr val="accent1"/>
+          </a:effectRef>
+          <a:fontRef idx="minor">
+            <a:schemeClr val="lt1"/>
+          </a:fontRef>
+        </p:style>
+        <p:txBody>
+          <a:bodyPr rtlCol="0" anchor="ctr"/>
+          <a:lstStyle/>
+          <a:p>
+            <a:pPr algn="ctr"/>
+            <a:r>
+              <a:rPr lang="ko-KR" altLang="en-US" sz="1600" dirty="0">
+                <a:solidFill>
+                  <a:schemeClr val="tx1"/>
+                </a:solidFill>
+              </a:rPr>
+              <a:t>토큰 재발급 요청</a:t>
+            </a:r>
+            <a:endParaRPr lang="en-US" altLang="ko-KR" sz="1600" dirty="0">
+              <a:solidFill>
+                <a:schemeClr val="tx1"/>
+              </a:solidFill>
+            </a:endParaRPr>
+          </a:p>
+          <a:p>
+            <a:pPr lvl="0" algn="ctr">
+              <a:defRPr/>
+            </a:pPr>
+            <a:r>
+              <a:rPr lang="en-US" altLang="ko-KR" sz="1200" dirty="0">
+                <a:solidFill>
+                  <a:prstClr val="black">
+                    <a:lumMod val="50000"/>
+                    <a:lumOff val="50000"/>
+                  </a:prstClr>
+                </a:solidFill>
+              </a:rPr>
+              <a:t>axios.js</a:t>
+            </a:r>
+            <a:endParaRPr kumimoji="0" lang="ko-KR" altLang="en-US" sz="1200" b="0" i="0" u="none" strike="noStrike" kern="1200" cap="none" spc="0" normalizeH="0" baseline="0" noProof="0" dirty="0">
+              <a:ln>
+                <a:noFill/>
+              </a:ln>
+              <a:solidFill>
+                <a:prstClr val="black">
+                  <a:lumMod val="50000"/>
+                  <a:lumOff val="50000"/>
+                </a:prstClr>
+              </a:solidFill>
+              <a:effectLst/>
+              <a:uLnTx/>
+              <a:uFillTx/>
+              <a:latin typeface="맑은 고딕" panose="020F0502020204030204"/>
+              <a:ea typeface="맑은 고딕" panose="020B0503020000020004" pitchFamily="50" charset="-127"/>
+              <a:cs typeface="+mn-cs"/>
+            </a:endParaRPr>
+          </a:p>
+        </p:txBody>
+      </p:sp>
+      <p:cxnSp>
+        <p:nvCxnSpPr>
+          <p:cNvPr id="21" name="직선 화살표 연결선 20">
+            <a:extLst>
+              <a:ext uri="{FF2B5EF4-FFF2-40B4-BE49-F238E27FC236}">
+                <a16:creationId xmlns:a16="http://schemas.microsoft.com/office/drawing/2014/main" id="{D997A3FC-CBD9-4D08-0985-5A0DAE2D43EA}"/>
+              </a:ext>
+            </a:extLst>
+          </p:cNvPr>
+          <p:cNvCxnSpPr>
+            <a:cxnSpLocks/>
+          </p:cNvCxnSpPr>
+          <p:nvPr/>
+        </p:nvCxnSpPr>
+        <p:spPr>
+          <a:xfrm>
+            <a:off x="4582778" y="2500812"/>
+            <a:ext cx="588048" cy="0"/>
+          </a:xfrm>
+          <a:prstGeom prst="straightConnector1">
+            <a:avLst/>
+          </a:prstGeom>
+          <a:ln w="38100">
+            <a:tailEnd type="triangle"/>
+          </a:ln>
+        </p:spPr>
+        <p:style>
+          <a:lnRef idx="1">
+            <a:schemeClr val="accent1"/>
+          </a:lnRef>
+          <a:fillRef idx="0">
+            <a:schemeClr val="accent1"/>
+          </a:fillRef>
+          <a:effectRef idx="0">
+            <a:schemeClr val="accent1"/>
+          </a:effectRef>
+          <a:fontRef idx="minor">
+            <a:schemeClr val="tx1"/>
+          </a:fontRef>
+        </p:style>
+      </p:cxnSp>
+      <p:sp>
+        <p:nvSpPr>
+          <p:cNvPr id="25" name="사각형: 둥근 모서리 24">
+            <a:extLst>
+              <a:ext uri="{FF2B5EF4-FFF2-40B4-BE49-F238E27FC236}">
+                <a16:creationId xmlns:a16="http://schemas.microsoft.com/office/drawing/2014/main" id="{DAD900EB-8D64-1218-F0B3-0FDB4D2D1367}"/>
+              </a:ext>
+            </a:extLst>
+          </p:cNvPr>
+          <p:cNvSpPr/>
+          <p:nvPr/>
+        </p:nvSpPr>
+        <p:spPr>
+          <a:xfrm>
+            <a:off x="7643098" y="2131358"/>
+            <a:ext cx="1884219" cy="738909"/>
+          </a:xfrm>
+          <a:prstGeom prst="roundRect">
+            <a:avLst/>
+          </a:prstGeom>
+          <a:noFill/>
+        </p:spPr>
+        <p:style>
+          <a:lnRef idx="2">
+            <a:schemeClr val="accent1">
+              <a:shade val="15000"/>
+            </a:schemeClr>
+          </a:lnRef>
+          <a:fillRef idx="1">
+            <a:schemeClr val="accent1"/>
+          </a:fillRef>
+          <a:effectRef idx="0">
+            <a:schemeClr val="accent1"/>
+          </a:effectRef>
+          <a:fontRef idx="minor">
+            <a:schemeClr val="lt1"/>
+          </a:fontRef>
+        </p:style>
+        <p:txBody>
+          <a:bodyPr rtlCol="0" anchor="ctr"/>
+          <a:lstStyle/>
+          <a:p>
+            <a:pPr algn="ctr"/>
+            <a:r>
+              <a:rPr lang="ko-KR" altLang="en-US" sz="1400" dirty="0">
+                <a:solidFill>
+                  <a:schemeClr val="tx1"/>
+                </a:solidFill>
+              </a:rPr>
+              <a:t>토큰 검증 및 재발급</a:t>
+            </a:r>
+            <a:endParaRPr lang="en-US" altLang="ko-KR" sz="1400" dirty="0">
+              <a:solidFill>
+                <a:schemeClr val="tx1"/>
+              </a:solidFill>
+            </a:endParaRPr>
+          </a:p>
+          <a:p>
+            <a:pPr lvl="0" algn="ctr">
+              <a:defRPr/>
+            </a:pPr>
+            <a:r>
+              <a:rPr lang="en-US" altLang="ko-KR" sz="1200" dirty="0">
+                <a:solidFill>
+                  <a:prstClr val="black">
+                    <a:lumMod val="50000"/>
+                    <a:lumOff val="50000"/>
+                  </a:prstClr>
+                </a:solidFill>
+              </a:rPr>
+              <a:t>AuthController.java</a:t>
+            </a:r>
+            <a:endParaRPr kumimoji="0" lang="ko-KR" altLang="en-US" sz="1200" b="0" i="0" u="none" strike="noStrike" kern="1200" cap="none" spc="0" normalizeH="0" baseline="0" noProof="0" dirty="0">
+              <a:ln>
+                <a:noFill/>
+              </a:ln>
+              <a:solidFill>
+                <a:prstClr val="black">
+                  <a:lumMod val="50000"/>
+                  <a:lumOff val="50000"/>
+                </a:prstClr>
+              </a:solidFill>
+              <a:effectLst/>
+              <a:uLnTx/>
+              <a:uFillTx/>
+              <a:latin typeface="맑은 고딕" panose="020F0502020204030204"/>
+              <a:ea typeface="맑은 고딕" panose="020B0503020000020004" pitchFamily="50" charset="-127"/>
+              <a:cs typeface="+mn-cs"/>
+            </a:endParaRPr>
+          </a:p>
+        </p:txBody>
+      </p:sp>
+      <p:cxnSp>
+        <p:nvCxnSpPr>
+          <p:cNvPr id="30" name="직선 화살표 연결선 29">
+            <a:extLst>
+              <a:ext uri="{FF2B5EF4-FFF2-40B4-BE49-F238E27FC236}">
+                <a16:creationId xmlns:a16="http://schemas.microsoft.com/office/drawing/2014/main" id="{29A2E83C-73F4-B7DB-DF10-C43F76A187EB}"/>
+              </a:ext>
+            </a:extLst>
+          </p:cNvPr>
+          <p:cNvCxnSpPr>
+            <a:cxnSpLocks/>
+          </p:cNvCxnSpPr>
+          <p:nvPr/>
+        </p:nvCxnSpPr>
+        <p:spPr>
+          <a:xfrm>
+            <a:off x="7055049" y="2500812"/>
+            <a:ext cx="588048" cy="0"/>
+          </a:xfrm>
+          <a:prstGeom prst="straightConnector1">
+            <a:avLst/>
+          </a:prstGeom>
+          <a:ln w="38100">
+            <a:tailEnd type="triangle"/>
+          </a:ln>
+        </p:spPr>
+        <p:style>
+          <a:lnRef idx="1">
+            <a:schemeClr val="accent1"/>
+          </a:lnRef>
+          <a:fillRef idx="0">
+            <a:schemeClr val="accent1"/>
+          </a:fillRef>
+          <a:effectRef idx="0">
+            <a:schemeClr val="accent1"/>
+          </a:effectRef>
+          <a:fontRef idx="minor">
+            <a:schemeClr val="tx1"/>
+          </a:fontRef>
+        </p:style>
+      </p:cxnSp>
+      <p:sp>
+        <p:nvSpPr>
+          <p:cNvPr id="32" name="사각형: 둥근 모서리 31">
+            <a:extLst>
+              <a:ext uri="{FF2B5EF4-FFF2-40B4-BE49-F238E27FC236}">
+                <a16:creationId xmlns:a16="http://schemas.microsoft.com/office/drawing/2014/main" id="{2CE19BB1-6CBE-5D03-BB1C-21E2AA7C29D7}"/>
+              </a:ext>
+            </a:extLst>
+          </p:cNvPr>
+          <p:cNvSpPr/>
+          <p:nvPr/>
+        </p:nvSpPr>
+        <p:spPr>
+          <a:xfrm>
+            <a:off x="7647330" y="1159506"/>
+            <a:ext cx="1884219" cy="738909"/>
+          </a:xfrm>
+          <a:prstGeom prst="roundRect">
+            <a:avLst/>
+          </a:prstGeom>
+          <a:noFill/>
+        </p:spPr>
+        <p:style>
+          <a:lnRef idx="2">
+            <a:schemeClr val="accent1">
+              <a:shade val="15000"/>
+            </a:schemeClr>
+          </a:lnRef>
+          <a:fillRef idx="1">
+            <a:schemeClr val="accent1"/>
+          </a:fillRef>
+          <a:effectRef idx="0">
+            <a:schemeClr val="accent1"/>
+          </a:effectRef>
+          <a:fontRef idx="minor">
+            <a:schemeClr val="lt1"/>
+          </a:fontRef>
+        </p:style>
+        <p:txBody>
+          <a:bodyPr rtlCol="0" anchor="ctr"/>
+          <a:lstStyle/>
+          <a:p>
+            <a:pPr algn="ctr"/>
+            <a:r>
+              <a:rPr lang="ko-KR" altLang="en-US" sz="1600" dirty="0">
+                <a:solidFill>
+                  <a:schemeClr val="tx1"/>
+                </a:solidFill>
+              </a:rPr>
+              <a:t>요청 결과 반환</a:t>
+            </a:r>
+            <a:endParaRPr lang="en-US" altLang="ko-KR" sz="1600" dirty="0">
+              <a:solidFill>
+                <a:schemeClr val="tx1"/>
+              </a:solidFill>
+            </a:endParaRPr>
+          </a:p>
+        </p:txBody>
+      </p:sp>
+      <p:cxnSp>
+        <p:nvCxnSpPr>
+          <p:cNvPr id="33" name="직선 화살표 연결선 32">
+            <a:extLst>
+              <a:ext uri="{FF2B5EF4-FFF2-40B4-BE49-F238E27FC236}">
+                <a16:creationId xmlns:a16="http://schemas.microsoft.com/office/drawing/2014/main" id="{4CC9D3CC-604A-3E90-C034-1BAF25A20EDB}"/>
+              </a:ext>
+            </a:extLst>
+          </p:cNvPr>
+          <p:cNvCxnSpPr>
+            <a:cxnSpLocks/>
+          </p:cNvCxnSpPr>
+          <p:nvPr/>
+        </p:nvCxnSpPr>
+        <p:spPr>
+          <a:xfrm>
+            <a:off x="7059281" y="1528960"/>
+            <a:ext cx="588048" cy="0"/>
+          </a:xfrm>
+          <a:prstGeom prst="straightConnector1">
+            <a:avLst/>
+          </a:prstGeom>
+          <a:ln w="38100">
+            <a:tailEnd type="triangle"/>
+          </a:ln>
+        </p:spPr>
+        <p:style>
+          <a:lnRef idx="1">
+            <a:schemeClr val="accent1"/>
+          </a:lnRef>
+          <a:fillRef idx="0">
+            <a:schemeClr val="accent1"/>
+          </a:fillRef>
+          <a:effectRef idx="0">
+            <a:schemeClr val="accent1"/>
+          </a:effectRef>
+          <a:fontRef idx="minor">
+            <a:schemeClr val="tx1"/>
+          </a:fontRef>
+        </p:style>
+      </p:cxnSp>
+      <p:sp>
+        <p:nvSpPr>
+          <p:cNvPr id="42" name="직사각형 41">
+            <a:extLst>
+              <a:ext uri="{FF2B5EF4-FFF2-40B4-BE49-F238E27FC236}">
+                <a16:creationId xmlns:a16="http://schemas.microsoft.com/office/drawing/2014/main" id="{D128F4E3-8041-D6D1-B510-ABCF479CFC30}"/>
+              </a:ext>
+            </a:extLst>
+          </p:cNvPr>
+          <p:cNvSpPr/>
+          <p:nvPr/>
+        </p:nvSpPr>
+        <p:spPr>
+          <a:xfrm>
+            <a:off x="5170827" y="1229930"/>
+            <a:ext cx="1884219" cy="598059"/>
+          </a:xfrm>
+          <a:prstGeom prst="rect">
+            <a:avLst/>
+          </a:prstGeom>
+          <a:solidFill>
+            <a:schemeClr val="bg1"/>
+          </a:solidFill>
+        </p:spPr>
+        <p:style>
+          <a:lnRef idx="2">
+            <a:schemeClr val="accent1">
+              <a:shade val="15000"/>
+            </a:schemeClr>
+          </a:lnRef>
+          <a:fillRef idx="1">
+            <a:schemeClr val="accent1"/>
+          </a:fillRef>
+          <a:effectRef idx="0">
+            <a:schemeClr val="accent1"/>
+          </a:effectRef>
+          <a:fontRef idx="minor">
+            <a:schemeClr val="lt1"/>
+          </a:fontRef>
+        </p:style>
+        <p:txBody>
+          <a:bodyPr rtlCol="0" anchor="ctr"/>
+          <a:lstStyle/>
+          <a:p>
+            <a:pPr algn="ctr"/>
+            <a:r>
+              <a:rPr lang="ko-KR" altLang="en-US" sz="1200" dirty="0">
+                <a:solidFill>
+                  <a:schemeClr val="tx1"/>
+                </a:solidFill>
+              </a:rPr>
+              <a:t>토큰이 유효한 경우</a:t>
+            </a:r>
+          </a:p>
+        </p:txBody>
+      </p:sp>
+      <p:sp>
+        <p:nvSpPr>
+          <p:cNvPr id="46" name="사각형: 둥근 모서리 45">
+            <a:extLst>
+              <a:ext uri="{FF2B5EF4-FFF2-40B4-BE49-F238E27FC236}">
+                <a16:creationId xmlns:a16="http://schemas.microsoft.com/office/drawing/2014/main" id="{891A3A07-05F3-89C2-24D4-B3226BA060B2}"/>
+              </a:ext>
+            </a:extLst>
+          </p:cNvPr>
+          <p:cNvSpPr/>
+          <p:nvPr/>
+        </p:nvSpPr>
+        <p:spPr>
+          <a:xfrm>
+            <a:off x="10115369" y="2131358"/>
+            <a:ext cx="1884219" cy="738909"/>
+          </a:xfrm>
+          <a:prstGeom prst="roundRect">
+            <a:avLst/>
+          </a:prstGeom>
+          <a:noFill/>
+        </p:spPr>
+        <p:style>
+          <a:lnRef idx="2">
+            <a:schemeClr val="accent1">
+              <a:shade val="15000"/>
+            </a:schemeClr>
+          </a:lnRef>
+          <a:fillRef idx="1">
+            <a:schemeClr val="accent1"/>
+          </a:fillRef>
+          <a:effectRef idx="0">
+            <a:schemeClr val="accent1"/>
+          </a:effectRef>
+          <a:fontRef idx="minor">
+            <a:schemeClr val="lt1"/>
+          </a:fontRef>
+        </p:style>
+        <p:txBody>
+          <a:bodyPr rtlCol="0" anchor="ctr"/>
+          <a:lstStyle/>
+          <a:p>
+            <a:pPr algn="ctr"/>
+            <a:r>
+              <a:rPr lang="ko-KR" altLang="en-US" sz="1600" dirty="0">
+                <a:solidFill>
+                  <a:schemeClr val="tx1"/>
+                </a:solidFill>
+              </a:rPr>
+              <a:t>원본 요청 재실행</a:t>
+            </a:r>
+            <a:endParaRPr lang="en-US" altLang="ko-KR" sz="1600" dirty="0">
+              <a:solidFill>
+                <a:schemeClr val="tx1"/>
+              </a:solidFill>
+            </a:endParaRPr>
+          </a:p>
+          <a:p>
+            <a:pPr lvl="0" algn="ctr">
+              <a:defRPr/>
+            </a:pPr>
+            <a:r>
+              <a:rPr lang="en-US" altLang="ko-KR" sz="1200" dirty="0">
+                <a:solidFill>
+                  <a:prstClr val="black">
+                    <a:lumMod val="50000"/>
+                    <a:lumOff val="50000"/>
+                  </a:prstClr>
+                </a:solidFill>
+              </a:rPr>
+              <a:t>axios.js</a:t>
+            </a:r>
+            <a:endParaRPr kumimoji="0" lang="ko-KR" altLang="en-US" sz="1200" b="0" i="0" u="none" strike="noStrike" kern="1200" cap="none" spc="0" normalizeH="0" baseline="0" noProof="0" dirty="0">
+              <a:ln>
+                <a:noFill/>
+              </a:ln>
+              <a:solidFill>
+                <a:prstClr val="black">
+                  <a:lumMod val="50000"/>
+                  <a:lumOff val="50000"/>
+                </a:prstClr>
+              </a:solidFill>
+              <a:effectLst/>
+              <a:uLnTx/>
+              <a:uFillTx/>
+              <a:latin typeface="맑은 고딕" panose="020F0502020204030204"/>
+              <a:ea typeface="맑은 고딕" panose="020B0503020000020004" pitchFamily="50" charset="-127"/>
+              <a:cs typeface="+mn-cs"/>
+            </a:endParaRPr>
+          </a:p>
+        </p:txBody>
+      </p:sp>
+      <p:cxnSp>
+        <p:nvCxnSpPr>
+          <p:cNvPr id="47" name="직선 화살표 연결선 46">
+            <a:extLst>
+              <a:ext uri="{FF2B5EF4-FFF2-40B4-BE49-F238E27FC236}">
+                <a16:creationId xmlns:a16="http://schemas.microsoft.com/office/drawing/2014/main" id="{932C5C83-2E2D-8384-2C93-BE1DC80769F3}"/>
+              </a:ext>
+            </a:extLst>
+          </p:cNvPr>
+          <p:cNvCxnSpPr>
+            <a:cxnSpLocks/>
+          </p:cNvCxnSpPr>
+          <p:nvPr/>
+        </p:nvCxnSpPr>
+        <p:spPr>
+          <a:xfrm>
+            <a:off x="9527320" y="2500812"/>
+            <a:ext cx="588048" cy="0"/>
+          </a:xfrm>
+          <a:prstGeom prst="straightConnector1">
+            <a:avLst/>
+          </a:prstGeom>
+          <a:ln w="38100">
+            <a:tailEnd type="triangle"/>
+          </a:ln>
+        </p:spPr>
+        <p:style>
+          <a:lnRef idx="1">
+            <a:schemeClr val="accent1"/>
+          </a:lnRef>
+          <a:fillRef idx="0">
+            <a:schemeClr val="accent1"/>
+          </a:fillRef>
+          <a:effectRef idx="0">
+            <a:schemeClr val="accent1"/>
+          </a:effectRef>
+          <a:fontRef idx="minor">
+            <a:schemeClr val="tx1"/>
+          </a:fontRef>
+        </p:style>
+      </p:cxnSp>
+      <p:sp>
+        <p:nvSpPr>
+          <p:cNvPr id="48" name="사각형: 둥근 모서리 47">
+            <a:extLst>
+              <a:ext uri="{FF2B5EF4-FFF2-40B4-BE49-F238E27FC236}">
+                <a16:creationId xmlns:a16="http://schemas.microsoft.com/office/drawing/2014/main" id="{766293C9-C0EF-C660-239C-FAB21E4F992E}"/>
+              </a:ext>
+            </a:extLst>
+          </p:cNvPr>
+          <p:cNvSpPr/>
+          <p:nvPr/>
+        </p:nvSpPr>
+        <p:spPr>
+          <a:xfrm>
+            <a:off x="10123833" y="4476831"/>
+            <a:ext cx="1884219" cy="738909"/>
+          </a:xfrm>
+          <a:prstGeom prst="roundRect">
+            <a:avLst/>
+          </a:prstGeom>
+          <a:noFill/>
+        </p:spPr>
+        <p:style>
+          <a:lnRef idx="2">
+            <a:schemeClr val="accent1">
+              <a:shade val="15000"/>
+            </a:schemeClr>
+          </a:lnRef>
+          <a:fillRef idx="1">
+            <a:schemeClr val="accent1"/>
+          </a:fillRef>
+          <a:effectRef idx="0">
+            <a:schemeClr val="accent1"/>
+          </a:effectRef>
+          <a:fontRef idx="minor">
+            <a:schemeClr val="lt1"/>
+          </a:fontRef>
+        </p:style>
+        <p:txBody>
+          <a:bodyPr rtlCol="0" anchor="ctr"/>
+          <a:lstStyle/>
+          <a:p>
+            <a:pPr algn="ctr"/>
+            <a:r>
+              <a:rPr lang="ko-KR" altLang="en-US" sz="1600" dirty="0">
+                <a:solidFill>
+                  <a:schemeClr val="tx1"/>
+                </a:solidFill>
+              </a:rPr>
+              <a:t>권한 값 반환</a:t>
+            </a:r>
+            <a:endParaRPr lang="en-US" altLang="ko-KR" sz="1600" dirty="0">
+              <a:solidFill>
+                <a:schemeClr val="tx1"/>
+              </a:solidFill>
+            </a:endParaRPr>
+          </a:p>
+        </p:txBody>
+      </p:sp>
+      <p:cxnSp>
+        <p:nvCxnSpPr>
+          <p:cNvPr id="49" name="직선 화살표 연결선 48">
+            <a:extLst>
+              <a:ext uri="{FF2B5EF4-FFF2-40B4-BE49-F238E27FC236}">
+                <a16:creationId xmlns:a16="http://schemas.microsoft.com/office/drawing/2014/main" id="{F243CB31-E6BF-18BC-8413-8909DD228D0A}"/>
+              </a:ext>
+            </a:extLst>
+          </p:cNvPr>
+          <p:cNvCxnSpPr>
+            <a:cxnSpLocks/>
+          </p:cNvCxnSpPr>
+          <p:nvPr/>
+        </p:nvCxnSpPr>
+        <p:spPr>
+          <a:xfrm>
+            <a:off x="9535784" y="4846285"/>
+            <a:ext cx="588048" cy="0"/>
+          </a:xfrm>
+          <a:prstGeom prst="straightConnector1">
+            <a:avLst/>
+          </a:prstGeom>
+          <a:ln w="38100">
+            <a:tailEnd type="triangle"/>
+          </a:ln>
+        </p:spPr>
+        <p:style>
+          <a:lnRef idx="1">
+            <a:schemeClr val="accent1"/>
+          </a:lnRef>
+          <a:fillRef idx="0">
+            <a:schemeClr val="accent1"/>
+          </a:fillRef>
+          <a:effectRef idx="0">
+            <a:schemeClr val="accent1"/>
+          </a:effectRef>
+          <a:fontRef idx="minor">
+            <a:schemeClr val="tx1"/>
+          </a:fontRef>
+        </p:style>
+      </p:cxnSp>
+    </p:spTree>
+    <p:extLst>
+      <p:ext uri="{BB962C8B-B14F-4D97-AF65-F5344CB8AC3E}">
+        <p14:creationId xmlns:p14="http://schemas.microsoft.com/office/powerpoint/2010/main" val="1752065460"/>
+      </p:ext>
+    </p:extLst>
+  </p:cSld>
+  <p:clrMapOvr>
+    <a:masterClrMapping/>
+  </p:clrMapOvr>
+</p:sld>
+</file>
+
+<file path=ppt/slides/slide5.xml><?xml version="1.0" encoding="utf-8"?>
+<p:sld xmlns:a="http://schemas.openxmlformats.org/drawingml/2006/main" xmlns:r="http://schemas.openxmlformats.org/officeDocument/2006/relationships" xmlns:p="http://schemas.openxmlformats.org/presentationml/2006/main">
+  <p:cSld>
+    <p:spTree>
+      <p:nvGrpSpPr>
         <p:cNvPr id="1" name=""/>
         <p:cNvGrpSpPr/>
         <p:nvPr/>
@@ -13616,7 +16025,7 @@
 </p:sld>
 </file>
 
-<file path=ppt/slides/slide5.xml><?xml version="1.0" encoding="utf-8"?>
+<file path=ppt/slides/slide6.xml><?xml version="1.0" encoding="utf-8"?>
 <p:sld xmlns:a="http://schemas.openxmlformats.org/drawingml/2006/main" xmlns:r="http://schemas.openxmlformats.org/officeDocument/2006/relationships" xmlns:p="http://schemas.openxmlformats.org/presentationml/2006/main">
   <p:cSld>
     <p:spTree>
@@ -14485,7 +16894,7 @@
 </p:sld>
 </file>
 
-<file path=ppt/slides/slide6.xml><?xml version="1.0" encoding="utf-8"?>
+<file path=ppt/slides/slide7.xml><?xml version="1.0" encoding="utf-8"?>
 <p:sld xmlns:a="http://schemas.openxmlformats.org/drawingml/2006/main" xmlns:r="http://schemas.openxmlformats.org/officeDocument/2006/relationships" xmlns:p="http://schemas.openxmlformats.org/presentationml/2006/main">
   <p:cSld>
     <p:spTree>
@@ -15930,7 +18339,7 @@
 </p:sld>
 </file>
 
-<file path=ppt/slides/slide7.xml><?xml version="1.0" encoding="utf-8"?>
+<file path=ppt/slides/slide8.xml><?xml version="1.0" encoding="utf-8"?>
 <p:sld xmlns:a="http://schemas.openxmlformats.org/drawingml/2006/main" xmlns:r="http://schemas.openxmlformats.org/officeDocument/2006/relationships" xmlns:p="http://schemas.openxmlformats.org/presentationml/2006/main">
   <p:cSld>
     <p:spTree>
@@ -16740,525 +19149,6 @@
 </p:sld>
 </file>
 
-<file path=ppt/slides/slide8.xml><?xml version="1.0" encoding="utf-8"?>
-<p:sld xmlns:a="http://schemas.openxmlformats.org/drawingml/2006/main" xmlns:r="http://schemas.openxmlformats.org/officeDocument/2006/relationships" xmlns:p="http://schemas.openxmlformats.org/presentationml/2006/main">
-  <p:cSld>
-    <p:spTree>
-      <p:nvGrpSpPr>
-        <p:cNvPr id="1" name=""/>
-        <p:cNvGrpSpPr/>
-        <p:nvPr/>
-      </p:nvGrpSpPr>
-      <p:grpSpPr>
-        <a:xfrm>
-          <a:off x="0" y="0"/>
-          <a:ext cx="0" cy="0"/>
-          <a:chOff x="0" y="0"/>
-          <a:chExt cx="0" cy="0"/>
-        </a:xfrm>
-      </p:grpSpPr>
-      <p:sp>
-        <p:nvSpPr>
-          <p:cNvPr id="6" name="직사각형 5">
-            <a:extLst>
-              <a:ext uri="{FF2B5EF4-FFF2-40B4-BE49-F238E27FC236}">
-                <a16:creationId xmlns:a16="http://schemas.microsoft.com/office/drawing/2014/main" id="{62C7DFEA-8610-F7BE-5802-7CB3D65602B0}"/>
-              </a:ext>
-            </a:extLst>
-          </p:cNvPr>
-          <p:cNvSpPr/>
-          <p:nvPr/>
-        </p:nvSpPr>
-        <p:spPr>
-          <a:xfrm>
-            <a:off x="1048326" y="868823"/>
-            <a:ext cx="3366655" cy="2964267"/>
-          </a:xfrm>
-          <a:prstGeom prst="rect">
-            <a:avLst/>
-          </a:prstGeom>
-          <a:solidFill>
-            <a:schemeClr val="bg1"/>
-          </a:solidFill>
-          <a:ln w="38100"/>
-        </p:spPr>
-        <p:style>
-          <a:lnRef idx="2">
-            <a:schemeClr val="accent1">
-              <a:shade val="15000"/>
-            </a:schemeClr>
-          </a:lnRef>
-          <a:fillRef idx="1">
-            <a:schemeClr val="accent1"/>
-          </a:fillRef>
-          <a:effectRef idx="0">
-            <a:schemeClr val="accent1"/>
-          </a:effectRef>
-          <a:fontRef idx="minor">
-            <a:schemeClr val="lt1"/>
-          </a:fontRef>
-        </p:style>
-        <p:txBody>
-          <a:bodyPr rtlCol="0" anchor="ctr"/>
-          <a:lstStyle/>
-          <a:p>
-            <a:pPr algn="ctr"/>
-            <a:r>
-              <a:rPr lang="ko-KR" altLang="en-US" dirty="0">
-                <a:solidFill>
-                  <a:schemeClr val="tx1"/>
-                </a:solidFill>
-              </a:rPr>
-              <a:t>이미지</a:t>
-            </a:r>
-          </a:p>
-        </p:txBody>
-      </p:sp>
-      <p:sp>
-        <p:nvSpPr>
-          <p:cNvPr id="8" name="직사각형 7">
-            <a:extLst>
-              <a:ext uri="{FF2B5EF4-FFF2-40B4-BE49-F238E27FC236}">
-                <a16:creationId xmlns:a16="http://schemas.microsoft.com/office/drawing/2014/main" id="{EE660E08-D93E-F5B7-4B97-C0545B994934}"/>
-              </a:ext>
-            </a:extLst>
-          </p:cNvPr>
-          <p:cNvSpPr/>
-          <p:nvPr/>
-        </p:nvSpPr>
-        <p:spPr>
-          <a:xfrm>
-            <a:off x="4715164" y="1832301"/>
-            <a:ext cx="1874983" cy="415638"/>
-          </a:xfrm>
-          <a:prstGeom prst="rect">
-            <a:avLst/>
-          </a:prstGeom>
-          <a:solidFill>
-            <a:schemeClr val="bg1"/>
-          </a:solidFill>
-          <a:ln w="38100"/>
-        </p:spPr>
-        <p:style>
-          <a:lnRef idx="2">
-            <a:schemeClr val="accent1">
-              <a:shade val="15000"/>
-            </a:schemeClr>
-          </a:lnRef>
-          <a:fillRef idx="1">
-            <a:schemeClr val="accent1"/>
-          </a:fillRef>
-          <a:effectRef idx="0">
-            <a:schemeClr val="accent1"/>
-          </a:effectRef>
-          <a:fontRef idx="minor">
-            <a:schemeClr val="lt1"/>
-          </a:fontRef>
-        </p:style>
-        <p:txBody>
-          <a:bodyPr rtlCol="0" anchor="ctr"/>
-          <a:lstStyle/>
-          <a:p>
-            <a:r>
-              <a:rPr lang="ko-KR" altLang="en-US">
-                <a:solidFill>
-                  <a:schemeClr val="tx1"/>
-                </a:solidFill>
-              </a:rPr>
-              <a:t>가격</a:t>
-            </a:r>
-            <a:endParaRPr lang="ko-KR" altLang="en-US" dirty="0">
-              <a:solidFill>
-                <a:schemeClr val="tx1"/>
-              </a:solidFill>
-            </a:endParaRPr>
-          </a:p>
-        </p:txBody>
-      </p:sp>
-      <p:sp>
-        <p:nvSpPr>
-          <p:cNvPr id="12" name="직사각형 11">
-            <a:extLst>
-              <a:ext uri="{FF2B5EF4-FFF2-40B4-BE49-F238E27FC236}">
-                <a16:creationId xmlns:a16="http://schemas.microsoft.com/office/drawing/2014/main" id="{5B8EC1BC-7E17-9A78-6BF4-D51600F2FCE9}"/>
-              </a:ext>
-            </a:extLst>
-          </p:cNvPr>
-          <p:cNvSpPr/>
-          <p:nvPr/>
-        </p:nvSpPr>
-        <p:spPr>
-          <a:xfrm>
-            <a:off x="4715164" y="868823"/>
-            <a:ext cx="5491017" cy="415638"/>
-          </a:xfrm>
-          <a:prstGeom prst="rect">
-            <a:avLst/>
-          </a:prstGeom>
-          <a:solidFill>
-            <a:schemeClr val="bg1"/>
-          </a:solidFill>
-          <a:ln w="38100"/>
-        </p:spPr>
-        <p:style>
-          <a:lnRef idx="2">
-            <a:schemeClr val="accent1">
-              <a:shade val="15000"/>
-            </a:schemeClr>
-          </a:lnRef>
-          <a:fillRef idx="1">
-            <a:schemeClr val="accent1"/>
-          </a:fillRef>
-          <a:effectRef idx="0">
-            <a:schemeClr val="accent1"/>
-          </a:effectRef>
-          <a:fontRef idx="minor">
-            <a:schemeClr val="lt1"/>
-          </a:fontRef>
-        </p:style>
-        <p:txBody>
-          <a:bodyPr rtlCol="0" anchor="ctr"/>
-          <a:lstStyle/>
-          <a:p>
-            <a:r>
-              <a:rPr lang="ko-KR" altLang="en-US" dirty="0">
-                <a:solidFill>
-                  <a:schemeClr val="tx1"/>
-                </a:solidFill>
-              </a:rPr>
-              <a:t>상품명</a:t>
-            </a:r>
-          </a:p>
-        </p:txBody>
-      </p:sp>
-      <p:sp>
-        <p:nvSpPr>
-          <p:cNvPr id="17" name="직사각형 16">
-            <a:extLst>
-              <a:ext uri="{FF2B5EF4-FFF2-40B4-BE49-F238E27FC236}">
-                <a16:creationId xmlns:a16="http://schemas.microsoft.com/office/drawing/2014/main" id="{1C4ADFE8-E178-A167-34DF-DBB1BA45C65E}"/>
-              </a:ext>
-            </a:extLst>
-          </p:cNvPr>
-          <p:cNvSpPr/>
-          <p:nvPr/>
-        </p:nvSpPr>
-        <p:spPr>
-          <a:xfrm>
-            <a:off x="4715164" y="1350562"/>
-            <a:ext cx="1874983" cy="415638"/>
-          </a:xfrm>
-          <a:prstGeom prst="rect">
-            <a:avLst/>
-          </a:prstGeom>
-          <a:solidFill>
-            <a:schemeClr val="bg2"/>
-          </a:solidFill>
-          <a:ln w="38100"/>
-        </p:spPr>
-        <p:style>
-          <a:lnRef idx="2">
-            <a:schemeClr val="accent1">
-              <a:shade val="15000"/>
-            </a:schemeClr>
-          </a:lnRef>
-          <a:fillRef idx="1">
-            <a:schemeClr val="accent1"/>
-          </a:fillRef>
-          <a:effectRef idx="0">
-            <a:schemeClr val="accent1"/>
-          </a:effectRef>
-          <a:fontRef idx="minor">
-            <a:schemeClr val="lt1"/>
-          </a:fontRef>
-        </p:style>
-        <p:txBody>
-          <a:bodyPr rtlCol="0" anchor="ctr"/>
-          <a:lstStyle/>
-          <a:p>
-            <a:r>
-              <a:rPr lang="ko-KR" altLang="en-US">
-                <a:solidFill>
-                  <a:schemeClr val="tx1"/>
-                </a:solidFill>
-              </a:rPr>
-              <a:t>별점</a:t>
-            </a:r>
-            <a:endParaRPr lang="ko-KR" altLang="en-US" dirty="0">
-              <a:solidFill>
-                <a:schemeClr val="tx1"/>
-              </a:solidFill>
-            </a:endParaRPr>
-          </a:p>
-        </p:txBody>
-      </p:sp>
-      <p:sp>
-        <p:nvSpPr>
-          <p:cNvPr id="2" name="직사각형 1">
-            <a:extLst>
-              <a:ext uri="{FF2B5EF4-FFF2-40B4-BE49-F238E27FC236}">
-                <a16:creationId xmlns:a16="http://schemas.microsoft.com/office/drawing/2014/main" id="{104A78F2-F9DE-E968-791A-36236F554892}"/>
-              </a:ext>
-            </a:extLst>
-          </p:cNvPr>
-          <p:cNvSpPr/>
-          <p:nvPr/>
-        </p:nvSpPr>
-        <p:spPr>
-          <a:xfrm>
-            <a:off x="237835" y="143165"/>
-            <a:ext cx="6855691" cy="420253"/>
-          </a:xfrm>
-          <a:prstGeom prst="rect">
-            <a:avLst/>
-          </a:prstGeom>
-          <a:noFill/>
-          <a:ln w="38100">
-            <a:noFill/>
-          </a:ln>
-        </p:spPr>
-        <p:style>
-          <a:lnRef idx="2">
-            <a:schemeClr val="accent1">
-              <a:shade val="15000"/>
-            </a:schemeClr>
-          </a:lnRef>
-          <a:fillRef idx="1">
-            <a:schemeClr val="accent1"/>
-          </a:fillRef>
-          <a:effectRef idx="0">
-            <a:schemeClr val="accent1"/>
-          </a:effectRef>
-          <a:fontRef idx="minor">
-            <a:schemeClr val="lt1"/>
-          </a:fontRef>
-        </p:style>
-        <p:txBody>
-          <a:bodyPr rtlCol="0" anchor="t"/>
-          <a:lstStyle/>
-          <a:p>
-            <a:r>
-              <a:rPr lang="ko-KR" altLang="en-US" sz="2400" dirty="0">
-                <a:solidFill>
-                  <a:schemeClr val="bg1">
-                    <a:lumMod val="50000"/>
-                  </a:schemeClr>
-                </a:solidFill>
-              </a:rPr>
-              <a:t>상품 </a:t>
-            </a:r>
-            <a:r>
-              <a:rPr lang="en-US" altLang="ko-KR" sz="2400" dirty="0">
-                <a:solidFill>
-                  <a:schemeClr val="bg1">
-                    <a:lumMod val="50000"/>
-                  </a:schemeClr>
-                </a:solidFill>
-              </a:rPr>
-              <a:t>– </a:t>
-            </a:r>
-            <a:r>
-              <a:rPr lang="ko-KR" altLang="en-US" sz="2400" dirty="0">
-                <a:solidFill>
-                  <a:schemeClr val="bg1">
-                    <a:lumMod val="50000"/>
-                  </a:schemeClr>
-                </a:solidFill>
-              </a:rPr>
-              <a:t>구매하기 </a:t>
-            </a:r>
-            <a:r>
-              <a:rPr lang="en-US" altLang="ko-KR" sz="2400" dirty="0">
-                <a:solidFill>
-                  <a:schemeClr val="bg1">
-                    <a:lumMod val="50000"/>
-                  </a:schemeClr>
-                </a:solidFill>
-              </a:rPr>
-              <a:t>– </a:t>
-            </a:r>
-            <a:r>
-              <a:rPr lang="ko-KR" altLang="en-US" sz="2400" dirty="0">
-                <a:solidFill>
-                  <a:schemeClr val="bg1">
-                    <a:lumMod val="50000"/>
-                  </a:schemeClr>
-                </a:solidFill>
-              </a:rPr>
-              <a:t>관리</a:t>
-            </a:r>
-            <a:r>
-              <a:rPr lang="en-US" altLang="ko-KR" sz="2400" dirty="0">
-                <a:solidFill>
-                  <a:schemeClr val="bg1">
-                    <a:lumMod val="50000"/>
-                  </a:schemeClr>
-                </a:solidFill>
-              </a:rPr>
-              <a:t>(</a:t>
-            </a:r>
-            <a:r>
-              <a:rPr lang="ko-KR" altLang="en-US" sz="2400" dirty="0">
-                <a:solidFill>
-                  <a:schemeClr val="bg1">
-                    <a:lumMod val="50000"/>
-                  </a:schemeClr>
-                </a:solidFill>
-              </a:rPr>
-              <a:t>상세 조회 화면 사용</a:t>
-            </a:r>
-            <a:r>
-              <a:rPr lang="en-US" altLang="ko-KR" sz="2400" dirty="0">
-                <a:solidFill>
-                  <a:schemeClr val="bg1">
-                    <a:lumMod val="50000"/>
-                  </a:schemeClr>
-                </a:solidFill>
-              </a:rPr>
-              <a:t>)</a:t>
-            </a:r>
-          </a:p>
-        </p:txBody>
-      </p:sp>
-      <p:sp>
-        <p:nvSpPr>
-          <p:cNvPr id="7" name="직사각형 6">
-            <a:extLst>
-              <a:ext uri="{FF2B5EF4-FFF2-40B4-BE49-F238E27FC236}">
-                <a16:creationId xmlns:a16="http://schemas.microsoft.com/office/drawing/2014/main" id="{610FCD43-1CD5-8FBC-1B26-A8CC2121DA20}"/>
-              </a:ext>
-            </a:extLst>
-          </p:cNvPr>
-          <p:cNvSpPr/>
-          <p:nvPr/>
-        </p:nvSpPr>
-        <p:spPr>
-          <a:xfrm>
-            <a:off x="1048326" y="4069569"/>
-            <a:ext cx="9259455" cy="1919608"/>
-          </a:xfrm>
-          <a:prstGeom prst="rect">
-            <a:avLst/>
-          </a:prstGeom>
-          <a:solidFill>
-            <a:schemeClr val="bg1"/>
-          </a:solidFill>
-          <a:ln w="38100"/>
-        </p:spPr>
-        <p:style>
-          <a:lnRef idx="2">
-            <a:schemeClr val="accent1">
-              <a:shade val="15000"/>
-            </a:schemeClr>
-          </a:lnRef>
-          <a:fillRef idx="1">
-            <a:schemeClr val="accent1"/>
-          </a:fillRef>
-          <a:effectRef idx="0">
-            <a:schemeClr val="accent1"/>
-          </a:effectRef>
-          <a:fontRef idx="minor">
-            <a:schemeClr val="lt1"/>
-          </a:fontRef>
-        </p:style>
-        <p:txBody>
-          <a:bodyPr rtlCol="0" anchor="ctr"/>
-          <a:lstStyle/>
-          <a:p>
-            <a:pPr algn="ctr"/>
-            <a:r>
-              <a:rPr lang="ko-KR" altLang="en-US">
-                <a:solidFill>
-                  <a:schemeClr val="tx1"/>
-                </a:solidFill>
-              </a:rPr>
-              <a:t>상세내용</a:t>
-            </a:r>
-            <a:endParaRPr lang="ko-KR" altLang="en-US" dirty="0">
-              <a:solidFill>
-                <a:schemeClr val="tx1"/>
-              </a:solidFill>
-            </a:endParaRPr>
-          </a:p>
-        </p:txBody>
-      </p:sp>
-      <p:sp>
-        <p:nvSpPr>
-          <p:cNvPr id="9" name="직사각형 8">
-            <a:extLst>
-              <a:ext uri="{FF2B5EF4-FFF2-40B4-BE49-F238E27FC236}">
-                <a16:creationId xmlns:a16="http://schemas.microsoft.com/office/drawing/2014/main" id="{6F47772C-2274-78DD-BD4E-F2D2711DDC6F}"/>
-              </a:ext>
-            </a:extLst>
-          </p:cNvPr>
-          <p:cNvSpPr/>
-          <p:nvPr/>
-        </p:nvSpPr>
-        <p:spPr>
-          <a:xfrm>
-            <a:off x="8857673" y="6216071"/>
-            <a:ext cx="1450108" cy="415638"/>
-          </a:xfrm>
-          <a:prstGeom prst="rect">
-            <a:avLst/>
-          </a:prstGeom>
-          <a:solidFill>
-            <a:schemeClr val="bg1"/>
-          </a:solidFill>
-          <a:ln w="38100"/>
-          <a:scene3d>
-            <a:camera prst="orthographicFront"/>
-            <a:lightRig rig="threePt" dir="t"/>
-          </a:scene3d>
-          <a:sp3d>
-            <a:bevelT prst="angle"/>
-          </a:sp3d>
-        </p:spPr>
-        <p:style>
-          <a:lnRef idx="2">
-            <a:schemeClr val="accent1">
-              <a:shade val="15000"/>
-            </a:schemeClr>
-          </a:lnRef>
-          <a:fillRef idx="1">
-            <a:schemeClr val="accent1"/>
-          </a:fillRef>
-          <a:effectRef idx="0">
-            <a:schemeClr val="accent1"/>
-          </a:effectRef>
-          <a:fontRef idx="minor">
-            <a:schemeClr val="lt1"/>
-          </a:fontRef>
-        </p:style>
-        <p:txBody>
-          <a:bodyPr rtlCol="0" anchor="ctr"/>
-          <a:lstStyle/>
-          <a:p>
-            <a:pPr algn="ctr"/>
-            <a:r>
-              <a:rPr lang="ko-KR" altLang="en-US" dirty="0">
-                <a:solidFill>
-                  <a:schemeClr val="tx1"/>
-                </a:solidFill>
-              </a:rPr>
-              <a:t>저장</a:t>
-            </a:r>
-          </a:p>
-        </p:txBody>
-      </p:sp>
-    </p:spTree>
-    <p:extLst>
-      <p:ext uri="{BB962C8B-B14F-4D97-AF65-F5344CB8AC3E}">
-        <p14:creationId xmlns:p14="http://schemas.microsoft.com/office/powerpoint/2010/main" val="1649525967"/>
-      </p:ext>
-    </p:extLst>
-  </p:cSld>
-  <p:clrMapOvr>
-    <a:masterClrMapping/>
-  </p:clrMapOvr>
-</p:sld>
-</file>
-
 <file path=ppt/slides/slide9.xml><?xml version="1.0" encoding="utf-8"?>
 <p:sld xmlns:a="http://schemas.openxmlformats.org/drawingml/2006/main" xmlns:r="http://schemas.openxmlformats.org/officeDocument/2006/relationships" xmlns:p="http://schemas.openxmlformats.org/presentationml/2006/main">
   <p:cSld>
@@ -17278,193 +19168,26 @@
       </p:grpSpPr>
       <p:sp>
         <p:nvSpPr>
-          <p:cNvPr id="2" name="직사각형 1">
-            <a:extLst>
-              <a:ext uri="{FF2B5EF4-FFF2-40B4-BE49-F238E27FC236}">
-                <a16:creationId xmlns:a16="http://schemas.microsoft.com/office/drawing/2014/main" id="{104A78F2-F9DE-E968-791A-36236F554892}"/>
-              </a:ext>
-            </a:extLst>
-          </p:cNvPr>
-          <p:cNvSpPr/>
-          <p:nvPr/>
-        </p:nvSpPr>
-        <p:spPr>
-          <a:xfrm>
-            <a:off x="237835" y="143165"/>
-            <a:ext cx="6855691" cy="420253"/>
+          <p:cNvPr id="6" name="직사각형 5">
+            <a:extLst>
+              <a:ext uri="{FF2B5EF4-FFF2-40B4-BE49-F238E27FC236}">
+                <a16:creationId xmlns:a16="http://schemas.microsoft.com/office/drawing/2014/main" id="{62C7DFEA-8610-F7BE-5802-7CB3D65602B0}"/>
+              </a:ext>
+            </a:extLst>
+          </p:cNvPr>
+          <p:cNvSpPr/>
+          <p:nvPr/>
+        </p:nvSpPr>
+        <p:spPr>
+          <a:xfrm>
+            <a:off x="1048326" y="868823"/>
+            <a:ext cx="3366655" cy="2964267"/>
           </a:xfrm>
           <a:prstGeom prst="rect">
             <a:avLst/>
           </a:prstGeom>
-          <a:noFill/>
-          <a:ln w="38100">
-            <a:noFill/>
-          </a:ln>
-        </p:spPr>
-        <p:style>
-          <a:lnRef idx="2">
-            <a:schemeClr val="accent1">
-              <a:shade val="15000"/>
-            </a:schemeClr>
-          </a:lnRef>
-          <a:fillRef idx="1">
-            <a:schemeClr val="accent1"/>
-          </a:fillRef>
-          <a:effectRef idx="0">
-            <a:schemeClr val="accent1"/>
-          </a:effectRef>
-          <a:fontRef idx="minor">
-            <a:schemeClr val="lt1"/>
-          </a:fontRef>
-        </p:style>
-        <p:txBody>
-          <a:bodyPr rtlCol="0" anchor="t"/>
-          <a:lstStyle/>
-          <a:p>
-            <a:r>
-              <a:rPr lang="ko-KR" altLang="en-US" sz="2400" dirty="0">
-                <a:solidFill>
-                  <a:schemeClr val="bg1">
-                    <a:lumMod val="50000"/>
-                  </a:schemeClr>
-                </a:solidFill>
-              </a:rPr>
-              <a:t>상품 </a:t>
-            </a:r>
-            <a:r>
-              <a:rPr lang="en-US" altLang="ko-KR" sz="2400" dirty="0">
-                <a:solidFill>
-                  <a:schemeClr val="bg1">
-                    <a:lumMod val="50000"/>
-                  </a:schemeClr>
-                </a:solidFill>
-              </a:rPr>
-              <a:t>– </a:t>
-            </a:r>
-            <a:r>
-              <a:rPr lang="ko-KR" altLang="en-US" sz="2400" dirty="0">
-                <a:solidFill>
-                  <a:schemeClr val="bg1">
-                    <a:lumMod val="50000"/>
-                  </a:schemeClr>
-                </a:solidFill>
-              </a:rPr>
-              <a:t>장바구니 </a:t>
-            </a:r>
-            <a:r>
-              <a:rPr lang="en-US" altLang="ko-KR" sz="2400" dirty="0">
-                <a:solidFill>
-                  <a:schemeClr val="bg1">
-                    <a:lumMod val="50000"/>
-                  </a:schemeClr>
-                </a:solidFill>
-              </a:rPr>
-              <a:t>– </a:t>
-            </a:r>
-            <a:r>
-              <a:rPr lang="ko-KR" altLang="en-US" sz="2400" dirty="0">
-                <a:solidFill>
-                  <a:schemeClr val="bg1">
-                    <a:lumMod val="50000"/>
-                  </a:schemeClr>
-                </a:solidFill>
-              </a:rPr>
-              <a:t>목록 조회</a:t>
-            </a:r>
-            <a:endParaRPr lang="en-US" altLang="ko-KR" sz="2400" dirty="0">
-              <a:solidFill>
-                <a:schemeClr val="bg1">
-                  <a:lumMod val="50000"/>
-                </a:schemeClr>
-              </a:solidFill>
-            </a:endParaRPr>
-          </a:p>
-        </p:txBody>
-      </p:sp>
-      <p:pic>
-        <p:nvPicPr>
-          <p:cNvPr id="4" name="그림 3">
-            <a:extLst>
-              <a:ext uri="{FF2B5EF4-FFF2-40B4-BE49-F238E27FC236}">
-                <a16:creationId xmlns:a16="http://schemas.microsoft.com/office/drawing/2014/main" id="{CF08235D-6DCD-94FF-89C3-3B3E3321439D}"/>
-              </a:ext>
-            </a:extLst>
-          </p:cNvPr>
-          <p:cNvPicPr>
-            <a:picLocks noChangeAspect="1"/>
-          </p:cNvPicPr>
-          <p:nvPr/>
-        </p:nvPicPr>
-        <p:blipFill>
-          <a:blip r:embed="rId2"/>
-          <a:stretch>
-            <a:fillRect/>
-          </a:stretch>
-        </p:blipFill>
-        <p:spPr>
-          <a:xfrm>
-            <a:off x="8804188" y="3269673"/>
-            <a:ext cx="4080538" cy="2924385"/>
-          </a:xfrm>
-          <a:prstGeom prst="rect">
-            <a:avLst/>
-          </a:prstGeom>
           <a:solidFill>
-            <a:srgbClr val="FFFFFF">
-              <a:shade val="85000"/>
-            </a:srgbClr>
-          </a:solidFill>
-          <a:ln w="88900" cap="sq">
-            <a:solidFill>
-              <a:srgbClr val="FFFFFF"/>
-            </a:solidFill>
-            <a:miter lim="800000"/>
-          </a:ln>
-          <a:effectLst>
-            <a:outerShdw blurRad="55000" dist="18000" dir="5400000" algn="tl" rotWithShape="0">
-              <a:srgbClr val="000000">
-                <a:alpha val="40000"/>
-              </a:srgbClr>
-            </a:outerShdw>
-          </a:effectLst>
-          <a:scene3d>
-            <a:camera prst="orthographicFront"/>
-            <a:lightRig rig="twoPt" dir="t">
-              <a:rot lat="0" lon="0" rev="7200000"/>
-            </a:lightRig>
-          </a:scene3d>
-          <a:sp3d>
-            <a:bevelT w="25400" h="19050"/>
-            <a:contourClr>
-              <a:srgbClr val="FFFFFF"/>
-            </a:contourClr>
-          </a:sp3d>
-        </p:spPr>
-      </p:pic>
-      <p:sp>
-        <p:nvSpPr>
-          <p:cNvPr id="16" name="직사각형 15">
-            <a:extLst>
-              <a:ext uri="{FF2B5EF4-FFF2-40B4-BE49-F238E27FC236}">
-                <a16:creationId xmlns:a16="http://schemas.microsoft.com/office/drawing/2014/main" id="{5A735EAB-4134-A72D-E9E0-92982334134E}"/>
-              </a:ext>
-            </a:extLst>
-          </p:cNvPr>
-          <p:cNvSpPr/>
-          <p:nvPr/>
-        </p:nvSpPr>
-        <p:spPr>
-          <a:xfrm>
-            <a:off x="480291" y="834814"/>
-            <a:ext cx="7941550" cy="2434859"/>
-          </a:xfrm>
-          <a:prstGeom prst="rect">
-            <a:avLst/>
-          </a:prstGeom>
-          <a:solidFill>
-            <a:schemeClr val="bg1">
-              <a:lumMod val="95000"/>
-            </a:schemeClr>
+            <a:schemeClr val="bg1"/>
           </a:solidFill>
           <a:ln w="38100"/>
         </p:spPr>
@@ -17489,6 +19212,70 @@
           <a:lstStyle/>
           <a:p>
             <a:pPr algn="ctr"/>
+            <a:r>
+              <a:rPr lang="ko-KR" altLang="en-US" dirty="0">
+                <a:solidFill>
+                  <a:schemeClr val="tx1"/>
+                </a:solidFill>
+              </a:rPr>
+              <a:t>이미지</a:t>
+            </a:r>
+          </a:p>
+        </p:txBody>
+      </p:sp>
+      <p:sp>
+        <p:nvSpPr>
+          <p:cNvPr id="8" name="직사각형 7">
+            <a:extLst>
+              <a:ext uri="{FF2B5EF4-FFF2-40B4-BE49-F238E27FC236}">
+                <a16:creationId xmlns:a16="http://schemas.microsoft.com/office/drawing/2014/main" id="{EE660E08-D93E-F5B7-4B97-C0545B994934}"/>
+              </a:ext>
+            </a:extLst>
+          </p:cNvPr>
+          <p:cNvSpPr/>
+          <p:nvPr/>
+        </p:nvSpPr>
+        <p:spPr>
+          <a:xfrm>
+            <a:off x="4715164" y="1832301"/>
+            <a:ext cx="1874983" cy="415638"/>
+          </a:xfrm>
+          <a:prstGeom prst="rect">
+            <a:avLst/>
+          </a:prstGeom>
+          <a:solidFill>
+            <a:schemeClr val="bg1"/>
+          </a:solidFill>
+          <a:ln w="38100"/>
+        </p:spPr>
+        <p:style>
+          <a:lnRef idx="2">
+            <a:schemeClr val="accent1">
+              <a:shade val="15000"/>
+            </a:schemeClr>
+          </a:lnRef>
+          <a:fillRef idx="1">
+            <a:schemeClr val="accent1"/>
+          </a:fillRef>
+          <a:effectRef idx="0">
+            <a:schemeClr val="accent1"/>
+          </a:effectRef>
+          <a:fontRef idx="minor">
+            <a:schemeClr val="lt1"/>
+          </a:fontRef>
+        </p:style>
+        <p:txBody>
+          <a:bodyPr rtlCol="0" anchor="ctr"/>
+          <a:lstStyle/>
+          <a:p>
+            <a:r>
+              <a:rPr lang="ko-KR" altLang="en-US">
+                <a:solidFill>
+                  <a:schemeClr val="tx1"/>
+                </a:solidFill>
+              </a:rPr>
+              <a:t>가격</a:t>
+            </a:r>
             <a:endParaRPr lang="ko-KR" altLang="en-US" dirty="0">
               <a:solidFill>
                 <a:schemeClr val="tx1"/>
@@ -17499,20 +19286,20 @@
       </p:sp>
       <p:sp>
         <p:nvSpPr>
-          <p:cNvPr id="18" name="직사각형 17">
-            <a:extLst>
-              <a:ext uri="{FF2B5EF4-FFF2-40B4-BE49-F238E27FC236}">
-                <a16:creationId xmlns:a16="http://schemas.microsoft.com/office/drawing/2014/main" id="{50F358CC-B5E8-0169-D96C-DC0F6947422D}"/>
-              </a:ext>
-            </a:extLst>
-          </p:cNvPr>
-          <p:cNvSpPr/>
-          <p:nvPr/>
-        </p:nvSpPr>
-        <p:spPr>
-          <a:xfrm>
-            <a:off x="969230" y="1036935"/>
-            <a:ext cx="1874983" cy="2048009"/>
+          <p:cNvPr id="12" name="직사각형 11">
+            <a:extLst>
+              <a:ext uri="{FF2B5EF4-FFF2-40B4-BE49-F238E27FC236}">
+                <a16:creationId xmlns:a16="http://schemas.microsoft.com/office/drawing/2014/main" id="{5B8EC1BC-7E17-9A78-6BF4-D51600F2FCE9}"/>
+              </a:ext>
+            </a:extLst>
+          </p:cNvPr>
+          <p:cNvSpPr/>
+          <p:nvPr/>
+        </p:nvSpPr>
+        <p:spPr>
+          <a:xfrm>
+            <a:off x="4715164" y="868823"/>
+            <a:ext cx="5491017" cy="415638"/>
           </a:xfrm>
           <a:prstGeom prst="rect">
             <a:avLst/>
@@ -17542,40 +19329,39 @@
           <a:bodyPr rtlCol="0" anchor="ctr"/>
           <a:lstStyle/>
           <a:p>
-            <a:pPr algn="ctr"/>
             <a:r>
               <a:rPr lang="ko-KR" altLang="en-US" dirty="0">
                 <a:solidFill>
                   <a:schemeClr val="tx1"/>
                 </a:solidFill>
               </a:rPr>
-              <a:t>이미지</a:t>
-            </a:r>
-          </a:p>
-        </p:txBody>
-      </p:sp>
-      <p:sp>
-        <p:nvSpPr>
-          <p:cNvPr id="19" name="직사각형 18">
-            <a:extLst>
-              <a:ext uri="{FF2B5EF4-FFF2-40B4-BE49-F238E27FC236}">
-                <a16:creationId xmlns:a16="http://schemas.microsoft.com/office/drawing/2014/main" id="{F9F44726-7A57-96CE-769E-BC48CCE9519C}"/>
-              </a:ext>
-            </a:extLst>
-          </p:cNvPr>
-          <p:cNvSpPr/>
-          <p:nvPr/>
-        </p:nvSpPr>
-        <p:spPr>
-          <a:xfrm>
-            <a:off x="2996610" y="1595658"/>
+              <a:t>상품명</a:t>
+            </a:r>
+          </a:p>
+        </p:txBody>
+      </p:sp>
+      <p:sp>
+        <p:nvSpPr>
+          <p:cNvPr id="17" name="직사각형 16">
+            <a:extLst>
+              <a:ext uri="{FF2B5EF4-FFF2-40B4-BE49-F238E27FC236}">
+                <a16:creationId xmlns:a16="http://schemas.microsoft.com/office/drawing/2014/main" id="{1C4ADFE8-E178-A167-34DF-DBB1BA45C65E}"/>
+              </a:ext>
+            </a:extLst>
+          </p:cNvPr>
+          <p:cNvSpPr/>
+          <p:nvPr/>
+        </p:nvSpPr>
+        <p:spPr>
+          <a:xfrm>
+            <a:off x="4715164" y="1350562"/>
             <a:ext cx="1874983" cy="415638"/>
           </a:xfrm>
           <a:prstGeom prst="rect">
             <a:avLst/>
           </a:prstGeom>
           <a:solidFill>
-            <a:schemeClr val="bg1"/>
+            <a:schemeClr val="bg2"/>
           </a:solidFill>
           <a:ln w="38100"/>
         </p:spPr>
@@ -17605,7 +19391,7 @@
                   <a:schemeClr val="tx1"/>
                 </a:solidFill>
               </a:rPr>
-              <a:t>가격</a:t>
+              <a:t>별점</a:t>
             </a:r>
             <a:endParaRPr lang="ko-KR" altLang="en-US" dirty="0">
               <a:solidFill>
@@ -17617,20 +19403,148 @@
       </p:sp>
       <p:sp>
         <p:nvSpPr>
-          <p:cNvPr id="20" name="직사각형 19">
-            <a:extLst>
-              <a:ext uri="{FF2B5EF4-FFF2-40B4-BE49-F238E27FC236}">
-                <a16:creationId xmlns:a16="http://schemas.microsoft.com/office/drawing/2014/main" id="{945479C1-2E37-45B7-7EBD-6EB209BA989D}"/>
-              </a:ext>
-            </a:extLst>
-          </p:cNvPr>
-          <p:cNvSpPr/>
-          <p:nvPr/>
-        </p:nvSpPr>
-        <p:spPr>
-          <a:xfrm>
-            <a:off x="3006989" y="1036936"/>
-            <a:ext cx="5194902" cy="415638"/>
+          <p:cNvPr id="2" name="직사각형 1">
+            <a:extLst>
+              <a:ext uri="{FF2B5EF4-FFF2-40B4-BE49-F238E27FC236}">
+                <a16:creationId xmlns:a16="http://schemas.microsoft.com/office/drawing/2014/main" id="{104A78F2-F9DE-E968-791A-36236F554892}"/>
+              </a:ext>
+            </a:extLst>
+          </p:cNvPr>
+          <p:cNvSpPr/>
+          <p:nvPr/>
+        </p:nvSpPr>
+        <p:spPr>
+          <a:xfrm>
+            <a:off x="237835" y="143165"/>
+            <a:ext cx="6855691" cy="420253"/>
+          </a:xfrm>
+          <a:prstGeom prst="rect">
+            <a:avLst/>
+          </a:prstGeom>
+          <a:noFill/>
+          <a:ln w="38100">
+            <a:noFill/>
+          </a:ln>
+        </p:spPr>
+        <p:style>
+          <a:lnRef idx="2">
+            <a:schemeClr val="accent1">
+              <a:shade val="15000"/>
+            </a:schemeClr>
+          </a:lnRef>
+          <a:fillRef idx="1">
+            <a:schemeClr val="accent1"/>
+          </a:fillRef>
+          <a:effectRef idx="0">
+            <a:schemeClr val="accent1"/>
+          </a:effectRef>
+          <a:fontRef idx="minor">
+            <a:schemeClr val="lt1"/>
+          </a:fontRef>
+        </p:style>
+        <p:txBody>
+          <a:bodyPr rtlCol="0" anchor="t"/>
+          <a:lstStyle/>
+          <a:p>
+            <a:r>
+              <a:rPr lang="ko-KR" altLang="en-US" sz="2400" dirty="0">
+                <a:solidFill>
+                  <a:schemeClr val="bg1">
+                    <a:lumMod val="50000"/>
+                  </a:schemeClr>
+                </a:solidFill>
+              </a:rPr>
+              <a:t>상품 </a:t>
+            </a:r>
+            <a:r>
+              <a:rPr lang="en-US" altLang="ko-KR" sz="2400" dirty="0">
+                <a:solidFill>
+                  <a:schemeClr val="bg1">
+                    <a:lumMod val="50000"/>
+                  </a:schemeClr>
+                </a:solidFill>
+              </a:rPr>
+              <a:t>– </a:t>
+            </a:r>
+            <a:r>
+              <a:rPr lang="ko-KR" altLang="en-US" sz="2400" dirty="0">
+                <a:solidFill>
+                  <a:schemeClr val="bg1">
+                    <a:lumMod val="50000"/>
+                  </a:schemeClr>
+                </a:solidFill>
+              </a:rPr>
+              <a:t>구매하기 </a:t>
+            </a:r>
+            <a:r>
+              <a:rPr lang="en-US" altLang="ko-KR" sz="2400" dirty="0">
+                <a:solidFill>
+                  <a:schemeClr val="bg1">
+                    <a:lumMod val="50000"/>
+                  </a:schemeClr>
+                </a:solidFill>
+              </a:rPr>
+              <a:t>– </a:t>
+            </a:r>
+            <a:r>
+              <a:rPr lang="ko-KR" altLang="en-US" sz="2400" dirty="0">
+                <a:solidFill>
+                  <a:schemeClr val="bg1">
+                    <a:lumMod val="50000"/>
+                  </a:schemeClr>
+                </a:solidFill>
+              </a:rPr>
+              <a:t>관리</a:t>
+            </a:r>
+            <a:r>
+              <a:rPr lang="en-US" altLang="ko-KR" sz="2400" dirty="0">
+                <a:solidFill>
+                  <a:schemeClr val="bg1">
+                    <a:lumMod val="50000"/>
+                  </a:schemeClr>
+                </a:solidFill>
+              </a:rPr>
+              <a:t>(</a:t>
+            </a:r>
+            <a:r>
+              <a:rPr lang="ko-KR" altLang="en-US" sz="2400" dirty="0">
+                <a:solidFill>
+                  <a:schemeClr val="bg1">
+                    <a:lumMod val="50000"/>
+                  </a:schemeClr>
+                </a:solidFill>
+              </a:rPr>
+              <a:t>상세 조회 화면 사용</a:t>
+            </a:r>
+            <a:r>
+              <a:rPr lang="en-US" altLang="ko-KR" sz="2400" dirty="0">
+                <a:solidFill>
+                  <a:schemeClr val="bg1">
+                    <a:lumMod val="50000"/>
+                  </a:schemeClr>
+                </a:solidFill>
+              </a:rPr>
+              <a:t>)</a:t>
+            </a:r>
+          </a:p>
+        </p:txBody>
+      </p:sp>
+      <p:sp>
+        <p:nvSpPr>
+          <p:cNvPr id="7" name="직사각형 6">
+            <a:extLst>
+              <a:ext uri="{FF2B5EF4-FFF2-40B4-BE49-F238E27FC236}">
+                <a16:creationId xmlns:a16="http://schemas.microsoft.com/office/drawing/2014/main" id="{610FCD43-1CD5-8FBC-1B26-A8CC2121DA20}"/>
+              </a:ext>
+            </a:extLst>
+          </p:cNvPr>
+          <p:cNvSpPr/>
+          <p:nvPr/>
+        </p:nvSpPr>
+        <p:spPr>
+          <a:xfrm>
+            <a:off x="1048326" y="4069569"/>
+            <a:ext cx="9259455" cy="1919608"/>
           </a:xfrm>
           <a:prstGeom prst="rect">
             <a:avLst/>
@@ -17660,65 +19574,15 @@
           <a:bodyPr rtlCol="0" anchor="ctr"/>
           <a:lstStyle/>
           <a:p>
-            <a:r>
-              <a:rPr lang="ko-KR" altLang="en-US" dirty="0">
+            <a:pPr algn="ctr"/>
+            <a:r>
+              <a:rPr lang="ko-KR" altLang="en-US">
                 <a:solidFill>
                   <a:schemeClr val="tx1"/>
                 </a:solidFill>
               </a:rPr>
-              <a:t>상품명</a:t>
-            </a:r>
-          </a:p>
-        </p:txBody>
-      </p:sp>
-      <p:sp>
-        <p:nvSpPr>
-          <p:cNvPr id="25" name="직사각형 24">
-            <a:extLst>
-              <a:ext uri="{FF2B5EF4-FFF2-40B4-BE49-F238E27FC236}">
-                <a16:creationId xmlns:a16="http://schemas.microsoft.com/office/drawing/2014/main" id="{34BE3B22-D8B6-0B88-5C6B-E7D25CAA9CAB}"/>
-              </a:ext>
-            </a:extLst>
-          </p:cNvPr>
-          <p:cNvSpPr/>
-          <p:nvPr/>
-        </p:nvSpPr>
-        <p:spPr>
-          <a:xfrm>
-            <a:off x="9199417" y="877455"/>
-            <a:ext cx="2147455" cy="1294304"/>
-          </a:xfrm>
-          <a:prstGeom prst="rect">
-            <a:avLst/>
-          </a:prstGeom>
-          <a:solidFill>
-            <a:schemeClr val="bg1">
-              <a:lumMod val="95000"/>
-            </a:schemeClr>
-          </a:solidFill>
-          <a:ln w="38100"/>
-        </p:spPr>
-        <p:style>
-          <a:lnRef idx="2">
-            <a:schemeClr val="accent1">
-              <a:shade val="15000"/>
-            </a:schemeClr>
-          </a:lnRef>
-          <a:fillRef idx="1">
-            <a:schemeClr val="accent1"/>
-          </a:fillRef>
-          <a:effectRef idx="0">
-            <a:schemeClr val="accent1"/>
-          </a:effectRef>
-          <a:fontRef idx="minor">
-            <a:schemeClr val="lt1"/>
-          </a:fontRef>
-        </p:style>
-        <p:txBody>
-          <a:bodyPr rtlCol="0" anchor="ctr"/>
-          <a:lstStyle/>
-          <a:p>
-            <a:pPr algn="ctr"/>
+              <a:t>상세내용</a:t>
+            </a:r>
             <a:endParaRPr lang="ko-KR" altLang="en-US" dirty="0">
               <a:solidFill>
                 <a:schemeClr val="tx1"/>
@@ -17729,76 +19593,20 @@
       </p:sp>
       <p:sp>
         <p:nvSpPr>
-          <p:cNvPr id="27" name="직사각형 26">
-            <a:extLst>
-              <a:ext uri="{FF2B5EF4-FFF2-40B4-BE49-F238E27FC236}">
-                <a16:creationId xmlns:a16="http://schemas.microsoft.com/office/drawing/2014/main" id="{B2C7F8E6-7DF5-9665-B634-A7BF340ACA51}"/>
-              </a:ext>
-            </a:extLst>
-          </p:cNvPr>
-          <p:cNvSpPr/>
-          <p:nvPr/>
-        </p:nvSpPr>
-        <p:spPr>
-          <a:xfrm>
-            <a:off x="9356435" y="1110628"/>
-            <a:ext cx="1874983" cy="415638"/>
-          </a:xfrm>
-          <a:prstGeom prst="rect">
-            <a:avLst/>
-          </a:prstGeom>
-          <a:solidFill>
-            <a:schemeClr val="bg1"/>
-          </a:solidFill>
-          <a:ln w="38100"/>
-        </p:spPr>
-        <p:style>
-          <a:lnRef idx="2">
-            <a:schemeClr val="accent1">
-              <a:shade val="15000"/>
-            </a:schemeClr>
-          </a:lnRef>
-          <a:fillRef idx="1">
-            <a:schemeClr val="accent1"/>
-          </a:fillRef>
-          <a:effectRef idx="0">
-            <a:schemeClr val="accent1"/>
-          </a:effectRef>
-          <a:fontRef idx="minor">
-            <a:schemeClr val="lt1"/>
-          </a:fontRef>
-        </p:style>
-        <p:txBody>
-          <a:bodyPr rtlCol="0" anchor="ctr"/>
-          <a:lstStyle/>
-          <a:p>
-            <a:r>
-              <a:rPr lang="ko-KR" altLang="en-US" dirty="0">
-                <a:solidFill>
-                  <a:schemeClr val="tx1"/>
-                </a:solidFill>
-              </a:rPr>
-              <a:t>총액</a:t>
-            </a:r>
-          </a:p>
-        </p:txBody>
-      </p:sp>
-      <p:sp>
-        <p:nvSpPr>
-          <p:cNvPr id="31" name="직사각형 30">
-            <a:extLst>
-              <a:ext uri="{FF2B5EF4-FFF2-40B4-BE49-F238E27FC236}">
-                <a16:creationId xmlns:a16="http://schemas.microsoft.com/office/drawing/2014/main" id="{D9189367-B4E8-AC9E-8714-0A8000E5E860}"/>
-              </a:ext>
-            </a:extLst>
-          </p:cNvPr>
-          <p:cNvSpPr/>
-          <p:nvPr/>
-        </p:nvSpPr>
-        <p:spPr>
-          <a:xfrm>
-            <a:off x="10005290" y="1698142"/>
-            <a:ext cx="1226127" cy="317650"/>
+          <p:cNvPr id="9" name="직사각형 8">
+            <a:extLst>
+              <a:ext uri="{FF2B5EF4-FFF2-40B4-BE49-F238E27FC236}">
+                <a16:creationId xmlns:a16="http://schemas.microsoft.com/office/drawing/2014/main" id="{6F47772C-2274-78DD-BD4E-F2D2711DDC6F}"/>
+              </a:ext>
+            </a:extLst>
+          </p:cNvPr>
+          <p:cNvSpPr/>
+          <p:nvPr/>
+        </p:nvSpPr>
+        <p:spPr>
+          <a:xfrm>
+            <a:off x="8857673" y="6216071"/>
+            <a:ext cx="1450108" cy="415638"/>
           </a:xfrm>
           <a:prstGeom prst="rect">
             <a:avLst/>
@@ -17842,601 +19650,15 @@
                   <a:schemeClr val="tx1"/>
                 </a:solidFill>
               </a:rPr>
-              <a:t>구매 요청</a:t>
-            </a:r>
-          </a:p>
-        </p:txBody>
-      </p:sp>
-      <p:sp>
-        <p:nvSpPr>
-          <p:cNvPr id="53" name="직사각형 52">
-            <a:extLst>
-              <a:ext uri="{FF2B5EF4-FFF2-40B4-BE49-F238E27FC236}">
-                <a16:creationId xmlns:a16="http://schemas.microsoft.com/office/drawing/2014/main" id="{FA2494F0-461B-BF03-CF88-A0D670133719}"/>
-              </a:ext>
-            </a:extLst>
-          </p:cNvPr>
-          <p:cNvSpPr/>
-          <p:nvPr/>
-        </p:nvSpPr>
-        <p:spPr>
-          <a:xfrm>
-            <a:off x="2996610" y="2601188"/>
-            <a:ext cx="1293100" cy="415638"/>
-          </a:xfrm>
-          <a:prstGeom prst="rect">
-            <a:avLst/>
-          </a:prstGeom>
-          <a:solidFill>
-            <a:schemeClr val="bg1"/>
-          </a:solidFill>
-          <a:ln w="38100"/>
-        </p:spPr>
-        <p:style>
-          <a:lnRef idx="2">
-            <a:schemeClr val="accent1">
-              <a:shade val="15000"/>
-            </a:schemeClr>
-          </a:lnRef>
-          <a:fillRef idx="1">
-            <a:schemeClr val="accent1"/>
-          </a:fillRef>
-          <a:effectRef idx="0">
-            <a:schemeClr val="accent1"/>
-          </a:effectRef>
-          <a:fontRef idx="minor">
-            <a:schemeClr val="lt1"/>
-          </a:fontRef>
-        </p:style>
-        <p:txBody>
-          <a:bodyPr rtlCol="0" anchor="ctr"/>
-          <a:lstStyle/>
-          <a:p>
-            <a:r>
-              <a:rPr lang="ko-KR" altLang="en-US" dirty="0">
-                <a:solidFill>
-                  <a:schemeClr val="tx1"/>
-                </a:solidFill>
-              </a:rPr>
-              <a:t>개수</a:t>
-            </a:r>
-          </a:p>
-        </p:txBody>
-      </p:sp>
-      <p:sp>
-        <p:nvSpPr>
-          <p:cNvPr id="54" name="직사각형 53">
-            <a:extLst>
-              <a:ext uri="{FF2B5EF4-FFF2-40B4-BE49-F238E27FC236}">
-                <a16:creationId xmlns:a16="http://schemas.microsoft.com/office/drawing/2014/main" id="{4D26D933-A917-6A00-C1BF-F225F8BC1BB3}"/>
-              </a:ext>
-            </a:extLst>
-          </p:cNvPr>
-          <p:cNvSpPr/>
-          <p:nvPr/>
-        </p:nvSpPr>
-        <p:spPr>
-          <a:xfrm>
-            <a:off x="6822039" y="2669306"/>
-            <a:ext cx="1450108" cy="415638"/>
-          </a:xfrm>
-          <a:prstGeom prst="rect">
-            <a:avLst/>
-          </a:prstGeom>
-          <a:solidFill>
-            <a:schemeClr val="bg1"/>
-          </a:solidFill>
-          <a:ln w="38100"/>
-          <a:scene3d>
-            <a:camera prst="orthographicFront"/>
-            <a:lightRig rig="threePt" dir="t"/>
-          </a:scene3d>
-          <a:sp3d>
-            <a:bevelT prst="angle"/>
-          </a:sp3d>
-        </p:spPr>
-        <p:style>
-          <a:lnRef idx="2">
-            <a:schemeClr val="accent1">
-              <a:shade val="15000"/>
-            </a:schemeClr>
-          </a:lnRef>
-          <a:fillRef idx="1">
-            <a:schemeClr val="accent1"/>
-          </a:fillRef>
-          <a:effectRef idx="0">
-            <a:schemeClr val="accent1"/>
-          </a:effectRef>
-          <a:fontRef idx="minor">
-            <a:schemeClr val="lt1"/>
-          </a:fontRef>
-        </p:style>
-        <p:txBody>
-          <a:bodyPr rtlCol="0" anchor="ctr"/>
-          <a:lstStyle/>
-          <a:p>
-            <a:pPr algn="ctr"/>
-            <a:r>
-              <a:rPr lang="ko-KR" altLang="en-US" dirty="0">
-                <a:solidFill>
-                  <a:schemeClr val="tx1"/>
-                </a:solidFill>
-              </a:rPr>
-              <a:t>삭제</a:t>
-            </a:r>
-          </a:p>
-        </p:txBody>
-      </p:sp>
-      <p:sp>
-        <p:nvSpPr>
-          <p:cNvPr id="55" name="직사각형 54">
-            <a:extLst>
-              <a:ext uri="{FF2B5EF4-FFF2-40B4-BE49-F238E27FC236}">
-                <a16:creationId xmlns:a16="http://schemas.microsoft.com/office/drawing/2014/main" id="{F0BDE74D-C9AD-CDA2-9AF3-2B602C099A55}"/>
-              </a:ext>
-            </a:extLst>
-          </p:cNvPr>
-          <p:cNvSpPr/>
-          <p:nvPr/>
-        </p:nvSpPr>
-        <p:spPr>
-          <a:xfrm>
-            <a:off x="469313" y="3471794"/>
-            <a:ext cx="7941550" cy="2434859"/>
-          </a:xfrm>
-          <a:prstGeom prst="rect">
-            <a:avLst/>
-          </a:prstGeom>
-          <a:solidFill>
-            <a:schemeClr val="bg1">
-              <a:lumMod val="95000"/>
-            </a:schemeClr>
-          </a:solidFill>
-          <a:ln w="38100"/>
-        </p:spPr>
-        <p:style>
-          <a:lnRef idx="2">
-            <a:schemeClr val="accent1">
-              <a:shade val="15000"/>
-            </a:schemeClr>
-          </a:lnRef>
-          <a:fillRef idx="1">
-            <a:schemeClr val="accent1"/>
-          </a:fillRef>
-          <a:effectRef idx="0">
-            <a:schemeClr val="accent1"/>
-          </a:effectRef>
-          <a:fontRef idx="minor">
-            <a:schemeClr val="lt1"/>
-          </a:fontRef>
-        </p:style>
-        <p:txBody>
-          <a:bodyPr rtlCol="0" anchor="ctr"/>
-          <a:lstStyle/>
-          <a:p>
-            <a:pPr algn="ctr"/>
-            <a:endParaRPr lang="ko-KR" altLang="en-US" dirty="0">
-              <a:solidFill>
-                <a:schemeClr val="tx1"/>
-              </a:solidFill>
-            </a:endParaRPr>
-          </a:p>
-        </p:txBody>
-      </p:sp>
-      <p:sp>
-        <p:nvSpPr>
-          <p:cNvPr id="56" name="직사각형 55">
-            <a:extLst>
-              <a:ext uri="{FF2B5EF4-FFF2-40B4-BE49-F238E27FC236}">
-                <a16:creationId xmlns:a16="http://schemas.microsoft.com/office/drawing/2014/main" id="{FF2B6450-3DFA-CC95-C78D-F4E832D893D3}"/>
-              </a:ext>
-            </a:extLst>
-          </p:cNvPr>
-          <p:cNvSpPr/>
-          <p:nvPr/>
-        </p:nvSpPr>
-        <p:spPr>
-          <a:xfrm>
-            <a:off x="958252" y="3673915"/>
-            <a:ext cx="1874983" cy="2048009"/>
-          </a:xfrm>
-          <a:prstGeom prst="rect">
-            <a:avLst/>
-          </a:prstGeom>
-          <a:solidFill>
-            <a:schemeClr val="bg1"/>
-          </a:solidFill>
-          <a:ln w="38100"/>
-        </p:spPr>
-        <p:style>
-          <a:lnRef idx="2">
-            <a:schemeClr val="accent1">
-              <a:shade val="15000"/>
-            </a:schemeClr>
-          </a:lnRef>
-          <a:fillRef idx="1">
-            <a:schemeClr val="accent1"/>
-          </a:fillRef>
-          <a:effectRef idx="0">
-            <a:schemeClr val="accent1"/>
-          </a:effectRef>
-          <a:fontRef idx="minor">
-            <a:schemeClr val="lt1"/>
-          </a:fontRef>
-        </p:style>
-        <p:txBody>
-          <a:bodyPr rtlCol="0" anchor="ctr"/>
-          <a:lstStyle/>
-          <a:p>
-            <a:pPr algn="ctr"/>
-            <a:r>
-              <a:rPr lang="ko-KR" altLang="en-US" dirty="0">
-                <a:solidFill>
-                  <a:schemeClr val="tx1"/>
-                </a:solidFill>
-              </a:rPr>
-              <a:t>이미지</a:t>
-            </a:r>
-          </a:p>
-        </p:txBody>
-      </p:sp>
-      <p:sp>
-        <p:nvSpPr>
-          <p:cNvPr id="57" name="직사각형 56">
-            <a:extLst>
-              <a:ext uri="{FF2B5EF4-FFF2-40B4-BE49-F238E27FC236}">
-                <a16:creationId xmlns:a16="http://schemas.microsoft.com/office/drawing/2014/main" id="{3EFC5303-1BB9-892E-BEEB-906DD8D81115}"/>
-              </a:ext>
-            </a:extLst>
-          </p:cNvPr>
-          <p:cNvSpPr/>
-          <p:nvPr/>
-        </p:nvSpPr>
-        <p:spPr>
-          <a:xfrm>
-            <a:off x="2985632" y="4232638"/>
-            <a:ext cx="1874983" cy="415638"/>
-          </a:xfrm>
-          <a:prstGeom prst="rect">
-            <a:avLst/>
-          </a:prstGeom>
-          <a:solidFill>
-            <a:schemeClr val="bg1"/>
-          </a:solidFill>
-          <a:ln w="38100"/>
-        </p:spPr>
-        <p:style>
-          <a:lnRef idx="2">
-            <a:schemeClr val="accent1">
-              <a:shade val="15000"/>
-            </a:schemeClr>
-          </a:lnRef>
-          <a:fillRef idx="1">
-            <a:schemeClr val="accent1"/>
-          </a:fillRef>
-          <a:effectRef idx="0">
-            <a:schemeClr val="accent1"/>
-          </a:effectRef>
-          <a:fontRef idx="minor">
-            <a:schemeClr val="lt1"/>
-          </a:fontRef>
-        </p:style>
-        <p:txBody>
-          <a:bodyPr rtlCol="0" anchor="ctr"/>
-          <a:lstStyle/>
-          <a:p>
-            <a:r>
-              <a:rPr lang="ko-KR" altLang="en-US">
-                <a:solidFill>
-                  <a:schemeClr val="tx1"/>
-                </a:solidFill>
-              </a:rPr>
-              <a:t>가격</a:t>
-            </a:r>
-            <a:endParaRPr lang="ko-KR" altLang="en-US" dirty="0">
-              <a:solidFill>
-                <a:schemeClr val="tx1"/>
-              </a:solidFill>
-            </a:endParaRPr>
-          </a:p>
-        </p:txBody>
-      </p:sp>
-      <p:sp>
-        <p:nvSpPr>
-          <p:cNvPr id="58" name="직사각형 57">
-            <a:extLst>
-              <a:ext uri="{FF2B5EF4-FFF2-40B4-BE49-F238E27FC236}">
-                <a16:creationId xmlns:a16="http://schemas.microsoft.com/office/drawing/2014/main" id="{9DE7609E-0B94-9729-5D0D-C3DF3D121DD5}"/>
-              </a:ext>
-            </a:extLst>
-          </p:cNvPr>
-          <p:cNvSpPr/>
-          <p:nvPr/>
-        </p:nvSpPr>
-        <p:spPr>
-          <a:xfrm>
-            <a:off x="2996011" y="3673916"/>
-            <a:ext cx="5194902" cy="415638"/>
-          </a:xfrm>
-          <a:prstGeom prst="rect">
-            <a:avLst/>
-          </a:prstGeom>
-          <a:solidFill>
-            <a:schemeClr val="bg1"/>
-          </a:solidFill>
-          <a:ln w="38100"/>
-        </p:spPr>
-        <p:style>
-          <a:lnRef idx="2">
-            <a:schemeClr val="accent1">
-              <a:shade val="15000"/>
-            </a:schemeClr>
-          </a:lnRef>
-          <a:fillRef idx="1">
-            <a:schemeClr val="accent1"/>
-          </a:fillRef>
-          <a:effectRef idx="0">
-            <a:schemeClr val="accent1"/>
-          </a:effectRef>
-          <a:fontRef idx="minor">
-            <a:schemeClr val="lt1"/>
-          </a:fontRef>
-        </p:style>
-        <p:txBody>
-          <a:bodyPr rtlCol="0" anchor="ctr"/>
-          <a:lstStyle/>
-          <a:p>
-            <a:r>
-              <a:rPr lang="ko-KR" altLang="en-US" dirty="0">
-                <a:solidFill>
-                  <a:schemeClr val="tx1"/>
-                </a:solidFill>
-              </a:rPr>
-              <a:t>상품명</a:t>
-            </a:r>
-          </a:p>
-        </p:txBody>
-      </p:sp>
-      <p:sp>
-        <p:nvSpPr>
-          <p:cNvPr id="60" name="직사각형 59">
-            <a:extLst>
-              <a:ext uri="{FF2B5EF4-FFF2-40B4-BE49-F238E27FC236}">
-                <a16:creationId xmlns:a16="http://schemas.microsoft.com/office/drawing/2014/main" id="{A7CB0159-F3BB-627E-6BAB-AC8B2149497F}"/>
-              </a:ext>
-            </a:extLst>
-          </p:cNvPr>
-          <p:cNvSpPr/>
-          <p:nvPr/>
-        </p:nvSpPr>
-        <p:spPr>
-          <a:xfrm>
-            <a:off x="2985632" y="5238168"/>
-            <a:ext cx="1293100" cy="415638"/>
-          </a:xfrm>
-          <a:prstGeom prst="rect">
-            <a:avLst/>
-          </a:prstGeom>
-          <a:solidFill>
-            <a:schemeClr val="bg1"/>
-          </a:solidFill>
-          <a:ln w="38100"/>
-        </p:spPr>
-        <p:style>
-          <a:lnRef idx="2">
-            <a:schemeClr val="accent1">
-              <a:shade val="15000"/>
-            </a:schemeClr>
-          </a:lnRef>
-          <a:fillRef idx="1">
-            <a:schemeClr val="accent1"/>
-          </a:fillRef>
-          <a:effectRef idx="0">
-            <a:schemeClr val="accent1"/>
-          </a:effectRef>
-          <a:fontRef idx="minor">
-            <a:schemeClr val="lt1"/>
-          </a:fontRef>
-        </p:style>
-        <p:txBody>
-          <a:bodyPr rtlCol="0" anchor="ctr"/>
-          <a:lstStyle/>
-          <a:p>
-            <a:r>
-              <a:rPr lang="ko-KR" altLang="en-US" dirty="0">
-                <a:solidFill>
-                  <a:schemeClr val="tx1"/>
-                </a:solidFill>
-              </a:rPr>
-              <a:t>개수</a:t>
-            </a:r>
-          </a:p>
-        </p:txBody>
-      </p:sp>
-      <p:sp>
-        <p:nvSpPr>
-          <p:cNvPr id="61" name="직사각형 60">
-            <a:extLst>
-              <a:ext uri="{FF2B5EF4-FFF2-40B4-BE49-F238E27FC236}">
-                <a16:creationId xmlns:a16="http://schemas.microsoft.com/office/drawing/2014/main" id="{41DF24F8-7421-D81B-D02E-C4648859C132}"/>
-              </a:ext>
-            </a:extLst>
-          </p:cNvPr>
-          <p:cNvSpPr/>
-          <p:nvPr/>
-        </p:nvSpPr>
-        <p:spPr>
-          <a:xfrm>
-            <a:off x="6811061" y="5306286"/>
-            <a:ext cx="1450108" cy="415638"/>
-          </a:xfrm>
-          <a:prstGeom prst="rect">
-            <a:avLst/>
-          </a:prstGeom>
-          <a:solidFill>
-            <a:schemeClr val="bg1"/>
-          </a:solidFill>
-          <a:ln w="38100"/>
-          <a:scene3d>
-            <a:camera prst="orthographicFront"/>
-            <a:lightRig rig="threePt" dir="t"/>
-          </a:scene3d>
-          <a:sp3d>
-            <a:bevelT prst="angle"/>
-          </a:sp3d>
-        </p:spPr>
-        <p:style>
-          <a:lnRef idx="2">
-            <a:schemeClr val="accent1">
-              <a:shade val="15000"/>
-            </a:schemeClr>
-          </a:lnRef>
-          <a:fillRef idx="1">
-            <a:schemeClr val="accent1"/>
-          </a:fillRef>
-          <a:effectRef idx="0">
-            <a:schemeClr val="accent1"/>
-          </a:effectRef>
-          <a:fontRef idx="minor">
-            <a:schemeClr val="lt1"/>
-          </a:fontRef>
-        </p:style>
-        <p:txBody>
-          <a:bodyPr rtlCol="0" anchor="ctr"/>
-          <a:lstStyle/>
-          <a:p>
-            <a:pPr algn="ctr"/>
-            <a:r>
-              <a:rPr lang="ko-KR" altLang="en-US" dirty="0">
-                <a:solidFill>
-                  <a:schemeClr val="tx1"/>
-                </a:solidFill>
-              </a:rPr>
-              <a:t>삭제</a:t>
-            </a:r>
-          </a:p>
-        </p:txBody>
-      </p:sp>
-      <p:sp>
-        <p:nvSpPr>
-          <p:cNvPr id="3" name="직사각형 2">
-            <a:extLst>
-              <a:ext uri="{FF2B5EF4-FFF2-40B4-BE49-F238E27FC236}">
-                <a16:creationId xmlns:a16="http://schemas.microsoft.com/office/drawing/2014/main" id="{B1615FD5-8026-B4A7-0F2E-DE7994DAA06C}"/>
-              </a:ext>
-            </a:extLst>
-          </p:cNvPr>
-          <p:cNvSpPr/>
-          <p:nvPr/>
-        </p:nvSpPr>
-        <p:spPr>
-          <a:xfrm>
-            <a:off x="595452" y="1924357"/>
-            <a:ext cx="258618" cy="273164"/>
-          </a:xfrm>
-          <a:prstGeom prst="rect">
-            <a:avLst/>
-          </a:prstGeom>
-          <a:solidFill>
-            <a:schemeClr val="bg1"/>
-          </a:solidFill>
-          <a:ln w="38100"/>
-        </p:spPr>
-        <p:style>
-          <a:lnRef idx="2">
-            <a:schemeClr val="accent1">
-              <a:shade val="15000"/>
-            </a:schemeClr>
-          </a:lnRef>
-          <a:fillRef idx="1">
-            <a:schemeClr val="accent1"/>
-          </a:fillRef>
-          <a:effectRef idx="0">
-            <a:schemeClr val="accent1"/>
-          </a:effectRef>
-          <a:fontRef idx="minor">
-            <a:schemeClr val="lt1"/>
-          </a:fontRef>
-        </p:style>
-        <p:txBody>
-          <a:bodyPr rtlCol="0" anchor="ctr"/>
-          <a:lstStyle/>
-          <a:p>
-            <a:pPr algn="ctr"/>
-            <a:r>
-              <a:rPr lang="en-US" altLang="ko-KR" b="1" dirty="0">
-                <a:solidFill>
-                  <a:schemeClr val="accent1"/>
-                </a:solidFill>
-              </a:rPr>
-              <a:t>√</a:t>
-            </a:r>
-            <a:endParaRPr lang="ko-KR" altLang="en-US" b="1" dirty="0">
-              <a:solidFill>
-                <a:schemeClr val="accent1"/>
-              </a:solidFill>
-            </a:endParaRPr>
-          </a:p>
-        </p:txBody>
-      </p:sp>
-      <p:sp>
-        <p:nvSpPr>
-          <p:cNvPr id="5" name="직사각형 4">
-            <a:extLst>
-              <a:ext uri="{FF2B5EF4-FFF2-40B4-BE49-F238E27FC236}">
-                <a16:creationId xmlns:a16="http://schemas.microsoft.com/office/drawing/2014/main" id="{9BAFFBA2-DC53-E9F2-3C38-3F2D87F4D487}"/>
-              </a:ext>
-            </a:extLst>
-          </p:cNvPr>
-          <p:cNvSpPr/>
-          <p:nvPr/>
-        </p:nvSpPr>
-        <p:spPr>
-          <a:xfrm>
-            <a:off x="595452" y="4595283"/>
-            <a:ext cx="258618" cy="273164"/>
-          </a:xfrm>
-          <a:prstGeom prst="rect">
-            <a:avLst/>
-          </a:prstGeom>
-          <a:solidFill>
-            <a:schemeClr val="bg1"/>
-          </a:solidFill>
-          <a:ln w="38100"/>
-        </p:spPr>
-        <p:style>
-          <a:lnRef idx="2">
-            <a:schemeClr val="accent1">
-              <a:shade val="15000"/>
-            </a:schemeClr>
-          </a:lnRef>
-          <a:fillRef idx="1">
-            <a:schemeClr val="accent1"/>
-          </a:fillRef>
-          <a:effectRef idx="0">
-            <a:schemeClr val="accent1"/>
-          </a:effectRef>
-          <a:fontRef idx="minor">
-            <a:schemeClr val="lt1"/>
-          </a:fontRef>
-        </p:style>
-        <p:txBody>
-          <a:bodyPr rtlCol="0" anchor="ctr"/>
-          <a:lstStyle/>
-          <a:p>
-            <a:pPr algn="ctr"/>
-            <a:endParaRPr lang="ko-KR" altLang="en-US" dirty="0">
-              <a:solidFill>
-                <a:schemeClr val="tx1"/>
-              </a:solidFill>
-            </a:endParaRPr>
+              <a:t>저장</a:t>
+            </a:r>
           </a:p>
         </p:txBody>
       </p:sp>
     </p:spTree>
     <p:extLst>
       <p:ext uri="{BB962C8B-B14F-4D97-AF65-F5344CB8AC3E}">
-        <p14:creationId xmlns:p14="http://schemas.microsoft.com/office/powerpoint/2010/main" val="444300783"/>
+        <p14:creationId xmlns:p14="http://schemas.microsoft.com/office/powerpoint/2010/main" val="1649525967"/>
       </p:ext>
     </p:extLst>
   </p:cSld>

--- a/산출물/화면정의서/MiniPX_화면정의서_V0.3.pptx
+++ b/산출물/화면정의서/MiniPX_화면정의서_V0.3.pptx
@@ -6,20 +6,21 @@
   </p:sldMasterIdLst>
   <p:sldIdLst>
     <p:sldId id="270" r:id="rId2"/>
-    <p:sldId id="273" r:id="rId3"/>
-    <p:sldId id="272" r:id="rId4"/>
-    <p:sldId id="274" r:id="rId5"/>
-    <p:sldId id="256" r:id="rId6"/>
-    <p:sldId id="271" r:id="rId7"/>
-    <p:sldId id="259" r:id="rId8"/>
-    <p:sldId id="257" r:id="rId9"/>
-    <p:sldId id="265" r:id="rId10"/>
-    <p:sldId id="266" r:id="rId11"/>
-    <p:sldId id="267" r:id="rId12"/>
-    <p:sldId id="268" r:id="rId13"/>
-    <p:sldId id="269" r:id="rId14"/>
-    <p:sldId id="258" r:id="rId15"/>
-    <p:sldId id="264" r:id="rId16"/>
+    <p:sldId id="275" r:id="rId3"/>
+    <p:sldId id="273" r:id="rId4"/>
+    <p:sldId id="272" r:id="rId5"/>
+    <p:sldId id="274" r:id="rId6"/>
+    <p:sldId id="256" r:id="rId7"/>
+    <p:sldId id="271" r:id="rId8"/>
+    <p:sldId id="259" r:id="rId9"/>
+    <p:sldId id="257" r:id="rId10"/>
+    <p:sldId id="265" r:id="rId11"/>
+    <p:sldId id="266" r:id="rId12"/>
+    <p:sldId id="267" r:id="rId13"/>
+    <p:sldId id="268" r:id="rId14"/>
+    <p:sldId id="269" r:id="rId15"/>
+    <p:sldId id="258" r:id="rId16"/>
+    <p:sldId id="264" r:id="rId17"/>
   </p:sldIdLst>
   <p:sldSz cx="12192000" cy="6858000"/>
   <p:notesSz cx="6858000" cy="9144000"/>
@@ -124,6 +125,7 @@
         <p14:section name="메뉴" id="{860AC0BE-9AA7-4174-9499-4040C1E543C1}">
           <p14:sldIdLst>
             <p14:sldId id="270"/>
+            <p14:sldId id="275"/>
           </p14:sldIdLst>
         </p14:section>
         <p14:section name="프로세스" id="{B4014C04-7B59-4047-88A0-B3460168F9DF}">
@@ -312,7 +314,7 @@
           <a:p>
             <a:fld id="{5A8CCF48-291D-46DA-8E01-556C5C8E605F}" type="datetimeFigureOut">
               <a:rPr lang="ko-KR" altLang="en-US" smtClean="0"/>
-              <a:t>2025-07-11</a:t>
+              <a:t>2025-10-27</a:t>
             </a:fld>
             <a:endParaRPr lang="ko-KR" altLang="en-US"/>
           </a:p>
@@ -510,7 +512,7 @@
           <a:p>
             <a:fld id="{5A8CCF48-291D-46DA-8E01-556C5C8E605F}" type="datetimeFigureOut">
               <a:rPr lang="ko-KR" altLang="en-US" smtClean="0"/>
-              <a:t>2025-07-11</a:t>
+              <a:t>2025-10-27</a:t>
             </a:fld>
             <a:endParaRPr lang="ko-KR" altLang="en-US"/>
           </a:p>
@@ -718,7 +720,7 @@
           <a:p>
             <a:fld id="{5A8CCF48-291D-46DA-8E01-556C5C8E605F}" type="datetimeFigureOut">
               <a:rPr lang="ko-KR" altLang="en-US" smtClean="0"/>
-              <a:t>2025-07-11</a:t>
+              <a:t>2025-10-27</a:t>
             </a:fld>
             <a:endParaRPr lang="ko-KR" altLang="en-US"/>
           </a:p>
@@ -916,7 +918,7 @@
           <a:p>
             <a:fld id="{5A8CCF48-291D-46DA-8E01-556C5C8E605F}" type="datetimeFigureOut">
               <a:rPr lang="ko-KR" altLang="en-US" smtClean="0"/>
-              <a:t>2025-07-11</a:t>
+              <a:t>2025-10-27</a:t>
             </a:fld>
             <a:endParaRPr lang="ko-KR" altLang="en-US"/>
           </a:p>
@@ -1191,7 +1193,7 @@
           <a:p>
             <a:fld id="{5A8CCF48-291D-46DA-8E01-556C5C8E605F}" type="datetimeFigureOut">
               <a:rPr lang="ko-KR" altLang="en-US" smtClean="0"/>
-              <a:t>2025-07-11</a:t>
+              <a:t>2025-10-27</a:t>
             </a:fld>
             <a:endParaRPr lang="ko-KR" altLang="en-US"/>
           </a:p>
@@ -1456,7 +1458,7 @@
           <a:p>
             <a:fld id="{5A8CCF48-291D-46DA-8E01-556C5C8E605F}" type="datetimeFigureOut">
               <a:rPr lang="ko-KR" altLang="en-US" smtClean="0"/>
-              <a:t>2025-07-11</a:t>
+              <a:t>2025-10-27</a:t>
             </a:fld>
             <a:endParaRPr lang="ko-KR" altLang="en-US"/>
           </a:p>
@@ -1868,7 +1870,7 @@
           <a:p>
             <a:fld id="{5A8CCF48-291D-46DA-8E01-556C5C8E605F}" type="datetimeFigureOut">
               <a:rPr lang="ko-KR" altLang="en-US" smtClean="0"/>
-              <a:t>2025-07-11</a:t>
+              <a:t>2025-10-27</a:t>
             </a:fld>
             <a:endParaRPr lang="ko-KR" altLang="en-US"/>
           </a:p>
@@ -2009,7 +2011,7 @@
           <a:p>
             <a:fld id="{5A8CCF48-291D-46DA-8E01-556C5C8E605F}" type="datetimeFigureOut">
               <a:rPr lang="ko-KR" altLang="en-US" smtClean="0"/>
-              <a:t>2025-07-11</a:t>
+              <a:t>2025-10-27</a:t>
             </a:fld>
             <a:endParaRPr lang="ko-KR" altLang="en-US"/>
           </a:p>
@@ -2122,7 +2124,7 @@
           <a:p>
             <a:fld id="{5A8CCF48-291D-46DA-8E01-556C5C8E605F}" type="datetimeFigureOut">
               <a:rPr lang="ko-KR" altLang="en-US" smtClean="0"/>
-              <a:t>2025-07-11</a:t>
+              <a:t>2025-10-27</a:t>
             </a:fld>
             <a:endParaRPr lang="ko-KR" altLang="en-US"/>
           </a:p>
@@ -2433,7 +2435,7 @@
           <a:p>
             <a:fld id="{5A8CCF48-291D-46DA-8E01-556C5C8E605F}" type="datetimeFigureOut">
               <a:rPr lang="ko-KR" altLang="en-US" smtClean="0"/>
-              <a:t>2025-07-11</a:t>
+              <a:t>2025-10-27</a:t>
             </a:fld>
             <a:endParaRPr lang="ko-KR" altLang="en-US"/>
           </a:p>
@@ -2721,7 +2723,7 @@
           <a:p>
             <a:fld id="{5A8CCF48-291D-46DA-8E01-556C5C8E605F}" type="datetimeFigureOut">
               <a:rPr lang="ko-KR" altLang="en-US" smtClean="0"/>
-              <a:t>2025-07-11</a:t>
+              <a:t>2025-10-27</a:t>
             </a:fld>
             <a:endParaRPr lang="ko-KR" altLang="en-US"/>
           </a:p>
@@ -2962,7 +2964,7 @@
           <a:p>
             <a:fld id="{5A8CCF48-291D-46DA-8E01-556C5C8E605F}" type="datetimeFigureOut">
               <a:rPr lang="ko-KR" altLang="en-US" smtClean="0"/>
-              <a:t>2025-07-11</a:t>
+              <a:t>2025-10-27</a:t>
             </a:fld>
             <a:endParaRPr lang="ko-KR" altLang="en-US"/>
           </a:p>
@@ -4981,6 +4983,525 @@
       </p:grpSpPr>
       <p:sp>
         <p:nvSpPr>
+          <p:cNvPr id="6" name="직사각형 5">
+            <a:extLst>
+              <a:ext uri="{FF2B5EF4-FFF2-40B4-BE49-F238E27FC236}">
+                <a16:creationId xmlns:a16="http://schemas.microsoft.com/office/drawing/2014/main" id="{62C7DFEA-8610-F7BE-5802-7CB3D65602B0}"/>
+              </a:ext>
+            </a:extLst>
+          </p:cNvPr>
+          <p:cNvSpPr/>
+          <p:nvPr/>
+        </p:nvSpPr>
+        <p:spPr>
+          <a:xfrm>
+            <a:off x="1048326" y="868823"/>
+            <a:ext cx="3366655" cy="2964267"/>
+          </a:xfrm>
+          <a:prstGeom prst="rect">
+            <a:avLst/>
+          </a:prstGeom>
+          <a:solidFill>
+            <a:schemeClr val="bg1"/>
+          </a:solidFill>
+          <a:ln w="38100"/>
+        </p:spPr>
+        <p:style>
+          <a:lnRef idx="2">
+            <a:schemeClr val="accent1">
+              <a:shade val="15000"/>
+            </a:schemeClr>
+          </a:lnRef>
+          <a:fillRef idx="1">
+            <a:schemeClr val="accent1"/>
+          </a:fillRef>
+          <a:effectRef idx="0">
+            <a:schemeClr val="accent1"/>
+          </a:effectRef>
+          <a:fontRef idx="minor">
+            <a:schemeClr val="lt1"/>
+          </a:fontRef>
+        </p:style>
+        <p:txBody>
+          <a:bodyPr rtlCol="0" anchor="ctr"/>
+          <a:lstStyle/>
+          <a:p>
+            <a:pPr algn="ctr"/>
+            <a:r>
+              <a:rPr lang="ko-KR" altLang="en-US" dirty="0">
+                <a:solidFill>
+                  <a:schemeClr val="tx1"/>
+                </a:solidFill>
+              </a:rPr>
+              <a:t>이미지</a:t>
+            </a:r>
+          </a:p>
+        </p:txBody>
+      </p:sp>
+      <p:sp>
+        <p:nvSpPr>
+          <p:cNvPr id="8" name="직사각형 7">
+            <a:extLst>
+              <a:ext uri="{FF2B5EF4-FFF2-40B4-BE49-F238E27FC236}">
+                <a16:creationId xmlns:a16="http://schemas.microsoft.com/office/drawing/2014/main" id="{EE660E08-D93E-F5B7-4B97-C0545B994934}"/>
+              </a:ext>
+            </a:extLst>
+          </p:cNvPr>
+          <p:cNvSpPr/>
+          <p:nvPr/>
+        </p:nvSpPr>
+        <p:spPr>
+          <a:xfrm>
+            <a:off x="4715164" y="1832301"/>
+            <a:ext cx="1874983" cy="415638"/>
+          </a:xfrm>
+          <a:prstGeom prst="rect">
+            <a:avLst/>
+          </a:prstGeom>
+          <a:solidFill>
+            <a:schemeClr val="bg1"/>
+          </a:solidFill>
+          <a:ln w="38100"/>
+        </p:spPr>
+        <p:style>
+          <a:lnRef idx="2">
+            <a:schemeClr val="accent1">
+              <a:shade val="15000"/>
+            </a:schemeClr>
+          </a:lnRef>
+          <a:fillRef idx="1">
+            <a:schemeClr val="accent1"/>
+          </a:fillRef>
+          <a:effectRef idx="0">
+            <a:schemeClr val="accent1"/>
+          </a:effectRef>
+          <a:fontRef idx="minor">
+            <a:schemeClr val="lt1"/>
+          </a:fontRef>
+        </p:style>
+        <p:txBody>
+          <a:bodyPr rtlCol="0" anchor="ctr"/>
+          <a:lstStyle/>
+          <a:p>
+            <a:r>
+              <a:rPr lang="ko-KR" altLang="en-US">
+                <a:solidFill>
+                  <a:schemeClr val="tx1"/>
+                </a:solidFill>
+              </a:rPr>
+              <a:t>가격</a:t>
+            </a:r>
+            <a:endParaRPr lang="ko-KR" altLang="en-US" dirty="0">
+              <a:solidFill>
+                <a:schemeClr val="tx1"/>
+              </a:solidFill>
+            </a:endParaRPr>
+          </a:p>
+        </p:txBody>
+      </p:sp>
+      <p:sp>
+        <p:nvSpPr>
+          <p:cNvPr id="12" name="직사각형 11">
+            <a:extLst>
+              <a:ext uri="{FF2B5EF4-FFF2-40B4-BE49-F238E27FC236}">
+                <a16:creationId xmlns:a16="http://schemas.microsoft.com/office/drawing/2014/main" id="{5B8EC1BC-7E17-9A78-6BF4-D51600F2FCE9}"/>
+              </a:ext>
+            </a:extLst>
+          </p:cNvPr>
+          <p:cNvSpPr/>
+          <p:nvPr/>
+        </p:nvSpPr>
+        <p:spPr>
+          <a:xfrm>
+            <a:off x="4715164" y="868823"/>
+            <a:ext cx="5491017" cy="415638"/>
+          </a:xfrm>
+          <a:prstGeom prst="rect">
+            <a:avLst/>
+          </a:prstGeom>
+          <a:solidFill>
+            <a:schemeClr val="bg1"/>
+          </a:solidFill>
+          <a:ln w="38100"/>
+        </p:spPr>
+        <p:style>
+          <a:lnRef idx="2">
+            <a:schemeClr val="accent1">
+              <a:shade val="15000"/>
+            </a:schemeClr>
+          </a:lnRef>
+          <a:fillRef idx="1">
+            <a:schemeClr val="accent1"/>
+          </a:fillRef>
+          <a:effectRef idx="0">
+            <a:schemeClr val="accent1"/>
+          </a:effectRef>
+          <a:fontRef idx="minor">
+            <a:schemeClr val="lt1"/>
+          </a:fontRef>
+        </p:style>
+        <p:txBody>
+          <a:bodyPr rtlCol="0" anchor="ctr"/>
+          <a:lstStyle/>
+          <a:p>
+            <a:r>
+              <a:rPr lang="ko-KR" altLang="en-US" dirty="0">
+                <a:solidFill>
+                  <a:schemeClr val="tx1"/>
+                </a:solidFill>
+              </a:rPr>
+              <a:t>상품명</a:t>
+            </a:r>
+          </a:p>
+        </p:txBody>
+      </p:sp>
+      <p:sp>
+        <p:nvSpPr>
+          <p:cNvPr id="17" name="직사각형 16">
+            <a:extLst>
+              <a:ext uri="{FF2B5EF4-FFF2-40B4-BE49-F238E27FC236}">
+                <a16:creationId xmlns:a16="http://schemas.microsoft.com/office/drawing/2014/main" id="{1C4ADFE8-E178-A167-34DF-DBB1BA45C65E}"/>
+              </a:ext>
+            </a:extLst>
+          </p:cNvPr>
+          <p:cNvSpPr/>
+          <p:nvPr/>
+        </p:nvSpPr>
+        <p:spPr>
+          <a:xfrm>
+            <a:off x="4715164" y="1350562"/>
+            <a:ext cx="1874983" cy="415638"/>
+          </a:xfrm>
+          <a:prstGeom prst="rect">
+            <a:avLst/>
+          </a:prstGeom>
+          <a:solidFill>
+            <a:schemeClr val="bg2"/>
+          </a:solidFill>
+          <a:ln w="38100"/>
+        </p:spPr>
+        <p:style>
+          <a:lnRef idx="2">
+            <a:schemeClr val="accent1">
+              <a:shade val="15000"/>
+            </a:schemeClr>
+          </a:lnRef>
+          <a:fillRef idx="1">
+            <a:schemeClr val="accent1"/>
+          </a:fillRef>
+          <a:effectRef idx="0">
+            <a:schemeClr val="accent1"/>
+          </a:effectRef>
+          <a:fontRef idx="minor">
+            <a:schemeClr val="lt1"/>
+          </a:fontRef>
+        </p:style>
+        <p:txBody>
+          <a:bodyPr rtlCol="0" anchor="ctr"/>
+          <a:lstStyle/>
+          <a:p>
+            <a:r>
+              <a:rPr lang="ko-KR" altLang="en-US">
+                <a:solidFill>
+                  <a:schemeClr val="tx1"/>
+                </a:solidFill>
+              </a:rPr>
+              <a:t>별점</a:t>
+            </a:r>
+            <a:endParaRPr lang="ko-KR" altLang="en-US" dirty="0">
+              <a:solidFill>
+                <a:schemeClr val="tx1"/>
+              </a:solidFill>
+            </a:endParaRPr>
+          </a:p>
+        </p:txBody>
+      </p:sp>
+      <p:sp>
+        <p:nvSpPr>
+          <p:cNvPr id="2" name="직사각형 1">
+            <a:extLst>
+              <a:ext uri="{FF2B5EF4-FFF2-40B4-BE49-F238E27FC236}">
+                <a16:creationId xmlns:a16="http://schemas.microsoft.com/office/drawing/2014/main" id="{104A78F2-F9DE-E968-791A-36236F554892}"/>
+              </a:ext>
+            </a:extLst>
+          </p:cNvPr>
+          <p:cNvSpPr/>
+          <p:nvPr/>
+        </p:nvSpPr>
+        <p:spPr>
+          <a:xfrm>
+            <a:off x="237835" y="143165"/>
+            <a:ext cx="6855691" cy="420253"/>
+          </a:xfrm>
+          <a:prstGeom prst="rect">
+            <a:avLst/>
+          </a:prstGeom>
+          <a:noFill/>
+          <a:ln w="38100">
+            <a:noFill/>
+          </a:ln>
+        </p:spPr>
+        <p:style>
+          <a:lnRef idx="2">
+            <a:schemeClr val="accent1">
+              <a:shade val="15000"/>
+            </a:schemeClr>
+          </a:lnRef>
+          <a:fillRef idx="1">
+            <a:schemeClr val="accent1"/>
+          </a:fillRef>
+          <a:effectRef idx="0">
+            <a:schemeClr val="accent1"/>
+          </a:effectRef>
+          <a:fontRef idx="minor">
+            <a:schemeClr val="lt1"/>
+          </a:fontRef>
+        </p:style>
+        <p:txBody>
+          <a:bodyPr rtlCol="0" anchor="t"/>
+          <a:lstStyle/>
+          <a:p>
+            <a:r>
+              <a:rPr lang="ko-KR" altLang="en-US" sz="2400" dirty="0">
+                <a:solidFill>
+                  <a:schemeClr val="bg1">
+                    <a:lumMod val="50000"/>
+                  </a:schemeClr>
+                </a:solidFill>
+              </a:rPr>
+              <a:t>상품 </a:t>
+            </a:r>
+            <a:r>
+              <a:rPr lang="en-US" altLang="ko-KR" sz="2400" dirty="0">
+                <a:solidFill>
+                  <a:schemeClr val="bg1">
+                    <a:lumMod val="50000"/>
+                  </a:schemeClr>
+                </a:solidFill>
+              </a:rPr>
+              <a:t>– </a:t>
+            </a:r>
+            <a:r>
+              <a:rPr lang="ko-KR" altLang="en-US" sz="2400" dirty="0">
+                <a:solidFill>
+                  <a:schemeClr val="bg1">
+                    <a:lumMod val="50000"/>
+                  </a:schemeClr>
+                </a:solidFill>
+              </a:rPr>
+              <a:t>구매하기 </a:t>
+            </a:r>
+            <a:r>
+              <a:rPr lang="en-US" altLang="ko-KR" sz="2400" dirty="0">
+                <a:solidFill>
+                  <a:schemeClr val="bg1">
+                    <a:lumMod val="50000"/>
+                  </a:schemeClr>
+                </a:solidFill>
+              </a:rPr>
+              <a:t>– </a:t>
+            </a:r>
+            <a:r>
+              <a:rPr lang="ko-KR" altLang="en-US" sz="2400" dirty="0">
+                <a:solidFill>
+                  <a:schemeClr val="bg1">
+                    <a:lumMod val="50000"/>
+                  </a:schemeClr>
+                </a:solidFill>
+              </a:rPr>
+              <a:t>관리</a:t>
+            </a:r>
+            <a:r>
+              <a:rPr lang="en-US" altLang="ko-KR" sz="2400" dirty="0">
+                <a:solidFill>
+                  <a:schemeClr val="bg1">
+                    <a:lumMod val="50000"/>
+                  </a:schemeClr>
+                </a:solidFill>
+              </a:rPr>
+              <a:t>(</a:t>
+            </a:r>
+            <a:r>
+              <a:rPr lang="ko-KR" altLang="en-US" sz="2400" dirty="0">
+                <a:solidFill>
+                  <a:schemeClr val="bg1">
+                    <a:lumMod val="50000"/>
+                  </a:schemeClr>
+                </a:solidFill>
+              </a:rPr>
+              <a:t>상세 조회 화면 사용</a:t>
+            </a:r>
+            <a:r>
+              <a:rPr lang="en-US" altLang="ko-KR" sz="2400" dirty="0">
+                <a:solidFill>
+                  <a:schemeClr val="bg1">
+                    <a:lumMod val="50000"/>
+                  </a:schemeClr>
+                </a:solidFill>
+              </a:rPr>
+              <a:t>)</a:t>
+            </a:r>
+          </a:p>
+        </p:txBody>
+      </p:sp>
+      <p:sp>
+        <p:nvSpPr>
+          <p:cNvPr id="7" name="직사각형 6">
+            <a:extLst>
+              <a:ext uri="{FF2B5EF4-FFF2-40B4-BE49-F238E27FC236}">
+                <a16:creationId xmlns:a16="http://schemas.microsoft.com/office/drawing/2014/main" id="{610FCD43-1CD5-8FBC-1B26-A8CC2121DA20}"/>
+              </a:ext>
+            </a:extLst>
+          </p:cNvPr>
+          <p:cNvSpPr/>
+          <p:nvPr/>
+        </p:nvSpPr>
+        <p:spPr>
+          <a:xfrm>
+            <a:off x="1048326" y="4069569"/>
+            <a:ext cx="9259455" cy="1919608"/>
+          </a:xfrm>
+          <a:prstGeom prst="rect">
+            <a:avLst/>
+          </a:prstGeom>
+          <a:solidFill>
+            <a:schemeClr val="bg1"/>
+          </a:solidFill>
+          <a:ln w="38100"/>
+        </p:spPr>
+        <p:style>
+          <a:lnRef idx="2">
+            <a:schemeClr val="accent1">
+              <a:shade val="15000"/>
+            </a:schemeClr>
+          </a:lnRef>
+          <a:fillRef idx="1">
+            <a:schemeClr val="accent1"/>
+          </a:fillRef>
+          <a:effectRef idx="0">
+            <a:schemeClr val="accent1"/>
+          </a:effectRef>
+          <a:fontRef idx="minor">
+            <a:schemeClr val="lt1"/>
+          </a:fontRef>
+        </p:style>
+        <p:txBody>
+          <a:bodyPr rtlCol="0" anchor="ctr"/>
+          <a:lstStyle/>
+          <a:p>
+            <a:pPr algn="ctr"/>
+            <a:r>
+              <a:rPr lang="ko-KR" altLang="en-US">
+                <a:solidFill>
+                  <a:schemeClr val="tx1"/>
+                </a:solidFill>
+              </a:rPr>
+              <a:t>상세내용</a:t>
+            </a:r>
+            <a:endParaRPr lang="ko-KR" altLang="en-US" dirty="0">
+              <a:solidFill>
+                <a:schemeClr val="tx1"/>
+              </a:solidFill>
+            </a:endParaRPr>
+          </a:p>
+        </p:txBody>
+      </p:sp>
+      <p:sp>
+        <p:nvSpPr>
+          <p:cNvPr id="9" name="직사각형 8">
+            <a:extLst>
+              <a:ext uri="{FF2B5EF4-FFF2-40B4-BE49-F238E27FC236}">
+                <a16:creationId xmlns:a16="http://schemas.microsoft.com/office/drawing/2014/main" id="{6F47772C-2274-78DD-BD4E-F2D2711DDC6F}"/>
+              </a:ext>
+            </a:extLst>
+          </p:cNvPr>
+          <p:cNvSpPr/>
+          <p:nvPr/>
+        </p:nvSpPr>
+        <p:spPr>
+          <a:xfrm>
+            <a:off x="8857673" y="6216071"/>
+            <a:ext cx="1450108" cy="415638"/>
+          </a:xfrm>
+          <a:prstGeom prst="rect">
+            <a:avLst/>
+          </a:prstGeom>
+          <a:solidFill>
+            <a:schemeClr val="bg1"/>
+          </a:solidFill>
+          <a:ln w="38100"/>
+          <a:scene3d>
+            <a:camera prst="orthographicFront"/>
+            <a:lightRig rig="threePt" dir="t"/>
+          </a:scene3d>
+          <a:sp3d>
+            <a:bevelT prst="angle"/>
+          </a:sp3d>
+        </p:spPr>
+        <p:style>
+          <a:lnRef idx="2">
+            <a:schemeClr val="accent1">
+              <a:shade val="15000"/>
+            </a:schemeClr>
+          </a:lnRef>
+          <a:fillRef idx="1">
+            <a:schemeClr val="accent1"/>
+          </a:fillRef>
+          <a:effectRef idx="0">
+            <a:schemeClr val="accent1"/>
+          </a:effectRef>
+          <a:fontRef idx="minor">
+            <a:schemeClr val="lt1"/>
+          </a:fontRef>
+        </p:style>
+        <p:txBody>
+          <a:bodyPr rtlCol="0" anchor="ctr"/>
+          <a:lstStyle/>
+          <a:p>
+            <a:pPr algn="ctr"/>
+            <a:r>
+              <a:rPr lang="ko-KR" altLang="en-US" dirty="0">
+                <a:solidFill>
+                  <a:schemeClr val="tx1"/>
+                </a:solidFill>
+              </a:rPr>
+              <a:t>저장</a:t>
+            </a:r>
+          </a:p>
+        </p:txBody>
+      </p:sp>
+    </p:spTree>
+    <p:extLst>
+      <p:ext uri="{BB962C8B-B14F-4D97-AF65-F5344CB8AC3E}">
+        <p14:creationId xmlns:p14="http://schemas.microsoft.com/office/powerpoint/2010/main" val="1649525967"/>
+      </p:ext>
+    </p:extLst>
+  </p:cSld>
+  <p:clrMapOvr>
+    <a:masterClrMapping/>
+  </p:clrMapOvr>
+</p:sld>
+</file>
+
+<file path=ppt/slides/slide11.xml><?xml version="1.0" encoding="utf-8"?>
+<p:sld xmlns:a="http://schemas.openxmlformats.org/drawingml/2006/main" xmlns:r="http://schemas.openxmlformats.org/officeDocument/2006/relationships" xmlns:p="http://schemas.openxmlformats.org/presentationml/2006/main">
+  <p:cSld>
+    <p:spTree>
+      <p:nvGrpSpPr>
+        <p:cNvPr id="1" name=""/>
+        <p:cNvGrpSpPr/>
+        <p:nvPr/>
+      </p:nvGrpSpPr>
+      <p:grpSpPr>
+        <a:xfrm>
+          <a:off x="0" y="0"/>
+          <a:ext cx="0" cy="0"/>
+          <a:chOff x="0" y="0"/>
+          <a:chExt cx="0" cy="0"/>
+        </a:xfrm>
+      </p:grpSpPr>
+      <p:sp>
+        <p:nvSpPr>
           <p:cNvPr id="2" name="직사각형 1">
             <a:extLst>
               <a:ext uri="{FF2B5EF4-FFF2-40B4-BE49-F238E27FC236}">
@@ -6149,7 +6670,7 @@
 </p:sld>
 </file>
 
-<file path=ppt/slides/slide11.xml><?xml version="1.0" encoding="utf-8"?>
+<file path=ppt/slides/slide12.xml><?xml version="1.0" encoding="utf-8"?>
 <p:sld xmlns:a="http://schemas.openxmlformats.org/drawingml/2006/main" xmlns:r="http://schemas.openxmlformats.org/officeDocument/2006/relationships" xmlns:p="http://schemas.openxmlformats.org/presentationml/2006/main">
   <p:cSld>
     <p:spTree>
@@ -7779,7 +8300,7 @@
 </p:sld>
 </file>
 
-<file path=ppt/slides/slide12.xml><?xml version="1.0" encoding="utf-8"?>
+<file path=ppt/slides/slide13.xml><?xml version="1.0" encoding="utf-8"?>
 <p:sld xmlns:a="http://schemas.openxmlformats.org/drawingml/2006/main" xmlns:r="http://schemas.openxmlformats.org/officeDocument/2006/relationships" xmlns:p="http://schemas.openxmlformats.org/presentationml/2006/main">
   <p:cSld>
     <p:spTree>
@@ -8632,853 +9153,6 @@
 </p:sld>
 </file>
 
-<file path=ppt/slides/slide13.xml><?xml version="1.0" encoding="utf-8"?>
-<p:sld xmlns:a="http://schemas.openxmlformats.org/drawingml/2006/main" xmlns:r="http://schemas.openxmlformats.org/officeDocument/2006/relationships" xmlns:p="http://schemas.openxmlformats.org/presentationml/2006/main">
-  <p:cSld>
-    <p:spTree>
-      <p:nvGrpSpPr>
-        <p:cNvPr id="1" name=""/>
-        <p:cNvGrpSpPr/>
-        <p:nvPr/>
-      </p:nvGrpSpPr>
-      <p:grpSpPr>
-        <a:xfrm>
-          <a:off x="0" y="0"/>
-          <a:ext cx="0" cy="0"/>
-          <a:chOff x="0" y="0"/>
-          <a:chExt cx="0" cy="0"/>
-        </a:xfrm>
-      </p:grpSpPr>
-      <p:sp>
-        <p:nvSpPr>
-          <p:cNvPr id="2" name="직사각형 1">
-            <a:extLst>
-              <a:ext uri="{FF2B5EF4-FFF2-40B4-BE49-F238E27FC236}">
-                <a16:creationId xmlns:a16="http://schemas.microsoft.com/office/drawing/2014/main" id="{104A78F2-F9DE-E968-791A-36236F554892}"/>
-              </a:ext>
-            </a:extLst>
-          </p:cNvPr>
-          <p:cNvSpPr/>
-          <p:nvPr/>
-        </p:nvSpPr>
-        <p:spPr>
-          <a:xfrm>
-            <a:off x="237835" y="143165"/>
-            <a:ext cx="6855691" cy="420253"/>
-          </a:xfrm>
-          <a:prstGeom prst="rect">
-            <a:avLst/>
-          </a:prstGeom>
-          <a:noFill/>
-          <a:ln w="38100">
-            <a:noFill/>
-          </a:ln>
-        </p:spPr>
-        <p:style>
-          <a:lnRef idx="2">
-            <a:schemeClr val="accent1">
-              <a:shade val="15000"/>
-            </a:schemeClr>
-          </a:lnRef>
-          <a:fillRef idx="1">
-            <a:schemeClr val="accent1"/>
-          </a:fillRef>
-          <a:effectRef idx="0">
-            <a:schemeClr val="accent1"/>
-          </a:effectRef>
-          <a:fontRef idx="minor">
-            <a:schemeClr val="lt1"/>
-          </a:fontRef>
-        </p:style>
-        <p:txBody>
-          <a:bodyPr rtlCol="0" anchor="t"/>
-          <a:lstStyle/>
-          <a:p>
-            <a:r>
-              <a:rPr lang="ko-KR" altLang="en-US" sz="2400" dirty="0">
-                <a:solidFill>
-                  <a:schemeClr val="bg1">
-                    <a:lumMod val="50000"/>
-                  </a:schemeClr>
-                </a:solidFill>
-              </a:rPr>
-              <a:t>상품 </a:t>
-            </a:r>
-            <a:r>
-              <a:rPr lang="en-US" altLang="ko-KR" sz="2400" dirty="0">
-                <a:solidFill>
-                  <a:schemeClr val="bg1">
-                    <a:lumMod val="50000"/>
-                  </a:schemeClr>
-                </a:solidFill>
-              </a:rPr>
-              <a:t>– </a:t>
-            </a:r>
-            <a:r>
-              <a:rPr lang="ko-KR" altLang="en-US" sz="2400" dirty="0">
-                <a:solidFill>
-                  <a:schemeClr val="bg1">
-                    <a:lumMod val="50000"/>
-                  </a:schemeClr>
-                </a:solidFill>
-              </a:rPr>
-              <a:t>상품요청 </a:t>
-            </a:r>
-            <a:r>
-              <a:rPr lang="en-US" altLang="ko-KR" sz="2400" dirty="0">
-                <a:solidFill>
-                  <a:schemeClr val="bg1">
-                    <a:lumMod val="50000"/>
-                  </a:schemeClr>
-                </a:solidFill>
-              </a:rPr>
-              <a:t>– </a:t>
-            </a:r>
-            <a:r>
-              <a:rPr lang="ko-KR" altLang="en-US" sz="2400" dirty="0">
-                <a:solidFill>
-                  <a:schemeClr val="bg1">
-                    <a:lumMod val="50000"/>
-                  </a:schemeClr>
-                </a:solidFill>
-              </a:rPr>
-              <a:t>상세조회</a:t>
-            </a:r>
-            <a:r>
-              <a:rPr lang="en-US" altLang="ko-KR" sz="2400" dirty="0">
-                <a:solidFill>
-                  <a:schemeClr val="bg1">
-                    <a:lumMod val="50000"/>
-                  </a:schemeClr>
-                </a:solidFill>
-              </a:rPr>
-              <a:t>(</a:t>
-            </a:r>
-            <a:r>
-              <a:rPr lang="ko-KR" altLang="en-US" sz="2400" dirty="0">
-                <a:solidFill>
-                  <a:schemeClr val="bg1">
-                    <a:lumMod val="50000"/>
-                  </a:schemeClr>
-                </a:solidFill>
-              </a:rPr>
-              <a:t>관리</a:t>
-            </a:r>
-            <a:r>
-              <a:rPr lang="en-US" altLang="ko-KR" sz="2400" dirty="0">
-                <a:solidFill>
-                  <a:schemeClr val="bg1">
-                    <a:lumMod val="50000"/>
-                  </a:schemeClr>
-                </a:solidFill>
-              </a:rPr>
-              <a:t>)</a:t>
-            </a:r>
-          </a:p>
-        </p:txBody>
-      </p:sp>
-      <p:sp>
-        <p:nvSpPr>
-          <p:cNvPr id="25" name="직사각형 24">
-            <a:extLst>
-              <a:ext uri="{FF2B5EF4-FFF2-40B4-BE49-F238E27FC236}">
-                <a16:creationId xmlns:a16="http://schemas.microsoft.com/office/drawing/2014/main" id="{2E426AF0-6BEF-D4CD-D4A9-4CDF06707DBD}"/>
-              </a:ext>
-            </a:extLst>
-          </p:cNvPr>
-          <p:cNvSpPr/>
-          <p:nvPr/>
-        </p:nvSpPr>
-        <p:spPr>
-          <a:xfrm>
-            <a:off x="4098633" y="5608920"/>
-            <a:ext cx="1320799" cy="468717"/>
-          </a:xfrm>
-          <a:prstGeom prst="rect">
-            <a:avLst/>
-          </a:prstGeom>
-          <a:solidFill>
-            <a:schemeClr val="bg1"/>
-          </a:solidFill>
-          <a:ln w="38100"/>
-          <a:scene3d>
-            <a:camera prst="orthographicFront"/>
-            <a:lightRig rig="threePt" dir="t"/>
-          </a:scene3d>
-          <a:sp3d>
-            <a:bevelT prst="angle"/>
-          </a:sp3d>
-        </p:spPr>
-        <p:style>
-          <a:lnRef idx="2">
-            <a:schemeClr val="accent1">
-              <a:shade val="15000"/>
-            </a:schemeClr>
-          </a:lnRef>
-          <a:fillRef idx="1">
-            <a:schemeClr val="accent1"/>
-          </a:fillRef>
-          <a:effectRef idx="0">
-            <a:schemeClr val="accent1"/>
-          </a:effectRef>
-          <a:fontRef idx="minor">
-            <a:schemeClr val="lt1"/>
-          </a:fontRef>
-        </p:style>
-        <p:txBody>
-          <a:bodyPr rtlCol="0" anchor="ctr"/>
-          <a:lstStyle/>
-          <a:p>
-            <a:pPr algn="ctr"/>
-            <a:r>
-              <a:rPr lang="ko-KR" altLang="en-US" dirty="0">
-                <a:solidFill>
-                  <a:schemeClr val="tx1"/>
-                </a:solidFill>
-              </a:rPr>
-              <a:t>답변 등록</a:t>
-            </a:r>
-          </a:p>
-        </p:txBody>
-      </p:sp>
-      <p:sp>
-        <p:nvSpPr>
-          <p:cNvPr id="3" name="직사각형 2">
-            <a:extLst>
-              <a:ext uri="{FF2B5EF4-FFF2-40B4-BE49-F238E27FC236}">
-                <a16:creationId xmlns:a16="http://schemas.microsoft.com/office/drawing/2014/main" id="{F04B4FAD-6154-9D17-89A2-491298016852}"/>
-              </a:ext>
-            </a:extLst>
-          </p:cNvPr>
-          <p:cNvSpPr/>
-          <p:nvPr/>
-        </p:nvSpPr>
-        <p:spPr>
-          <a:xfrm>
-            <a:off x="2650239" y="2407296"/>
-            <a:ext cx="1293100" cy="415638"/>
-          </a:xfrm>
-          <a:prstGeom prst="rect">
-            <a:avLst/>
-          </a:prstGeom>
-          <a:solidFill>
-            <a:schemeClr val="bg1"/>
-          </a:solidFill>
-          <a:ln w="38100"/>
-        </p:spPr>
-        <p:style>
-          <a:lnRef idx="2">
-            <a:schemeClr val="accent1">
-              <a:shade val="15000"/>
-            </a:schemeClr>
-          </a:lnRef>
-          <a:fillRef idx="1">
-            <a:schemeClr val="accent1"/>
-          </a:fillRef>
-          <a:effectRef idx="0">
-            <a:schemeClr val="accent1"/>
-          </a:effectRef>
-          <a:fontRef idx="minor">
-            <a:schemeClr val="lt1"/>
-          </a:fontRef>
-        </p:style>
-        <p:txBody>
-          <a:bodyPr rtlCol="0" anchor="ctr"/>
-          <a:lstStyle/>
-          <a:p>
-            <a:r>
-              <a:rPr lang="ko-KR" altLang="en-US" dirty="0">
-                <a:solidFill>
-                  <a:schemeClr val="tx1"/>
-                </a:solidFill>
-              </a:rPr>
-              <a:t>제목</a:t>
-            </a:r>
-          </a:p>
-        </p:txBody>
-      </p:sp>
-      <p:sp>
-        <p:nvSpPr>
-          <p:cNvPr id="5" name="직사각형 4">
-            <a:extLst>
-              <a:ext uri="{FF2B5EF4-FFF2-40B4-BE49-F238E27FC236}">
-                <a16:creationId xmlns:a16="http://schemas.microsoft.com/office/drawing/2014/main" id="{262A5B3D-FADE-5B6A-FC8E-7240A494FFF0}"/>
-              </a:ext>
-            </a:extLst>
-          </p:cNvPr>
-          <p:cNvSpPr/>
-          <p:nvPr/>
-        </p:nvSpPr>
-        <p:spPr>
-          <a:xfrm>
-            <a:off x="4103253" y="2407296"/>
-            <a:ext cx="4456543" cy="415638"/>
-          </a:xfrm>
-          <a:prstGeom prst="rect">
-            <a:avLst/>
-          </a:prstGeom>
-          <a:solidFill>
-            <a:schemeClr val="bg1"/>
-          </a:solidFill>
-          <a:ln w="38100"/>
-        </p:spPr>
-        <p:style>
-          <a:lnRef idx="2">
-            <a:schemeClr val="accent1">
-              <a:shade val="15000"/>
-            </a:schemeClr>
-          </a:lnRef>
-          <a:fillRef idx="1">
-            <a:schemeClr val="accent1"/>
-          </a:fillRef>
-          <a:effectRef idx="0">
-            <a:schemeClr val="accent1"/>
-          </a:effectRef>
-          <a:fontRef idx="minor">
-            <a:schemeClr val="lt1"/>
-          </a:fontRef>
-        </p:style>
-        <p:txBody>
-          <a:bodyPr rtlCol="0" anchor="ctr"/>
-          <a:lstStyle/>
-          <a:p>
-            <a:pPr algn="ctr"/>
-            <a:endParaRPr lang="ko-KR" altLang="en-US" dirty="0">
-              <a:solidFill>
-                <a:schemeClr val="tx1"/>
-              </a:solidFill>
-            </a:endParaRPr>
-          </a:p>
-        </p:txBody>
-      </p:sp>
-      <p:sp>
-        <p:nvSpPr>
-          <p:cNvPr id="6" name="직사각형 5">
-            <a:extLst>
-              <a:ext uri="{FF2B5EF4-FFF2-40B4-BE49-F238E27FC236}">
-                <a16:creationId xmlns:a16="http://schemas.microsoft.com/office/drawing/2014/main" id="{91A7939E-80F2-F8F6-4F98-466FBB8C8737}"/>
-              </a:ext>
-            </a:extLst>
-          </p:cNvPr>
-          <p:cNvSpPr/>
-          <p:nvPr/>
-        </p:nvSpPr>
-        <p:spPr>
-          <a:xfrm>
-            <a:off x="2650239" y="3109259"/>
-            <a:ext cx="1293100" cy="1516934"/>
-          </a:xfrm>
-          <a:prstGeom prst="rect">
-            <a:avLst/>
-          </a:prstGeom>
-          <a:solidFill>
-            <a:schemeClr val="bg1"/>
-          </a:solidFill>
-          <a:ln w="38100"/>
-        </p:spPr>
-        <p:style>
-          <a:lnRef idx="2">
-            <a:schemeClr val="accent1">
-              <a:shade val="15000"/>
-            </a:schemeClr>
-          </a:lnRef>
-          <a:fillRef idx="1">
-            <a:schemeClr val="accent1"/>
-          </a:fillRef>
-          <a:effectRef idx="0">
-            <a:schemeClr val="accent1"/>
-          </a:effectRef>
-          <a:fontRef idx="minor">
-            <a:schemeClr val="lt1"/>
-          </a:fontRef>
-        </p:style>
-        <p:txBody>
-          <a:bodyPr rtlCol="0" anchor="ctr"/>
-          <a:lstStyle/>
-          <a:p>
-            <a:r>
-              <a:rPr lang="ko-KR" altLang="en-US" dirty="0">
-                <a:solidFill>
-                  <a:schemeClr val="tx1"/>
-                </a:solidFill>
-              </a:rPr>
-              <a:t>상세내용</a:t>
-            </a:r>
-          </a:p>
-        </p:txBody>
-      </p:sp>
-      <p:sp>
-        <p:nvSpPr>
-          <p:cNvPr id="7" name="직사각형 6">
-            <a:extLst>
-              <a:ext uri="{FF2B5EF4-FFF2-40B4-BE49-F238E27FC236}">
-                <a16:creationId xmlns:a16="http://schemas.microsoft.com/office/drawing/2014/main" id="{687B70BF-2117-5B23-EAD2-B37ACDBD5EFF}"/>
-              </a:ext>
-            </a:extLst>
-          </p:cNvPr>
-          <p:cNvSpPr/>
-          <p:nvPr/>
-        </p:nvSpPr>
-        <p:spPr>
-          <a:xfrm>
-            <a:off x="4103253" y="3109258"/>
-            <a:ext cx="4456543" cy="1516935"/>
-          </a:xfrm>
-          <a:prstGeom prst="rect">
-            <a:avLst/>
-          </a:prstGeom>
-          <a:solidFill>
-            <a:schemeClr val="bg1"/>
-          </a:solidFill>
-          <a:ln w="38100"/>
-        </p:spPr>
-        <p:style>
-          <a:lnRef idx="2">
-            <a:schemeClr val="accent1">
-              <a:shade val="15000"/>
-            </a:schemeClr>
-          </a:lnRef>
-          <a:fillRef idx="1">
-            <a:schemeClr val="accent1"/>
-          </a:fillRef>
-          <a:effectRef idx="0">
-            <a:schemeClr val="accent1"/>
-          </a:effectRef>
-          <a:fontRef idx="minor">
-            <a:schemeClr val="lt1"/>
-          </a:fontRef>
-        </p:style>
-        <p:txBody>
-          <a:bodyPr rtlCol="0" anchor="ctr"/>
-          <a:lstStyle/>
-          <a:p>
-            <a:pPr algn="ctr"/>
-            <a:endParaRPr lang="ko-KR" altLang="en-US" dirty="0">
-              <a:solidFill>
-                <a:schemeClr val="tx1"/>
-              </a:solidFill>
-            </a:endParaRPr>
-          </a:p>
-        </p:txBody>
-      </p:sp>
-      <p:sp>
-        <p:nvSpPr>
-          <p:cNvPr id="8" name="직사각형 7">
-            <a:extLst>
-              <a:ext uri="{FF2B5EF4-FFF2-40B4-BE49-F238E27FC236}">
-                <a16:creationId xmlns:a16="http://schemas.microsoft.com/office/drawing/2014/main" id="{F9B48F98-81C8-03F8-8805-368E2EED25F9}"/>
-              </a:ext>
-            </a:extLst>
-          </p:cNvPr>
-          <p:cNvSpPr/>
-          <p:nvPr/>
-        </p:nvSpPr>
-        <p:spPr>
-          <a:xfrm>
-            <a:off x="2650239" y="4887259"/>
-            <a:ext cx="1293100" cy="460595"/>
-          </a:xfrm>
-          <a:prstGeom prst="rect">
-            <a:avLst/>
-          </a:prstGeom>
-          <a:solidFill>
-            <a:schemeClr val="bg1"/>
-          </a:solidFill>
-          <a:ln w="38100"/>
-        </p:spPr>
-        <p:style>
-          <a:lnRef idx="2">
-            <a:schemeClr val="accent1">
-              <a:shade val="15000"/>
-            </a:schemeClr>
-          </a:lnRef>
-          <a:fillRef idx="1">
-            <a:schemeClr val="accent1"/>
-          </a:fillRef>
-          <a:effectRef idx="0">
-            <a:schemeClr val="accent1"/>
-          </a:effectRef>
-          <a:fontRef idx="minor">
-            <a:schemeClr val="lt1"/>
-          </a:fontRef>
-        </p:style>
-        <p:txBody>
-          <a:bodyPr rtlCol="0" anchor="ctr"/>
-          <a:lstStyle/>
-          <a:p>
-            <a:r>
-              <a:rPr lang="ko-KR" altLang="en-US">
-                <a:solidFill>
-                  <a:schemeClr val="tx1"/>
-                </a:solidFill>
-              </a:rPr>
-              <a:t>청부파일</a:t>
-            </a:r>
-            <a:endParaRPr lang="ko-KR" altLang="en-US" dirty="0">
-              <a:solidFill>
-                <a:schemeClr val="tx1"/>
-              </a:solidFill>
-            </a:endParaRPr>
-          </a:p>
-        </p:txBody>
-      </p:sp>
-      <p:sp>
-        <p:nvSpPr>
-          <p:cNvPr id="9" name="직사각형 8">
-            <a:extLst>
-              <a:ext uri="{FF2B5EF4-FFF2-40B4-BE49-F238E27FC236}">
-                <a16:creationId xmlns:a16="http://schemas.microsoft.com/office/drawing/2014/main" id="{BA232370-FADC-6318-01F0-720F2C52264C}"/>
-              </a:ext>
-            </a:extLst>
-          </p:cNvPr>
-          <p:cNvSpPr/>
-          <p:nvPr/>
-        </p:nvSpPr>
-        <p:spPr>
-          <a:xfrm>
-            <a:off x="4103253" y="4887259"/>
-            <a:ext cx="4456543" cy="460595"/>
-          </a:xfrm>
-          <a:prstGeom prst="rect">
-            <a:avLst/>
-          </a:prstGeom>
-          <a:solidFill>
-            <a:schemeClr val="bg1"/>
-          </a:solidFill>
-          <a:ln w="38100"/>
-        </p:spPr>
-        <p:style>
-          <a:lnRef idx="2">
-            <a:schemeClr val="accent1">
-              <a:shade val="15000"/>
-            </a:schemeClr>
-          </a:lnRef>
-          <a:fillRef idx="1">
-            <a:schemeClr val="accent1"/>
-          </a:fillRef>
-          <a:effectRef idx="0">
-            <a:schemeClr val="accent1"/>
-          </a:effectRef>
-          <a:fontRef idx="minor">
-            <a:schemeClr val="lt1"/>
-          </a:fontRef>
-        </p:style>
-        <p:txBody>
-          <a:bodyPr rtlCol="0" anchor="ctr"/>
-          <a:lstStyle/>
-          <a:p>
-            <a:pPr algn="ctr"/>
-            <a:endParaRPr lang="ko-KR" altLang="en-US" dirty="0">
-              <a:solidFill>
-                <a:schemeClr val="tx1"/>
-              </a:solidFill>
-            </a:endParaRPr>
-          </a:p>
-        </p:txBody>
-      </p:sp>
-      <p:sp>
-        <p:nvSpPr>
-          <p:cNvPr id="10" name="직사각형 9">
-            <a:extLst>
-              <a:ext uri="{FF2B5EF4-FFF2-40B4-BE49-F238E27FC236}">
-                <a16:creationId xmlns:a16="http://schemas.microsoft.com/office/drawing/2014/main" id="{6FDF2ECA-961E-C4B4-DE6F-776FB1596BA4}"/>
-              </a:ext>
-            </a:extLst>
-          </p:cNvPr>
-          <p:cNvSpPr/>
-          <p:nvPr/>
-        </p:nvSpPr>
-        <p:spPr>
-          <a:xfrm>
-            <a:off x="2650239" y="1730592"/>
-            <a:ext cx="1293100" cy="415638"/>
-          </a:xfrm>
-          <a:prstGeom prst="rect">
-            <a:avLst/>
-          </a:prstGeom>
-          <a:solidFill>
-            <a:schemeClr val="bg1"/>
-          </a:solidFill>
-          <a:ln w="38100"/>
-        </p:spPr>
-        <p:style>
-          <a:lnRef idx="2">
-            <a:schemeClr val="accent1">
-              <a:shade val="15000"/>
-            </a:schemeClr>
-          </a:lnRef>
-          <a:fillRef idx="1">
-            <a:schemeClr val="accent1"/>
-          </a:fillRef>
-          <a:effectRef idx="0">
-            <a:schemeClr val="accent1"/>
-          </a:effectRef>
-          <a:fontRef idx="minor">
-            <a:schemeClr val="lt1"/>
-          </a:fontRef>
-        </p:style>
-        <p:txBody>
-          <a:bodyPr rtlCol="0" anchor="ctr"/>
-          <a:lstStyle/>
-          <a:p>
-            <a:r>
-              <a:rPr lang="ko-KR" altLang="en-US" dirty="0">
-                <a:solidFill>
-                  <a:schemeClr val="tx1"/>
-                </a:solidFill>
-              </a:rPr>
-              <a:t>상태</a:t>
-            </a:r>
-          </a:p>
-        </p:txBody>
-      </p:sp>
-      <p:sp>
-        <p:nvSpPr>
-          <p:cNvPr id="11" name="직사각형 10">
-            <a:extLst>
-              <a:ext uri="{FF2B5EF4-FFF2-40B4-BE49-F238E27FC236}">
-                <a16:creationId xmlns:a16="http://schemas.microsoft.com/office/drawing/2014/main" id="{5F0B51A1-DA8B-9FB8-9109-9F0D649EFCC4}"/>
-              </a:ext>
-            </a:extLst>
-          </p:cNvPr>
-          <p:cNvSpPr/>
-          <p:nvPr/>
-        </p:nvSpPr>
-        <p:spPr>
-          <a:xfrm>
-            <a:off x="4103253" y="1730592"/>
-            <a:ext cx="4456543" cy="415638"/>
-          </a:xfrm>
-          <a:prstGeom prst="rect">
-            <a:avLst/>
-          </a:prstGeom>
-          <a:solidFill>
-            <a:schemeClr val="bg1"/>
-          </a:solidFill>
-          <a:ln w="38100"/>
-        </p:spPr>
-        <p:style>
-          <a:lnRef idx="2">
-            <a:schemeClr val="accent1">
-              <a:shade val="15000"/>
-            </a:schemeClr>
-          </a:lnRef>
-          <a:fillRef idx="1">
-            <a:schemeClr val="accent1"/>
-          </a:fillRef>
-          <a:effectRef idx="0">
-            <a:schemeClr val="accent1"/>
-          </a:effectRef>
-          <a:fontRef idx="minor">
-            <a:schemeClr val="lt1"/>
-          </a:fontRef>
-        </p:style>
-        <p:txBody>
-          <a:bodyPr rtlCol="0" anchor="ctr"/>
-          <a:lstStyle/>
-          <a:p>
-            <a:pPr algn="ctr"/>
-            <a:r>
-              <a:rPr lang="ko-KR" altLang="en-US" dirty="0">
-                <a:solidFill>
-                  <a:schemeClr val="tx1"/>
-                </a:solidFill>
-              </a:rPr>
-              <a:t>요청</a:t>
-            </a:r>
-          </a:p>
-        </p:txBody>
-      </p:sp>
-      <p:sp>
-        <p:nvSpPr>
-          <p:cNvPr id="12" name="이등변 삼각형 11">
-            <a:extLst>
-              <a:ext uri="{FF2B5EF4-FFF2-40B4-BE49-F238E27FC236}">
-                <a16:creationId xmlns:a16="http://schemas.microsoft.com/office/drawing/2014/main" id="{9A550CFD-F64D-541E-8134-F331EE392841}"/>
-              </a:ext>
-            </a:extLst>
-          </p:cNvPr>
-          <p:cNvSpPr/>
-          <p:nvPr/>
-        </p:nvSpPr>
-        <p:spPr>
-          <a:xfrm flipV="1">
-            <a:off x="4191003" y="1807918"/>
-            <a:ext cx="286328" cy="260986"/>
-          </a:xfrm>
-          <a:prstGeom prst="triangle">
-            <a:avLst/>
-          </a:prstGeom>
-          <a:solidFill>
-            <a:schemeClr val="tx2"/>
-          </a:solidFill>
-        </p:spPr>
-        <p:style>
-          <a:lnRef idx="2">
-            <a:schemeClr val="accent1">
-              <a:shade val="15000"/>
-            </a:schemeClr>
-          </a:lnRef>
-          <a:fillRef idx="1">
-            <a:schemeClr val="accent1"/>
-          </a:fillRef>
-          <a:effectRef idx="0">
-            <a:schemeClr val="accent1"/>
-          </a:effectRef>
-          <a:fontRef idx="minor">
-            <a:schemeClr val="lt1"/>
-          </a:fontRef>
-        </p:style>
-        <p:txBody>
-          <a:bodyPr rtlCol="0" anchor="ctr"/>
-          <a:lstStyle/>
-          <a:p>
-            <a:pPr algn="ctr"/>
-            <a:endParaRPr lang="ko-KR" altLang="en-US"/>
-          </a:p>
-        </p:txBody>
-      </p:sp>
-      <p:sp>
-        <p:nvSpPr>
-          <p:cNvPr id="13" name="직사각형 12">
-            <a:extLst>
-              <a:ext uri="{FF2B5EF4-FFF2-40B4-BE49-F238E27FC236}">
-                <a16:creationId xmlns:a16="http://schemas.microsoft.com/office/drawing/2014/main" id="{BD212559-E6E0-B753-003D-2B4EB5907F25}"/>
-              </a:ext>
-            </a:extLst>
-          </p:cNvPr>
-          <p:cNvSpPr/>
-          <p:nvPr/>
-        </p:nvSpPr>
-        <p:spPr>
-          <a:xfrm>
-            <a:off x="5668815" y="5608920"/>
-            <a:ext cx="1320799" cy="468717"/>
-          </a:xfrm>
-          <a:prstGeom prst="rect">
-            <a:avLst/>
-          </a:prstGeom>
-          <a:solidFill>
-            <a:schemeClr val="bg1"/>
-          </a:solidFill>
-          <a:ln w="38100"/>
-          <a:scene3d>
-            <a:camera prst="orthographicFront"/>
-            <a:lightRig rig="threePt" dir="t"/>
-          </a:scene3d>
-          <a:sp3d>
-            <a:bevelT prst="angle"/>
-          </a:sp3d>
-        </p:spPr>
-        <p:style>
-          <a:lnRef idx="2">
-            <a:schemeClr val="accent1">
-              <a:shade val="15000"/>
-            </a:schemeClr>
-          </a:lnRef>
-          <a:fillRef idx="1">
-            <a:schemeClr val="accent1"/>
-          </a:fillRef>
-          <a:effectRef idx="0">
-            <a:schemeClr val="accent1"/>
-          </a:effectRef>
-          <a:fontRef idx="minor">
-            <a:schemeClr val="lt1"/>
-          </a:fontRef>
-        </p:style>
-        <p:txBody>
-          <a:bodyPr rtlCol="0" anchor="ctr"/>
-          <a:lstStyle/>
-          <a:p>
-            <a:pPr algn="ctr"/>
-            <a:r>
-              <a:rPr lang="ko-KR" altLang="en-US" dirty="0">
-                <a:solidFill>
-                  <a:schemeClr val="tx1"/>
-                </a:solidFill>
-              </a:rPr>
-              <a:t>저장</a:t>
-            </a:r>
-          </a:p>
-        </p:txBody>
-      </p:sp>
-      <p:sp>
-        <p:nvSpPr>
-          <p:cNvPr id="16" name="직사각형 15">
-            <a:extLst>
-              <a:ext uri="{FF2B5EF4-FFF2-40B4-BE49-F238E27FC236}">
-                <a16:creationId xmlns:a16="http://schemas.microsoft.com/office/drawing/2014/main" id="{30A00C7B-BC53-BF32-C60A-CBEA5E4D1121}"/>
-              </a:ext>
-            </a:extLst>
-          </p:cNvPr>
-          <p:cNvSpPr/>
-          <p:nvPr/>
-        </p:nvSpPr>
-        <p:spPr>
-          <a:xfrm>
-            <a:off x="7238997" y="5608919"/>
-            <a:ext cx="1320799" cy="468717"/>
-          </a:xfrm>
-          <a:prstGeom prst="rect">
-            <a:avLst/>
-          </a:prstGeom>
-          <a:solidFill>
-            <a:schemeClr val="bg1"/>
-          </a:solidFill>
-          <a:ln w="38100"/>
-          <a:scene3d>
-            <a:camera prst="orthographicFront"/>
-            <a:lightRig rig="threePt" dir="t"/>
-          </a:scene3d>
-          <a:sp3d>
-            <a:bevelT prst="angle"/>
-          </a:sp3d>
-        </p:spPr>
-        <p:style>
-          <a:lnRef idx="2">
-            <a:schemeClr val="accent1">
-              <a:shade val="15000"/>
-            </a:schemeClr>
-          </a:lnRef>
-          <a:fillRef idx="1">
-            <a:schemeClr val="accent1"/>
-          </a:fillRef>
-          <a:effectRef idx="0">
-            <a:schemeClr val="accent1"/>
-          </a:effectRef>
-          <a:fontRef idx="minor">
-            <a:schemeClr val="lt1"/>
-          </a:fontRef>
-        </p:style>
-        <p:txBody>
-          <a:bodyPr rtlCol="0" anchor="ctr"/>
-          <a:lstStyle/>
-          <a:p>
-            <a:pPr algn="ctr"/>
-            <a:r>
-              <a:rPr lang="ko-KR" altLang="en-US" dirty="0">
-                <a:solidFill>
-                  <a:schemeClr val="tx1"/>
-                </a:solidFill>
-              </a:rPr>
-              <a:t>삭제</a:t>
-            </a:r>
-          </a:p>
-        </p:txBody>
-      </p:sp>
-    </p:spTree>
-    <p:extLst>
-      <p:ext uri="{BB962C8B-B14F-4D97-AF65-F5344CB8AC3E}">
-        <p14:creationId xmlns:p14="http://schemas.microsoft.com/office/powerpoint/2010/main" val="3084961329"/>
-      </p:ext>
-    </p:extLst>
-  </p:cSld>
-  <p:clrMapOvr>
-    <a:masterClrMapping/>
-  </p:clrMapOvr>
-</p:sld>
-</file>
-
 <file path=ppt/slides/slide14.xml><?xml version="1.0" encoding="utf-8"?>
 <p:sld xmlns:a="http://schemas.openxmlformats.org/drawingml/2006/main" xmlns:r="http://schemas.openxmlformats.org/officeDocument/2006/relationships" xmlns:p="http://schemas.openxmlformats.org/presentationml/2006/main">
   <p:cSld>
@@ -9498,82 +9172,20 @@
       </p:grpSpPr>
       <p:sp>
         <p:nvSpPr>
-          <p:cNvPr id="6" name="직사각형 5">
-            <a:extLst>
-              <a:ext uri="{FF2B5EF4-FFF2-40B4-BE49-F238E27FC236}">
-                <a16:creationId xmlns:a16="http://schemas.microsoft.com/office/drawing/2014/main" id="{62C7DFEA-8610-F7BE-5802-7CB3D65602B0}"/>
-              </a:ext>
-            </a:extLst>
-          </p:cNvPr>
-          <p:cNvSpPr/>
-          <p:nvPr/>
-        </p:nvSpPr>
-        <p:spPr>
-          <a:xfrm>
-            <a:off x="1851890" y="1155150"/>
-            <a:ext cx="7098146" cy="5199468"/>
-          </a:xfrm>
-          <a:prstGeom prst="rect">
-            <a:avLst/>
-          </a:prstGeom>
-          <a:solidFill>
-            <a:schemeClr val="bg1"/>
-          </a:solidFill>
-          <a:ln w="38100"/>
-        </p:spPr>
-        <p:style>
-          <a:lnRef idx="2">
-            <a:schemeClr val="accent1">
-              <a:shade val="15000"/>
-            </a:schemeClr>
-          </a:lnRef>
-          <a:fillRef idx="1">
-            <a:schemeClr val="accent1"/>
-          </a:fillRef>
-          <a:effectRef idx="0">
-            <a:schemeClr val="accent1"/>
-          </a:effectRef>
-          <a:fontRef idx="minor">
-            <a:schemeClr val="lt1"/>
-          </a:fontRef>
-        </p:style>
-        <p:txBody>
-          <a:bodyPr rtlCol="0" anchor="ctr"/>
-          <a:lstStyle/>
-          <a:p>
-            <a:pPr algn="ctr"/>
-            <a:r>
-              <a:rPr lang="ko-KR" altLang="en-US">
-                <a:solidFill>
-                  <a:schemeClr val="tx1"/>
-                </a:solidFill>
-              </a:rPr>
-              <a:t>본문</a:t>
-            </a:r>
-            <a:endParaRPr lang="ko-KR" altLang="en-US" dirty="0">
-              <a:solidFill>
-                <a:schemeClr val="tx1"/>
-              </a:solidFill>
-            </a:endParaRPr>
-          </a:p>
-        </p:txBody>
-      </p:sp>
-      <p:sp>
-        <p:nvSpPr>
-          <p:cNvPr id="9" name="직사각형 8">
-            <a:extLst>
-              <a:ext uri="{FF2B5EF4-FFF2-40B4-BE49-F238E27FC236}">
-                <a16:creationId xmlns:a16="http://schemas.microsoft.com/office/drawing/2014/main" id="{4CF6430A-9919-99ED-E786-01AD5A295728}"/>
-              </a:ext>
-            </a:extLst>
-          </p:cNvPr>
-          <p:cNvSpPr/>
-          <p:nvPr/>
-        </p:nvSpPr>
-        <p:spPr>
-          <a:xfrm>
-            <a:off x="237836" y="143165"/>
-            <a:ext cx="4262582" cy="420253"/>
+          <p:cNvPr id="2" name="직사각형 1">
+            <a:extLst>
+              <a:ext uri="{FF2B5EF4-FFF2-40B4-BE49-F238E27FC236}">
+                <a16:creationId xmlns:a16="http://schemas.microsoft.com/office/drawing/2014/main" id="{104A78F2-F9DE-E968-791A-36236F554892}"/>
+              </a:ext>
+            </a:extLst>
+          </p:cNvPr>
+          <p:cNvSpPr/>
+          <p:nvPr/>
+        </p:nvSpPr>
+        <p:spPr>
+          <a:xfrm>
+            <a:off x="237835" y="143165"/>
+            <a:ext cx="6855691" cy="420253"/>
           </a:xfrm>
           <a:prstGeom prst="rect">
             <a:avLst/>
@@ -9611,427 +9223,97 @@
                   </a:schemeClr>
                 </a:solidFill>
               </a:rPr>
-              <a:t>우측 메뉴</a:t>
-            </a:r>
-            <a:endParaRPr lang="en-US" altLang="ko-KR" sz="2400" dirty="0">
-              <a:solidFill>
-                <a:schemeClr val="bg1">
-                  <a:lumMod val="50000"/>
-                </a:schemeClr>
-              </a:solidFill>
-            </a:endParaRPr>
-          </a:p>
-        </p:txBody>
-      </p:sp>
-      <p:sp>
-        <p:nvSpPr>
-          <p:cNvPr id="2" name="직사각형 1">
-            <a:extLst>
-              <a:ext uri="{FF2B5EF4-FFF2-40B4-BE49-F238E27FC236}">
-                <a16:creationId xmlns:a16="http://schemas.microsoft.com/office/drawing/2014/main" id="{0287D81A-CD0D-091F-5D9A-D150A931C058}"/>
-              </a:ext>
-            </a:extLst>
-          </p:cNvPr>
-          <p:cNvSpPr/>
-          <p:nvPr/>
-        </p:nvSpPr>
-        <p:spPr>
-          <a:xfrm>
-            <a:off x="9504219" y="1155150"/>
-            <a:ext cx="2466108" cy="5199468"/>
-          </a:xfrm>
-          <a:prstGeom prst="rect">
-            <a:avLst/>
-          </a:prstGeom>
-          <a:solidFill>
-            <a:schemeClr val="bg1"/>
-          </a:solidFill>
-          <a:ln w="38100"/>
-        </p:spPr>
-        <p:style>
-          <a:lnRef idx="2">
-            <a:schemeClr val="accent1">
-              <a:shade val="15000"/>
-            </a:schemeClr>
-          </a:lnRef>
-          <a:fillRef idx="1">
-            <a:schemeClr val="accent1"/>
-          </a:fillRef>
-          <a:effectRef idx="0">
-            <a:schemeClr val="accent1"/>
-          </a:effectRef>
-          <a:fontRef idx="minor">
-            <a:schemeClr val="lt1"/>
-          </a:fontRef>
-        </p:style>
-        <p:txBody>
-          <a:bodyPr rtlCol="0" anchor="ctr"/>
-          <a:lstStyle/>
-          <a:p>
-            <a:pPr algn="ctr"/>
-            <a:endParaRPr lang="ko-KR" altLang="en-US" sz="1400" dirty="0">
-              <a:solidFill>
-                <a:schemeClr val="tx1"/>
-              </a:solidFill>
-            </a:endParaRPr>
-          </a:p>
-        </p:txBody>
-      </p:sp>
-      <p:sp>
-        <p:nvSpPr>
-          <p:cNvPr id="4" name="직사각형 3">
-            <a:extLst>
-              <a:ext uri="{FF2B5EF4-FFF2-40B4-BE49-F238E27FC236}">
-                <a16:creationId xmlns:a16="http://schemas.microsoft.com/office/drawing/2014/main" id="{C9554C76-7B01-05B9-95FB-3069DE05F700}"/>
-              </a:ext>
-            </a:extLst>
-          </p:cNvPr>
-          <p:cNvSpPr/>
-          <p:nvPr/>
-        </p:nvSpPr>
-        <p:spPr>
-          <a:xfrm>
-            <a:off x="9813638" y="3221181"/>
-            <a:ext cx="1667162" cy="415638"/>
-          </a:xfrm>
-          <a:prstGeom prst="rect">
-            <a:avLst/>
-          </a:prstGeom>
-          <a:solidFill>
-            <a:schemeClr val="bg1"/>
-          </a:solidFill>
-          <a:ln w="38100"/>
-        </p:spPr>
-        <p:style>
-          <a:lnRef idx="2">
-            <a:schemeClr val="accent1">
-              <a:shade val="15000"/>
-            </a:schemeClr>
-          </a:lnRef>
-          <a:fillRef idx="1">
-            <a:schemeClr val="accent1"/>
-          </a:fillRef>
-          <a:effectRef idx="0">
-            <a:schemeClr val="accent1"/>
-          </a:effectRef>
-          <a:fontRef idx="minor">
-            <a:schemeClr val="lt1"/>
-          </a:fontRef>
-        </p:style>
-        <p:txBody>
-          <a:bodyPr rtlCol="0" anchor="ctr"/>
-          <a:lstStyle/>
-          <a:p>
-            <a:r>
-              <a:rPr lang="ko-KR" altLang="en-US" dirty="0">
-                <a:solidFill>
-                  <a:schemeClr val="tx1"/>
-                </a:solidFill>
-              </a:rPr>
-              <a:t>상품명</a:t>
-            </a:r>
-          </a:p>
-        </p:txBody>
-      </p:sp>
-      <p:sp>
-        <p:nvSpPr>
-          <p:cNvPr id="5" name="직사각형 4">
-            <a:extLst>
-              <a:ext uri="{FF2B5EF4-FFF2-40B4-BE49-F238E27FC236}">
-                <a16:creationId xmlns:a16="http://schemas.microsoft.com/office/drawing/2014/main" id="{02AE601A-97BB-12C6-4D64-0A3E569B1E54}"/>
-              </a:ext>
-            </a:extLst>
-          </p:cNvPr>
-          <p:cNvSpPr/>
-          <p:nvPr/>
-        </p:nvSpPr>
-        <p:spPr>
-          <a:xfrm>
-            <a:off x="9624291" y="1223819"/>
-            <a:ext cx="2045856" cy="420253"/>
-          </a:xfrm>
-          <a:prstGeom prst="rect">
-            <a:avLst/>
-          </a:prstGeom>
-          <a:noFill/>
-          <a:ln w="38100">
-            <a:noFill/>
-          </a:ln>
-        </p:spPr>
-        <p:style>
-          <a:lnRef idx="2">
-            <a:schemeClr val="accent1">
-              <a:shade val="15000"/>
-            </a:schemeClr>
-          </a:lnRef>
-          <a:fillRef idx="1">
-            <a:schemeClr val="accent1"/>
-          </a:fillRef>
-          <a:effectRef idx="0">
-            <a:schemeClr val="accent1"/>
-          </a:effectRef>
-          <a:fontRef idx="minor">
-            <a:schemeClr val="lt1"/>
-          </a:fontRef>
-        </p:style>
-        <p:txBody>
-          <a:bodyPr rtlCol="0" anchor="t"/>
-          <a:lstStyle/>
-          <a:p>
-            <a:r>
-              <a:rPr lang="ko-KR" altLang="en-US" dirty="0">
-                <a:solidFill>
-                  <a:schemeClr val="tx1"/>
-                </a:solidFill>
-              </a:rPr>
-              <a:t>장바구니</a:t>
-            </a:r>
-            <a:endParaRPr lang="en-US" altLang="ko-KR" dirty="0">
-              <a:solidFill>
-                <a:schemeClr val="tx1"/>
-              </a:solidFill>
-            </a:endParaRPr>
-          </a:p>
-        </p:txBody>
-      </p:sp>
-      <p:sp>
-        <p:nvSpPr>
-          <p:cNvPr id="7" name="직사각형 6">
-            <a:extLst>
-              <a:ext uri="{FF2B5EF4-FFF2-40B4-BE49-F238E27FC236}">
-                <a16:creationId xmlns:a16="http://schemas.microsoft.com/office/drawing/2014/main" id="{6578FC79-FE54-43E8-7545-04547929F7F7}"/>
-              </a:ext>
-            </a:extLst>
-          </p:cNvPr>
-          <p:cNvSpPr/>
-          <p:nvPr/>
-        </p:nvSpPr>
-        <p:spPr>
-          <a:xfrm>
-            <a:off x="9813638" y="1644072"/>
-            <a:ext cx="1667162" cy="1422399"/>
-          </a:xfrm>
-          <a:prstGeom prst="rect">
-            <a:avLst/>
-          </a:prstGeom>
-          <a:solidFill>
-            <a:schemeClr val="bg1"/>
-          </a:solidFill>
-          <a:ln w="38100"/>
-        </p:spPr>
-        <p:style>
-          <a:lnRef idx="2">
-            <a:schemeClr val="accent1">
-              <a:shade val="15000"/>
-            </a:schemeClr>
-          </a:lnRef>
-          <a:fillRef idx="1">
-            <a:schemeClr val="accent1"/>
-          </a:fillRef>
-          <a:effectRef idx="0">
-            <a:schemeClr val="accent1"/>
-          </a:effectRef>
-          <a:fontRef idx="minor">
-            <a:schemeClr val="lt1"/>
-          </a:fontRef>
-        </p:style>
-        <p:txBody>
-          <a:bodyPr rtlCol="0" anchor="ctr"/>
-          <a:lstStyle/>
-          <a:p>
-            <a:pPr algn="ctr"/>
-            <a:r>
-              <a:rPr lang="ko-KR" altLang="en-US" dirty="0">
-                <a:solidFill>
-                  <a:schemeClr val="tx1"/>
-                </a:solidFill>
-              </a:rPr>
-              <a:t>이미지</a:t>
-            </a:r>
-          </a:p>
-        </p:txBody>
-      </p:sp>
-      <p:sp>
-        <p:nvSpPr>
-          <p:cNvPr id="10" name="직사각형 9">
-            <a:extLst>
-              <a:ext uri="{FF2B5EF4-FFF2-40B4-BE49-F238E27FC236}">
-                <a16:creationId xmlns:a16="http://schemas.microsoft.com/office/drawing/2014/main" id="{D155824A-BA81-77C2-3124-B754EAD68CC1}"/>
-              </a:ext>
-            </a:extLst>
-          </p:cNvPr>
-          <p:cNvSpPr/>
-          <p:nvPr/>
-        </p:nvSpPr>
-        <p:spPr>
-          <a:xfrm>
-            <a:off x="9813638" y="3754884"/>
-            <a:ext cx="1667162" cy="415638"/>
-          </a:xfrm>
-          <a:prstGeom prst="rect">
-            <a:avLst/>
-          </a:prstGeom>
-          <a:solidFill>
-            <a:schemeClr val="bg1"/>
-          </a:solidFill>
-          <a:ln w="38100"/>
-        </p:spPr>
-        <p:style>
-          <a:lnRef idx="2">
-            <a:schemeClr val="accent1">
-              <a:shade val="15000"/>
-            </a:schemeClr>
-          </a:lnRef>
-          <a:fillRef idx="1">
-            <a:schemeClr val="accent1"/>
-          </a:fillRef>
-          <a:effectRef idx="0">
-            <a:schemeClr val="accent1"/>
-          </a:effectRef>
-          <a:fontRef idx="minor">
-            <a:schemeClr val="lt1"/>
-          </a:fontRef>
-        </p:style>
-        <p:txBody>
-          <a:bodyPr rtlCol="0" anchor="ctr"/>
-          <a:lstStyle/>
-          <a:p>
-            <a:r>
-              <a:rPr lang="ko-KR" altLang="en-US" dirty="0">
-                <a:solidFill>
-                  <a:schemeClr val="tx1"/>
-                </a:solidFill>
-              </a:rPr>
-              <a:t>가격</a:t>
-            </a:r>
-          </a:p>
-        </p:txBody>
-      </p:sp>
-      <p:sp>
-        <p:nvSpPr>
-          <p:cNvPr id="11" name="직사각형 10">
-            <a:extLst>
-              <a:ext uri="{FF2B5EF4-FFF2-40B4-BE49-F238E27FC236}">
-                <a16:creationId xmlns:a16="http://schemas.microsoft.com/office/drawing/2014/main" id="{E4471850-461C-8E37-E4AD-D547A2C99125}"/>
-              </a:ext>
-            </a:extLst>
-          </p:cNvPr>
-          <p:cNvSpPr/>
-          <p:nvPr/>
-        </p:nvSpPr>
-        <p:spPr>
-          <a:xfrm>
-            <a:off x="9504219" y="5366322"/>
-            <a:ext cx="2445327" cy="979357"/>
-          </a:xfrm>
-          <a:prstGeom prst="rect">
-            <a:avLst/>
-          </a:prstGeom>
-          <a:solidFill>
-            <a:schemeClr val="bg1"/>
-          </a:solidFill>
-          <a:ln w="38100"/>
-        </p:spPr>
-        <p:style>
-          <a:lnRef idx="2">
-            <a:schemeClr val="accent1">
-              <a:shade val="15000"/>
-            </a:schemeClr>
-          </a:lnRef>
-          <a:fillRef idx="1">
-            <a:schemeClr val="accent1"/>
-          </a:fillRef>
-          <a:effectRef idx="0">
-            <a:schemeClr val="accent1"/>
-          </a:effectRef>
-          <a:fontRef idx="minor">
-            <a:schemeClr val="lt1"/>
-          </a:fontRef>
-        </p:style>
-        <p:txBody>
-          <a:bodyPr rtlCol="0" anchor="ctr"/>
-          <a:lstStyle/>
-          <a:p>
-            <a:endParaRPr lang="ko-KR" altLang="en-US" dirty="0">
-              <a:solidFill>
-                <a:schemeClr val="tx1"/>
-              </a:solidFill>
-            </a:endParaRPr>
-          </a:p>
-        </p:txBody>
-      </p:sp>
-      <p:sp>
-        <p:nvSpPr>
-          <p:cNvPr id="13" name="직사각형 12">
-            <a:extLst>
-              <a:ext uri="{FF2B5EF4-FFF2-40B4-BE49-F238E27FC236}">
-                <a16:creationId xmlns:a16="http://schemas.microsoft.com/office/drawing/2014/main" id="{403D81A4-F0A9-B197-0257-AB5A9062BF0B}"/>
-              </a:ext>
-            </a:extLst>
-          </p:cNvPr>
-          <p:cNvSpPr/>
-          <p:nvPr/>
-        </p:nvSpPr>
-        <p:spPr>
-          <a:xfrm>
-            <a:off x="9839037" y="5537594"/>
-            <a:ext cx="1616364" cy="317650"/>
-          </a:xfrm>
-          <a:prstGeom prst="rect">
-            <a:avLst/>
-          </a:prstGeom>
-          <a:solidFill>
-            <a:schemeClr val="bg1"/>
-          </a:solidFill>
-          <a:ln w="38100"/>
-        </p:spPr>
-        <p:style>
-          <a:lnRef idx="2">
-            <a:schemeClr val="accent1">
-              <a:shade val="15000"/>
-            </a:schemeClr>
-          </a:lnRef>
-          <a:fillRef idx="1">
-            <a:schemeClr val="accent1"/>
-          </a:fillRef>
-          <a:effectRef idx="0">
-            <a:schemeClr val="accent1"/>
-          </a:effectRef>
-          <a:fontRef idx="minor">
-            <a:schemeClr val="lt1"/>
-          </a:fontRef>
-        </p:style>
-        <p:txBody>
-          <a:bodyPr rtlCol="0" anchor="ctr"/>
-          <a:lstStyle/>
-          <a:p>
-            <a:r>
-              <a:rPr lang="ko-KR" altLang="en-US" dirty="0">
-                <a:solidFill>
-                  <a:schemeClr val="tx1"/>
-                </a:solidFill>
-              </a:rPr>
-              <a:t>총액</a:t>
-            </a:r>
-          </a:p>
-        </p:txBody>
-      </p:sp>
-      <p:sp>
-        <p:nvSpPr>
-          <p:cNvPr id="3" name="직사각형 2">
-            <a:extLst>
-              <a:ext uri="{FF2B5EF4-FFF2-40B4-BE49-F238E27FC236}">
-                <a16:creationId xmlns:a16="http://schemas.microsoft.com/office/drawing/2014/main" id="{E1BEDFC2-ECEA-D226-71B6-C458813CDBDA}"/>
-              </a:ext>
-            </a:extLst>
-          </p:cNvPr>
-          <p:cNvSpPr/>
-          <p:nvPr/>
-        </p:nvSpPr>
-        <p:spPr>
-          <a:xfrm>
-            <a:off x="10647219" y="5946407"/>
-            <a:ext cx="1226127" cy="317650"/>
+              <a:t>상품 </a:t>
+            </a:r>
+            <a:r>
+              <a:rPr lang="en-US" altLang="ko-KR" sz="2400" dirty="0">
+                <a:solidFill>
+                  <a:schemeClr val="bg1">
+                    <a:lumMod val="50000"/>
+                  </a:schemeClr>
+                </a:solidFill>
+              </a:rPr>
+              <a:t>– </a:t>
+            </a:r>
+            <a:r>
+              <a:rPr lang="ko-KR" altLang="en-US" sz="2400" dirty="0">
+                <a:solidFill>
+                  <a:schemeClr val="bg1">
+                    <a:lumMod val="50000"/>
+                  </a:schemeClr>
+                </a:solidFill>
+              </a:rPr>
+              <a:t>상품요청 </a:t>
+            </a:r>
+            <a:r>
+              <a:rPr lang="en-US" altLang="ko-KR" sz="2400" dirty="0">
+                <a:solidFill>
+                  <a:schemeClr val="bg1">
+                    <a:lumMod val="50000"/>
+                  </a:schemeClr>
+                </a:solidFill>
+              </a:rPr>
+              <a:t>– </a:t>
+            </a:r>
+            <a:r>
+              <a:rPr lang="ko-KR" altLang="en-US" sz="2400" dirty="0">
+                <a:solidFill>
+                  <a:schemeClr val="bg1">
+                    <a:lumMod val="50000"/>
+                  </a:schemeClr>
+                </a:solidFill>
+              </a:rPr>
+              <a:t>상세조회</a:t>
+            </a:r>
+            <a:r>
+              <a:rPr lang="en-US" altLang="ko-KR" sz="2400" dirty="0">
+                <a:solidFill>
+                  <a:schemeClr val="bg1">
+                    <a:lumMod val="50000"/>
+                  </a:schemeClr>
+                </a:solidFill>
+              </a:rPr>
+              <a:t>(</a:t>
+            </a:r>
+            <a:r>
+              <a:rPr lang="ko-KR" altLang="en-US" sz="2400" dirty="0">
+                <a:solidFill>
+                  <a:schemeClr val="bg1">
+                    <a:lumMod val="50000"/>
+                  </a:schemeClr>
+                </a:solidFill>
+              </a:rPr>
+              <a:t>관리</a:t>
+            </a:r>
+            <a:r>
+              <a:rPr lang="en-US" altLang="ko-KR" sz="2400" dirty="0">
+                <a:solidFill>
+                  <a:schemeClr val="bg1">
+                    <a:lumMod val="50000"/>
+                  </a:schemeClr>
+                </a:solidFill>
+              </a:rPr>
+              <a:t>)</a:t>
+            </a:r>
+          </a:p>
+        </p:txBody>
+      </p:sp>
+      <p:sp>
+        <p:nvSpPr>
+          <p:cNvPr id="25" name="직사각형 24">
+            <a:extLst>
+              <a:ext uri="{FF2B5EF4-FFF2-40B4-BE49-F238E27FC236}">
+                <a16:creationId xmlns:a16="http://schemas.microsoft.com/office/drawing/2014/main" id="{2E426AF0-6BEF-D4CD-D4A9-4CDF06707DBD}"/>
+              </a:ext>
+            </a:extLst>
+          </p:cNvPr>
+          <p:cNvSpPr/>
+          <p:nvPr/>
+        </p:nvSpPr>
+        <p:spPr>
+          <a:xfrm>
+            <a:off x="4098633" y="5608920"/>
+            <a:ext cx="1320799" cy="468717"/>
           </a:xfrm>
           <a:prstGeom prst="rect">
             <a:avLst/>
@@ -10075,27 +9357,27 @@
                   <a:schemeClr val="tx1"/>
                 </a:solidFill>
               </a:rPr>
-              <a:t>구매 요청</a:t>
-            </a:r>
-          </a:p>
-        </p:txBody>
-      </p:sp>
-      <p:sp>
-        <p:nvSpPr>
-          <p:cNvPr id="8" name="직사각형 7">
-            <a:extLst>
-              <a:ext uri="{FF2B5EF4-FFF2-40B4-BE49-F238E27FC236}">
-                <a16:creationId xmlns:a16="http://schemas.microsoft.com/office/drawing/2014/main" id="{81287549-8A75-AD96-A626-512D6BE93487}"/>
-              </a:ext>
-            </a:extLst>
-          </p:cNvPr>
-          <p:cNvSpPr/>
-          <p:nvPr/>
-        </p:nvSpPr>
-        <p:spPr>
-          <a:xfrm>
-            <a:off x="4807523" y="164748"/>
-            <a:ext cx="2068945" cy="415638"/>
+              <a:t>답변 등록</a:t>
+            </a:r>
+          </a:p>
+        </p:txBody>
+      </p:sp>
+      <p:sp>
+        <p:nvSpPr>
+          <p:cNvPr id="3" name="직사각형 2">
+            <a:extLst>
+              <a:ext uri="{FF2B5EF4-FFF2-40B4-BE49-F238E27FC236}">
+                <a16:creationId xmlns:a16="http://schemas.microsoft.com/office/drawing/2014/main" id="{F04B4FAD-6154-9D17-89A2-491298016852}"/>
+              </a:ext>
+            </a:extLst>
+          </p:cNvPr>
+          <p:cNvSpPr/>
+          <p:nvPr/>
+        </p:nvSpPr>
+        <p:spPr>
+          <a:xfrm>
+            <a:off x="2650239" y="2407296"/>
+            <a:ext cx="1293100" cy="415638"/>
           </a:xfrm>
           <a:prstGeom prst="rect">
             <a:avLst/>
@@ -10125,31 +9407,63 @@
           <a:bodyPr rtlCol="0" anchor="ctr"/>
           <a:lstStyle/>
           <a:p>
+            <a:r>
+              <a:rPr lang="ko-KR" altLang="en-US" dirty="0">
+                <a:solidFill>
+                  <a:schemeClr val="tx1"/>
+                </a:solidFill>
+              </a:rPr>
+              <a:t>제목</a:t>
+            </a:r>
+          </a:p>
+        </p:txBody>
+      </p:sp>
+      <p:sp>
+        <p:nvSpPr>
+          <p:cNvPr id="5" name="직사각형 4">
+            <a:extLst>
+              <a:ext uri="{FF2B5EF4-FFF2-40B4-BE49-F238E27FC236}">
+                <a16:creationId xmlns:a16="http://schemas.microsoft.com/office/drawing/2014/main" id="{262A5B3D-FADE-5B6A-FC8E-7240A494FFF0}"/>
+              </a:ext>
+            </a:extLst>
+          </p:cNvPr>
+          <p:cNvSpPr/>
+          <p:nvPr/>
+        </p:nvSpPr>
+        <p:spPr>
+          <a:xfrm>
+            <a:off x="4103253" y="2407296"/>
+            <a:ext cx="4456543" cy="415638"/>
+          </a:xfrm>
+          <a:prstGeom prst="rect">
+            <a:avLst/>
+          </a:prstGeom>
+          <a:solidFill>
+            <a:schemeClr val="bg1"/>
+          </a:solidFill>
+          <a:ln w="38100"/>
+        </p:spPr>
+        <p:style>
+          <a:lnRef idx="2">
+            <a:schemeClr val="accent1">
+              <a:shade val="15000"/>
+            </a:schemeClr>
+          </a:lnRef>
+          <a:fillRef idx="1">
+            <a:schemeClr val="accent1"/>
+          </a:fillRef>
+          <a:effectRef idx="0">
+            <a:schemeClr val="accent1"/>
+          </a:effectRef>
+          <a:fontRef idx="minor">
+            <a:schemeClr val="lt1"/>
+          </a:fontRef>
+        </p:style>
+        <p:txBody>
+          <a:bodyPr rtlCol="0" anchor="ctr"/>
+          <a:lstStyle/>
+          <a:p>
             <a:pPr algn="ctr"/>
-            <a:r>
-              <a:rPr lang="en-US" altLang="ko-KR" dirty="0">
-                <a:solidFill>
-                  <a:schemeClr val="tx1"/>
-                </a:solidFill>
-              </a:rPr>
-              <a:t>~</a:t>
-            </a:r>
-            <a:r>
-              <a:rPr lang="ko-KR" altLang="en-US" dirty="0">
-                <a:solidFill>
-                  <a:schemeClr val="tx1"/>
-                </a:solidFill>
-              </a:rPr>
-              <a:t>님 환영합니다</a:t>
-            </a:r>
-            <a:r>
-              <a:rPr lang="en-US" altLang="ko-KR" dirty="0">
-                <a:solidFill>
-                  <a:schemeClr val="tx1"/>
-                </a:solidFill>
-              </a:rPr>
-              <a:t>.</a:t>
-            </a:r>
             <a:endParaRPr lang="ko-KR" altLang="en-US" dirty="0">
               <a:solidFill>
                 <a:schemeClr val="tx1"/>
@@ -10160,20 +9474,20 @@
       </p:sp>
       <p:sp>
         <p:nvSpPr>
-          <p:cNvPr id="12" name="직사각형 11">
-            <a:extLst>
-              <a:ext uri="{FF2B5EF4-FFF2-40B4-BE49-F238E27FC236}">
-                <a16:creationId xmlns:a16="http://schemas.microsoft.com/office/drawing/2014/main" id="{4662F515-0E24-DFC6-7A21-A36D79757C8A}"/>
-              </a:ext>
-            </a:extLst>
-          </p:cNvPr>
-          <p:cNvSpPr/>
-          <p:nvPr/>
-        </p:nvSpPr>
-        <p:spPr>
-          <a:xfrm>
-            <a:off x="7079670" y="164748"/>
-            <a:ext cx="1394690" cy="415638"/>
+          <p:cNvPr id="6" name="직사각형 5">
+            <a:extLst>
+              <a:ext uri="{FF2B5EF4-FFF2-40B4-BE49-F238E27FC236}">
+                <a16:creationId xmlns:a16="http://schemas.microsoft.com/office/drawing/2014/main" id="{91A7939E-80F2-F8F6-4F98-466FBB8C8737}"/>
+              </a:ext>
+            </a:extLst>
+          </p:cNvPr>
+          <p:cNvSpPr/>
+          <p:nvPr/>
+        </p:nvSpPr>
+        <p:spPr>
+          <a:xfrm>
+            <a:off x="2650239" y="3109259"/>
+            <a:ext cx="1293100" cy="1516934"/>
           </a:xfrm>
           <a:prstGeom prst="rect">
             <a:avLst/>
@@ -10203,34 +9517,33 @@
           <a:bodyPr rtlCol="0" anchor="ctr"/>
           <a:lstStyle/>
           <a:p>
-            <a:pPr algn="ctr"/>
             <a:r>
               <a:rPr lang="ko-KR" altLang="en-US" dirty="0">
                 <a:solidFill>
                   <a:schemeClr val="tx1"/>
                 </a:solidFill>
               </a:rPr>
-              <a:t>로그아웃</a:t>
-            </a:r>
-          </a:p>
-        </p:txBody>
-      </p:sp>
-      <p:sp>
-        <p:nvSpPr>
-          <p:cNvPr id="14" name="직사각형 13">
-            <a:extLst>
-              <a:ext uri="{FF2B5EF4-FFF2-40B4-BE49-F238E27FC236}">
-                <a16:creationId xmlns:a16="http://schemas.microsoft.com/office/drawing/2014/main" id="{7D692C63-90D6-B220-F5EE-2D12763C21E9}"/>
-              </a:ext>
-            </a:extLst>
-          </p:cNvPr>
-          <p:cNvSpPr/>
-          <p:nvPr/>
-        </p:nvSpPr>
-        <p:spPr>
-          <a:xfrm>
-            <a:off x="8677562" y="182918"/>
-            <a:ext cx="1394690" cy="415638"/>
+              <a:t>상세내용</a:t>
+            </a:r>
+          </a:p>
+        </p:txBody>
+      </p:sp>
+      <p:sp>
+        <p:nvSpPr>
+          <p:cNvPr id="7" name="직사각형 6">
+            <a:extLst>
+              <a:ext uri="{FF2B5EF4-FFF2-40B4-BE49-F238E27FC236}">
+                <a16:creationId xmlns:a16="http://schemas.microsoft.com/office/drawing/2014/main" id="{687B70BF-2117-5B23-EAD2-B37ACDBD5EFF}"/>
+              </a:ext>
+            </a:extLst>
+          </p:cNvPr>
+          <p:cNvSpPr/>
+          <p:nvPr/>
+        </p:nvSpPr>
+        <p:spPr>
+          <a:xfrm>
+            <a:off x="4103253" y="3109258"/>
+            <a:ext cx="4456543" cy="1516935"/>
           </a:xfrm>
           <a:prstGeom prst="rect">
             <a:avLst/>
@@ -10261,14 +9574,6 @@
           <a:lstStyle/>
           <a:p>
             <a:pPr algn="ctr"/>
-            <a:r>
-              <a:rPr lang="ko-KR" altLang="en-US">
-                <a:solidFill>
-                  <a:schemeClr val="tx1"/>
-                </a:solidFill>
-              </a:rPr>
-              <a:t>마이페이지</a:t>
-            </a:r>
             <a:endParaRPr lang="ko-KR" altLang="en-US" dirty="0">
               <a:solidFill>
                 <a:schemeClr val="tx1"/>
@@ -10279,20 +9584,20 @@
       </p:sp>
       <p:sp>
         <p:nvSpPr>
-          <p:cNvPr id="15" name="직사각형 14">
-            <a:extLst>
-              <a:ext uri="{FF2B5EF4-FFF2-40B4-BE49-F238E27FC236}">
-                <a16:creationId xmlns:a16="http://schemas.microsoft.com/office/drawing/2014/main" id="{F85E7F12-1A2E-C02D-BF4F-D306A6BE12D8}"/>
-              </a:ext>
-            </a:extLst>
-          </p:cNvPr>
-          <p:cNvSpPr/>
-          <p:nvPr/>
-        </p:nvSpPr>
-        <p:spPr>
-          <a:xfrm>
-            <a:off x="10261595" y="182918"/>
-            <a:ext cx="1611751" cy="415638"/>
+          <p:cNvPr id="8" name="직사각형 7">
+            <a:extLst>
+              <a:ext uri="{FF2B5EF4-FFF2-40B4-BE49-F238E27FC236}">
+                <a16:creationId xmlns:a16="http://schemas.microsoft.com/office/drawing/2014/main" id="{F9B48F98-81C8-03F8-8805-368E2EED25F9}"/>
+              </a:ext>
+            </a:extLst>
+          </p:cNvPr>
+          <p:cNvSpPr/>
+          <p:nvPr/>
+        </p:nvSpPr>
+        <p:spPr>
+          <a:xfrm>
+            <a:off x="2650239" y="4887259"/>
+            <a:ext cx="1293100" cy="460595"/>
           </a:xfrm>
           <a:prstGeom prst="rect">
             <a:avLst/>
@@ -10322,14 +9627,13 @@
           <a:bodyPr rtlCol="0" anchor="ctr"/>
           <a:lstStyle/>
           <a:p>
-            <a:pPr algn="ctr"/>
             <a:r>
               <a:rPr lang="ko-KR" altLang="en-US">
                 <a:solidFill>
                   <a:schemeClr val="tx1"/>
                 </a:solidFill>
               </a:rPr>
-              <a:t>자동로그아웃</a:t>
+              <a:t>청부파일</a:t>
             </a:r>
             <a:endParaRPr lang="ko-KR" altLang="en-US" dirty="0">
               <a:solidFill>
@@ -10339,10 +9643,354 @@
           </a:p>
         </p:txBody>
       </p:sp>
+      <p:sp>
+        <p:nvSpPr>
+          <p:cNvPr id="9" name="직사각형 8">
+            <a:extLst>
+              <a:ext uri="{FF2B5EF4-FFF2-40B4-BE49-F238E27FC236}">
+                <a16:creationId xmlns:a16="http://schemas.microsoft.com/office/drawing/2014/main" id="{BA232370-FADC-6318-01F0-720F2C52264C}"/>
+              </a:ext>
+            </a:extLst>
+          </p:cNvPr>
+          <p:cNvSpPr/>
+          <p:nvPr/>
+        </p:nvSpPr>
+        <p:spPr>
+          <a:xfrm>
+            <a:off x="4103253" y="4887259"/>
+            <a:ext cx="4456543" cy="460595"/>
+          </a:xfrm>
+          <a:prstGeom prst="rect">
+            <a:avLst/>
+          </a:prstGeom>
+          <a:solidFill>
+            <a:schemeClr val="bg1"/>
+          </a:solidFill>
+          <a:ln w="38100"/>
+        </p:spPr>
+        <p:style>
+          <a:lnRef idx="2">
+            <a:schemeClr val="accent1">
+              <a:shade val="15000"/>
+            </a:schemeClr>
+          </a:lnRef>
+          <a:fillRef idx="1">
+            <a:schemeClr val="accent1"/>
+          </a:fillRef>
+          <a:effectRef idx="0">
+            <a:schemeClr val="accent1"/>
+          </a:effectRef>
+          <a:fontRef idx="minor">
+            <a:schemeClr val="lt1"/>
+          </a:fontRef>
+        </p:style>
+        <p:txBody>
+          <a:bodyPr rtlCol="0" anchor="ctr"/>
+          <a:lstStyle/>
+          <a:p>
+            <a:pPr algn="ctr"/>
+            <a:endParaRPr lang="ko-KR" altLang="en-US" dirty="0">
+              <a:solidFill>
+                <a:schemeClr val="tx1"/>
+              </a:solidFill>
+            </a:endParaRPr>
+          </a:p>
+        </p:txBody>
+      </p:sp>
+      <p:sp>
+        <p:nvSpPr>
+          <p:cNvPr id="10" name="직사각형 9">
+            <a:extLst>
+              <a:ext uri="{FF2B5EF4-FFF2-40B4-BE49-F238E27FC236}">
+                <a16:creationId xmlns:a16="http://schemas.microsoft.com/office/drawing/2014/main" id="{6FDF2ECA-961E-C4B4-DE6F-776FB1596BA4}"/>
+              </a:ext>
+            </a:extLst>
+          </p:cNvPr>
+          <p:cNvSpPr/>
+          <p:nvPr/>
+        </p:nvSpPr>
+        <p:spPr>
+          <a:xfrm>
+            <a:off x="2650239" y="1730592"/>
+            <a:ext cx="1293100" cy="415638"/>
+          </a:xfrm>
+          <a:prstGeom prst="rect">
+            <a:avLst/>
+          </a:prstGeom>
+          <a:solidFill>
+            <a:schemeClr val="bg1"/>
+          </a:solidFill>
+          <a:ln w="38100"/>
+        </p:spPr>
+        <p:style>
+          <a:lnRef idx="2">
+            <a:schemeClr val="accent1">
+              <a:shade val="15000"/>
+            </a:schemeClr>
+          </a:lnRef>
+          <a:fillRef idx="1">
+            <a:schemeClr val="accent1"/>
+          </a:fillRef>
+          <a:effectRef idx="0">
+            <a:schemeClr val="accent1"/>
+          </a:effectRef>
+          <a:fontRef idx="minor">
+            <a:schemeClr val="lt1"/>
+          </a:fontRef>
+        </p:style>
+        <p:txBody>
+          <a:bodyPr rtlCol="0" anchor="ctr"/>
+          <a:lstStyle/>
+          <a:p>
+            <a:r>
+              <a:rPr lang="ko-KR" altLang="en-US" dirty="0">
+                <a:solidFill>
+                  <a:schemeClr val="tx1"/>
+                </a:solidFill>
+              </a:rPr>
+              <a:t>상태</a:t>
+            </a:r>
+          </a:p>
+        </p:txBody>
+      </p:sp>
+      <p:sp>
+        <p:nvSpPr>
+          <p:cNvPr id="11" name="직사각형 10">
+            <a:extLst>
+              <a:ext uri="{FF2B5EF4-FFF2-40B4-BE49-F238E27FC236}">
+                <a16:creationId xmlns:a16="http://schemas.microsoft.com/office/drawing/2014/main" id="{5F0B51A1-DA8B-9FB8-9109-9F0D649EFCC4}"/>
+              </a:ext>
+            </a:extLst>
+          </p:cNvPr>
+          <p:cNvSpPr/>
+          <p:nvPr/>
+        </p:nvSpPr>
+        <p:spPr>
+          <a:xfrm>
+            <a:off x="4103253" y="1730592"/>
+            <a:ext cx="4456543" cy="415638"/>
+          </a:xfrm>
+          <a:prstGeom prst="rect">
+            <a:avLst/>
+          </a:prstGeom>
+          <a:solidFill>
+            <a:schemeClr val="bg1"/>
+          </a:solidFill>
+          <a:ln w="38100"/>
+        </p:spPr>
+        <p:style>
+          <a:lnRef idx="2">
+            <a:schemeClr val="accent1">
+              <a:shade val="15000"/>
+            </a:schemeClr>
+          </a:lnRef>
+          <a:fillRef idx="1">
+            <a:schemeClr val="accent1"/>
+          </a:fillRef>
+          <a:effectRef idx="0">
+            <a:schemeClr val="accent1"/>
+          </a:effectRef>
+          <a:fontRef idx="minor">
+            <a:schemeClr val="lt1"/>
+          </a:fontRef>
+        </p:style>
+        <p:txBody>
+          <a:bodyPr rtlCol="0" anchor="ctr"/>
+          <a:lstStyle/>
+          <a:p>
+            <a:pPr algn="ctr"/>
+            <a:r>
+              <a:rPr lang="ko-KR" altLang="en-US" dirty="0">
+                <a:solidFill>
+                  <a:schemeClr val="tx1"/>
+                </a:solidFill>
+              </a:rPr>
+              <a:t>요청</a:t>
+            </a:r>
+          </a:p>
+        </p:txBody>
+      </p:sp>
+      <p:sp>
+        <p:nvSpPr>
+          <p:cNvPr id="12" name="이등변 삼각형 11">
+            <a:extLst>
+              <a:ext uri="{FF2B5EF4-FFF2-40B4-BE49-F238E27FC236}">
+                <a16:creationId xmlns:a16="http://schemas.microsoft.com/office/drawing/2014/main" id="{9A550CFD-F64D-541E-8134-F331EE392841}"/>
+              </a:ext>
+            </a:extLst>
+          </p:cNvPr>
+          <p:cNvSpPr/>
+          <p:nvPr/>
+        </p:nvSpPr>
+        <p:spPr>
+          <a:xfrm flipV="1">
+            <a:off x="4191003" y="1807918"/>
+            <a:ext cx="286328" cy="260986"/>
+          </a:xfrm>
+          <a:prstGeom prst="triangle">
+            <a:avLst/>
+          </a:prstGeom>
+          <a:solidFill>
+            <a:schemeClr val="tx2"/>
+          </a:solidFill>
+        </p:spPr>
+        <p:style>
+          <a:lnRef idx="2">
+            <a:schemeClr val="accent1">
+              <a:shade val="15000"/>
+            </a:schemeClr>
+          </a:lnRef>
+          <a:fillRef idx="1">
+            <a:schemeClr val="accent1"/>
+          </a:fillRef>
+          <a:effectRef idx="0">
+            <a:schemeClr val="accent1"/>
+          </a:effectRef>
+          <a:fontRef idx="minor">
+            <a:schemeClr val="lt1"/>
+          </a:fontRef>
+        </p:style>
+        <p:txBody>
+          <a:bodyPr rtlCol="0" anchor="ctr"/>
+          <a:lstStyle/>
+          <a:p>
+            <a:pPr algn="ctr"/>
+            <a:endParaRPr lang="ko-KR" altLang="en-US"/>
+          </a:p>
+        </p:txBody>
+      </p:sp>
+      <p:sp>
+        <p:nvSpPr>
+          <p:cNvPr id="13" name="직사각형 12">
+            <a:extLst>
+              <a:ext uri="{FF2B5EF4-FFF2-40B4-BE49-F238E27FC236}">
+                <a16:creationId xmlns:a16="http://schemas.microsoft.com/office/drawing/2014/main" id="{BD212559-E6E0-B753-003D-2B4EB5907F25}"/>
+              </a:ext>
+            </a:extLst>
+          </p:cNvPr>
+          <p:cNvSpPr/>
+          <p:nvPr/>
+        </p:nvSpPr>
+        <p:spPr>
+          <a:xfrm>
+            <a:off x="5668815" y="5608920"/>
+            <a:ext cx="1320799" cy="468717"/>
+          </a:xfrm>
+          <a:prstGeom prst="rect">
+            <a:avLst/>
+          </a:prstGeom>
+          <a:solidFill>
+            <a:schemeClr val="bg1"/>
+          </a:solidFill>
+          <a:ln w="38100"/>
+          <a:scene3d>
+            <a:camera prst="orthographicFront"/>
+            <a:lightRig rig="threePt" dir="t"/>
+          </a:scene3d>
+          <a:sp3d>
+            <a:bevelT prst="angle"/>
+          </a:sp3d>
+        </p:spPr>
+        <p:style>
+          <a:lnRef idx="2">
+            <a:schemeClr val="accent1">
+              <a:shade val="15000"/>
+            </a:schemeClr>
+          </a:lnRef>
+          <a:fillRef idx="1">
+            <a:schemeClr val="accent1"/>
+          </a:fillRef>
+          <a:effectRef idx="0">
+            <a:schemeClr val="accent1"/>
+          </a:effectRef>
+          <a:fontRef idx="minor">
+            <a:schemeClr val="lt1"/>
+          </a:fontRef>
+        </p:style>
+        <p:txBody>
+          <a:bodyPr rtlCol="0" anchor="ctr"/>
+          <a:lstStyle/>
+          <a:p>
+            <a:pPr algn="ctr"/>
+            <a:r>
+              <a:rPr lang="ko-KR" altLang="en-US" dirty="0">
+                <a:solidFill>
+                  <a:schemeClr val="tx1"/>
+                </a:solidFill>
+              </a:rPr>
+              <a:t>저장</a:t>
+            </a:r>
+          </a:p>
+        </p:txBody>
+      </p:sp>
+      <p:sp>
+        <p:nvSpPr>
+          <p:cNvPr id="16" name="직사각형 15">
+            <a:extLst>
+              <a:ext uri="{FF2B5EF4-FFF2-40B4-BE49-F238E27FC236}">
+                <a16:creationId xmlns:a16="http://schemas.microsoft.com/office/drawing/2014/main" id="{30A00C7B-BC53-BF32-C60A-CBEA5E4D1121}"/>
+              </a:ext>
+            </a:extLst>
+          </p:cNvPr>
+          <p:cNvSpPr/>
+          <p:nvPr/>
+        </p:nvSpPr>
+        <p:spPr>
+          <a:xfrm>
+            <a:off x="7238997" y="5608919"/>
+            <a:ext cx="1320799" cy="468717"/>
+          </a:xfrm>
+          <a:prstGeom prst="rect">
+            <a:avLst/>
+          </a:prstGeom>
+          <a:solidFill>
+            <a:schemeClr val="bg1"/>
+          </a:solidFill>
+          <a:ln w="38100"/>
+          <a:scene3d>
+            <a:camera prst="orthographicFront"/>
+            <a:lightRig rig="threePt" dir="t"/>
+          </a:scene3d>
+          <a:sp3d>
+            <a:bevelT prst="angle"/>
+          </a:sp3d>
+        </p:spPr>
+        <p:style>
+          <a:lnRef idx="2">
+            <a:schemeClr val="accent1">
+              <a:shade val="15000"/>
+            </a:schemeClr>
+          </a:lnRef>
+          <a:fillRef idx="1">
+            <a:schemeClr val="accent1"/>
+          </a:fillRef>
+          <a:effectRef idx="0">
+            <a:schemeClr val="accent1"/>
+          </a:effectRef>
+          <a:fontRef idx="minor">
+            <a:schemeClr val="lt1"/>
+          </a:fontRef>
+        </p:style>
+        <p:txBody>
+          <a:bodyPr rtlCol="0" anchor="ctr"/>
+          <a:lstStyle/>
+          <a:p>
+            <a:pPr algn="ctr"/>
+            <a:r>
+              <a:rPr lang="ko-KR" altLang="en-US" dirty="0">
+                <a:solidFill>
+                  <a:schemeClr val="tx1"/>
+                </a:solidFill>
+              </a:rPr>
+              <a:t>삭제</a:t>
+            </a:r>
+          </a:p>
+        </p:txBody>
+      </p:sp>
     </p:spTree>
     <p:extLst>
       <p:ext uri="{BB962C8B-B14F-4D97-AF65-F5344CB8AC3E}">
-        <p14:creationId xmlns:p14="http://schemas.microsoft.com/office/powerpoint/2010/main" val="52887433"/>
+        <p14:creationId xmlns:p14="http://schemas.microsoft.com/office/powerpoint/2010/main" val="3084961329"/>
       </p:ext>
     </p:extLst>
   </p:cSld>
@@ -10383,6 +10031,879 @@
         </p:nvSpPr>
         <p:spPr>
           <a:xfrm>
+            <a:off x="1851890" y="1155150"/>
+            <a:ext cx="7098146" cy="5199468"/>
+          </a:xfrm>
+          <a:prstGeom prst="rect">
+            <a:avLst/>
+          </a:prstGeom>
+          <a:solidFill>
+            <a:schemeClr val="bg1"/>
+          </a:solidFill>
+          <a:ln w="38100"/>
+        </p:spPr>
+        <p:style>
+          <a:lnRef idx="2">
+            <a:schemeClr val="accent1">
+              <a:shade val="15000"/>
+            </a:schemeClr>
+          </a:lnRef>
+          <a:fillRef idx="1">
+            <a:schemeClr val="accent1"/>
+          </a:fillRef>
+          <a:effectRef idx="0">
+            <a:schemeClr val="accent1"/>
+          </a:effectRef>
+          <a:fontRef idx="minor">
+            <a:schemeClr val="lt1"/>
+          </a:fontRef>
+        </p:style>
+        <p:txBody>
+          <a:bodyPr rtlCol="0" anchor="ctr"/>
+          <a:lstStyle/>
+          <a:p>
+            <a:pPr algn="ctr"/>
+            <a:r>
+              <a:rPr lang="ko-KR" altLang="en-US">
+                <a:solidFill>
+                  <a:schemeClr val="tx1"/>
+                </a:solidFill>
+              </a:rPr>
+              <a:t>본문</a:t>
+            </a:r>
+            <a:endParaRPr lang="ko-KR" altLang="en-US" dirty="0">
+              <a:solidFill>
+                <a:schemeClr val="tx1"/>
+              </a:solidFill>
+            </a:endParaRPr>
+          </a:p>
+        </p:txBody>
+      </p:sp>
+      <p:sp>
+        <p:nvSpPr>
+          <p:cNvPr id="9" name="직사각형 8">
+            <a:extLst>
+              <a:ext uri="{FF2B5EF4-FFF2-40B4-BE49-F238E27FC236}">
+                <a16:creationId xmlns:a16="http://schemas.microsoft.com/office/drawing/2014/main" id="{4CF6430A-9919-99ED-E786-01AD5A295728}"/>
+              </a:ext>
+            </a:extLst>
+          </p:cNvPr>
+          <p:cNvSpPr/>
+          <p:nvPr/>
+        </p:nvSpPr>
+        <p:spPr>
+          <a:xfrm>
+            <a:off x="237836" y="143165"/>
+            <a:ext cx="4262582" cy="420253"/>
+          </a:xfrm>
+          <a:prstGeom prst="rect">
+            <a:avLst/>
+          </a:prstGeom>
+          <a:noFill/>
+          <a:ln w="38100">
+            <a:noFill/>
+          </a:ln>
+        </p:spPr>
+        <p:style>
+          <a:lnRef idx="2">
+            <a:schemeClr val="accent1">
+              <a:shade val="15000"/>
+            </a:schemeClr>
+          </a:lnRef>
+          <a:fillRef idx="1">
+            <a:schemeClr val="accent1"/>
+          </a:fillRef>
+          <a:effectRef idx="0">
+            <a:schemeClr val="accent1"/>
+          </a:effectRef>
+          <a:fontRef idx="minor">
+            <a:schemeClr val="lt1"/>
+          </a:fontRef>
+        </p:style>
+        <p:txBody>
+          <a:bodyPr rtlCol="0" anchor="t"/>
+          <a:lstStyle/>
+          <a:p>
+            <a:r>
+              <a:rPr lang="ko-KR" altLang="en-US" sz="2400" dirty="0">
+                <a:solidFill>
+                  <a:schemeClr val="bg1">
+                    <a:lumMod val="50000"/>
+                  </a:schemeClr>
+                </a:solidFill>
+              </a:rPr>
+              <a:t>우측 메뉴</a:t>
+            </a:r>
+            <a:endParaRPr lang="en-US" altLang="ko-KR" sz="2400" dirty="0">
+              <a:solidFill>
+                <a:schemeClr val="bg1">
+                  <a:lumMod val="50000"/>
+                </a:schemeClr>
+              </a:solidFill>
+            </a:endParaRPr>
+          </a:p>
+        </p:txBody>
+      </p:sp>
+      <p:sp>
+        <p:nvSpPr>
+          <p:cNvPr id="2" name="직사각형 1">
+            <a:extLst>
+              <a:ext uri="{FF2B5EF4-FFF2-40B4-BE49-F238E27FC236}">
+                <a16:creationId xmlns:a16="http://schemas.microsoft.com/office/drawing/2014/main" id="{0287D81A-CD0D-091F-5D9A-D150A931C058}"/>
+              </a:ext>
+            </a:extLst>
+          </p:cNvPr>
+          <p:cNvSpPr/>
+          <p:nvPr/>
+        </p:nvSpPr>
+        <p:spPr>
+          <a:xfrm>
+            <a:off x="9504219" y="1155150"/>
+            <a:ext cx="2466108" cy="5199468"/>
+          </a:xfrm>
+          <a:prstGeom prst="rect">
+            <a:avLst/>
+          </a:prstGeom>
+          <a:solidFill>
+            <a:schemeClr val="bg1"/>
+          </a:solidFill>
+          <a:ln w="38100"/>
+        </p:spPr>
+        <p:style>
+          <a:lnRef idx="2">
+            <a:schemeClr val="accent1">
+              <a:shade val="15000"/>
+            </a:schemeClr>
+          </a:lnRef>
+          <a:fillRef idx="1">
+            <a:schemeClr val="accent1"/>
+          </a:fillRef>
+          <a:effectRef idx="0">
+            <a:schemeClr val="accent1"/>
+          </a:effectRef>
+          <a:fontRef idx="minor">
+            <a:schemeClr val="lt1"/>
+          </a:fontRef>
+        </p:style>
+        <p:txBody>
+          <a:bodyPr rtlCol="0" anchor="ctr"/>
+          <a:lstStyle/>
+          <a:p>
+            <a:pPr algn="ctr"/>
+            <a:endParaRPr lang="ko-KR" altLang="en-US" sz="1400" dirty="0">
+              <a:solidFill>
+                <a:schemeClr val="tx1"/>
+              </a:solidFill>
+            </a:endParaRPr>
+          </a:p>
+        </p:txBody>
+      </p:sp>
+      <p:sp>
+        <p:nvSpPr>
+          <p:cNvPr id="4" name="직사각형 3">
+            <a:extLst>
+              <a:ext uri="{FF2B5EF4-FFF2-40B4-BE49-F238E27FC236}">
+                <a16:creationId xmlns:a16="http://schemas.microsoft.com/office/drawing/2014/main" id="{C9554C76-7B01-05B9-95FB-3069DE05F700}"/>
+              </a:ext>
+            </a:extLst>
+          </p:cNvPr>
+          <p:cNvSpPr/>
+          <p:nvPr/>
+        </p:nvSpPr>
+        <p:spPr>
+          <a:xfrm>
+            <a:off x="9813638" y="3221181"/>
+            <a:ext cx="1667162" cy="415638"/>
+          </a:xfrm>
+          <a:prstGeom prst="rect">
+            <a:avLst/>
+          </a:prstGeom>
+          <a:solidFill>
+            <a:schemeClr val="bg1"/>
+          </a:solidFill>
+          <a:ln w="38100"/>
+        </p:spPr>
+        <p:style>
+          <a:lnRef idx="2">
+            <a:schemeClr val="accent1">
+              <a:shade val="15000"/>
+            </a:schemeClr>
+          </a:lnRef>
+          <a:fillRef idx="1">
+            <a:schemeClr val="accent1"/>
+          </a:fillRef>
+          <a:effectRef idx="0">
+            <a:schemeClr val="accent1"/>
+          </a:effectRef>
+          <a:fontRef idx="minor">
+            <a:schemeClr val="lt1"/>
+          </a:fontRef>
+        </p:style>
+        <p:txBody>
+          <a:bodyPr rtlCol="0" anchor="ctr"/>
+          <a:lstStyle/>
+          <a:p>
+            <a:r>
+              <a:rPr lang="ko-KR" altLang="en-US" dirty="0">
+                <a:solidFill>
+                  <a:schemeClr val="tx1"/>
+                </a:solidFill>
+              </a:rPr>
+              <a:t>상품명</a:t>
+            </a:r>
+          </a:p>
+        </p:txBody>
+      </p:sp>
+      <p:sp>
+        <p:nvSpPr>
+          <p:cNvPr id="5" name="직사각형 4">
+            <a:extLst>
+              <a:ext uri="{FF2B5EF4-FFF2-40B4-BE49-F238E27FC236}">
+                <a16:creationId xmlns:a16="http://schemas.microsoft.com/office/drawing/2014/main" id="{02AE601A-97BB-12C6-4D64-0A3E569B1E54}"/>
+              </a:ext>
+            </a:extLst>
+          </p:cNvPr>
+          <p:cNvSpPr/>
+          <p:nvPr/>
+        </p:nvSpPr>
+        <p:spPr>
+          <a:xfrm>
+            <a:off x="9624291" y="1223819"/>
+            <a:ext cx="2045856" cy="420253"/>
+          </a:xfrm>
+          <a:prstGeom prst="rect">
+            <a:avLst/>
+          </a:prstGeom>
+          <a:noFill/>
+          <a:ln w="38100">
+            <a:noFill/>
+          </a:ln>
+        </p:spPr>
+        <p:style>
+          <a:lnRef idx="2">
+            <a:schemeClr val="accent1">
+              <a:shade val="15000"/>
+            </a:schemeClr>
+          </a:lnRef>
+          <a:fillRef idx="1">
+            <a:schemeClr val="accent1"/>
+          </a:fillRef>
+          <a:effectRef idx="0">
+            <a:schemeClr val="accent1"/>
+          </a:effectRef>
+          <a:fontRef idx="minor">
+            <a:schemeClr val="lt1"/>
+          </a:fontRef>
+        </p:style>
+        <p:txBody>
+          <a:bodyPr rtlCol="0" anchor="t"/>
+          <a:lstStyle/>
+          <a:p>
+            <a:r>
+              <a:rPr lang="ko-KR" altLang="en-US" dirty="0">
+                <a:solidFill>
+                  <a:schemeClr val="tx1"/>
+                </a:solidFill>
+              </a:rPr>
+              <a:t>장바구니</a:t>
+            </a:r>
+            <a:endParaRPr lang="en-US" altLang="ko-KR" dirty="0">
+              <a:solidFill>
+                <a:schemeClr val="tx1"/>
+              </a:solidFill>
+            </a:endParaRPr>
+          </a:p>
+        </p:txBody>
+      </p:sp>
+      <p:sp>
+        <p:nvSpPr>
+          <p:cNvPr id="7" name="직사각형 6">
+            <a:extLst>
+              <a:ext uri="{FF2B5EF4-FFF2-40B4-BE49-F238E27FC236}">
+                <a16:creationId xmlns:a16="http://schemas.microsoft.com/office/drawing/2014/main" id="{6578FC79-FE54-43E8-7545-04547929F7F7}"/>
+              </a:ext>
+            </a:extLst>
+          </p:cNvPr>
+          <p:cNvSpPr/>
+          <p:nvPr/>
+        </p:nvSpPr>
+        <p:spPr>
+          <a:xfrm>
+            <a:off x="9813638" y="1644072"/>
+            <a:ext cx="1667162" cy="1422399"/>
+          </a:xfrm>
+          <a:prstGeom prst="rect">
+            <a:avLst/>
+          </a:prstGeom>
+          <a:solidFill>
+            <a:schemeClr val="bg1"/>
+          </a:solidFill>
+          <a:ln w="38100"/>
+        </p:spPr>
+        <p:style>
+          <a:lnRef idx="2">
+            <a:schemeClr val="accent1">
+              <a:shade val="15000"/>
+            </a:schemeClr>
+          </a:lnRef>
+          <a:fillRef idx="1">
+            <a:schemeClr val="accent1"/>
+          </a:fillRef>
+          <a:effectRef idx="0">
+            <a:schemeClr val="accent1"/>
+          </a:effectRef>
+          <a:fontRef idx="minor">
+            <a:schemeClr val="lt1"/>
+          </a:fontRef>
+        </p:style>
+        <p:txBody>
+          <a:bodyPr rtlCol="0" anchor="ctr"/>
+          <a:lstStyle/>
+          <a:p>
+            <a:pPr algn="ctr"/>
+            <a:r>
+              <a:rPr lang="ko-KR" altLang="en-US" dirty="0">
+                <a:solidFill>
+                  <a:schemeClr val="tx1"/>
+                </a:solidFill>
+              </a:rPr>
+              <a:t>이미지</a:t>
+            </a:r>
+          </a:p>
+        </p:txBody>
+      </p:sp>
+      <p:sp>
+        <p:nvSpPr>
+          <p:cNvPr id="10" name="직사각형 9">
+            <a:extLst>
+              <a:ext uri="{FF2B5EF4-FFF2-40B4-BE49-F238E27FC236}">
+                <a16:creationId xmlns:a16="http://schemas.microsoft.com/office/drawing/2014/main" id="{D155824A-BA81-77C2-3124-B754EAD68CC1}"/>
+              </a:ext>
+            </a:extLst>
+          </p:cNvPr>
+          <p:cNvSpPr/>
+          <p:nvPr/>
+        </p:nvSpPr>
+        <p:spPr>
+          <a:xfrm>
+            <a:off x="9813638" y="3754884"/>
+            <a:ext cx="1667162" cy="415638"/>
+          </a:xfrm>
+          <a:prstGeom prst="rect">
+            <a:avLst/>
+          </a:prstGeom>
+          <a:solidFill>
+            <a:schemeClr val="bg1"/>
+          </a:solidFill>
+          <a:ln w="38100"/>
+        </p:spPr>
+        <p:style>
+          <a:lnRef idx="2">
+            <a:schemeClr val="accent1">
+              <a:shade val="15000"/>
+            </a:schemeClr>
+          </a:lnRef>
+          <a:fillRef idx="1">
+            <a:schemeClr val="accent1"/>
+          </a:fillRef>
+          <a:effectRef idx="0">
+            <a:schemeClr val="accent1"/>
+          </a:effectRef>
+          <a:fontRef idx="minor">
+            <a:schemeClr val="lt1"/>
+          </a:fontRef>
+        </p:style>
+        <p:txBody>
+          <a:bodyPr rtlCol="0" anchor="ctr"/>
+          <a:lstStyle/>
+          <a:p>
+            <a:r>
+              <a:rPr lang="ko-KR" altLang="en-US" dirty="0">
+                <a:solidFill>
+                  <a:schemeClr val="tx1"/>
+                </a:solidFill>
+              </a:rPr>
+              <a:t>가격</a:t>
+            </a:r>
+          </a:p>
+        </p:txBody>
+      </p:sp>
+      <p:sp>
+        <p:nvSpPr>
+          <p:cNvPr id="11" name="직사각형 10">
+            <a:extLst>
+              <a:ext uri="{FF2B5EF4-FFF2-40B4-BE49-F238E27FC236}">
+                <a16:creationId xmlns:a16="http://schemas.microsoft.com/office/drawing/2014/main" id="{E4471850-461C-8E37-E4AD-D547A2C99125}"/>
+              </a:ext>
+            </a:extLst>
+          </p:cNvPr>
+          <p:cNvSpPr/>
+          <p:nvPr/>
+        </p:nvSpPr>
+        <p:spPr>
+          <a:xfrm>
+            <a:off x="9504219" y="5366322"/>
+            <a:ext cx="2445327" cy="979357"/>
+          </a:xfrm>
+          <a:prstGeom prst="rect">
+            <a:avLst/>
+          </a:prstGeom>
+          <a:solidFill>
+            <a:schemeClr val="bg1"/>
+          </a:solidFill>
+          <a:ln w="38100"/>
+        </p:spPr>
+        <p:style>
+          <a:lnRef idx="2">
+            <a:schemeClr val="accent1">
+              <a:shade val="15000"/>
+            </a:schemeClr>
+          </a:lnRef>
+          <a:fillRef idx="1">
+            <a:schemeClr val="accent1"/>
+          </a:fillRef>
+          <a:effectRef idx="0">
+            <a:schemeClr val="accent1"/>
+          </a:effectRef>
+          <a:fontRef idx="minor">
+            <a:schemeClr val="lt1"/>
+          </a:fontRef>
+        </p:style>
+        <p:txBody>
+          <a:bodyPr rtlCol="0" anchor="ctr"/>
+          <a:lstStyle/>
+          <a:p>
+            <a:endParaRPr lang="ko-KR" altLang="en-US" dirty="0">
+              <a:solidFill>
+                <a:schemeClr val="tx1"/>
+              </a:solidFill>
+            </a:endParaRPr>
+          </a:p>
+        </p:txBody>
+      </p:sp>
+      <p:sp>
+        <p:nvSpPr>
+          <p:cNvPr id="13" name="직사각형 12">
+            <a:extLst>
+              <a:ext uri="{FF2B5EF4-FFF2-40B4-BE49-F238E27FC236}">
+                <a16:creationId xmlns:a16="http://schemas.microsoft.com/office/drawing/2014/main" id="{403D81A4-F0A9-B197-0257-AB5A9062BF0B}"/>
+              </a:ext>
+            </a:extLst>
+          </p:cNvPr>
+          <p:cNvSpPr/>
+          <p:nvPr/>
+        </p:nvSpPr>
+        <p:spPr>
+          <a:xfrm>
+            <a:off x="9839037" y="5537594"/>
+            <a:ext cx="1616364" cy="317650"/>
+          </a:xfrm>
+          <a:prstGeom prst="rect">
+            <a:avLst/>
+          </a:prstGeom>
+          <a:solidFill>
+            <a:schemeClr val="bg1"/>
+          </a:solidFill>
+          <a:ln w="38100"/>
+        </p:spPr>
+        <p:style>
+          <a:lnRef idx="2">
+            <a:schemeClr val="accent1">
+              <a:shade val="15000"/>
+            </a:schemeClr>
+          </a:lnRef>
+          <a:fillRef idx="1">
+            <a:schemeClr val="accent1"/>
+          </a:fillRef>
+          <a:effectRef idx="0">
+            <a:schemeClr val="accent1"/>
+          </a:effectRef>
+          <a:fontRef idx="minor">
+            <a:schemeClr val="lt1"/>
+          </a:fontRef>
+        </p:style>
+        <p:txBody>
+          <a:bodyPr rtlCol="0" anchor="ctr"/>
+          <a:lstStyle/>
+          <a:p>
+            <a:r>
+              <a:rPr lang="ko-KR" altLang="en-US" dirty="0">
+                <a:solidFill>
+                  <a:schemeClr val="tx1"/>
+                </a:solidFill>
+              </a:rPr>
+              <a:t>총액</a:t>
+            </a:r>
+          </a:p>
+        </p:txBody>
+      </p:sp>
+      <p:sp>
+        <p:nvSpPr>
+          <p:cNvPr id="3" name="직사각형 2">
+            <a:extLst>
+              <a:ext uri="{FF2B5EF4-FFF2-40B4-BE49-F238E27FC236}">
+                <a16:creationId xmlns:a16="http://schemas.microsoft.com/office/drawing/2014/main" id="{E1BEDFC2-ECEA-D226-71B6-C458813CDBDA}"/>
+              </a:ext>
+            </a:extLst>
+          </p:cNvPr>
+          <p:cNvSpPr/>
+          <p:nvPr/>
+        </p:nvSpPr>
+        <p:spPr>
+          <a:xfrm>
+            <a:off x="10647219" y="5946407"/>
+            <a:ext cx="1226127" cy="317650"/>
+          </a:xfrm>
+          <a:prstGeom prst="rect">
+            <a:avLst/>
+          </a:prstGeom>
+          <a:solidFill>
+            <a:schemeClr val="bg1"/>
+          </a:solidFill>
+          <a:ln w="38100"/>
+          <a:scene3d>
+            <a:camera prst="orthographicFront"/>
+            <a:lightRig rig="threePt" dir="t"/>
+          </a:scene3d>
+          <a:sp3d>
+            <a:bevelT prst="angle"/>
+          </a:sp3d>
+        </p:spPr>
+        <p:style>
+          <a:lnRef idx="2">
+            <a:schemeClr val="accent1">
+              <a:shade val="15000"/>
+            </a:schemeClr>
+          </a:lnRef>
+          <a:fillRef idx="1">
+            <a:schemeClr val="accent1"/>
+          </a:fillRef>
+          <a:effectRef idx="0">
+            <a:schemeClr val="accent1"/>
+          </a:effectRef>
+          <a:fontRef idx="minor">
+            <a:schemeClr val="lt1"/>
+          </a:fontRef>
+        </p:style>
+        <p:txBody>
+          <a:bodyPr rtlCol="0" anchor="ctr"/>
+          <a:lstStyle/>
+          <a:p>
+            <a:pPr algn="ctr"/>
+            <a:r>
+              <a:rPr lang="ko-KR" altLang="en-US" dirty="0">
+                <a:solidFill>
+                  <a:schemeClr val="tx1"/>
+                </a:solidFill>
+              </a:rPr>
+              <a:t>구매 요청</a:t>
+            </a:r>
+          </a:p>
+        </p:txBody>
+      </p:sp>
+      <p:sp>
+        <p:nvSpPr>
+          <p:cNvPr id="8" name="직사각형 7">
+            <a:extLst>
+              <a:ext uri="{FF2B5EF4-FFF2-40B4-BE49-F238E27FC236}">
+                <a16:creationId xmlns:a16="http://schemas.microsoft.com/office/drawing/2014/main" id="{81287549-8A75-AD96-A626-512D6BE93487}"/>
+              </a:ext>
+            </a:extLst>
+          </p:cNvPr>
+          <p:cNvSpPr/>
+          <p:nvPr/>
+        </p:nvSpPr>
+        <p:spPr>
+          <a:xfrm>
+            <a:off x="4807523" y="164748"/>
+            <a:ext cx="2068945" cy="415638"/>
+          </a:xfrm>
+          <a:prstGeom prst="rect">
+            <a:avLst/>
+          </a:prstGeom>
+          <a:solidFill>
+            <a:schemeClr val="bg1"/>
+          </a:solidFill>
+          <a:ln w="38100"/>
+        </p:spPr>
+        <p:style>
+          <a:lnRef idx="2">
+            <a:schemeClr val="accent1">
+              <a:shade val="15000"/>
+            </a:schemeClr>
+          </a:lnRef>
+          <a:fillRef idx="1">
+            <a:schemeClr val="accent1"/>
+          </a:fillRef>
+          <a:effectRef idx="0">
+            <a:schemeClr val="accent1"/>
+          </a:effectRef>
+          <a:fontRef idx="minor">
+            <a:schemeClr val="lt1"/>
+          </a:fontRef>
+        </p:style>
+        <p:txBody>
+          <a:bodyPr rtlCol="0" anchor="ctr"/>
+          <a:lstStyle/>
+          <a:p>
+            <a:pPr algn="ctr"/>
+            <a:r>
+              <a:rPr lang="en-US" altLang="ko-KR" dirty="0">
+                <a:solidFill>
+                  <a:schemeClr val="tx1"/>
+                </a:solidFill>
+              </a:rPr>
+              <a:t>~</a:t>
+            </a:r>
+            <a:r>
+              <a:rPr lang="ko-KR" altLang="en-US" dirty="0">
+                <a:solidFill>
+                  <a:schemeClr val="tx1"/>
+                </a:solidFill>
+              </a:rPr>
+              <a:t>님 환영합니다</a:t>
+            </a:r>
+            <a:r>
+              <a:rPr lang="en-US" altLang="ko-KR" dirty="0">
+                <a:solidFill>
+                  <a:schemeClr val="tx1"/>
+                </a:solidFill>
+              </a:rPr>
+              <a:t>.</a:t>
+            </a:r>
+            <a:endParaRPr lang="ko-KR" altLang="en-US" dirty="0">
+              <a:solidFill>
+                <a:schemeClr val="tx1"/>
+              </a:solidFill>
+            </a:endParaRPr>
+          </a:p>
+        </p:txBody>
+      </p:sp>
+      <p:sp>
+        <p:nvSpPr>
+          <p:cNvPr id="12" name="직사각형 11">
+            <a:extLst>
+              <a:ext uri="{FF2B5EF4-FFF2-40B4-BE49-F238E27FC236}">
+                <a16:creationId xmlns:a16="http://schemas.microsoft.com/office/drawing/2014/main" id="{4662F515-0E24-DFC6-7A21-A36D79757C8A}"/>
+              </a:ext>
+            </a:extLst>
+          </p:cNvPr>
+          <p:cNvSpPr/>
+          <p:nvPr/>
+        </p:nvSpPr>
+        <p:spPr>
+          <a:xfrm>
+            <a:off x="7079670" y="164748"/>
+            <a:ext cx="1394690" cy="415638"/>
+          </a:xfrm>
+          <a:prstGeom prst="rect">
+            <a:avLst/>
+          </a:prstGeom>
+          <a:solidFill>
+            <a:schemeClr val="bg1"/>
+          </a:solidFill>
+          <a:ln w="38100"/>
+        </p:spPr>
+        <p:style>
+          <a:lnRef idx="2">
+            <a:schemeClr val="accent1">
+              <a:shade val="15000"/>
+            </a:schemeClr>
+          </a:lnRef>
+          <a:fillRef idx="1">
+            <a:schemeClr val="accent1"/>
+          </a:fillRef>
+          <a:effectRef idx="0">
+            <a:schemeClr val="accent1"/>
+          </a:effectRef>
+          <a:fontRef idx="minor">
+            <a:schemeClr val="lt1"/>
+          </a:fontRef>
+        </p:style>
+        <p:txBody>
+          <a:bodyPr rtlCol="0" anchor="ctr"/>
+          <a:lstStyle/>
+          <a:p>
+            <a:pPr algn="ctr"/>
+            <a:r>
+              <a:rPr lang="ko-KR" altLang="en-US" dirty="0">
+                <a:solidFill>
+                  <a:schemeClr val="tx1"/>
+                </a:solidFill>
+              </a:rPr>
+              <a:t>로그아웃</a:t>
+            </a:r>
+          </a:p>
+        </p:txBody>
+      </p:sp>
+      <p:sp>
+        <p:nvSpPr>
+          <p:cNvPr id="14" name="직사각형 13">
+            <a:extLst>
+              <a:ext uri="{FF2B5EF4-FFF2-40B4-BE49-F238E27FC236}">
+                <a16:creationId xmlns:a16="http://schemas.microsoft.com/office/drawing/2014/main" id="{7D692C63-90D6-B220-F5EE-2D12763C21E9}"/>
+              </a:ext>
+            </a:extLst>
+          </p:cNvPr>
+          <p:cNvSpPr/>
+          <p:nvPr/>
+        </p:nvSpPr>
+        <p:spPr>
+          <a:xfrm>
+            <a:off x="8677562" y="182918"/>
+            <a:ext cx="1394690" cy="415638"/>
+          </a:xfrm>
+          <a:prstGeom prst="rect">
+            <a:avLst/>
+          </a:prstGeom>
+          <a:solidFill>
+            <a:schemeClr val="bg1"/>
+          </a:solidFill>
+          <a:ln w="38100"/>
+        </p:spPr>
+        <p:style>
+          <a:lnRef idx="2">
+            <a:schemeClr val="accent1">
+              <a:shade val="15000"/>
+            </a:schemeClr>
+          </a:lnRef>
+          <a:fillRef idx="1">
+            <a:schemeClr val="accent1"/>
+          </a:fillRef>
+          <a:effectRef idx="0">
+            <a:schemeClr val="accent1"/>
+          </a:effectRef>
+          <a:fontRef idx="minor">
+            <a:schemeClr val="lt1"/>
+          </a:fontRef>
+        </p:style>
+        <p:txBody>
+          <a:bodyPr rtlCol="0" anchor="ctr"/>
+          <a:lstStyle/>
+          <a:p>
+            <a:pPr algn="ctr"/>
+            <a:r>
+              <a:rPr lang="ko-KR" altLang="en-US">
+                <a:solidFill>
+                  <a:schemeClr val="tx1"/>
+                </a:solidFill>
+              </a:rPr>
+              <a:t>마이페이지</a:t>
+            </a:r>
+            <a:endParaRPr lang="ko-KR" altLang="en-US" dirty="0">
+              <a:solidFill>
+                <a:schemeClr val="tx1"/>
+              </a:solidFill>
+            </a:endParaRPr>
+          </a:p>
+        </p:txBody>
+      </p:sp>
+      <p:sp>
+        <p:nvSpPr>
+          <p:cNvPr id="15" name="직사각형 14">
+            <a:extLst>
+              <a:ext uri="{FF2B5EF4-FFF2-40B4-BE49-F238E27FC236}">
+                <a16:creationId xmlns:a16="http://schemas.microsoft.com/office/drawing/2014/main" id="{F85E7F12-1A2E-C02D-BF4F-D306A6BE12D8}"/>
+              </a:ext>
+            </a:extLst>
+          </p:cNvPr>
+          <p:cNvSpPr/>
+          <p:nvPr/>
+        </p:nvSpPr>
+        <p:spPr>
+          <a:xfrm>
+            <a:off x="10261595" y="182918"/>
+            <a:ext cx="1611751" cy="415638"/>
+          </a:xfrm>
+          <a:prstGeom prst="rect">
+            <a:avLst/>
+          </a:prstGeom>
+          <a:solidFill>
+            <a:schemeClr val="bg1"/>
+          </a:solidFill>
+          <a:ln w="38100"/>
+        </p:spPr>
+        <p:style>
+          <a:lnRef idx="2">
+            <a:schemeClr val="accent1">
+              <a:shade val="15000"/>
+            </a:schemeClr>
+          </a:lnRef>
+          <a:fillRef idx="1">
+            <a:schemeClr val="accent1"/>
+          </a:fillRef>
+          <a:effectRef idx="0">
+            <a:schemeClr val="accent1"/>
+          </a:effectRef>
+          <a:fontRef idx="minor">
+            <a:schemeClr val="lt1"/>
+          </a:fontRef>
+        </p:style>
+        <p:txBody>
+          <a:bodyPr rtlCol="0" anchor="ctr"/>
+          <a:lstStyle/>
+          <a:p>
+            <a:pPr algn="ctr"/>
+            <a:r>
+              <a:rPr lang="ko-KR" altLang="en-US">
+                <a:solidFill>
+                  <a:schemeClr val="tx1"/>
+                </a:solidFill>
+              </a:rPr>
+              <a:t>자동로그아웃</a:t>
+            </a:r>
+            <a:endParaRPr lang="ko-KR" altLang="en-US" dirty="0">
+              <a:solidFill>
+                <a:schemeClr val="tx1"/>
+              </a:solidFill>
+            </a:endParaRPr>
+          </a:p>
+        </p:txBody>
+      </p:sp>
+    </p:spTree>
+    <p:extLst>
+      <p:ext uri="{BB962C8B-B14F-4D97-AF65-F5344CB8AC3E}">
+        <p14:creationId xmlns:p14="http://schemas.microsoft.com/office/powerpoint/2010/main" val="52887433"/>
+      </p:ext>
+    </p:extLst>
+  </p:cSld>
+  <p:clrMapOvr>
+    <a:masterClrMapping/>
+  </p:clrMapOvr>
+</p:sld>
+</file>
+
+<file path=ppt/slides/slide16.xml><?xml version="1.0" encoding="utf-8"?>
+<p:sld xmlns:a="http://schemas.openxmlformats.org/drawingml/2006/main" xmlns:r="http://schemas.openxmlformats.org/officeDocument/2006/relationships" xmlns:p="http://schemas.openxmlformats.org/presentationml/2006/main">
+  <p:cSld>
+    <p:spTree>
+      <p:nvGrpSpPr>
+        <p:cNvPr id="1" name=""/>
+        <p:cNvGrpSpPr/>
+        <p:nvPr/>
+      </p:nvGrpSpPr>
+      <p:grpSpPr>
+        <a:xfrm>
+          <a:off x="0" y="0"/>
+          <a:ext cx="0" cy="0"/>
+          <a:chOff x="0" y="0"/>
+          <a:chExt cx="0" cy="0"/>
+        </a:xfrm>
+      </p:grpSpPr>
+      <p:sp>
+        <p:nvSpPr>
+          <p:cNvPr id="6" name="직사각형 5">
+            <a:extLst>
+              <a:ext uri="{FF2B5EF4-FFF2-40B4-BE49-F238E27FC236}">
+                <a16:creationId xmlns:a16="http://schemas.microsoft.com/office/drawing/2014/main" id="{62C7DFEA-8610-F7BE-5802-7CB3D65602B0}"/>
+              </a:ext>
+            </a:extLst>
+          </p:cNvPr>
+          <p:cNvSpPr/>
+          <p:nvPr/>
+        </p:nvSpPr>
+        <p:spPr>
+          <a:xfrm>
             <a:off x="1851890" y="2133600"/>
             <a:ext cx="10021456" cy="4221018"/>
           </a:xfrm>
@@ -10997,6 +11518,1536 @@
 </file>
 
 <file path=ppt/slides/slide2.xml><?xml version="1.0" encoding="utf-8"?>
+<p:sld xmlns:a="http://schemas.openxmlformats.org/drawingml/2006/main" xmlns:r="http://schemas.openxmlformats.org/officeDocument/2006/relationships" xmlns:p="http://schemas.openxmlformats.org/presentationml/2006/main">
+  <p:cSld>
+    <p:spTree>
+      <p:nvGrpSpPr>
+        <p:cNvPr id="1" name="">
+          <a:extLst>
+            <a:ext uri="{FF2B5EF4-FFF2-40B4-BE49-F238E27FC236}">
+              <a16:creationId xmlns:a16="http://schemas.microsoft.com/office/drawing/2014/main" id="{9000A89A-3952-9DA6-6312-EC561406885F}"/>
+            </a:ext>
+          </a:extLst>
+        </p:cNvPr>
+        <p:cNvGrpSpPr/>
+        <p:nvPr/>
+      </p:nvGrpSpPr>
+      <p:grpSpPr>
+        <a:xfrm>
+          <a:off x="0" y="0"/>
+          <a:ext cx="0" cy="0"/>
+          <a:chOff x="0" y="0"/>
+          <a:chExt cx="0" cy="0"/>
+        </a:xfrm>
+      </p:grpSpPr>
+      <p:sp>
+        <p:nvSpPr>
+          <p:cNvPr id="2" name="직사각형 1">
+            <a:extLst>
+              <a:ext uri="{FF2B5EF4-FFF2-40B4-BE49-F238E27FC236}">
+                <a16:creationId xmlns:a16="http://schemas.microsoft.com/office/drawing/2014/main" id="{07060780-A24B-65BB-356C-55FE79D71AEB}"/>
+              </a:ext>
+            </a:extLst>
+          </p:cNvPr>
+          <p:cNvSpPr/>
+          <p:nvPr/>
+        </p:nvSpPr>
+        <p:spPr>
+          <a:xfrm>
+            <a:off x="237836" y="143165"/>
+            <a:ext cx="4262582" cy="420253"/>
+          </a:xfrm>
+          <a:prstGeom prst="rect">
+            <a:avLst/>
+          </a:prstGeom>
+          <a:noFill/>
+          <a:ln w="38100">
+            <a:noFill/>
+          </a:ln>
+        </p:spPr>
+        <p:style>
+          <a:lnRef idx="2">
+            <a:schemeClr val="accent1">
+              <a:shade val="15000"/>
+            </a:schemeClr>
+          </a:lnRef>
+          <a:fillRef idx="1">
+            <a:schemeClr val="accent1"/>
+          </a:fillRef>
+          <a:effectRef idx="0">
+            <a:schemeClr val="accent1"/>
+          </a:effectRef>
+          <a:fontRef idx="minor">
+            <a:schemeClr val="lt1"/>
+          </a:fontRef>
+        </p:style>
+        <p:txBody>
+          <a:bodyPr rtlCol="0" anchor="t"/>
+          <a:lstStyle/>
+          <a:p>
+            <a:r>
+              <a:rPr lang="ko-KR" altLang="en-US" sz="2400" dirty="0">
+                <a:solidFill>
+                  <a:schemeClr val="bg1">
+                    <a:lumMod val="50000"/>
+                  </a:schemeClr>
+                </a:solidFill>
+              </a:rPr>
+              <a:t>메뉴 구조도</a:t>
+            </a:r>
+            <a:endParaRPr lang="en-US" altLang="ko-KR" sz="2400" dirty="0">
+              <a:solidFill>
+                <a:schemeClr val="bg1">
+                  <a:lumMod val="50000"/>
+                </a:schemeClr>
+              </a:solidFill>
+            </a:endParaRPr>
+          </a:p>
+        </p:txBody>
+      </p:sp>
+      <p:sp>
+        <p:nvSpPr>
+          <p:cNvPr id="10" name="사각형: 둥근 모서리 9">
+            <a:extLst>
+              <a:ext uri="{FF2B5EF4-FFF2-40B4-BE49-F238E27FC236}">
+                <a16:creationId xmlns:a16="http://schemas.microsoft.com/office/drawing/2014/main" id="{852971A5-0D3A-A9AE-C645-550E1D3DFEB4}"/>
+              </a:ext>
+            </a:extLst>
+          </p:cNvPr>
+          <p:cNvSpPr/>
+          <p:nvPr/>
+        </p:nvSpPr>
+        <p:spPr>
+          <a:xfrm>
+            <a:off x="226293" y="809317"/>
+            <a:ext cx="1884219" cy="738909"/>
+          </a:xfrm>
+          <a:prstGeom prst="roundRect">
+            <a:avLst/>
+          </a:prstGeom>
+          <a:solidFill>
+            <a:schemeClr val="bg1">
+              <a:lumMod val="85000"/>
+            </a:schemeClr>
+          </a:solidFill>
+        </p:spPr>
+        <p:style>
+          <a:lnRef idx="2">
+            <a:schemeClr val="accent1">
+              <a:shade val="15000"/>
+            </a:schemeClr>
+          </a:lnRef>
+          <a:fillRef idx="1">
+            <a:schemeClr val="accent1"/>
+          </a:fillRef>
+          <a:effectRef idx="0">
+            <a:schemeClr val="accent1"/>
+          </a:effectRef>
+          <a:fontRef idx="minor">
+            <a:schemeClr val="lt1"/>
+          </a:fontRef>
+        </p:style>
+        <p:txBody>
+          <a:bodyPr rtlCol="0" anchor="ctr"/>
+          <a:lstStyle/>
+          <a:p>
+            <a:pPr algn="ctr"/>
+            <a:r>
+              <a:rPr lang="ko-KR" altLang="en-US" dirty="0">
+                <a:solidFill>
+                  <a:schemeClr val="tx1"/>
+                </a:solidFill>
+              </a:rPr>
+              <a:t>관리자</a:t>
+            </a:r>
+          </a:p>
+        </p:txBody>
+      </p:sp>
+      <p:sp>
+        <p:nvSpPr>
+          <p:cNvPr id="11" name="사각형: 둥근 모서리 10">
+            <a:extLst>
+              <a:ext uri="{FF2B5EF4-FFF2-40B4-BE49-F238E27FC236}">
+                <a16:creationId xmlns:a16="http://schemas.microsoft.com/office/drawing/2014/main" id="{B78D8754-DC00-C129-5180-5F7E41E1042C}"/>
+              </a:ext>
+            </a:extLst>
+          </p:cNvPr>
+          <p:cNvSpPr/>
+          <p:nvPr/>
+        </p:nvSpPr>
+        <p:spPr>
+          <a:xfrm>
+            <a:off x="2698560" y="809317"/>
+            <a:ext cx="1884219" cy="738909"/>
+          </a:xfrm>
+          <a:prstGeom prst="roundRect">
+            <a:avLst/>
+          </a:prstGeom>
+          <a:noFill/>
+        </p:spPr>
+        <p:style>
+          <a:lnRef idx="2">
+            <a:schemeClr val="accent1">
+              <a:shade val="15000"/>
+            </a:schemeClr>
+          </a:lnRef>
+          <a:fillRef idx="1">
+            <a:schemeClr val="accent1"/>
+          </a:fillRef>
+          <a:effectRef idx="0">
+            <a:schemeClr val="accent1"/>
+          </a:effectRef>
+          <a:fontRef idx="minor">
+            <a:schemeClr val="lt1"/>
+          </a:fontRef>
+        </p:style>
+        <p:txBody>
+          <a:bodyPr rtlCol="0" anchor="ctr"/>
+          <a:lstStyle/>
+          <a:p>
+            <a:pPr algn="ctr"/>
+            <a:r>
+              <a:rPr lang="ko-KR" altLang="en-US" dirty="0">
+                <a:solidFill>
+                  <a:schemeClr val="tx1"/>
+                </a:solidFill>
+              </a:rPr>
+              <a:t>메인</a:t>
+            </a:r>
+            <a:endParaRPr lang="en-US" altLang="ko-KR" dirty="0">
+              <a:solidFill>
+                <a:schemeClr val="tx1"/>
+              </a:solidFill>
+            </a:endParaRPr>
+          </a:p>
+          <a:p>
+            <a:pPr algn="ctr"/>
+            <a:r>
+              <a:rPr lang="en-US" altLang="ko-KR" sz="1200" dirty="0">
+                <a:solidFill>
+                  <a:prstClr val="black">
+                    <a:lumMod val="50000"/>
+                    <a:lumOff val="50000"/>
+                  </a:prstClr>
+                </a:solidFill>
+              </a:rPr>
+              <a:t>main</a:t>
+            </a:r>
+            <a:endParaRPr lang="ko-KR" altLang="en-US" dirty="0">
+              <a:solidFill>
+                <a:schemeClr val="tx1"/>
+              </a:solidFill>
+            </a:endParaRPr>
+          </a:p>
+        </p:txBody>
+      </p:sp>
+      <p:cxnSp>
+        <p:nvCxnSpPr>
+          <p:cNvPr id="31" name="직선 화살표 연결선 30">
+            <a:extLst>
+              <a:ext uri="{FF2B5EF4-FFF2-40B4-BE49-F238E27FC236}">
+                <a16:creationId xmlns:a16="http://schemas.microsoft.com/office/drawing/2014/main" id="{E1D43B14-0C62-856D-9C7D-E2922D96AF80}"/>
+              </a:ext>
+            </a:extLst>
+          </p:cNvPr>
+          <p:cNvCxnSpPr>
+            <a:cxnSpLocks/>
+          </p:cNvCxnSpPr>
+          <p:nvPr/>
+        </p:nvCxnSpPr>
+        <p:spPr>
+          <a:xfrm>
+            <a:off x="2110512" y="1178771"/>
+            <a:ext cx="588048" cy="0"/>
+          </a:xfrm>
+          <a:prstGeom prst="straightConnector1">
+            <a:avLst/>
+          </a:prstGeom>
+          <a:ln w="38100">
+            <a:tailEnd type="triangle"/>
+          </a:ln>
+        </p:spPr>
+        <p:style>
+          <a:lnRef idx="1">
+            <a:schemeClr val="accent1"/>
+          </a:lnRef>
+          <a:fillRef idx="0">
+            <a:schemeClr val="accent1"/>
+          </a:fillRef>
+          <a:effectRef idx="0">
+            <a:schemeClr val="accent1"/>
+          </a:effectRef>
+          <a:fontRef idx="minor">
+            <a:schemeClr val="tx1"/>
+          </a:fontRef>
+        </p:style>
+      </p:cxnSp>
+      <p:sp>
+        <p:nvSpPr>
+          <p:cNvPr id="9" name="사각형: 둥근 모서리 8">
+            <a:extLst>
+              <a:ext uri="{FF2B5EF4-FFF2-40B4-BE49-F238E27FC236}">
+                <a16:creationId xmlns:a16="http://schemas.microsoft.com/office/drawing/2014/main" id="{AA541182-4DFC-ECD0-77B9-5DDE2AE7446A}"/>
+              </a:ext>
+            </a:extLst>
+          </p:cNvPr>
+          <p:cNvSpPr/>
+          <p:nvPr/>
+        </p:nvSpPr>
+        <p:spPr>
+          <a:xfrm>
+            <a:off x="2698560" y="1747962"/>
+            <a:ext cx="1884219" cy="760390"/>
+          </a:xfrm>
+          <a:prstGeom prst="roundRect">
+            <a:avLst>
+              <a:gd name="adj" fmla="val 17024"/>
+            </a:avLst>
+          </a:prstGeom>
+          <a:noFill/>
+        </p:spPr>
+        <p:style>
+          <a:lnRef idx="2">
+            <a:schemeClr val="accent1">
+              <a:shade val="15000"/>
+            </a:schemeClr>
+          </a:lnRef>
+          <a:fillRef idx="1">
+            <a:schemeClr val="accent1"/>
+          </a:fillRef>
+          <a:effectRef idx="0">
+            <a:schemeClr val="accent1"/>
+          </a:effectRef>
+          <a:fontRef idx="minor">
+            <a:schemeClr val="lt1"/>
+          </a:fontRef>
+        </p:style>
+        <p:txBody>
+          <a:bodyPr rtlCol="0" anchor="ctr"/>
+          <a:lstStyle/>
+          <a:p>
+            <a:pPr algn="ctr"/>
+            <a:r>
+              <a:rPr lang="ko-KR" altLang="en-US" dirty="0">
+                <a:solidFill>
+                  <a:schemeClr val="tx1"/>
+                </a:solidFill>
+              </a:rPr>
+              <a:t>상품</a:t>
+            </a:r>
+            <a:endParaRPr lang="en-US" altLang="ko-KR" dirty="0">
+              <a:solidFill>
+                <a:schemeClr val="tx1"/>
+              </a:solidFill>
+            </a:endParaRPr>
+          </a:p>
+          <a:p>
+            <a:pPr algn="ctr"/>
+            <a:r>
+              <a:rPr lang="en-US" altLang="ko-KR" sz="1200" dirty="0">
+                <a:solidFill>
+                  <a:prstClr val="black">
+                    <a:lumMod val="50000"/>
+                    <a:lumOff val="50000"/>
+                  </a:prstClr>
+                </a:solidFill>
+              </a:rPr>
+              <a:t>market</a:t>
+            </a:r>
+            <a:endParaRPr lang="ko-KR" altLang="en-US" dirty="0">
+              <a:solidFill>
+                <a:schemeClr val="tx1"/>
+              </a:solidFill>
+            </a:endParaRPr>
+          </a:p>
+        </p:txBody>
+      </p:sp>
+      <p:cxnSp>
+        <p:nvCxnSpPr>
+          <p:cNvPr id="14" name="직선 화살표 연결선 13">
+            <a:extLst>
+              <a:ext uri="{FF2B5EF4-FFF2-40B4-BE49-F238E27FC236}">
+                <a16:creationId xmlns:a16="http://schemas.microsoft.com/office/drawing/2014/main" id="{02F9B394-BDBF-03EF-CAA9-9E6527423B2A}"/>
+              </a:ext>
+            </a:extLst>
+          </p:cNvPr>
+          <p:cNvCxnSpPr>
+            <a:cxnSpLocks/>
+          </p:cNvCxnSpPr>
+          <p:nvPr/>
+        </p:nvCxnSpPr>
+        <p:spPr>
+          <a:xfrm>
+            <a:off x="2350654" y="2117416"/>
+            <a:ext cx="360000" cy="0"/>
+          </a:xfrm>
+          <a:prstGeom prst="straightConnector1">
+            <a:avLst/>
+          </a:prstGeom>
+          <a:ln w="38100">
+            <a:tailEnd type="triangle"/>
+          </a:ln>
+        </p:spPr>
+        <p:style>
+          <a:lnRef idx="1">
+            <a:schemeClr val="accent1"/>
+          </a:lnRef>
+          <a:fillRef idx="0">
+            <a:schemeClr val="accent1"/>
+          </a:fillRef>
+          <a:effectRef idx="0">
+            <a:schemeClr val="accent1"/>
+          </a:effectRef>
+          <a:fontRef idx="minor">
+            <a:schemeClr val="tx1"/>
+          </a:fontRef>
+        </p:style>
+      </p:cxnSp>
+      <p:sp>
+        <p:nvSpPr>
+          <p:cNvPr id="15" name="사각형: 둥근 모서리 14">
+            <a:extLst>
+              <a:ext uri="{FF2B5EF4-FFF2-40B4-BE49-F238E27FC236}">
+                <a16:creationId xmlns:a16="http://schemas.microsoft.com/office/drawing/2014/main" id="{3F60E7A7-9029-4F64-CAF1-DFE6C3425FF6}"/>
+              </a:ext>
+            </a:extLst>
+          </p:cNvPr>
+          <p:cNvSpPr/>
+          <p:nvPr/>
+        </p:nvSpPr>
+        <p:spPr>
+          <a:xfrm>
+            <a:off x="5170827" y="1758704"/>
+            <a:ext cx="1884219" cy="738909"/>
+          </a:xfrm>
+          <a:prstGeom prst="roundRect">
+            <a:avLst/>
+          </a:prstGeom>
+          <a:noFill/>
+        </p:spPr>
+        <p:style>
+          <a:lnRef idx="2">
+            <a:schemeClr val="accent1">
+              <a:shade val="15000"/>
+            </a:schemeClr>
+          </a:lnRef>
+          <a:fillRef idx="1">
+            <a:schemeClr val="accent1"/>
+          </a:fillRef>
+          <a:effectRef idx="0">
+            <a:schemeClr val="accent1"/>
+          </a:effectRef>
+          <a:fontRef idx="minor">
+            <a:schemeClr val="lt1"/>
+          </a:fontRef>
+        </p:style>
+        <p:txBody>
+          <a:bodyPr rtlCol="0" anchor="ctr"/>
+          <a:lstStyle/>
+          <a:p>
+            <a:pPr algn="ctr"/>
+            <a:r>
+              <a:rPr lang="ko-KR" altLang="en-US" dirty="0">
+                <a:solidFill>
+                  <a:schemeClr val="tx1"/>
+                </a:solidFill>
+              </a:rPr>
+              <a:t>상품조회</a:t>
+            </a:r>
+            <a:endParaRPr lang="en-US" altLang="ko-KR" dirty="0">
+              <a:solidFill>
+                <a:schemeClr val="tx1"/>
+              </a:solidFill>
+            </a:endParaRPr>
+          </a:p>
+          <a:p>
+            <a:pPr algn="ctr"/>
+            <a:r>
+              <a:rPr lang="en-US" altLang="ko-KR" sz="1200" dirty="0">
+                <a:solidFill>
+                  <a:prstClr val="black">
+                    <a:lumMod val="50000"/>
+                    <a:lumOff val="50000"/>
+                  </a:prstClr>
+                </a:solidFill>
+              </a:rPr>
+              <a:t>market/item/list</a:t>
+            </a:r>
+            <a:endParaRPr lang="ko-KR" altLang="en-US" dirty="0">
+              <a:solidFill>
+                <a:schemeClr val="tx1"/>
+              </a:solidFill>
+            </a:endParaRPr>
+          </a:p>
+        </p:txBody>
+      </p:sp>
+      <p:cxnSp>
+        <p:nvCxnSpPr>
+          <p:cNvPr id="17" name="직선 화살표 연결선 16">
+            <a:extLst>
+              <a:ext uri="{FF2B5EF4-FFF2-40B4-BE49-F238E27FC236}">
+                <a16:creationId xmlns:a16="http://schemas.microsoft.com/office/drawing/2014/main" id="{3E4E9536-226D-2803-FB7E-9779FCD4AF30}"/>
+              </a:ext>
+            </a:extLst>
+          </p:cNvPr>
+          <p:cNvCxnSpPr>
+            <a:cxnSpLocks/>
+          </p:cNvCxnSpPr>
+          <p:nvPr/>
+        </p:nvCxnSpPr>
+        <p:spPr>
+          <a:xfrm>
+            <a:off x="4582779" y="2128158"/>
+            <a:ext cx="588048" cy="0"/>
+          </a:xfrm>
+          <a:prstGeom prst="straightConnector1">
+            <a:avLst/>
+          </a:prstGeom>
+          <a:ln w="38100">
+            <a:tailEnd type="triangle"/>
+          </a:ln>
+        </p:spPr>
+        <p:style>
+          <a:lnRef idx="1">
+            <a:schemeClr val="accent1"/>
+          </a:lnRef>
+          <a:fillRef idx="0">
+            <a:schemeClr val="accent1"/>
+          </a:fillRef>
+          <a:effectRef idx="0">
+            <a:schemeClr val="accent1"/>
+          </a:effectRef>
+          <a:fontRef idx="minor">
+            <a:schemeClr val="tx1"/>
+          </a:fontRef>
+        </p:style>
+      </p:cxnSp>
+      <p:sp>
+        <p:nvSpPr>
+          <p:cNvPr id="18" name="직사각형 17">
+            <a:extLst>
+              <a:ext uri="{FF2B5EF4-FFF2-40B4-BE49-F238E27FC236}">
+                <a16:creationId xmlns:a16="http://schemas.microsoft.com/office/drawing/2014/main" id="{40366DFF-571C-D715-87B6-52ECF029EF26}"/>
+              </a:ext>
+            </a:extLst>
+          </p:cNvPr>
+          <p:cNvSpPr/>
+          <p:nvPr/>
+        </p:nvSpPr>
+        <p:spPr>
+          <a:xfrm>
+            <a:off x="10115357" y="1758704"/>
+            <a:ext cx="1884219" cy="303355"/>
+          </a:xfrm>
+          <a:prstGeom prst="rect">
+            <a:avLst/>
+          </a:prstGeom>
+          <a:noFill/>
+        </p:spPr>
+        <p:style>
+          <a:lnRef idx="2">
+            <a:schemeClr val="accent1">
+              <a:shade val="15000"/>
+            </a:schemeClr>
+          </a:lnRef>
+          <a:fillRef idx="1">
+            <a:schemeClr val="accent1"/>
+          </a:fillRef>
+          <a:effectRef idx="0">
+            <a:schemeClr val="accent1"/>
+          </a:effectRef>
+          <a:fontRef idx="minor">
+            <a:schemeClr val="lt1"/>
+          </a:fontRef>
+        </p:style>
+        <p:txBody>
+          <a:bodyPr rtlCol="0" anchor="ctr"/>
+          <a:lstStyle/>
+          <a:p>
+            <a:pPr algn="ctr"/>
+            <a:r>
+              <a:rPr lang="ko-KR" altLang="en-US" sz="1200" dirty="0">
+                <a:solidFill>
+                  <a:schemeClr val="tx1"/>
+                </a:solidFill>
+              </a:rPr>
+              <a:t>상품수정</a:t>
+            </a:r>
+            <a:r>
+              <a:rPr lang="en-US" altLang="ko-KR" sz="1200" dirty="0">
+                <a:solidFill>
+                  <a:schemeClr val="tx1"/>
+                </a:solidFill>
+              </a:rPr>
+              <a:t>(.do)</a:t>
+            </a:r>
+            <a:endParaRPr lang="ko-KR" altLang="en-US" sz="1200" dirty="0">
+              <a:solidFill>
+                <a:schemeClr val="tx1"/>
+              </a:solidFill>
+            </a:endParaRPr>
+          </a:p>
+        </p:txBody>
+      </p:sp>
+      <p:sp>
+        <p:nvSpPr>
+          <p:cNvPr id="22" name="사각형: 둥근 모서리 21">
+            <a:extLst>
+              <a:ext uri="{FF2B5EF4-FFF2-40B4-BE49-F238E27FC236}">
+                <a16:creationId xmlns:a16="http://schemas.microsoft.com/office/drawing/2014/main" id="{5221A9F7-D9AB-60AC-F35E-DC57567D64FD}"/>
+              </a:ext>
+            </a:extLst>
+          </p:cNvPr>
+          <p:cNvSpPr/>
+          <p:nvPr/>
+        </p:nvSpPr>
+        <p:spPr>
+          <a:xfrm>
+            <a:off x="7643092" y="1769446"/>
+            <a:ext cx="1884219" cy="738909"/>
+          </a:xfrm>
+          <a:prstGeom prst="roundRect">
+            <a:avLst/>
+          </a:prstGeom>
+          <a:noFill/>
+        </p:spPr>
+        <p:style>
+          <a:lnRef idx="2">
+            <a:schemeClr val="accent1">
+              <a:shade val="15000"/>
+            </a:schemeClr>
+          </a:lnRef>
+          <a:fillRef idx="1">
+            <a:schemeClr val="accent1"/>
+          </a:fillRef>
+          <a:effectRef idx="0">
+            <a:schemeClr val="accent1"/>
+          </a:effectRef>
+          <a:fontRef idx="minor">
+            <a:schemeClr val="lt1"/>
+          </a:fontRef>
+        </p:style>
+        <p:txBody>
+          <a:bodyPr rtlCol="0" anchor="ctr"/>
+          <a:lstStyle/>
+          <a:p>
+            <a:pPr algn="ctr"/>
+            <a:r>
+              <a:rPr lang="ko-KR" altLang="en-US" dirty="0">
+                <a:solidFill>
+                  <a:schemeClr val="tx1"/>
+                </a:solidFill>
+              </a:rPr>
+              <a:t>상품상세조회</a:t>
+            </a:r>
+            <a:endParaRPr lang="en-US" altLang="ko-KR" dirty="0">
+              <a:solidFill>
+                <a:schemeClr val="tx1"/>
+              </a:solidFill>
+            </a:endParaRPr>
+          </a:p>
+          <a:p>
+            <a:pPr algn="ctr"/>
+            <a:r>
+              <a:rPr lang="en-US" altLang="ko-KR" sz="1200" dirty="0">
+                <a:solidFill>
+                  <a:prstClr val="black">
+                    <a:lumMod val="50000"/>
+                    <a:lumOff val="50000"/>
+                  </a:prstClr>
+                </a:solidFill>
+              </a:rPr>
+              <a:t>market/item/detail</a:t>
+            </a:r>
+            <a:endParaRPr lang="ko-KR" altLang="en-US" dirty="0">
+              <a:solidFill>
+                <a:schemeClr val="tx1"/>
+              </a:solidFill>
+            </a:endParaRPr>
+          </a:p>
+        </p:txBody>
+      </p:sp>
+      <p:cxnSp>
+        <p:nvCxnSpPr>
+          <p:cNvPr id="23" name="직선 화살표 연결선 22">
+            <a:extLst>
+              <a:ext uri="{FF2B5EF4-FFF2-40B4-BE49-F238E27FC236}">
+                <a16:creationId xmlns:a16="http://schemas.microsoft.com/office/drawing/2014/main" id="{6C64084F-1D9B-0114-75DE-7BC7B57B73DE}"/>
+              </a:ext>
+            </a:extLst>
+          </p:cNvPr>
+          <p:cNvCxnSpPr>
+            <a:cxnSpLocks/>
+          </p:cNvCxnSpPr>
+          <p:nvPr/>
+        </p:nvCxnSpPr>
+        <p:spPr>
+          <a:xfrm>
+            <a:off x="7055044" y="2138900"/>
+            <a:ext cx="588048" cy="0"/>
+          </a:xfrm>
+          <a:prstGeom prst="straightConnector1">
+            <a:avLst/>
+          </a:prstGeom>
+          <a:ln w="38100">
+            <a:tailEnd type="triangle"/>
+          </a:ln>
+        </p:spPr>
+        <p:style>
+          <a:lnRef idx="1">
+            <a:schemeClr val="accent1"/>
+          </a:lnRef>
+          <a:fillRef idx="0">
+            <a:schemeClr val="accent1"/>
+          </a:fillRef>
+          <a:effectRef idx="0">
+            <a:schemeClr val="accent1"/>
+          </a:effectRef>
+          <a:fontRef idx="minor">
+            <a:schemeClr val="tx1"/>
+          </a:fontRef>
+        </p:style>
+      </p:cxnSp>
+      <p:cxnSp>
+        <p:nvCxnSpPr>
+          <p:cNvPr id="27" name="직선 화살표 연결선 26">
+            <a:extLst>
+              <a:ext uri="{FF2B5EF4-FFF2-40B4-BE49-F238E27FC236}">
+                <a16:creationId xmlns:a16="http://schemas.microsoft.com/office/drawing/2014/main" id="{1A5F3422-2406-1579-ACBA-D2A4E50B1FB0}"/>
+              </a:ext>
+            </a:extLst>
+          </p:cNvPr>
+          <p:cNvCxnSpPr>
+            <a:cxnSpLocks/>
+          </p:cNvCxnSpPr>
+          <p:nvPr/>
+        </p:nvCxnSpPr>
+        <p:spPr>
+          <a:xfrm>
+            <a:off x="9527311" y="1923244"/>
+            <a:ext cx="588048" cy="0"/>
+          </a:xfrm>
+          <a:prstGeom prst="straightConnector1">
+            <a:avLst/>
+          </a:prstGeom>
+          <a:ln w="38100">
+            <a:tailEnd type="triangle"/>
+          </a:ln>
+        </p:spPr>
+        <p:style>
+          <a:lnRef idx="1">
+            <a:schemeClr val="accent1"/>
+          </a:lnRef>
+          <a:fillRef idx="0">
+            <a:schemeClr val="accent1"/>
+          </a:fillRef>
+          <a:effectRef idx="0">
+            <a:schemeClr val="accent1"/>
+          </a:effectRef>
+          <a:fontRef idx="minor">
+            <a:schemeClr val="tx1"/>
+          </a:fontRef>
+        </p:style>
+      </p:cxnSp>
+      <p:sp>
+        <p:nvSpPr>
+          <p:cNvPr id="34" name="사각형: 둥근 모서리 33">
+            <a:extLst>
+              <a:ext uri="{FF2B5EF4-FFF2-40B4-BE49-F238E27FC236}">
+                <a16:creationId xmlns:a16="http://schemas.microsoft.com/office/drawing/2014/main" id="{A6233B3C-8CAB-4AD9-DDE6-BC82B5357A8E}"/>
+              </a:ext>
+            </a:extLst>
+          </p:cNvPr>
+          <p:cNvSpPr/>
+          <p:nvPr/>
+        </p:nvSpPr>
+        <p:spPr>
+          <a:xfrm>
+            <a:off x="5170827" y="3590056"/>
+            <a:ext cx="1884219" cy="738909"/>
+          </a:xfrm>
+          <a:prstGeom prst="roundRect">
+            <a:avLst/>
+          </a:prstGeom>
+          <a:noFill/>
+        </p:spPr>
+        <p:style>
+          <a:lnRef idx="2">
+            <a:schemeClr val="accent1">
+              <a:shade val="15000"/>
+            </a:schemeClr>
+          </a:lnRef>
+          <a:fillRef idx="1">
+            <a:schemeClr val="accent1"/>
+          </a:fillRef>
+          <a:effectRef idx="0">
+            <a:schemeClr val="accent1"/>
+          </a:effectRef>
+          <a:fontRef idx="minor">
+            <a:schemeClr val="lt1"/>
+          </a:fontRef>
+        </p:style>
+        <p:txBody>
+          <a:bodyPr rtlCol="0" anchor="ctr"/>
+          <a:lstStyle/>
+          <a:p>
+            <a:pPr algn="ctr"/>
+            <a:r>
+              <a:rPr lang="ko-KR" altLang="en-US" dirty="0">
+                <a:solidFill>
+                  <a:schemeClr val="tx1"/>
+                </a:solidFill>
+              </a:rPr>
+              <a:t>주문내역</a:t>
+            </a:r>
+            <a:endParaRPr lang="en-US" altLang="ko-KR" dirty="0">
+              <a:solidFill>
+                <a:schemeClr val="tx1"/>
+              </a:solidFill>
+            </a:endParaRPr>
+          </a:p>
+          <a:p>
+            <a:pPr algn="ctr"/>
+            <a:r>
+              <a:rPr lang="en-US" altLang="ko-KR" sz="1200" dirty="0">
+                <a:solidFill>
+                  <a:prstClr val="black">
+                    <a:lumMod val="50000"/>
+                    <a:lumOff val="50000"/>
+                  </a:prstClr>
+                </a:solidFill>
+              </a:rPr>
+              <a:t>market/order</a:t>
+            </a:r>
+            <a:endParaRPr lang="ko-KR" altLang="en-US" dirty="0">
+              <a:solidFill>
+                <a:schemeClr val="tx1"/>
+              </a:solidFill>
+            </a:endParaRPr>
+          </a:p>
+        </p:txBody>
+      </p:sp>
+      <p:cxnSp>
+        <p:nvCxnSpPr>
+          <p:cNvPr id="35" name="직선 화살표 연결선 34">
+            <a:extLst>
+              <a:ext uri="{FF2B5EF4-FFF2-40B4-BE49-F238E27FC236}">
+                <a16:creationId xmlns:a16="http://schemas.microsoft.com/office/drawing/2014/main" id="{EDD7CD64-2607-C289-597F-644BB001233A}"/>
+              </a:ext>
+            </a:extLst>
+          </p:cNvPr>
+          <p:cNvCxnSpPr>
+            <a:cxnSpLocks/>
+          </p:cNvCxnSpPr>
+          <p:nvPr/>
+        </p:nvCxnSpPr>
+        <p:spPr>
+          <a:xfrm>
+            <a:off x="4835235" y="3968746"/>
+            <a:ext cx="335592" cy="0"/>
+          </a:xfrm>
+          <a:prstGeom prst="straightConnector1">
+            <a:avLst/>
+          </a:prstGeom>
+          <a:ln w="38100">
+            <a:tailEnd type="triangle"/>
+          </a:ln>
+        </p:spPr>
+        <p:style>
+          <a:lnRef idx="1">
+            <a:schemeClr val="accent1"/>
+          </a:lnRef>
+          <a:fillRef idx="0">
+            <a:schemeClr val="accent1"/>
+          </a:fillRef>
+          <a:effectRef idx="0">
+            <a:schemeClr val="accent1"/>
+          </a:effectRef>
+          <a:fontRef idx="minor">
+            <a:schemeClr val="tx1"/>
+          </a:fontRef>
+        </p:style>
+      </p:cxnSp>
+      <p:sp>
+        <p:nvSpPr>
+          <p:cNvPr id="37" name="직사각형 36">
+            <a:extLst>
+              <a:ext uri="{FF2B5EF4-FFF2-40B4-BE49-F238E27FC236}">
+                <a16:creationId xmlns:a16="http://schemas.microsoft.com/office/drawing/2014/main" id="{3050D7E3-FEDB-359A-86EF-4348547B1E90}"/>
+              </a:ext>
+            </a:extLst>
+          </p:cNvPr>
+          <p:cNvSpPr/>
+          <p:nvPr/>
+        </p:nvSpPr>
+        <p:spPr>
+          <a:xfrm>
+            <a:off x="7643092" y="2669008"/>
+            <a:ext cx="1884219" cy="303355"/>
+          </a:xfrm>
+          <a:prstGeom prst="rect">
+            <a:avLst/>
+          </a:prstGeom>
+          <a:noFill/>
+        </p:spPr>
+        <p:style>
+          <a:lnRef idx="2">
+            <a:schemeClr val="accent1">
+              <a:shade val="15000"/>
+            </a:schemeClr>
+          </a:lnRef>
+          <a:fillRef idx="1">
+            <a:schemeClr val="accent1"/>
+          </a:fillRef>
+          <a:effectRef idx="0">
+            <a:schemeClr val="accent1"/>
+          </a:effectRef>
+          <a:fontRef idx="minor">
+            <a:schemeClr val="lt1"/>
+          </a:fontRef>
+        </p:style>
+        <p:txBody>
+          <a:bodyPr rtlCol="0" anchor="ctr"/>
+          <a:lstStyle/>
+          <a:p>
+            <a:pPr algn="ctr"/>
+            <a:r>
+              <a:rPr lang="ko-KR" altLang="en-US" sz="1200" dirty="0">
+                <a:solidFill>
+                  <a:schemeClr val="tx1"/>
+                </a:solidFill>
+              </a:rPr>
+              <a:t>상품등록</a:t>
+            </a:r>
+            <a:r>
+              <a:rPr lang="en-US" altLang="ko-KR" sz="1200" dirty="0">
+                <a:solidFill>
+                  <a:schemeClr val="tx1"/>
+                </a:solidFill>
+              </a:rPr>
+              <a:t>(.do)</a:t>
+            </a:r>
+            <a:endParaRPr lang="ko-KR" altLang="en-US" sz="1200" dirty="0">
+              <a:solidFill>
+                <a:schemeClr val="tx1"/>
+              </a:solidFill>
+            </a:endParaRPr>
+          </a:p>
+        </p:txBody>
+      </p:sp>
+      <p:sp>
+        <p:nvSpPr>
+          <p:cNvPr id="38" name="사각형: 둥근 모서리 37">
+            <a:extLst>
+              <a:ext uri="{FF2B5EF4-FFF2-40B4-BE49-F238E27FC236}">
+                <a16:creationId xmlns:a16="http://schemas.microsoft.com/office/drawing/2014/main" id="{8DDDB991-2DD5-EACA-CC6B-C40025A56CF0}"/>
+              </a:ext>
+            </a:extLst>
+          </p:cNvPr>
+          <p:cNvSpPr/>
+          <p:nvPr/>
+        </p:nvSpPr>
+        <p:spPr>
+          <a:xfrm>
+            <a:off x="5170827" y="2679750"/>
+            <a:ext cx="1884219" cy="738909"/>
+          </a:xfrm>
+          <a:prstGeom prst="roundRect">
+            <a:avLst/>
+          </a:prstGeom>
+          <a:noFill/>
+        </p:spPr>
+        <p:style>
+          <a:lnRef idx="2">
+            <a:schemeClr val="accent1">
+              <a:shade val="15000"/>
+            </a:schemeClr>
+          </a:lnRef>
+          <a:fillRef idx="1">
+            <a:schemeClr val="accent1"/>
+          </a:fillRef>
+          <a:effectRef idx="0">
+            <a:schemeClr val="accent1"/>
+          </a:effectRef>
+          <a:fontRef idx="minor">
+            <a:schemeClr val="lt1"/>
+          </a:fontRef>
+        </p:style>
+        <p:txBody>
+          <a:bodyPr rtlCol="0" anchor="ctr"/>
+          <a:lstStyle/>
+          <a:p>
+            <a:pPr algn="ctr"/>
+            <a:r>
+              <a:rPr lang="ko-KR" altLang="en-US" dirty="0">
+                <a:solidFill>
+                  <a:schemeClr val="tx1"/>
+                </a:solidFill>
+              </a:rPr>
+              <a:t>상품등록</a:t>
+            </a:r>
+            <a:endParaRPr lang="en-US" altLang="ko-KR" dirty="0">
+              <a:solidFill>
+                <a:schemeClr val="tx1"/>
+              </a:solidFill>
+            </a:endParaRPr>
+          </a:p>
+          <a:p>
+            <a:pPr algn="ctr"/>
+            <a:r>
+              <a:rPr lang="en-US" altLang="ko-KR" sz="1200" dirty="0">
+                <a:solidFill>
+                  <a:prstClr val="black">
+                    <a:lumMod val="50000"/>
+                    <a:lumOff val="50000"/>
+                  </a:prstClr>
+                </a:solidFill>
+              </a:rPr>
+              <a:t>market/</a:t>
+            </a:r>
+            <a:endParaRPr lang="ko-KR" altLang="en-US" dirty="0">
+              <a:solidFill>
+                <a:schemeClr val="tx1"/>
+              </a:solidFill>
+            </a:endParaRPr>
+          </a:p>
+        </p:txBody>
+      </p:sp>
+      <p:cxnSp>
+        <p:nvCxnSpPr>
+          <p:cNvPr id="39" name="직선 화살표 연결선 38">
+            <a:extLst>
+              <a:ext uri="{FF2B5EF4-FFF2-40B4-BE49-F238E27FC236}">
+                <a16:creationId xmlns:a16="http://schemas.microsoft.com/office/drawing/2014/main" id="{495DA741-F61C-2DBE-EA39-05B298D3C874}"/>
+              </a:ext>
+            </a:extLst>
+          </p:cNvPr>
+          <p:cNvCxnSpPr>
+            <a:cxnSpLocks/>
+          </p:cNvCxnSpPr>
+          <p:nvPr/>
+        </p:nvCxnSpPr>
+        <p:spPr>
+          <a:xfrm>
+            <a:off x="4835235" y="3049204"/>
+            <a:ext cx="335592" cy="0"/>
+          </a:xfrm>
+          <a:prstGeom prst="straightConnector1">
+            <a:avLst/>
+          </a:prstGeom>
+          <a:ln w="38100">
+            <a:tailEnd type="triangle"/>
+          </a:ln>
+        </p:spPr>
+        <p:style>
+          <a:lnRef idx="1">
+            <a:schemeClr val="accent1"/>
+          </a:lnRef>
+          <a:fillRef idx="0">
+            <a:schemeClr val="accent1"/>
+          </a:fillRef>
+          <a:effectRef idx="0">
+            <a:schemeClr val="accent1"/>
+          </a:effectRef>
+          <a:fontRef idx="minor">
+            <a:schemeClr val="tx1"/>
+          </a:fontRef>
+        </p:style>
+      </p:cxnSp>
+      <p:cxnSp>
+        <p:nvCxnSpPr>
+          <p:cNvPr id="40" name="직선 화살표 연결선 39">
+            <a:extLst>
+              <a:ext uri="{FF2B5EF4-FFF2-40B4-BE49-F238E27FC236}">
+                <a16:creationId xmlns:a16="http://schemas.microsoft.com/office/drawing/2014/main" id="{9B0A8F02-6F30-8FEB-12EF-27D9F23E201C}"/>
+              </a:ext>
+            </a:extLst>
+          </p:cNvPr>
+          <p:cNvCxnSpPr>
+            <a:cxnSpLocks/>
+          </p:cNvCxnSpPr>
+          <p:nvPr/>
+        </p:nvCxnSpPr>
+        <p:spPr>
+          <a:xfrm>
+            <a:off x="7055046" y="2833548"/>
+            <a:ext cx="588048" cy="0"/>
+          </a:xfrm>
+          <a:prstGeom prst="straightConnector1">
+            <a:avLst/>
+          </a:prstGeom>
+          <a:ln w="38100">
+            <a:tailEnd type="triangle"/>
+          </a:ln>
+        </p:spPr>
+        <p:style>
+          <a:lnRef idx="1">
+            <a:schemeClr val="accent1"/>
+          </a:lnRef>
+          <a:fillRef idx="0">
+            <a:schemeClr val="accent1"/>
+          </a:fillRef>
+          <a:effectRef idx="0">
+            <a:schemeClr val="accent1"/>
+          </a:effectRef>
+          <a:fontRef idx="minor">
+            <a:schemeClr val="tx1"/>
+          </a:fontRef>
+        </p:style>
+      </p:cxnSp>
+      <p:sp>
+        <p:nvSpPr>
+          <p:cNvPr id="41" name="사각형: 둥근 모서리 40">
+            <a:extLst>
+              <a:ext uri="{FF2B5EF4-FFF2-40B4-BE49-F238E27FC236}">
+                <a16:creationId xmlns:a16="http://schemas.microsoft.com/office/drawing/2014/main" id="{3D746DE9-1754-3DBD-D2C0-35926D2E01C6}"/>
+              </a:ext>
+            </a:extLst>
+          </p:cNvPr>
+          <p:cNvSpPr/>
+          <p:nvPr/>
+        </p:nvSpPr>
+        <p:spPr>
+          <a:xfrm>
+            <a:off x="2698560" y="4500362"/>
+            <a:ext cx="1884219" cy="738909"/>
+          </a:xfrm>
+          <a:prstGeom prst="roundRect">
+            <a:avLst/>
+          </a:prstGeom>
+          <a:noFill/>
+        </p:spPr>
+        <p:style>
+          <a:lnRef idx="2">
+            <a:schemeClr val="accent1">
+              <a:shade val="15000"/>
+            </a:schemeClr>
+          </a:lnRef>
+          <a:fillRef idx="1">
+            <a:schemeClr val="accent1"/>
+          </a:fillRef>
+          <a:effectRef idx="0">
+            <a:schemeClr val="accent1"/>
+          </a:effectRef>
+          <a:fontRef idx="minor">
+            <a:schemeClr val="lt1"/>
+          </a:fontRef>
+        </p:style>
+        <p:txBody>
+          <a:bodyPr rtlCol="0" anchor="ctr"/>
+          <a:lstStyle/>
+          <a:p>
+            <a:pPr algn="ctr"/>
+            <a:r>
+              <a:rPr lang="ko-KR" altLang="en-US" dirty="0">
+                <a:solidFill>
+                  <a:schemeClr val="tx1"/>
+                </a:solidFill>
+              </a:rPr>
+              <a:t>마이페이지</a:t>
+            </a:r>
+            <a:endParaRPr lang="en-US" altLang="ko-KR" dirty="0">
+              <a:solidFill>
+                <a:schemeClr val="tx1"/>
+              </a:solidFill>
+            </a:endParaRPr>
+          </a:p>
+          <a:p>
+            <a:pPr algn="ctr"/>
+            <a:r>
+              <a:rPr lang="en-US" altLang="ko-KR" sz="1200" dirty="0" err="1">
+                <a:solidFill>
+                  <a:prstClr val="black">
+                    <a:lumMod val="50000"/>
+                    <a:lumOff val="50000"/>
+                  </a:prstClr>
+                </a:solidFill>
+              </a:rPr>
+              <a:t>mypage</a:t>
+            </a:r>
+            <a:endParaRPr lang="ko-KR" altLang="en-US" dirty="0">
+              <a:solidFill>
+                <a:schemeClr val="tx1"/>
+              </a:solidFill>
+            </a:endParaRPr>
+          </a:p>
+        </p:txBody>
+      </p:sp>
+      <p:cxnSp>
+        <p:nvCxnSpPr>
+          <p:cNvPr id="43" name="직선 화살표 연결선 42">
+            <a:extLst>
+              <a:ext uri="{FF2B5EF4-FFF2-40B4-BE49-F238E27FC236}">
+                <a16:creationId xmlns:a16="http://schemas.microsoft.com/office/drawing/2014/main" id="{CF22E6EF-DD90-AE0A-7588-65EEBA47CFE0}"/>
+              </a:ext>
+            </a:extLst>
+          </p:cNvPr>
+          <p:cNvCxnSpPr>
+            <a:cxnSpLocks/>
+          </p:cNvCxnSpPr>
+          <p:nvPr/>
+        </p:nvCxnSpPr>
+        <p:spPr>
+          <a:xfrm flipV="1">
+            <a:off x="2350654" y="4869816"/>
+            <a:ext cx="347906" cy="10742"/>
+          </a:xfrm>
+          <a:prstGeom prst="straightConnector1">
+            <a:avLst/>
+          </a:prstGeom>
+          <a:ln w="38100">
+            <a:tailEnd type="triangle"/>
+          </a:ln>
+        </p:spPr>
+        <p:style>
+          <a:lnRef idx="1">
+            <a:schemeClr val="accent1"/>
+          </a:lnRef>
+          <a:fillRef idx="0">
+            <a:schemeClr val="accent1"/>
+          </a:fillRef>
+          <a:effectRef idx="0">
+            <a:schemeClr val="accent1"/>
+          </a:effectRef>
+          <a:fontRef idx="minor">
+            <a:schemeClr val="tx1"/>
+          </a:fontRef>
+        </p:style>
+      </p:cxnSp>
+      <p:sp>
+        <p:nvSpPr>
+          <p:cNvPr id="44" name="사각형: 둥근 모서리 43">
+            <a:extLst>
+              <a:ext uri="{FF2B5EF4-FFF2-40B4-BE49-F238E27FC236}">
+                <a16:creationId xmlns:a16="http://schemas.microsoft.com/office/drawing/2014/main" id="{D7DC6232-3754-D661-DAB3-630897A231DF}"/>
+              </a:ext>
+            </a:extLst>
+          </p:cNvPr>
+          <p:cNvSpPr/>
+          <p:nvPr/>
+        </p:nvSpPr>
+        <p:spPr>
+          <a:xfrm>
+            <a:off x="5170827" y="4511104"/>
+            <a:ext cx="1884219" cy="738909"/>
+          </a:xfrm>
+          <a:prstGeom prst="roundRect">
+            <a:avLst/>
+          </a:prstGeom>
+          <a:noFill/>
+        </p:spPr>
+        <p:style>
+          <a:lnRef idx="2">
+            <a:schemeClr val="accent1">
+              <a:shade val="15000"/>
+            </a:schemeClr>
+          </a:lnRef>
+          <a:fillRef idx="1">
+            <a:schemeClr val="accent1"/>
+          </a:fillRef>
+          <a:effectRef idx="0">
+            <a:schemeClr val="accent1"/>
+          </a:effectRef>
+          <a:fontRef idx="minor">
+            <a:schemeClr val="lt1"/>
+          </a:fontRef>
+        </p:style>
+        <p:txBody>
+          <a:bodyPr rtlCol="0" anchor="ctr"/>
+          <a:lstStyle/>
+          <a:p>
+            <a:pPr algn="ctr"/>
+            <a:r>
+              <a:rPr lang="ko-KR" altLang="en-US" dirty="0">
+                <a:solidFill>
+                  <a:schemeClr val="tx1"/>
+                </a:solidFill>
+              </a:rPr>
+              <a:t>사용자 정보</a:t>
+            </a:r>
+            <a:endParaRPr lang="en-US" altLang="ko-KR" dirty="0">
+              <a:solidFill>
+                <a:schemeClr val="tx1"/>
+              </a:solidFill>
+            </a:endParaRPr>
+          </a:p>
+          <a:p>
+            <a:pPr algn="ctr"/>
+            <a:r>
+              <a:rPr lang="en-US" altLang="ko-KR" sz="1200" dirty="0" err="1">
+                <a:solidFill>
+                  <a:prstClr val="black">
+                    <a:lumMod val="50000"/>
+                    <a:lumOff val="50000"/>
+                  </a:prstClr>
+                </a:solidFill>
+              </a:rPr>
+              <a:t>mypage</a:t>
+            </a:r>
+            <a:r>
+              <a:rPr lang="en-US" altLang="ko-KR" sz="1200" dirty="0">
+                <a:solidFill>
+                  <a:prstClr val="black">
+                    <a:lumMod val="50000"/>
+                    <a:lumOff val="50000"/>
+                  </a:prstClr>
+                </a:solidFill>
+              </a:rPr>
+              <a:t>/info</a:t>
+            </a:r>
+            <a:endParaRPr lang="ko-KR" altLang="en-US" dirty="0">
+              <a:solidFill>
+                <a:schemeClr val="tx1"/>
+              </a:solidFill>
+            </a:endParaRPr>
+          </a:p>
+        </p:txBody>
+      </p:sp>
+      <p:cxnSp>
+        <p:nvCxnSpPr>
+          <p:cNvPr id="45" name="직선 화살표 연결선 44">
+            <a:extLst>
+              <a:ext uri="{FF2B5EF4-FFF2-40B4-BE49-F238E27FC236}">
+                <a16:creationId xmlns:a16="http://schemas.microsoft.com/office/drawing/2014/main" id="{53ED08A9-EC7D-FFF1-8C55-66CC02968133}"/>
+              </a:ext>
+            </a:extLst>
+          </p:cNvPr>
+          <p:cNvCxnSpPr>
+            <a:cxnSpLocks/>
+          </p:cNvCxnSpPr>
+          <p:nvPr/>
+        </p:nvCxnSpPr>
+        <p:spPr>
+          <a:xfrm>
+            <a:off x="4582779" y="4880558"/>
+            <a:ext cx="588048" cy="0"/>
+          </a:xfrm>
+          <a:prstGeom prst="straightConnector1">
+            <a:avLst/>
+          </a:prstGeom>
+          <a:ln w="38100">
+            <a:tailEnd type="triangle"/>
+          </a:ln>
+        </p:spPr>
+        <p:style>
+          <a:lnRef idx="1">
+            <a:schemeClr val="accent1"/>
+          </a:lnRef>
+          <a:fillRef idx="0">
+            <a:schemeClr val="accent1"/>
+          </a:fillRef>
+          <a:effectRef idx="0">
+            <a:schemeClr val="accent1"/>
+          </a:effectRef>
+          <a:fontRef idx="minor">
+            <a:schemeClr val="tx1"/>
+          </a:fontRef>
+        </p:style>
+      </p:cxnSp>
+      <p:cxnSp>
+        <p:nvCxnSpPr>
+          <p:cNvPr id="47" name="직선 화살표 연결선 46">
+            <a:extLst>
+              <a:ext uri="{FF2B5EF4-FFF2-40B4-BE49-F238E27FC236}">
+                <a16:creationId xmlns:a16="http://schemas.microsoft.com/office/drawing/2014/main" id="{C8F9DECE-5DD7-476F-4B9C-58EE03236DCA}"/>
+              </a:ext>
+            </a:extLst>
+          </p:cNvPr>
+          <p:cNvCxnSpPr>
+            <a:cxnSpLocks/>
+          </p:cNvCxnSpPr>
+          <p:nvPr/>
+        </p:nvCxnSpPr>
+        <p:spPr>
+          <a:xfrm>
+            <a:off x="2369127" y="1181398"/>
+            <a:ext cx="0" cy="3699160"/>
+          </a:xfrm>
+          <a:prstGeom prst="straightConnector1">
+            <a:avLst/>
+          </a:prstGeom>
+          <a:ln w="38100">
+            <a:tailEnd type="none"/>
+          </a:ln>
+        </p:spPr>
+        <p:style>
+          <a:lnRef idx="1">
+            <a:schemeClr val="accent1"/>
+          </a:lnRef>
+          <a:fillRef idx="0">
+            <a:schemeClr val="accent1"/>
+          </a:fillRef>
+          <a:effectRef idx="0">
+            <a:schemeClr val="accent1"/>
+          </a:effectRef>
+          <a:fontRef idx="minor">
+            <a:schemeClr val="tx1"/>
+          </a:fontRef>
+        </p:style>
+      </p:cxnSp>
+      <p:cxnSp>
+        <p:nvCxnSpPr>
+          <p:cNvPr id="54" name="직선 화살표 연결선 53">
+            <a:extLst>
+              <a:ext uri="{FF2B5EF4-FFF2-40B4-BE49-F238E27FC236}">
+                <a16:creationId xmlns:a16="http://schemas.microsoft.com/office/drawing/2014/main" id="{4F59CEA7-8CD0-98F7-133D-44CD43EAC71A}"/>
+              </a:ext>
+            </a:extLst>
+          </p:cNvPr>
+          <p:cNvCxnSpPr>
+            <a:cxnSpLocks/>
+          </p:cNvCxnSpPr>
+          <p:nvPr/>
+        </p:nvCxnSpPr>
+        <p:spPr>
+          <a:xfrm>
+            <a:off x="4835235" y="2113204"/>
+            <a:ext cx="0" cy="1872000"/>
+          </a:xfrm>
+          <a:prstGeom prst="straightConnector1">
+            <a:avLst/>
+          </a:prstGeom>
+          <a:ln w="38100">
+            <a:tailEnd type="none"/>
+          </a:ln>
+        </p:spPr>
+        <p:style>
+          <a:lnRef idx="1">
+            <a:schemeClr val="accent1"/>
+          </a:lnRef>
+          <a:fillRef idx="0">
+            <a:schemeClr val="accent1"/>
+          </a:fillRef>
+          <a:effectRef idx="0">
+            <a:schemeClr val="accent1"/>
+          </a:effectRef>
+          <a:fontRef idx="minor">
+            <a:schemeClr val="tx1"/>
+          </a:fontRef>
+        </p:style>
+      </p:cxnSp>
+      <p:sp>
+        <p:nvSpPr>
+          <p:cNvPr id="3" name="직사각형 2">
+            <a:extLst>
+              <a:ext uri="{FF2B5EF4-FFF2-40B4-BE49-F238E27FC236}">
+                <a16:creationId xmlns:a16="http://schemas.microsoft.com/office/drawing/2014/main" id="{3145147B-D6E9-7709-1A19-3D2E9F16A4D5}"/>
+              </a:ext>
+            </a:extLst>
+          </p:cNvPr>
+          <p:cNvSpPr/>
+          <p:nvPr/>
+        </p:nvSpPr>
+        <p:spPr>
+          <a:xfrm>
+            <a:off x="10115357" y="2128158"/>
+            <a:ext cx="1884219" cy="303355"/>
+          </a:xfrm>
+          <a:prstGeom prst="rect">
+            <a:avLst/>
+          </a:prstGeom>
+          <a:noFill/>
+        </p:spPr>
+        <p:style>
+          <a:lnRef idx="2">
+            <a:schemeClr val="accent1">
+              <a:shade val="15000"/>
+            </a:schemeClr>
+          </a:lnRef>
+          <a:fillRef idx="1">
+            <a:schemeClr val="accent1"/>
+          </a:fillRef>
+          <a:effectRef idx="0">
+            <a:schemeClr val="accent1"/>
+          </a:effectRef>
+          <a:fontRef idx="minor">
+            <a:schemeClr val="lt1"/>
+          </a:fontRef>
+        </p:style>
+        <p:txBody>
+          <a:bodyPr rtlCol="0" anchor="ctr"/>
+          <a:lstStyle/>
+          <a:p>
+            <a:pPr algn="ctr"/>
+            <a:r>
+              <a:rPr lang="ko-KR" altLang="en-US" sz="1200">
+                <a:solidFill>
+                  <a:schemeClr val="tx1"/>
+                </a:solidFill>
+              </a:rPr>
+              <a:t>상품삭제</a:t>
+            </a:r>
+            <a:r>
+              <a:rPr lang="en-US" altLang="ko-KR" sz="1200" dirty="0">
+                <a:solidFill>
+                  <a:schemeClr val="tx1"/>
+                </a:solidFill>
+              </a:rPr>
+              <a:t>(.do)</a:t>
+            </a:r>
+            <a:endParaRPr lang="ko-KR" altLang="en-US" sz="1200" dirty="0">
+              <a:solidFill>
+                <a:schemeClr val="tx1"/>
+              </a:solidFill>
+            </a:endParaRPr>
+          </a:p>
+        </p:txBody>
+      </p:sp>
+      <p:cxnSp>
+        <p:nvCxnSpPr>
+          <p:cNvPr id="6" name="직선 화살표 연결선 5">
+            <a:extLst>
+              <a:ext uri="{FF2B5EF4-FFF2-40B4-BE49-F238E27FC236}">
+                <a16:creationId xmlns:a16="http://schemas.microsoft.com/office/drawing/2014/main" id="{CECF0991-E225-A7BF-2A5A-7ADFE77DA0CF}"/>
+              </a:ext>
+            </a:extLst>
+          </p:cNvPr>
+          <p:cNvCxnSpPr>
+            <a:cxnSpLocks/>
+          </p:cNvCxnSpPr>
+          <p:nvPr/>
+        </p:nvCxnSpPr>
+        <p:spPr>
+          <a:xfrm>
+            <a:off x="9527311" y="2292698"/>
+            <a:ext cx="588048" cy="0"/>
+          </a:xfrm>
+          <a:prstGeom prst="straightConnector1">
+            <a:avLst/>
+          </a:prstGeom>
+          <a:ln w="38100">
+            <a:tailEnd type="triangle"/>
+          </a:ln>
+        </p:spPr>
+        <p:style>
+          <a:lnRef idx="1">
+            <a:schemeClr val="accent1"/>
+          </a:lnRef>
+          <a:fillRef idx="0">
+            <a:schemeClr val="accent1"/>
+          </a:fillRef>
+          <a:effectRef idx="0">
+            <a:schemeClr val="accent1"/>
+          </a:effectRef>
+          <a:fontRef idx="minor">
+            <a:schemeClr val="tx1"/>
+          </a:fontRef>
+        </p:style>
+      </p:cxnSp>
+    </p:spTree>
+    <p:extLst>
+      <p:ext uri="{BB962C8B-B14F-4D97-AF65-F5344CB8AC3E}">
+        <p14:creationId xmlns:p14="http://schemas.microsoft.com/office/powerpoint/2010/main" val="2759507723"/>
+      </p:ext>
+    </p:extLst>
+  </p:cSld>
+  <p:clrMapOvr>
+    <a:masterClrMapping/>
+  </p:clrMapOvr>
+</p:sld>
+</file>
+
+<file path=ppt/slides/slide3.xml><?xml version="1.0" encoding="utf-8"?>
 <p:sld xmlns:a="http://schemas.openxmlformats.org/drawingml/2006/main" xmlns:r="http://schemas.openxmlformats.org/officeDocument/2006/relationships" xmlns:p="http://schemas.openxmlformats.org/presentationml/2006/main">
   <p:cSld>
     <p:spTree>
@@ -11776,7 +13827,7 @@
 </p:sld>
 </file>
 
-<file path=ppt/slides/slide3.xml><?xml version="1.0" encoding="utf-8"?>
+<file path=ppt/slides/slide4.xml><?xml version="1.0" encoding="utf-8"?>
 <p:sld xmlns:a="http://schemas.openxmlformats.org/drawingml/2006/main" xmlns:r="http://schemas.openxmlformats.org/officeDocument/2006/relationships" xmlns:p="http://schemas.openxmlformats.org/presentationml/2006/main">
   <p:cSld>
     <p:spTree>
@@ -12855,7 +14906,7 @@
 </p:sld>
 </file>
 
-<file path=ppt/slides/slide4.xml><?xml version="1.0" encoding="utf-8"?>
+<file path=ppt/slides/slide5.xml><?xml version="1.0" encoding="utf-8"?>
 <p:sld xmlns:a="http://schemas.openxmlformats.org/drawingml/2006/main" xmlns:r="http://schemas.openxmlformats.org/officeDocument/2006/relationships" xmlns:p="http://schemas.openxmlformats.org/presentationml/2006/main">
   <p:cSld>
     <p:spTree>
@@ -15177,7 +17228,7 @@
 </p:sld>
 </file>
 
-<file path=ppt/slides/slide5.xml><?xml version="1.0" encoding="utf-8"?>
+<file path=ppt/slides/slide6.xml><?xml version="1.0" encoding="utf-8"?>
 <p:sld xmlns:a="http://schemas.openxmlformats.org/drawingml/2006/main" xmlns:r="http://schemas.openxmlformats.org/officeDocument/2006/relationships" xmlns:p="http://schemas.openxmlformats.org/presentationml/2006/main">
   <p:cSld>
     <p:spTree>
@@ -16025,7 +18076,7 @@
 </p:sld>
 </file>
 
-<file path=ppt/slides/slide6.xml><?xml version="1.0" encoding="utf-8"?>
+<file path=ppt/slides/slide7.xml><?xml version="1.0" encoding="utf-8"?>
 <p:sld xmlns:a="http://schemas.openxmlformats.org/drawingml/2006/main" xmlns:r="http://schemas.openxmlformats.org/officeDocument/2006/relationships" xmlns:p="http://schemas.openxmlformats.org/presentationml/2006/main">
   <p:cSld>
     <p:spTree>
@@ -16063,7 +18114,7 @@
         <p:spPr>
           <a:xfrm>
             <a:off x="581891" y="834678"/>
-            <a:ext cx="11000508" cy="3912813"/>
+            <a:ext cx="11000508" cy="4471497"/>
           </a:xfrm>
           <a:prstGeom prst="rect">
             <a:avLst/>
@@ -16217,173 +18268,13 @@
           <a:lstStyle/>
           <a:p>
             <a:r>
-              <a:rPr lang="ko-KR" altLang="en-US" dirty="0">
+              <a:rPr lang="en-US" altLang="ko-KR" dirty="0">
                 <a:solidFill>
                   <a:schemeClr val="tx1"/>
                 </a:solidFill>
               </a:rPr>
-              <a:t>아이디</a:t>
-            </a:r>
-          </a:p>
-        </p:txBody>
-      </p:sp>
-      <p:sp>
-        <p:nvSpPr>
-          <p:cNvPr id="2" name="직사각형 1">
-            <a:extLst>
-              <a:ext uri="{FF2B5EF4-FFF2-40B4-BE49-F238E27FC236}">
-                <a16:creationId xmlns:a16="http://schemas.microsoft.com/office/drawing/2014/main" id="{845C1102-C039-3B4A-D013-D86576598DFA}"/>
-              </a:ext>
-            </a:extLst>
-          </p:cNvPr>
-          <p:cNvSpPr/>
-          <p:nvPr/>
-        </p:nvSpPr>
-        <p:spPr>
-          <a:xfrm>
-            <a:off x="912090" y="1055253"/>
-            <a:ext cx="1138383" cy="415638"/>
-          </a:xfrm>
-          <a:prstGeom prst="rect">
-            <a:avLst/>
-          </a:prstGeom>
-          <a:noFill/>
-          <a:ln w="38100">
-            <a:noFill/>
-          </a:ln>
-        </p:spPr>
-        <p:style>
-          <a:lnRef idx="2">
-            <a:schemeClr val="accent1">
-              <a:shade val="15000"/>
-            </a:schemeClr>
-          </a:lnRef>
-          <a:fillRef idx="1">
-            <a:schemeClr val="accent1"/>
-          </a:fillRef>
-          <a:effectRef idx="0">
-            <a:schemeClr val="accent1"/>
-          </a:effectRef>
-          <a:fontRef idx="minor">
-            <a:schemeClr val="lt1"/>
-          </a:fontRef>
-        </p:style>
-        <p:txBody>
-          <a:bodyPr rtlCol="0" anchor="ctr"/>
-          <a:lstStyle/>
-          <a:p>
-            <a:r>
-              <a:rPr lang="ko-KR" altLang="en-US" dirty="0">
-                <a:solidFill>
-                  <a:schemeClr val="tx1"/>
-                </a:solidFill>
-              </a:rPr>
-              <a:t>아이디</a:t>
-            </a:r>
-          </a:p>
-        </p:txBody>
-      </p:sp>
-      <p:sp>
-        <p:nvSpPr>
-          <p:cNvPr id="8" name="직사각형 7">
-            <a:extLst>
-              <a:ext uri="{FF2B5EF4-FFF2-40B4-BE49-F238E27FC236}">
-                <a16:creationId xmlns:a16="http://schemas.microsoft.com/office/drawing/2014/main" id="{F9AF47BB-E654-C56D-3910-53E0780E2610}"/>
-              </a:ext>
-            </a:extLst>
-          </p:cNvPr>
-          <p:cNvSpPr/>
-          <p:nvPr/>
-        </p:nvSpPr>
-        <p:spPr>
-          <a:xfrm>
-            <a:off x="912090" y="1551825"/>
-            <a:ext cx="1138383" cy="415638"/>
-          </a:xfrm>
-          <a:prstGeom prst="rect">
-            <a:avLst/>
-          </a:prstGeom>
-          <a:noFill/>
-          <a:ln w="38100">
-            <a:noFill/>
-          </a:ln>
-        </p:spPr>
-        <p:style>
-          <a:lnRef idx="2">
-            <a:schemeClr val="accent1">
-              <a:shade val="15000"/>
-            </a:schemeClr>
-          </a:lnRef>
-          <a:fillRef idx="1">
-            <a:schemeClr val="accent1"/>
-          </a:fillRef>
-          <a:effectRef idx="0">
-            <a:schemeClr val="accent1"/>
-          </a:effectRef>
-          <a:fontRef idx="minor">
-            <a:schemeClr val="lt1"/>
-          </a:fontRef>
-        </p:style>
-        <p:txBody>
-          <a:bodyPr rtlCol="0" anchor="ctr"/>
-          <a:lstStyle/>
-          <a:p>
-            <a:r>
-              <a:rPr lang="ko-KR" altLang="en-US" dirty="0">
-                <a:solidFill>
-                  <a:schemeClr val="tx1"/>
-                </a:solidFill>
-              </a:rPr>
-              <a:t>비밀번호</a:t>
-            </a:r>
-          </a:p>
-        </p:txBody>
-      </p:sp>
-      <p:sp>
-        <p:nvSpPr>
-          <p:cNvPr id="11" name="직사각형 10">
-            <a:extLst>
-              <a:ext uri="{FF2B5EF4-FFF2-40B4-BE49-F238E27FC236}">
-                <a16:creationId xmlns:a16="http://schemas.microsoft.com/office/drawing/2014/main" id="{1AE29025-2978-6C47-B004-47BB36EB5A47}"/>
-              </a:ext>
-            </a:extLst>
-          </p:cNvPr>
-          <p:cNvSpPr/>
-          <p:nvPr/>
-        </p:nvSpPr>
-        <p:spPr>
-          <a:xfrm>
-            <a:off x="2140527" y="2147806"/>
-            <a:ext cx="9266382" cy="1454376"/>
-          </a:xfrm>
-          <a:prstGeom prst="rect">
-            <a:avLst/>
-          </a:prstGeom>
-          <a:solidFill>
-            <a:schemeClr val="bg1"/>
-          </a:solidFill>
-          <a:ln w="38100"/>
-        </p:spPr>
-        <p:style>
-          <a:lnRef idx="2">
-            <a:schemeClr val="accent1">
-              <a:shade val="15000"/>
-            </a:schemeClr>
-          </a:lnRef>
-          <a:fillRef idx="1">
-            <a:schemeClr val="accent1"/>
-          </a:fillRef>
-          <a:effectRef idx="0">
-            <a:schemeClr val="accent1"/>
-          </a:effectRef>
-          <a:fontRef idx="minor">
-            <a:schemeClr val="lt1"/>
-          </a:fontRef>
-        </p:style>
-        <p:txBody>
-          <a:bodyPr rtlCol="0" anchor="ctr"/>
-          <a:lstStyle/>
-          <a:p>
+              <a:t>id1234</a:t>
+            </a:r>
             <a:endParaRPr lang="ko-KR" altLang="en-US" dirty="0">
               <a:solidFill>
                 <a:schemeClr val="tx1"/>
@@ -16394,19 +18285,19 @@
       </p:sp>
       <p:sp>
         <p:nvSpPr>
-          <p:cNvPr id="12" name="직사각형 11">
-            <a:extLst>
-              <a:ext uri="{FF2B5EF4-FFF2-40B4-BE49-F238E27FC236}">
-                <a16:creationId xmlns:a16="http://schemas.microsoft.com/office/drawing/2014/main" id="{F9723054-93C8-5C54-3223-8261D07CDB96}"/>
-              </a:ext>
-            </a:extLst>
-          </p:cNvPr>
-          <p:cNvSpPr/>
-          <p:nvPr/>
-        </p:nvSpPr>
-        <p:spPr>
-          <a:xfrm>
-            <a:off x="912090" y="2147806"/>
+          <p:cNvPr id="2" name="직사각형 1">
+            <a:extLst>
+              <a:ext uri="{FF2B5EF4-FFF2-40B4-BE49-F238E27FC236}">
+                <a16:creationId xmlns:a16="http://schemas.microsoft.com/office/drawing/2014/main" id="{845C1102-C039-3B4A-D013-D86576598DFA}"/>
+              </a:ext>
+            </a:extLst>
+          </p:cNvPr>
+          <p:cNvSpPr/>
+          <p:nvPr/>
+        </p:nvSpPr>
+        <p:spPr>
+          <a:xfrm>
+            <a:off x="912090" y="1055253"/>
             <a:ext cx="1138383" cy="415638"/>
           </a:xfrm>
           <a:prstGeom prst="rect">
@@ -16443,6 +18334,171 @@
                   <a:schemeClr val="tx1"/>
                 </a:solidFill>
               </a:rPr>
+              <a:t>아이디</a:t>
+            </a:r>
+          </a:p>
+        </p:txBody>
+      </p:sp>
+      <p:sp>
+        <p:nvSpPr>
+          <p:cNvPr id="8" name="직사각형 7">
+            <a:extLst>
+              <a:ext uri="{FF2B5EF4-FFF2-40B4-BE49-F238E27FC236}">
+                <a16:creationId xmlns:a16="http://schemas.microsoft.com/office/drawing/2014/main" id="{F9AF47BB-E654-C56D-3910-53E0780E2610}"/>
+              </a:ext>
+            </a:extLst>
+          </p:cNvPr>
+          <p:cNvSpPr/>
+          <p:nvPr/>
+        </p:nvSpPr>
+        <p:spPr>
+          <a:xfrm>
+            <a:off x="912090" y="1551825"/>
+            <a:ext cx="1138383" cy="415638"/>
+          </a:xfrm>
+          <a:prstGeom prst="rect">
+            <a:avLst/>
+          </a:prstGeom>
+          <a:noFill/>
+          <a:ln w="38100">
+            <a:noFill/>
+          </a:ln>
+        </p:spPr>
+        <p:style>
+          <a:lnRef idx="2">
+            <a:schemeClr val="accent1">
+              <a:shade val="15000"/>
+            </a:schemeClr>
+          </a:lnRef>
+          <a:fillRef idx="1">
+            <a:schemeClr val="accent1"/>
+          </a:fillRef>
+          <a:effectRef idx="0">
+            <a:schemeClr val="accent1"/>
+          </a:effectRef>
+          <a:fontRef idx="minor">
+            <a:schemeClr val="lt1"/>
+          </a:fontRef>
+        </p:style>
+        <p:txBody>
+          <a:bodyPr rtlCol="0" anchor="ctr"/>
+          <a:lstStyle/>
+          <a:p>
+            <a:r>
+              <a:rPr lang="ko-KR" altLang="en-US" dirty="0">
+                <a:solidFill>
+                  <a:schemeClr val="tx1"/>
+                </a:solidFill>
+              </a:rPr>
+              <a:t>별명</a:t>
+            </a:r>
+          </a:p>
+        </p:txBody>
+      </p:sp>
+      <p:sp>
+        <p:nvSpPr>
+          <p:cNvPr id="11" name="직사각형 10">
+            <a:extLst>
+              <a:ext uri="{FF2B5EF4-FFF2-40B4-BE49-F238E27FC236}">
+                <a16:creationId xmlns:a16="http://schemas.microsoft.com/office/drawing/2014/main" id="{1AE29025-2978-6C47-B004-47BB36EB5A47}"/>
+              </a:ext>
+            </a:extLst>
+          </p:cNvPr>
+          <p:cNvSpPr/>
+          <p:nvPr/>
+        </p:nvSpPr>
+        <p:spPr>
+          <a:xfrm>
+            <a:off x="2140527" y="2886715"/>
+            <a:ext cx="9266382" cy="1454376"/>
+          </a:xfrm>
+          <a:prstGeom prst="rect">
+            <a:avLst/>
+          </a:prstGeom>
+          <a:solidFill>
+            <a:schemeClr val="bg1"/>
+          </a:solidFill>
+          <a:ln w="38100"/>
+        </p:spPr>
+        <p:style>
+          <a:lnRef idx="2">
+            <a:schemeClr val="accent1">
+              <a:shade val="15000"/>
+            </a:schemeClr>
+          </a:lnRef>
+          <a:fillRef idx="1">
+            <a:schemeClr val="accent1"/>
+          </a:fillRef>
+          <a:effectRef idx="0">
+            <a:schemeClr val="accent1"/>
+          </a:effectRef>
+          <a:fontRef idx="minor">
+            <a:schemeClr val="lt1"/>
+          </a:fontRef>
+        </p:style>
+        <p:txBody>
+          <a:bodyPr rtlCol="0" anchor="ctr"/>
+          <a:lstStyle/>
+          <a:p>
+            <a:endParaRPr lang="ko-KR" altLang="en-US" dirty="0">
+              <a:solidFill>
+                <a:schemeClr val="tx1"/>
+              </a:solidFill>
+            </a:endParaRPr>
+          </a:p>
+        </p:txBody>
+      </p:sp>
+      <p:sp>
+        <p:nvSpPr>
+          <p:cNvPr id="12" name="직사각형 11">
+            <a:extLst>
+              <a:ext uri="{FF2B5EF4-FFF2-40B4-BE49-F238E27FC236}">
+                <a16:creationId xmlns:a16="http://schemas.microsoft.com/office/drawing/2014/main" id="{F9723054-93C8-5C54-3223-8261D07CDB96}"/>
+              </a:ext>
+            </a:extLst>
+          </p:cNvPr>
+          <p:cNvSpPr/>
+          <p:nvPr/>
+        </p:nvSpPr>
+        <p:spPr>
+          <a:xfrm>
+            <a:off x="912090" y="2886715"/>
+            <a:ext cx="1138383" cy="415638"/>
+          </a:xfrm>
+          <a:prstGeom prst="rect">
+            <a:avLst/>
+          </a:prstGeom>
+          <a:noFill/>
+          <a:ln w="38100">
+            <a:noFill/>
+          </a:ln>
+        </p:spPr>
+        <p:style>
+          <a:lnRef idx="2">
+            <a:schemeClr val="accent1">
+              <a:shade val="15000"/>
+            </a:schemeClr>
+          </a:lnRef>
+          <a:fillRef idx="1">
+            <a:schemeClr val="accent1"/>
+          </a:fillRef>
+          <a:effectRef idx="0">
+            <a:schemeClr val="accent1"/>
+          </a:effectRef>
+          <a:fontRef idx="minor">
+            <a:schemeClr val="lt1"/>
+          </a:fontRef>
+        </p:style>
+        <p:txBody>
+          <a:bodyPr rtlCol="0" anchor="ctr"/>
+          <a:lstStyle/>
+          <a:p>
+            <a:r>
+              <a:rPr lang="ko-KR" altLang="en-US" dirty="0">
+                <a:solidFill>
+                  <a:schemeClr val="tx1"/>
+                </a:solidFill>
+              </a:rPr>
               <a:t>메모</a:t>
             </a:r>
           </a:p>
@@ -16462,7 +18518,7 @@
         </p:nvSpPr>
         <p:spPr>
           <a:xfrm>
-            <a:off x="2140527" y="1581843"/>
+            <a:off x="3941617" y="1581843"/>
             <a:ext cx="1138384" cy="415638"/>
           </a:xfrm>
           <a:prstGeom prst="rect">
@@ -16526,7 +18582,7 @@
         </p:nvSpPr>
         <p:spPr>
           <a:xfrm>
-            <a:off x="4745181" y="3893301"/>
+            <a:off x="4745181" y="4632210"/>
             <a:ext cx="1138384" cy="415638"/>
           </a:xfrm>
           <a:prstGeom prst="rect">
@@ -16590,7 +18646,7 @@
         </p:nvSpPr>
         <p:spPr>
           <a:xfrm>
-            <a:off x="6082145" y="3893301"/>
+            <a:off x="6082145" y="4632210"/>
             <a:ext cx="1138384" cy="415638"/>
           </a:xfrm>
           <a:prstGeom prst="rect">
@@ -16804,7 +18860,7 @@
                   <a:schemeClr val="tx1"/>
                 </a:solidFill>
               </a:rPr>
-              <a:t>비밀번호 변경 </a:t>
+              <a:t>별명 변경 </a:t>
             </a:r>
             <a:r>
               <a:rPr lang="ko-KR" altLang="en-US" dirty="0" err="1">
@@ -16827,6 +18883,126 @@
       </p:sp>
       <p:sp>
         <p:nvSpPr>
+          <p:cNvPr id="3" name="직사각형 2">
+            <a:extLst>
+              <a:ext uri="{FF2B5EF4-FFF2-40B4-BE49-F238E27FC236}">
+                <a16:creationId xmlns:a16="http://schemas.microsoft.com/office/drawing/2014/main" id="{924F757A-AC6F-A572-6155-70F9B1D2FE03}"/>
+              </a:ext>
+            </a:extLst>
+          </p:cNvPr>
+          <p:cNvSpPr/>
+          <p:nvPr/>
+        </p:nvSpPr>
+        <p:spPr>
+          <a:xfrm>
+            <a:off x="912090" y="2078415"/>
+            <a:ext cx="1138383" cy="415638"/>
+          </a:xfrm>
+          <a:prstGeom prst="rect">
+            <a:avLst/>
+          </a:prstGeom>
+          <a:noFill/>
+          <a:ln w="38100">
+            <a:noFill/>
+          </a:ln>
+        </p:spPr>
+        <p:style>
+          <a:lnRef idx="2">
+            <a:schemeClr val="accent1">
+              <a:shade val="15000"/>
+            </a:schemeClr>
+          </a:lnRef>
+          <a:fillRef idx="1">
+            <a:schemeClr val="accent1"/>
+          </a:fillRef>
+          <a:effectRef idx="0">
+            <a:schemeClr val="accent1"/>
+          </a:effectRef>
+          <a:fontRef idx="minor">
+            <a:schemeClr val="lt1"/>
+          </a:fontRef>
+        </p:style>
+        <p:txBody>
+          <a:bodyPr rtlCol="0" anchor="ctr"/>
+          <a:lstStyle/>
+          <a:p>
+            <a:r>
+              <a:rPr lang="ko-KR" altLang="en-US" dirty="0">
+                <a:solidFill>
+                  <a:schemeClr val="tx1"/>
+                </a:solidFill>
+              </a:rPr>
+              <a:t>비밀번호</a:t>
+            </a:r>
+          </a:p>
+        </p:txBody>
+      </p:sp>
+      <p:sp>
+        <p:nvSpPr>
+          <p:cNvPr id="5" name="직사각형 4">
+            <a:extLst>
+              <a:ext uri="{FF2B5EF4-FFF2-40B4-BE49-F238E27FC236}">
+                <a16:creationId xmlns:a16="http://schemas.microsoft.com/office/drawing/2014/main" id="{558021C3-5522-A68A-55CA-9D92DC0B0FCE}"/>
+              </a:ext>
+            </a:extLst>
+          </p:cNvPr>
+          <p:cNvSpPr/>
+          <p:nvPr/>
+        </p:nvSpPr>
+        <p:spPr>
+          <a:xfrm>
+            <a:off x="2140527" y="2108433"/>
+            <a:ext cx="1138384" cy="415638"/>
+          </a:xfrm>
+          <a:prstGeom prst="rect">
+            <a:avLst/>
+          </a:prstGeom>
+          <a:solidFill>
+            <a:schemeClr val="bg1"/>
+          </a:solidFill>
+          <a:ln w="38100"/>
+          <a:scene3d>
+            <a:camera prst="orthographicFront"/>
+            <a:lightRig rig="threePt" dir="t"/>
+          </a:scene3d>
+          <a:sp3d>
+            <a:bevelT prst="angle"/>
+          </a:sp3d>
+        </p:spPr>
+        <p:style>
+          <a:lnRef idx="2">
+            <a:schemeClr val="accent1">
+              <a:shade val="15000"/>
+            </a:schemeClr>
+          </a:lnRef>
+          <a:fillRef idx="1">
+            <a:schemeClr val="accent1"/>
+          </a:fillRef>
+          <a:effectRef idx="0">
+            <a:schemeClr val="accent1"/>
+          </a:effectRef>
+          <a:fontRef idx="minor">
+            <a:schemeClr val="lt1"/>
+          </a:fontRef>
+        </p:style>
+        <p:txBody>
+          <a:bodyPr rtlCol="0" anchor="ctr"/>
+          <a:lstStyle/>
+          <a:p>
+            <a:pPr algn="ctr"/>
+            <a:r>
+              <a:rPr lang="ko-KR" altLang="en-US" dirty="0">
+                <a:solidFill>
+                  <a:schemeClr val="tx1"/>
+                </a:solidFill>
+              </a:rPr>
+              <a:t>변경하기</a:t>
+            </a:r>
+          </a:p>
+        </p:txBody>
+      </p:sp>
+      <p:sp>
+        <p:nvSpPr>
           <p:cNvPr id="22" name="타원 21">
             <a:extLst>
               <a:ext uri="{FF2B5EF4-FFF2-40B4-BE49-F238E27FC236}">
@@ -16839,7 +19015,7 @@
         </p:nvSpPr>
         <p:spPr>
           <a:xfrm>
-            <a:off x="1958656" y="1431518"/>
+            <a:off x="1958656" y="1957989"/>
             <a:ext cx="273688" cy="273688"/>
           </a:xfrm>
           <a:prstGeom prst="ellipse">
@@ -16875,9 +19051,311 @@
             <a:pPr algn="ctr"/>
             <a:r>
               <a:rPr lang="en-US" altLang="ko-KR" dirty="0"/>
+              <a:t>2</a:t>
+            </a:r>
+            <a:endParaRPr lang="ko-KR" altLang="en-US" dirty="0"/>
+          </a:p>
+        </p:txBody>
+      </p:sp>
+      <p:sp>
+        <p:nvSpPr>
+          <p:cNvPr id="6" name="직사각형 5">
+            <a:extLst>
+              <a:ext uri="{FF2B5EF4-FFF2-40B4-BE49-F238E27FC236}">
+                <a16:creationId xmlns:a16="http://schemas.microsoft.com/office/drawing/2014/main" id="{86416B04-39E1-43DD-57A6-117EA546B37D}"/>
+              </a:ext>
+            </a:extLst>
+          </p:cNvPr>
+          <p:cNvSpPr/>
+          <p:nvPr/>
+        </p:nvSpPr>
+        <p:spPr>
+          <a:xfrm>
+            <a:off x="2140527" y="1581843"/>
+            <a:ext cx="2773219" cy="415638"/>
+          </a:xfrm>
+          <a:prstGeom prst="rect">
+            <a:avLst/>
+          </a:prstGeom>
+          <a:noFill/>
+          <a:ln w="38100">
+            <a:noFill/>
+          </a:ln>
+        </p:spPr>
+        <p:style>
+          <a:lnRef idx="2">
+            <a:schemeClr val="accent1">
+              <a:shade val="15000"/>
+            </a:schemeClr>
+          </a:lnRef>
+          <a:fillRef idx="1">
+            <a:schemeClr val="accent1"/>
+          </a:fillRef>
+          <a:effectRef idx="0">
+            <a:schemeClr val="accent1"/>
+          </a:effectRef>
+          <a:fontRef idx="minor">
+            <a:schemeClr val="lt1"/>
+          </a:fontRef>
+        </p:style>
+        <p:txBody>
+          <a:bodyPr rtlCol="0" anchor="ctr"/>
+          <a:lstStyle/>
+          <a:p>
+            <a:r>
+              <a:rPr lang="en-US" altLang="ko-KR" dirty="0">
+                <a:solidFill>
+                  <a:schemeClr val="tx1"/>
+                </a:solidFill>
+              </a:rPr>
+              <a:t>nickname1234</a:t>
+            </a:r>
+            <a:endParaRPr lang="ko-KR" altLang="en-US" dirty="0">
+              <a:solidFill>
+                <a:schemeClr val="tx1"/>
+              </a:solidFill>
+            </a:endParaRPr>
+          </a:p>
+        </p:txBody>
+      </p:sp>
+      <p:sp>
+        <p:nvSpPr>
+          <p:cNvPr id="7" name="타원 6">
+            <a:extLst>
+              <a:ext uri="{FF2B5EF4-FFF2-40B4-BE49-F238E27FC236}">
+                <a16:creationId xmlns:a16="http://schemas.microsoft.com/office/drawing/2014/main" id="{D7F80C16-A63C-78F3-71D1-29116C8CFB5A}"/>
+              </a:ext>
+            </a:extLst>
+          </p:cNvPr>
+          <p:cNvSpPr/>
+          <p:nvPr/>
+        </p:nvSpPr>
+        <p:spPr>
+          <a:xfrm>
+            <a:off x="3775364" y="1396450"/>
+            <a:ext cx="273688" cy="273688"/>
+          </a:xfrm>
+          <a:prstGeom prst="ellipse">
+            <a:avLst/>
+          </a:prstGeom>
+          <a:solidFill>
+            <a:srgbClr val="FF0000"/>
+          </a:solidFill>
+          <a:ln>
+            <a:noFill/>
+          </a:ln>
+        </p:spPr>
+        <p:style>
+          <a:lnRef idx="2">
+            <a:schemeClr val="accent1">
+              <a:shade val="15000"/>
+            </a:schemeClr>
+          </a:lnRef>
+          <a:fillRef idx="1">
+            <a:schemeClr val="accent1"/>
+          </a:fillRef>
+          <a:effectRef idx="0">
+            <a:schemeClr val="accent1"/>
+          </a:effectRef>
+          <a:fontRef idx="minor">
+            <a:schemeClr val="lt1"/>
+          </a:fontRef>
+        </p:style>
+        <p:txBody>
+          <a:bodyPr rtlCol="0" anchor="ctr"/>
+          <a:lstStyle/>
+          <a:p>
+            <a:pPr algn="ctr"/>
+            <a:r>
+              <a:rPr lang="en-US" altLang="ko-KR" dirty="0"/>
               <a:t>1</a:t>
             </a:r>
             <a:endParaRPr lang="ko-KR" altLang="en-US" dirty="0"/>
+          </a:p>
+        </p:txBody>
+      </p:sp>
+      <p:sp>
+        <p:nvSpPr>
+          <p:cNvPr id="14" name="직사각형 13">
+            <a:extLst>
+              <a:ext uri="{FF2B5EF4-FFF2-40B4-BE49-F238E27FC236}">
+                <a16:creationId xmlns:a16="http://schemas.microsoft.com/office/drawing/2014/main" id="{3B92B4B1-EEFC-9A5F-05C0-BA7EDD74325D}"/>
+              </a:ext>
+            </a:extLst>
+          </p:cNvPr>
+          <p:cNvSpPr/>
+          <p:nvPr/>
+        </p:nvSpPr>
+        <p:spPr>
+          <a:xfrm>
+            <a:off x="1" y="5907010"/>
+            <a:ext cx="12192000" cy="1427017"/>
+          </a:xfrm>
+          <a:prstGeom prst="rect">
+            <a:avLst/>
+          </a:prstGeom>
+          <a:solidFill>
+            <a:schemeClr val="bg2"/>
+          </a:solidFill>
+          <a:ln w="38100">
+            <a:noFill/>
+          </a:ln>
+        </p:spPr>
+        <p:style>
+          <a:lnRef idx="2">
+            <a:schemeClr val="accent1">
+              <a:shade val="15000"/>
+            </a:schemeClr>
+          </a:lnRef>
+          <a:fillRef idx="1">
+            <a:schemeClr val="accent1"/>
+          </a:fillRef>
+          <a:effectRef idx="0">
+            <a:schemeClr val="accent1"/>
+          </a:effectRef>
+          <a:fontRef idx="minor">
+            <a:schemeClr val="lt1"/>
+          </a:fontRef>
+        </p:style>
+        <p:txBody>
+          <a:bodyPr rtlCol="0" anchor="t"/>
+          <a:lstStyle/>
+          <a:p>
+            <a:endParaRPr lang="ko-KR" altLang="en-US" dirty="0">
+              <a:solidFill>
+                <a:schemeClr val="bg1">
+                  <a:lumMod val="50000"/>
+                </a:schemeClr>
+              </a:solidFill>
+            </a:endParaRPr>
+          </a:p>
+        </p:txBody>
+      </p:sp>
+      <p:sp>
+        <p:nvSpPr>
+          <p:cNvPr id="20" name="타원 19">
+            <a:extLst>
+              <a:ext uri="{FF2B5EF4-FFF2-40B4-BE49-F238E27FC236}">
+                <a16:creationId xmlns:a16="http://schemas.microsoft.com/office/drawing/2014/main" id="{D89D9DCC-D6C9-A787-81D8-CFC0054AE552}"/>
+              </a:ext>
+            </a:extLst>
+          </p:cNvPr>
+          <p:cNvSpPr/>
+          <p:nvPr/>
+        </p:nvSpPr>
+        <p:spPr>
+          <a:xfrm>
+            <a:off x="172024" y="6052483"/>
+            <a:ext cx="273688" cy="273688"/>
+          </a:xfrm>
+          <a:prstGeom prst="ellipse">
+            <a:avLst/>
+          </a:prstGeom>
+          <a:solidFill>
+            <a:srgbClr val="FF0000"/>
+          </a:solidFill>
+          <a:ln>
+            <a:noFill/>
+          </a:ln>
+        </p:spPr>
+        <p:style>
+          <a:lnRef idx="2">
+            <a:schemeClr val="accent1">
+              <a:shade val="15000"/>
+            </a:schemeClr>
+          </a:lnRef>
+          <a:fillRef idx="1">
+            <a:schemeClr val="accent1"/>
+          </a:fillRef>
+          <a:effectRef idx="0">
+            <a:schemeClr val="accent1"/>
+          </a:effectRef>
+          <a:fontRef idx="minor">
+            <a:schemeClr val="lt1"/>
+          </a:fontRef>
+        </p:style>
+        <p:txBody>
+          <a:bodyPr rtlCol="0" anchor="ctr"/>
+          <a:lstStyle/>
+          <a:p>
+            <a:pPr algn="ctr"/>
+            <a:r>
+              <a:rPr lang="en-US" altLang="ko-KR" dirty="0"/>
+              <a:t>2</a:t>
+            </a:r>
+            <a:endParaRPr lang="ko-KR" altLang="en-US" dirty="0"/>
+          </a:p>
+        </p:txBody>
+      </p:sp>
+      <p:sp>
+        <p:nvSpPr>
+          <p:cNvPr id="21" name="직사각형 20">
+            <a:extLst>
+              <a:ext uri="{FF2B5EF4-FFF2-40B4-BE49-F238E27FC236}">
+                <a16:creationId xmlns:a16="http://schemas.microsoft.com/office/drawing/2014/main" id="{D133E872-A525-CF77-794D-A248B619E546}"/>
+              </a:ext>
+            </a:extLst>
+          </p:cNvPr>
+          <p:cNvSpPr/>
+          <p:nvPr/>
+        </p:nvSpPr>
+        <p:spPr>
+          <a:xfrm>
+            <a:off x="445712" y="5981508"/>
+            <a:ext cx="3359670" cy="415638"/>
+          </a:xfrm>
+          <a:prstGeom prst="rect">
+            <a:avLst/>
+          </a:prstGeom>
+          <a:noFill/>
+          <a:ln w="38100">
+            <a:noFill/>
+          </a:ln>
+        </p:spPr>
+        <p:style>
+          <a:lnRef idx="2">
+            <a:schemeClr val="accent1">
+              <a:shade val="15000"/>
+            </a:schemeClr>
+          </a:lnRef>
+          <a:fillRef idx="1">
+            <a:schemeClr val="accent1"/>
+          </a:fillRef>
+          <a:effectRef idx="0">
+            <a:schemeClr val="accent1"/>
+          </a:effectRef>
+          <a:fontRef idx="minor">
+            <a:schemeClr val="lt1"/>
+          </a:fontRef>
+        </p:style>
+        <p:txBody>
+          <a:bodyPr rtlCol="0" anchor="ctr"/>
+          <a:lstStyle/>
+          <a:p>
+            <a:r>
+              <a:rPr lang="ko-KR" altLang="en-US" dirty="0">
+                <a:solidFill>
+                  <a:schemeClr val="tx1"/>
+                </a:solidFill>
+              </a:rPr>
+              <a:t>비밀번호 변경 </a:t>
+            </a:r>
+            <a:r>
+              <a:rPr lang="ko-KR" altLang="en-US" dirty="0" err="1">
+                <a:solidFill>
+                  <a:schemeClr val="tx1"/>
+                </a:solidFill>
+              </a:rPr>
+              <a:t>모달</a:t>
+            </a:r>
+            <a:r>
+              <a:rPr lang="ko-KR" altLang="en-US" dirty="0">
+                <a:solidFill>
+                  <a:schemeClr val="tx1"/>
+                </a:solidFill>
+              </a:rPr>
+              <a:t> 호출</a:t>
+            </a:r>
           </a:p>
         </p:txBody>
       </p:sp>
@@ -16894,7 +19372,7 @@
 </p:sld>
 </file>
 
-<file path=ppt/slides/slide7.xml><?xml version="1.0" encoding="utf-8"?>
+<file path=ppt/slides/slide8.xml><?xml version="1.0" encoding="utf-8"?>
 <p:sld xmlns:a="http://schemas.openxmlformats.org/drawingml/2006/main" xmlns:r="http://schemas.openxmlformats.org/officeDocument/2006/relationships" xmlns:p="http://schemas.openxmlformats.org/presentationml/2006/main">
   <p:cSld>
     <p:spTree>
@@ -18339,7 +20817,7 @@
 </p:sld>
 </file>
 
-<file path=ppt/slides/slide8.xml><?xml version="1.0" encoding="utf-8"?>
+<file path=ppt/slides/slide9.xml><?xml version="1.0" encoding="utf-8"?>
 <p:sld xmlns:a="http://schemas.openxmlformats.org/drawingml/2006/main" xmlns:r="http://schemas.openxmlformats.org/officeDocument/2006/relationships" xmlns:p="http://schemas.openxmlformats.org/presentationml/2006/main">
   <p:cSld>
     <p:spTree>
@@ -18834,7 +21312,7 @@
         </p:nvSpPr>
         <p:spPr>
           <a:xfrm>
-            <a:off x="7721602" y="3417451"/>
+            <a:off x="7601533" y="3417451"/>
             <a:ext cx="1450108" cy="415638"/>
           </a:xfrm>
           <a:prstGeom prst="rect">
@@ -19140,525 +21618,6 @@
     <p:extLst>
       <p:ext uri="{BB962C8B-B14F-4D97-AF65-F5344CB8AC3E}">
         <p14:creationId xmlns:p14="http://schemas.microsoft.com/office/powerpoint/2010/main" val="3374815130"/>
-      </p:ext>
-    </p:extLst>
-  </p:cSld>
-  <p:clrMapOvr>
-    <a:masterClrMapping/>
-  </p:clrMapOvr>
-</p:sld>
-</file>
-
-<file path=ppt/slides/slide9.xml><?xml version="1.0" encoding="utf-8"?>
-<p:sld xmlns:a="http://schemas.openxmlformats.org/drawingml/2006/main" xmlns:r="http://schemas.openxmlformats.org/officeDocument/2006/relationships" xmlns:p="http://schemas.openxmlformats.org/presentationml/2006/main">
-  <p:cSld>
-    <p:spTree>
-      <p:nvGrpSpPr>
-        <p:cNvPr id="1" name=""/>
-        <p:cNvGrpSpPr/>
-        <p:nvPr/>
-      </p:nvGrpSpPr>
-      <p:grpSpPr>
-        <a:xfrm>
-          <a:off x="0" y="0"/>
-          <a:ext cx="0" cy="0"/>
-          <a:chOff x="0" y="0"/>
-          <a:chExt cx="0" cy="0"/>
-        </a:xfrm>
-      </p:grpSpPr>
-      <p:sp>
-        <p:nvSpPr>
-          <p:cNvPr id="6" name="직사각형 5">
-            <a:extLst>
-              <a:ext uri="{FF2B5EF4-FFF2-40B4-BE49-F238E27FC236}">
-                <a16:creationId xmlns:a16="http://schemas.microsoft.com/office/drawing/2014/main" id="{62C7DFEA-8610-F7BE-5802-7CB3D65602B0}"/>
-              </a:ext>
-            </a:extLst>
-          </p:cNvPr>
-          <p:cNvSpPr/>
-          <p:nvPr/>
-        </p:nvSpPr>
-        <p:spPr>
-          <a:xfrm>
-            <a:off x="1048326" y="868823"/>
-            <a:ext cx="3366655" cy="2964267"/>
-          </a:xfrm>
-          <a:prstGeom prst="rect">
-            <a:avLst/>
-          </a:prstGeom>
-          <a:solidFill>
-            <a:schemeClr val="bg1"/>
-          </a:solidFill>
-          <a:ln w="38100"/>
-        </p:spPr>
-        <p:style>
-          <a:lnRef idx="2">
-            <a:schemeClr val="accent1">
-              <a:shade val="15000"/>
-            </a:schemeClr>
-          </a:lnRef>
-          <a:fillRef idx="1">
-            <a:schemeClr val="accent1"/>
-          </a:fillRef>
-          <a:effectRef idx="0">
-            <a:schemeClr val="accent1"/>
-          </a:effectRef>
-          <a:fontRef idx="minor">
-            <a:schemeClr val="lt1"/>
-          </a:fontRef>
-        </p:style>
-        <p:txBody>
-          <a:bodyPr rtlCol="0" anchor="ctr"/>
-          <a:lstStyle/>
-          <a:p>
-            <a:pPr algn="ctr"/>
-            <a:r>
-              <a:rPr lang="ko-KR" altLang="en-US" dirty="0">
-                <a:solidFill>
-                  <a:schemeClr val="tx1"/>
-                </a:solidFill>
-              </a:rPr>
-              <a:t>이미지</a:t>
-            </a:r>
-          </a:p>
-        </p:txBody>
-      </p:sp>
-      <p:sp>
-        <p:nvSpPr>
-          <p:cNvPr id="8" name="직사각형 7">
-            <a:extLst>
-              <a:ext uri="{FF2B5EF4-FFF2-40B4-BE49-F238E27FC236}">
-                <a16:creationId xmlns:a16="http://schemas.microsoft.com/office/drawing/2014/main" id="{EE660E08-D93E-F5B7-4B97-C0545B994934}"/>
-              </a:ext>
-            </a:extLst>
-          </p:cNvPr>
-          <p:cNvSpPr/>
-          <p:nvPr/>
-        </p:nvSpPr>
-        <p:spPr>
-          <a:xfrm>
-            <a:off x="4715164" y="1832301"/>
-            <a:ext cx="1874983" cy="415638"/>
-          </a:xfrm>
-          <a:prstGeom prst="rect">
-            <a:avLst/>
-          </a:prstGeom>
-          <a:solidFill>
-            <a:schemeClr val="bg1"/>
-          </a:solidFill>
-          <a:ln w="38100"/>
-        </p:spPr>
-        <p:style>
-          <a:lnRef idx="2">
-            <a:schemeClr val="accent1">
-              <a:shade val="15000"/>
-            </a:schemeClr>
-          </a:lnRef>
-          <a:fillRef idx="1">
-            <a:schemeClr val="accent1"/>
-          </a:fillRef>
-          <a:effectRef idx="0">
-            <a:schemeClr val="accent1"/>
-          </a:effectRef>
-          <a:fontRef idx="minor">
-            <a:schemeClr val="lt1"/>
-          </a:fontRef>
-        </p:style>
-        <p:txBody>
-          <a:bodyPr rtlCol="0" anchor="ctr"/>
-          <a:lstStyle/>
-          <a:p>
-            <a:r>
-              <a:rPr lang="ko-KR" altLang="en-US">
-                <a:solidFill>
-                  <a:schemeClr val="tx1"/>
-                </a:solidFill>
-              </a:rPr>
-              <a:t>가격</a:t>
-            </a:r>
-            <a:endParaRPr lang="ko-KR" altLang="en-US" dirty="0">
-              <a:solidFill>
-                <a:schemeClr val="tx1"/>
-              </a:solidFill>
-            </a:endParaRPr>
-          </a:p>
-        </p:txBody>
-      </p:sp>
-      <p:sp>
-        <p:nvSpPr>
-          <p:cNvPr id="12" name="직사각형 11">
-            <a:extLst>
-              <a:ext uri="{FF2B5EF4-FFF2-40B4-BE49-F238E27FC236}">
-                <a16:creationId xmlns:a16="http://schemas.microsoft.com/office/drawing/2014/main" id="{5B8EC1BC-7E17-9A78-6BF4-D51600F2FCE9}"/>
-              </a:ext>
-            </a:extLst>
-          </p:cNvPr>
-          <p:cNvSpPr/>
-          <p:nvPr/>
-        </p:nvSpPr>
-        <p:spPr>
-          <a:xfrm>
-            <a:off x="4715164" y="868823"/>
-            <a:ext cx="5491017" cy="415638"/>
-          </a:xfrm>
-          <a:prstGeom prst="rect">
-            <a:avLst/>
-          </a:prstGeom>
-          <a:solidFill>
-            <a:schemeClr val="bg1"/>
-          </a:solidFill>
-          <a:ln w="38100"/>
-        </p:spPr>
-        <p:style>
-          <a:lnRef idx="2">
-            <a:schemeClr val="accent1">
-              <a:shade val="15000"/>
-            </a:schemeClr>
-          </a:lnRef>
-          <a:fillRef idx="1">
-            <a:schemeClr val="accent1"/>
-          </a:fillRef>
-          <a:effectRef idx="0">
-            <a:schemeClr val="accent1"/>
-          </a:effectRef>
-          <a:fontRef idx="minor">
-            <a:schemeClr val="lt1"/>
-          </a:fontRef>
-        </p:style>
-        <p:txBody>
-          <a:bodyPr rtlCol="0" anchor="ctr"/>
-          <a:lstStyle/>
-          <a:p>
-            <a:r>
-              <a:rPr lang="ko-KR" altLang="en-US" dirty="0">
-                <a:solidFill>
-                  <a:schemeClr val="tx1"/>
-                </a:solidFill>
-              </a:rPr>
-              <a:t>상품명</a:t>
-            </a:r>
-          </a:p>
-        </p:txBody>
-      </p:sp>
-      <p:sp>
-        <p:nvSpPr>
-          <p:cNvPr id="17" name="직사각형 16">
-            <a:extLst>
-              <a:ext uri="{FF2B5EF4-FFF2-40B4-BE49-F238E27FC236}">
-                <a16:creationId xmlns:a16="http://schemas.microsoft.com/office/drawing/2014/main" id="{1C4ADFE8-E178-A167-34DF-DBB1BA45C65E}"/>
-              </a:ext>
-            </a:extLst>
-          </p:cNvPr>
-          <p:cNvSpPr/>
-          <p:nvPr/>
-        </p:nvSpPr>
-        <p:spPr>
-          <a:xfrm>
-            <a:off x="4715164" y="1350562"/>
-            <a:ext cx="1874983" cy="415638"/>
-          </a:xfrm>
-          <a:prstGeom prst="rect">
-            <a:avLst/>
-          </a:prstGeom>
-          <a:solidFill>
-            <a:schemeClr val="bg2"/>
-          </a:solidFill>
-          <a:ln w="38100"/>
-        </p:spPr>
-        <p:style>
-          <a:lnRef idx="2">
-            <a:schemeClr val="accent1">
-              <a:shade val="15000"/>
-            </a:schemeClr>
-          </a:lnRef>
-          <a:fillRef idx="1">
-            <a:schemeClr val="accent1"/>
-          </a:fillRef>
-          <a:effectRef idx="0">
-            <a:schemeClr val="accent1"/>
-          </a:effectRef>
-          <a:fontRef idx="minor">
-            <a:schemeClr val="lt1"/>
-          </a:fontRef>
-        </p:style>
-        <p:txBody>
-          <a:bodyPr rtlCol="0" anchor="ctr"/>
-          <a:lstStyle/>
-          <a:p>
-            <a:r>
-              <a:rPr lang="ko-KR" altLang="en-US">
-                <a:solidFill>
-                  <a:schemeClr val="tx1"/>
-                </a:solidFill>
-              </a:rPr>
-              <a:t>별점</a:t>
-            </a:r>
-            <a:endParaRPr lang="ko-KR" altLang="en-US" dirty="0">
-              <a:solidFill>
-                <a:schemeClr val="tx1"/>
-              </a:solidFill>
-            </a:endParaRPr>
-          </a:p>
-        </p:txBody>
-      </p:sp>
-      <p:sp>
-        <p:nvSpPr>
-          <p:cNvPr id="2" name="직사각형 1">
-            <a:extLst>
-              <a:ext uri="{FF2B5EF4-FFF2-40B4-BE49-F238E27FC236}">
-                <a16:creationId xmlns:a16="http://schemas.microsoft.com/office/drawing/2014/main" id="{104A78F2-F9DE-E968-791A-36236F554892}"/>
-              </a:ext>
-            </a:extLst>
-          </p:cNvPr>
-          <p:cNvSpPr/>
-          <p:nvPr/>
-        </p:nvSpPr>
-        <p:spPr>
-          <a:xfrm>
-            <a:off x="237835" y="143165"/>
-            <a:ext cx="6855691" cy="420253"/>
-          </a:xfrm>
-          <a:prstGeom prst="rect">
-            <a:avLst/>
-          </a:prstGeom>
-          <a:noFill/>
-          <a:ln w="38100">
-            <a:noFill/>
-          </a:ln>
-        </p:spPr>
-        <p:style>
-          <a:lnRef idx="2">
-            <a:schemeClr val="accent1">
-              <a:shade val="15000"/>
-            </a:schemeClr>
-          </a:lnRef>
-          <a:fillRef idx="1">
-            <a:schemeClr val="accent1"/>
-          </a:fillRef>
-          <a:effectRef idx="0">
-            <a:schemeClr val="accent1"/>
-          </a:effectRef>
-          <a:fontRef idx="minor">
-            <a:schemeClr val="lt1"/>
-          </a:fontRef>
-        </p:style>
-        <p:txBody>
-          <a:bodyPr rtlCol="0" anchor="t"/>
-          <a:lstStyle/>
-          <a:p>
-            <a:r>
-              <a:rPr lang="ko-KR" altLang="en-US" sz="2400" dirty="0">
-                <a:solidFill>
-                  <a:schemeClr val="bg1">
-                    <a:lumMod val="50000"/>
-                  </a:schemeClr>
-                </a:solidFill>
-              </a:rPr>
-              <a:t>상품 </a:t>
-            </a:r>
-            <a:r>
-              <a:rPr lang="en-US" altLang="ko-KR" sz="2400" dirty="0">
-                <a:solidFill>
-                  <a:schemeClr val="bg1">
-                    <a:lumMod val="50000"/>
-                  </a:schemeClr>
-                </a:solidFill>
-              </a:rPr>
-              <a:t>– </a:t>
-            </a:r>
-            <a:r>
-              <a:rPr lang="ko-KR" altLang="en-US" sz="2400" dirty="0">
-                <a:solidFill>
-                  <a:schemeClr val="bg1">
-                    <a:lumMod val="50000"/>
-                  </a:schemeClr>
-                </a:solidFill>
-              </a:rPr>
-              <a:t>구매하기 </a:t>
-            </a:r>
-            <a:r>
-              <a:rPr lang="en-US" altLang="ko-KR" sz="2400" dirty="0">
-                <a:solidFill>
-                  <a:schemeClr val="bg1">
-                    <a:lumMod val="50000"/>
-                  </a:schemeClr>
-                </a:solidFill>
-              </a:rPr>
-              <a:t>– </a:t>
-            </a:r>
-            <a:r>
-              <a:rPr lang="ko-KR" altLang="en-US" sz="2400" dirty="0">
-                <a:solidFill>
-                  <a:schemeClr val="bg1">
-                    <a:lumMod val="50000"/>
-                  </a:schemeClr>
-                </a:solidFill>
-              </a:rPr>
-              <a:t>관리</a:t>
-            </a:r>
-            <a:r>
-              <a:rPr lang="en-US" altLang="ko-KR" sz="2400" dirty="0">
-                <a:solidFill>
-                  <a:schemeClr val="bg1">
-                    <a:lumMod val="50000"/>
-                  </a:schemeClr>
-                </a:solidFill>
-              </a:rPr>
-              <a:t>(</a:t>
-            </a:r>
-            <a:r>
-              <a:rPr lang="ko-KR" altLang="en-US" sz="2400" dirty="0">
-                <a:solidFill>
-                  <a:schemeClr val="bg1">
-                    <a:lumMod val="50000"/>
-                  </a:schemeClr>
-                </a:solidFill>
-              </a:rPr>
-              <a:t>상세 조회 화면 사용</a:t>
-            </a:r>
-            <a:r>
-              <a:rPr lang="en-US" altLang="ko-KR" sz="2400" dirty="0">
-                <a:solidFill>
-                  <a:schemeClr val="bg1">
-                    <a:lumMod val="50000"/>
-                  </a:schemeClr>
-                </a:solidFill>
-              </a:rPr>
-              <a:t>)</a:t>
-            </a:r>
-          </a:p>
-        </p:txBody>
-      </p:sp>
-      <p:sp>
-        <p:nvSpPr>
-          <p:cNvPr id="7" name="직사각형 6">
-            <a:extLst>
-              <a:ext uri="{FF2B5EF4-FFF2-40B4-BE49-F238E27FC236}">
-                <a16:creationId xmlns:a16="http://schemas.microsoft.com/office/drawing/2014/main" id="{610FCD43-1CD5-8FBC-1B26-A8CC2121DA20}"/>
-              </a:ext>
-            </a:extLst>
-          </p:cNvPr>
-          <p:cNvSpPr/>
-          <p:nvPr/>
-        </p:nvSpPr>
-        <p:spPr>
-          <a:xfrm>
-            <a:off x="1048326" y="4069569"/>
-            <a:ext cx="9259455" cy="1919608"/>
-          </a:xfrm>
-          <a:prstGeom prst="rect">
-            <a:avLst/>
-          </a:prstGeom>
-          <a:solidFill>
-            <a:schemeClr val="bg1"/>
-          </a:solidFill>
-          <a:ln w="38100"/>
-        </p:spPr>
-        <p:style>
-          <a:lnRef idx="2">
-            <a:schemeClr val="accent1">
-              <a:shade val="15000"/>
-            </a:schemeClr>
-          </a:lnRef>
-          <a:fillRef idx="1">
-            <a:schemeClr val="accent1"/>
-          </a:fillRef>
-          <a:effectRef idx="0">
-            <a:schemeClr val="accent1"/>
-          </a:effectRef>
-          <a:fontRef idx="minor">
-            <a:schemeClr val="lt1"/>
-          </a:fontRef>
-        </p:style>
-        <p:txBody>
-          <a:bodyPr rtlCol="0" anchor="ctr"/>
-          <a:lstStyle/>
-          <a:p>
-            <a:pPr algn="ctr"/>
-            <a:r>
-              <a:rPr lang="ko-KR" altLang="en-US">
-                <a:solidFill>
-                  <a:schemeClr val="tx1"/>
-                </a:solidFill>
-              </a:rPr>
-              <a:t>상세내용</a:t>
-            </a:r>
-            <a:endParaRPr lang="ko-KR" altLang="en-US" dirty="0">
-              <a:solidFill>
-                <a:schemeClr val="tx1"/>
-              </a:solidFill>
-            </a:endParaRPr>
-          </a:p>
-        </p:txBody>
-      </p:sp>
-      <p:sp>
-        <p:nvSpPr>
-          <p:cNvPr id="9" name="직사각형 8">
-            <a:extLst>
-              <a:ext uri="{FF2B5EF4-FFF2-40B4-BE49-F238E27FC236}">
-                <a16:creationId xmlns:a16="http://schemas.microsoft.com/office/drawing/2014/main" id="{6F47772C-2274-78DD-BD4E-F2D2711DDC6F}"/>
-              </a:ext>
-            </a:extLst>
-          </p:cNvPr>
-          <p:cNvSpPr/>
-          <p:nvPr/>
-        </p:nvSpPr>
-        <p:spPr>
-          <a:xfrm>
-            <a:off x="8857673" y="6216071"/>
-            <a:ext cx="1450108" cy="415638"/>
-          </a:xfrm>
-          <a:prstGeom prst="rect">
-            <a:avLst/>
-          </a:prstGeom>
-          <a:solidFill>
-            <a:schemeClr val="bg1"/>
-          </a:solidFill>
-          <a:ln w="38100"/>
-          <a:scene3d>
-            <a:camera prst="orthographicFront"/>
-            <a:lightRig rig="threePt" dir="t"/>
-          </a:scene3d>
-          <a:sp3d>
-            <a:bevelT prst="angle"/>
-          </a:sp3d>
-        </p:spPr>
-        <p:style>
-          <a:lnRef idx="2">
-            <a:schemeClr val="accent1">
-              <a:shade val="15000"/>
-            </a:schemeClr>
-          </a:lnRef>
-          <a:fillRef idx="1">
-            <a:schemeClr val="accent1"/>
-          </a:fillRef>
-          <a:effectRef idx="0">
-            <a:schemeClr val="accent1"/>
-          </a:effectRef>
-          <a:fontRef idx="minor">
-            <a:schemeClr val="lt1"/>
-          </a:fontRef>
-        </p:style>
-        <p:txBody>
-          <a:bodyPr rtlCol="0" anchor="ctr"/>
-          <a:lstStyle/>
-          <a:p>
-            <a:pPr algn="ctr"/>
-            <a:r>
-              <a:rPr lang="ko-KR" altLang="en-US" dirty="0">
-                <a:solidFill>
-                  <a:schemeClr val="tx1"/>
-                </a:solidFill>
-              </a:rPr>
-              <a:t>저장</a:t>
-            </a:r>
-          </a:p>
-        </p:txBody>
-      </p:sp>
-    </p:spTree>
-    <p:extLst>
-      <p:ext uri="{BB962C8B-B14F-4D97-AF65-F5344CB8AC3E}">
-        <p14:creationId xmlns:p14="http://schemas.microsoft.com/office/powerpoint/2010/main" val="1649525967"/>
       </p:ext>
     </p:extLst>
   </p:cSld>

--- a/산출물/화면정의서/MiniPX_화면정의서_V0.3.pptx
+++ b/산출물/화면정의서/MiniPX_화면정의서_V0.3.pptx
@@ -314,7 +314,7 @@
           <a:p>
             <a:fld id="{5A8CCF48-291D-46DA-8E01-556C5C8E605F}" type="datetimeFigureOut">
               <a:rPr lang="ko-KR" altLang="en-US" smtClean="0"/>
-              <a:t>2025-10-27</a:t>
+              <a:t>2025-11-26</a:t>
             </a:fld>
             <a:endParaRPr lang="ko-KR" altLang="en-US"/>
           </a:p>
@@ -512,7 +512,7 @@
           <a:p>
             <a:fld id="{5A8CCF48-291D-46DA-8E01-556C5C8E605F}" type="datetimeFigureOut">
               <a:rPr lang="ko-KR" altLang="en-US" smtClean="0"/>
-              <a:t>2025-10-27</a:t>
+              <a:t>2025-11-26</a:t>
             </a:fld>
             <a:endParaRPr lang="ko-KR" altLang="en-US"/>
           </a:p>
@@ -720,7 +720,7 @@
           <a:p>
             <a:fld id="{5A8CCF48-291D-46DA-8E01-556C5C8E605F}" type="datetimeFigureOut">
               <a:rPr lang="ko-KR" altLang="en-US" smtClean="0"/>
-              <a:t>2025-10-27</a:t>
+              <a:t>2025-11-26</a:t>
             </a:fld>
             <a:endParaRPr lang="ko-KR" altLang="en-US"/>
           </a:p>
@@ -918,7 +918,7 @@
           <a:p>
             <a:fld id="{5A8CCF48-291D-46DA-8E01-556C5C8E605F}" type="datetimeFigureOut">
               <a:rPr lang="ko-KR" altLang="en-US" smtClean="0"/>
-              <a:t>2025-10-27</a:t>
+              <a:t>2025-11-26</a:t>
             </a:fld>
             <a:endParaRPr lang="ko-KR" altLang="en-US"/>
           </a:p>
@@ -1193,7 +1193,7 @@
           <a:p>
             <a:fld id="{5A8CCF48-291D-46DA-8E01-556C5C8E605F}" type="datetimeFigureOut">
               <a:rPr lang="ko-KR" altLang="en-US" smtClean="0"/>
-              <a:t>2025-10-27</a:t>
+              <a:t>2025-11-26</a:t>
             </a:fld>
             <a:endParaRPr lang="ko-KR" altLang="en-US"/>
           </a:p>
@@ -1458,7 +1458,7 @@
           <a:p>
             <a:fld id="{5A8CCF48-291D-46DA-8E01-556C5C8E605F}" type="datetimeFigureOut">
               <a:rPr lang="ko-KR" altLang="en-US" smtClean="0"/>
-              <a:t>2025-10-27</a:t>
+              <a:t>2025-11-26</a:t>
             </a:fld>
             <a:endParaRPr lang="ko-KR" altLang="en-US"/>
           </a:p>
@@ -1870,7 +1870,7 @@
           <a:p>
             <a:fld id="{5A8CCF48-291D-46DA-8E01-556C5C8E605F}" type="datetimeFigureOut">
               <a:rPr lang="ko-KR" altLang="en-US" smtClean="0"/>
-              <a:t>2025-10-27</a:t>
+              <a:t>2025-11-26</a:t>
             </a:fld>
             <a:endParaRPr lang="ko-KR" altLang="en-US"/>
           </a:p>
@@ -2011,7 +2011,7 @@
           <a:p>
             <a:fld id="{5A8CCF48-291D-46DA-8E01-556C5C8E605F}" type="datetimeFigureOut">
               <a:rPr lang="ko-KR" altLang="en-US" smtClean="0"/>
-              <a:t>2025-10-27</a:t>
+              <a:t>2025-11-26</a:t>
             </a:fld>
             <a:endParaRPr lang="ko-KR" altLang="en-US"/>
           </a:p>
@@ -2124,7 +2124,7 @@
           <a:p>
             <a:fld id="{5A8CCF48-291D-46DA-8E01-556C5C8E605F}" type="datetimeFigureOut">
               <a:rPr lang="ko-KR" altLang="en-US" smtClean="0"/>
-              <a:t>2025-10-27</a:t>
+              <a:t>2025-11-26</a:t>
             </a:fld>
             <a:endParaRPr lang="ko-KR" altLang="en-US"/>
           </a:p>
@@ -2435,7 +2435,7 @@
           <a:p>
             <a:fld id="{5A8CCF48-291D-46DA-8E01-556C5C8E605F}" type="datetimeFigureOut">
               <a:rPr lang="ko-KR" altLang="en-US" smtClean="0"/>
-              <a:t>2025-10-27</a:t>
+              <a:t>2025-11-26</a:t>
             </a:fld>
             <a:endParaRPr lang="ko-KR" altLang="en-US"/>
           </a:p>
@@ -2723,7 +2723,7 @@
           <a:p>
             <a:fld id="{5A8CCF48-291D-46DA-8E01-556C5C8E605F}" type="datetimeFigureOut">
               <a:rPr lang="ko-KR" altLang="en-US" smtClean="0"/>
-              <a:t>2025-10-27</a:t>
+              <a:t>2025-11-26</a:t>
             </a:fld>
             <a:endParaRPr lang="ko-KR" altLang="en-US"/>
           </a:p>
@@ -2964,7 +2964,7 @@
           <a:p>
             <a:fld id="{5A8CCF48-291D-46DA-8E01-556C5C8E605F}" type="datetimeFigureOut">
               <a:rPr lang="ko-KR" altLang="en-US" smtClean="0"/>
-              <a:t>2025-10-27</a:t>
+              <a:t>2025-11-26</a:t>
             </a:fld>
             <a:endParaRPr lang="ko-KR" altLang="en-US"/>
           </a:p>
@@ -8176,8 +8176,8 @@
         </p:nvSpPr>
         <p:spPr>
           <a:xfrm>
-            <a:off x="9328738" y="5099627"/>
-            <a:ext cx="1847262" cy="1328881"/>
+            <a:off x="9328738" y="4932219"/>
+            <a:ext cx="1847262" cy="1496290"/>
           </a:xfrm>
           <a:prstGeom prst="rect">
             <a:avLst/>
@@ -8258,12 +8258,31 @@
               <a:buChar char="-"/>
             </a:pPr>
             <a:r>
-              <a:rPr lang="ko-KR" altLang="en-US" dirty="0">
+              <a:rPr lang="ko-KR" altLang="en-US" dirty="0" err="1">
                 <a:solidFill>
                   <a:srgbClr val="FF0000"/>
                 </a:solidFill>
               </a:rPr>
-              <a:t>배송완료</a:t>
+              <a:t>배송중</a:t>
+            </a:r>
+            <a:endParaRPr lang="en-US" altLang="ko-KR" dirty="0">
+              <a:solidFill>
+                <a:srgbClr val="FF0000"/>
+              </a:solidFill>
+            </a:endParaRPr>
+          </a:p>
+          <a:p>
+            <a:pPr marL="285750" indent="-285750">
+              <a:buFontTx/>
+              <a:buChar char="-"/>
+            </a:pPr>
+            <a:r>
+              <a:rPr lang="ko-KR" altLang="en-US" dirty="0" err="1">
+                <a:solidFill>
+                  <a:srgbClr val="FF0000"/>
+                </a:solidFill>
+              </a:rPr>
+              <a:t>결제중</a:t>
             </a:r>
             <a:endParaRPr lang="en-US" altLang="ko-KR" dirty="0">
               <a:solidFill>
@@ -13184,7 +13203,7 @@
                   <a:schemeClr val="tx1"/>
                 </a:solidFill>
               </a:rPr>
-              <a:t>구매완료</a:t>
+              <a:t>주문내역</a:t>
             </a:r>
           </a:p>
         </p:txBody>
@@ -13336,167 +13355,33 @@
               </a:rPr>
               <a:t>상품 목록 조회</a:t>
             </a:r>
-          </a:p>
-        </p:txBody>
-      </p:sp>
-      <p:sp>
-        <p:nvSpPr>
-          <p:cNvPr id="11" name="사각형: 둥근 모서리 10">
-            <a:extLst>
-              <a:ext uri="{FF2B5EF4-FFF2-40B4-BE49-F238E27FC236}">
-                <a16:creationId xmlns:a16="http://schemas.microsoft.com/office/drawing/2014/main" id="{F3D05DC5-7C4E-52AA-45F7-E0BF05F66821}"/>
-              </a:ext>
-            </a:extLst>
-          </p:cNvPr>
-          <p:cNvSpPr/>
-          <p:nvPr/>
-        </p:nvSpPr>
-        <p:spPr>
-          <a:xfrm>
-            <a:off x="2698560" y="991759"/>
-            <a:ext cx="1884219" cy="738909"/>
-          </a:xfrm>
-          <a:prstGeom prst="roundRect">
-            <a:avLst/>
-          </a:prstGeom>
-          <a:noFill/>
-        </p:spPr>
-        <p:style>
-          <a:lnRef idx="2">
-            <a:schemeClr val="accent1">
-              <a:shade val="15000"/>
-            </a:schemeClr>
-          </a:lnRef>
-          <a:fillRef idx="1">
-            <a:schemeClr val="accent1"/>
-          </a:fillRef>
-          <a:effectRef idx="0">
-            <a:schemeClr val="accent1"/>
-          </a:effectRef>
-          <a:fontRef idx="minor">
-            <a:schemeClr val="lt1"/>
-          </a:fontRef>
-        </p:style>
-        <p:txBody>
-          <a:bodyPr rtlCol="0" anchor="ctr"/>
-          <a:lstStyle/>
+            <a:endParaRPr lang="en-US" altLang="ko-KR" dirty="0">
+              <a:solidFill>
+                <a:schemeClr val="tx1"/>
+              </a:solidFill>
+            </a:endParaRPr>
+          </a:p>
           <a:p>
             <a:pPr algn="ctr"/>
             <a:r>
-              <a:rPr lang="ko-KR" altLang="en-US" dirty="0">
-                <a:solidFill>
-                  <a:schemeClr val="tx1"/>
-                </a:solidFill>
-              </a:rPr>
-              <a:t>상품 상세 조회</a:t>
-            </a:r>
-          </a:p>
-        </p:txBody>
-      </p:sp>
-      <p:sp>
-        <p:nvSpPr>
-          <p:cNvPr id="12" name="사각형: 둥근 모서리 11">
-            <a:extLst>
-              <a:ext uri="{FF2B5EF4-FFF2-40B4-BE49-F238E27FC236}">
-                <a16:creationId xmlns:a16="http://schemas.microsoft.com/office/drawing/2014/main" id="{D043FE53-41AC-E7FD-8D2D-638440F8B534}"/>
-              </a:ext>
-            </a:extLst>
-          </p:cNvPr>
-          <p:cNvSpPr/>
-          <p:nvPr/>
-        </p:nvSpPr>
-        <p:spPr>
-          <a:xfrm>
-            <a:off x="5170827" y="991759"/>
-            <a:ext cx="1884219" cy="738909"/>
-          </a:xfrm>
-          <a:prstGeom prst="roundRect">
-            <a:avLst/>
-          </a:prstGeom>
-          <a:noFill/>
-        </p:spPr>
-        <p:style>
-          <a:lnRef idx="2">
-            <a:schemeClr val="accent1">
-              <a:shade val="15000"/>
-            </a:schemeClr>
-          </a:lnRef>
-          <a:fillRef idx="1">
-            <a:schemeClr val="accent1"/>
-          </a:fillRef>
-          <a:effectRef idx="0">
-            <a:schemeClr val="accent1"/>
-          </a:effectRef>
-          <a:fontRef idx="minor">
-            <a:schemeClr val="lt1"/>
-          </a:fontRef>
-        </p:style>
-        <p:txBody>
-          <a:bodyPr rtlCol="0" anchor="ctr"/>
-          <a:lstStyle/>
-          <a:p>
-            <a:pPr algn="ctr"/>
-            <a:r>
-              <a:rPr lang="ko-KR" altLang="en-US" dirty="0">
-                <a:solidFill>
-                  <a:schemeClr val="tx1"/>
-                </a:solidFill>
-              </a:rPr>
-              <a:t>장바구니</a:t>
-            </a:r>
-          </a:p>
-        </p:txBody>
-      </p:sp>
-      <p:sp>
-        <p:nvSpPr>
-          <p:cNvPr id="13" name="사각형: 둥근 모서리 12">
-            <a:extLst>
-              <a:ext uri="{FF2B5EF4-FFF2-40B4-BE49-F238E27FC236}">
-                <a16:creationId xmlns:a16="http://schemas.microsoft.com/office/drawing/2014/main" id="{67334A30-C154-3404-A7EC-4F5AF0DB0BED}"/>
-              </a:ext>
-            </a:extLst>
-          </p:cNvPr>
-          <p:cNvSpPr/>
-          <p:nvPr/>
-        </p:nvSpPr>
-        <p:spPr>
-          <a:xfrm>
-            <a:off x="7643093" y="991759"/>
-            <a:ext cx="1884219" cy="738909"/>
-          </a:xfrm>
-          <a:prstGeom prst="roundRect">
-            <a:avLst/>
-          </a:prstGeom>
-          <a:noFill/>
-        </p:spPr>
-        <p:style>
-          <a:lnRef idx="2">
-            <a:schemeClr val="accent1">
-              <a:shade val="15000"/>
-            </a:schemeClr>
-          </a:lnRef>
-          <a:fillRef idx="1">
-            <a:schemeClr val="accent1"/>
-          </a:fillRef>
-          <a:effectRef idx="0">
-            <a:schemeClr val="accent1"/>
-          </a:effectRef>
-          <a:fontRef idx="minor">
-            <a:schemeClr val="lt1"/>
-          </a:fontRef>
-        </p:style>
-        <p:txBody>
-          <a:bodyPr rtlCol="0" anchor="ctr"/>
-          <a:lstStyle/>
-          <a:p>
-            <a:pPr algn="ctr"/>
-            <a:r>
-              <a:rPr lang="ko-KR" altLang="en-US">
-                <a:solidFill>
-                  <a:schemeClr val="tx1"/>
-                </a:solidFill>
-              </a:rPr>
-              <a:t>구매요청</a:t>
+              <a:rPr kumimoji="0" lang="en-US" altLang="ko-KR" sz="1200" b="0" i="0" u="none" strike="noStrike" kern="1200" cap="none" spc="0" normalizeH="0" baseline="0" noProof="0" dirty="0">
+                <a:ln>
+                  <a:noFill/>
+                </a:ln>
+                <a:solidFill>
+                  <a:prstClr val="black">
+                    <a:lumMod val="50000"/>
+                    <a:lumOff val="50000"/>
+                  </a:prstClr>
+                </a:solidFill>
+                <a:effectLst/>
+                <a:uLnTx/>
+                <a:uFillTx/>
+                <a:latin typeface="맑은 고딕" panose="020F0502020204030204"/>
+                <a:ea typeface="맑은 고딕" panose="020B0503020000020004" pitchFamily="50" charset="-127"/>
+                <a:cs typeface="+mn-cs"/>
+              </a:rPr>
+              <a:t>market/item/list</a:t>
             </a:r>
             <a:endParaRPr lang="ko-KR" altLang="en-US" dirty="0">
               <a:solidFill>
@@ -13508,6 +13393,247 @@
       </p:sp>
       <p:sp>
         <p:nvSpPr>
+          <p:cNvPr id="11" name="사각형: 둥근 모서리 10">
+            <a:extLst>
+              <a:ext uri="{FF2B5EF4-FFF2-40B4-BE49-F238E27FC236}">
+                <a16:creationId xmlns:a16="http://schemas.microsoft.com/office/drawing/2014/main" id="{F3D05DC5-7C4E-52AA-45F7-E0BF05F66821}"/>
+              </a:ext>
+            </a:extLst>
+          </p:cNvPr>
+          <p:cNvSpPr/>
+          <p:nvPr/>
+        </p:nvSpPr>
+        <p:spPr>
+          <a:xfrm>
+            <a:off x="2698560" y="991759"/>
+            <a:ext cx="1884219" cy="738909"/>
+          </a:xfrm>
+          <a:prstGeom prst="roundRect">
+            <a:avLst/>
+          </a:prstGeom>
+          <a:noFill/>
+        </p:spPr>
+        <p:style>
+          <a:lnRef idx="2">
+            <a:schemeClr val="accent1">
+              <a:shade val="15000"/>
+            </a:schemeClr>
+          </a:lnRef>
+          <a:fillRef idx="1">
+            <a:schemeClr val="accent1"/>
+          </a:fillRef>
+          <a:effectRef idx="0">
+            <a:schemeClr val="accent1"/>
+          </a:effectRef>
+          <a:fontRef idx="minor">
+            <a:schemeClr val="lt1"/>
+          </a:fontRef>
+        </p:style>
+        <p:txBody>
+          <a:bodyPr rtlCol="0" anchor="ctr"/>
+          <a:lstStyle/>
+          <a:p>
+            <a:pPr algn="ctr"/>
+            <a:r>
+              <a:rPr lang="ko-KR" altLang="en-US" dirty="0">
+                <a:solidFill>
+                  <a:schemeClr val="tx1"/>
+                </a:solidFill>
+              </a:rPr>
+              <a:t>상품 상세 조회</a:t>
+            </a:r>
+            <a:endParaRPr lang="en-US" altLang="ko-KR" dirty="0">
+              <a:solidFill>
+                <a:schemeClr val="tx1"/>
+              </a:solidFill>
+            </a:endParaRPr>
+          </a:p>
+          <a:p>
+            <a:pPr algn="ctr"/>
+            <a:r>
+              <a:rPr kumimoji="0" lang="en-US" altLang="ko-KR" sz="1200" b="0" i="0" u="none" strike="noStrike" kern="1200" cap="none" spc="0" normalizeH="0" baseline="0" noProof="0" dirty="0">
+                <a:ln>
+                  <a:noFill/>
+                </a:ln>
+                <a:solidFill>
+                  <a:prstClr val="black">
+                    <a:lumMod val="50000"/>
+                    <a:lumOff val="50000"/>
+                  </a:prstClr>
+                </a:solidFill>
+                <a:effectLst/>
+                <a:uLnTx/>
+                <a:uFillTx/>
+                <a:latin typeface="맑은 고딕" panose="020F0502020204030204"/>
+                <a:ea typeface="맑은 고딕" panose="020B0503020000020004" pitchFamily="50" charset="-127"/>
+                <a:cs typeface="+mn-cs"/>
+              </a:rPr>
+              <a:t>market/item/detail</a:t>
+            </a:r>
+            <a:endParaRPr lang="ko-KR" altLang="en-US" dirty="0">
+              <a:solidFill>
+                <a:schemeClr val="tx1"/>
+              </a:solidFill>
+            </a:endParaRPr>
+          </a:p>
+        </p:txBody>
+      </p:sp>
+      <p:sp>
+        <p:nvSpPr>
+          <p:cNvPr id="12" name="사각형: 둥근 모서리 11">
+            <a:extLst>
+              <a:ext uri="{FF2B5EF4-FFF2-40B4-BE49-F238E27FC236}">
+                <a16:creationId xmlns:a16="http://schemas.microsoft.com/office/drawing/2014/main" id="{D043FE53-41AC-E7FD-8D2D-638440F8B534}"/>
+              </a:ext>
+            </a:extLst>
+          </p:cNvPr>
+          <p:cNvSpPr/>
+          <p:nvPr/>
+        </p:nvSpPr>
+        <p:spPr>
+          <a:xfrm>
+            <a:off x="5170827" y="991759"/>
+            <a:ext cx="1884219" cy="738909"/>
+          </a:xfrm>
+          <a:prstGeom prst="roundRect">
+            <a:avLst/>
+          </a:prstGeom>
+          <a:noFill/>
+        </p:spPr>
+        <p:style>
+          <a:lnRef idx="2">
+            <a:schemeClr val="accent1">
+              <a:shade val="15000"/>
+            </a:schemeClr>
+          </a:lnRef>
+          <a:fillRef idx="1">
+            <a:schemeClr val="accent1"/>
+          </a:fillRef>
+          <a:effectRef idx="0">
+            <a:schemeClr val="accent1"/>
+          </a:effectRef>
+          <a:fontRef idx="minor">
+            <a:schemeClr val="lt1"/>
+          </a:fontRef>
+        </p:style>
+        <p:txBody>
+          <a:bodyPr rtlCol="0" anchor="ctr"/>
+          <a:lstStyle/>
+          <a:p>
+            <a:pPr algn="ctr"/>
+            <a:r>
+              <a:rPr lang="ko-KR" altLang="en-US" dirty="0">
+                <a:solidFill>
+                  <a:schemeClr val="tx1"/>
+                </a:solidFill>
+              </a:rPr>
+              <a:t>장바구니</a:t>
+            </a:r>
+            <a:endParaRPr lang="en-US" altLang="ko-KR" dirty="0">
+              <a:solidFill>
+                <a:schemeClr val="tx1"/>
+              </a:solidFill>
+            </a:endParaRPr>
+          </a:p>
+          <a:p>
+            <a:pPr algn="ctr"/>
+            <a:r>
+              <a:rPr kumimoji="0" lang="en-US" altLang="ko-KR" sz="1200" b="0" i="0" u="none" strike="noStrike" kern="1200" cap="none" spc="0" normalizeH="0" baseline="0" noProof="0" dirty="0">
+                <a:ln>
+                  <a:noFill/>
+                </a:ln>
+                <a:solidFill>
+                  <a:prstClr val="black">
+                    <a:lumMod val="50000"/>
+                    <a:lumOff val="50000"/>
+                  </a:prstClr>
+                </a:solidFill>
+                <a:effectLst/>
+                <a:uLnTx/>
+                <a:uFillTx/>
+                <a:latin typeface="맑은 고딕" panose="020F0502020204030204"/>
+                <a:ea typeface="맑은 고딕" panose="020B0503020000020004" pitchFamily="50" charset="-127"/>
+                <a:cs typeface="+mn-cs"/>
+              </a:rPr>
+              <a:t>market/basket</a:t>
+            </a:r>
+            <a:endParaRPr lang="ko-KR" altLang="en-US" dirty="0">
+              <a:solidFill>
+                <a:schemeClr val="tx1"/>
+              </a:solidFill>
+            </a:endParaRPr>
+          </a:p>
+        </p:txBody>
+      </p:sp>
+      <p:sp>
+        <p:nvSpPr>
+          <p:cNvPr id="13" name="사각형: 둥근 모서리 12">
+            <a:extLst>
+              <a:ext uri="{FF2B5EF4-FFF2-40B4-BE49-F238E27FC236}">
+                <a16:creationId xmlns:a16="http://schemas.microsoft.com/office/drawing/2014/main" id="{67334A30-C154-3404-A7EC-4F5AF0DB0BED}"/>
+              </a:ext>
+            </a:extLst>
+          </p:cNvPr>
+          <p:cNvSpPr/>
+          <p:nvPr/>
+        </p:nvSpPr>
+        <p:spPr>
+          <a:xfrm>
+            <a:off x="7643093" y="991759"/>
+            <a:ext cx="1884219" cy="738909"/>
+          </a:xfrm>
+          <a:prstGeom prst="roundRect">
+            <a:avLst/>
+          </a:prstGeom>
+          <a:noFill/>
+        </p:spPr>
+        <p:style>
+          <a:lnRef idx="2">
+            <a:schemeClr val="accent1">
+              <a:shade val="15000"/>
+            </a:schemeClr>
+          </a:lnRef>
+          <a:fillRef idx="1">
+            <a:schemeClr val="accent1"/>
+          </a:fillRef>
+          <a:effectRef idx="0">
+            <a:schemeClr val="accent1"/>
+          </a:effectRef>
+          <a:fontRef idx="minor">
+            <a:schemeClr val="lt1"/>
+          </a:fontRef>
+        </p:style>
+        <p:txBody>
+          <a:bodyPr rtlCol="0" anchor="ctr"/>
+          <a:lstStyle/>
+          <a:p>
+            <a:pPr algn="ctr"/>
+            <a:r>
+              <a:rPr lang="ko-KR" altLang="en-US" dirty="0">
+                <a:solidFill>
+                  <a:schemeClr val="tx1"/>
+                </a:solidFill>
+              </a:rPr>
+              <a:t>구매요청</a:t>
+            </a:r>
+            <a:r>
+              <a:rPr lang="en-US" altLang="ko-KR" dirty="0">
+                <a:solidFill>
+                  <a:schemeClr val="tx1"/>
+                </a:solidFill>
+              </a:rPr>
+              <a:t>(.do)</a:t>
+            </a:r>
+            <a:endParaRPr lang="ko-KR" altLang="en-US" dirty="0">
+              <a:solidFill>
+                <a:schemeClr val="tx1"/>
+              </a:solidFill>
+            </a:endParaRPr>
+          </a:p>
+        </p:txBody>
+      </p:sp>
+      <p:sp>
+        <p:nvSpPr>
           <p:cNvPr id="16" name="사각형: 둥근 모서리 15">
             <a:extLst>
               <a:ext uri="{FF2B5EF4-FFF2-40B4-BE49-F238E27FC236}">
@@ -13557,6 +13683,39 @@
               </a:rPr>
               <a:t>장바구니</a:t>
             </a:r>
+            <a:endParaRPr lang="en-US" altLang="ko-KR" dirty="0">
+              <a:solidFill>
+                <a:schemeClr val="tx1"/>
+              </a:solidFill>
+            </a:endParaRPr>
+          </a:p>
+          <a:p>
+            <a:pPr algn="ctr"/>
+            <a:r>
+              <a:rPr kumimoji="0" lang="en-US" altLang="ko-KR" sz="1200" b="0" i="0" u="none" strike="noStrike" kern="1200" cap="none" spc="0" normalizeH="0" baseline="0" noProof="0" dirty="0">
+                <a:ln>
+                  <a:noFill/>
+                </a:ln>
+                <a:solidFill>
+                  <a:prstClr val="black">
+                    <a:lumMod val="50000"/>
+                    <a:lumOff val="50000"/>
+                  </a:prstClr>
+                </a:solidFill>
+                <a:effectLst/>
+                <a:uLnTx/>
+                <a:uFillTx/>
+                <a:latin typeface="맑은 고딕" panose="020F0502020204030204"/>
+                <a:ea typeface="맑은 고딕" panose="020B0503020000020004" pitchFamily="50" charset="-127"/>
+                <a:cs typeface="+mn-cs"/>
+              </a:rPr>
+              <a:t>market/basket</a:t>
+            </a:r>
+            <a:endParaRPr lang="ko-KR" altLang="en-US" dirty="0">
+              <a:solidFill>
+                <a:schemeClr val="tx1"/>
+              </a:solidFill>
+            </a:endParaRPr>
           </a:p>
         </p:txBody>
       </p:sp>
@@ -13814,6 +13973,181 @@
           </a:fontRef>
         </p:style>
       </p:cxnSp>
+      <p:cxnSp>
+        <p:nvCxnSpPr>
+          <p:cNvPr id="20" name="연결선: 꺾임 19">
+            <a:extLst>
+              <a:ext uri="{FF2B5EF4-FFF2-40B4-BE49-F238E27FC236}">
+                <a16:creationId xmlns:a16="http://schemas.microsoft.com/office/drawing/2014/main" id="{E98A9AC0-275F-7836-2654-F171ACD02FEE}"/>
+              </a:ext>
+            </a:extLst>
+          </p:cNvPr>
+          <p:cNvCxnSpPr>
+            <a:cxnSpLocks/>
+          </p:cNvCxnSpPr>
+          <p:nvPr/>
+        </p:nvCxnSpPr>
+        <p:spPr>
+          <a:xfrm>
+            <a:off x="2118207" y="1361213"/>
+            <a:ext cx="3052620" cy="1957821"/>
+          </a:xfrm>
+          <a:prstGeom prst="bentConnector3">
+            <a:avLst>
+              <a:gd name="adj1" fmla="val 9436"/>
+            </a:avLst>
+          </a:prstGeom>
+          <a:ln w="38100">
+            <a:tailEnd type="triangle"/>
+          </a:ln>
+        </p:spPr>
+        <p:style>
+          <a:lnRef idx="1">
+            <a:schemeClr val="accent1"/>
+          </a:lnRef>
+          <a:fillRef idx="0">
+            <a:schemeClr val="accent1"/>
+          </a:fillRef>
+          <a:effectRef idx="0">
+            <a:schemeClr val="accent1"/>
+          </a:effectRef>
+          <a:fontRef idx="minor">
+            <a:schemeClr val="tx1"/>
+          </a:fontRef>
+        </p:style>
+      </p:cxnSp>
+      <p:cxnSp>
+        <p:nvCxnSpPr>
+          <p:cNvPr id="23" name="연결선: 꺾임 22">
+            <a:extLst>
+              <a:ext uri="{FF2B5EF4-FFF2-40B4-BE49-F238E27FC236}">
+                <a16:creationId xmlns:a16="http://schemas.microsoft.com/office/drawing/2014/main" id="{94CF5065-A58A-B750-6F97-EF35F57FDD66}"/>
+              </a:ext>
+            </a:extLst>
+          </p:cNvPr>
+          <p:cNvCxnSpPr>
+            <a:cxnSpLocks/>
+          </p:cNvCxnSpPr>
+          <p:nvPr/>
+        </p:nvCxnSpPr>
+        <p:spPr>
+          <a:xfrm flipV="1">
+            <a:off x="7016946" y="1358903"/>
+            <a:ext cx="648000" cy="1908000"/>
+          </a:xfrm>
+          <a:prstGeom prst="bentConnector3">
+            <a:avLst>
+              <a:gd name="adj1" fmla="val 50000"/>
+            </a:avLst>
+          </a:prstGeom>
+          <a:ln w="38100">
+            <a:tailEnd type="triangle"/>
+          </a:ln>
+        </p:spPr>
+        <p:style>
+          <a:lnRef idx="1">
+            <a:schemeClr val="accent1"/>
+          </a:lnRef>
+          <a:fillRef idx="0">
+            <a:schemeClr val="accent1"/>
+          </a:fillRef>
+          <a:effectRef idx="0">
+            <a:schemeClr val="accent1"/>
+          </a:effectRef>
+          <a:fontRef idx="minor">
+            <a:schemeClr val="tx1"/>
+          </a:fontRef>
+        </p:style>
+      </p:cxnSp>
+      <p:sp>
+        <p:nvSpPr>
+          <p:cNvPr id="43" name="사각형: 둥근 모서리 42">
+            <a:extLst>
+              <a:ext uri="{FF2B5EF4-FFF2-40B4-BE49-F238E27FC236}">
+                <a16:creationId xmlns:a16="http://schemas.microsoft.com/office/drawing/2014/main" id="{ED53D550-6868-5FED-3A6B-328F1E1B5D78}"/>
+              </a:ext>
+            </a:extLst>
+          </p:cNvPr>
+          <p:cNvSpPr/>
+          <p:nvPr/>
+        </p:nvSpPr>
+        <p:spPr>
+          <a:xfrm>
+            <a:off x="5170827" y="2949579"/>
+            <a:ext cx="1884219" cy="738909"/>
+          </a:xfrm>
+          <a:prstGeom prst="roundRect">
+            <a:avLst/>
+          </a:prstGeom>
+          <a:solidFill>
+            <a:schemeClr val="bg1"/>
+          </a:solidFill>
+        </p:spPr>
+        <p:style>
+          <a:lnRef idx="2">
+            <a:schemeClr val="accent1">
+              <a:shade val="15000"/>
+            </a:schemeClr>
+          </a:lnRef>
+          <a:fillRef idx="1">
+            <a:schemeClr val="accent1"/>
+          </a:fillRef>
+          <a:effectRef idx="0">
+            <a:schemeClr val="accent1"/>
+          </a:effectRef>
+          <a:fontRef idx="minor">
+            <a:schemeClr val="lt1"/>
+          </a:fontRef>
+        </p:style>
+        <p:txBody>
+          <a:bodyPr rtlCol="0" anchor="ctr"/>
+          <a:lstStyle/>
+          <a:p>
+            <a:pPr algn="ctr"/>
+            <a:r>
+              <a:rPr lang="ko-KR" altLang="en-US" dirty="0">
+                <a:solidFill>
+                  <a:schemeClr val="tx1"/>
+                </a:solidFill>
+              </a:rPr>
+              <a:t>신규상품주문</a:t>
+            </a:r>
+            <a:endParaRPr lang="en-US" altLang="ko-KR" dirty="0">
+              <a:solidFill>
+                <a:schemeClr val="tx1"/>
+              </a:solidFill>
+            </a:endParaRPr>
+          </a:p>
+          <a:p>
+            <a:pPr algn="ctr"/>
+            <a:r>
+              <a:rPr kumimoji="0" lang="en-US" altLang="ko-KR" sz="1200" b="0" i="0" u="none" strike="noStrike" kern="1200" cap="none" spc="0" normalizeH="0" baseline="0" noProof="0" dirty="0">
+                <a:ln>
+                  <a:noFill/>
+                </a:ln>
+                <a:solidFill>
+                  <a:prstClr val="black">
+                    <a:lumMod val="50000"/>
+                    <a:lumOff val="50000"/>
+                  </a:prstClr>
+                </a:solidFill>
+                <a:effectLst/>
+                <a:uLnTx/>
+                <a:uFillTx/>
+                <a:latin typeface="맑은 고딕" panose="020F0502020204030204"/>
+                <a:ea typeface="맑은 고딕" panose="020B0503020000020004" pitchFamily="50" charset="-127"/>
+                <a:cs typeface="+mn-cs"/>
+              </a:rPr>
+              <a:t>market/item/new</a:t>
+            </a:r>
+            <a:endParaRPr lang="ko-KR" altLang="en-US" dirty="0">
+              <a:solidFill>
+                <a:schemeClr val="tx1"/>
+              </a:solidFill>
+            </a:endParaRPr>
+          </a:p>
+        </p:txBody>
+      </p:sp>
     </p:spTree>
     <p:extLst>
       <p:ext uri="{BB962C8B-B14F-4D97-AF65-F5344CB8AC3E}">
@@ -21610,6 +21944,67 @@
                 </a:solidFill>
               </a:rPr>
               <a:t>수정</a:t>
+            </a:r>
+          </a:p>
+        </p:txBody>
+      </p:sp>
+      <p:sp>
+        <p:nvSpPr>
+          <p:cNvPr id="9" name="직사각형 8">
+            <a:extLst>
+              <a:ext uri="{FF2B5EF4-FFF2-40B4-BE49-F238E27FC236}">
+                <a16:creationId xmlns:a16="http://schemas.microsoft.com/office/drawing/2014/main" id="{E72ED664-C290-29CC-A122-60F858473F70}"/>
+              </a:ext>
+            </a:extLst>
+          </p:cNvPr>
+          <p:cNvSpPr/>
+          <p:nvPr/>
+        </p:nvSpPr>
+        <p:spPr>
+          <a:xfrm>
+            <a:off x="0" y="1"/>
+            <a:ext cx="12192000" cy="6858000"/>
+          </a:xfrm>
+          <a:prstGeom prst="rect">
+            <a:avLst/>
+          </a:prstGeom>
+          <a:solidFill>
+            <a:schemeClr val="tx1">
+              <a:alpha val="50000"/>
+            </a:schemeClr>
+          </a:solidFill>
+          <a:ln w="38100">
+            <a:noFill/>
+          </a:ln>
+        </p:spPr>
+        <p:style>
+          <a:lnRef idx="2">
+            <a:schemeClr val="accent1">
+              <a:shade val="15000"/>
+            </a:schemeClr>
+          </a:lnRef>
+          <a:fillRef idx="1">
+            <a:schemeClr val="accent1"/>
+          </a:fillRef>
+          <a:effectRef idx="0">
+            <a:schemeClr val="accent1"/>
+          </a:effectRef>
+          <a:fontRef idx="minor">
+            <a:schemeClr val="lt1"/>
+          </a:fontRef>
+        </p:style>
+        <p:txBody>
+          <a:bodyPr rtlCol="0" anchor="ctr"/>
+          <a:lstStyle/>
+          <a:p>
+            <a:pPr algn="ctr"/>
+            <a:r>
+              <a:rPr lang="ko-KR" altLang="en-US" sz="8000" b="1" dirty="0">
+                <a:solidFill>
+                  <a:schemeClr val="bg1"/>
+                </a:solidFill>
+              </a:rPr>
+              <a:t>보류</a:t>
             </a:r>
           </a:p>
         </p:txBody>
